--- a/OpenStack容器化持续集成与交付实践方案.pptx
+++ b/OpenStack容器化持续集成与交付实践方案.pptx
@@ -5,25 +5,27 @@
     <p:sldMasterId id="2147483648" r:id="rId1"/>
   </p:sldMasterIdLst>
   <p:notesMasterIdLst>
-    <p:notesMasterId r:id="rId18"/>
+    <p:notesMasterId r:id="rId20"/>
   </p:notesMasterIdLst>
   <p:sldIdLst>
     <p:sldId id="256" r:id="rId2"/>
     <p:sldId id="274" r:id="rId3"/>
     <p:sldId id="275" r:id="rId4"/>
-    <p:sldId id="276" r:id="rId5"/>
-    <p:sldId id="277" r:id="rId6"/>
-    <p:sldId id="278" r:id="rId7"/>
-    <p:sldId id="279" r:id="rId8"/>
-    <p:sldId id="280" r:id="rId9"/>
-    <p:sldId id="281" r:id="rId10"/>
-    <p:sldId id="266" r:id="rId11"/>
-    <p:sldId id="270" r:id="rId12"/>
-    <p:sldId id="263" r:id="rId13"/>
-    <p:sldId id="272" r:id="rId14"/>
-    <p:sldId id="273" r:id="rId15"/>
-    <p:sldId id="271" r:id="rId16"/>
-    <p:sldId id="259" r:id="rId17"/>
+    <p:sldId id="282" r:id="rId5"/>
+    <p:sldId id="276" r:id="rId6"/>
+    <p:sldId id="277" r:id="rId7"/>
+    <p:sldId id="278" r:id="rId8"/>
+    <p:sldId id="279" r:id="rId9"/>
+    <p:sldId id="280" r:id="rId10"/>
+    <p:sldId id="281" r:id="rId11"/>
+    <p:sldId id="283" r:id="rId12"/>
+    <p:sldId id="266" r:id="rId13"/>
+    <p:sldId id="270" r:id="rId14"/>
+    <p:sldId id="263" r:id="rId15"/>
+    <p:sldId id="272" r:id="rId16"/>
+    <p:sldId id="273" r:id="rId17"/>
+    <p:sldId id="271" r:id="rId18"/>
+    <p:sldId id="259" r:id="rId19"/>
   </p:sldIdLst>
   <p:sldSz cx="9144000" cy="5143500" type="screen16x9"/>
   <p:notesSz cx="6858000" cy="9144000"/>
@@ -223,7 +225,7 @@
           <a:p>
             <a:fld id="{73B0515F-9AD3-4D2F-A2F2-4424ABF2C5B6}" type="datetimeFigureOut">
               <a:rPr lang="zh-CN" altLang="en-US" smtClean="0"/>
-              <a:t>2018/6/2</a:t>
+              <a:t>2018/6/7</a:t>
             </a:fld>
             <a:endParaRPr lang="zh-CN" altLang="en-US"/>
           </a:p>
@@ -535,6 +537,58 @@
           <a:bodyPr/>
           <a:lstStyle/>
           <a:p>
+            <a:r>
+              <a:rPr lang="zh-CN" altLang="en-US" dirty="0" smtClean="0"/>
+              <a:t>大家好，我是来自浪潮的李红卫，主要负责浪潮</a:t>
+            </a:r>
+            <a:r>
+              <a:rPr lang="en-US" altLang="zh-CN" dirty="0" smtClean="0"/>
+              <a:t>OpenStack</a:t>
+            </a:r>
+            <a:r>
+              <a:rPr lang="zh-CN" altLang="en-US" dirty="0" smtClean="0"/>
+              <a:t>相关产品的</a:t>
+            </a:r>
+            <a:r>
+              <a:rPr lang="en-US" altLang="zh-CN" dirty="0" smtClean="0"/>
+              <a:t>CI/CD</a:t>
+            </a:r>
+            <a:r>
+              <a:rPr lang="zh-CN" altLang="en-US" dirty="0" smtClean="0"/>
+              <a:t>的建设；这位是来自北京中铁信科技有限公司的李义杰老师，李义杰老师在</a:t>
+            </a:r>
+            <a:r>
+              <a:rPr lang="en-US" altLang="zh-CN" dirty="0" smtClean="0"/>
+              <a:t>OpenStack</a:t>
+            </a:r>
+            <a:r>
+              <a:rPr lang="zh-CN" altLang="en-US" dirty="0" smtClean="0"/>
+              <a:t>容器化</a:t>
+            </a:r>
+            <a:r>
+              <a:rPr lang="en-US" altLang="zh-CN" dirty="0" smtClean="0"/>
+              <a:t>CI/CD</a:t>
+            </a:r>
+            <a:r>
+              <a:rPr lang="zh-CN" altLang="en-US" dirty="0" smtClean="0"/>
+              <a:t>方面做了大量的研究和探索。今天就由我们两个在这里与大家分享一下我们在</a:t>
+            </a:r>
+            <a:r>
+              <a:rPr lang="en-US" altLang="zh-CN" dirty="0" smtClean="0"/>
+              <a:t>CI/CD</a:t>
+            </a:r>
+            <a:r>
+              <a:rPr lang="zh-CN" altLang="en-US" dirty="0" smtClean="0"/>
+              <a:t>方面所做的一些工作。今天我们与大家分享的题目是</a:t>
+            </a:r>
+            <a:r>
+              <a:rPr lang="en-US" altLang="zh-CN" dirty="0" smtClean="0"/>
+              <a:t>OpenStack</a:t>
+            </a:r>
+            <a:r>
+              <a:rPr lang="zh-CN" altLang="en-US" dirty="0" smtClean="0"/>
+              <a:t>容器化持续集成与交付实践方案</a:t>
+            </a:r>
             <a:endParaRPr lang="zh-CN" altLang="en-US" dirty="0"/>
           </a:p>
         </p:txBody>
@@ -566,6 +620,2440 @@
     <p:extLst>
       <p:ext uri="{BB962C8B-B14F-4D97-AF65-F5344CB8AC3E}">
         <p14:creationId xmlns:p14="http://schemas.microsoft.com/office/powerpoint/2010/main" val="1853727109"/>
+      </p:ext>
+    </p:extLst>
+  </p:cSld>
+  <p:clrMapOvr>
+    <a:masterClrMapping/>
+  </p:clrMapOvr>
+</p:notes>
+</file>
+
+<file path=ppt/notesSlides/notesSlide10.xml><?xml version="1.0" encoding="utf-8"?>
+<p:notes xmlns:a="http://schemas.openxmlformats.org/drawingml/2006/main" xmlns:r="http://schemas.openxmlformats.org/officeDocument/2006/relationships" xmlns:p="http://schemas.openxmlformats.org/presentationml/2006/main">
+  <p:cSld>
+    <p:spTree>
+      <p:nvGrpSpPr>
+        <p:cNvPr id="1" name=""/>
+        <p:cNvGrpSpPr/>
+        <p:nvPr/>
+      </p:nvGrpSpPr>
+      <p:grpSpPr>
+        <a:xfrm>
+          <a:off x="0" y="0"/>
+          <a:ext cx="0" cy="0"/>
+          <a:chOff x="0" y="0"/>
+          <a:chExt cx="0" cy="0"/>
+        </a:xfrm>
+      </p:grpSpPr>
+      <p:sp>
+        <p:nvSpPr>
+          <p:cNvPr id="2" name="幻灯片图像占位符 1"/>
+          <p:cNvSpPr>
+            <a:spLocks noGrp="1" noRot="1" noChangeAspect="1"/>
+          </p:cNvSpPr>
+          <p:nvPr>
+            <p:ph type="sldImg"/>
+          </p:nvPr>
+        </p:nvSpPr>
+        <p:spPr/>
+      </p:sp>
+      <p:sp>
+        <p:nvSpPr>
+          <p:cNvPr id="3" name="备注占位符 2"/>
+          <p:cNvSpPr>
+            <a:spLocks noGrp="1"/>
+          </p:cNvSpPr>
+          <p:nvPr>
+            <p:ph type="body" idx="1"/>
+          </p:nvPr>
+        </p:nvSpPr>
+        <p:spPr/>
+        <p:txBody>
+          <a:bodyPr/>
+          <a:lstStyle/>
+          <a:p>
+            <a:r>
+              <a:rPr lang="en-US" altLang="zh-CN" dirty="0" smtClean="0"/>
+              <a:t>OpenStack</a:t>
+            </a:r>
+            <a:r>
+              <a:rPr lang="zh-CN" altLang="en-US" dirty="0" smtClean="0"/>
+              <a:t>的安全性也是很重要的一部分内容，很多可以客户对</a:t>
+            </a:r>
+            <a:r>
+              <a:rPr lang="en-US" altLang="zh-CN" dirty="0" smtClean="0"/>
+              <a:t>OpenStack</a:t>
+            </a:r>
+            <a:r>
+              <a:rPr lang="zh-CN" altLang="en-US" dirty="0" smtClean="0"/>
+              <a:t>的安全性提出了很高的要求。我们在关注</a:t>
+            </a:r>
+            <a:r>
+              <a:rPr lang="en-US" altLang="zh-CN" dirty="0" smtClean="0"/>
+              <a:t>OpenStack</a:t>
+            </a:r>
+            <a:r>
+              <a:rPr lang="zh-CN" altLang="en-US" dirty="0" smtClean="0"/>
+              <a:t>功能及部署的同时，也花了很大一部分精力在</a:t>
+            </a:r>
+            <a:r>
+              <a:rPr lang="en-US" altLang="zh-CN" dirty="0" smtClean="0"/>
+              <a:t>OpenStack</a:t>
+            </a:r>
+            <a:r>
+              <a:rPr lang="zh-CN" altLang="en-US" dirty="0" smtClean="0"/>
+              <a:t>的安全加固上。上图就是我们修复的</a:t>
+            </a:r>
+            <a:r>
+              <a:rPr lang="en-US" altLang="zh-CN" dirty="0" smtClean="0"/>
+              <a:t>OpenStack</a:t>
+            </a:r>
+            <a:r>
+              <a:rPr lang="zh-CN" altLang="en-US" dirty="0" smtClean="0"/>
+              <a:t>中的安全漏洞。主要包括</a:t>
+            </a:r>
+            <a:r>
+              <a:rPr lang="en-US" altLang="zh-CN" dirty="0" smtClean="0"/>
+              <a:t>intel</a:t>
+            </a:r>
+            <a:r>
+              <a:rPr lang="zh-CN" altLang="en-US" dirty="0" smtClean="0"/>
+              <a:t>高危</a:t>
+            </a:r>
+            <a:r>
+              <a:rPr lang="en-US" altLang="zh-CN" dirty="0" smtClean="0"/>
+              <a:t>meltdown</a:t>
+            </a:r>
+            <a:r>
+              <a:rPr lang="zh-CN" altLang="en-US" dirty="0" smtClean="0"/>
+              <a:t>和</a:t>
+            </a:r>
+            <a:r>
+              <a:rPr lang="en-US" altLang="zh-CN" dirty="0" err="1" smtClean="0"/>
+              <a:t>spectre</a:t>
+            </a:r>
+            <a:r>
+              <a:rPr lang="zh-CN" altLang="en-US" dirty="0" smtClean="0"/>
+              <a:t>漏洞等。</a:t>
+            </a:r>
+            <a:endParaRPr lang="zh-CN" altLang="en-US" dirty="0"/>
+          </a:p>
+        </p:txBody>
+      </p:sp>
+      <p:sp>
+        <p:nvSpPr>
+          <p:cNvPr id="4" name="灯片编号占位符 3"/>
+          <p:cNvSpPr>
+            <a:spLocks noGrp="1"/>
+          </p:cNvSpPr>
+          <p:nvPr>
+            <p:ph type="sldNum" sz="quarter" idx="10"/>
+          </p:nvPr>
+        </p:nvSpPr>
+        <p:spPr/>
+        <p:txBody>
+          <a:bodyPr/>
+          <a:lstStyle/>
+          <a:p>
+            <a:fld id="{A5880B28-9EFC-4886-B758-D4B847183D21}" type="slidenum">
+              <a:rPr lang="zh-CN" altLang="en-US" smtClean="0"/>
+              <a:t>10</a:t>
+            </a:fld>
+            <a:endParaRPr lang="zh-CN" altLang="en-US"/>
+          </a:p>
+        </p:txBody>
+      </p:sp>
+    </p:spTree>
+    <p:extLst>
+      <p:ext uri="{BB962C8B-B14F-4D97-AF65-F5344CB8AC3E}">
+        <p14:creationId xmlns:p14="http://schemas.microsoft.com/office/powerpoint/2010/main" val="652231627"/>
+      </p:ext>
+    </p:extLst>
+  </p:cSld>
+  <p:clrMapOvr>
+    <a:masterClrMapping/>
+  </p:clrMapOvr>
+</p:notes>
+</file>
+
+<file path=ppt/notesSlides/notesSlide11.xml><?xml version="1.0" encoding="utf-8"?>
+<p:notes xmlns:a="http://schemas.openxmlformats.org/drawingml/2006/main" xmlns:r="http://schemas.openxmlformats.org/officeDocument/2006/relationships" xmlns:p="http://schemas.openxmlformats.org/presentationml/2006/main">
+  <p:cSld>
+    <p:spTree>
+      <p:nvGrpSpPr>
+        <p:cNvPr id="1" name=""/>
+        <p:cNvGrpSpPr/>
+        <p:nvPr/>
+      </p:nvGrpSpPr>
+      <p:grpSpPr>
+        <a:xfrm>
+          <a:off x="0" y="0"/>
+          <a:ext cx="0" cy="0"/>
+          <a:chOff x="0" y="0"/>
+          <a:chExt cx="0" cy="0"/>
+        </a:xfrm>
+      </p:grpSpPr>
+      <p:sp>
+        <p:nvSpPr>
+          <p:cNvPr id="2" name="幻灯片图像占位符 1"/>
+          <p:cNvSpPr>
+            <a:spLocks noGrp="1" noRot="1" noChangeAspect="1"/>
+          </p:cNvSpPr>
+          <p:nvPr>
+            <p:ph type="sldImg"/>
+          </p:nvPr>
+        </p:nvSpPr>
+        <p:spPr/>
+      </p:sp>
+      <p:sp>
+        <p:nvSpPr>
+          <p:cNvPr id="3" name="备注占位符 2"/>
+          <p:cNvSpPr>
+            <a:spLocks noGrp="1"/>
+          </p:cNvSpPr>
+          <p:nvPr>
+            <p:ph type="body" idx="1"/>
+          </p:nvPr>
+        </p:nvSpPr>
+        <p:spPr/>
+        <p:txBody>
+          <a:bodyPr/>
+          <a:lstStyle/>
+          <a:p>
+            <a:r>
+              <a:rPr lang="en-US" altLang="zh-CN" dirty="0" smtClean="0"/>
+              <a:t>OpenStack</a:t>
+            </a:r>
+            <a:r>
+              <a:rPr lang="zh-CN" altLang="en-US" dirty="0" smtClean="0"/>
+              <a:t>容器化部署是一项很复杂的系统工程，目前还没有一套非常成熟的工具来完美的解决这一个问题。我们在</a:t>
+            </a:r>
+            <a:r>
+              <a:rPr lang="en-US" altLang="zh-CN" dirty="0" smtClean="0"/>
+              <a:t>OpenStack</a:t>
+            </a:r>
+            <a:r>
+              <a:rPr lang="zh-CN" altLang="en-US" dirty="0" smtClean="0"/>
+              <a:t>产品化过程中，一方面通过设计个性化镜像构建流程及相关程序的开发，形成了一套流程和工具，使得可以达到每日构建和环境升级的目标，提高了产品化过程中的敏捷程度。另一方面，我们将容器化部署过程划分成了一些小的阶段，并针对每一个阶段都开发了一系列的工具，从而在一定程度上减少容器化部署所需要的时间。在某项目中使用我们开发的这些工具，在</a:t>
+            </a:r>
+            <a:r>
+              <a:rPr lang="en-US" altLang="zh-CN" dirty="0" smtClean="0"/>
+              <a:t>48</a:t>
+            </a:r>
+            <a:r>
+              <a:rPr lang="zh-CN" altLang="en-US" dirty="0" smtClean="0"/>
+              <a:t>小时内可以完成</a:t>
+            </a:r>
+            <a:r>
+              <a:rPr lang="en-US" altLang="zh-CN" dirty="0" smtClean="0"/>
+              <a:t>300</a:t>
+            </a:r>
+            <a:r>
+              <a:rPr lang="zh-CN" altLang="en-US" dirty="0" smtClean="0"/>
+              <a:t>点的部署。</a:t>
+            </a:r>
+            <a:endParaRPr lang="en-US" altLang="zh-CN" dirty="0" smtClean="0"/>
+          </a:p>
+          <a:p>
+            <a:endParaRPr lang="en-US" altLang="zh-CN" dirty="0" smtClean="0"/>
+          </a:p>
+          <a:p>
+            <a:r>
+              <a:rPr lang="zh-CN" altLang="en-US" dirty="0" smtClean="0"/>
+              <a:t>我上面给大家分享的内容是我们在</a:t>
+            </a:r>
+            <a:r>
+              <a:rPr lang="en-US" altLang="zh-CN" dirty="0" smtClean="0"/>
+              <a:t>OpenStack</a:t>
+            </a:r>
+            <a:r>
+              <a:rPr lang="zh-CN" altLang="en-US" dirty="0" smtClean="0"/>
+              <a:t>产品化过程中，以企业级、大批量、成熟可靠、简单易用的部署工具为目标</a:t>
+            </a:r>
+            <a:r>
+              <a:rPr lang="zh-CN" altLang="en-US" dirty="0" smtClean="0"/>
+              <a:t>，重点关注稳定性</a:t>
+            </a:r>
+            <a:r>
+              <a:rPr lang="zh-CN" altLang="en-US" dirty="0" smtClean="0"/>
+              <a:t>和高效性。与此同时，社区中有关</a:t>
+            </a:r>
+            <a:r>
+              <a:rPr lang="en-US" altLang="zh-CN" dirty="0" smtClean="0"/>
+              <a:t>OpenStack</a:t>
+            </a:r>
+            <a:r>
+              <a:rPr lang="zh-CN" altLang="en-US" dirty="0" smtClean="0"/>
+              <a:t>容器化部署的新的工具及或者是组合工具也在快速的发展，比如</a:t>
+            </a:r>
+            <a:r>
+              <a:rPr lang="en-US" altLang="zh-CN" dirty="0" err="1" smtClean="0"/>
+              <a:t>openshift</a:t>
+            </a:r>
+            <a:r>
+              <a:rPr lang="zh-CN" altLang="en-US" dirty="0" smtClean="0"/>
+              <a:t>、</a:t>
+            </a:r>
+            <a:r>
+              <a:rPr lang="en-US" altLang="zh-CN" dirty="0" err="1" smtClean="0"/>
+              <a:t>kolla-kubernetes</a:t>
+            </a:r>
+            <a:r>
+              <a:rPr lang="zh-CN" altLang="en-US" dirty="0" smtClean="0"/>
+              <a:t>，下面就有请我们北京中铁信科技有限公司的李义杰老师跟我分享一下这方面的内容。</a:t>
+            </a:r>
+            <a:endParaRPr lang="en-US" altLang="zh-CN" dirty="0" smtClean="0"/>
+          </a:p>
+          <a:p>
+            <a:endParaRPr lang="zh-CN" altLang="en-US" dirty="0"/>
+          </a:p>
+        </p:txBody>
+      </p:sp>
+      <p:sp>
+        <p:nvSpPr>
+          <p:cNvPr id="4" name="灯片编号占位符 3"/>
+          <p:cNvSpPr>
+            <a:spLocks noGrp="1"/>
+          </p:cNvSpPr>
+          <p:nvPr>
+            <p:ph type="sldNum" sz="quarter" idx="10"/>
+          </p:nvPr>
+        </p:nvSpPr>
+        <p:spPr/>
+        <p:txBody>
+          <a:bodyPr/>
+          <a:lstStyle/>
+          <a:p>
+            <a:fld id="{A5880B28-9EFC-4886-B758-D4B847183D21}" type="slidenum">
+              <a:rPr lang="zh-CN" altLang="en-US" smtClean="0"/>
+              <a:t>11</a:t>
+            </a:fld>
+            <a:endParaRPr lang="zh-CN" altLang="en-US"/>
+          </a:p>
+        </p:txBody>
+      </p:sp>
+    </p:spTree>
+    <p:extLst>
+      <p:ext uri="{BB962C8B-B14F-4D97-AF65-F5344CB8AC3E}">
+        <p14:creationId xmlns:p14="http://schemas.microsoft.com/office/powerpoint/2010/main" val="606577029"/>
+      </p:ext>
+    </p:extLst>
+  </p:cSld>
+  <p:clrMapOvr>
+    <a:masterClrMapping/>
+  </p:clrMapOvr>
+</p:notes>
+</file>
+
+<file path=ppt/notesSlides/notesSlide12.xml><?xml version="1.0" encoding="utf-8"?>
+<p:notes xmlns:a="http://schemas.openxmlformats.org/drawingml/2006/main" xmlns:r="http://schemas.openxmlformats.org/officeDocument/2006/relationships" xmlns:p="http://schemas.openxmlformats.org/presentationml/2006/main">
+  <p:cSld>
+    <p:spTree>
+      <p:nvGrpSpPr>
+        <p:cNvPr id="1" name=""/>
+        <p:cNvGrpSpPr/>
+        <p:nvPr/>
+      </p:nvGrpSpPr>
+      <p:grpSpPr>
+        <a:xfrm>
+          <a:off x="0" y="0"/>
+          <a:ext cx="0" cy="0"/>
+          <a:chOff x="0" y="0"/>
+          <a:chExt cx="0" cy="0"/>
+        </a:xfrm>
+      </p:grpSpPr>
+      <p:sp>
+        <p:nvSpPr>
+          <p:cNvPr id="2" name="幻灯片图像占位符 1"/>
+          <p:cNvSpPr>
+            <a:spLocks noGrp="1" noRot="1" noChangeAspect="1"/>
+          </p:cNvSpPr>
+          <p:nvPr>
+            <p:ph type="sldImg"/>
+          </p:nvPr>
+        </p:nvSpPr>
+        <p:spPr/>
+      </p:sp>
+      <p:sp>
+        <p:nvSpPr>
+          <p:cNvPr id="3" name="备注占位符 2"/>
+          <p:cNvSpPr>
+            <a:spLocks noGrp="1"/>
+          </p:cNvSpPr>
+          <p:nvPr>
+            <p:ph type="body" idx="1"/>
+          </p:nvPr>
+        </p:nvSpPr>
+        <p:spPr/>
+        <p:txBody>
+          <a:bodyPr/>
+          <a:lstStyle/>
+          <a:p>
+            <a:r>
+              <a:rPr lang="en-US" altLang="zh-CN" dirty="0" smtClean="0"/>
+              <a:t>2 min</a:t>
+            </a:r>
+          </a:p>
+          <a:p>
+            <a:pPr marL="228600" indent="-228600">
+              <a:buAutoNum type="arabicPeriod"/>
+            </a:pPr>
+            <a:r>
+              <a:rPr lang="zh-CN" altLang="en-US" dirty="0" smtClean="0"/>
+              <a:t>先大概介绍</a:t>
+            </a:r>
+            <a:r>
+              <a:rPr lang="en-US" altLang="zh-CN" dirty="0" err="1" smtClean="0"/>
+              <a:t>kubernetes</a:t>
+            </a:r>
+            <a:endParaRPr lang="en-US" altLang="zh-CN" dirty="0" smtClean="0"/>
+          </a:p>
+          <a:p>
+            <a:pPr marL="228600" indent="-228600">
+              <a:buAutoNum type="arabicPeriod"/>
+            </a:pPr>
+            <a:r>
+              <a:rPr lang="en-US" altLang="zh-CN" dirty="0" smtClean="0"/>
+              <a:t>Kubernetes</a:t>
+            </a:r>
+            <a:r>
+              <a:rPr lang="zh-CN" altLang="en-US" dirty="0" smtClean="0"/>
+              <a:t>与</a:t>
+            </a:r>
+            <a:r>
+              <a:rPr lang="en-US" altLang="zh-CN" dirty="0" smtClean="0"/>
+              <a:t>OpenStack</a:t>
+            </a:r>
+            <a:r>
+              <a:rPr lang="zh-CN" altLang="en-US" dirty="0" smtClean="0"/>
+              <a:t>结合</a:t>
+            </a:r>
+            <a:endParaRPr lang="en-US" altLang="zh-CN" dirty="0" smtClean="0"/>
+          </a:p>
+          <a:p>
+            <a:r>
+              <a:rPr lang="zh-CN" altLang="en-US" dirty="0" smtClean="0"/>
+              <a:t>作为应用程序运行：天然的使用</a:t>
+            </a:r>
+            <a:r>
+              <a:rPr lang="en-US" altLang="zh-CN" dirty="0" err="1" smtClean="0"/>
+              <a:t>kubernetes</a:t>
+            </a:r>
+            <a:r>
+              <a:rPr lang="zh-CN" altLang="en-US" dirty="0" smtClean="0"/>
+              <a:t>提供的各种功能</a:t>
+            </a:r>
+            <a:endParaRPr lang="en-US" altLang="zh-CN" dirty="0" smtClean="0"/>
+          </a:p>
+          <a:p>
+            <a:r>
+              <a:rPr lang="en-US" altLang="zh-CN" dirty="0" err="1" smtClean="0"/>
+              <a:t>Openstack</a:t>
+            </a:r>
+            <a:r>
+              <a:rPr lang="en-US" altLang="zh-CN" dirty="0" smtClean="0"/>
+              <a:t> </a:t>
+            </a:r>
+            <a:r>
+              <a:rPr lang="zh-CN" altLang="en-US" dirty="0" smtClean="0"/>
+              <a:t>利用</a:t>
+            </a:r>
+            <a:r>
+              <a:rPr lang="en-US" altLang="zh-CN" dirty="0" smtClean="0"/>
+              <a:t>PAAS</a:t>
+            </a:r>
+            <a:r>
+              <a:rPr lang="zh-CN" altLang="en-US" dirty="0" smtClean="0"/>
+              <a:t>平台的容器管理功能，健康检查、弹性伸缩、部署策略、节点调度、利用</a:t>
+            </a:r>
+            <a:r>
+              <a:rPr lang="en-US" altLang="zh-CN" dirty="0" smtClean="0"/>
+              <a:t>pipeline</a:t>
+            </a:r>
+            <a:r>
+              <a:rPr lang="zh-CN" altLang="en-US" dirty="0" smtClean="0"/>
+              <a:t>实现</a:t>
+            </a:r>
+            <a:r>
+              <a:rPr lang="en-US" altLang="zh-CN" dirty="0" smtClean="0"/>
+              <a:t>CI/CD</a:t>
+            </a:r>
+            <a:r>
+              <a:rPr lang="zh-CN" altLang="en-US" dirty="0" smtClean="0"/>
+              <a:t>，提高开发运维效率</a:t>
+            </a:r>
+            <a:endParaRPr lang="en-US" altLang="zh-CN" dirty="0" smtClean="0"/>
+          </a:p>
+          <a:p>
+            <a:r>
+              <a:rPr lang="en-US" altLang="zh-CN" dirty="0" smtClean="0"/>
+              <a:t>Kubernetes </a:t>
+            </a:r>
+            <a:r>
+              <a:rPr lang="zh-CN" altLang="en-US" dirty="0" smtClean="0"/>
+              <a:t>利用 </a:t>
+            </a:r>
+            <a:r>
+              <a:rPr lang="en-US" altLang="zh-CN" dirty="0" err="1" smtClean="0"/>
+              <a:t>openstack</a:t>
+            </a:r>
+            <a:r>
+              <a:rPr lang="en-US" altLang="zh-CN" baseline="0" dirty="0" smtClean="0"/>
+              <a:t> </a:t>
+            </a:r>
+            <a:r>
+              <a:rPr lang="zh-CN" altLang="en-US" baseline="0" dirty="0" smtClean="0"/>
+              <a:t>裸机管理功能实现对裸机设备的纳管</a:t>
+            </a:r>
+            <a:endParaRPr lang="en-US" altLang="zh-CN" dirty="0" smtClean="0"/>
+          </a:p>
+        </p:txBody>
+      </p:sp>
+      <p:sp>
+        <p:nvSpPr>
+          <p:cNvPr id="4" name="灯片编号占位符 3"/>
+          <p:cNvSpPr>
+            <a:spLocks noGrp="1"/>
+          </p:cNvSpPr>
+          <p:nvPr>
+            <p:ph type="sldNum" sz="quarter" idx="10"/>
+          </p:nvPr>
+        </p:nvSpPr>
+        <p:spPr/>
+        <p:txBody>
+          <a:bodyPr/>
+          <a:lstStyle/>
+          <a:p>
+            <a:fld id="{A5880B28-9EFC-4886-B758-D4B847183D21}" type="slidenum">
+              <a:rPr lang="zh-CN" altLang="en-US" smtClean="0"/>
+              <a:t>12</a:t>
+            </a:fld>
+            <a:endParaRPr lang="zh-CN" altLang="en-US"/>
+          </a:p>
+        </p:txBody>
+      </p:sp>
+    </p:spTree>
+    <p:extLst>
+      <p:ext uri="{BB962C8B-B14F-4D97-AF65-F5344CB8AC3E}">
+        <p14:creationId xmlns:p14="http://schemas.microsoft.com/office/powerpoint/2010/main" val="3280576656"/>
+      </p:ext>
+    </p:extLst>
+  </p:cSld>
+  <p:clrMapOvr>
+    <a:masterClrMapping/>
+  </p:clrMapOvr>
+</p:notes>
+</file>
+
+<file path=ppt/notesSlides/notesSlide13.xml><?xml version="1.0" encoding="utf-8"?>
+<p:notes xmlns:a="http://schemas.openxmlformats.org/drawingml/2006/main" xmlns:r="http://schemas.openxmlformats.org/officeDocument/2006/relationships" xmlns:p="http://schemas.openxmlformats.org/presentationml/2006/main">
+  <p:cSld>
+    <p:spTree>
+      <p:nvGrpSpPr>
+        <p:cNvPr id="1" name=""/>
+        <p:cNvGrpSpPr/>
+        <p:nvPr/>
+      </p:nvGrpSpPr>
+      <p:grpSpPr>
+        <a:xfrm>
+          <a:off x="0" y="0"/>
+          <a:ext cx="0" cy="0"/>
+          <a:chOff x="0" y="0"/>
+          <a:chExt cx="0" cy="0"/>
+        </a:xfrm>
+      </p:grpSpPr>
+      <p:sp>
+        <p:nvSpPr>
+          <p:cNvPr id="2" name="幻灯片图像占位符 1"/>
+          <p:cNvSpPr>
+            <a:spLocks noGrp="1" noRot="1" noChangeAspect="1"/>
+          </p:cNvSpPr>
+          <p:nvPr>
+            <p:ph type="sldImg"/>
+          </p:nvPr>
+        </p:nvSpPr>
+        <p:spPr/>
+      </p:sp>
+      <p:sp>
+        <p:nvSpPr>
+          <p:cNvPr id="3" name="备注占位符 2"/>
+          <p:cNvSpPr>
+            <a:spLocks noGrp="1"/>
+          </p:cNvSpPr>
+          <p:nvPr>
+            <p:ph type="body" idx="1"/>
+          </p:nvPr>
+        </p:nvSpPr>
+        <p:spPr/>
+        <p:txBody>
+          <a:bodyPr/>
+          <a:lstStyle/>
+          <a:p>
+            <a:pPr marL="0" marR="0" lvl="0" indent="0" algn="l" defTabSz="914400" rtl="0" eaLnBrk="1" fontAlgn="auto" latinLnBrk="0" hangingPunct="1">
+              <a:lnSpc>
+                <a:spcPct val="100000"/>
+              </a:lnSpc>
+              <a:spcBef>
+                <a:spcPts val="0"/>
+              </a:spcBef>
+              <a:spcAft>
+                <a:spcPts val="0"/>
+              </a:spcAft>
+              <a:buClrTx/>
+              <a:buSzTx/>
+              <a:buFontTx/>
+              <a:buNone/>
+              <a:tabLst/>
+              <a:defRPr/>
+            </a:pPr>
+            <a:r>
+              <a:rPr lang="en-US" altLang="zh-CN" dirty="0" smtClean="0"/>
+              <a:t>3 min </a:t>
+            </a:r>
+            <a:r>
+              <a:rPr lang="en-US" altLang="zh-CN" dirty="0" err="1" smtClean="0"/>
+              <a:t>kolla-kubernetes</a:t>
+            </a:r>
+            <a:r>
+              <a:rPr lang="zh-CN" altLang="en-US" dirty="0" smtClean="0"/>
+              <a:t>结构分析</a:t>
+            </a:r>
+            <a:endParaRPr lang="en-US" altLang="zh-CN" dirty="0" smtClean="0"/>
+          </a:p>
+          <a:p>
+            <a:endParaRPr lang="en-US" altLang="zh-CN" dirty="0" smtClean="0"/>
+          </a:p>
+          <a:p>
+            <a:r>
+              <a:rPr lang="en-US" altLang="zh-CN" dirty="0" err="1" smtClean="0"/>
+              <a:t>Kolla-kubernetes</a:t>
+            </a:r>
+            <a:r>
+              <a:rPr lang="zh-CN" altLang="en-US" dirty="0" smtClean="0"/>
+              <a:t>使用新的软件管理和配置管理机制</a:t>
+            </a:r>
+            <a:r>
+              <a:rPr lang="en-US" altLang="zh-CN" dirty="0" smtClean="0"/>
+              <a:t>HELM </a:t>
+            </a:r>
+          </a:p>
+          <a:p>
+            <a:r>
+              <a:rPr lang="zh-CN" altLang="en-US" dirty="0" smtClean="0"/>
+              <a:t>可同时定义多种</a:t>
+            </a:r>
+            <a:r>
+              <a:rPr lang="en-US" altLang="zh-CN" dirty="0" smtClean="0"/>
+              <a:t>K8S</a:t>
+            </a:r>
+            <a:r>
+              <a:rPr lang="zh-CN" altLang="en-US" dirty="0" smtClean="0"/>
+              <a:t>资源</a:t>
+            </a:r>
+            <a:r>
+              <a:rPr lang="en-US" altLang="zh-CN" dirty="0" smtClean="0"/>
+              <a:t>job/</a:t>
+            </a:r>
+            <a:r>
+              <a:rPr lang="en-US" altLang="zh-CN" dirty="0" err="1" smtClean="0"/>
+              <a:t>statefulset</a:t>
+            </a:r>
+            <a:r>
+              <a:rPr lang="en-US" altLang="zh-CN" dirty="0" smtClean="0"/>
+              <a:t>/</a:t>
+            </a:r>
+            <a:r>
+              <a:rPr lang="en-US" altLang="zh-CN" dirty="0" err="1" smtClean="0"/>
+              <a:t>init</a:t>
+            </a:r>
+            <a:r>
+              <a:rPr lang="en-US" altLang="zh-CN" dirty="0" smtClean="0"/>
+              <a:t>-container</a:t>
+            </a:r>
+            <a:r>
+              <a:rPr lang="zh-CN" altLang="en-US" dirty="0" smtClean="0"/>
+              <a:t>，通过这些资源管理</a:t>
+            </a:r>
+            <a:r>
+              <a:rPr lang="en-US" altLang="zh-CN" dirty="0" smtClean="0"/>
+              <a:t>pod</a:t>
+            </a:r>
+            <a:r>
+              <a:rPr lang="zh-CN" altLang="en-US" dirty="0" smtClean="0"/>
+              <a:t>的生命周期</a:t>
+            </a:r>
+            <a:endParaRPr lang="en-US" altLang="zh-CN" dirty="0" smtClean="0"/>
+          </a:p>
+          <a:p>
+            <a:r>
+              <a:rPr lang="zh-CN" altLang="en-US" dirty="0" smtClean="0"/>
+              <a:t>定义的资源文件支持参数化，可使用</a:t>
+            </a:r>
+            <a:r>
+              <a:rPr lang="en-US" altLang="zh-CN" dirty="0" smtClean="0"/>
+              <a:t>jinjia2</a:t>
+            </a:r>
+            <a:r>
+              <a:rPr lang="zh-CN" altLang="en-US" dirty="0" smtClean="0"/>
+              <a:t>渲染文件格式；</a:t>
+            </a:r>
+            <a:r>
+              <a:rPr lang="en-US" altLang="zh-CN" dirty="0" smtClean="0"/>
+              <a:t>chart</a:t>
+            </a:r>
+            <a:r>
+              <a:rPr lang="zh-CN" altLang="en-US" dirty="0" smtClean="0"/>
+              <a:t>之间可以互相引用复用；</a:t>
+            </a:r>
+            <a:endParaRPr lang="en-US" altLang="zh-CN" dirty="0" smtClean="0"/>
+          </a:p>
+          <a:p>
+            <a:r>
+              <a:rPr lang="en-US" altLang="zh-CN" dirty="0" smtClean="0"/>
+              <a:t>helm</a:t>
+            </a:r>
+            <a:r>
+              <a:rPr lang="zh-CN" altLang="en-US" dirty="0" smtClean="0"/>
+              <a:t>支持应用版本管理，如</a:t>
+            </a:r>
+            <a:r>
+              <a:rPr lang="en-US" altLang="zh-CN" dirty="0" err="1" smtClean="0"/>
+              <a:t>docker</a:t>
+            </a:r>
+            <a:r>
+              <a:rPr lang="en-US" altLang="zh-CN" dirty="0" smtClean="0"/>
+              <a:t> history</a:t>
+            </a:r>
+          </a:p>
+          <a:p>
+            <a:pPr marL="0" marR="0" lvl="0" indent="0" algn="l" defTabSz="914400" rtl="0" eaLnBrk="1" fontAlgn="auto" latinLnBrk="0" hangingPunct="1">
+              <a:lnSpc>
+                <a:spcPct val="100000"/>
+              </a:lnSpc>
+              <a:spcBef>
+                <a:spcPts val="0"/>
+              </a:spcBef>
+              <a:spcAft>
+                <a:spcPts val="0"/>
+              </a:spcAft>
+              <a:buClrTx/>
+              <a:buSzTx/>
+              <a:buFontTx/>
+              <a:buNone/>
+              <a:tabLst/>
+              <a:defRPr/>
+            </a:pPr>
+            <a:endParaRPr lang="en-US" altLang="zh-CN" dirty="0" smtClean="0"/>
+          </a:p>
+          <a:p>
+            <a:pPr marL="0" marR="0" lvl="0" indent="0" algn="l" defTabSz="914400" rtl="0" eaLnBrk="1" fontAlgn="auto" latinLnBrk="0" hangingPunct="1">
+              <a:lnSpc>
+                <a:spcPct val="100000"/>
+              </a:lnSpc>
+              <a:spcBef>
+                <a:spcPts val="0"/>
+              </a:spcBef>
+              <a:spcAft>
+                <a:spcPts val="0"/>
+              </a:spcAft>
+              <a:buClrTx/>
+              <a:buSzTx/>
+              <a:buFontTx/>
+              <a:buNone/>
+              <a:tabLst/>
+              <a:defRPr/>
+            </a:pPr>
+            <a:r>
+              <a:rPr lang="zh-CN" altLang="en-US" dirty="0" smtClean="0"/>
+              <a:t>微服务化原则：流程可视化</a:t>
+            </a:r>
+            <a:r>
+              <a:rPr lang="en-US" altLang="zh-CN" dirty="0" smtClean="0"/>
+              <a:t>(</a:t>
+            </a:r>
+            <a:r>
+              <a:rPr lang="zh-CN" altLang="en-US" dirty="0" smtClean="0"/>
+              <a:t>关键步骤可见</a:t>
+            </a:r>
+            <a:r>
+              <a:rPr lang="en-US" altLang="zh-CN" dirty="0" smtClean="0"/>
+              <a:t>)</a:t>
+            </a:r>
+            <a:r>
+              <a:rPr lang="zh-CN" altLang="en-US" dirty="0" smtClean="0"/>
+              <a:t>、低耦合、可复用、明确依赖关系</a:t>
+            </a:r>
+            <a:r>
+              <a:rPr lang="en-US" altLang="zh-CN" dirty="0" smtClean="0"/>
+              <a:t>(neutron server &gt; </a:t>
+            </a:r>
+            <a:r>
+              <a:rPr lang="en-US" altLang="zh-CN" dirty="0" err="1" smtClean="0"/>
+              <a:t>mariadb</a:t>
+            </a:r>
+            <a:r>
+              <a:rPr lang="zh-CN" altLang="en-US" dirty="0" smtClean="0"/>
+              <a:t>、</a:t>
+            </a:r>
+            <a:r>
+              <a:rPr lang="en-US" altLang="zh-CN" dirty="0" smtClean="0"/>
+              <a:t>keystone</a:t>
+            </a:r>
+            <a:r>
+              <a:rPr lang="zh-CN" altLang="en-US" dirty="0" smtClean="0"/>
+              <a:t>、</a:t>
+            </a:r>
+            <a:r>
+              <a:rPr lang="en-US" altLang="zh-CN" dirty="0" smtClean="0"/>
+              <a:t>users</a:t>
+            </a:r>
+            <a:r>
+              <a:rPr lang="zh-CN" altLang="en-US" dirty="0" smtClean="0"/>
+              <a:t>、</a:t>
+            </a:r>
+            <a:r>
+              <a:rPr lang="en-US" altLang="zh-CN" dirty="0" smtClean="0"/>
+              <a:t>endpoints</a:t>
+            </a:r>
+            <a:r>
+              <a:rPr lang="zh-CN" altLang="en-US" dirty="0" smtClean="0"/>
+              <a:t>、</a:t>
+            </a:r>
+            <a:r>
+              <a:rPr lang="en-US" altLang="zh-CN" dirty="0" smtClean="0"/>
+              <a:t>)</a:t>
+            </a:r>
+          </a:p>
+          <a:p>
+            <a:pPr marL="0" marR="0" lvl="0" indent="0" algn="l" defTabSz="914400" rtl="0" eaLnBrk="1" fontAlgn="auto" latinLnBrk="0" hangingPunct="1">
+              <a:lnSpc>
+                <a:spcPct val="100000"/>
+              </a:lnSpc>
+              <a:spcBef>
+                <a:spcPts val="0"/>
+              </a:spcBef>
+              <a:spcAft>
+                <a:spcPts val="0"/>
+              </a:spcAft>
+              <a:buClrTx/>
+              <a:buSzTx/>
+              <a:buFontTx/>
+              <a:buNone/>
+              <a:tabLst/>
+              <a:defRPr/>
+            </a:pPr>
+            <a:r>
+              <a:rPr lang="en-US" altLang="zh-CN" dirty="0" err="1" smtClean="0"/>
+              <a:t>Kolla</a:t>
+            </a:r>
+            <a:r>
+              <a:rPr lang="en-US" altLang="zh-CN" dirty="0" smtClean="0"/>
+              <a:t>-common </a:t>
+            </a:r>
+            <a:r>
+              <a:rPr lang="zh-CN" altLang="en-US" dirty="0" smtClean="0"/>
+              <a:t>和 </a:t>
+            </a:r>
+            <a:r>
+              <a:rPr lang="en-US" altLang="zh-CN" dirty="0" err="1" smtClean="0"/>
+              <a:t>microservice</a:t>
+            </a:r>
+            <a:r>
+              <a:rPr lang="en-US" altLang="zh-CN" baseline="0" dirty="0" smtClean="0"/>
+              <a:t> </a:t>
+            </a:r>
+            <a:r>
+              <a:rPr lang="zh-CN" altLang="en-US" baseline="0" dirty="0" smtClean="0"/>
+              <a:t>基础层：</a:t>
+            </a:r>
+            <a:endParaRPr lang="en-US" altLang="zh-CN" dirty="0" smtClean="0"/>
+          </a:p>
+          <a:p>
+            <a:pPr marL="0" marR="0" lvl="0" indent="0" algn="l" defTabSz="914400" rtl="0" eaLnBrk="1" fontAlgn="auto" latinLnBrk="0" hangingPunct="1">
+              <a:lnSpc>
+                <a:spcPct val="100000"/>
+              </a:lnSpc>
+              <a:spcBef>
+                <a:spcPts val="0"/>
+              </a:spcBef>
+              <a:spcAft>
+                <a:spcPts val="0"/>
+              </a:spcAft>
+              <a:buClrTx/>
+              <a:buSzTx/>
+              <a:buFontTx/>
+              <a:buNone/>
+              <a:tabLst/>
+              <a:defRPr/>
+            </a:pPr>
+            <a:r>
+              <a:rPr lang="en-US" altLang="zh-CN" dirty="0" err="1" smtClean="0"/>
+              <a:t>Kolla</a:t>
+            </a:r>
+            <a:r>
+              <a:rPr lang="en-US" altLang="zh-CN" dirty="0" smtClean="0"/>
+              <a:t>-common:</a:t>
+            </a:r>
+            <a:r>
+              <a:rPr lang="zh-CN" altLang="en-US" dirty="0" smtClean="0"/>
+              <a:t>各个服务公用的操作，</a:t>
+            </a:r>
+            <a:r>
+              <a:rPr lang="en-US" altLang="zh-CN" dirty="0" smtClean="0"/>
+              <a:t>create</a:t>
+            </a:r>
+            <a:r>
+              <a:rPr lang="en-US" altLang="zh-CN" baseline="0" dirty="0" smtClean="0"/>
+              <a:t> database</a:t>
+            </a:r>
+            <a:r>
+              <a:rPr lang="zh-CN" altLang="en-US" baseline="0" dirty="0" smtClean="0"/>
+              <a:t>、</a:t>
+            </a:r>
+            <a:r>
+              <a:rPr lang="en-US" altLang="zh-CN" baseline="0" dirty="0" smtClean="0"/>
+              <a:t>create </a:t>
+            </a:r>
+            <a:r>
+              <a:rPr lang="en-US" altLang="zh-CN" baseline="0" dirty="0" err="1" smtClean="0"/>
+              <a:t>pv</a:t>
+            </a:r>
+            <a:r>
+              <a:rPr lang="en-US" altLang="zh-CN" baseline="0" dirty="0" smtClean="0"/>
+              <a:t>\</a:t>
+            </a:r>
+            <a:r>
+              <a:rPr lang="en-US" altLang="zh-CN" baseline="0" dirty="0" err="1" smtClean="0"/>
+              <a:t>pvc</a:t>
+            </a:r>
+            <a:r>
+              <a:rPr lang="zh-CN" altLang="en-US" baseline="0" dirty="0" smtClean="0"/>
+              <a:t>、</a:t>
+            </a:r>
+            <a:r>
+              <a:rPr lang="en-US" altLang="zh-CN" baseline="0" dirty="0" smtClean="0"/>
+              <a:t>create keystone endpoint/user</a:t>
+            </a:r>
+            <a:r>
+              <a:rPr lang="zh-CN" altLang="en-US" baseline="0" dirty="0" smtClean="0"/>
+              <a:t>等</a:t>
+            </a:r>
+            <a:endParaRPr lang="en-US" altLang="zh-CN" dirty="0" smtClean="0"/>
+          </a:p>
+          <a:p>
+            <a:r>
+              <a:rPr lang="en-US" altLang="zh-CN" dirty="0" err="1" smtClean="0"/>
+              <a:t>Microservice</a:t>
+            </a:r>
+            <a:r>
+              <a:rPr lang="en-US" altLang="zh-CN" dirty="0" smtClean="0"/>
+              <a:t>:</a:t>
+            </a:r>
+            <a:r>
+              <a:rPr lang="zh-CN" altLang="en-US" dirty="0" smtClean="0"/>
+              <a:t>定义</a:t>
+            </a:r>
+            <a:r>
+              <a:rPr lang="en-US" altLang="zh-CN" dirty="0" smtClean="0"/>
+              <a:t>k8s</a:t>
+            </a:r>
+            <a:r>
+              <a:rPr lang="zh-CN" altLang="en-US" dirty="0" smtClean="0"/>
+              <a:t>资源文件，也即最终调用的一些资源定义文件 </a:t>
+            </a:r>
+            <a:r>
+              <a:rPr lang="en-US" altLang="zh-CN" dirty="0" smtClean="0"/>
+              <a:t>job/svc/</a:t>
+            </a:r>
+            <a:r>
+              <a:rPr lang="en-US" altLang="zh-CN" dirty="0" err="1" smtClean="0"/>
+              <a:t>pv</a:t>
+            </a:r>
+            <a:r>
+              <a:rPr lang="en-US" altLang="zh-CN" dirty="0" smtClean="0"/>
+              <a:t>/</a:t>
+            </a:r>
+            <a:r>
+              <a:rPr lang="en-US" altLang="zh-CN" dirty="0" err="1" smtClean="0"/>
+              <a:t>pvc</a:t>
+            </a:r>
+            <a:r>
+              <a:rPr lang="en-US" altLang="zh-CN" dirty="0" smtClean="0"/>
+              <a:t>/</a:t>
+            </a:r>
+            <a:r>
+              <a:rPr lang="en-US" altLang="zh-CN" dirty="0" err="1" smtClean="0"/>
+              <a:t>statefulset</a:t>
+            </a:r>
+            <a:r>
+              <a:rPr lang="zh-CN" altLang="en-US" dirty="0" smtClean="0"/>
+              <a:t>等，文件中的配置参数经过</a:t>
+            </a:r>
+            <a:r>
+              <a:rPr lang="en-US" altLang="zh-CN" dirty="0" smtClean="0"/>
+              <a:t>jinja2</a:t>
+            </a:r>
+            <a:r>
+              <a:rPr lang="zh-CN" altLang="en-US" dirty="0" smtClean="0"/>
+              <a:t>渲染</a:t>
+            </a:r>
+            <a:endParaRPr lang="en-US" altLang="zh-CN" dirty="0" smtClean="0"/>
+          </a:p>
+          <a:p>
+            <a:r>
+              <a:rPr lang="en-US" altLang="zh-CN" dirty="0" smtClean="0"/>
+              <a:t>Service</a:t>
+            </a:r>
+            <a:r>
+              <a:rPr lang="zh-CN" altLang="en-US" dirty="0" smtClean="0"/>
+              <a:t>：业务层</a:t>
+            </a:r>
+            <a:endParaRPr lang="en-US" altLang="zh-CN" dirty="0" smtClean="0"/>
+          </a:p>
+          <a:p>
+            <a:pPr marL="0" marR="0" lvl="0" indent="0" algn="l" defTabSz="914400" rtl="0" eaLnBrk="1" fontAlgn="auto" latinLnBrk="0" hangingPunct="1">
+              <a:lnSpc>
+                <a:spcPct val="100000"/>
+              </a:lnSpc>
+              <a:spcBef>
+                <a:spcPts val="0"/>
+              </a:spcBef>
+              <a:spcAft>
+                <a:spcPts val="0"/>
+              </a:spcAft>
+              <a:buClrTx/>
+              <a:buSzTx/>
+              <a:buFontTx/>
+              <a:buNone/>
+              <a:tabLst/>
+              <a:defRPr/>
+            </a:pPr>
+            <a:r>
+              <a:rPr lang="zh-CN" altLang="en-US" dirty="0" smtClean="0"/>
+              <a:t>每个服务定义一个或多个</a:t>
+            </a:r>
+            <a:r>
+              <a:rPr lang="en-US" altLang="zh-CN" dirty="0" smtClean="0"/>
+              <a:t>chart</a:t>
+            </a:r>
+            <a:r>
+              <a:rPr lang="zh-CN" altLang="en-US" dirty="0" smtClean="0"/>
+              <a:t>文件包，其中定义了依赖包和配置文件</a:t>
+            </a:r>
+            <a:endParaRPr lang="en-US" altLang="zh-CN" dirty="0" smtClean="0"/>
+          </a:p>
+          <a:p>
+            <a:r>
+              <a:rPr lang="en-US" altLang="zh-CN" dirty="0" smtClean="0"/>
+              <a:t>Test:</a:t>
+            </a:r>
+            <a:r>
+              <a:rPr lang="zh-CN" altLang="en-US" dirty="0" smtClean="0"/>
+              <a:t>单元测试用例</a:t>
+            </a:r>
+            <a:endParaRPr lang="en-US" altLang="zh-CN" dirty="0" smtClean="0"/>
+          </a:p>
+        </p:txBody>
+      </p:sp>
+      <p:sp>
+        <p:nvSpPr>
+          <p:cNvPr id="4" name="灯片编号占位符 3"/>
+          <p:cNvSpPr>
+            <a:spLocks noGrp="1"/>
+          </p:cNvSpPr>
+          <p:nvPr>
+            <p:ph type="sldNum" sz="quarter" idx="10"/>
+          </p:nvPr>
+        </p:nvSpPr>
+        <p:spPr/>
+        <p:txBody>
+          <a:bodyPr/>
+          <a:lstStyle/>
+          <a:p>
+            <a:fld id="{A5880B28-9EFC-4886-B758-D4B847183D21}" type="slidenum">
+              <a:rPr lang="zh-CN" altLang="en-US" smtClean="0"/>
+              <a:t>13</a:t>
+            </a:fld>
+            <a:endParaRPr lang="zh-CN" altLang="en-US"/>
+          </a:p>
+        </p:txBody>
+      </p:sp>
+    </p:spTree>
+    <p:extLst>
+      <p:ext uri="{BB962C8B-B14F-4D97-AF65-F5344CB8AC3E}">
+        <p14:creationId xmlns:p14="http://schemas.microsoft.com/office/powerpoint/2010/main" val="1020278377"/>
+      </p:ext>
+    </p:extLst>
+  </p:cSld>
+  <p:clrMapOvr>
+    <a:masterClrMapping/>
+  </p:clrMapOvr>
+</p:notes>
+</file>
+
+<file path=ppt/notesSlides/notesSlide14.xml><?xml version="1.0" encoding="utf-8"?>
+<p:notes xmlns:a="http://schemas.openxmlformats.org/drawingml/2006/main" xmlns:r="http://schemas.openxmlformats.org/officeDocument/2006/relationships" xmlns:p="http://schemas.openxmlformats.org/presentationml/2006/main">
+  <p:cSld>
+    <p:spTree>
+      <p:nvGrpSpPr>
+        <p:cNvPr id="1" name=""/>
+        <p:cNvGrpSpPr/>
+        <p:nvPr/>
+      </p:nvGrpSpPr>
+      <p:grpSpPr>
+        <a:xfrm>
+          <a:off x="0" y="0"/>
+          <a:ext cx="0" cy="0"/>
+          <a:chOff x="0" y="0"/>
+          <a:chExt cx="0" cy="0"/>
+        </a:xfrm>
+      </p:grpSpPr>
+      <p:sp>
+        <p:nvSpPr>
+          <p:cNvPr id="2" name="幻灯片图像占位符 1"/>
+          <p:cNvSpPr>
+            <a:spLocks noGrp="1" noRot="1" noChangeAspect="1"/>
+          </p:cNvSpPr>
+          <p:nvPr>
+            <p:ph type="sldImg"/>
+          </p:nvPr>
+        </p:nvSpPr>
+        <p:spPr/>
+      </p:sp>
+      <p:sp>
+        <p:nvSpPr>
+          <p:cNvPr id="3" name="备注占位符 2"/>
+          <p:cNvSpPr>
+            <a:spLocks noGrp="1"/>
+          </p:cNvSpPr>
+          <p:nvPr>
+            <p:ph type="body" idx="1"/>
+          </p:nvPr>
+        </p:nvSpPr>
+        <p:spPr/>
+        <p:txBody>
+          <a:bodyPr/>
+          <a:lstStyle/>
+          <a:p>
+            <a:r>
+              <a:rPr lang="en-US" altLang="zh-CN" dirty="0" smtClean="0"/>
+              <a:t>1 min</a:t>
+            </a:r>
+          </a:p>
+          <a:p>
+            <a:r>
+              <a:rPr lang="zh-CN" altLang="en-US" dirty="0" smtClean="0"/>
+              <a:t>公司业务需求选择</a:t>
+            </a:r>
+            <a:r>
+              <a:rPr lang="en-US" altLang="zh-CN" dirty="0" err="1" smtClean="0"/>
+              <a:t>openshift</a:t>
+            </a:r>
+            <a:r>
+              <a:rPr lang="zh-CN" altLang="en-US" dirty="0" smtClean="0"/>
+              <a:t>：</a:t>
+            </a:r>
+            <a:r>
+              <a:rPr lang="en-US" altLang="zh-CN" dirty="0" err="1" smtClean="0"/>
+              <a:t>Openshift</a:t>
+            </a:r>
+            <a:r>
+              <a:rPr lang="en-US" altLang="zh-CN" dirty="0" smtClean="0"/>
+              <a:t> </a:t>
+            </a:r>
+            <a:r>
+              <a:rPr lang="zh-CN" altLang="en-US" dirty="0" smtClean="0"/>
+              <a:t>介绍</a:t>
+            </a:r>
+            <a:endParaRPr lang="en-US" altLang="zh-CN" dirty="0" smtClean="0"/>
+          </a:p>
+          <a:p>
+            <a:r>
+              <a:rPr lang="zh-CN" altLang="en-US" dirty="0" smtClean="0"/>
+              <a:t>起步较早</a:t>
+            </a:r>
+            <a:r>
+              <a:rPr lang="en-US" altLang="zh-CN" dirty="0" smtClean="0"/>
+              <a:t>2013</a:t>
+            </a:r>
+            <a:r>
+              <a:rPr lang="zh-CN" altLang="en-US" dirty="0" smtClean="0"/>
+              <a:t>年开始</a:t>
+            </a:r>
+            <a:r>
+              <a:rPr lang="en-US" altLang="zh-CN" dirty="0" err="1" smtClean="0"/>
+              <a:t>Redhat</a:t>
+            </a:r>
+            <a:r>
+              <a:rPr lang="zh-CN" altLang="en-US" dirty="0" smtClean="0"/>
+              <a:t>基于</a:t>
+            </a:r>
+            <a:r>
+              <a:rPr lang="en-US" altLang="zh-CN" dirty="0" err="1" smtClean="0"/>
+              <a:t>kubernetes</a:t>
+            </a:r>
+            <a:r>
+              <a:rPr lang="zh-CN" altLang="en-US" dirty="0" smtClean="0"/>
+              <a:t>开发，功能已比较完善且稳定程度较高，包含公有云版本和社区版本</a:t>
+            </a:r>
+            <a:endParaRPr lang="en-US" altLang="zh-CN" dirty="0" smtClean="0"/>
+          </a:p>
+          <a:p>
+            <a:r>
+              <a:rPr lang="zh-CN" altLang="en-US" dirty="0" smtClean="0"/>
+              <a:t>封装了</a:t>
+            </a:r>
+            <a:r>
+              <a:rPr lang="en-US" altLang="zh-CN" dirty="0" err="1" smtClean="0"/>
+              <a:t>kubernetes</a:t>
+            </a:r>
+            <a:r>
+              <a:rPr lang="zh-CN" altLang="en-US" dirty="0" smtClean="0"/>
+              <a:t>客户端，提供自己的客户端程序</a:t>
+            </a:r>
+            <a:r>
+              <a:rPr lang="en-US" altLang="zh-CN" dirty="0" err="1" smtClean="0"/>
+              <a:t>oc</a:t>
+            </a:r>
+            <a:r>
+              <a:rPr lang="zh-CN" altLang="en-US" dirty="0" smtClean="0"/>
+              <a:t>与集群交互</a:t>
+            </a:r>
+            <a:endParaRPr lang="en-US" altLang="zh-CN" dirty="0" smtClean="0"/>
+          </a:p>
+        </p:txBody>
+      </p:sp>
+      <p:sp>
+        <p:nvSpPr>
+          <p:cNvPr id="4" name="灯片编号占位符 3"/>
+          <p:cNvSpPr>
+            <a:spLocks noGrp="1"/>
+          </p:cNvSpPr>
+          <p:nvPr>
+            <p:ph type="sldNum" sz="quarter" idx="10"/>
+          </p:nvPr>
+        </p:nvSpPr>
+        <p:spPr/>
+        <p:txBody>
+          <a:bodyPr/>
+          <a:lstStyle/>
+          <a:p>
+            <a:fld id="{A5880B28-9EFC-4886-B758-D4B847183D21}" type="slidenum">
+              <a:rPr lang="zh-CN" altLang="en-US" smtClean="0"/>
+              <a:t>14</a:t>
+            </a:fld>
+            <a:endParaRPr lang="zh-CN" altLang="en-US"/>
+          </a:p>
+        </p:txBody>
+      </p:sp>
+    </p:spTree>
+    <p:extLst>
+      <p:ext uri="{BB962C8B-B14F-4D97-AF65-F5344CB8AC3E}">
+        <p14:creationId xmlns:p14="http://schemas.microsoft.com/office/powerpoint/2010/main" val="2686608799"/>
+      </p:ext>
+    </p:extLst>
+  </p:cSld>
+  <p:clrMapOvr>
+    <a:masterClrMapping/>
+  </p:clrMapOvr>
+</p:notes>
+</file>
+
+<file path=ppt/notesSlides/notesSlide15.xml><?xml version="1.0" encoding="utf-8"?>
+<p:notes xmlns:a="http://schemas.openxmlformats.org/drawingml/2006/main" xmlns:r="http://schemas.openxmlformats.org/officeDocument/2006/relationships" xmlns:p="http://schemas.openxmlformats.org/presentationml/2006/main">
+  <p:cSld>
+    <p:spTree>
+      <p:nvGrpSpPr>
+        <p:cNvPr id="1" name=""/>
+        <p:cNvGrpSpPr/>
+        <p:nvPr/>
+      </p:nvGrpSpPr>
+      <p:grpSpPr>
+        <a:xfrm>
+          <a:off x="0" y="0"/>
+          <a:ext cx="0" cy="0"/>
+          <a:chOff x="0" y="0"/>
+          <a:chExt cx="0" cy="0"/>
+        </a:xfrm>
+      </p:grpSpPr>
+      <p:sp>
+        <p:nvSpPr>
+          <p:cNvPr id="2" name="幻灯片图像占位符 1"/>
+          <p:cNvSpPr>
+            <a:spLocks noGrp="1" noRot="1" noChangeAspect="1"/>
+          </p:cNvSpPr>
+          <p:nvPr>
+            <p:ph type="sldImg"/>
+          </p:nvPr>
+        </p:nvSpPr>
+        <p:spPr/>
+      </p:sp>
+      <p:sp>
+        <p:nvSpPr>
+          <p:cNvPr id="3" name="备注占位符 2"/>
+          <p:cNvSpPr>
+            <a:spLocks noGrp="1"/>
+          </p:cNvSpPr>
+          <p:nvPr>
+            <p:ph type="body" idx="1"/>
+          </p:nvPr>
+        </p:nvSpPr>
+        <p:spPr/>
+        <p:txBody>
+          <a:bodyPr/>
+          <a:lstStyle/>
+          <a:p>
+            <a:r>
+              <a:rPr lang="en-US" altLang="zh-CN" dirty="0" smtClean="0"/>
+              <a:t>1.5 min</a:t>
+            </a:r>
+          </a:p>
+          <a:p>
+            <a:r>
+              <a:rPr lang="zh-CN" altLang="en-US" dirty="0" smtClean="0"/>
+              <a:t>自定义配置文件：指定</a:t>
+            </a:r>
+            <a:r>
+              <a:rPr lang="en-US" altLang="zh-CN" dirty="0" err="1" smtClean="0"/>
+              <a:t>openstack</a:t>
+            </a:r>
+            <a:r>
+              <a:rPr lang="zh-CN" altLang="en-US" dirty="0" smtClean="0"/>
+              <a:t>使用的网络、私有镜像仓库、虚拟化类型等。</a:t>
+            </a:r>
+            <a:endParaRPr lang="en-US" altLang="zh-CN" dirty="0" smtClean="0"/>
+          </a:p>
+          <a:p>
+            <a:r>
+              <a:rPr lang="zh-CN" altLang="en-US" dirty="0" smtClean="0"/>
+              <a:t>使用</a:t>
+            </a:r>
+            <a:r>
+              <a:rPr lang="en-US" altLang="zh-CN" dirty="0" smtClean="0"/>
+              <a:t>Helm</a:t>
+            </a:r>
+            <a:r>
+              <a:rPr lang="zh-CN" altLang="en-US" dirty="0" smtClean="0"/>
+              <a:t>部署：</a:t>
+            </a:r>
+            <a:r>
+              <a:rPr lang="en-US" altLang="zh-CN" dirty="0" err="1" smtClean="0"/>
+              <a:t>mariadb</a:t>
+            </a:r>
+            <a:r>
+              <a:rPr lang="zh-CN" altLang="en-US" dirty="0" smtClean="0"/>
+              <a:t>、</a:t>
+            </a:r>
+            <a:r>
+              <a:rPr lang="en-US" altLang="zh-CN" baseline="0" dirty="0" err="1" smtClean="0"/>
+              <a:t>memache</a:t>
+            </a:r>
+            <a:r>
+              <a:rPr lang="zh-CN" altLang="en-US" baseline="0" dirty="0" smtClean="0"/>
+              <a:t>、</a:t>
+            </a:r>
+            <a:r>
+              <a:rPr lang="en-US" altLang="zh-CN" baseline="0" dirty="0" err="1" smtClean="0"/>
+              <a:t>rabbitmq</a:t>
+            </a:r>
+            <a:r>
+              <a:rPr lang="zh-CN" altLang="en-US" baseline="0" dirty="0" smtClean="0"/>
+              <a:t>依赖组件启动成功后，部署</a:t>
+            </a:r>
+            <a:r>
+              <a:rPr lang="en-US" altLang="zh-CN" baseline="0" dirty="0" err="1" smtClean="0"/>
+              <a:t>openstack</a:t>
+            </a:r>
+            <a:r>
+              <a:rPr lang="zh-CN" altLang="en-US" baseline="0" dirty="0" smtClean="0"/>
+              <a:t>服务</a:t>
+            </a:r>
+            <a:endParaRPr lang="en-US" altLang="zh-CN" baseline="0" dirty="0" smtClean="0"/>
+          </a:p>
+          <a:p>
+            <a:endParaRPr lang="en-US" altLang="zh-CN" sz="1200" kern="1200" dirty="0" smtClean="0">
+              <a:solidFill>
+                <a:schemeClr val="tx1"/>
+              </a:solidFill>
+              <a:effectLst/>
+              <a:latin typeface="+mn-lt"/>
+              <a:ea typeface="+mn-ea"/>
+              <a:cs typeface="+mn-cs"/>
+            </a:endParaRPr>
+          </a:p>
+          <a:p>
+            <a:r>
+              <a:rPr lang="en-US" altLang="zh-CN" sz="1200" kern="1200" dirty="0" smtClean="0">
+                <a:solidFill>
+                  <a:schemeClr val="tx1"/>
+                </a:solidFill>
+                <a:effectLst/>
+                <a:latin typeface="+mn-lt"/>
+                <a:ea typeface="+mn-ea"/>
+                <a:cs typeface="+mn-cs"/>
+              </a:rPr>
+              <a:t>helm</a:t>
+            </a:r>
+            <a:r>
+              <a:rPr lang="en-US" altLang="zh-CN" dirty="0" smtClean="0"/>
+              <a:t> </a:t>
+            </a:r>
+            <a:r>
+              <a:rPr lang="en-US" altLang="zh-CN" sz="1200" kern="1200" dirty="0" smtClean="0">
+                <a:solidFill>
+                  <a:schemeClr val="tx1"/>
+                </a:solidFill>
+                <a:effectLst/>
+                <a:latin typeface="+mn-lt"/>
+                <a:ea typeface="+mn-ea"/>
+                <a:cs typeface="+mn-cs"/>
+              </a:rPr>
+              <a:t>install</a:t>
+            </a:r>
+            <a:r>
+              <a:rPr lang="en-US" altLang="zh-CN" dirty="0" smtClean="0"/>
+              <a:t> </a:t>
+            </a:r>
+            <a:r>
+              <a:rPr lang="en-US" altLang="zh-CN" sz="1200" kern="1200" dirty="0" smtClean="0">
+                <a:solidFill>
+                  <a:schemeClr val="tx1"/>
+                </a:solidFill>
+                <a:effectLst/>
+                <a:latin typeface="+mn-lt"/>
+                <a:ea typeface="+mn-ea"/>
+                <a:cs typeface="+mn-cs"/>
+              </a:rPr>
+              <a:t>--debug</a:t>
+            </a:r>
+            <a:r>
+              <a:rPr lang="en-US" altLang="zh-CN" dirty="0" smtClean="0"/>
+              <a:t> </a:t>
+            </a:r>
+            <a:r>
+              <a:rPr lang="en-US" altLang="zh-CN" sz="1200" kern="1200" dirty="0" err="1" smtClean="0">
+                <a:solidFill>
+                  <a:schemeClr val="tx1"/>
+                </a:solidFill>
+                <a:effectLst/>
+                <a:latin typeface="+mn-lt"/>
+                <a:ea typeface="+mn-ea"/>
+                <a:cs typeface="+mn-cs"/>
+              </a:rPr>
+              <a:t>kolla-kubernetes</a:t>
+            </a:r>
+            <a:r>
+              <a:rPr lang="en-US" altLang="zh-CN" sz="1200" kern="1200" dirty="0" smtClean="0">
+                <a:solidFill>
+                  <a:schemeClr val="tx1"/>
+                </a:solidFill>
+                <a:effectLst/>
+                <a:latin typeface="+mn-lt"/>
+                <a:ea typeface="+mn-ea"/>
+                <a:cs typeface="+mn-cs"/>
+              </a:rPr>
+              <a:t>/helm/service/</a:t>
+            </a:r>
+            <a:r>
+              <a:rPr lang="en-US" altLang="zh-CN" sz="1200" kern="1200" dirty="0" err="1" smtClean="0">
+                <a:solidFill>
+                  <a:schemeClr val="tx1"/>
+                </a:solidFill>
+                <a:effectLst/>
+                <a:latin typeface="+mn-lt"/>
+                <a:ea typeface="+mn-ea"/>
+                <a:cs typeface="+mn-cs"/>
+              </a:rPr>
+              <a:t>mariadb</a:t>
+            </a:r>
+            <a:r>
+              <a:rPr lang="en-US" altLang="zh-CN" dirty="0" smtClean="0"/>
+              <a:t> </a:t>
+            </a:r>
+            <a:r>
+              <a:rPr lang="en-US" altLang="zh-CN" sz="1200" kern="1200" dirty="0" smtClean="0">
+                <a:solidFill>
+                  <a:schemeClr val="tx1"/>
+                </a:solidFill>
+                <a:effectLst/>
+                <a:latin typeface="+mn-lt"/>
+                <a:ea typeface="+mn-ea"/>
+                <a:cs typeface="+mn-cs"/>
+              </a:rPr>
+              <a:t>--namespace</a:t>
+            </a:r>
+            <a:r>
+              <a:rPr lang="en-US" altLang="zh-CN" dirty="0" smtClean="0"/>
+              <a:t> </a:t>
+            </a:r>
+            <a:r>
+              <a:rPr lang="en-US" altLang="zh-CN" sz="1200" kern="1200" dirty="0" err="1" smtClean="0">
+                <a:solidFill>
+                  <a:schemeClr val="tx1"/>
+                </a:solidFill>
+                <a:effectLst/>
+                <a:latin typeface="+mn-lt"/>
+                <a:ea typeface="+mn-ea"/>
+                <a:cs typeface="+mn-cs"/>
+              </a:rPr>
+              <a:t>kolla</a:t>
+            </a:r>
+            <a:r>
+              <a:rPr lang="en-US" altLang="zh-CN" dirty="0" smtClean="0"/>
+              <a:t> </a:t>
+            </a:r>
+            <a:r>
+              <a:rPr lang="en-US" altLang="zh-CN" sz="1200" kern="1200" dirty="0" smtClean="0">
+                <a:solidFill>
+                  <a:schemeClr val="tx1"/>
+                </a:solidFill>
+                <a:effectLst/>
+                <a:latin typeface="+mn-lt"/>
+                <a:ea typeface="+mn-ea"/>
+                <a:cs typeface="+mn-cs"/>
+              </a:rPr>
+              <a:t>--name</a:t>
+            </a:r>
+            <a:r>
+              <a:rPr lang="en-US" altLang="zh-CN" dirty="0" smtClean="0"/>
+              <a:t> </a:t>
+            </a:r>
+            <a:r>
+              <a:rPr lang="en-US" altLang="zh-CN" sz="1200" kern="1200" dirty="0" err="1" smtClean="0">
+                <a:solidFill>
+                  <a:schemeClr val="tx1"/>
+                </a:solidFill>
+                <a:effectLst/>
+                <a:latin typeface="+mn-lt"/>
+                <a:ea typeface="+mn-ea"/>
+                <a:cs typeface="+mn-cs"/>
+              </a:rPr>
+              <a:t>mariadb</a:t>
+            </a:r>
+            <a:r>
+              <a:rPr lang="en-US" altLang="zh-CN" dirty="0" smtClean="0"/>
+              <a:t> </a:t>
+            </a:r>
+            <a:r>
+              <a:rPr lang="en-US" altLang="zh-CN" sz="1200" kern="1200" dirty="0" smtClean="0">
+                <a:solidFill>
+                  <a:schemeClr val="tx1"/>
+                </a:solidFill>
+                <a:effectLst/>
+                <a:latin typeface="+mn-lt"/>
+                <a:ea typeface="+mn-ea"/>
+                <a:cs typeface="+mn-cs"/>
+              </a:rPr>
+              <a:t>--values</a:t>
+            </a:r>
+            <a:r>
+              <a:rPr lang="en-US" altLang="zh-CN" dirty="0" smtClean="0"/>
+              <a:t> </a:t>
+            </a:r>
+            <a:r>
+              <a:rPr lang="en-US" altLang="zh-CN" sz="1200" kern="1200" dirty="0" smtClean="0">
+                <a:solidFill>
+                  <a:schemeClr val="tx1"/>
+                </a:solidFill>
+                <a:effectLst/>
+                <a:latin typeface="+mn-lt"/>
+                <a:ea typeface="+mn-ea"/>
+                <a:cs typeface="+mn-cs"/>
+              </a:rPr>
+              <a:t>./</a:t>
+            </a:r>
+            <a:r>
+              <a:rPr lang="en-US" altLang="zh-CN" sz="1200" kern="1200" dirty="0" err="1" smtClean="0">
+                <a:solidFill>
+                  <a:schemeClr val="tx1"/>
+                </a:solidFill>
+                <a:effectLst/>
+                <a:latin typeface="+mn-lt"/>
+                <a:ea typeface="+mn-ea"/>
+                <a:cs typeface="+mn-cs"/>
+              </a:rPr>
+              <a:t>cloud.yaml</a:t>
+            </a:r>
+            <a:endParaRPr lang="en-US" altLang="zh-CN" sz="1200" kern="1200" dirty="0" smtClean="0">
+              <a:solidFill>
+                <a:schemeClr val="tx1"/>
+              </a:solidFill>
+              <a:effectLst/>
+              <a:latin typeface="+mn-lt"/>
+              <a:ea typeface="+mn-ea"/>
+              <a:cs typeface="+mn-cs"/>
+            </a:endParaRPr>
+          </a:p>
+          <a:p>
+            <a:r>
+              <a:rPr lang="en-US" altLang="zh-CN" sz="1200" kern="1200" dirty="0" smtClean="0">
+                <a:solidFill>
+                  <a:schemeClr val="tx1"/>
+                </a:solidFill>
+                <a:effectLst/>
+                <a:latin typeface="+mn-lt"/>
+                <a:ea typeface="+mn-ea"/>
+                <a:cs typeface="+mn-cs"/>
+              </a:rPr>
+              <a:t>helm</a:t>
+            </a:r>
+            <a:r>
+              <a:rPr lang="en-US" altLang="zh-CN" dirty="0" smtClean="0"/>
+              <a:t> </a:t>
+            </a:r>
+            <a:r>
+              <a:rPr lang="en-US" altLang="zh-CN" sz="1200" kern="1200" dirty="0" smtClean="0">
+                <a:solidFill>
+                  <a:schemeClr val="tx1"/>
+                </a:solidFill>
+                <a:effectLst/>
+                <a:latin typeface="+mn-lt"/>
+                <a:ea typeface="+mn-ea"/>
+                <a:cs typeface="+mn-cs"/>
+              </a:rPr>
+              <a:t>install</a:t>
+            </a:r>
+            <a:r>
+              <a:rPr lang="en-US" altLang="zh-CN" dirty="0" smtClean="0"/>
+              <a:t> </a:t>
+            </a:r>
+            <a:r>
+              <a:rPr lang="en-US" altLang="zh-CN" sz="1200" kern="1200" dirty="0" smtClean="0">
+                <a:solidFill>
+                  <a:schemeClr val="tx1"/>
+                </a:solidFill>
+                <a:effectLst/>
+                <a:latin typeface="+mn-lt"/>
+                <a:ea typeface="+mn-ea"/>
+                <a:cs typeface="+mn-cs"/>
+              </a:rPr>
+              <a:t>--debug</a:t>
+            </a:r>
+            <a:r>
+              <a:rPr lang="en-US" altLang="zh-CN" dirty="0" smtClean="0"/>
+              <a:t> </a:t>
+            </a:r>
+            <a:r>
+              <a:rPr lang="en-US" altLang="zh-CN" sz="1200" kern="1200" dirty="0" err="1" smtClean="0">
+                <a:solidFill>
+                  <a:schemeClr val="tx1"/>
+                </a:solidFill>
+                <a:effectLst/>
+                <a:latin typeface="+mn-lt"/>
+                <a:ea typeface="+mn-ea"/>
+                <a:cs typeface="+mn-cs"/>
+              </a:rPr>
+              <a:t>kolla-kubernetes</a:t>
+            </a:r>
+            <a:r>
+              <a:rPr lang="en-US" altLang="zh-CN" sz="1200" kern="1200" dirty="0" smtClean="0">
+                <a:solidFill>
+                  <a:schemeClr val="tx1"/>
+                </a:solidFill>
+                <a:effectLst/>
+                <a:latin typeface="+mn-lt"/>
+                <a:ea typeface="+mn-ea"/>
+                <a:cs typeface="+mn-cs"/>
+              </a:rPr>
+              <a:t>/helm/service/</a:t>
+            </a:r>
+            <a:r>
+              <a:rPr lang="en-US" altLang="zh-CN" sz="1200" kern="1200" dirty="0" err="1" smtClean="0">
+                <a:solidFill>
+                  <a:schemeClr val="tx1"/>
+                </a:solidFill>
+                <a:effectLst/>
+                <a:latin typeface="+mn-lt"/>
+                <a:ea typeface="+mn-ea"/>
+                <a:cs typeface="+mn-cs"/>
+              </a:rPr>
+              <a:t>rabbitmq</a:t>
+            </a:r>
+            <a:r>
+              <a:rPr lang="en-US" altLang="zh-CN" dirty="0" smtClean="0"/>
+              <a:t> </a:t>
+            </a:r>
+            <a:r>
+              <a:rPr lang="en-US" altLang="zh-CN" sz="1200" kern="1200" dirty="0" smtClean="0">
+                <a:solidFill>
+                  <a:schemeClr val="tx1"/>
+                </a:solidFill>
+                <a:effectLst/>
+                <a:latin typeface="+mn-lt"/>
+                <a:ea typeface="+mn-ea"/>
+                <a:cs typeface="+mn-cs"/>
+              </a:rPr>
+              <a:t>--namespace</a:t>
+            </a:r>
+            <a:r>
+              <a:rPr lang="en-US" altLang="zh-CN" dirty="0" smtClean="0"/>
+              <a:t> </a:t>
+            </a:r>
+            <a:r>
+              <a:rPr lang="en-US" altLang="zh-CN" sz="1200" kern="1200" dirty="0" err="1" smtClean="0">
+                <a:solidFill>
+                  <a:schemeClr val="tx1"/>
+                </a:solidFill>
+                <a:effectLst/>
+                <a:latin typeface="+mn-lt"/>
+                <a:ea typeface="+mn-ea"/>
+                <a:cs typeface="+mn-cs"/>
+              </a:rPr>
+              <a:t>kolla</a:t>
+            </a:r>
+            <a:r>
+              <a:rPr lang="en-US" altLang="zh-CN" dirty="0" smtClean="0"/>
+              <a:t> </a:t>
+            </a:r>
+            <a:r>
+              <a:rPr lang="en-US" altLang="zh-CN" sz="1200" kern="1200" dirty="0" smtClean="0">
+                <a:solidFill>
+                  <a:schemeClr val="tx1"/>
+                </a:solidFill>
+                <a:effectLst/>
+                <a:latin typeface="+mn-lt"/>
+                <a:ea typeface="+mn-ea"/>
+                <a:cs typeface="+mn-cs"/>
+              </a:rPr>
+              <a:t>--name</a:t>
+            </a:r>
+            <a:r>
+              <a:rPr lang="en-US" altLang="zh-CN" dirty="0" smtClean="0"/>
+              <a:t> </a:t>
+            </a:r>
+            <a:r>
+              <a:rPr lang="en-US" altLang="zh-CN" sz="1200" kern="1200" dirty="0" err="1" smtClean="0">
+                <a:solidFill>
+                  <a:schemeClr val="tx1"/>
+                </a:solidFill>
+                <a:effectLst/>
+                <a:latin typeface="+mn-lt"/>
+                <a:ea typeface="+mn-ea"/>
+                <a:cs typeface="+mn-cs"/>
+              </a:rPr>
+              <a:t>rabbitmq</a:t>
+            </a:r>
+            <a:r>
+              <a:rPr lang="en-US" altLang="zh-CN" dirty="0" smtClean="0"/>
+              <a:t> </a:t>
+            </a:r>
+            <a:r>
+              <a:rPr lang="en-US" altLang="zh-CN" sz="1200" kern="1200" dirty="0" smtClean="0">
+                <a:solidFill>
+                  <a:schemeClr val="tx1"/>
+                </a:solidFill>
+                <a:effectLst/>
+                <a:latin typeface="+mn-lt"/>
+                <a:ea typeface="+mn-ea"/>
+                <a:cs typeface="+mn-cs"/>
+              </a:rPr>
+              <a:t>--values</a:t>
+            </a:r>
+            <a:r>
+              <a:rPr lang="en-US" altLang="zh-CN" dirty="0" smtClean="0"/>
+              <a:t> </a:t>
+            </a:r>
+            <a:r>
+              <a:rPr lang="en-US" altLang="zh-CN" sz="1200" kern="1200" dirty="0" smtClean="0">
+                <a:solidFill>
+                  <a:schemeClr val="tx1"/>
+                </a:solidFill>
+                <a:effectLst/>
+                <a:latin typeface="+mn-lt"/>
+                <a:ea typeface="+mn-ea"/>
+                <a:cs typeface="+mn-cs"/>
+              </a:rPr>
+              <a:t>./</a:t>
+            </a:r>
+            <a:r>
+              <a:rPr lang="en-US" altLang="zh-CN" sz="1200" kern="1200" dirty="0" err="1" smtClean="0">
+                <a:solidFill>
+                  <a:schemeClr val="tx1"/>
+                </a:solidFill>
+                <a:effectLst/>
+                <a:latin typeface="+mn-lt"/>
+                <a:ea typeface="+mn-ea"/>
+                <a:cs typeface="+mn-cs"/>
+              </a:rPr>
+              <a:t>cloud.yaml</a:t>
+            </a:r>
+            <a:r>
+              <a:rPr lang="en-US" altLang="zh-CN" dirty="0" smtClean="0"/>
+              <a:t> </a:t>
+            </a:r>
+            <a:r>
+              <a:rPr lang="en-US" altLang="zh-CN" sz="1200" kern="1200" dirty="0" smtClean="0">
+                <a:solidFill>
+                  <a:schemeClr val="tx1"/>
+                </a:solidFill>
+                <a:effectLst/>
+                <a:latin typeface="+mn-lt"/>
+                <a:ea typeface="+mn-ea"/>
+                <a:cs typeface="+mn-cs"/>
+              </a:rPr>
+              <a:t>helm</a:t>
+            </a:r>
+            <a:r>
+              <a:rPr lang="en-US" altLang="zh-CN" dirty="0" smtClean="0"/>
+              <a:t> </a:t>
+            </a:r>
+            <a:r>
+              <a:rPr lang="en-US" altLang="zh-CN" sz="1200" kern="1200" dirty="0" smtClean="0">
+                <a:solidFill>
+                  <a:schemeClr val="tx1"/>
+                </a:solidFill>
+                <a:effectLst/>
+                <a:latin typeface="+mn-lt"/>
+                <a:ea typeface="+mn-ea"/>
+                <a:cs typeface="+mn-cs"/>
+              </a:rPr>
+              <a:t>install</a:t>
+            </a:r>
+            <a:r>
+              <a:rPr lang="en-US" altLang="zh-CN" dirty="0" smtClean="0"/>
+              <a:t> </a:t>
+            </a:r>
+            <a:r>
+              <a:rPr lang="en-US" altLang="zh-CN" sz="1200" kern="1200" dirty="0" smtClean="0">
+                <a:solidFill>
+                  <a:schemeClr val="tx1"/>
+                </a:solidFill>
+                <a:effectLst/>
+                <a:latin typeface="+mn-lt"/>
+                <a:ea typeface="+mn-ea"/>
+                <a:cs typeface="+mn-cs"/>
+              </a:rPr>
+              <a:t>--debug</a:t>
+            </a:r>
+            <a:r>
+              <a:rPr lang="en-US" altLang="zh-CN" dirty="0" smtClean="0"/>
+              <a:t> </a:t>
+            </a:r>
+            <a:r>
+              <a:rPr lang="en-US" altLang="zh-CN" sz="1200" kern="1200" dirty="0" err="1" smtClean="0">
+                <a:solidFill>
+                  <a:schemeClr val="tx1"/>
+                </a:solidFill>
+                <a:effectLst/>
+                <a:latin typeface="+mn-lt"/>
+                <a:ea typeface="+mn-ea"/>
+                <a:cs typeface="+mn-cs"/>
+              </a:rPr>
+              <a:t>kolla-kubernetes</a:t>
+            </a:r>
+            <a:r>
+              <a:rPr lang="en-US" altLang="zh-CN" sz="1200" kern="1200" dirty="0" smtClean="0">
+                <a:solidFill>
+                  <a:schemeClr val="tx1"/>
+                </a:solidFill>
+                <a:effectLst/>
+                <a:latin typeface="+mn-lt"/>
+                <a:ea typeface="+mn-ea"/>
+                <a:cs typeface="+mn-cs"/>
+              </a:rPr>
+              <a:t>/helm/service/</a:t>
+            </a:r>
+            <a:r>
+              <a:rPr lang="en-US" altLang="zh-CN" sz="1200" kern="1200" dirty="0" err="1" smtClean="0">
+                <a:solidFill>
+                  <a:schemeClr val="tx1"/>
+                </a:solidFill>
+                <a:effectLst/>
+                <a:latin typeface="+mn-lt"/>
+                <a:ea typeface="+mn-ea"/>
+                <a:cs typeface="+mn-cs"/>
+              </a:rPr>
+              <a:t>memcached</a:t>
+            </a:r>
+            <a:r>
+              <a:rPr lang="en-US" altLang="zh-CN" dirty="0" smtClean="0"/>
+              <a:t> </a:t>
+            </a:r>
+            <a:r>
+              <a:rPr lang="en-US" altLang="zh-CN" sz="1200" kern="1200" dirty="0" smtClean="0">
+                <a:solidFill>
+                  <a:schemeClr val="tx1"/>
+                </a:solidFill>
+                <a:effectLst/>
+                <a:latin typeface="+mn-lt"/>
+                <a:ea typeface="+mn-ea"/>
+                <a:cs typeface="+mn-cs"/>
+              </a:rPr>
+              <a:t>--namespace</a:t>
+            </a:r>
+            <a:r>
+              <a:rPr lang="en-US" altLang="zh-CN" dirty="0" smtClean="0"/>
+              <a:t> </a:t>
+            </a:r>
+            <a:r>
+              <a:rPr lang="en-US" altLang="zh-CN" sz="1200" kern="1200" dirty="0" err="1" smtClean="0">
+                <a:solidFill>
+                  <a:schemeClr val="tx1"/>
+                </a:solidFill>
+                <a:effectLst/>
+                <a:latin typeface="+mn-lt"/>
+                <a:ea typeface="+mn-ea"/>
+                <a:cs typeface="+mn-cs"/>
+              </a:rPr>
+              <a:t>kolla</a:t>
+            </a:r>
+            <a:r>
+              <a:rPr lang="en-US" altLang="zh-CN" dirty="0" smtClean="0"/>
+              <a:t> </a:t>
+            </a:r>
+            <a:r>
+              <a:rPr lang="en-US" altLang="zh-CN" sz="1200" kern="1200" dirty="0" smtClean="0">
+                <a:solidFill>
+                  <a:schemeClr val="tx1"/>
+                </a:solidFill>
+                <a:effectLst/>
+                <a:latin typeface="+mn-lt"/>
+                <a:ea typeface="+mn-ea"/>
+                <a:cs typeface="+mn-cs"/>
+              </a:rPr>
+              <a:t>--name</a:t>
+            </a:r>
+            <a:r>
+              <a:rPr lang="en-US" altLang="zh-CN" dirty="0" smtClean="0"/>
+              <a:t> </a:t>
+            </a:r>
+            <a:r>
+              <a:rPr lang="en-US" altLang="zh-CN" sz="1200" kern="1200" dirty="0" err="1" smtClean="0">
+                <a:solidFill>
+                  <a:schemeClr val="tx1"/>
+                </a:solidFill>
+                <a:effectLst/>
+                <a:latin typeface="+mn-lt"/>
+                <a:ea typeface="+mn-ea"/>
+                <a:cs typeface="+mn-cs"/>
+              </a:rPr>
+              <a:t>memcached</a:t>
+            </a:r>
+            <a:r>
+              <a:rPr lang="en-US" altLang="zh-CN" dirty="0" smtClean="0"/>
+              <a:t> </a:t>
+            </a:r>
+            <a:r>
+              <a:rPr lang="en-US" altLang="zh-CN" sz="1200" kern="1200" dirty="0" smtClean="0">
+                <a:solidFill>
+                  <a:schemeClr val="tx1"/>
+                </a:solidFill>
+                <a:effectLst/>
+                <a:latin typeface="+mn-lt"/>
+                <a:ea typeface="+mn-ea"/>
+                <a:cs typeface="+mn-cs"/>
+              </a:rPr>
+              <a:t>--values</a:t>
+            </a:r>
+            <a:r>
+              <a:rPr lang="en-US" altLang="zh-CN" dirty="0" smtClean="0"/>
+              <a:t> </a:t>
+            </a:r>
+            <a:r>
+              <a:rPr lang="en-US" altLang="zh-CN" sz="1200" kern="1200" dirty="0" smtClean="0">
+                <a:solidFill>
+                  <a:schemeClr val="tx1"/>
+                </a:solidFill>
+                <a:effectLst/>
+                <a:latin typeface="+mn-lt"/>
+                <a:ea typeface="+mn-ea"/>
+                <a:cs typeface="+mn-cs"/>
+              </a:rPr>
+              <a:t>./</a:t>
+            </a:r>
+            <a:r>
+              <a:rPr lang="en-US" altLang="zh-CN" sz="1200" kern="1200" dirty="0" err="1" smtClean="0">
+                <a:solidFill>
+                  <a:schemeClr val="tx1"/>
+                </a:solidFill>
+                <a:effectLst/>
+                <a:latin typeface="+mn-lt"/>
+                <a:ea typeface="+mn-ea"/>
+                <a:cs typeface="+mn-cs"/>
+              </a:rPr>
+              <a:t>cloud.yaml</a:t>
+            </a:r>
+            <a:r>
+              <a:rPr lang="en-US" altLang="zh-CN" dirty="0" smtClean="0"/>
+              <a:t> </a:t>
+            </a:r>
+            <a:endParaRPr lang="en-US" altLang="zh-CN" baseline="0" dirty="0" smtClean="0"/>
+          </a:p>
+        </p:txBody>
+      </p:sp>
+      <p:sp>
+        <p:nvSpPr>
+          <p:cNvPr id="4" name="灯片编号占位符 3"/>
+          <p:cNvSpPr>
+            <a:spLocks noGrp="1"/>
+          </p:cNvSpPr>
+          <p:nvPr>
+            <p:ph type="sldNum" sz="quarter" idx="10"/>
+          </p:nvPr>
+        </p:nvSpPr>
+        <p:spPr/>
+        <p:txBody>
+          <a:bodyPr/>
+          <a:lstStyle/>
+          <a:p>
+            <a:fld id="{A5880B28-9EFC-4886-B758-D4B847183D21}" type="slidenum">
+              <a:rPr lang="zh-CN" altLang="en-US" smtClean="0"/>
+              <a:t>15</a:t>
+            </a:fld>
+            <a:endParaRPr lang="zh-CN" altLang="en-US"/>
+          </a:p>
+        </p:txBody>
+      </p:sp>
+    </p:spTree>
+    <p:extLst>
+      <p:ext uri="{BB962C8B-B14F-4D97-AF65-F5344CB8AC3E}">
+        <p14:creationId xmlns:p14="http://schemas.microsoft.com/office/powerpoint/2010/main" val="3982175546"/>
+      </p:ext>
+    </p:extLst>
+  </p:cSld>
+  <p:clrMapOvr>
+    <a:masterClrMapping/>
+  </p:clrMapOvr>
+</p:notes>
+</file>
+
+<file path=ppt/notesSlides/notesSlide16.xml><?xml version="1.0" encoding="utf-8"?>
+<p:notes xmlns:a="http://schemas.openxmlformats.org/drawingml/2006/main" xmlns:r="http://schemas.openxmlformats.org/officeDocument/2006/relationships" xmlns:p="http://schemas.openxmlformats.org/presentationml/2006/main">
+  <p:cSld>
+    <p:spTree>
+      <p:nvGrpSpPr>
+        <p:cNvPr id="1" name=""/>
+        <p:cNvGrpSpPr/>
+        <p:nvPr/>
+      </p:nvGrpSpPr>
+      <p:grpSpPr>
+        <a:xfrm>
+          <a:off x="0" y="0"/>
+          <a:ext cx="0" cy="0"/>
+          <a:chOff x="0" y="0"/>
+          <a:chExt cx="0" cy="0"/>
+        </a:xfrm>
+      </p:grpSpPr>
+      <p:sp>
+        <p:nvSpPr>
+          <p:cNvPr id="2" name="幻灯片图像占位符 1"/>
+          <p:cNvSpPr>
+            <a:spLocks noGrp="1" noRot="1" noChangeAspect="1"/>
+          </p:cNvSpPr>
+          <p:nvPr>
+            <p:ph type="sldImg"/>
+          </p:nvPr>
+        </p:nvSpPr>
+        <p:spPr/>
+      </p:sp>
+      <p:sp>
+        <p:nvSpPr>
+          <p:cNvPr id="3" name="备注占位符 2"/>
+          <p:cNvSpPr>
+            <a:spLocks noGrp="1"/>
+          </p:cNvSpPr>
+          <p:nvPr>
+            <p:ph type="body" idx="1"/>
+          </p:nvPr>
+        </p:nvSpPr>
+        <p:spPr/>
+        <p:txBody>
+          <a:bodyPr/>
+          <a:lstStyle/>
+          <a:p>
+            <a:r>
+              <a:rPr lang="en-US" altLang="zh-CN" dirty="0" smtClean="0"/>
+              <a:t>0.5 min</a:t>
+            </a:r>
+            <a:endParaRPr lang="zh-CN" altLang="en-US" dirty="0"/>
+          </a:p>
+        </p:txBody>
+      </p:sp>
+      <p:sp>
+        <p:nvSpPr>
+          <p:cNvPr id="4" name="灯片编号占位符 3"/>
+          <p:cNvSpPr>
+            <a:spLocks noGrp="1"/>
+          </p:cNvSpPr>
+          <p:nvPr>
+            <p:ph type="sldNum" sz="quarter" idx="10"/>
+          </p:nvPr>
+        </p:nvSpPr>
+        <p:spPr/>
+        <p:txBody>
+          <a:bodyPr/>
+          <a:lstStyle/>
+          <a:p>
+            <a:fld id="{A5880B28-9EFC-4886-B758-D4B847183D21}" type="slidenum">
+              <a:rPr lang="zh-CN" altLang="en-US" smtClean="0"/>
+              <a:t>16</a:t>
+            </a:fld>
+            <a:endParaRPr lang="zh-CN" altLang="en-US"/>
+          </a:p>
+        </p:txBody>
+      </p:sp>
+    </p:spTree>
+    <p:extLst>
+      <p:ext uri="{BB962C8B-B14F-4D97-AF65-F5344CB8AC3E}">
+        <p14:creationId xmlns:p14="http://schemas.microsoft.com/office/powerpoint/2010/main" val="3380765413"/>
+      </p:ext>
+    </p:extLst>
+  </p:cSld>
+  <p:clrMapOvr>
+    <a:masterClrMapping/>
+  </p:clrMapOvr>
+</p:notes>
+</file>
+
+<file path=ppt/notesSlides/notesSlide17.xml><?xml version="1.0" encoding="utf-8"?>
+<p:notes xmlns:a="http://schemas.openxmlformats.org/drawingml/2006/main" xmlns:r="http://schemas.openxmlformats.org/officeDocument/2006/relationships" xmlns:p="http://schemas.openxmlformats.org/presentationml/2006/main">
+  <p:cSld>
+    <p:spTree>
+      <p:nvGrpSpPr>
+        <p:cNvPr id="1" name=""/>
+        <p:cNvGrpSpPr/>
+        <p:nvPr/>
+      </p:nvGrpSpPr>
+      <p:grpSpPr>
+        <a:xfrm>
+          <a:off x="0" y="0"/>
+          <a:ext cx="0" cy="0"/>
+          <a:chOff x="0" y="0"/>
+          <a:chExt cx="0" cy="0"/>
+        </a:xfrm>
+      </p:grpSpPr>
+      <p:sp>
+        <p:nvSpPr>
+          <p:cNvPr id="2" name="幻灯片图像占位符 1"/>
+          <p:cNvSpPr>
+            <a:spLocks noGrp="1" noRot="1" noChangeAspect="1"/>
+          </p:cNvSpPr>
+          <p:nvPr>
+            <p:ph type="sldImg"/>
+          </p:nvPr>
+        </p:nvSpPr>
+        <p:spPr/>
+      </p:sp>
+      <p:sp>
+        <p:nvSpPr>
+          <p:cNvPr id="3" name="备注占位符 2"/>
+          <p:cNvSpPr>
+            <a:spLocks noGrp="1"/>
+          </p:cNvSpPr>
+          <p:nvPr>
+            <p:ph type="body" idx="1"/>
+          </p:nvPr>
+        </p:nvSpPr>
+        <p:spPr/>
+        <p:txBody>
+          <a:bodyPr/>
+          <a:lstStyle/>
+          <a:p>
+            <a:pPr marL="0" marR="0" lvl="0" indent="0" algn="l" defTabSz="914400" rtl="0" eaLnBrk="1" fontAlgn="auto" latinLnBrk="0" hangingPunct="1">
+              <a:lnSpc>
+                <a:spcPct val="100000"/>
+              </a:lnSpc>
+              <a:spcBef>
+                <a:spcPts val="0"/>
+              </a:spcBef>
+              <a:spcAft>
+                <a:spcPts val="0"/>
+              </a:spcAft>
+              <a:buClrTx/>
+              <a:buSzTx/>
+              <a:buFontTx/>
+              <a:buNone/>
+              <a:tabLst/>
+              <a:defRPr/>
+            </a:pPr>
+            <a:r>
+              <a:rPr lang="en-US" altLang="zh-CN" dirty="0" smtClean="0"/>
+              <a:t>2 min</a:t>
+            </a:r>
+          </a:p>
+          <a:p>
+            <a:pPr marL="0" marR="0" lvl="0" indent="0" algn="l" defTabSz="914400" rtl="0" eaLnBrk="1" fontAlgn="auto" latinLnBrk="0" hangingPunct="1">
+              <a:lnSpc>
+                <a:spcPct val="100000"/>
+              </a:lnSpc>
+              <a:spcBef>
+                <a:spcPts val="0"/>
+              </a:spcBef>
+              <a:spcAft>
+                <a:spcPts val="0"/>
+              </a:spcAft>
+              <a:buClrTx/>
+              <a:buSzTx/>
+              <a:buFontTx/>
+              <a:buNone/>
+              <a:tabLst/>
+              <a:defRPr/>
+            </a:pPr>
+            <a:r>
+              <a:rPr lang="zh-CN" altLang="en-US" dirty="0" smtClean="0"/>
+              <a:t>第一种：</a:t>
+            </a:r>
+            <a:endParaRPr lang="en-US" altLang="zh-CN" dirty="0" smtClean="0"/>
+          </a:p>
+          <a:p>
+            <a:pPr marL="0" marR="0" lvl="0" indent="0" algn="l" defTabSz="914400" rtl="0" eaLnBrk="1" fontAlgn="auto" latinLnBrk="0" hangingPunct="1">
+              <a:lnSpc>
+                <a:spcPct val="100000"/>
+              </a:lnSpc>
+              <a:spcBef>
+                <a:spcPts val="0"/>
+              </a:spcBef>
+              <a:spcAft>
+                <a:spcPts val="0"/>
+              </a:spcAft>
+              <a:buClrTx/>
+              <a:buSzTx/>
+              <a:buFontTx/>
+              <a:buNone/>
+              <a:tabLst/>
+              <a:defRPr/>
+            </a:pPr>
+            <a:r>
+              <a:rPr lang="zh-CN" altLang="en-US" dirty="0" smtClean="0"/>
+              <a:t>传统</a:t>
+            </a:r>
+            <a:r>
+              <a:rPr lang="en-US" altLang="zh-CN" dirty="0" smtClean="0"/>
+              <a:t>CI/CD</a:t>
+            </a:r>
+            <a:r>
+              <a:rPr lang="zh-CN" altLang="en-US" dirty="0" smtClean="0"/>
+              <a:t>方式，完全使用</a:t>
+            </a:r>
+            <a:r>
+              <a:rPr lang="en-US" altLang="zh-CN" dirty="0" smtClean="0"/>
+              <a:t>Jenkins</a:t>
+            </a:r>
+            <a:r>
+              <a:rPr lang="zh-CN" altLang="en-US" dirty="0" smtClean="0"/>
+              <a:t>完成，使用容器或</a:t>
+            </a:r>
+            <a:r>
+              <a:rPr lang="en-US" altLang="zh-CN" dirty="0" smtClean="0"/>
+              <a:t>shell</a:t>
+            </a:r>
+            <a:r>
+              <a:rPr lang="zh-CN" altLang="en-US" dirty="0" smtClean="0"/>
+              <a:t>完成。缺点：繁重不易修改</a:t>
+            </a:r>
+            <a:endParaRPr lang="en-US" altLang="zh-CN" dirty="0" smtClean="0"/>
+          </a:p>
+          <a:p>
+            <a:pPr marL="0" marR="0" lvl="0" indent="0" algn="l" defTabSz="914400" rtl="0" eaLnBrk="1" fontAlgn="auto" latinLnBrk="0" hangingPunct="1">
+              <a:lnSpc>
+                <a:spcPct val="100000"/>
+              </a:lnSpc>
+              <a:spcBef>
+                <a:spcPts val="0"/>
+              </a:spcBef>
+              <a:spcAft>
+                <a:spcPts val="0"/>
+              </a:spcAft>
+              <a:buClrTx/>
+              <a:buSzTx/>
+              <a:buFontTx/>
+              <a:buNone/>
+              <a:tabLst/>
+              <a:defRPr/>
+            </a:pPr>
+            <a:r>
+              <a:rPr lang="zh-CN" altLang="en-US" dirty="0" smtClean="0"/>
+              <a:t>第二、三种：基于</a:t>
+            </a:r>
+            <a:r>
+              <a:rPr lang="en-US" altLang="zh-CN" dirty="0" err="1" smtClean="0"/>
+              <a:t>openshift</a:t>
+            </a:r>
+            <a:r>
+              <a:rPr lang="en-US" altLang="zh-CN" dirty="0" smtClean="0"/>
+              <a:t>/</a:t>
+            </a:r>
+            <a:r>
+              <a:rPr lang="en-US" altLang="zh-CN" dirty="0" err="1" smtClean="0"/>
+              <a:t>kubernetes</a:t>
+            </a:r>
+            <a:r>
+              <a:rPr lang="zh-CN" altLang="en-US" dirty="0" smtClean="0"/>
+              <a:t>等</a:t>
+            </a:r>
+            <a:r>
+              <a:rPr lang="en-US" altLang="zh-CN" dirty="0" smtClean="0"/>
+              <a:t>PAAS</a:t>
+            </a:r>
+            <a:r>
+              <a:rPr lang="zh-CN" altLang="en-US" dirty="0" smtClean="0"/>
+              <a:t>平台</a:t>
+            </a:r>
+            <a:endParaRPr lang="en-US" altLang="zh-CN" dirty="0" smtClean="0"/>
+          </a:p>
+          <a:p>
+            <a:pPr marL="0" marR="0" lvl="0" indent="0" algn="l" defTabSz="914400" rtl="0" eaLnBrk="1" fontAlgn="auto" latinLnBrk="0" hangingPunct="1">
+              <a:lnSpc>
+                <a:spcPct val="100000"/>
+              </a:lnSpc>
+              <a:spcBef>
+                <a:spcPts val="0"/>
+              </a:spcBef>
+              <a:spcAft>
+                <a:spcPts val="0"/>
+              </a:spcAft>
+              <a:buClrTx/>
+              <a:buSzTx/>
+              <a:buFontTx/>
+              <a:buNone/>
+              <a:tabLst/>
+              <a:defRPr/>
+            </a:pPr>
+            <a:r>
+              <a:rPr lang="en-US" altLang="zh-CN" dirty="0" smtClean="0"/>
+              <a:t>1.</a:t>
+            </a:r>
+            <a:r>
+              <a:rPr lang="zh-CN" altLang="en-US" dirty="0" smtClean="0"/>
+              <a:t>构建过程由</a:t>
+            </a:r>
+            <a:r>
+              <a:rPr lang="en-US" altLang="zh-CN" dirty="0" err="1" smtClean="0"/>
+              <a:t>kolla</a:t>
+            </a:r>
+            <a:r>
+              <a:rPr lang="zh-CN" altLang="en-US" dirty="0" smtClean="0"/>
+              <a:t>代码完成，使用</a:t>
+            </a:r>
+            <a:r>
+              <a:rPr lang="en-US" altLang="zh-CN" dirty="0" err="1" smtClean="0"/>
+              <a:t>jenkins</a:t>
+            </a:r>
+            <a:r>
+              <a:rPr lang="zh-CN" altLang="en-US" dirty="0" smtClean="0"/>
+              <a:t>或</a:t>
+            </a:r>
+            <a:r>
+              <a:rPr lang="en-US" altLang="zh-CN" dirty="0" smtClean="0"/>
+              <a:t>STI</a:t>
+            </a:r>
+            <a:r>
+              <a:rPr lang="zh-CN" altLang="en-US" dirty="0" smtClean="0"/>
+              <a:t>方式</a:t>
+            </a:r>
+            <a:r>
+              <a:rPr lang="en-US" altLang="zh-CN" dirty="0" smtClean="0"/>
+              <a:t>(</a:t>
+            </a:r>
+            <a:r>
+              <a:rPr lang="zh-CN" altLang="en-US" dirty="0" smtClean="0"/>
+              <a:t>需要自定义</a:t>
+            </a:r>
+            <a:r>
+              <a:rPr lang="en-US" altLang="zh-CN" dirty="0" smtClean="0"/>
+              <a:t>builder</a:t>
+            </a:r>
+            <a:r>
+              <a:rPr lang="zh-CN" altLang="en-US" dirty="0" smtClean="0"/>
+              <a:t>镜像</a:t>
+            </a:r>
+            <a:r>
+              <a:rPr lang="en-US" altLang="zh-CN" dirty="0" smtClean="0"/>
+              <a:t>)</a:t>
+            </a:r>
+          </a:p>
+          <a:p>
+            <a:pPr marL="0" marR="0" lvl="0" indent="0" algn="l" defTabSz="914400" rtl="0" eaLnBrk="1" fontAlgn="auto" latinLnBrk="0" hangingPunct="1">
+              <a:lnSpc>
+                <a:spcPct val="100000"/>
+              </a:lnSpc>
+              <a:spcBef>
+                <a:spcPts val="0"/>
+              </a:spcBef>
+              <a:spcAft>
+                <a:spcPts val="0"/>
+              </a:spcAft>
+              <a:buClrTx/>
+              <a:buSzTx/>
+              <a:buFontTx/>
+              <a:buNone/>
+              <a:tabLst/>
+              <a:defRPr/>
+            </a:pPr>
+            <a:r>
+              <a:rPr lang="en-US" altLang="zh-CN" dirty="0" smtClean="0"/>
+              <a:t>2.</a:t>
+            </a:r>
+            <a:r>
+              <a:rPr lang="zh-CN" altLang="en-US" dirty="0" smtClean="0"/>
+              <a:t>构建生成新镜像并</a:t>
+            </a:r>
+            <a:r>
+              <a:rPr lang="en-US" altLang="zh-CN" dirty="0" smtClean="0"/>
+              <a:t>Push</a:t>
+            </a:r>
+            <a:r>
+              <a:rPr lang="zh-CN" altLang="en-US" dirty="0" smtClean="0"/>
+              <a:t>到私有镜像仓库</a:t>
+            </a:r>
+          </a:p>
+          <a:p>
+            <a:pPr marL="0" marR="0" lvl="0" indent="0" algn="l" defTabSz="914400" rtl="0" eaLnBrk="1" fontAlgn="auto" latinLnBrk="0" hangingPunct="1">
+              <a:lnSpc>
+                <a:spcPct val="100000"/>
+              </a:lnSpc>
+              <a:spcBef>
+                <a:spcPts val="0"/>
+              </a:spcBef>
+              <a:spcAft>
+                <a:spcPts val="0"/>
+              </a:spcAft>
+              <a:buClrTx/>
+              <a:buSzTx/>
+              <a:buFontTx/>
+              <a:buNone/>
+              <a:tabLst/>
+              <a:defRPr/>
+            </a:pPr>
+            <a:r>
+              <a:rPr lang="en-US" altLang="zh-CN" dirty="0" smtClean="0"/>
+              <a:t>3.</a:t>
+            </a:r>
+            <a:r>
+              <a:rPr lang="zh-CN" altLang="en-US" dirty="0" smtClean="0"/>
+              <a:t>自动化部署到开发、测试环境</a:t>
+            </a:r>
+          </a:p>
+        </p:txBody>
+      </p:sp>
+      <p:sp>
+        <p:nvSpPr>
+          <p:cNvPr id="4" name="灯片编号占位符 3"/>
+          <p:cNvSpPr>
+            <a:spLocks noGrp="1"/>
+          </p:cNvSpPr>
+          <p:nvPr>
+            <p:ph type="sldNum" sz="quarter" idx="10"/>
+          </p:nvPr>
+        </p:nvSpPr>
+        <p:spPr/>
+        <p:txBody>
+          <a:bodyPr/>
+          <a:lstStyle/>
+          <a:p>
+            <a:fld id="{A5880B28-9EFC-4886-B758-D4B847183D21}" type="slidenum">
+              <a:rPr lang="zh-CN" altLang="en-US" smtClean="0"/>
+              <a:t>17</a:t>
+            </a:fld>
+            <a:endParaRPr lang="zh-CN" altLang="en-US"/>
+          </a:p>
+        </p:txBody>
+      </p:sp>
+    </p:spTree>
+    <p:extLst>
+      <p:ext uri="{BB962C8B-B14F-4D97-AF65-F5344CB8AC3E}">
+        <p14:creationId xmlns:p14="http://schemas.microsoft.com/office/powerpoint/2010/main" val="2975398271"/>
       </p:ext>
     </p:extLst>
   </p:cSld>
@@ -619,6 +3107,50 @@
           <a:bodyPr/>
           <a:lstStyle/>
           <a:p>
+            <a:r>
+              <a:rPr lang="zh-CN" altLang="en-US" dirty="0" smtClean="0"/>
+              <a:t>这是我们今天分享的主要内容，主要包括个性化镜像构建及环境升级、</a:t>
+            </a:r>
+            <a:r>
+              <a:rPr lang="en-US" altLang="zh-CN" dirty="0" smtClean="0"/>
+              <a:t>OpenStack</a:t>
+            </a:r>
+            <a:r>
+              <a:rPr lang="zh-CN" altLang="en-US" dirty="0" smtClean="0"/>
+              <a:t>组件容器化部署、</a:t>
+            </a:r>
+            <a:r>
+              <a:rPr lang="en-US" altLang="zh-CN" dirty="0" err="1" smtClean="0"/>
+              <a:t>kolla-kubernetes</a:t>
+            </a:r>
+            <a:r>
+              <a:rPr lang="zh-CN" altLang="en-US" dirty="0" smtClean="0"/>
+              <a:t>、</a:t>
+            </a:r>
+            <a:r>
+              <a:rPr lang="en-US" altLang="zh-CN" dirty="0" err="1" smtClean="0"/>
+              <a:t>Openshift</a:t>
+            </a:r>
+            <a:r>
+              <a:rPr lang="en-US" altLang="zh-CN" dirty="0" smtClean="0"/>
+              <a:t> </a:t>
+            </a:r>
+            <a:r>
+              <a:rPr lang="en-US" altLang="zh-CN" dirty="0" err="1" smtClean="0"/>
+              <a:t>kolla</a:t>
+            </a:r>
+            <a:r>
+              <a:rPr lang="zh-CN" altLang="en-US" dirty="0" smtClean="0"/>
+              <a:t>以及</a:t>
+            </a:r>
+            <a:r>
+              <a:rPr lang="en-US" altLang="zh-CN" dirty="0" err="1" smtClean="0"/>
+              <a:t>pipline</a:t>
+            </a:r>
+            <a:r>
+              <a:rPr lang="zh-CN" altLang="en-US" dirty="0" smtClean="0"/>
+              <a:t>流程。</a:t>
+            </a:r>
             <a:endParaRPr lang="zh-CN" altLang="en-US" dirty="0"/>
           </a:p>
         </p:txBody>
@@ -704,126 +3236,138 @@
           <a:lstStyle/>
           <a:p>
             <a:r>
-              <a:rPr lang="en-US" altLang="zh-CN" dirty="0" smtClean="0"/>
-              <a:t>2 min</a:t>
-            </a:r>
-          </a:p>
-          <a:p>
-            <a:pPr marL="228600" indent="-228600">
-              <a:buAutoNum type="arabicPeriod"/>
-            </a:pPr>
-            <a:r>
-              <a:rPr lang="zh-CN" altLang="en-US" dirty="0" smtClean="0"/>
-              <a:t>先大概介绍</a:t>
+              <a:rPr lang="zh-CN" altLang="en-US" dirty="0" smtClean="0"/>
+              <a:t>我们首先来看一下个性化镜像构建及环境升级。以社区开源</a:t>
+            </a:r>
+            <a:r>
+              <a:rPr lang="en-US" altLang="zh-CN" dirty="0" smtClean="0"/>
+              <a:t>OpenStack</a:t>
+            </a:r>
+            <a:r>
+              <a:rPr lang="zh-CN" altLang="en-US" dirty="0" smtClean="0"/>
+              <a:t>为基础进行</a:t>
+            </a:r>
+            <a:r>
+              <a:rPr lang="en-US" altLang="zh-CN" dirty="0" smtClean="0"/>
+              <a:t>OpenStack</a:t>
+            </a:r>
+            <a:r>
+              <a:rPr lang="zh-CN" altLang="en-US" dirty="0" smtClean="0"/>
+              <a:t>相关产品的研发的时候，势必会涉及到相关模块的定制化修改，包括功能的修改或者是功能的增加，也可能是新增一个新的模块，那么这个时候，对</a:t>
+            </a:r>
+            <a:r>
+              <a:rPr lang="en-US" altLang="zh-CN" dirty="0" smtClean="0"/>
+              <a:t>OpenStack</a:t>
+            </a:r>
+            <a:r>
+              <a:rPr lang="zh-CN" altLang="en-US" dirty="0" smtClean="0"/>
+              <a:t>相关模块进行个性化镜像构建成为</a:t>
+            </a:r>
+            <a:r>
+              <a:rPr lang="en-US" altLang="zh-CN" dirty="0" smtClean="0"/>
+              <a:t>OpenStack</a:t>
+            </a:r>
+            <a:r>
+              <a:rPr lang="zh-CN" altLang="en-US" dirty="0" smtClean="0"/>
+              <a:t>相关产品研发过程中非常重要的一部分。大家看到的这张图展示了我们在进行个性化镜像构建及环境更新的时候是怎么做的。从这张图中大家可以看到，我们在进行个性化镜像构建的时候，是以社区开源的基础镜像库为基础的，在此基础之上，我们开发了个性化镜像构建模块，这个模块会整合内部</a:t>
             </a:r>
             <a:r>
               <a:rPr lang="en-US" altLang="zh-CN" dirty="0" err="1" smtClean="0"/>
-              <a:t>kubernetes</a:t>
-            </a:r>
-            <a:endParaRPr lang="en-US" altLang="zh-CN" dirty="0" smtClean="0"/>
-          </a:p>
-          <a:p>
-            <a:pPr marL="228600" indent="-228600">
-              <a:buAutoNum type="arabicPeriod"/>
-            </a:pPr>
-            <a:r>
-              <a:rPr lang="en-US" altLang="zh-CN" dirty="0" smtClean="0"/>
-              <a:t>Kubernetes</a:t>
-            </a:r>
-            <a:r>
-              <a:rPr lang="zh-CN" altLang="en-US" dirty="0" smtClean="0"/>
-              <a:t>与</a:t>
-            </a:r>
-            <a:r>
-              <a:rPr lang="en-US" altLang="zh-CN" dirty="0" smtClean="0"/>
-              <a:t>OpenStack</a:t>
-            </a:r>
-            <a:r>
-              <a:rPr lang="zh-CN" altLang="en-US" dirty="0" smtClean="0"/>
-              <a:t>结合</a:t>
-            </a:r>
-            <a:endParaRPr lang="en-US" altLang="zh-CN" dirty="0" smtClean="0"/>
-          </a:p>
-          <a:p>
-            <a:r>
-              <a:rPr lang="zh-CN" altLang="en-US" dirty="0" smtClean="0"/>
-              <a:t>作为应用程序运行：天然的使用</a:t>
+              <a:t>gitlab</a:t>
+            </a:r>
+            <a:r>
+              <a:rPr lang="zh-CN" altLang="en-US" dirty="0" smtClean="0"/>
+              <a:t>个性化代码、内部</a:t>
+            </a:r>
+            <a:r>
+              <a:rPr lang="en-US" altLang="zh-CN" dirty="0" smtClean="0"/>
+              <a:t>pip</a:t>
+            </a:r>
+            <a:r>
+              <a:rPr lang="zh-CN" altLang="en-US" dirty="0" smtClean="0"/>
+              <a:t>及</a:t>
+            </a:r>
+            <a:r>
+              <a:rPr lang="en-US" altLang="zh-CN" dirty="0" smtClean="0"/>
+              <a:t>yum</a:t>
+            </a:r>
+            <a:r>
+              <a:rPr lang="zh-CN" altLang="en-US" dirty="0" smtClean="0"/>
+              <a:t>源和一些安全加固的策略等，从而生成我们需要的个性化镜像库。生成个性化镜像库之后，我们可以使用</a:t>
             </a:r>
             <a:r>
               <a:rPr lang="en-US" altLang="zh-CN" dirty="0" err="1" smtClean="0"/>
-              <a:t>kubernetes</a:t>
-            </a:r>
-            <a:r>
-              <a:rPr lang="zh-CN" altLang="en-US" dirty="0" smtClean="0"/>
-              <a:t>提供的各种功能</a:t>
-            </a:r>
-            <a:endParaRPr lang="en-US" altLang="zh-CN" dirty="0" smtClean="0"/>
-          </a:p>
-          <a:p>
+              <a:t>jenkins</a:t>
+            </a:r>
+            <a:r>
+              <a:rPr lang="zh-CN" altLang="en-US" dirty="0" smtClean="0"/>
+              <a:t>任务以及环境升级脚本对相关的环境进行升级，也可以使用我们开发的</a:t>
+            </a:r>
+            <a:r>
+              <a:rPr lang="en-US" altLang="zh-CN" dirty="0" smtClean="0"/>
+              <a:t>ISO</a:t>
+            </a:r>
+            <a:r>
+              <a:rPr lang="zh-CN" altLang="en-US" dirty="0" smtClean="0"/>
+              <a:t>构建脚本，来生成最终的</a:t>
+            </a:r>
+            <a:r>
+              <a:rPr lang="en-US" altLang="zh-CN" dirty="0" smtClean="0"/>
+              <a:t>ISO</a:t>
+            </a:r>
+            <a:r>
+              <a:rPr lang="zh-CN" altLang="en-US" dirty="0" smtClean="0"/>
+              <a:t>文件，在生成这个文件的过程中，</a:t>
+            </a:r>
+            <a:r>
+              <a:rPr lang="en-US" altLang="zh-CN" dirty="0" smtClean="0"/>
+              <a:t>ISO</a:t>
+            </a:r>
+            <a:r>
+              <a:rPr lang="zh-CN" altLang="en-US" dirty="0" smtClean="0"/>
+              <a:t>构建脚本会将</a:t>
+            </a:r>
+            <a:r>
+              <a:rPr lang="en-US" altLang="zh-CN" dirty="0" smtClean="0"/>
+              <a:t>OS</a:t>
+            </a:r>
+            <a:r>
+              <a:rPr lang="zh-CN" altLang="en-US" dirty="0" smtClean="0"/>
+              <a:t>需要的基础文件、个性化的</a:t>
+            </a:r>
             <a:r>
               <a:rPr lang="en-US" altLang="zh-CN" dirty="0" err="1" smtClean="0"/>
-              <a:t>Openstack</a:t>
-            </a:r>
-            <a:r>
-              <a:rPr lang="en-US" altLang="zh-CN" dirty="0" smtClean="0"/>
-              <a:t> </a:t>
-            </a:r>
-            <a:r>
-              <a:rPr lang="zh-CN" altLang="en-US" dirty="0" smtClean="0"/>
-              <a:t>利用</a:t>
-            </a:r>
-            <a:r>
-              <a:rPr lang="en-US" altLang="zh-CN" dirty="0" smtClean="0"/>
-              <a:t>PAAS</a:t>
-            </a:r>
-            <a:r>
-              <a:rPr lang="zh-CN" altLang="en-US" dirty="0" smtClean="0"/>
-              <a:t>平台的容器管理功能，健康检查、弹性伸缩、部署策略、节点调度、利用</a:t>
-            </a:r>
-            <a:r>
-              <a:rPr lang="en-US" altLang="zh-CN" dirty="0" smtClean="0"/>
-              <a:t>pipeline</a:t>
-            </a:r>
-            <a:r>
-              <a:rPr lang="zh-CN" altLang="en-US" dirty="0" smtClean="0"/>
-              <a:t>实现</a:t>
-            </a:r>
-            <a:r>
-              <a:rPr lang="en-US" altLang="zh-CN" dirty="0" smtClean="0"/>
-              <a:t>CI/CD</a:t>
-            </a:r>
-            <a:r>
-              <a:rPr lang="zh-CN" altLang="en-US" dirty="0" smtClean="0"/>
-              <a:t>，提高开发运维效率</a:t>
-            </a:r>
-            <a:endParaRPr lang="en-US" altLang="zh-CN" dirty="0" smtClean="0"/>
-          </a:p>
-          <a:p>
-            <a:r>
-              <a:rPr lang="en-US" altLang="zh-CN" dirty="0" smtClean="0"/>
-              <a:t>Kubernetes </a:t>
-            </a:r>
-            <a:r>
-              <a:rPr lang="zh-CN" altLang="en-US" dirty="0" smtClean="0"/>
-              <a:t>利用 </a:t>
+              <a:t>kolla-ansilbe</a:t>
+            </a:r>
+            <a:r>
+              <a:rPr lang="zh-CN" altLang="en-US" dirty="0" smtClean="0"/>
+              <a:t>以及监控插件等融合到</a:t>
+            </a:r>
+            <a:r>
+              <a:rPr lang="en-US" altLang="zh-CN" dirty="0" smtClean="0"/>
+              <a:t>ISO</a:t>
+            </a:r>
+            <a:r>
+              <a:rPr lang="zh-CN" altLang="en-US" dirty="0" smtClean="0"/>
+              <a:t>文件中，这可以很大程度上减少部署时的操作以及所需要的一些文件。这个</a:t>
+            </a:r>
+            <a:r>
+              <a:rPr lang="en-US" altLang="zh-CN" dirty="0" smtClean="0"/>
+              <a:t>ISO</a:t>
+            </a:r>
+            <a:r>
+              <a:rPr lang="zh-CN" altLang="en-US" dirty="0" smtClean="0"/>
+              <a:t>文件就是我们最终的产品文件，产品发版后，直接用这个</a:t>
             </a:r>
             <a:r>
               <a:rPr lang="en-US" altLang="zh-CN" dirty="0" err="1" smtClean="0"/>
-              <a:t>openstack</a:t>
-            </a:r>
-            <a:r>
-              <a:rPr lang="en-US" altLang="zh-CN" baseline="0" dirty="0" smtClean="0"/>
-              <a:t> </a:t>
-            </a:r>
-            <a:r>
-              <a:rPr lang="zh-CN" altLang="en-US" baseline="0" dirty="0" smtClean="0"/>
-              <a:t>裸机管理功能实现对裸机设备的纳</a:t>
-            </a:r>
-            <a:r>
-              <a:rPr lang="zh-CN" altLang="en-US" baseline="0" dirty="0" smtClean="0"/>
-              <a:t>管</a:t>
-            </a:r>
-            <a:endParaRPr lang="en-US" altLang="zh-CN" dirty="0" smtClean="0"/>
+              <a:t>iso</a:t>
+            </a:r>
+            <a:r>
+              <a:rPr lang="zh-CN" altLang="en-US" dirty="0" smtClean="0"/>
+              <a:t>去部署环境即可。使用图中的流程，可以做到每日构建，每日更新，从而在一定程度上提高产品研发的敏捷程度。</a:t>
+            </a:r>
+            <a:endParaRPr lang="zh-CN" altLang="en-US" dirty="0"/>
           </a:p>
         </p:txBody>
       </p:sp>
@@ -844,7 +3388,7 @@
           <a:p>
             <a:fld id="{A5880B28-9EFC-4886-B758-D4B847183D21}" type="slidenum">
               <a:rPr lang="zh-CN" altLang="en-US" smtClean="0"/>
-              <a:t>10</a:t>
+              <a:t>3</a:t>
             </a:fld>
             <a:endParaRPr lang="zh-CN" altLang="en-US"/>
           </a:p>
@@ -853,7 +3397,7 @@
     </p:spTree>
     <p:extLst>
       <p:ext uri="{BB962C8B-B14F-4D97-AF65-F5344CB8AC3E}">
-        <p14:creationId xmlns:p14="http://schemas.microsoft.com/office/powerpoint/2010/main" val="3280576656"/>
+        <p14:creationId xmlns:p14="http://schemas.microsoft.com/office/powerpoint/2010/main" val="4010119019"/>
       </p:ext>
     </p:extLst>
   </p:cSld>
@@ -925,479 +3469,72 @@
               <a:defRPr/>
             </a:pPr>
             <a:r>
-              <a:rPr lang="en-US" altLang="zh-CN" dirty="0" smtClean="0"/>
-              <a:t>3 min </a:t>
+              <a:rPr lang="zh-CN" altLang="en-US" dirty="0" smtClean="0"/>
+              <a:t>再来看</a:t>
+            </a:r>
+            <a:r>
+              <a:rPr lang="en-US" altLang="zh-CN" dirty="0" smtClean="0"/>
+              <a:t>OpenStack</a:t>
+            </a:r>
+            <a:r>
+              <a:rPr lang="zh-CN" altLang="en-US" dirty="0" smtClean="0"/>
+              <a:t>组件的容器化部署。我们</a:t>
+            </a:r>
+            <a:r>
+              <a:rPr lang="zh-CN" altLang="en-US" dirty="0" smtClean="0"/>
+              <a:t>在</a:t>
+            </a:r>
+            <a:r>
+              <a:rPr lang="en-US" altLang="zh-CN" dirty="0" smtClean="0"/>
+              <a:t>OpenStack</a:t>
+            </a:r>
+            <a:r>
+              <a:rPr lang="zh-CN" altLang="en-US" dirty="0" smtClean="0"/>
+              <a:t>部署实践过程中发现，</a:t>
+            </a:r>
+            <a:r>
+              <a:rPr lang="en-US" altLang="zh-CN" dirty="0" smtClean="0"/>
+              <a:t>OpenStack</a:t>
+            </a:r>
+            <a:r>
+              <a:rPr lang="zh-CN" altLang="en-US" dirty="0" smtClean="0"/>
+              <a:t>容器化部署是一个非常复杂的系统工程，而不仅仅是简单的安装部署。为了更好的对</a:t>
+            </a:r>
+            <a:r>
+              <a:rPr lang="en-US" altLang="zh-CN" dirty="0" smtClean="0"/>
+              <a:t>OpenStack</a:t>
+            </a:r>
+            <a:r>
+              <a:rPr lang="zh-CN" altLang="en-US" dirty="0" smtClean="0"/>
+              <a:t>组件进行容器化部署，我们在实践过程中将</a:t>
+            </a:r>
+            <a:r>
+              <a:rPr lang="en-US" altLang="zh-CN" dirty="0" smtClean="0"/>
+              <a:t>OpenStack</a:t>
+            </a:r>
+            <a:r>
+              <a:rPr lang="zh-CN" altLang="en-US" dirty="0" smtClean="0"/>
+              <a:t>的容器化部署分成了几个小的部分，主要包括内存操作系统、批量</a:t>
+            </a:r>
+            <a:r>
+              <a:rPr lang="en-US" altLang="zh-CN" dirty="0" smtClean="0"/>
+              <a:t>raid</a:t>
+            </a:r>
+            <a:r>
+              <a:rPr lang="zh-CN" altLang="en-US" dirty="0" smtClean="0"/>
+              <a:t>设置、操作系统安装、网络设置、使用</a:t>
             </a:r>
             <a:r>
               <a:rPr lang="en-US" altLang="zh-CN" dirty="0" err="1" smtClean="0"/>
-              <a:t>kolla-kubernetes</a:t>
-            </a:r>
-            <a:r>
-              <a:rPr lang="zh-CN" altLang="en-US" dirty="0" smtClean="0"/>
-              <a:t>结构分析</a:t>
-            </a:r>
-            <a:endParaRPr lang="en-US" altLang="zh-CN" dirty="0" smtClean="0"/>
-          </a:p>
-          <a:p>
-            <a:endParaRPr lang="en-US" altLang="zh-CN" dirty="0" smtClean="0"/>
-          </a:p>
-          <a:p>
-            <a:r>
-              <a:rPr lang="en-US" altLang="zh-CN" dirty="0" err="1" smtClean="0"/>
-              <a:t>Kolla-kubernetes</a:t>
-            </a:r>
-            <a:r>
-              <a:rPr lang="zh-CN" altLang="en-US" dirty="0" smtClean="0"/>
-              <a:t>使用新的软件管理和配置管理机制</a:t>
-            </a:r>
-            <a:r>
-              <a:rPr lang="en-US" altLang="zh-CN" dirty="0" smtClean="0"/>
-              <a:t>HELM </a:t>
-            </a:r>
-          </a:p>
-          <a:p>
-            <a:r>
-              <a:rPr lang="zh-CN" altLang="en-US" dirty="0" smtClean="0"/>
-              <a:t>可同时定义多种</a:t>
-            </a:r>
-            <a:r>
-              <a:rPr lang="en-US" altLang="zh-CN" dirty="0" smtClean="0"/>
-              <a:t>K8S</a:t>
-            </a:r>
-            <a:r>
-              <a:rPr lang="zh-CN" altLang="en-US" dirty="0" smtClean="0"/>
-              <a:t>资源</a:t>
-            </a:r>
-            <a:r>
-              <a:rPr lang="en-US" altLang="zh-CN" dirty="0" smtClean="0"/>
-              <a:t>job/</a:t>
-            </a:r>
-            <a:r>
-              <a:rPr lang="en-US" altLang="zh-CN" dirty="0" err="1" smtClean="0"/>
-              <a:t>statefulset</a:t>
-            </a:r>
-            <a:r>
-              <a:rPr lang="en-US" altLang="zh-CN" dirty="0" smtClean="0"/>
-              <a:t>/</a:t>
-            </a:r>
-            <a:r>
-              <a:rPr lang="en-US" altLang="zh-CN" dirty="0" err="1" smtClean="0"/>
-              <a:t>init</a:t>
-            </a:r>
-            <a:r>
-              <a:rPr lang="en-US" altLang="zh-CN" dirty="0" smtClean="0"/>
-              <a:t>-container</a:t>
-            </a:r>
-            <a:r>
-              <a:rPr lang="zh-CN" altLang="en-US" dirty="0" smtClean="0"/>
-              <a:t>，通过这些资源管理</a:t>
-            </a:r>
-            <a:r>
-              <a:rPr lang="en-US" altLang="zh-CN" dirty="0" smtClean="0"/>
-              <a:t>pod</a:t>
-            </a:r>
-            <a:r>
-              <a:rPr lang="zh-CN" altLang="en-US" dirty="0" smtClean="0"/>
-              <a:t>的生命周期</a:t>
-            </a:r>
-            <a:endParaRPr lang="en-US" altLang="zh-CN" dirty="0" smtClean="0"/>
-          </a:p>
-          <a:p>
-            <a:r>
-              <a:rPr lang="zh-CN" altLang="en-US" dirty="0" smtClean="0"/>
-              <a:t>定义的资源文件支持参数化，可使用</a:t>
-            </a:r>
-            <a:r>
-              <a:rPr lang="en-US" altLang="zh-CN" dirty="0" smtClean="0"/>
-              <a:t>jinjia2</a:t>
-            </a:r>
-            <a:r>
-              <a:rPr lang="zh-CN" altLang="en-US" dirty="0" smtClean="0"/>
-              <a:t>渲染文件格式；</a:t>
-            </a:r>
-            <a:r>
-              <a:rPr lang="en-US" altLang="zh-CN" dirty="0" smtClean="0"/>
-              <a:t>chart</a:t>
-            </a:r>
-            <a:r>
-              <a:rPr lang="zh-CN" altLang="en-US" dirty="0" smtClean="0"/>
-              <a:t>之间可以互相引用复用；</a:t>
-            </a:r>
-            <a:endParaRPr lang="en-US" altLang="zh-CN" dirty="0" smtClean="0"/>
-          </a:p>
-          <a:p>
-            <a:r>
-              <a:rPr lang="en-US" altLang="zh-CN" dirty="0" smtClean="0"/>
-              <a:t>helm</a:t>
-            </a:r>
-            <a:r>
-              <a:rPr lang="zh-CN" altLang="en-US" dirty="0" smtClean="0"/>
-              <a:t>支持应用版本管理，如</a:t>
-            </a:r>
-            <a:r>
-              <a:rPr lang="en-US" altLang="zh-CN" dirty="0" err="1" smtClean="0"/>
-              <a:t>docker</a:t>
-            </a:r>
-            <a:r>
-              <a:rPr lang="en-US" altLang="zh-CN" dirty="0" smtClean="0"/>
-              <a:t> history</a:t>
-            </a:r>
-          </a:p>
-          <a:p>
-            <a:pPr marL="0" marR="0" lvl="0" indent="0" algn="l" defTabSz="914400" rtl="0" eaLnBrk="1" fontAlgn="auto" latinLnBrk="0" hangingPunct="1">
-              <a:lnSpc>
-                <a:spcPct val="100000"/>
-              </a:lnSpc>
-              <a:spcBef>
-                <a:spcPts val="0"/>
-              </a:spcBef>
-              <a:spcAft>
-                <a:spcPts val="0"/>
-              </a:spcAft>
-              <a:buClrTx/>
-              <a:buSzTx/>
-              <a:buFontTx/>
-              <a:buNone/>
-              <a:tabLst/>
-              <a:defRPr/>
-            </a:pPr>
-            <a:endParaRPr lang="en-US" altLang="zh-CN" dirty="0" smtClean="0"/>
-          </a:p>
-          <a:p>
-            <a:pPr marL="0" marR="0" lvl="0" indent="0" algn="l" defTabSz="914400" rtl="0" eaLnBrk="1" fontAlgn="auto" latinLnBrk="0" hangingPunct="1">
-              <a:lnSpc>
-                <a:spcPct val="100000"/>
-              </a:lnSpc>
-              <a:spcBef>
-                <a:spcPts val="0"/>
-              </a:spcBef>
-              <a:spcAft>
-                <a:spcPts val="0"/>
-              </a:spcAft>
-              <a:buClrTx/>
-              <a:buSzTx/>
-              <a:buFontTx/>
-              <a:buNone/>
-              <a:tabLst/>
-              <a:defRPr/>
-            </a:pPr>
-            <a:r>
-              <a:rPr lang="zh-CN" altLang="en-US" dirty="0" smtClean="0"/>
-              <a:t>微服务化原则</a:t>
-            </a:r>
-            <a:r>
-              <a:rPr lang="zh-CN" altLang="en-US" dirty="0" smtClean="0"/>
-              <a:t>：流程</a:t>
-            </a:r>
-            <a:r>
-              <a:rPr lang="zh-CN" altLang="en-US" dirty="0" smtClean="0"/>
-              <a:t>可视化</a:t>
-            </a:r>
-            <a:r>
-              <a:rPr lang="en-US" altLang="zh-CN" dirty="0" smtClean="0"/>
-              <a:t>(</a:t>
-            </a:r>
-            <a:r>
-              <a:rPr lang="zh-CN" altLang="en-US" dirty="0" smtClean="0"/>
-              <a:t>关键步骤可见</a:t>
-            </a:r>
-            <a:r>
-              <a:rPr lang="en-US" altLang="zh-CN" dirty="0" smtClean="0"/>
-              <a:t>)</a:t>
-            </a:r>
-            <a:r>
-              <a:rPr lang="zh-CN" altLang="en-US" dirty="0" smtClean="0"/>
-              <a:t>、</a:t>
-            </a:r>
-            <a:r>
-              <a:rPr lang="zh-CN" altLang="en-US" dirty="0" smtClean="0"/>
-              <a:t>低耦合、可复用、明确依赖关系</a:t>
-            </a:r>
-            <a:r>
-              <a:rPr lang="en-US" altLang="zh-CN" dirty="0" smtClean="0"/>
-              <a:t>(neutron server &gt; </a:t>
-            </a:r>
-            <a:r>
-              <a:rPr lang="en-US" altLang="zh-CN" dirty="0" err="1" smtClean="0"/>
-              <a:t>mariadb</a:t>
-            </a:r>
-            <a:r>
-              <a:rPr lang="zh-CN" altLang="en-US" dirty="0" smtClean="0"/>
-              <a:t>、</a:t>
-            </a:r>
-            <a:r>
-              <a:rPr lang="en-US" altLang="zh-CN" dirty="0" smtClean="0"/>
-              <a:t>keystone</a:t>
-            </a:r>
-            <a:r>
-              <a:rPr lang="zh-CN" altLang="en-US" dirty="0" smtClean="0"/>
-              <a:t>、</a:t>
-            </a:r>
-            <a:r>
-              <a:rPr lang="en-US" altLang="zh-CN" dirty="0" smtClean="0"/>
-              <a:t>users</a:t>
-            </a:r>
-            <a:r>
-              <a:rPr lang="zh-CN" altLang="en-US" dirty="0" smtClean="0"/>
-              <a:t>、</a:t>
-            </a:r>
-            <a:r>
-              <a:rPr lang="en-US" altLang="zh-CN" dirty="0" smtClean="0"/>
-              <a:t>endpoints</a:t>
-            </a:r>
-            <a:r>
-              <a:rPr lang="zh-CN" altLang="en-US" dirty="0" smtClean="0"/>
-              <a:t>、</a:t>
-            </a:r>
-            <a:r>
-              <a:rPr lang="en-US" altLang="zh-CN" dirty="0" smtClean="0"/>
-              <a:t>)</a:t>
-            </a:r>
-          </a:p>
-          <a:p>
-            <a:pPr marL="0" marR="0" lvl="0" indent="0" algn="l" defTabSz="914400" rtl="0" eaLnBrk="1" fontAlgn="auto" latinLnBrk="0" hangingPunct="1">
-              <a:lnSpc>
-                <a:spcPct val="100000"/>
-              </a:lnSpc>
-              <a:spcBef>
-                <a:spcPts val="0"/>
-              </a:spcBef>
-              <a:spcAft>
-                <a:spcPts val="0"/>
-              </a:spcAft>
-              <a:buClrTx/>
-              <a:buSzTx/>
-              <a:buFontTx/>
-              <a:buNone/>
-              <a:tabLst/>
-              <a:defRPr/>
-            </a:pPr>
-            <a:r>
-              <a:rPr lang="en-US" altLang="zh-CN" dirty="0" err="1" smtClean="0"/>
-              <a:t>Kolla</a:t>
-            </a:r>
-            <a:r>
-              <a:rPr lang="en-US" altLang="zh-CN" dirty="0" smtClean="0"/>
-              <a:t>-common </a:t>
-            </a:r>
-            <a:r>
-              <a:rPr lang="zh-CN" altLang="en-US" dirty="0" smtClean="0"/>
-              <a:t>和 </a:t>
-            </a:r>
-            <a:r>
-              <a:rPr lang="en-US" altLang="zh-CN" dirty="0" err="1" smtClean="0"/>
-              <a:t>microservice</a:t>
-            </a:r>
-            <a:r>
-              <a:rPr lang="en-US" altLang="zh-CN" baseline="0" dirty="0" smtClean="0"/>
-              <a:t> </a:t>
-            </a:r>
-            <a:r>
-              <a:rPr lang="zh-CN" altLang="en-US" baseline="0" dirty="0" smtClean="0"/>
-              <a:t>基础层：</a:t>
-            </a:r>
-            <a:endParaRPr lang="en-US" altLang="zh-CN" dirty="0" smtClean="0"/>
-          </a:p>
-          <a:p>
-            <a:pPr marL="0" marR="0" lvl="0" indent="0" algn="l" defTabSz="914400" rtl="0" eaLnBrk="1" fontAlgn="auto" latinLnBrk="0" hangingPunct="1">
-              <a:lnSpc>
-                <a:spcPct val="100000"/>
-              </a:lnSpc>
-              <a:spcBef>
-                <a:spcPts val="0"/>
-              </a:spcBef>
-              <a:spcAft>
-                <a:spcPts val="0"/>
-              </a:spcAft>
-              <a:buClrTx/>
-              <a:buSzTx/>
-              <a:buFontTx/>
-              <a:buNone/>
-              <a:tabLst/>
-              <a:defRPr/>
-            </a:pPr>
-            <a:r>
-              <a:rPr lang="en-US" altLang="zh-CN" dirty="0" err="1" smtClean="0"/>
-              <a:t>Kolla</a:t>
-            </a:r>
-            <a:r>
-              <a:rPr lang="en-US" altLang="zh-CN" dirty="0" smtClean="0"/>
-              <a:t>-common</a:t>
-            </a:r>
-            <a:r>
-              <a:rPr lang="en-US" altLang="zh-CN" dirty="0" smtClean="0"/>
-              <a:t>:</a:t>
-            </a:r>
-            <a:r>
-              <a:rPr lang="zh-CN" altLang="en-US" dirty="0" smtClean="0"/>
-              <a:t>各个服务公用的操作，</a:t>
-            </a:r>
-            <a:r>
-              <a:rPr lang="en-US" altLang="zh-CN" dirty="0" smtClean="0"/>
-              <a:t>create</a:t>
-            </a:r>
-            <a:r>
-              <a:rPr lang="en-US" altLang="zh-CN" baseline="0" dirty="0" smtClean="0"/>
-              <a:t> database</a:t>
-            </a:r>
-            <a:r>
-              <a:rPr lang="zh-CN" altLang="en-US" baseline="0" dirty="0" smtClean="0"/>
-              <a:t>、</a:t>
-            </a:r>
-            <a:r>
-              <a:rPr lang="en-US" altLang="zh-CN" baseline="0" dirty="0" smtClean="0"/>
-              <a:t>create </a:t>
-            </a:r>
-            <a:r>
-              <a:rPr lang="en-US" altLang="zh-CN" baseline="0" dirty="0" err="1" smtClean="0"/>
-              <a:t>pv</a:t>
-            </a:r>
-            <a:r>
-              <a:rPr lang="en-US" altLang="zh-CN" baseline="0" dirty="0" smtClean="0"/>
-              <a:t>\</a:t>
-            </a:r>
-            <a:r>
-              <a:rPr lang="en-US" altLang="zh-CN" baseline="0" dirty="0" err="1" smtClean="0"/>
-              <a:t>pvc</a:t>
-            </a:r>
-            <a:r>
-              <a:rPr lang="zh-CN" altLang="en-US" baseline="0" dirty="0" smtClean="0"/>
-              <a:t>、</a:t>
-            </a:r>
-            <a:r>
-              <a:rPr lang="en-US" altLang="zh-CN" baseline="0" dirty="0" smtClean="0"/>
-              <a:t>create keystone endpoint/user</a:t>
-            </a:r>
-            <a:r>
-              <a:rPr lang="zh-CN" altLang="en-US" baseline="0" dirty="0" smtClean="0"/>
-              <a:t>等</a:t>
-            </a:r>
-            <a:endParaRPr lang="en-US" altLang="zh-CN" dirty="0" smtClean="0"/>
-          </a:p>
-          <a:p>
-            <a:r>
-              <a:rPr lang="en-US" altLang="zh-CN" dirty="0" err="1" smtClean="0"/>
-              <a:t>Microservice</a:t>
-            </a:r>
-            <a:r>
-              <a:rPr lang="en-US" altLang="zh-CN" dirty="0" smtClean="0"/>
-              <a:t>:</a:t>
-            </a:r>
-            <a:r>
-              <a:rPr lang="zh-CN" altLang="en-US" dirty="0" smtClean="0"/>
-              <a:t>定义</a:t>
-            </a:r>
-            <a:r>
-              <a:rPr lang="en-US" altLang="zh-CN" dirty="0" smtClean="0"/>
-              <a:t>k8s</a:t>
-            </a:r>
-            <a:r>
-              <a:rPr lang="zh-CN" altLang="en-US" dirty="0" smtClean="0"/>
-              <a:t>资源文件，</a:t>
-            </a:r>
-            <a:r>
-              <a:rPr lang="zh-CN" altLang="en-US" dirty="0" smtClean="0"/>
-              <a:t>也即最终调用的一些资源定义</a:t>
-            </a:r>
-            <a:r>
-              <a:rPr lang="zh-CN" altLang="en-US" dirty="0" smtClean="0"/>
-              <a:t>文件 </a:t>
-            </a:r>
-            <a:r>
-              <a:rPr lang="en-US" altLang="zh-CN" dirty="0" smtClean="0"/>
-              <a:t>job/svc/</a:t>
-            </a:r>
-            <a:r>
-              <a:rPr lang="en-US" altLang="zh-CN" dirty="0" err="1" smtClean="0"/>
-              <a:t>pv</a:t>
-            </a:r>
-            <a:r>
-              <a:rPr lang="en-US" altLang="zh-CN" dirty="0" smtClean="0"/>
-              <a:t>/</a:t>
-            </a:r>
-            <a:r>
-              <a:rPr lang="en-US" altLang="zh-CN" dirty="0" err="1" smtClean="0"/>
-              <a:t>pvc</a:t>
-            </a:r>
-            <a:r>
-              <a:rPr lang="en-US" altLang="zh-CN" dirty="0" smtClean="0"/>
-              <a:t>/</a:t>
-            </a:r>
-            <a:r>
-              <a:rPr lang="en-US" altLang="zh-CN" dirty="0" err="1" smtClean="0"/>
-              <a:t>statefulset</a:t>
-            </a:r>
-            <a:r>
-              <a:rPr lang="zh-CN" altLang="en-US" dirty="0" smtClean="0"/>
-              <a:t>等，文件中的配置参数经过</a:t>
-            </a:r>
-            <a:r>
-              <a:rPr lang="en-US" altLang="zh-CN" dirty="0" smtClean="0"/>
-              <a:t>jinja2</a:t>
-            </a:r>
-            <a:r>
-              <a:rPr lang="zh-CN" altLang="en-US" dirty="0" smtClean="0"/>
-              <a:t>渲染</a:t>
-            </a:r>
-            <a:endParaRPr lang="en-US" altLang="zh-CN" dirty="0" smtClean="0"/>
-          </a:p>
-          <a:p>
-            <a:r>
-              <a:rPr lang="en-US" altLang="zh-CN" dirty="0" smtClean="0"/>
-              <a:t>Service</a:t>
-            </a:r>
-            <a:r>
-              <a:rPr lang="zh-CN" altLang="en-US" dirty="0" smtClean="0"/>
-              <a:t>：业务层</a:t>
-            </a:r>
-            <a:endParaRPr lang="en-US" altLang="zh-CN" dirty="0" smtClean="0"/>
-          </a:p>
-          <a:p>
-            <a:pPr marL="0" marR="0" lvl="0" indent="0" algn="l" defTabSz="914400" rtl="0" eaLnBrk="1" fontAlgn="auto" latinLnBrk="0" hangingPunct="1">
-              <a:lnSpc>
-                <a:spcPct val="100000"/>
-              </a:lnSpc>
-              <a:spcBef>
-                <a:spcPts val="0"/>
-              </a:spcBef>
-              <a:spcAft>
-                <a:spcPts val="0"/>
-              </a:spcAft>
-              <a:buClrTx/>
-              <a:buSzTx/>
-              <a:buFontTx/>
-              <a:buNone/>
-              <a:tabLst/>
-              <a:defRPr/>
-            </a:pPr>
-            <a:r>
-              <a:rPr lang="zh-CN" altLang="en-US" dirty="0" smtClean="0"/>
-              <a:t>每个服务定义一个或多个</a:t>
-            </a:r>
-            <a:r>
-              <a:rPr lang="en-US" altLang="zh-CN" dirty="0" smtClean="0"/>
-              <a:t>chart</a:t>
-            </a:r>
-            <a:r>
-              <a:rPr lang="zh-CN" altLang="en-US" dirty="0" smtClean="0"/>
-              <a:t>文件包，其中定义了依赖包和配置文件</a:t>
-            </a:r>
-            <a:endParaRPr lang="en-US" altLang="zh-CN" dirty="0" smtClean="0"/>
-          </a:p>
-          <a:p>
-            <a:r>
-              <a:rPr lang="en-US" altLang="zh-CN" dirty="0" smtClean="0"/>
-              <a:t>Test:</a:t>
-            </a:r>
-            <a:r>
-              <a:rPr lang="zh-CN" altLang="en-US" dirty="0" smtClean="0"/>
-              <a:t>单元测试</a:t>
-            </a:r>
-            <a:r>
-              <a:rPr lang="zh-CN" altLang="en-US" dirty="0" smtClean="0"/>
-              <a:t>用例</a:t>
-            </a:r>
-            <a:endParaRPr lang="en-US" altLang="zh-CN" dirty="0" smtClean="0"/>
+              <a:t>kolla-ansible</a:t>
+            </a:r>
+            <a:r>
+              <a:rPr lang="zh-CN" altLang="en-US" dirty="0" smtClean="0"/>
+              <a:t>进行容器化部署以及系统安全加固等。</a:t>
+            </a:r>
+          </a:p>
+          <a:p>
+            <a:endParaRPr lang="zh-CN" altLang="en-US" dirty="0"/>
           </a:p>
         </p:txBody>
       </p:sp>
@@ -1418,7 +3555,7 @@
           <a:p>
             <a:fld id="{A5880B28-9EFC-4886-B758-D4B847183D21}" type="slidenum">
               <a:rPr lang="zh-CN" altLang="en-US" smtClean="0"/>
-              <a:t>11</a:t>
+              <a:t>4</a:t>
             </a:fld>
             <a:endParaRPr lang="zh-CN" altLang="en-US"/>
           </a:p>
@@ -1427,7 +3564,7 @@
     </p:spTree>
     <p:extLst>
       <p:ext uri="{BB962C8B-B14F-4D97-AF65-F5344CB8AC3E}">
-        <p14:creationId xmlns:p14="http://schemas.microsoft.com/office/powerpoint/2010/main" val="1020278377"/>
+        <p14:creationId xmlns:p14="http://schemas.microsoft.com/office/powerpoint/2010/main" val="1503554805"/>
       </p:ext>
     </p:extLst>
   </p:cSld>
@@ -1482,102 +3619,78 @@
           <a:lstStyle/>
           <a:p>
             <a:r>
-              <a:rPr lang="en-US" altLang="zh-CN" dirty="0" smtClean="0"/>
-              <a:t>1 </a:t>
-            </a:r>
-            <a:r>
-              <a:rPr lang="en-US" altLang="zh-CN" dirty="0" smtClean="0"/>
-              <a:t>min</a:t>
-            </a:r>
-          </a:p>
-          <a:p>
-            <a:r>
-              <a:rPr lang="zh-CN" altLang="en-US" dirty="0" smtClean="0"/>
-              <a:t>公司业务需求选择</a:t>
+              <a:rPr lang="zh-CN" altLang="en-US" dirty="0" smtClean="0"/>
+              <a:t>首先</a:t>
+            </a:r>
+            <a:r>
+              <a:rPr lang="zh-CN" altLang="en-US" dirty="0" smtClean="0"/>
+              <a:t>来看内存操作系统。内存操作系统是我们部署过程中很重要的一部分，因为我们有可能需要在硬盘安装操作系统之前对硬件做一些批量的设置，这个时候内存操作系统就可以发挥很重要的作用。我们在我们的个性化私库里面融合了一个经过我们改造优化的</a:t>
+            </a:r>
+            <a:r>
+              <a:rPr lang="en-US" altLang="zh-CN" dirty="0" smtClean="0"/>
+              <a:t>cobbler</a:t>
+            </a:r>
+            <a:r>
+              <a:rPr lang="zh-CN" altLang="en-US" dirty="0" smtClean="0"/>
+              <a:t>，就是</a:t>
             </a:r>
             <a:r>
               <a:rPr lang="en-US" altLang="zh-CN" dirty="0" err="1" smtClean="0"/>
-              <a:t>openshift</a:t>
-            </a:r>
-            <a:r>
-              <a:rPr lang="zh-CN" altLang="en-US" dirty="0" smtClean="0"/>
-              <a:t>：</a:t>
+              <a:t>icos</a:t>
+            </a:r>
+            <a:r>
+              <a:rPr lang="en-US" altLang="zh-CN" dirty="0" smtClean="0"/>
+              <a:t>-cobbler</a:t>
+            </a:r>
+            <a:r>
+              <a:rPr lang="zh-CN" altLang="en-US" dirty="0" smtClean="0"/>
+              <a:t>，使其能支持系统的本地硬盘启动、内存操作系统启动和本地硬盘安装并启动。右边的这张图就是使用</a:t>
             </a:r>
             <a:r>
               <a:rPr lang="en-US" altLang="zh-CN" dirty="0" err="1" smtClean="0"/>
-              <a:t>Openshift</a:t>
-            </a:r>
-            <a:r>
-              <a:rPr lang="en-US" altLang="zh-CN" dirty="0" smtClean="0"/>
-              <a:t> </a:t>
-            </a:r>
-            <a:r>
-              <a:rPr lang="zh-CN" altLang="en-US" dirty="0" smtClean="0"/>
-              <a:t>介绍</a:t>
-            </a:r>
-            <a:endParaRPr lang="en-US" altLang="zh-CN" dirty="0" smtClean="0"/>
-          </a:p>
-          <a:p>
-            <a:r>
-              <a:rPr lang="zh-CN" altLang="en-US" dirty="0" smtClean="0"/>
-              <a:t>起步较早</a:t>
-            </a:r>
-            <a:r>
-              <a:rPr lang="en-US" altLang="zh-CN" dirty="0" smtClean="0"/>
-              <a:t>2013</a:t>
-            </a:r>
-            <a:r>
-              <a:rPr lang="zh-CN" altLang="en-US" dirty="0" smtClean="0"/>
-              <a:t>年</a:t>
-            </a:r>
-            <a:r>
-              <a:rPr lang="zh-CN" altLang="en-US" dirty="0" smtClean="0"/>
-              <a:t>开始</a:t>
+              <a:t>icos</a:t>
+            </a:r>
+            <a:r>
+              <a:rPr lang="en-US" altLang="zh-CN" dirty="0" smtClean="0"/>
+              <a:t>-cobbler</a:t>
+            </a:r>
+            <a:r>
+              <a:rPr lang="zh-CN" altLang="en-US" dirty="0" smtClean="0"/>
+              <a:t>进行</a:t>
             </a:r>
             <a:r>
               <a:rPr lang="en-US" altLang="zh-CN" dirty="0" err="1" smtClean="0"/>
-              <a:t>Redhat</a:t>
-            </a:r>
-            <a:r>
-              <a:rPr lang="zh-CN" altLang="en-US" dirty="0" smtClean="0"/>
-              <a:t>基于</a:t>
-            </a:r>
-            <a:r>
-              <a:rPr lang="en-US" altLang="zh-CN" dirty="0" err="1" smtClean="0"/>
-              <a:t>kubernetes</a:t>
-            </a:r>
-            <a:r>
-              <a:rPr lang="zh-CN" altLang="en-US" dirty="0" smtClean="0"/>
-              <a:t>开发，功能已比较完善且稳定程度较高，包含公有云版本和社区版本</a:t>
-            </a:r>
-            <a:endParaRPr lang="en-US" altLang="zh-CN" dirty="0" smtClean="0"/>
-          </a:p>
-          <a:p>
-            <a:r>
-              <a:rPr lang="zh-CN" altLang="en-US" dirty="0" smtClean="0"/>
-              <a:t>封装了</a:t>
-            </a:r>
-            <a:r>
-              <a:rPr lang="en-US" altLang="zh-CN" dirty="0" err="1" smtClean="0"/>
-              <a:t>kubernetes</a:t>
-            </a:r>
-            <a:r>
-              <a:rPr lang="zh-CN" altLang="en-US" dirty="0" smtClean="0"/>
-              <a:t>客户端，提供自己的客户端程序</a:t>
-            </a:r>
-            <a:r>
-              <a:rPr lang="en-US" altLang="zh-CN" dirty="0" err="1" smtClean="0"/>
-              <a:t>oc</a:t>
-            </a:r>
-            <a:r>
-              <a:rPr lang="zh-CN" altLang="en-US" dirty="0" smtClean="0"/>
-              <a:t>与集群</a:t>
-            </a:r>
-            <a:r>
-              <a:rPr lang="zh-CN" altLang="en-US" dirty="0" smtClean="0"/>
-              <a:t>交互</a:t>
-            </a:r>
-            <a:endParaRPr lang="en-US" altLang="zh-CN" dirty="0" smtClean="0"/>
+              <a:t>pxe</a:t>
+            </a:r>
+            <a:r>
+              <a:rPr lang="zh-CN" altLang="en-US" dirty="0" smtClean="0"/>
+              <a:t>时候的一个图，第一个选项是从本地硬盘启动，第二个选项是从内从操作系统启动，第三个选项是本地硬盘操作系统安装。此外，我们构建的</a:t>
+            </a:r>
+            <a:r>
+              <a:rPr lang="en-US" altLang="zh-CN" dirty="0" smtClean="0"/>
+              <a:t>ISO</a:t>
+            </a:r>
+            <a:r>
+              <a:rPr lang="zh-CN" altLang="en-US" dirty="0" smtClean="0"/>
+              <a:t>，不仅支持</a:t>
+            </a:r>
+            <a:r>
+              <a:rPr lang="en-US" altLang="zh-CN" dirty="0" smtClean="0"/>
+              <a:t>BIOS</a:t>
+            </a:r>
+            <a:r>
+              <a:rPr lang="zh-CN" altLang="en-US" dirty="0" smtClean="0"/>
+              <a:t>类型的主板，还支持</a:t>
+            </a:r>
+            <a:r>
+              <a:rPr lang="en-US" altLang="zh-CN" dirty="0" smtClean="0"/>
+              <a:t>UEFI</a:t>
+            </a:r>
+            <a:r>
+              <a:rPr lang="zh-CN" altLang="en-US" dirty="0" smtClean="0"/>
+              <a:t>类型的主板。</a:t>
+            </a:r>
+            <a:endParaRPr lang="zh-CN" altLang="en-US" dirty="0"/>
           </a:p>
         </p:txBody>
       </p:sp>
@@ -1598,7 +3711,7 @@
           <a:p>
             <a:fld id="{A5880B28-9EFC-4886-B758-D4B847183D21}" type="slidenum">
               <a:rPr lang="zh-CN" altLang="en-US" smtClean="0"/>
-              <a:t>12</a:t>
+              <a:t>5</a:t>
             </a:fld>
             <a:endParaRPr lang="zh-CN" altLang="en-US"/>
           </a:p>
@@ -1607,7 +3720,7 @@
     </p:spTree>
     <p:extLst>
       <p:ext uri="{BB962C8B-B14F-4D97-AF65-F5344CB8AC3E}">
-        <p14:creationId xmlns:p14="http://schemas.microsoft.com/office/powerpoint/2010/main" val="2686608799"/>
+        <p14:creationId xmlns:p14="http://schemas.microsoft.com/office/powerpoint/2010/main" val="2323611905"/>
       </p:ext>
     </p:extLst>
   </p:cSld>
@@ -1662,684 +3775,54 @@
           <a:lstStyle/>
           <a:p>
             <a:r>
-              <a:rPr lang="en-US" altLang="zh-CN" dirty="0" smtClean="0"/>
-              <a:t>1.5 </a:t>
-            </a:r>
-            <a:r>
-              <a:rPr lang="en-US" altLang="zh-CN" dirty="0" smtClean="0"/>
-              <a:t>min</a:t>
-            </a:r>
-          </a:p>
-          <a:p>
-            <a:r>
-              <a:rPr lang="zh-CN" altLang="en-US" dirty="0" smtClean="0"/>
-              <a:t>自定义配置文件：指定</a:t>
+              <a:rPr lang="zh-CN" altLang="en-US" dirty="0" smtClean="0"/>
+              <a:t>我们再来看批量</a:t>
+            </a:r>
+            <a:r>
+              <a:rPr lang="en-US" altLang="zh-CN" dirty="0" smtClean="0"/>
+              <a:t>raid</a:t>
+            </a:r>
+            <a:r>
+              <a:rPr lang="zh-CN" altLang="en-US" dirty="0" smtClean="0"/>
+              <a:t>设置。得益于</a:t>
             </a:r>
             <a:r>
               <a:rPr lang="en-US" altLang="zh-CN" dirty="0" err="1" smtClean="0"/>
-              <a:t>openstack</a:t>
-            </a:r>
-            <a:r>
-              <a:rPr lang="zh-CN" altLang="en-US" dirty="0" smtClean="0"/>
-              <a:t>使用的网络、私有镜像仓库、虚拟化类型等。</a:t>
-            </a:r>
-            <a:endParaRPr lang="en-US" altLang="zh-CN" dirty="0" smtClean="0"/>
-          </a:p>
-          <a:p>
-            <a:r>
-              <a:rPr lang="zh-CN" altLang="en-US" dirty="0" smtClean="0"/>
-              <a:t>使用</a:t>
-            </a:r>
-            <a:r>
-              <a:rPr lang="en-US" altLang="zh-CN" dirty="0" smtClean="0"/>
-              <a:t>Helm</a:t>
-            </a:r>
-            <a:r>
-              <a:rPr lang="zh-CN" altLang="en-US" dirty="0" smtClean="0"/>
-              <a:t>部署：</a:t>
-            </a:r>
-            <a:r>
-              <a:rPr lang="en-US" altLang="zh-CN" dirty="0" err="1" smtClean="0"/>
-              <a:t>mariadb</a:t>
-            </a:r>
-            <a:r>
-              <a:rPr lang="zh-CN" altLang="en-US" dirty="0" smtClean="0"/>
-              <a:t>、</a:t>
-            </a:r>
-            <a:r>
-              <a:rPr lang="en-US" altLang="zh-CN" baseline="0" dirty="0" err="1" smtClean="0"/>
-              <a:t>memache</a:t>
-            </a:r>
-            <a:r>
-              <a:rPr lang="zh-CN" altLang="en-US" baseline="0" dirty="0" smtClean="0"/>
-              <a:t>、</a:t>
-            </a:r>
-            <a:r>
-              <a:rPr lang="en-US" altLang="zh-CN" baseline="0" dirty="0" err="1" smtClean="0"/>
-              <a:t>rabbitmq</a:t>
-            </a:r>
-            <a:r>
-              <a:rPr lang="zh-CN" altLang="en-US" baseline="0" dirty="0" smtClean="0"/>
-              <a:t>依赖组件启动成功后，部署</a:t>
-            </a:r>
-            <a:r>
-              <a:rPr lang="en-US" altLang="zh-CN" baseline="0" dirty="0" err="1" smtClean="0"/>
-              <a:t>openstack</a:t>
-            </a:r>
-            <a:r>
-              <a:rPr lang="zh-CN" altLang="en-US" baseline="0" dirty="0" smtClean="0"/>
-              <a:t>服务</a:t>
-            </a:r>
-            <a:endParaRPr lang="en-US" altLang="zh-CN" baseline="0" dirty="0" smtClean="0"/>
-          </a:p>
-          <a:p>
-            <a:endParaRPr lang="en-US" altLang="zh-CN" sz="1200" kern="1200" dirty="0" smtClean="0">
-              <a:solidFill>
-                <a:schemeClr val="tx1"/>
-              </a:solidFill>
-              <a:effectLst/>
-              <a:latin typeface="+mn-lt"/>
-              <a:ea typeface="+mn-ea"/>
-              <a:cs typeface="+mn-cs"/>
-            </a:endParaRPr>
-          </a:p>
-          <a:p>
-            <a:r>
-              <a:rPr lang="en-US" altLang="zh-CN" sz="1200" kern="1200" dirty="0" smtClean="0">
-                <a:solidFill>
-                  <a:schemeClr val="tx1"/>
-                </a:solidFill>
-                <a:effectLst/>
-                <a:latin typeface="+mn-lt"/>
-                <a:ea typeface="+mn-ea"/>
-                <a:cs typeface="+mn-cs"/>
-              </a:rPr>
-              <a:t>helm</a:t>
-            </a:r>
-            <a:r>
-              <a:rPr lang="en-US" altLang="zh-CN" dirty="0" smtClean="0"/>
-              <a:t> </a:t>
-            </a:r>
-            <a:r>
-              <a:rPr lang="en-US" altLang="zh-CN" sz="1200" kern="1200" dirty="0" smtClean="0">
-                <a:solidFill>
-                  <a:schemeClr val="tx1"/>
-                </a:solidFill>
-                <a:effectLst/>
-                <a:latin typeface="+mn-lt"/>
-                <a:ea typeface="+mn-ea"/>
-                <a:cs typeface="+mn-cs"/>
-              </a:rPr>
-              <a:t>install</a:t>
-            </a:r>
-            <a:r>
-              <a:rPr lang="en-US" altLang="zh-CN" dirty="0" smtClean="0"/>
-              <a:t> </a:t>
-            </a:r>
-            <a:r>
-              <a:rPr lang="en-US" altLang="zh-CN" sz="1200" kern="1200" dirty="0" smtClean="0">
-                <a:solidFill>
-                  <a:schemeClr val="tx1"/>
-                </a:solidFill>
-                <a:effectLst/>
-                <a:latin typeface="+mn-lt"/>
-                <a:ea typeface="+mn-ea"/>
-                <a:cs typeface="+mn-cs"/>
-              </a:rPr>
-              <a:t>--debug</a:t>
-            </a:r>
-            <a:r>
-              <a:rPr lang="en-US" altLang="zh-CN" dirty="0" smtClean="0"/>
-              <a:t> </a:t>
-            </a:r>
-            <a:r>
-              <a:rPr lang="en-US" altLang="zh-CN" sz="1200" kern="1200" dirty="0" err="1" smtClean="0">
-                <a:solidFill>
-                  <a:schemeClr val="tx1"/>
-                </a:solidFill>
-                <a:effectLst/>
-                <a:latin typeface="+mn-lt"/>
-                <a:ea typeface="+mn-ea"/>
-                <a:cs typeface="+mn-cs"/>
-              </a:rPr>
-              <a:t>kolla-kubernetes</a:t>
-            </a:r>
-            <a:r>
-              <a:rPr lang="en-US" altLang="zh-CN" sz="1200" kern="1200" dirty="0" smtClean="0">
-                <a:solidFill>
-                  <a:schemeClr val="tx1"/>
-                </a:solidFill>
-                <a:effectLst/>
-                <a:latin typeface="+mn-lt"/>
-                <a:ea typeface="+mn-ea"/>
-                <a:cs typeface="+mn-cs"/>
-              </a:rPr>
-              <a:t>/helm/service/</a:t>
-            </a:r>
-            <a:r>
-              <a:rPr lang="en-US" altLang="zh-CN" sz="1200" kern="1200" dirty="0" err="1" smtClean="0">
-                <a:solidFill>
-                  <a:schemeClr val="tx1"/>
-                </a:solidFill>
-                <a:effectLst/>
-                <a:latin typeface="+mn-lt"/>
-                <a:ea typeface="+mn-ea"/>
-                <a:cs typeface="+mn-cs"/>
-              </a:rPr>
-              <a:t>mariadb</a:t>
-            </a:r>
-            <a:r>
-              <a:rPr lang="en-US" altLang="zh-CN" dirty="0" smtClean="0"/>
-              <a:t> </a:t>
-            </a:r>
-            <a:r>
-              <a:rPr lang="en-US" altLang="zh-CN" sz="1200" kern="1200" dirty="0" smtClean="0">
-                <a:solidFill>
-                  <a:schemeClr val="tx1"/>
-                </a:solidFill>
-                <a:effectLst/>
-                <a:latin typeface="+mn-lt"/>
-                <a:ea typeface="+mn-ea"/>
-                <a:cs typeface="+mn-cs"/>
-              </a:rPr>
-              <a:t>--namespace</a:t>
-            </a:r>
-            <a:r>
-              <a:rPr lang="en-US" altLang="zh-CN" dirty="0" smtClean="0"/>
-              <a:t> </a:t>
-            </a:r>
-            <a:r>
-              <a:rPr lang="en-US" altLang="zh-CN" sz="1200" kern="1200" dirty="0" err="1" smtClean="0">
-                <a:solidFill>
-                  <a:schemeClr val="tx1"/>
-                </a:solidFill>
-                <a:effectLst/>
-                <a:latin typeface="+mn-lt"/>
-                <a:ea typeface="+mn-ea"/>
-                <a:cs typeface="+mn-cs"/>
-              </a:rPr>
-              <a:t>kolla</a:t>
-            </a:r>
-            <a:r>
-              <a:rPr lang="en-US" altLang="zh-CN" dirty="0" smtClean="0"/>
-              <a:t> </a:t>
-            </a:r>
-            <a:r>
-              <a:rPr lang="en-US" altLang="zh-CN" sz="1200" kern="1200" dirty="0" smtClean="0">
-                <a:solidFill>
-                  <a:schemeClr val="tx1"/>
-                </a:solidFill>
-                <a:effectLst/>
-                <a:latin typeface="+mn-lt"/>
-                <a:ea typeface="+mn-ea"/>
-                <a:cs typeface="+mn-cs"/>
-              </a:rPr>
-              <a:t>--name</a:t>
-            </a:r>
-            <a:r>
-              <a:rPr lang="en-US" altLang="zh-CN" dirty="0" smtClean="0"/>
-              <a:t> </a:t>
-            </a:r>
-            <a:r>
-              <a:rPr lang="en-US" altLang="zh-CN" sz="1200" kern="1200" dirty="0" err="1" smtClean="0">
-                <a:solidFill>
-                  <a:schemeClr val="tx1"/>
-                </a:solidFill>
-                <a:effectLst/>
-                <a:latin typeface="+mn-lt"/>
-                <a:ea typeface="+mn-ea"/>
-                <a:cs typeface="+mn-cs"/>
-              </a:rPr>
-              <a:t>mariadb</a:t>
-            </a:r>
-            <a:r>
-              <a:rPr lang="en-US" altLang="zh-CN" dirty="0" smtClean="0"/>
-              <a:t> </a:t>
-            </a:r>
-            <a:r>
-              <a:rPr lang="en-US" altLang="zh-CN" sz="1200" kern="1200" dirty="0" smtClean="0">
-                <a:solidFill>
-                  <a:schemeClr val="tx1"/>
-                </a:solidFill>
-                <a:effectLst/>
-                <a:latin typeface="+mn-lt"/>
-                <a:ea typeface="+mn-ea"/>
-                <a:cs typeface="+mn-cs"/>
-              </a:rPr>
-              <a:t>--values</a:t>
-            </a:r>
-            <a:r>
-              <a:rPr lang="en-US" altLang="zh-CN" dirty="0" smtClean="0"/>
-              <a:t> </a:t>
-            </a:r>
-            <a:r>
-              <a:rPr lang="en-US" altLang="zh-CN" sz="1200" kern="1200" dirty="0" smtClean="0">
-                <a:solidFill>
-                  <a:schemeClr val="tx1"/>
-                </a:solidFill>
-                <a:effectLst/>
-                <a:latin typeface="+mn-lt"/>
-                <a:ea typeface="+mn-ea"/>
-                <a:cs typeface="+mn-cs"/>
-              </a:rPr>
-              <a:t>./</a:t>
-            </a:r>
-            <a:r>
-              <a:rPr lang="en-US" altLang="zh-CN" sz="1200" kern="1200" dirty="0" err="1" smtClean="0">
-                <a:solidFill>
-                  <a:schemeClr val="tx1"/>
-                </a:solidFill>
-                <a:effectLst/>
-                <a:latin typeface="+mn-lt"/>
-                <a:ea typeface="+mn-ea"/>
-                <a:cs typeface="+mn-cs"/>
-              </a:rPr>
-              <a:t>cloud.yaml</a:t>
-            </a:r>
-            <a:endParaRPr lang="en-US" altLang="zh-CN" sz="1200" kern="1200" dirty="0" smtClean="0">
-              <a:solidFill>
-                <a:schemeClr val="tx1"/>
-              </a:solidFill>
-              <a:effectLst/>
-              <a:latin typeface="+mn-lt"/>
-              <a:ea typeface="+mn-ea"/>
-              <a:cs typeface="+mn-cs"/>
-            </a:endParaRPr>
-          </a:p>
-          <a:p>
-            <a:r>
-              <a:rPr lang="en-US" altLang="zh-CN" sz="1200" kern="1200" dirty="0" smtClean="0">
-                <a:solidFill>
-                  <a:schemeClr val="tx1"/>
-                </a:solidFill>
-                <a:effectLst/>
-                <a:latin typeface="+mn-lt"/>
-                <a:ea typeface="+mn-ea"/>
-                <a:cs typeface="+mn-cs"/>
-              </a:rPr>
-              <a:t>helm</a:t>
-            </a:r>
-            <a:r>
-              <a:rPr lang="en-US" altLang="zh-CN" dirty="0" smtClean="0"/>
-              <a:t> </a:t>
-            </a:r>
-            <a:r>
-              <a:rPr lang="en-US" altLang="zh-CN" sz="1200" kern="1200" dirty="0" smtClean="0">
-                <a:solidFill>
-                  <a:schemeClr val="tx1"/>
-                </a:solidFill>
-                <a:effectLst/>
-                <a:latin typeface="+mn-lt"/>
-                <a:ea typeface="+mn-ea"/>
-                <a:cs typeface="+mn-cs"/>
-              </a:rPr>
-              <a:t>install</a:t>
-            </a:r>
-            <a:r>
-              <a:rPr lang="en-US" altLang="zh-CN" dirty="0" smtClean="0"/>
-              <a:t> </a:t>
-            </a:r>
-            <a:r>
-              <a:rPr lang="en-US" altLang="zh-CN" sz="1200" kern="1200" dirty="0" smtClean="0">
-                <a:solidFill>
-                  <a:schemeClr val="tx1"/>
-                </a:solidFill>
-                <a:effectLst/>
-                <a:latin typeface="+mn-lt"/>
-                <a:ea typeface="+mn-ea"/>
-                <a:cs typeface="+mn-cs"/>
-              </a:rPr>
-              <a:t>--debug</a:t>
-            </a:r>
-            <a:r>
-              <a:rPr lang="en-US" altLang="zh-CN" dirty="0" smtClean="0"/>
-              <a:t> </a:t>
-            </a:r>
-            <a:r>
-              <a:rPr lang="en-US" altLang="zh-CN" sz="1200" kern="1200" dirty="0" err="1" smtClean="0">
-                <a:solidFill>
-                  <a:schemeClr val="tx1"/>
-                </a:solidFill>
-                <a:effectLst/>
-                <a:latin typeface="+mn-lt"/>
-                <a:ea typeface="+mn-ea"/>
-                <a:cs typeface="+mn-cs"/>
-              </a:rPr>
-              <a:t>kolla-kubernetes</a:t>
-            </a:r>
-            <a:r>
-              <a:rPr lang="en-US" altLang="zh-CN" sz="1200" kern="1200" dirty="0" smtClean="0">
-                <a:solidFill>
-                  <a:schemeClr val="tx1"/>
-                </a:solidFill>
-                <a:effectLst/>
-                <a:latin typeface="+mn-lt"/>
-                <a:ea typeface="+mn-ea"/>
-                <a:cs typeface="+mn-cs"/>
-              </a:rPr>
-              <a:t>/helm/service/</a:t>
-            </a:r>
-            <a:r>
-              <a:rPr lang="en-US" altLang="zh-CN" sz="1200" kern="1200" dirty="0" err="1" smtClean="0">
-                <a:solidFill>
-                  <a:schemeClr val="tx1"/>
-                </a:solidFill>
-                <a:effectLst/>
-                <a:latin typeface="+mn-lt"/>
-                <a:ea typeface="+mn-ea"/>
-                <a:cs typeface="+mn-cs"/>
-              </a:rPr>
-              <a:t>rabbitmq</a:t>
-            </a:r>
-            <a:r>
-              <a:rPr lang="en-US" altLang="zh-CN" dirty="0" smtClean="0"/>
-              <a:t> </a:t>
-            </a:r>
-            <a:r>
-              <a:rPr lang="en-US" altLang="zh-CN" sz="1200" kern="1200" dirty="0" smtClean="0">
-                <a:solidFill>
-                  <a:schemeClr val="tx1"/>
-                </a:solidFill>
-                <a:effectLst/>
-                <a:latin typeface="+mn-lt"/>
-                <a:ea typeface="+mn-ea"/>
-                <a:cs typeface="+mn-cs"/>
-              </a:rPr>
-              <a:t>--namespace</a:t>
-            </a:r>
-            <a:r>
-              <a:rPr lang="en-US" altLang="zh-CN" dirty="0" smtClean="0"/>
-              <a:t> </a:t>
-            </a:r>
-            <a:r>
-              <a:rPr lang="en-US" altLang="zh-CN" sz="1200" kern="1200" dirty="0" err="1" smtClean="0">
-                <a:solidFill>
-                  <a:schemeClr val="tx1"/>
-                </a:solidFill>
-                <a:effectLst/>
-                <a:latin typeface="+mn-lt"/>
-                <a:ea typeface="+mn-ea"/>
-                <a:cs typeface="+mn-cs"/>
-              </a:rPr>
-              <a:t>kolla</a:t>
-            </a:r>
-            <a:r>
-              <a:rPr lang="en-US" altLang="zh-CN" dirty="0" smtClean="0"/>
-              <a:t> </a:t>
-            </a:r>
-            <a:r>
-              <a:rPr lang="en-US" altLang="zh-CN" sz="1200" kern="1200" dirty="0" smtClean="0">
-                <a:solidFill>
-                  <a:schemeClr val="tx1"/>
-                </a:solidFill>
-                <a:effectLst/>
-                <a:latin typeface="+mn-lt"/>
-                <a:ea typeface="+mn-ea"/>
-                <a:cs typeface="+mn-cs"/>
-              </a:rPr>
-              <a:t>--name</a:t>
-            </a:r>
-            <a:r>
-              <a:rPr lang="en-US" altLang="zh-CN" dirty="0" smtClean="0"/>
-              <a:t> </a:t>
-            </a:r>
-            <a:r>
-              <a:rPr lang="en-US" altLang="zh-CN" sz="1200" kern="1200" dirty="0" err="1" smtClean="0">
-                <a:solidFill>
-                  <a:schemeClr val="tx1"/>
-                </a:solidFill>
-                <a:effectLst/>
-                <a:latin typeface="+mn-lt"/>
-                <a:ea typeface="+mn-ea"/>
-                <a:cs typeface="+mn-cs"/>
-              </a:rPr>
-              <a:t>rabbitmq</a:t>
-            </a:r>
-            <a:r>
-              <a:rPr lang="en-US" altLang="zh-CN" dirty="0" smtClean="0"/>
-              <a:t> </a:t>
-            </a:r>
-            <a:r>
-              <a:rPr lang="en-US" altLang="zh-CN" sz="1200" kern="1200" dirty="0" smtClean="0">
-                <a:solidFill>
-                  <a:schemeClr val="tx1"/>
-                </a:solidFill>
-                <a:effectLst/>
-                <a:latin typeface="+mn-lt"/>
-                <a:ea typeface="+mn-ea"/>
-                <a:cs typeface="+mn-cs"/>
-              </a:rPr>
-              <a:t>--values</a:t>
-            </a:r>
-            <a:r>
-              <a:rPr lang="en-US" altLang="zh-CN" dirty="0" smtClean="0"/>
-              <a:t> </a:t>
-            </a:r>
-            <a:r>
-              <a:rPr lang="en-US" altLang="zh-CN" sz="1200" kern="1200" dirty="0" smtClean="0">
-                <a:solidFill>
-                  <a:schemeClr val="tx1"/>
-                </a:solidFill>
-                <a:effectLst/>
-                <a:latin typeface="+mn-lt"/>
-                <a:ea typeface="+mn-ea"/>
-                <a:cs typeface="+mn-cs"/>
-              </a:rPr>
-              <a:t>./</a:t>
-            </a:r>
-            <a:r>
-              <a:rPr lang="en-US" altLang="zh-CN" sz="1200" kern="1200" dirty="0" err="1" smtClean="0">
-                <a:solidFill>
-                  <a:schemeClr val="tx1"/>
-                </a:solidFill>
-                <a:effectLst/>
-                <a:latin typeface="+mn-lt"/>
-                <a:ea typeface="+mn-ea"/>
-                <a:cs typeface="+mn-cs"/>
-              </a:rPr>
-              <a:t>cloud.yaml</a:t>
-            </a:r>
-            <a:r>
-              <a:rPr lang="en-US" altLang="zh-CN" dirty="0" smtClean="0"/>
-              <a:t> </a:t>
-            </a:r>
-            <a:r>
-              <a:rPr lang="en-US" altLang="zh-CN" sz="1200" kern="1200" dirty="0" smtClean="0">
-                <a:solidFill>
-                  <a:schemeClr val="tx1"/>
-                </a:solidFill>
-                <a:effectLst/>
-                <a:latin typeface="+mn-lt"/>
-                <a:ea typeface="+mn-ea"/>
-                <a:cs typeface="+mn-cs"/>
-              </a:rPr>
-              <a:t>helm</a:t>
-            </a:r>
-            <a:r>
-              <a:rPr lang="en-US" altLang="zh-CN" dirty="0" smtClean="0"/>
-              <a:t> </a:t>
-            </a:r>
-            <a:r>
-              <a:rPr lang="en-US" altLang="zh-CN" sz="1200" kern="1200" dirty="0" smtClean="0">
-                <a:solidFill>
-                  <a:schemeClr val="tx1"/>
-                </a:solidFill>
-                <a:effectLst/>
-                <a:latin typeface="+mn-lt"/>
-                <a:ea typeface="+mn-ea"/>
-                <a:cs typeface="+mn-cs"/>
-              </a:rPr>
-              <a:t>install</a:t>
-            </a:r>
-            <a:r>
-              <a:rPr lang="en-US" altLang="zh-CN" dirty="0" smtClean="0"/>
-              <a:t> </a:t>
-            </a:r>
-            <a:r>
-              <a:rPr lang="en-US" altLang="zh-CN" sz="1200" kern="1200" dirty="0" smtClean="0">
-                <a:solidFill>
-                  <a:schemeClr val="tx1"/>
-                </a:solidFill>
-                <a:effectLst/>
-                <a:latin typeface="+mn-lt"/>
-                <a:ea typeface="+mn-ea"/>
-                <a:cs typeface="+mn-cs"/>
-              </a:rPr>
-              <a:t>--debug</a:t>
-            </a:r>
-            <a:r>
-              <a:rPr lang="en-US" altLang="zh-CN" dirty="0" smtClean="0"/>
-              <a:t> </a:t>
-            </a:r>
-            <a:r>
-              <a:rPr lang="en-US" altLang="zh-CN" sz="1200" kern="1200" dirty="0" err="1" smtClean="0">
-                <a:solidFill>
-                  <a:schemeClr val="tx1"/>
-                </a:solidFill>
-                <a:effectLst/>
-                <a:latin typeface="+mn-lt"/>
-                <a:ea typeface="+mn-ea"/>
-                <a:cs typeface="+mn-cs"/>
-              </a:rPr>
-              <a:t>kolla-kubernetes</a:t>
-            </a:r>
-            <a:r>
-              <a:rPr lang="en-US" altLang="zh-CN" sz="1200" kern="1200" dirty="0" smtClean="0">
-                <a:solidFill>
-                  <a:schemeClr val="tx1"/>
-                </a:solidFill>
-                <a:effectLst/>
-                <a:latin typeface="+mn-lt"/>
-                <a:ea typeface="+mn-ea"/>
-                <a:cs typeface="+mn-cs"/>
-              </a:rPr>
-              <a:t>/helm/service/</a:t>
-            </a:r>
-            <a:r>
-              <a:rPr lang="en-US" altLang="zh-CN" sz="1200" kern="1200" dirty="0" err="1" smtClean="0">
-                <a:solidFill>
-                  <a:schemeClr val="tx1"/>
-                </a:solidFill>
-                <a:effectLst/>
-                <a:latin typeface="+mn-lt"/>
-                <a:ea typeface="+mn-ea"/>
-                <a:cs typeface="+mn-cs"/>
-              </a:rPr>
-              <a:t>memcached</a:t>
-            </a:r>
-            <a:r>
-              <a:rPr lang="en-US" altLang="zh-CN" dirty="0" smtClean="0"/>
-              <a:t> </a:t>
-            </a:r>
-            <a:r>
-              <a:rPr lang="en-US" altLang="zh-CN" sz="1200" kern="1200" dirty="0" smtClean="0">
-                <a:solidFill>
-                  <a:schemeClr val="tx1"/>
-                </a:solidFill>
-                <a:effectLst/>
-                <a:latin typeface="+mn-lt"/>
-                <a:ea typeface="+mn-ea"/>
-                <a:cs typeface="+mn-cs"/>
-              </a:rPr>
-              <a:t>--namespace</a:t>
-            </a:r>
-            <a:r>
-              <a:rPr lang="en-US" altLang="zh-CN" dirty="0" smtClean="0"/>
-              <a:t> </a:t>
-            </a:r>
-            <a:r>
-              <a:rPr lang="en-US" altLang="zh-CN" sz="1200" kern="1200" dirty="0" err="1" smtClean="0">
-                <a:solidFill>
-                  <a:schemeClr val="tx1"/>
-                </a:solidFill>
-                <a:effectLst/>
-                <a:latin typeface="+mn-lt"/>
-                <a:ea typeface="+mn-ea"/>
-                <a:cs typeface="+mn-cs"/>
-              </a:rPr>
-              <a:t>kolla</a:t>
-            </a:r>
-            <a:r>
-              <a:rPr lang="en-US" altLang="zh-CN" dirty="0" smtClean="0"/>
-              <a:t> </a:t>
-            </a:r>
-            <a:r>
-              <a:rPr lang="en-US" altLang="zh-CN" sz="1200" kern="1200" dirty="0" smtClean="0">
-                <a:solidFill>
-                  <a:schemeClr val="tx1"/>
-                </a:solidFill>
-                <a:effectLst/>
-                <a:latin typeface="+mn-lt"/>
-                <a:ea typeface="+mn-ea"/>
-                <a:cs typeface="+mn-cs"/>
-              </a:rPr>
-              <a:t>--name</a:t>
-            </a:r>
-            <a:r>
-              <a:rPr lang="en-US" altLang="zh-CN" dirty="0" smtClean="0"/>
-              <a:t> </a:t>
-            </a:r>
-            <a:r>
-              <a:rPr lang="en-US" altLang="zh-CN" sz="1200" kern="1200" dirty="0" err="1" smtClean="0">
-                <a:solidFill>
-                  <a:schemeClr val="tx1"/>
-                </a:solidFill>
-                <a:effectLst/>
-                <a:latin typeface="+mn-lt"/>
-                <a:ea typeface="+mn-ea"/>
-                <a:cs typeface="+mn-cs"/>
-              </a:rPr>
-              <a:t>memcached</a:t>
-            </a:r>
-            <a:r>
-              <a:rPr lang="en-US" altLang="zh-CN" dirty="0" smtClean="0"/>
-              <a:t> </a:t>
-            </a:r>
-            <a:r>
-              <a:rPr lang="en-US" altLang="zh-CN" sz="1200" kern="1200" dirty="0" smtClean="0">
-                <a:solidFill>
-                  <a:schemeClr val="tx1"/>
-                </a:solidFill>
-                <a:effectLst/>
-                <a:latin typeface="+mn-lt"/>
-                <a:ea typeface="+mn-ea"/>
-                <a:cs typeface="+mn-cs"/>
-              </a:rPr>
-              <a:t>--values</a:t>
-            </a:r>
-            <a:r>
-              <a:rPr lang="en-US" altLang="zh-CN" dirty="0" smtClean="0"/>
-              <a:t> </a:t>
-            </a:r>
-            <a:r>
-              <a:rPr lang="en-US" altLang="zh-CN" sz="1200" kern="1200" dirty="0" smtClean="0">
-                <a:solidFill>
-                  <a:schemeClr val="tx1"/>
-                </a:solidFill>
-                <a:effectLst/>
-                <a:latin typeface="+mn-lt"/>
-                <a:ea typeface="+mn-ea"/>
-                <a:cs typeface="+mn-cs"/>
-              </a:rPr>
-              <a:t>./</a:t>
-            </a:r>
-            <a:r>
-              <a:rPr lang="en-US" altLang="zh-CN" sz="1200" kern="1200" dirty="0" err="1" smtClean="0">
-                <a:solidFill>
-                  <a:schemeClr val="tx1"/>
-                </a:solidFill>
-                <a:effectLst/>
-                <a:latin typeface="+mn-lt"/>
-                <a:ea typeface="+mn-ea"/>
-                <a:cs typeface="+mn-cs"/>
-              </a:rPr>
-              <a:t>cloud.yaml</a:t>
-            </a:r>
-            <a:r>
-              <a:rPr lang="en-US" altLang="zh-CN" dirty="0" smtClean="0"/>
-              <a:t> </a:t>
-            </a:r>
-            <a:endParaRPr lang="en-US" altLang="zh-CN" baseline="0" dirty="0" smtClean="0"/>
+              <a:t>icos</a:t>
+            </a:r>
+            <a:r>
+              <a:rPr lang="en-US" altLang="zh-CN" dirty="0" smtClean="0"/>
+              <a:t>-cobbler</a:t>
+            </a:r>
+            <a:r>
+              <a:rPr lang="zh-CN" altLang="en-US" dirty="0" smtClean="0"/>
+              <a:t>对内存操作系统的支持，使得我们可以在内存操作系统中对</a:t>
+            </a:r>
+            <a:r>
+              <a:rPr lang="en-US" altLang="zh-CN" dirty="0" smtClean="0"/>
+              <a:t>raid</a:t>
+            </a:r>
+            <a:r>
+              <a:rPr lang="zh-CN" altLang="en-US" dirty="0" smtClean="0"/>
+              <a:t>进行批量设置，这可以很大程度上减少一台一台的手动去设置</a:t>
+            </a:r>
+            <a:r>
+              <a:rPr lang="en-US" altLang="zh-CN" dirty="0" smtClean="0"/>
+              <a:t>raid</a:t>
+            </a:r>
+            <a:r>
+              <a:rPr lang="zh-CN" altLang="en-US" dirty="0" smtClean="0"/>
+              <a:t>所需要的时间。右边的这张图是我们开发的设置</a:t>
+            </a:r>
+            <a:r>
+              <a:rPr lang="en-US" altLang="zh-CN" dirty="0" smtClean="0"/>
+              <a:t>raid</a:t>
+            </a:r>
+            <a:r>
+              <a:rPr lang="zh-CN" altLang="en-US" dirty="0" smtClean="0"/>
+              <a:t>的脚本，在不同的项目中使用时，该脚本可能需要进行一些微调。</a:t>
+            </a:r>
+            <a:endParaRPr lang="zh-CN" altLang="en-US" dirty="0"/>
           </a:p>
         </p:txBody>
       </p:sp>
@@ -2360,7 +3843,7 @@
           <a:p>
             <a:fld id="{A5880B28-9EFC-4886-B758-D4B847183D21}" type="slidenum">
               <a:rPr lang="zh-CN" altLang="en-US" smtClean="0"/>
-              <a:t>13</a:t>
+              <a:t>6</a:t>
             </a:fld>
             <a:endParaRPr lang="zh-CN" altLang="en-US"/>
           </a:p>
@@ -2369,7 +3852,7 @@
     </p:spTree>
     <p:extLst>
       <p:ext uri="{BB962C8B-B14F-4D97-AF65-F5344CB8AC3E}">
-        <p14:creationId xmlns:p14="http://schemas.microsoft.com/office/powerpoint/2010/main" val="3982175546"/>
+        <p14:creationId xmlns:p14="http://schemas.microsoft.com/office/powerpoint/2010/main" val="2666734046"/>
       </p:ext>
     </p:extLst>
   </p:cSld>
@@ -2424,8 +3907,72 @@
           <a:lstStyle/>
           <a:p>
             <a:r>
-              <a:rPr lang="en-US" altLang="zh-CN" dirty="0" smtClean="0"/>
-              <a:t>0.5 min</a:t>
+              <a:rPr lang="zh-CN" altLang="en-US" dirty="0" smtClean="0"/>
+              <a:t>我们再来看操作系统的批量安装，我们刚才在前面也介绍到了，我们的</a:t>
+            </a:r>
+            <a:r>
+              <a:rPr lang="en-US" altLang="zh-CN" dirty="0" err="1" smtClean="0"/>
+              <a:t>icos</a:t>
+            </a:r>
+            <a:r>
+              <a:rPr lang="en-US" altLang="zh-CN" dirty="0" smtClean="0"/>
+              <a:t>-cobbler</a:t>
+            </a:r>
+            <a:r>
+              <a:rPr lang="zh-CN" altLang="en-US" dirty="0" smtClean="0"/>
+              <a:t>支持本地硬盘操作系统的安装。左边这张图是</a:t>
+            </a:r>
+            <a:r>
+              <a:rPr lang="en-US" altLang="zh-CN" dirty="0" err="1" smtClean="0"/>
+              <a:t>icos</a:t>
+            </a:r>
+            <a:r>
+              <a:rPr lang="en-US" altLang="zh-CN" dirty="0" smtClean="0"/>
+              <a:t>-cobbler</a:t>
+            </a:r>
+            <a:r>
+              <a:rPr lang="zh-CN" altLang="en-US" dirty="0" smtClean="0"/>
+              <a:t>的配置文件，通过修改红框中的配置，将该配置修改为</a:t>
+            </a:r>
+            <a:r>
+              <a:rPr lang="en-US" altLang="zh-CN" dirty="0" smtClean="0"/>
+              <a:t>3</a:t>
+            </a:r>
+            <a:r>
+              <a:rPr lang="zh-CN" altLang="en-US" dirty="0" smtClean="0"/>
+              <a:t>，</a:t>
+            </a:r>
+            <a:r>
+              <a:rPr lang="en-US" altLang="zh-CN" dirty="0" err="1" smtClean="0"/>
+              <a:t>icos</a:t>
+            </a:r>
+            <a:r>
+              <a:rPr lang="en-US" altLang="zh-CN" dirty="0" smtClean="0"/>
+              <a:t>-cobbler</a:t>
+            </a:r>
+            <a:r>
+              <a:rPr lang="zh-CN" altLang="en-US" dirty="0" smtClean="0"/>
+              <a:t>就可以进行本地硬盘操作系统的安装。右边这张图是</a:t>
+            </a:r>
+            <a:r>
+              <a:rPr lang="en-US" altLang="zh-CN" dirty="0" err="1" smtClean="0"/>
+              <a:t>icos</a:t>
+            </a:r>
+            <a:r>
+              <a:rPr lang="en-US" altLang="zh-CN" dirty="0" smtClean="0"/>
+              <a:t>-cobbler</a:t>
+            </a:r>
+            <a:r>
+              <a:rPr lang="zh-CN" altLang="en-US" dirty="0" smtClean="0"/>
+              <a:t>进行</a:t>
+            </a:r>
+            <a:r>
+              <a:rPr lang="en-US" altLang="zh-CN" dirty="0" err="1" smtClean="0"/>
+              <a:t>pxe</a:t>
+            </a:r>
+            <a:r>
+              <a:rPr lang="zh-CN" altLang="en-US" dirty="0" smtClean="0"/>
+              <a:t>在硬盘中安装操作系统的一个图。另外，操作系统安装完成后，各个系统之间已自动添加互信。</a:t>
             </a:r>
             <a:endParaRPr lang="zh-CN" altLang="en-US" dirty="0"/>
           </a:p>
@@ -2448,7 +3995,7 @@
           <a:p>
             <a:fld id="{A5880B28-9EFC-4886-B758-D4B847183D21}" type="slidenum">
               <a:rPr lang="zh-CN" altLang="en-US" smtClean="0"/>
-              <a:t>14</a:t>
+              <a:t>7</a:t>
             </a:fld>
             <a:endParaRPr lang="zh-CN" altLang="en-US"/>
           </a:p>
@@ -2457,7 +4004,7 @@
     </p:spTree>
     <p:extLst>
       <p:ext uri="{BB962C8B-B14F-4D97-AF65-F5344CB8AC3E}">
-        <p14:creationId xmlns:p14="http://schemas.microsoft.com/office/powerpoint/2010/main" val="3380765413"/>
+        <p14:creationId xmlns:p14="http://schemas.microsoft.com/office/powerpoint/2010/main" val="1024408044"/>
       </p:ext>
     </p:extLst>
   </p:cSld>
@@ -2511,288 +4058,99 @@
           <a:bodyPr/>
           <a:lstStyle/>
           <a:p>
-            <a:pPr marL="0" marR="0" lvl="0" indent="0" algn="l" defTabSz="914400" rtl="0" eaLnBrk="1" fontAlgn="auto" latinLnBrk="0" hangingPunct="1">
-              <a:lnSpc>
-                <a:spcPct val="100000"/>
-              </a:lnSpc>
-              <a:spcBef>
-                <a:spcPts val="0"/>
-              </a:spcBef>
-              <a:spcAft>
-                <a:spcPts val="0"/>
-              </a:spcAft>
-              <a:buClrTx/>
-              <a:buSzTx/>
-              <a:buFontTx/>
-              <a:buNone/>
-              <a:tabLst/>
-              <a:defRPr/>
-            </a:pPr>
-            <a:r>
-              <a:rPr lang="en-US" altLang="zh-CN" dirty="0" smtClean="0"/>
-              <a:t>2 min</a:t>
-            </a:r>
-          </a:p>
-          <a:p>
-            <a:pPr marL="0" marR="0" lvl="0" indent="0" algn="l" defTabSz="914400" rtl="0" eaLnBrk="1" fontAlgn="auto" latinLnBrk="0" hangingPunct="1">
-              <a:lnSpc>
-                <a:spcPct val="100000"/>
-              </a:lnSpc>
-              <a:spcBef>
-                <a:spcPts val="0"/>
-              </a:spcBef>
-              <a:spcAft>
-                <a:spcPts val="0"/>
-              </a:spcAft>
-              <a:buClrTx/>
-              <a:buSzTx/>
-              <a:buFontTx/>
-              <a:buNone/>
-              <a:tabLst/>
-              <a:defRPr/>
-            </a:pPr>
-            <a:r>
-              <a:rPr lang="zh-CN" altLang="en-US" dirty="0" smtClean="0"/>
-              <a:t>第一</a:t>
-            </a:r>
-            <a:r>
-              <a:rPr lang="zh-CN" altLang="en-US" dirty="0" smtClean="0"/>
-              <a:t>种：</a:t>
-            </a:r>
-            <a:endParaRPr lang="en-US" altLang="zh-CN" dirty="0" smtClean="0"/>
-          </a:p>
-          <a:p>
-            <a:pPr marL="0" marR="0" lvl="0" indent="0" algn="l" defTabSz="914400" rtl="0" eaLnBrk="1" fontAlgn="auto" latinLnBrk="0" hangingPunct="1">
-              <a:lnSpc>
-                <a:spcPct val="100000"/>
-              </a:lnSpc>
-              <a:spcBef>
-                <a:spcPts val="0"/>
-              </a:spcBef>
-              <a:spcAft>
-                <a:spcPts val="0"/>
-              </a:spcAft>
-              <a:buClrTx/>
-              <a:buSzTx/>
-              <a:buFontTx/>
-              <a:buNone/>
-              <a:tabLst/>
-              <a:defRPr/>
-            </a:pPr>
-            <a:r>
-              <a:rPr lang="zh-CN" altLang="en-US" dirty="0" smtClean="0"/>
-              <a:t>传统</a:t>
-            </a:r>
-            <a:r>
-              <a:rPr lang="en-US" altLang="zh-CN" dirty="0" smtClean="0"/>
-              <a:t>CI/CD</a:t>
-            </a:r>
-            <a:r>
-              <a:rPr lang="zh-CN" altLang="en-US" dirty="0" smtClean="0"/>
-              <a:t>方式，完全使用</a:t>
-            </a:r>
-            <a:r>
-              <a:rPr lang="en-US" altLang="zh-CN" dirty="0" smtClean="0"/>
-              <a:t>Jenkins</a:t>
-            </a:r>
-            <a:r>
-              <a:rPr lang="zh-CN" altLang="en-US" dirty="0" smtClean="0"/>
-              <a:t>完成，使用容器或</a:t>
-            </a:r>
-            <a:r>
-              <a:rPr lang="en-US" altLang="zh-CN" dirty="0" smtClean="0"/>
-              <a:t>shell</a:t>
-            </a:r>
-            <a:r>
-              <a:rPr lang="zh-CN" altLang="en-US" dirty="0" smtClean="0"/>
-              <a:t>完成。缺点：繁重不易修改</a:t>
-            </a:r>
-            <a:endParaRPr lang="en-US" altLang="zh-CN" dirty="0" smtClean="0"/>
-          </a:p>
-          <a:p>
-            <a:pPr marL="0" marR="0" lvl="0" indent="0" algn="l" defTabSz="914400" rtl="0" eaLnBrk="1" fontAlgn="auto" latinLnBrk="0" hangingPunct="1">
-              <a:lnSpc>
-                <a:spcPct val="100000"/>
-              </a:lnSpc>
-              <a:spcBef>
-                <a:spcPts val="0"/>
-              </a:spcBef>
-              <a:spcAft>
-                <a:spcPts val="0"/>
-              </a:spcAft>
-              <a:buClrTx/>
-              <a:buSzTx/>
-              <a:buFontTx/>
-              <a:buNone/>
-              <a:tabLst/>
-              <a:defRPr/>
-            </a:pPr>
-            <a:r>
-              <a:rPr lang="zh-CN" altLang="en-US" dirty="0" smtClean="0"/>
-              <a:t>第二、三种</a:t>
-            </a:r>
-            <a:r>
-              <a:rPr lang="zh-CN" altLang="en-US" dirty="0" smtClean="0"/>
-              <a:t>：基于</a:t>
+            <a:r>
+              <a:rPr lang="zh-CN" altLang="en-US" dirty="0" smtClean="0"/>
+              <a:t>我们再来看网络的设置，大家都知道在部署</a:t>
+            </a:r>
+            <a:r>
+              <a:rPr lang="en-US" altLang="zh-CN" dirty="0" smtClean="0"/>
+              <a:t>OpenStack</a:t>
+            </a:r>
+            <a:r>
+              <a:rPr lang="zh-CN" altLang="en-US" dirty="0" smtClean="0"/>
+              <a:t>之前需要对各个节点的网络进行设置。为提高</a:t>
+            </a:r>
+            <a:r>
+              <a:rPr lang="en-US" altLang="zh-CN" dirty="0" smtClean="0"/>
+              <a:t>OpenStack</a:t>
+            </a:r>
+            <a:r>
+              <a:rPr lang="zh-CN" altLang="en-US" dirty="0" smtClean="0"/>
+              <a:t>部署之前网络设置等所需要的时间，我们开发了一些工具以对相应的网络进行设置，如最上面这个图所示。这些工具以机器序列号作为机器的唯一标识。其中，</a:t>
             </a:r>
             <a:r>
               <a:rPr lang="en-US" altLang="zh-CN" dirty="0" err="1" smtClean="0"/>
-              <a:t>openshift</a:t>
-            </a:r>
-            <a:r>
-              <a:rPr lang="en-US" altLang="zh-CN" dirty="0" smtClean="0"/>
-              <a:t>/</a:t>
+              <a:t>sn_ip.file</a:t>
+            </a:r>
+            <a:r>
+              <a:rPr lang="zh-CN" altLang="en-US" dirty="0" smtClean="0"/>
+              <a:t>文件中保存了序列号、主机名以及节点管理网</a:t>
             </a:r>
             <a:r>
               <a:rPr lang="en-US" altLang="zh-CN" dirty="0" err="1" smtClean="0"/>
-              <a:t>kubernetes</a:t>
-            </a:r>
-            <a:r>
-              <a:rPr lang="zh-CN" altLang="en-US" dirty="0" smtClean="0"/>
-              <a:t>等</a:t>
-            </a:r>
-            <a:r>
-              <a:rPr lang="en-US" altLang="zh-CN" dirty="0" smtClean="0"/>
-              <a:t>PAAS</a:t>
-            </a:r>
-            <a:r>
-              <a:rPr lang="zh-CN" altLang="en-US" dirty="0" smtClean="0"/>
-              <a:t>平台</a:t>
-            </a:r>
-            <a:endParaRPr lang="en-US" altLang="zh-CN" dirty="0" smtClean="0"/>
-          </a:p>
-          <a:p>
-            <a:pPr marL="0" marR="0" lvl="0" indent="0" algn="l" defTabSz="914400" rtl="0" eaLnBrk="1" fontAlgn="auto" latinLnBrk="0" hangingPunct="1">
-              <a:lnSpc>
-                <a:spcPct val="100000"/>
-              </a:lnSpc>
-              <a:spcBef>
-                <a:spcPts val="0"/>
-              </a:spcBef>
-              <a:spcAft>
-                <a:spcPts val="0"/>
-              </a:spcAft>
-              <a:buClrTx/>
-              <a:buSzTx/>
-              <a:buFontTx/>
-              <a:buNone/>
-              <a:tabLst/>
-              <a:defRPr/>
-            </a:pPr>
-            <a:r>
-              <a:rPr lang="en-US" altLang="zh-CN" dirty="0" smtClean="0"/>
-              <a:t>1.</a:t>
-            </a:r>
-            <a:r>
-              <a:rPr lang="zh-CN" altLang="en-US" dirty="0" smtClean="0"/>
-              <a:t>构建过程由</a:t>
+              <a:t>ip</a:t>
+            </a:r>
+            <a:r>
+              <a:rPr lang="zh-CN" altLang="en-US" dirty="0" smtClean="0"/>
+              <a:t>之间的对应关系，如中间那个图所示；</a:t>
+            </a:r>
+            <a:r>
+              <a:rPr lang="en-US" altLang="zh-CN" dirty="0" smtClean="0"/>
+              <a:t>network.info</a:t>
+            </a:r>
+            <a:r>
+              <a:rPr lang="zh-CN" altLang="en-US" dirty="0" smtClean="0"/>
+              <a:t>文件中保存了网卡、</a:t>
+            </a:r>
+            <a:r>
+              <a:rPr lang="en-US" altLang="zh-CN" dirty="0" smtClean="0"/>
+              <a:t>bond</a:t>
+            </a:r>
+            <a:r>
+              <a:rPr lang="zh-CN" altLang="en-US" dirty="0" smtClean="0"/>
+              <a:t>及</a:t>
             </a:r>
             <a:r>
               <a:rPr lang="en-US" altLang="zh-CN" dirty="0" err="1" smtClean="0"/>
-              <a:t>kolla</a:t>
-            </a:r>
-            <a:r>
-              <a:rPr lang="zh-CN" altLang="en-US" dirty="0" smtClean="0"/>
-              <a:t>代码完成，使用</a:t>
+              <a:t>ip</a:t>
+            </a:r>
+            <a:r>
+              <a:rPr lang="zh-CN" altLang="en-US" dirty="0" smtClean="0"/>
+              <a:t>信息，如最下面这张图所示；</a:t>
+            </a:r>
+            <a:r>
+              <a:rPr lang="en-US" altLang="zh-CN" dirty="0" smtClean="0"/>
+              <a:t>init_config.sh</a:t>
+            </a:r>
+            <a:r>
+              <a:rPr lang="zh-CN" altLang="en-US" dirty="0" smtClean="0"/>
+              <a:t>这个文件可以根据</a:t>
             </a:r>
             <a:r>
               <a:rPr lang="en-US" altLang="zh-CN" dirty="0" err="1" smtClean="0"/>
-              <a:t>jenkins</a:t>
-            </a:r>
-            <a:r>
-              <a:rPr lang="zh-CN" altLang="en-US" dirty="0" smtClean="0"/>
-              <a:t>或</a:t>
-            </a:r>
-            <a:r>
-              <a:rPr lang="en-US" altLang="zh-CN" dirty="0" smtClean="0"/>
-              <a:t>STI</a:t>
-            </a:r>
-            <a:r>
-              <a:rPr lang="zh-CN" altLang="en-US" dirty="0" smtClean="0"/>
-              <a:t>方式</a:t>
-            </a:r>
-            <a:r>
-              <a:rPr lang="en-US" altLang="zh-CN" dirty="0" smtClean="0"/>
-              <a:t>(</a:t>
-            </a:r>
-            <a:r>
-              <a:rPr lang="zh-CN" altLang="en-US" dirty="0" smtClean="0"/>
-              <a:t>需要自定义</a:t>
-            </a:r>
-            <a:r>
-              <a:rPr lang="en-US" altLang="zh-CN" dirty="0" smtClean="0"/>
-              <a:t>builder</a:t>
-            </a:r>
-            <a:r>
-              <a:rPr lang="zh-CN" altLang="en-US" dirty="0" smtClean="0"/>
-              <a:t>镜像</a:t>
-            </a:r>
-            <a:r>
-              <a:rPr lang="en-US" altLang="zh-CN" dirty="0" smtClean="0"/>
-              <a:t>)</a:t>
-            </a:r>
-          </a:p>
-          <a:p>
-            <a:pPr marL="0" marR="0" lvl="0" indent="0" algn="l" defTabSz="914400" rtl="0" eaLnBrk="1" fontAlgn="auto" latinLnBrk="0" hangingPunct="1">
-              <a:lnSpc>
-                <a:spcPct val="100000"/>
-              </a:lnSpc>
-              <a:spcBef>
-                <a:spcPts val="0"/>
-              </a:spcBef>
-              <a:spcAft>
-                <a:spcPts val="0"/>
-              </a:spcAft>
-              <a:buClrTx/>
-              <a:buSzTx/>
-              <a:buFontTx/>
-              <a:buNone/>
-              <a:tabLst/>
-              <a:defRPr/>
-            </a:pPr>
-            <a:r>
-              <a:rPr lang="en-US" altLang="zh-CN" dirty="0" smtClean="0"/>
-              <a:t>2.</a:t>
-            </a:r>
-            <a:r>
-              <a:rPr lang="zh-CN" altLang="en-US" dirty="0" smtClean="0"/>
-              <a:t>构建生成新镜像并</a:t>
-            </a:r>
-            <a:r>
-              <a:rPr lang="en-US" altLang="zh-CN" dirty="0" smtClean="0"/>
-              <a:t>Push</a:t>
-            </a:r>
-            <a:r>
-              <a:rPr lang="zh-CN" altLang="en-US" dirty="0" smtClean="0"/>
-              <a:t>到私有镜像仓库</a:t>
-            </a:r>
-          </a:p>
-          <a:p>
-            <a:pPr marL="0" marR="0" lvl="0" indent="0" algn="l" defTabSz="914400" rtl="0" eaLnBrk="1" fontAlgn="auto" latinLnBrk="0" hangingPunct="1">
-              <a:lnSpc>
-                <a:spcPct val="100000"/>
-              </a:lnSpc>
-              <a:spcBef>
-                <a:spcPts val="0"/>
-              </a:spcBef>
-              <a:spcAft>
-                <a:spcPts val="0"/>
-              </a:spcAft>
-              <a:buClrTx/>
-              <a:buSzTx/>
-              <a:buFontTx/>
-              <a:buNone/>
-              <a:tabLst/>
-              <a:defRPr/>
-            </a:pPr>
-            <a:r>
-              <a:rPr lang="en-US" altLang="zh-CN" dirty="0" smtClean="0"/>
-              <a:t>3.</a:t>
-            </a:r>
-            <a:r>
-              <a:rPr lang="zh-CN" altLang="en-US" dirty="0" smtClean="0"/>
-              <a:t>自动化部署到开发、测试环境</a:t>
-            </a:r>
+              <a:t>sn_ip.file</a:t>
+            </a:r>
+            <a:r>
+              <a:rPr lang="zh-CN" altLang="en-US" dirty="0" smtClean="0"/>
+              <a:t>对主机的主机名称进行设置；</a:t>
+            </a:r>
+            <a:r>
+              <a:rPr lang="en-US" altLang="zh-CN" dirty="0" smtClean="0"/>
+              <a:t>config_bond.sh</a:t>
+            </a:r>
+            <a:r>
+              <a:rPr lang="zh-CN" altLang="en-US" dirty="0" smtClean="0"/>
+              <a:t>这个脚本可以根据</a:t>
+            </a:r>
+            <a:r>
+              <a:rPr lang="en-US" altLang="zh-CN" dirty="0" smtClean="0"/>
+              <a:t>network.info</a:t>
+            </a:r>
+            <a:r>
+              <a:rPr lang="zh-CN" altLang="en-US" dirty="0" smtClean="0"/>
+              <a:t>文件中的内容对网络进行设置。</a:t>
+            </a:r>
+            <a:endParaRPr lang="zh-CN" altLang="en-US" dirty="0"/>
           </a:p>
         </p:txBody>
       </p:sp>
@@ -2813,7 +4171,7 @@
           <a:p>
             <a:fld id="{A5880B28-9EFC-4886-B758-D4B847183D21}" type="slidenum">
               <a:rPr lang="zh-CN" altLang="en-US" smtClean="0"/>
-              <a:t>15</a:t>
+              <a:t>8</a:t>
             </a:fld>
             <a:endParaRPr lang="zh-CN" altLang="en-US"/>
           </a:p>
@@ -2822,7 +4180,135 @@
     </p:spTree>
     <p:extLst>
       <p:ext uri="{BB962C8B-B14F-4D97-AF65-F5344CB8AC3E}">
-        <p14:creationId xmlns:p14="http://schemas.microsoft.com/office/powerpoint/2010/main" val="2975398271"/>
+        <p14:creationId xmlns:p14="http://schemas.microsoft.com/office/powerpoint/2010/main" val="170345344"/>
+      </p:ext>
+    </p:extLst>
+  </p:cSld>
+  <p:clrMapOvr>
+    <a:masterClrMapping/>
+  </p:clrMapOvr>
+</p:notes>
+</file>
+
+<file path=ppt/notesSlides/notesSlide9.xml><?xml version="1.0" encoding="utf-8"?>
+<p:notes xmlns:a="http://schemas.openxmlformats.org/drawingml/2006/main" xmlns:r="http://schemas.openxmlformats.org/officeDocument/2006/relationships" xmlns:p="http://schemas.openxmlformats.org/presentationml/2006/main">
+  <p:cSld>
+    <p:spTree>
+      <p:nvGrpSpPr>
+        <p:cNvPr id="1" name=""/>
+        <p:cNvGrpSpPr/>
+        <p:nvPr/>
+      </p:nvGrpSpPr>
+      <p:grpSpPr>
+        <a:xfrm>
+          <a:off x="0" y="0"/>
+          <a:ext cx="0" cy="0"/>
+          <a:chOff x="0" y="0"/>
+          <a:chExt cx="0" cy="0"/>
+        </a:xfrm>
+      </p:grpSpPr>
+      <p:sp>
+        <p:nvSpPr>
+          <p:cNvPr id="2" name="幻灯片图像占位符 1"/>
+          <p:cNvSpPr>
+            <a:spLocks noGrp="1" noRot="1" noChangeAspect="1"/>
+          </p:cNvSpPr>
+          <p:nvPr>
+            <p:ph type="sldImg"/>
+          </p:nvPr>
+        </p:nvSpPr>
+        <p:spPr/>
+      </p:sp>
+      <p:sp>
+        <p:nvSpPr>
+          <p:cNvPr id="3" name="备注占位符 2"/>
+          <p:cNvSpPr>
+            <a:spLocks noGrp="1"/>
+          </p:cNvSpPr>
+          <p:nvPr>
+            <p:ph type="body" idx="1"/>
+          </p:nvPr>
+        </p:nvSpPr>
+        <p:spPr/>
+        <p:txBody>
+          <a:bodyPr/>
+          <a:lstStyle/>
+          <a:p>
+            <a:r>
+              <a:rPr lang="zh-CN" altLang="en-US" dirty="0" smtClean="0"/>
+              <a:t>我们再来看使用</a:t>
+            </a:r>
+            <a:r>
+              <a:rPr lang="en-US" altLang="zh-CN" dirty="0" err="1" smtClean="0"/>
+              <a:t>kolla-ansible</a:t>
+            </a:r>
+            <a:r>
+              <a:rPr lang="zh-CN" altLang="en-US" dirty="0" smtClean="0"/>
+              <a:t>进行</a:t>
+            </a:r>
+            <a:r>
+              <a:rPr lang="en-US" altLang="zh-CN" dirty="0" smtClean="0"/>
+              <a:t>OpenStack</a:t>
+            </a:r>
+            <a:r>
+              <a:rPr lang="zh-CN" altLang="en-US" dirty="0" smtClean="0"/>
+              <a:t>容器化部署。我们目前的部署流程与社区的部署流程大致上是相似的，也是用</a:t>
+            </a:r>
+            <a:r>
+              <a:rPr lang="en-US" altLang="zh-CN" dirty="0" err="1" smtClean="0"/>
+              <a:t>kolla-ansible</a:t>
+            </a:r>
+            <a:r>
+              <a:rPr lang="zh-CN" altLang="en-US" dirty="0" smtClean="0"/>
+              <a:t>中定义的一些子命令来对环境进行操作，如下面这张图所示。那么不同的是，我们在</a:t>
+            </a:r>
+            <a:r>
+              <a:rPr lang="en-US" altLang="zh-CN" dirty="0" err="1" smtClean="0"/>
+              <a:t>kolla-ansilbe</a:t>
+            </a:r>
+            <a:r>
+              <a:rPr lang="zh-CN" altLang="en-US" dirty="0" smtClean="0"/>
+              <a:t>的部署流程中增加了我们自研模块的部署过程，如右边这张图所示。同时我们也进行了一些</a:t>
+            </a:r>
+            <a:r>
+              <a:rPr lang="en-US" altLang="zh-CN" dirty="0" smtClean="0"/>
+              <a:t>OpenStack</a:t>
+            </a:r>
+            <a:r>
+              <a:rPr lang="zh-CN" altLang="en-US" dirty="0" smtClean="0"/>
+              <a:t>部署参数的固化。</a:t>
+            </a:r>
+            <a:endParaRPr lang="zh-CN" altLang="en-US" dirty="0"/>
+          </a:p>
+        </p:txBody>
+      </p:sp>
+      <p:sp>
+        <p:nvSpPr>
+          <p:cNvPr id="4" name="灯片编号占位符 3"/>
+          <p:cNvSpPr>
+            <a:spLocks noGrp="1"/>
+          </p:cNvSpPr>
+          <p:nvPr>
+            <p:ph type="sldNum" sz="quarter" idx="10"/>
+          </p:nvPr>
+        </p:nvSpPr>
+        <p:spPr/>
+        <p:txBody>
+          <a:bodyPr/>
+          <a:lstStyle/>
+          <a:p>
+            <a:fld id="{A5880B28-9EFC-4886-B758-D4B847183D21}" type="slidenum">
+              <a:rPr lang="zh-CN" altLang="en-US" smtClean="0"/>
+              <a:t>9</a:t>
+            </a:fld>
+            <a:endParaRPr lang="zh-CN" altLang="en-US"/>
+          </a:p>
+        </p:txBody>
+      </p:sp>
+    </p:spTree>
+    <p:extLst>
+      <p:ext uri="{BB962C8B-B14F-4D97-AF65-F5344CB8AC3E}">
+        <p14:creationId xmlns:p14="http://schemas.microsoft.com/office/powerpoint/2010/main" val="534771278"/>
       </p:ext>
     </p:extLst>
   </p:cSld>
@@ -3013,7 +4499,7 @@
           <a:p>
             <a:fld id="{530820CF-B880-4189-942D-D702A7CBA730}" type="datetimeFigureOut">
               <a:rPr lang="zh-CN" altLang="en-US" smtClean="0"/>
-              <a:t>2018/6/2</a:t>
+              <a:t>2018/6/7</a:t>
             </a:fld>
             <a:endParaRPr lang="zh-CN" altLang="en-US"/>
           </a:p>
@@ -3215,7 +4701,7 @@
           <a:p>
             <a:fld id="{530820CF-B880-4189-942D-D702A7CBA730}" type="datetimeFigureOut">
               <a:rPr lang="zh-CN" altLang="en-US" smtClean="0"/>
-              <a:t>2018/6/2</a:t>
+              <a:t>2018/6/7</a:t>
             </a:fld>
             <a:endParaRPr lang="zh-CN" altLang="en-US"/>
           </a:p>
@@ -3390,7 +4876,7 @@
           <a:p>
             <a:fld id="{530820CF-B880-4189-942D-D702A7CBA730}" type="datetimeFigureOut">
               <a:rPr lang="zh-CN" altLang="en-US" smtClean="0"/>
-              <a:t>2018/6/2</a:t>
+              <a:t>2018/6/7</a:t>
             </a:fld>
             <a:endParaRPr lang="zh-CN" altLang="en-US"/>
           </a:p>
@@ -3555,7 +5041,7 @@
           <a:p>
             <a:fld id="{530820CF-B880-4189-942D-D702A7CBA730}" type="datetimeFigureOut">
               <a:rPr lang="zh-CN" altLang="en-US" smtClean="0"/>
-              <a:t>2018/6/2</a:t>
+              <a:t>2018/6/7</a:t>
             </a:fld>
             <a:endParaRPr lang="zh-CN" altLang="en-US"/>
           </a:p>
@@ -3833,7 +5319,7 @@
           <a:p>
             <a:fld id="{530820CF-B880-4189-942D-D702A7CBA730}" type="datetimeFigureOut">
               <a:rPr lang="zh-CN" altLang="en-US" smtClean="0"/>
-              <a:t>2018/6/2</a:t>
+              <a:t>2018/6/7</a:t>
             </a:fld>
             <a:endParaRPr lang="zh-CN" altLang="en-US"/>
           </a:p>
@@ -4153,7 +5639,7 @@
           <a:p>
             <a:fld id="{530820CF-B880-4189-942D-D702A7CBA730}" type="datetimeFigureOut">
               <a:rPr lang="zh-CN" altLang="en-US" smtClean="0"/>
-              <a:t>2018/6/2</a:t>
+              <a:t>2018/6/7</a:t>
             </a:fld>
             <a:endParaRPr lang="zh-CN" altLang="en-US"/>
           </a:p>
@@ -4570,7 +6056,7 @@
           <a:p>
             <a:fld id="{530820CF-B880-4189-942D-D702A7CBA730}" type="datetimeFigureOut">
               <a:rPr lang="zh-CN" altLang="en-US" smtClean="0"/>
-              <a:t>2018/6/2</a:t>
+              <a:t>2018/6/7</a:t>
             </a:fld>
             <a:endParaRPr lang="zh-CN" altLang="en-US"/>
           </a:p>
@@ -4683,7 +6169,7 @@
           <a:p>
             <a:fld id="{530820CF-B880-4189-942D-D702A7CBA730}" type="datetimeFigureOut">
               <a:rPr lang="zh-CN" altLang="en-US" smtClean="0"/>
-              <a:t>2018/6/2</a:t>
+              <a:t>2018/6/7</a:t>
             </a:fld>
             <a:endParaRPr lang="zh-CN" altLang="en-US"/>
           </a:p>
@@ -4773,7 +6259,7 @@
           <a:p>
             <a:fld id="{530820CF-B880-4189-942D-D702A7CBA730}" type="datetimeFigureOut">
               <a:rPr lang="zh-CN" altLang="en-US" smtClean="0"/>
-              <a:t>2018/6/2</a:t>
+              <a:t>2018/6/7</a:t>
             </a:fld>
             <a:endParaRPr lang="zh-CN" altLang="en-US"/>
           </a:p>
@@ -5045,7 +6531,7 @@
           <a:p>
             <a:fld id="{530820CF-B880-4189-942D-D702A7CBA730}" type="datetimeFigureOut">
               <a:rPr lang="zh-CN" altLang="en-US" smtClean="0"/>
-              <a:t>2018/6/2</a:t>
+              <a:t>2018/6/7</a:t>
             </a:fld>
             <a:endParaRPr lang="zh-CN" altLang="en-US"/>
           </a:p>
@@ -5293,7 +6779,7 @@
           <a:p>
             <a:fld id="{530820CF-B880-4189-942D-D702A7CBA730}" type="datetimeFigureOut">
               <a:rPr lang="zh-CN" altLang="en-US" smtClean="0"/>
-              <a:t>2018/6/2</a:t>
+              <a:t>2018/6/7</a:t>
             </a:fld>
             <a:endParaRPr lang="zh-CN" altLang="en-US"/>
           </a:p>
@@ -5501,7 +6987,7 @@
           <a:p>
             <a:fld id="{530820CF-B880-4189-942D-D702A7CBA730}" type="datetimeFigureOut">
               <a:rPr lang="zh-CN" altLang="en-US" smtClean="0"/>
-              <a:t>2018/6/2</a:t>
+              <a:t>2018/6/7</a:t>
             </a:fld>
             <a:endParaRPr lang="zh-CN" altLang="en-US"/>
           </a:p>
@@ -5938,8 +7424,8 @@
         </p:nvSpPr>
         <p:spPr>
           <a:xfrm>
-            <a:off x="15718" y="3651870"/>
-            <a:ext cx="2698175" cy="954107"/>
+            <a:off x="251520" y="3651870"/>
+            <a:ext cx="3057247" cy="1323439"/>
           </a:xfrm>
           <a:prstGeom prst="rect">
             <a:avLst/>
@@ -5953,42 +7439,50 @@
           <a:lstStyle/>
           <a:p>
             <a:r>
-              <a:rPr lang="zh-CN" altLang="en-US" sz="1400" dirty="0" smtClean="0"/>
+              <a:rPr lang="zh-CN" altLang="en-US" sz="1600" dirty="0" smtClean="0"/>
               <a:t>浪潮电子信息产业股份有限公司</a:t>
             </a:r>
-            <a:endParaRPr lang="en-US" altLang="zh-CN" sz="1400" dirty="0" smtClean="0"/>
-          </a:p>
-          <a:p>
-            <a:r>
-              <a:rPr lang="zh-CN" altLang="en-US" sz="1400" dirty="0"/>
+            <a:endParaRPr lang="en-US" altLang="zh-CN" sz="1600" dirty="0" smtClean="0"/>
+          </a:p>
+          <a:p>
+            <a:r>
+              <a:rPr lang="zh-CN" altLang="en-US" sz="1600" dirty="0"/>
               <a:t>李红</a:t>
             </a:r>
             <a:r>
-              <a:rPr lang="zh-CN" altLang="en-US" sz="1400" dirty="0" smtClean="0"/>
+              <a:rPr lang="zh-CN" altLang="en-US" sz="1600" dirty="0" smtClean="0"/>
               <a:t>卫 </a:t>
             </a:r>
             <a:r>
-              <a:rPr lang="en-US" altLang="zh-CN" sz="1400" dirty="0" smtClean="0"/>
-              <a:t>13127116682</a:t>
-            </a:r>
-          </a:p>
-          <a:p>
-            <a:r>
-              <a:rPr lang="zh-CN" altLang="en-US" sz="1400" dirty="0" smtClean="0"/>
+              <a:rPr lang="zh-CN" altLang="en-US" sz="1600" dirty="0"/>
+              <a:t>陈</a:t>
+            </a:r>
+            <a:r>
+              <a:rPr lang="zh-CN" altLang="en-US" sz="1600" dirty="0" smtClean="0"/>
+              <a:t>英南 袁东海</a:t>
+            </a:r>
+            <a:endParaRPr lang="en-US" altLang="zh-CN" sz="1600" dirty="0" smtClean="0"/>
+          </a:p>
+          <a:p>
+            <a:endParaRPr lang="en-US" altLang="zh-CN" sz="1600" dirty="0" smtClean="0"/>
+          </a:p>
+          <a:p>
+            <a:r>
+              <a:rPr lang="zh-CN" altLang="en-US" sz="1600" dirty="0" smtClean="0"/>
               <a:t>北京中铁信科技有限公司</a:t>
             </a:r>
-            <a:endParaRPr lang="en-US" altLang="zh-CN" sz="1400" dirty="0" smtClean="0"/>
-          </a:p>
-          <a:p>
-            <a:r>
-              <a:rPr lang="zh-CN" altLang="en-US" sz="1400" dirty="0" smtClean="0"/>
+            <a:endParaRPr lang="en-US" altLang="zh-CN" sz="1600" dirty="0" smtClean="0"/>
+          </a:p>
+          <a:p>
+            <a:r>
+              <a:rPr lang="zh-CN" altLang="en-US" sz="1600" dirty="0" smtClean="0"/>
               <a:t>李义杰 </a:t>
             </a:r>
             <a:r>
-              <a:rPr lang="en-US" altLang="zh-CN" sz="1400" dirty="0" smtClean="0"/>
+              <a:rPr lang="en-US" altLang="zh-CN" sz="1600" dirty="0" smtClean="0"/>
               <a:t>15711106480</a:t>
             </a:r>
-            <a:endParaRPr lang="zh-CN" altLang="en-US" sz="1400" dirty="0"/>
+            <a:endParaRPr lang="zh-CN" altLang="en-US" sz="1600" dirty="0"/>
           </a:p>
         </p:txBody>
       </p:sp>
@@ -6031,6 +7525,231 @@
       </p:grpSpPr>
       <p:sp>
         <p:nvSpPr>
+          <p:cNvPr id="6" name="标题 3"/>
+          <p:cNvSpPr>
+            <a:spLocks noGrp="1"/>
+          </p:cNvSpPr>
+          <p:nvPr>
+            <p:ph type="title"/>
+          </p:nvPr>
+        </p:nvSpPr>
+        <p:spPr>
+          <a:xfrm>
+            <a:off x="251520" y="195486"/>
+            <a:ext cx="7772400" cy="1021556"/>
+          </a:xfrm>
+        </p:spPr>
+        <p:txBody>
+          <a:bodyPr/>
+          <a:lstStyle/>
+          <a:p>
+            <a:r>
+              <a:rPr lang="en-US" altLang="zh-CN" dirty="0" err="1" smtClean="0"/>
+              <a:t>Openstack</a:t>
+            </a:r>
+            <a:r>
+              <a:rPr lang="zh-CN" altLang="en-US" dirty="0" smtClean="0"/>
+              <a:t>组件容器化部署</a:t>
+            </a:r>
+            <a:endParaRPr lang="zh-CN" altLang="en-US" dirty="0"/>
+          </a:p>
+        </p:txBody>
+      </p:sp>
+      <p:sp>
+        <p:nvSpPr>
+          <p:cNvPr id="3" name="文本框 2"/>
+          <p:cNvSpPr txBox="1"/>
+          <p:nvPr/>
+        </p:nvSpPr>
+        <p:spPr>
+          <a:xfrm>
+            <a:off x="395536" y="1419622"/>
+            <a:ext cx="2319866" cy="461665"/>
+          </a:xfrm>
+          <a:prstGeom prst="rect">
+            <a:avLst/>
+          </a:prstGeom>
+          <a:noFill/>
+        </p:spPr>
+        <p:txBody>
+          <a:bodyPr wrap="none" rtlCol="0">
+            <a:spAutoFit/>
+          </a:bodyPr>
+          <a:lstStyle/>
+          <a:p>
+            <a:pPr marL="285750" indent="-285750">
+              <a:buFont typeface="Arial" panose="020B0604020202020204" pitchFamily="34" charset="0"/>
+              <a:buChar char="•"/>
+            </a:pPr>
+            <a:r>
+              <a:rPr lang="zh-CN" altLang="en-US" sz="2400" dirty="0"/>
+              <a:t>系统安全加固</a:t>
+            </a:r>
+          </a:p>
+        </p:txBody>
+      </p:sp>
+      <p:pic>
+        <p:nvPicPr>
+          <p:cNvPr id="2" name="图片 1"/>
+          <p:cNvPicPr>
+            <a:picLocks noChangeAspect="1"/>
+          </p:cNvPicPr>
+          <p:nvPr/>
+        </p:nvPicPr>
+        <p:blipFill>
+          <a:blip r:embed="rId3">
+            <a:extLst>
+              <a:ext uri="{28A0092B-C50C-407E-A947-70E740481C1C}">
+                <a14:useLocalDpi xmlns:a14="http://schemas.microsoft.com/office/drawing/2010/main" val="0"/>
+              </a:ext>
+            </a:extLst>
+          </a:blip>
+          <a:stretch>
+            <a:fillRect/>
+          </a:stretch>
+        </p:blipFill>
+        <p:spPr>
+          <a:xfrm>
+            <a:off x="1691680" y="1814585"/>
+            <a:ext cx="5976664" cy="2845397"/>
+          </a:xfrm>
+          <a:prstGeom prst="rect">
+            <a:avLst/>
+          </a:prstGeom>
+        </p:spPr>
+      </p:pic>
+    </p:spTree>
+    <p:extLst>
+      <p:ext uri="{BB962C8B-B14F-4D97-AF65-F5344CB8AC3E}">
+        <p14:creationId xmlns:p14="http://schemas.microsoft.com/office/powerpoint/2010/main" val="2292971486"/>
+      </p:ext>
+    </p:extLst>
+  </p:cSld>
+  <p:clrMapOvr>
+    <a:masterClrMapping/>
+  </p:clrMapOvr>
+  <p:timing>
+    <p:tnLst>
+      <p:par>
+        <p:cTn id="1" dur="indefinite" restart="never" nodeType="tmRoot"/>
+      </p:par>
+    </p:tnLst>
+  </p:timing>
+</p:sld>
+</file>
+
+<file path=ppt/slides/slide11.xml><?xml version="1.0" encoding="utf-8"?>
+<p:sld xmlns:a="http://schemas.openxmlformats.org/drawingml/2006/main" xmlns:r="http://schemas.openxmlformats.org/officeDocument/2006/relationships" xmlns:p="http://schemas.openxmlformats.org/presentationml/2006/main">
+  <p:cSld>
+    <p:spTree>
+      <p:nvGrpSpPr>
+        <p:cNvPr id="1" name=""/>
+        <p:cNvGrpSpPr/>
+        <p:nvPr/>
+      </p:nvGrpSpPr>
+      <p:grpSpPr>
+        <a:xfrm>
+          <a:off x="0" y="0"/>
+          <a:ext cx="0" cy="0"/>
+          <a:chOff x="0" y="0"/>
+          <a:chExt cx="0" cy="0"/>
+        </a:xfrm>
+      </p:grpSpPr>
+      <p:sp>
+        <p:nvSpPr>
+          <p:cNvPr id="6" name="标题 3"/>
+          <p:cNvSpPr>
+            <a:spLocks noGrp="1"/>
+          </p:cNvSpPr>
+          <p:nvPr>
+            <p:ph type="title"/>
+          </p:nvPr>
+        </p:nvSpPr>
+        <p:spPr>
+          <a:xfrm>
+            <a:off x="251520" y="195486"/>
+            <a:ext cx="7772400" cy="1021556"/>
+          </a:xfrm>
+        </p:spPr>
+        <p:txBody>
+          <a:bodyPr/>
+          <a:lstStyle/>
+          <a:p>
+            <a:r>
+              <a:rPr lang="en-US" altLang="zh-CN" dirty="0" err="1" smtClean="0"/>
+              <a:t>Openstack</a:t>
+            </a:r>
+            <a:r>
+              <a:rPr lang="zh-CN" altLang="en-US" dirty="0" smtClean="0"/>
+              <a:t>组件容器化部署</a:t>
+            </a:r>
+            <a:endParaRPr lang="zh-CN" altLang="en-US" dirty="0"/>
+          </a:p>
+        </p:txBody>
+      </p:sp>
+      <p:pic>
+        <p:nvPicPr>
+          <p:cNvPr id="2" name="图片 1"/>
+          <p:cNvPicPr>
+            <a:picLocks noChangeAspect="1"/>
+          </p:cNvPicPr>
+          <p:nvPr/>
+        </p:nvPicPr>
+        <p:blipFill>
+          <a:blip r:embed="rId3"/>
+          <a:stretch>
+            <a:fillRect/>
+          </a:stretch>
+        </p:blipFill>
+        <p:spPr>
+          <a:xfrm>
+            <a:off x="179512" y="1275606"/>
+            <a:ext cx="8817105" cy="3096344"/>
+          </a:xfrm>
+          <a:prstGeom prst="rect">
+            <a:avLst/>
+          </a:prstGeom>
+        </p:spPr>
+      </p:pic>
+    </p:spTree>
+    <p:extLst>
+      <p:ext uri="{BB962C8B-B14F-4D97-AF65-F5344CB8AC3E}">
+        <p14:creationId xmlns:p14="http://schemas.microsoft.com/office/powerpoint/2010/main" val="3362204245"/>
+      </p:ext>
+    </p:extLst>
+  </p:cSld>
+  <p:clrMapOvr>
+    <a:masterClrMapping/>
+  </p:clrMapOvr>
+  <p:timing>
+    <p:tnLst>
+      <p:par>
+        <p:cTn id="1" dur="indefinite" restart="never" nodeType="tmRoot"/>
+      </p:par>
+    </p:tnLst>
+  </p:timing>
+</p:sld>
+</file>
+
+<file path=ppt/slides/slide12.xml><?xml version="1.0" encoding="utf-8"?>
+<p:sld xmlns:a="http://schemas.openxmlformats.org/drawingml/2006/main" xmlns:r="http://schemas.openxmlformats.org/officeDocument/2006/relationships" xmlns:p="http://schemas.openxmlformats.org/presentationml/2006/main">
+  <p:cSld>
+    <p:spTree>
+      <p:nvGrpSpPr>
+        <p:cNvPr id="1" name=""/>
+        <p:cNvGrpSpPr/>
+        <p:nvPr/>
+      </p:nvGrpSpPr>
+      <p:grpSpPr>
+        <a:xfrm>
+          <a:off x="0" y="0"/>
+          <a:ext cx="0" cy="0"/>
+          <a:chOff x="0" y="0"/>
+          <a:chExt cx="0" cy="0"/>
+        </a:xfrm>
+      </p:grpSpPr>
+      <p:sp>
+        <p:nvSpPr>
           <p:cNvPr id="4" name="文本框 3"/>
           <p:cNvSpPr txBox="1"/>
           <p:nvPr/>
@@ -6119,11 +7838,7 @@
           <a:p>
             <a:r>
               <a:rPr lang="zh-CN" altLang="en-US" sz="2000" dirty="0" smtClean="0"/>
-              <a:t>容器云管理</a:t>
-            </a:r>
-            <a:r>
-              <a:rPr lang="zh-CN" altLang="en-US" sz="2000" dirty="0" smtClean="0"/>
-              <a:t>平台，提供多种自动化部署策略，支持多种负责条件的节点调度，满足生产环境的负责应用场景，支持弹性伸缩功能，可根据业务需求调整后端数量，同时可以借助第三方系统实现应用的持续集成。</a:t>
+              <a:t>容器云管理平台，提供多种自动化部署策略，支持多种负责条件的节点调度，满足生产环境的负责应用场景，支持弹性伸缩功能，可根据业务需求调整后端数量，同时可以借助第三方系统实现应用的持续集成。</a:t>
             </a:r>
             <a:endParaRPr lang="zh-CN" altLang="en-US" sz="2000" dirty="0"/>
           </a:p>
@@ -6297,7 +8012,7 @@
 </p:sld>
 </file>
 
-<file path=ppt/slides/slide11.xml><?xml version="1.0" encoding="utf-8"?>
+<file path=ppt/slides/slide13.xml><?xml version="1.0" encoding="utf-8"?>
 <p:sld xmlns:a="http://schemas.openxmlformats.org/drawingml/2006/main" xmlns:r="http://schemas.openxmlformats.org/officeDocument/2006/relationships" xmlns:p="http://schemas.openxmlformats.org/presentationml/2006/main">
   <p:cSld>
     <p:spTree>
@@ -6648,7 +8363,7 @@
 </p:sld>
 </file>
 
-<file path=ppt/slides/slide12.xml><?xml version="1.0" encoding="utf-8"?>
+<file path=ppt/slides/slide14.xml><?xml version="1.0" encoding="utf-8"?>
 <p:sld xmlns:a="http://schemas.openxmlformats.org/drawingml/2006/main" xmlns:r="http://schemas.openxmlformats.org/officeDocument/2006/relationships" xmlns:p="http://schemas.openxmlformats.org/presentationml/2006/main">
   <p:cSld>
     <p:spTree>
@@ -7065,7 +8780,7 @@
 </p:sld>
 </file>
 
-<file path=ppt/slides/slide13.xml><?xml version="1.0" encoding="utf-8"?>
+<file path=ppt/slides/slide15.xml><?xml version="1.0" encoding="utf-8"?>
 <p:sld xmlns:a="http://schemas.openxmlformats.org/drawingml/2006/main" xmlns:r="http://schemas.openxmlformats.org/officeDocument/2006/relationships" xmlns:p="http://schemas.openxmlformats.org/presentationml/2006/main">
   <p:cSld>
     <p:spTree>
@@ -7467,7 +9182,7 @@
 </p:sld>
 </file>
 
-<file path=ppt/slides/slide14.xml><?xml version="1.0" encoding="utf-8"?>
+<file path=ppt/slides/slide16.xml><?xml version="1.0" encoding="utf-8"?>
 <p:sld xmlns:a="http://schemas.openxmlformats.org/drawingml/2006/main" xmlns:r="http://schemas.openxmlformats.org/officeDocument/2006/relationships" xmlns:p="http://schemas.openxmlformats.org/presentationml/2006/main">
   <p:cSld>
     <p:spTree>
@@ -7820,7 +9535,7 @@
 </p:sld>
 </file>
 
-<file path=ppt/slides/slide15.xml><?xml version="1.0" encoding="utf-8"?>
+<file path=ppt/slides/slide17.xml><?xml version="1.0" encoding="utf-8"?>
 <p:sld xmlns:a="http://schemas.openxmlformats.org/drawingml/2006/main" xmlns:r="http://schemas.openxmlformats.org/officeDocument/2006/relationships" xmlns:p="http://schemas.openxmlformats.org/presentationml/2006/main">
   <p:cSld>
     <p:spTree>
@@ -7904,10 +9619,6 @@
               </a:rPr>
               <a:t> </a:t>
             </a:r>
-            <a:endParaRPr lang="en-US" altLang="zh-CN" sz="4000" b="1" dirty="0" smtClean="0">
-              <a:latin typeface="+mj-ea"/>
-              <a:ea typeface="+mj-ea"/>
-            </a:endParaRPr>
           </a:p>
         </p:txBody>
       </p:sp>
@@ -7931,7 +9642,7 @@
 </p:sld>
 </file>
 
-<file path=ppt/slides/slide16.xml><?xml version="1.0" encoding="utf-8"?>
+<file path=ppt/slides/slide18.xml><?xml version="1.0" encoding="utf-8"?>
 <p:sld xmlns:a="http://schemas.openxmlformats.org/drawingml/2006/main" xmlns:r="http://schemas.openxmlformats.org/officeDocument/2006/relationships" xmlns:p="http://schemas.openxmlformats.org/presentationml/2006/main">
   <p:cSld>
     <p:spTree>
@@ -8023,13 +9734,13 @@
         </p:nvSpPr>
         <p:spPr>
           <a:xfrm>
-            <a:off x="1187624" y="1313807"/>
+            <a:off x="323528" y="1313807"/>
             <a:ext cx="8568952" cy="3795886"/>
           </a:xfrm>
         </p:spPr>
         <p:txBody>
           <a:bodyPr>
-            <a:normAutofit fontScale="92500" lnSpcReduction="20000"/>
+            <a:normAutofit/>
           </a:bodyPr>
           <a:lstStyle/>
           <a:p>
@@ -8051,80 +9762,8 @@
             <a:endParaRPr lang="en-US" altLang="zh-CN" sz="2800" dirty="0" smtClean="0"/>
           </a:p>
           <a:p>
-            <a:pPr lvl="1"/>
-            <a:r>
-              <a:rPr lang="zh-CN" altLang="en-US" sz="2000" dirty="0" smtClean="0"/>
-              <a:t>内存操作系统</a:t>
-            </a:r>
-            <a:endParaRPr lang="en-US" altLang="zh-CN" sz="2000" dirty="0" smtClean="0"/>
-          </a:p>
-          <a:p>
-            <a:pPr lvl="1"/>
-            <a:r>
-              <a:rPr lang="zh-CN" altLang="en-US" sz="2000" dirty="0" smtClean="0"/>
-              <a:t>批量</a:t>
-            </a:r>
-            <a:r>
-              <a:rPr lang="en-US" altLang="zh-CN" sz="2000" dirty="0" smtClean="0"/>
-              <a:t>raid</a:t>
-            </a:r>
-            <a:r>
-              <a:rPr lang="zh-CN" altLang="en-US" sz="2000" dirty="0" smtClean="0"/>
-              <a:t>设置</a:t>
-            </a:r>
-            <a:endParaRPr lang="en-US" altLang="zh-CN" sz="2000" dirty="0" smtClean="0"/>
-          </a:p>
-          <a:p>
-            <a:pPr lvl="1"/>
-            <a:r>
-              <a:rPr lang="zh-CN" altLang="en-US" sz="2000" dirty="0" smtClean="0"/>
-              <a:t>批量</a:t>
-            </a:r>
-            <a:r>
-              <a:rPr lang="en-US" altLang="zh-CN" sz="2000" dirty="0" smtClean="0"/>
-              <a:t>OS</a:t>
-            </a:r>
-            <a:r>
-              <a:rPr lang="zh-CN" altLang="en-US" sz="2000" dirty="0" smtClean="0"/>
-              <a:t>安装</a:t>
-            </a:r>
-            <a:endParaRPr lang="en-US" altLang="zh-CN" sz="2000" dirty="0" smtClean="0"/>
-          </a:p>
-          <a:p>
-            <a:pPr lvl="1"/>
-            <a:r>
-              <a:rPr lang="zh-CN" altLang="en-US" sz="2000" dirty="0" smtClean="0"/>
-              <a:t>批量网络设置</a:t>
-            </a:r>
-            <a:endParaRPr lang="en-US" altLang="zh-CN" sz="2000" dirty="0" smtClean="0"/>
-          </a:p>
-          <a:p>
-            <a:pPr lvl="1"/>
-            <a:r>
-              <a:rPr lang="en-US" altLang="zh-CN" sz="2000" dirty="0" err="1" smtClean="0"/>
-              <a:t>Kolla-ansible</a:t>
-            </a:r>
-            <a:r>
-              <a:rPr lang="zh-CN" altLang="en-US" sz="2000" dirty="0" smtClean="0"/>
-              <a:t>容器化部署</a:t>
-            </a:r>
-            <a:endParaRPr lang="en-US" altLang="zh-CN" sz="2000" dirty="0" smtClean="0"/>
-          </a:p>
-          <a:p>
-            <a:pPr lvl="1"/>
-            <a:r>
-              <a:rPr lang="zh-CN" altLang="en-US" sz="2000" dirty="0" smtClean="0"/>
-              <a:t>系统安全</a:t>
-            </a:r>
-            <a:r>
-              <a:rPr lang="zh-CN" altLang="en-US" sz="2000" dirty="0" smtClean="0"/>
-              <a:t>加固</a:t>
-            </a:r>
-            <a:endParaRPr lang="en-US" altLang="zh-CN" sz="2400" dirty="0" smtClean="0"/>
-          </a:p>
-          <a:p>
-            <a:r>
-              <a:rPr lang="en-US" altLang="zh-CN" sz="2800" dirty="0" err="1"/>
+            <a:r>
+              <a:rPr lang="en-US" altLang="zh-CN" sz="2800" dirty="0" err="1" smtClean="0"/>
               <a:t>Kolla-kubernetes</a:t>
             </a:r>
             <a:endParaRPr lang="en-US" altLang="zh-CN" sz="2800" dirty="0"/>
@@ -8258,28 +9897,66 @@
       </p:sp>
       <p:pic>
         <p:nvPicPr>
-          <p:cNvPr id="2" name="图片 1"/>
+          <p:cNvPr id="4" name="图片 3"/>
           <p:cNvPicPr>
             <a:picLocks noChangeAspect="1"/>
           </p:cNvPicPr>
           <p:nvPr/>
         </p:nvPicPr>
         <p:blipFill>
-          <a:blip r:embed="rId2"/>
+          <a:blip r:embed="rId3"/>
           <a:stretch>
             <a:fillRect/>
           </a:stretch>
         </p:blipFill>
         <p:spPr>
           <a:xfrm>
-            <a:off x="971600" y="987574"/>
-            <a:ext cx="7206759" cy="3240360"/>
+            <a:off x="1043608" y="920534"/>
+            <a:ext cx="7035560" cy="3163384"/>
           </a:xfrm>
           <a:prstGeom prst="rect">
             <a:avLst/>
           </a:prstGeom>
         </p:spPr>
       </p:pic>
+      <p:sp>
+        <p:nvSpPr>
+          <p:cNvPr id="7" name="文本框 6"/>
+          <p:cNvSpPr txBox="1"/>
+          <p:nvPr/>
+        </p:nvSpPr>
+        <p:spPr>
+          <a:xfrm>
+            <a:off x="1907704" y="4299942"/>
+            <a:ext cx="5262979" cy="369332"/>
+          </a:xfrm>
+          <a:prstGeom prst="rect">
+            <a:avLst/>
+          </a:prstGeom>
+          <a:noFill/>
+        </p:spPr>
+        <p:txBody>
+          <a:bodyPr wrap="none" rtlCol="0">
+            <a:spAutoFit/>
+          </a:bodyPr>
+          <a:lstStyle/>
+          <a:p>
+            <a:r>
+              <a:rPr lang="zh-CN" altLang="en-US" dirty="0" smtClean="0">
+                <a:solidFill>
+                  <a:srgbClr val="FF0000"/>
+                </a:solidFill>
+              </a:rPr>
+              <a:t>每日构建，每日更新，提高产品研发的敏捷程度。</a:t>
+            </a:r>
+            <a:endParaRPr lang="zh-CN" altLang="en-US" dirty="0">
+              <a:solidFill>
+                <a:srgbClr val="FF0000"/>
+              </a:solidFill>
+            </a:endParaRPr>
+          </a:p>
+        </p:txBody>
+      </p:sp>
     </p:spTree>
     <p:extLst>
       <p:ext uri="{BB962C8B-B14F-4D97-AF65-F5344CB8AC3E}">
@@ -8349,336 +10026,40 @@
           </a:p>
         </p:txBody>
       </p:sp>
-      <p:sp>
-        <p:nvSpPr>
-          <p:cNvPr id="3" name="文本框 2"/>
-          <p:cNvSpPr txBox="1"/>
-          <p:nvPr/>
-        </p:nvSpPr>
-        <p:spPr>
-          <a:xfrm>
-            <a:off x="395536" y="1419622"/>
-            <a:ext cx="2319866" cy="461665"/>
-          </a:xfrm>
-          <a:prstGeom prst="rect">
-            <a:avLst/>
-          </a:prstGeom>
-          <a:noFill/>
-        </p:spPr>
-        <p:txBody>
-          <a:bodyPr wrap="none" rtlCol="0">
-            <a:spAutoFit/>
-          </a:bodyPr>
-          <a:lstStyle/>
-          <a:p>
-            <a:pPr marL="285750" indent="-285750">
-              <a:buFont typeface="Arial" panose="020B0604020202020204" pitchFamily="34" charset="0"/>
-              <a:buChar char="•"/>
-            </a:pPr>
-            <a:r>
-              <a:rPr lang="zh-CN" altLang="en-US" sz="2400" dirty="0" smtClean="0"/>
-              <a:t>内存操作系统</a:t>
-            </a:r>
-            <a:endParaRPr lang="zh-CN" altLang="en-US" sz="2400" dirty="0"/>
-          </a:p>
-        </p:txBody>
-      </p:sp>
-      <p:sp>
-        <p:nvSpPr>
-          <p:cNvPr id="4" name="文本框 3"/>
-          <p:cNvSpPr txBox="1"/>
-          <p:nvPr/>
-        </p:nvSpPr>
-        <p:spPr>
-          <a:xfrm>
-            <a:off x="441687" y="2083867"/>
-            <a:ext cx="4761816" cy="400110"/>
-          </a:xfrm>
-          <a:prstGeom prst="rect">
-            <a:avLst/>
-          </a:prstGeom>
-          <a:noFill/>
-        </p:spPr>
-        <p:txBody>
-          <a:bodyPr wrap="none" rtlCol="0">
-            <a:spAutoFit/>
-          </a:bodyPr>
-          <a:lstStyle/>
-          <a:p>
-            <a:r>
-              <a:rPr lang="zh-CN" altLang="en-US" sz="2000" dirty="0" smtClean="0"/>
-              <a:t>经过优化的</a:t>
-            </a:r>
-            <a:r>
-              <a:rPr lang="en-US" altLang="zh-CN" sz="2000" dirty="0" err="1"/>
-              <a:t>i</a:t>
-            </a:r>
-            <a:r>
-              <a:rPr lang="en-US" altLang="zh-CN" sz="2000" dirty="0" err="1" smtClean="0"/>
-              <a:t>cos</a:t>
-            </a:r>
-            <a:r>
-              <a:rPr lang="en-US" altLang="zh-CN" sz="2000" dirty="0" smtClean="0"/>
-              <a:t>-cobbler</a:t>
-            </a:r>
-            <a:r>
-              <a:rPr lang="zh-CN" altLang="en-US" sz="2000" dirty="0" smtClean="0"/>
-              <a:t>支持的启动方式</a:t>
-            </a:r>
-            <a:r>
-              <a:rPr lang="zh-CN" altLang="en-US" dirty="0" smtClean="0"/>
-              <a:t>：</a:t>
-            </a:r>
-          </a:p>
-        </p:txBody>
-      </p:sp>
-      <p:sp>
-        <p:nvSpPr>
-          <p:cNvPr id="5" name="文本框 4"/>
-          <p:cNvSpPr txBox="1"/>
-          <p:nvPr/>
-        </p:nvSpPr>
-        <p:spPr>
-          <a:xfrm>
-            <a:off x="395536" y="4146634"/>
-            <a:ext cx="8064896" cy="369332"/>
-          </a:xfrm>
-          <a:prstGeom prst="rect">
-            <a:avLst/>
-          </a:prstGeom>
-          <a:noFill/>
-        </p:spPr>
-        <p:txBody>
-          <a:bodyPr wrap="square" rtlCol="0">
-            <a:spAutoFit/>
-          </a:bodyPr>
-          <a:lstStyle/>
-          <a:p>
-            <a:r>
-              <a:rPr lang="zh-CN" altLang="en-US" dirty="0" smtClean="0">
-                <a:solidFill>
-                  <a:srgbClr val="FF0000"/>
-                </a:solidFill>
-              </a:rPr>
-              <a:t>此外，我们</a:t>
-            </a:r>
-            <a:r>
-              <a:rPr lang="zh-CN" altLang="en-US" dirty="0">
-                <a:solidFill>
-                  <a:srgbClr val="FF0000"/>
-                </a:solidFill>
-              </a:rPr>
-              <a:t>构建</a:t>
-            </a:r>
-            <a:r>
-              <a:rPr lang="zh-CN" altLang="en-US" dirty="0" smtClean="0">
-                <a:solidFill>
-                  <a:srgbClr val="FF0000"/>
-                </a:solidFill>
-              </a:rPr>
-              <a:t>的</a:t>
-            </a:r>
-            <a:r>
-              <a:rPr lang="en-US" altLang="zh-CN" dirty="0" err="1" smtClean="0">
-                <a:solidFill>
-                  <a:srgbClr val="FF0000"/>
-                </a:solidFill>
-              </a:rPr>
-              <a:t>iso</a:t>
-            </a:r>
-            <a:r>
-              <a:rPr lang="zh-CN" altLang="en-US" dirty="0" smtClean="0">
-                <a:solidFill>
-                  <a:srgbClr val="FF0000"/>
-                </a:solidFill>
-              </a:rPr>
-              <a:t>，不仅支持</a:t>
-            </a:r>
-            <a:r>
-              <a:rPr lang="en-US" altLang="zh-CN" dirty="0" smtClean="0">
-                <a:solidFill>
-                  <a:srgbClr val="FF0000"/>
-                </a:solidFill>
-              </a:rPr>
-              <a:t>BIOS</a:t>
-            </a:r>
-            <a:r>
-              <a:rPr lang="zh-CN" altLang="en-US" dirty="0" smtClean="0">
-                <a:solidFill>
-                  <a:srgbClr val="FF0000"/>
-                </a:solidFill>
-              </a:rPr>
-              <a:t>类型的主板，还支持</a:t>
-            </a:r>
-            <a:r>
-              <a:rPr lang="en-US" altLang="zh-CN" dirty="0" smtClean="0">
-                <a:solidFill>
-                  <a:srgbClr val="FF0000"/>
-                </a:solidFill>
-              </a:rPr>
-              <a:t>UEFI</a:t>
-            </a:r>
-            <a:r>
-              <a:rPr lang="zh-CN" altLang="en-US" dirty="0" smtClean="0">
-                <a:solidFill>
-                  <a:srgbClr val="FF0000"/>
-                </a:solidFill>
-              </a:rPr>
-              <a:t>类型的主板</a:t>
-            </a:r>
-            <a:r>
-              <a:rPr lang="zh-CN" altLang="en-US" dirty="0">
-                <a:solidFill>
-                  <a:srgbClr val="FF0000"/>
-                </a:solidFill>
-              </a:rPr>
-              <a:t>。</a:t>
-            </a:r>
-          </a:p>
-        </p:txBody>
-      </p:sp>
       <p:pic>
         <p:nvPicPr>
-          <p:cNvPr id="9" name="图片 8"/>
+          <p:cNvPr id="7" name="图片 6"/>
           <p:cNvPicPr>
             <a:picLocks noChangeAspect="1"/>
           </p:cNvPicPr>
           <p:nvPr/>
         </p:nvPicPr>
         <p:blipFill>
-          <a:blip r:embed="rId2"/>
+          <a:blip r:embed="rId3">
+            <a:extLst>
+              <a:ext uri="{28A0092B-C50C-407E-A947-70E740481C1C}">
+                <a14:useLocalDpi xmlns:a14="http://schemas.microsoft.com/office/drawing/2010/main" val="0"/>
+              </a:ext>
+            </a:extLst>
+          </a:blip>
           <a:stretch>
             <a:fillRect/>
           </a:stretch>
         </p:blipFill>
         <p:spPr>
           <a:xfrm>
-            <a:off x="5081618" y="1995686"/>
-            <a:ext cx="3882870" cy="2035465"/>
+            <a:off x="1331640" y="915566"/>
+            <a:ext cx="6207051" cy="3456384"/>
           </a:xfrm>
           <a:prstGeom prst="rect">
             <a:avLst/>
           </a:prstGeom>
         </p:spPr>
       </p:pic>
-      <p:sp>
-        <p:nvSpPr>
-          <p:cNvPr id="10" name="文本框 9"/>
-          <p:cNvSpPr txBox="1"/>
-          <p:nvPr/>
-        </p:nvSpPr>
-        <p:spPr>
-          <a:xfrm>
-            <a:off x="770092" y="2562458"/>
-            <a:ext cx="1858201" cy="369332"/>
-          </a:xfrm>
-          <a:prstGeom prst="rect">
-            <a:avLst/>
-          </a:prstGeom>
-          <a:noFill/>
-        </p:spPr>
-        <p:txBody>
-          <a:bodyPr wrap="none" rtlCol="0">
-            <a:spAutoFit/>
-          </a:bodyPr>
-          <a:lstStyle/>
-          <a:p>
-            <a:pPr marL="285750" indent="-285750">
-              <a:buFont typeface="Wingdings" panose="05000000000000000000" pitchFamily="2" charset="2"/>
-              <a:buChar char="ü"/>
-            </a:pPr>
-            <a:r>
-              <a:rPr lang="zh-CN" altLang="en-US" dirty="0"/>
-              <a:t>本地硬盘</a:t>
-            </a:r>
-            <a:r>
-              <a:rPr lang="zh-CN" altLang="en-US" dirty="0" smtClean="0"/>
-              <a:t>启动</a:t>
-            </a:r>
-            <a:endParaRPr lang="en-US" altLang="zh-CN" dirty="0"/>
-          </a:p>
-        </p:txBody>
-      </p:sp>
-      <p:sp>
-        <p:nvSpPr>
-          <p:cNvPr id="11" name="文本框 10"/>
-          <p:cNvSpPr txBox="1"/>
-          <p:nvPr/>
-        </p:nvSpPr>
-        <p:spPr>
-          <a:xfrm>
-            <a:off x="812483" y="2994506"/>
-            <a:ext cx="2319866" cy="369332"/>
-          </a:xfrm>
-          <a:prstGeom prst="rect">
-            <a:avLst/>
-          </a:prstGeom>
-          <a:noFill/>
-        </p:spPr>
-        <p:txBody>
-          <a:bodyPr wrap="none" rtlCol="0">
-            <a:spAutoFit/>
-          </a:bodyPr>
-          <a:lstStyle/>
-          <a:p>
-            <a:pPr marL="285750" indent="-285750">
-              <a:buFont typeface="Wingdings" panose="05000000000000000000" pitchFamily="2" charset="2"/>
-              <a:buChar char="ü"/>
-            </a:pPr>
-            <a:r>
-              <a:rPr lang="zh-CN" altLang="en-US" dirty="0"/>
-              <a:t>内存操作系统</a:t>
-            </a:r>
-            <a:r>
-              <a:rPr lang="zh-CN" altLang="en-US" dirty="0" smtClean="0"/>
-              <a:t>启动</a:t>
-            </a:r>
-            <a:endParaRPr lang="en-US" altLang="zh-CN" dirty="0"/>
-          </a:p>
-        </p:txBody>
-      </p:sp>
-      <p:sp>
-        <p:nvSpPr>
-          <p:cNvPr id="12" name="文本框 11"/>
-          <p:cNvSpPr txBox="1"/>
-          <p:nvPr/>
-        </p:nvSpPr>
-        <p:spPr>
-          <a:xfrm>
-            <a:off x="797674" y="3426554"/>
-            <a:ext cx="2550698" cy="369332"/>
-          </a:xfrm>
-          <a:prstGeom prst="rect">
-            <a:avLst/>
-          </a:prstGeom>
-          <a:noFill/>
-        </p:spPr>
-        <p:txBody>
-          <a:bodyPr wrap="none" rtlCol="0">
-            <a:spAutoFit/>
-          </a:bodyPr>
-          <a:lstStyle/>
-          <a:p>
-            <a:pPr marL="285750" indent="-285750">
-              <a:buFont typeface="Wingdings" panose="05000000000000000000" pitchFamily="2" charset="2"/>
-              <a:buChar char="ü"/>
-            </a:pPr>
-            <a:r>
-              <a:rPr lang="zh-CN" altLang="en-US" dirty="0"/>
-              <a:t>本地硬盘安装并</a:t>
-            </a:r>
-            <a:r>
-              <a:rPr lang="zh-CN" altLang="en-US" dirty="0" smtClean="0"/>
-              <a:t>启动</a:t>
-            </a:r>
-            <a:endParaRPr lang="zh-CN" altLang="en-US" dirty="0"/>
-          </a:p>
-        </p:txBody>
-      </p:sp>
     </p:spTree>
     <p:extLst>
       <p:ext uri="{BB962C8B-B14F-4D97-AF65-F5344CB8AC3E}">
-        <p14:creationId xmlns:p14="http://schemas.microsoft.com/office/powerpoint/2010/main" val="1242777213"/>
+        <p14:creationId xmlns:p14="http://schemas.microsoft.com/office/powerpoint/2010/main" val="760018970"/>
       </p:ext>
     </p:extLst>
   </p:cSld>
@@ -8753,6 +10134,401 @@
         <p:spPr>
           <a:xfrm>
             <a:off x="395536" y="1419622"/>
+            <a:ext cx="2319866" cy="461665"/>
+          </a:xfrm>
+          <a:prstGeom prst="rect">
+            <a:avLst/>
+          </a:prstGeom>
+          <a:noFill/>
+        </p:spPr>
+        <p:txBody>
+          <a:bodyPr wrap="none" rtlCol="0">
+            <a:spAutoFit/>
+          </a:bodyPr>
+          <a:lstStyle/>
+          <a:p>
+            <a:pPr marL="285750" indent="-285750">
+              <a:buFont typeface="Arial" panose="020B0604020202020204" pitchFamily="34" charset="0"/>
+              <a:buChar char="•"/>
+            </a:pPr>
+            <a:r>
+              <a:rPr lang="zh-CN" altLang="en-US" sz="2400" dirty="0" smtClean="0"/>
+              <a:t>内存操作系统</a:t>
+            </a:r>
+            <a:endParaRPr lang="zh-CN" altLang="en-US" sz="2400" dirty="0"/>
+          </a:p>
+        </p:txBody>
+      </p:sp>
+      <p:sp>
+        <p:nvSpPr>
+          <p:cNvPr id="4" name="文本框 3"/>
+          <p:cNvSpPr txBox="1"/>
+          <p:nvPr/>
+        </p:nvSpPr>
+        <p:spPr>
+          <a:xfrm>
+            <a:off x="441687" y="2083867"/>
+            <a:ext cx="4761816" cy="400110"/>
+          </a:xfrm>
+          <a:prstGeom prst="rect">
+            <a:avLst/>
+          </a:prstGeom>
+          <a:noFill/>
+        </p:spPr>
+        <p:txBody>
+          <a:bodyPr wrap="none" rtlCol="0">
+            <a:spAutoFit/>
+          </a:bodyPr>
+          <a:lstStyle/>
+          <a:p>
+            <a:r>
+              <a:rPr lang="zh-CN" altLang="en-US" sz="2000" dirty="0" smtClean="0"/>
+              <a:t>经过优化的</a:t>
+            </a:r>
+            <a:r>
+              <a:rPr lang="en-US" altLang="zh-CN" sz="2000" dirty="0" err="1"/>
+              <a:t>i</a:t>
+            </a:r>
+            <a:r>
+              <a:rPr lang="en-US" altLang="zh-CN" sz="2000" dirty="0" err="1" smtClean="0"/>
+              <a:t>cos</a:t>
+            </a:r>
+            <a:r>
+              <a:rPr lang="en-US" altLang="zh-CN" sz="2000" dirty="0" smtClean="0"/>
+              <a:t>-cobbler</a:t>
+            </a:r>
+            <a:r>
+              <a:rPr lang="zh-CN" altLang="en-US" sz="2000" dirty="0" smtClean="0"/>
+              <a:t>支持的启动方式</a:t>
+            </a:r>
+            <a:r>
+              <a:rPr lang="zh-CN" altLang="en-US" dirty="0" smtClean="0"/>
+              <a:t>：</a:t>
+            </a:r>
+          </a:p>
+        </p:txBody>
+      </p:sp>
+      <p:sp>
+        <p:nvSpPr>
+          <p:cNvPr id="5" name="文本框 4"/>
+          <p:cNvSpPr txBox="1"/>
+          <p:nvPr/>
+        </p:nvSpPr>
+        <p:spPr>
+          <a:xfrm>
+            <a:off x="395536" y="4146634"/>
+            <a:ext cx="8064896" cy="369332"/>
+          </a:xfrm>
+          <a:prstGeom prst="rect">
+            <a:avLst/>
+          </a:prstGeom>
+          <a:noFill/>
+        </p:spPr>
+        <p:txBody>
+          <a:bodyPr wrap="square" rtlCol="0">
+            <a:spAutoFit/>
+          </a:bodyPr>
+          <a:lstStyle/>
+          <a:p>
+            <a:r>
+              <a:rPr lang="zh-CN" altLang="en-US" dirty="0" smtClean="0">
+                <a:solidFill>
+                  <a:srgbClr val="FF0000"/>
+                </a:solidFill>
+              </a:rPr>
+              <a:t>此外，我们</a:t>
+            </a:r>
+            <a:r>
+              <a:rPr lang="zh-CN" altLang="en-US" dirty="0">
+                <a:solidFill>
+                  <a:srgbClr val="FF0000"/>
+                </a:solidFill>
+              </a:rPr>
+              <a:t>构建</a:t>
+            </a:r>
+            <a:r>
+              <a:rPr lang="zh-CN" altLang="en-US" dirty="0" smtClean="0">
+                <a:solidFill>
+                  <a:srgbClr val="FF0000"/>
+                </a:solidFill>
+              </a:rPr>
+              <a:t>的</a:t>
+            </a:r>
+            <a:r>
+              <a:rPr lang="en-US" altLang="zh-CN" dirty="0" err="1" smtClean="0">
+                <a:solidFill>
+                  <a:srgbClr val="FF0000"/>
+                </a:solidFill>
+              </a:rPr>
+              <a:t>iso</a:t>
+            </a:r>
+            <a:r>
+              <a:rPr lang="zh-CN" altLang="en-US" dirty="0" smtClean="0">
+                <a:solidFill>
+                  <a:srgbClr val="FF0000"/>
+                </a:solidFill>
+              </a:rPr>
+              <a:t>，不仅支持</a:t>
+            </a:r>
+            <a:r>
+              <a:rPr lang="en-US" altLang="zh-CN" dirty="0" smtClean="0">
+                <a:solidFill>
+                  <a:srgbClr val="FF0000"/>
+                </a:solidFill>
+              </a:rPr>
+              <a:t>BIOS</a:t>
+            </a:r>
+            <a:r>
+              <a:rPr lang="zh-CN" altLang="en-US" dirty="0" smtClean="0">
+                <a:solidFill>
+                  <a:srgbClr val="FF0000"/>
+                </a:solidFill>
+              </a:rPr>
+              <a:t>类型的主板，还支持</a:t>
+            </a:r>
+            <a:r>
+              <a:rPr lang="en-US" altLang="zh-CN" dirty="0" smtClean="0">
+                <a:solidFill>
+                  <a:srgbClr val="FF0000"/>
+                </a:solidFill>
+              </a:rPr>
+              <a:t>UEFI</a:t>
+            </a:r>
+            <a:r>
+              <a:rPr lang="zh-CN" altLang="en-US" dirty="0" smtClean="0">
+                <a:solidFill>
+                  <a:srgbClr val="FF0000"/>
+                </a:solidFill>
+              </a:rPr>
+              <a:t>类型的主板</a:t>
+            </a:r>
+            <a:r>
+              <a:rPr lang="zh-CN" altLang="en-US" dirty="0">
+                <a:solidFill>
+                  <a:srgbClr val="FF0000"/>
+                </a:solidFill>
+              </a:rPr>
+              <a:t>。</a:t>
+            </a:r>
+          </a:p>
+        </p:txBody>
+      </p:sp>
+      <p:pic>
+        <p:nvPicPr>
+          <p:cNvPr id="9" name="图片 8"/>
+          <p:cNvPicPr>
+            <a:picLocks noChangeAspect="1"/>
+          </p:cNvPicPr>
+          <p:nvPr/>
+        </p:nvPicPr>
+        <p:blipFill>
+          <a:blip r:embed="rId3"/>
+          <a:stretch>
+            <a:fillRect/>
+          </a:stretch>
+        </p:blipFill>
+        <p:spPr>
+          <a:xfrm>
+            <a:off x="5081618" y="1995686"/>
+            <a:ext cx="3882870" cy="2035465"/>
+          </a:xfrm>
+          <a:prstGeom prst="rect">
+            <a:avLst/>
+          </a:prstGeom>
+        </p:spPr>
+      </p:pic>
+      <p:sp>
+        <p:nvSpPr>
+          <p:cNvPr id="10" name="文本框 9"/>
+          <p:cNvSpPr txBox="1"/>
+          <p:nvPr/>
+        </p:nvSpPr>
+        <p:spPr>
+          <a:xfrm>
+            <a:off x="770092" y="2562458"/>
+            <a:ext cx="1858201" cy="369332"/>
+          </a:xfrm>
+          <a:prstGeom prst="rect">
+            <a:avLst/>
+          </a:prstGeom>
+          <a:noFill/>
+        </p:spPr>
+        <p:txBody>
+          <a:bodyPr wrap="none" rtlCol="0">
+            <a:spAutoFit/>
+          </a:bodyPr>
+          <a:lstStyle/>
+          <a:p>
+            <a:pPr marL="285750" indent="-285750">
+              <a:buFont typeface="Wingdings" panose="05000000000000000000" pitchFamily="2" charset="2"/>
+              <a:buChar char="ü"/>
+            </a:pPr>
+            <a:r>
+              <a:rPr lang="zh-CN" altLang="en-US" dirty="0"/>
+              <a:t>本地硬盘</a:t>
+            </a:r>
+            <a:r>
+              <a:rPr lang="zh-CN" altLang="en-US" dirty="0" smtClean="0"/>
+              <a:t>启动</a:t>
+            </a:r>
+            <a:endParaRPr lang="en-US" altLang="zh-CN" dirty="0"/>
+          </a:p>
+        </p:txBody>
+      </p:sp>
+      <p:sp>
+        <p:nvSpPr>
+          <p:cNvPr id="11" name="文本框 10"/>
+          <p:cNvSpPr txBox="1"/>
+          <p:nvPr/>
+        </p:nvSpPr>
+        <p:spPr>
+          <a:xfrm>
+            <a:off x="812483" y="2994506"/>
+            <a:ext cx="2319866" cy="369332"/>
+          </a:xfrm>
+          <a:prstGeom prst="rect">
+            <a:avLst/>
+          </a:prstGeom>
+          <a:noFill/>
+        </p:spPr>
+        <p:txBody>
+          <a:bodyPr wrap="none" rtlCol="0">
+            <a:spAutoFit/>
+          </a:bodyPr>
+          <a:lstStyle/>
+          <a:p>
+            <a:pPr marL="285750" indent="-285750">
+              <a:buFont typeface="Wingdings" panose="05000000000000000000" pitchFamily="2" charset="2"/>
+              <a:buChar char="ü"/>
+            </a:pPr>
+            <a:r>
+              <a:rPr lang="zh-CN" altLang="en-US" dirty="0"/>
+              <a:t>内存操作系统</a:t>
+            </a:r>
+            <a:r>
+              <a:rPr lang="zh-CN" altLang="en-US" dirty="0" smtClean="0"/>
+              <a:t>启动</a:t>
+            </a:r>
+            <a:endParaRPr lang="en-US" altLang="zh-CN" dirty="0"/>
+          </a:p>
+        </p:txBody>
+      </p:sp>
+      <p:sp>
+        <p:nvSpPr>
+          <p:cNvPr id="12" name="文本框 11"/>
+          <p:cNvSpPr txBox="1"/>
+          <p:nvPr/>
+        </p:nvSpPr>
+        <p:spPr>
+          <a:xfrm>
+            <a:off x="797674" y="3426554"/>
+            <a:ext cx="2550698" cy="369332"/>
+          </a:xfrm>
+          <a:prstGeom prst="rect">
+            <a:avLst/>
+          </a:prstGeom>
+          <a:noFill/>
+        </p:spPr>
+        <p:txBody>
+          <a:bodyPr wrap="none" rtlCol="0">
+            <a:spAutoFit/>
+          </a:bodyPr>
+          <a:lstStyle/>
+          <a:p>
+            <a:pPr marL="285750" indent="-285750">
+              <a:buFont typeface="Wingdings" panose="05000000000000000000" pitchFamily="2" charset="2"/>
+              <a:buChar char="ü"/>
+            </a:pPr>
+            <a:r>
+              <a:rPr lang="zh-CN" altLang="en-US" dirty="0"/>
+              <a:t>本地硬盘安装并</a:t>
+            </a:r>
+            <a:r>
+              <a:rPr lang="zh-CN" altLang="en-US" dirty="0" smtClean="0"/>
+              <a:t>启动</a:t>
+            </a:r>
+            <a:endParaRPr lang="zh-CN" altLang="en-US" dirty="0"/>
+          </a:p>
+        </p:txBody>
+      </p:sp>
+    </p:spTree>
+    <p:extLst>
+      <p:ext uri="{BB962C8B-B14F-4D97-AF65-F5344CB8AC3E}">
+        <p14:creationId xmlns:p14="http://schemas.microsoft.com/office/powerpoint/2010/main" val="1242777213"/>
+      </p:ext>
+    </p:extLst>
+  </p:cSld>
+  <p:clrMapOvr>
+    <a:masterClrMapping/>
+  </p:clrMapOvr>
+  <p:timing>
+    <p:tnLst>
+      <p:par>
+        <p:cTn id="1" dur="indefinite" restart="never" nodeType="tmRoot"/>
+      </p:par>
+    </p:tnLst>
+  </p:timing>
+</p:sld>
+</file>
+
+<file path=ppt/slides/slide6.xml><?xml version="1.0" encoding="utf-8"?>
+<p:sld xmlns:a="http://schemas.openxmlformats.org/drawingml/2006/main" xmlns:r="http://schemas.openxmlformats.org/officeDocument/2006/relationships" xmlns:p="http://schemas.openxmlformats.org/presentationml/2006/main">
+  <p:cSld>
+    <p:spTree>
+      <p:nvGrpSpPr>
+        <p:cNvPr id="1" name=""/>
+        <p:cNvGrpSpPr/>
+        <p:nvPr/>
+      </p:nvGrpSpPr>
+      <p:grpSpPr>
+        <a:xfrm>
+          <a:off x="0" y="0"/>
+          <a:ext cx="0" cy="0"/>
+          <a:chOff x="0" y="0"/>
+          <a:chExt cx="0" cy="0"/>
+        </a:xfrm>
+      </p:grpSpPr>
+      <p:sp>
+        <p:nvSpPr>
+          <p:cNvPr id="6" name="标题 3"/>
+          <p:cNvSpPr>
+            <a:spLocks noGrp="1"/>
+          </p:cNvSpPr>
+          <p:nvPr>
+            <p:ph type="title"/>
+          </p:nvPr>
+        </p:nvSpPr>
+        <p:spPr>
+          <a:xfrm>
+            <a:off x="251520" y="195486"/>
+            <a:ext cx="7772400" cy="1021556"/>
+          </a:xfrm>
+        </p:spPr>
+        <p:txBody>
+          <a:bodyPr/>
+          <a:lstStyle/>
+          <a:p>
+            <a:r>
+              <a:rPr lang="en-US" altLang="zh-CN" dirty="0" err="1" smtClean="0"/>
+              <a:t>Openstack</a:t>
+            </a:r>
+            <a:r>
+              <a:rPr lang="zh-CN" altLang="en-US" dirty="0" smtClean="0"/>
+              <a:t>组件容器化部署</a:t>
+            </a:r>
+            <a:endParaRPr lang="zh-CN" altLang="en-US" dirty="0"/>
+          </a:p>
+        </p:txBody>
+      </p:sp>
+      <p:sp>
+        <p:nvSpPr>
+          <p:cNvPr id="3" name="文本框 2"/>
+          <p:cNvSpPr txBox="1"/>
+          <p:nvPr/>
+        </p:nvSpPr>
+        <p:spPr>
+          <a:xfrm>
+            <a:off x="395536" y="1419622"/>
             <a:ext cx="2185342" cy="461665"/>
           </a:xfrm>
           <a:prstGeom prst="rect">
@@ -8849,7 +10625,7 @@
           <p:nvPr/>
         </p:nvPicPr>
         <p:blipFill>
-          <a:blip r:embed="rId2"/>
+          <a:blip r:embed="rId3"/>
           <a:stretch>
             <a:fillRect/>
           </a:stretch>
@@ -8884,7 +10660,7 @@
 </p:sld>
 </file>
 
-<file path=ppt/slides/slide6.xml><?xml version="1.0" encoding="utf-8"?>
+<file path=ppt/slides/slide7.xml><?xml version="1.0" encoding="utf-8"?>
 <p:sld xmlns:a="http://schemas.openxmlformats.org/drawingml/2006/main" xmlns:r="http://schemas.openxmlformats.org/officeDocument/2006/relationships" xmlns:p="http://schemas.openxmlformats.org/presentationml/2006/main">
   <p:cSld>
     <p:spTree>
@@ -8975,7 +10751,7 @@
           <p:nvPr/>
         </p:nvPicPr>
         <p:blipFill>
-          <a:blip r:embed="rId2"/>
+          <a:blip r:embed="rId3"/>
           <a:stretch>
             <a:fillRect/>
           </a:stretch>
@@ -8999,7 +10775,7 @@
           <p:nvPr/>
         </p:nvPicPr>
         <p:blipFill>
-          <a:blip r:embed="rId3"/>
+          <a:blip r:embed="rId4"/>
           <a:stretch>
             <a:fillRect/>
           </a:stretch>
@@ -9056,450 +10832,6 @@
     <p:extLst>
       <p:ext uri="{BB962C8B-B14F-4D97-AF65-F5344CB8AC3E}">
         <p14:creationId xmlns:p14="http://schemas.microsoft.com/office/powerpoint/2010/main" val="1825234133"/>
-      </p:ext>
-    </p:extLst>
-  </p:cSld>
-  <p:clrMapOvr>
-    <a:masterClrMapping/>
-  </p:clrMapOvr>
-  <p:timing>
-    <p:tnLst>
-      <p:par>
-        <p:cTn id="1" dur="indefinite" restart="never" nodeType="tmRoot"/>
-      </p:par>
-    </p:tnLst>
-  </p:timing>
-</p:sld>
-</file>
-
-<file path=ppt/slides/slide7.xml><?xml version="1.0" encoding="utf-8"?>
-<p:sld xmlns:a="http://schemas.openxmlformats.org/drawingml/2006/main" xmlns:r="http://schemas.openxmlformats.org/officeDocument/2006/relationships" xmlns:p="http://schemas.openxmlformats.org/presentationml/2006/main">
-  <p:cSld>
-    <p:spTree>
-      <p:nvGrpSpPr>
-        <p:cNvPr id="1" name=""/>
-        <p:cNvGrpSpPr/>
-        <p:nvPr/>
-      </p:nvGrpSpPr>
-      <p:grpSpPr>
-        <a:xfrm>
-          <a:off x="0" y="0"/>
-          <a:ext cx="0" cy="0"/>
-          <a:chOff x="0" y="0"/>
-          <a:chExt cx="0" cy="0"/>
-        </a:xfrm>
-      </p:grpSpPr>
-      <p:sp>
-        <p:nvSpPr>
-          <p:cNvPr id="6" name="标题 3"/>
-          <p:cNvSpPr>
-            <a:spLocks noGrp="1"/>
-          </p:cNvSpPr>
-          <p:nvPr>
-            <p:ph type="title"/>
-          </p:nvPr>
-        </p:nvSpPr>
-        <p:spPr>
-          <a:xfrm>
-            <a:off x="251520" y="195486"/>
-            <a:ext cx="7772400" cy="1021556"/>
-          </a:xfrm>
-        </p:spPr>
-        <p:txBody>
-          <a:bodyPr/>
-          <a:lstStyle/>
-          <a:p>
-            <a:r>
-              <a:rPr lang="en-US" altLang="zh-CN" dirty="0" err="1" smtClean="0"/>
-              <a:t>Openstack</a:t>
-            </a:r>
-            <a:r>
-              <a:rPr lang="zh-CN" altLang="en-US" dirty="0" smtClean="0"/>
-              <a:t>组件容器化部署</a:t>
-            </a:r>
-            <a:endParaRPr lang="zh-CN" altLang="en-US" dirty="0"/>
-          </a:p>
-        </p:txBody>
-      </p:sp>
-      <p:sp>
-        <p:nvSpPr>
-          <p:cNvPr id="3" name="文本框 2"/>
-          <p:cNvSpPr txBox="1"/>
-          <p:nvPr/>
-        </p:nvSpPr>
-        <p:spPr>
-          <a:xfrm>
-            <a:off x="395536" y="1419622"/>
-            <a:ext cx="2319866" cy="461665"/>
-          </a:xfrm>
-          <a:prstGeom prst="rect">
-            <a:avLst/>
-          </a:prstGeom>
-          <a:noFill/>
-        </p:spPr>
-        <p:txBody>
-          <a:bodyPr wrap="none" rtlCol="0">
-            <a:spAutoFit/>
-          </a:bodyPr>
-          <a:lstStyle/>
-          <a:p>
-            <a:pPr marL="285750" indent="-285750">
-              <a:buFont typeface="Arial" panose="020B0604020202020204" pitchFamily="34" charset="0"/>
-              <a:buChar char="•"/>
-            </a:pPr>
-            <a:r>
-              <a:rPr lang="zh-CN" altLang="en-US" sz="2400" dirty="0"/>
-              <a:t>批量网络设置</a:t>
-            </a:r>
-          </a:p>
-        </p:txBody>
-      </p:sp>
-      <p:sp>
-        <p:nvSpPr>
-          <p:cNvPr id="5" name="文本框 4"/>
-          <p:cNvSpPr txBox="1"/>
-          <p:nvPr/>
-        </p:nvSpPr>
-        <p:spPr>
-          <a:xfrm>
-            <a:off x="425511" y="2002349"/>
-            <a:ext cx="4002473" cy="400110"/>
-          </a:xfrm>
-          <a:prstGeom prst="rect">
-            <a:avLst/>
-          </a:prstGeom>
-          <a:noFill/>
-        </p:spPr>
-        <p:txBody>
-          <a:bodyPr wrap="square" rtlCol="0">
-            <a:spAutoFit/>
-          </a:bodyPr>
-          <a:lstStyle/>
-          <a:p>
-            <a:r>
-              <a:rPr lang="zh-CN" altLang="en-US" sz="2000" dirty="0" smtClean="0"/>
-              <a:t>开发了一些工具对网络等进行设置：</a:t>
-            </a:r>
-            <a:endParaRPr lang="en-US" altLang="zh-CN" sz="2000" dirty="0" smtClean="0"/>
-          </a:p>
-        </p:txBody>
-      </p:sp>
-      <p:pic>
-        <p:nvPicPr>
-          <p:cNvPr id="7" name="图片 6"/>
-          <p:cNvPicPr>
-            <a:picLocks noChangeAspect="1"/>
-          </p:cNvPicPr>
-          <p:nvPr/>
-        </p:nvPicPr>
-        <p:blipFill>
-          <a:blip r:embed="rId2"/>
-          <a:stretch>
-            <a:fillRect/>
-          </a:stretch>
-        </p:blipFill>
-        <p:spPr>
-          <a:xfrm>
-            <a:off x="4008861" y="1397090"/>
-            <a:ext cx="4963517" cy="390962"/>
-          </a:xfrm>
-          <a:prstGeom prst="rect">
-            <a:avLst/>
-          </a:prstGeom>
-        </p:spPr>
-      </p:pic>
-      <p:pic>
-        <p:nvPicPr>
-          <p:cNvPr id="9" name="图片 8"/>
-          <p:cNvPicPr>
-            <a:picLocks noChangeAspect="1"/>
-          </p:cNvPicPr>
-          <p:nvPr/>
-        </p:nvPicPr>
-        <p:blipFill>
-          <a:blip r:embed="rId3"/>
-          <a:stretch>
-            <a:fillRect/>
-          </a:stretch>
-        </p:blipFill>
-        <p:spPr>
-          <a:xfrm>
-            <a:off x="5227962" y="1985427"/>
-            <a:ext cx="3744416" cy="566640"/>
-          </a:xfrm>
-          <a:prstGeom prst="rect">
-            <a:avLst/>
-          </a:prstGeom>
-        </p:spPr>
-      </p:pic>
-      <p:pic>
-        <p:nvPicPr>
-          <p:cNvPr id="10" name="图片 9"/>
-          <p:cNvPicPr>
-            <a:picLocks noChangeAspect="1"/>
-          </p:cNvPicPr>
-          <p:nvPr/>
-        </p:nvPicPr>
-        <p:blipFill>
-          <a:blip r:embed="rId4"/>
-          <a:stretch>
-            <a:fillRect/>
-          </a:stretch>
-        </p:blipFill>
-        <p:spPr>
-          <a:xfrm>
-            <a:off x="5095761" y="2885112"/>
-            <a:ext cx="3868727" cy="687904"/>
-          </a:xfrm>
-          <a:prstGeom prst="rect">
-            <a:avLst/>
-          </a:prstGeom>
-        </p:spPr>
-      </p:pic>
-      <p:sp>
-        <p:nvSpPr>
-          <p:cNvPr id="11" name="文本框 10"/>
-          <p:cNvSpPr txBox="1"/>
-          <p:nvPr/>
-        </p:nvSpPr>
-        <p:spPr>
-          <a:xfrm>
-            <a:off x="683568" y="2643758"/>
-            <a:ext cx="4413452" cy="923330"/>
-          </a:xfrm>
-          <a:prstGeom prst="rect">
-            <a:avLst/>
-          </a:prstGeom>
-          <a:noFill/>
-        </p:spPr>
-        <p:txBody>
-          <a:bodyPr wrap="square" rtlCol="0">
-            <a:spAutoFit/>
-          </a:bodyPr>
-          <a:lstStyle/>
-          <a:p>
-            <a:pPr marL="285750" indent="-285750">
-              <a:lnSpc>
-                <a:spcPct val="150000"/>
-              </a:lnSpc>
-              <a:buFont typeface="Wingdings" panose="05000000000000000000" pitchFamily="2" charset="2"/>
-              <a:buChar char="ü"/>
-            </a:pPr>
-            <a:r>
-              <a:rPr lang="en-US" altLang="zh-CN" dirty="0" err="1"/>
-              <a:t>sn_ip.file</a:t>
-            </a:r>
-            <a:r>
-              <a:rPr lang="zh-CN" altLang="en-US" dirty="0"/>
-              <a:t>保存序列号、主机名及管理网</a:t>
-            </a:r>
-            <a:r>
-              <a:rPr lang="en-US" altLang="zh-CN" dirty="0" err="1"/>
-              <a:t>ip</a:t>
-            </a:r>
-            <a:r>
-              <a:rPr lang="zh-CN" altLang="en-US" dirty="0"/>
-              <a:t>间的映射</a:t>
-            </a:r>
-            <a:r>
-              <a:rPr lang="zh-CN" altLang="en-US" dirty="0" smtClean="0"/>
-              <a:t>关系</a:t>
-            </a:r>
-            <a:endParaRPr lang="en-US" altLang="zh-CN" dirty="0"/>
-          </a:p>
-        </p:txBody>
-      </p:sp>
-      <p:sp>
-        <p:nvSpPr>
-          <p:cNvPr id="12" name="文本框 11"/>
-          <p:cNvSpPr txBox="1"/>
-          <p:nvPr/>
-        </p:nvSpPr>
-        <p:spPr>
-          <a:xfrm>
-            <a:off x="683568" y="3435846"/>
-            <a:ext cx="4413452" cy="369332"/>
-          </a:xfrm>
-          <a:prstGeom prst="rect">
-            <a:avLst/>
-          </a:prstGeom>
-          <a:noFill/>
-        </p:spPr>
-        <p:txBody>
-          <a:bodyPr wrap="none" rtlCol="0">
-            <a:spAutoFit/>
-          </a:bodyPr>
-          <a:lstStyle/>
-          <a:p>
-            <a:pPr marL="285750" indent="-285750">
-              <a:buFont typeface="Wingdings" panose="05000000000000000000" pitchFamily="2" charset="2"/>
-              <a:buChar char="ü"/>
-            </a:pPr>
-            <a:r>
-              <a:rPr lang="en-US" altLang="zh-CN" dirty="0"/>
-              <a:t>network.info</a:t>
-            </a:r>
-            <a:r>
-              <a:rPr lang="zh-CN" altLang="en-US" dirty="0"/>
-              <a:t>保存各网卡、</a:t>
-            </a:r>
-            <a:r>
-              <a:rPr lang="en-US" altLang="zh-CN" dirty="0"/>
-              <a:t>bond</a:t>
-            </a:r>
-            <a:r>
-              <a:rPr lang="zh-CN" altLang="en-US" dirty="0"/>
-              <a:t>及</a:t>
-            </a:r>
-            <a:r>
-              <a:rPr lang="en-US" altLang="zh-CN" dirty="0" err="1"/>
-              <a:t>ip</a:t>
-            </a:r>
-            <a:r>
-              <a:rPr lang="zh-CN" altLang="en-US" dirty="0" smtClean="0"/>
-              <a:t>信息</a:t>
-            </a:r>
-            <a:endParaRPr lang="en-US" altLang="zh-CN" dirty="0"/>
-          </a:p>
-        </p:txBody>
-      </p:sp>
-      <p:sp>
-        <p:nvSpPr>
-          <p:cNvPr id="13" name="文本框 12"/>
-          <p:cNvSpPr txBox="1"/>
-          <p:nvPr/>
-        </p:nvSpPr>
-        <p:spPr>
-          <a:xfrm>
-            <a:off x="695541" y="2402395"/>
-            <a:ext cx="3012363" cy="369332"/>
-          </a:xfrm>
-          <a:prstGeom prst="rect">
-            <a:avLst/>
-          </a:prstGeom>
-          <a:noFill/>
-        </p:spPr>
-        <p:txBody>
-          <a:bodyPr wrap="none" rtlCol="0">
-            <a:spAutoFit/>
-          </a:bodyPr>
-          <a:lstStyle/>
-          <a:p>
-            <a:pPr marL="285750" indent="-285750">
-              <a:buFont typeface="Wingdings" panose="05000000000000000000" pitchFamily="2" charset="2"/>
-              <a:buChar char="ü"/>
-            </a:pPr>
-            <a:r>
-              <a:rPr lang="zh-CN" altLang="en-US" dirty="0"/>
-              <a:t>以机器序列号为识别</a:t>
-            </a:r>
-            <a:r>
-              <a:rPr lang="zh-CN" altLang="en-US" dirty="0" smtClean="0"/>
-              <a:t>标识</a:t>
-            </a:r>
-            <a:endParaRPr lang="en-US" altLang="zh-CN" dirty="0"/>
-          </a:p>
-        </p:txBody>
-      </p:sp>
-      <p:sp>
-        <p:nvSpPr>
-          <p:cNvPr id="14" name="文本框 13"/>
-          <p:cNvSpPr txBox="1"/>
-          <p:nvPr/>
-        </p:nvSpPr>
-        <p:spPr>
-          <a:xfrm>
-            <a:off x="687169" y="4218642"/>
-            <a:ext cx="5194051" cy="369332"/>
-          </a:xfrm>
-          <a:prstGeom prst="rect">
-            <a:avLst/>
-          </a:prstGeom>
-          <a:noFill/>
-        </p:spPr>
-        <p:txBody>
-          <a:bodyPr wrap="none" rtlCol="0">
-            <a:spAutoFit/>
-          </a:bodyPr>
-          <a:lstStyle/>
-          <a:p>
-            <a:pPr marL="285750" indent="-285750">
-              <a:buFont typeface="Wingdings" panose="05000000000000000000" pitchFamily="2" charset="2"/>
-              <a:buChar char="ü"/>
-            </a:pPr>
-            <a:r>
-              <a:rPr lang="en-US" altLang="zh-CN" dirty="0"/>
-              <a:t>config_bond.sh</a:t>
-            </a:r>
-            <a:r>
-              <a:rPr lang="zh-CN" altLang="en-US" dirty="0"/>
-              <a:t>根据</a:t>
-            </a:r>
-            <a:r>
-              <a:rPr lang="en-US" altLang="zh-CN" dirty="0"/>
-              <a:t>network.info</a:t>
-            </a:r>
-            <a:r>
-              <a:rPr lang="zh-CN" altLang="en-US" dirty="0"/>
-              <a:t>对网络进行设置</a:t>
-            </a:r>
-          </a:p>
-        </p:txBody>
-      </p:sp>
-      <p:sp>
-        <p:nvSpPr>
-          <p:cNvPr id="15" name="文本框 14"/>
-          <p:cNvSpPr txBox="1"/>
-          <p:nvPr/>
-        </p:nvSpPr>
-        <p:spPr>
-          <a:xfrm>
-            <a:off x="683568" y="3795886"/>
-            <a:ext cx="4888133" cy="369332"/>
-          </a:xfrm>
-          <a:prstGeom prst="rect">
-            <a:avLst/>
-          </a:prstGeom>
-          <a:noFill/>
-        </p:spPr>
-        <p:txBody>
-          <a:bodyPr wrap="none" rtlCol="0">
-            <a:spAutoFit/>
-          </a:bodyPr>
-          <a:lstStyle/>
-          <a:p>
-            <a:pPr marL="285750" indent="-285750">
-              <a:buFont typeface="Wingdings" panose="05000000000000000000" pitchFamily="2" charset="2"/>
-              <a:buChar char="ü"/>
-            </a:pPr>
-            <a:r>
-              <a:rPr lang="en-US" altLang="zh-CN" dirty="0"/>
-              <a:t>init_config.sh</a:t>
-            </a:r>
-            <a:r>
-              <a:rPr lang="zh-CN" altLang="en-US" dirty="0"/>
-              <a:t>根据</a:t>
-            </a:r>
-            <a:r>
-              <a:rPr lang="en-US" altLang="zh-CN" dirty="0" err="1"/>
-              <a:t>sn_ip.file</a:t>
-            </a:r>
-            <a:r>
-              <a:rPr lang="zh-CN" altLang="en-US" dirty="0"/>
-              <a:t>对主机名进行</a:t>
-            </a:r>
-            <a:r>
-              <a:rPr lang="zh-CN" altLang="en-US" dirty="0" smtClean="0"/>
-              <a:t>设置</a:t>
-            </a:r>
-            <a:endParaRPr lang="en-US" altLang="zh-CN" dirty="0"/>
-          </a:p>
-        </p:txBody>
-      </p:sp>
-    </p:spTree>
-    <p:extLst>
-      <p:ext uri="{BB962C8B-B14F-4D97-AF65-F5344CB8AC3E}">
-        <p14:creationId xmlns:p14="http://schemas.microsoft.com/office/powerpoint/2010/main" val="166738949"/>
       </p:ext>
     </p:extLst>
   </p:cSld>
@@ -9574,6 +10906,450 @@
         <p:spPr>
           <a:xfrm>
             <a:off x="395536" y="1419622"/>
+            <a:ext cx="2319866" cy="461665"/>
+          </a:xfrm>
+          <a:prstGeom prst="rect">
+            <a:avLst/>
+          </a:prstGeom>
+          <a:noFill/>
+        </p:spPr>
+        <p:txBody>
+          <a:bodyPr wrap="none" rtlCol="0">
+            <a:spAutoFit/>
+          </a:bodyPr>
+          <a:lstStyle/>
+          <a:p>
+            <a:pPr marL="285750" indent="-285750">
+              <a:buFont typeface="Arial" panose="020B0604020202020204" pitchFamily="34" charset="0"/>
+              <a:buChar char="•"/>
+            </a:pPr>
+            <a:r>
+              <a:rPr lang="zh-CN" altLang="en-US" sz="2400" dirty="0"/>
+              <a:t>批量网络设置</a:t>
+            </a:r>
+          </a:p>
+        </p:txBody>
+      </p:sp>
+      <p:sp>
+        <p:nvSpPr>
+          <p:cNvPr id="5" name="文本框 4"/>
+          <p:cNvSpPr txBox="1"/>
+          <p:nvPr/>
+        </p:nvSpPr>
+        <p:spPr>
+          <a:xfrm>
+            <a:off x="425511" y="2002349"/>
+            <a:ext cx="4002473" cy="400110"/>
+          </a:xfrm>
+          <a:prstGeom prst="rect">
+            <a:avLst/>
+          </a:prstGeom>
+          <a:noFill/>
+        </p:spPr>
+        <p:txBody>
+          <a:bodyPr wrap="square" rtlCol="0">
+            <a:spAutoFit/>
+          </a:bodyPr>
+          <a:lstStyle/>
+          <a:p>
+            <a:r>
+              <a:rPr lang="zh-CN" altLang="en-US" sz="2000" dirty="0" smtClean="0"/>
+              <a:t>开发了一些工具对网络等进行设置：</a:t>
+            </a:r>
+            <a:endParaRPr lang="en-US" altLang="zh-CN" sz="2000" dirty="0" smtClean="0"/>
+          </a:p>
+        </p:txBody>
+      </p:sp>
+      <p:pic>
+        <p:nvPicPr>
+          <p:cNvPr id="7" name="图片 6"/>
+          <p:cNvPicPr>
+            <a:picLocks noChangeAspect="1"/>
+          </p:cNvPicPr>
+          <p:nvPr/>
+        </p:nvPicPr>
+        <p:blipFill>
+          <a:blip r:embed="rId3"/>
+          <a:stretch>
+            <a:fillRect/>
+          </a:stretch>
+        </p:blipFill>
+        <p:spPr>
+          <a:xfrm>
+            <a:off x="4008861" y="1397090"/>
+            <a:ext cx="4963517" cy="390962"/>
+          </a:xfrm>
+          <a:prstGeom prst="rect">
+            <a:avLst/>
+          </a:prstGeom>
+        </p:spPr>
+      </p:pic>
+      <p:pic>
+        <p:nvPicPr>
+          <p:cNvPr id="9" name="图片 8"/>
+          <p:cNvPicPr>
+            <a:picLocks noChangeAspect="1"/>
+          </p:cNvPicPr>
+          <p:nvPr/>
+        </p:nvPicPr>
+        <p:blipFill>
+          <a:blip r:embed="rId4"/>
+          <a:stretch>
+            <a:fillRect/>
+          </a:stretch>
+        </p:blipFill>
+        <p:spPr>
+          <a:xfrm>
+            <a:off x="5227962" y="1985427"/>
+            <a:ext cx="3744416" cy="566640"/>
+          </a:xfrm>
+          <a:prstGeom prst="rect">
+            <a:avLst/>
+          </a:prstGeom>
+        </p:spPr>
+      </p:pic>
+      <p:pic>
+        <p:nvPicPr>
+          <p:cNvPr id="10" name="图片 9"/>
+          <p:cNvPicPr>
+            <a:picLocks noChangeAspect="1"/>
+          </p:cNvPicPr>
+          <p:nvPr/>
+        </p:nvPicPr>
+        <p:blipFill>
+          <a:blip r:embed="rId5"/>
+          <a:stretch>
+            <a:fillRect/>
+          </a:stretch>
+        </p:blipFill>
+        <p:spPr>
+          <a:xfrm>
+            <a:off x="5095761" y="2885112"/>
+            <a:ext cx="3868727" cy="687904"/>
+          </a:xfrm>
+          <a:prstGeom prst="rect">
+            <a:avLst/>
+          </a:prstGeom>
+        </p:spPr>
+      </p:pic>
+      <p:sp>
+        <p:nvSpPr>
+          <p:cNvPr id="11" name="文本框 10"/>
+          <p:cNvSpPr txBox="1"/>
+          <p:nvPr/>
+        </p:nvSpPr>
+        <p:spPr>
+          <a:xfrm>
+            <a:off x="683568" y="2643758"/>
+            <a:ext cx="4413452" cy="923330"/>
+          </a:xfrm>
+          <a:prstGeom prst="rect">
+            <a:avLst/>
+          </a:prstGeom>
+          <a:noFill/>
+        </p:spPr>
+        <p:txBody>
+          <a:bodyPr wrap="square" rtlCol="0">
+            <a:spAutoFit/>
+          </a:bodyPr>
+          <a:lstStyle/>
+          <a:p>
+            <a:pPr marL="285750" indent="-285750">
+              <a:lnSpc>
+                <a:spcPct val="150000"/>
+              </a:lnSpc>
+              <a:buFont typeface="Wingdings" panose="05000000000000000000" pitchFamily="2" charset="2"/>
+              <a:buChar char="ü"/>
+            </a:pPr>
+            <a:r>
+              <a:rPr lang="en-US" altLang="zh-CN" dirty="0" err="1"/>
+              <a:t>sn_ip.file</a:t>
+            </a:r>
+            <a:r>
+              <a:rPr lang="zh-CN" altLang="en-US" dirty="0"/>
+              <a:t>保存序列号、主机名及管理网</a:t>
+            </a:r>
+            <a:r>
+              <a:rPr lang="en-US" altLang="zh-CN" dirty="0" err="1"/>
+              <a:t>ip</a:t>
+            </a:r>
+            <a:r>
+              <a:rPr lang="zh-CN" altLang="en-US" dirty="0"/>
+              <a:t>间的映射</a:t>
+            </a:r>
+            <a:r>
+              <a:rPr lang="zh-CN" altLang="en-US" dirty="0" smtClean="0"/>
+              <a:t>关系</a:t>
+            </a:r>
+            <a:endParaRPr lang="en-US" altLang="zh-CN" dirty="0"/>
+          </a:p>
+        </p:txBody>
+      </p:sp>
+      <p:sp>
+        <p:nvSpPr>
+          <p:cNvPr id="12" name="文本框 11"/>
+          <p:cNvSpPr txBox="1"/>
+          <p:nvPr/>
+        </p:nvSpPr>
+        <p:spPr>
+          <a:xfrm>
+            <a:off x="683568" y="3435846"/>
+            <a:ext cx="4413452" cy="369332"/>
+          </a:xfrm>
+          <a:prstGeom prst="rect">
+            <a:avLst/>
+          </a:prstGeom>
+          <a:noFill/>
+        </p:spPr>
+        <p:txBody>
+          <a:bodyPr wrap="none" rtlCol="0">
+            <a:spAutoFit/>
+          </a:bodyPr>
+          <a:lstStyle/>
+          <a:p>
+            <a:pPr marL="285750" indent="-285750">
+              <a:buFont typeface="Wingdings" panose="05000000000000000000" pitchFamily="2" charset="2"/>
+              <a:buChar char="ü"/>
+            </a:pPr>
+            <a:r>
+              <a:rPr lang="en-US" altLang="zh-CN" dirty="0"/>
+              <a:t>network.info</a:t>
+            </a:r>
+            <a:r>
+              <a:rPr lang="zh-CN" altLang="en-US" dirty="0"/>
+              <a:t>保存各网卡、</a:t>
+            </a:r>
+            <a:r>
+              <a:rPr lang="en-US" altLang="zh-CN" dirty="0"/>
+              <a:t>bond</a:t>
+            </a:r>
+            <a:r>
+              <a:rPr lang="zh-CN" altLang="en-US" dirty="0"/>
+              <a:t>及</a:t>
+            </a:r>
+            <a:r>
+              <a:rPr lang="en-US" altLang="zh-CN" dirty="0" err="1"/>
+              <a:t>ip</a:t>
+            </a:r>
+            <a:r>
+              <a:rPr lang="zh-CN" altLang="en-US" dirty="0" smtClean="0"/>
+              <a:t>信息</a:t>
+            </a:r>
+            <a:endParaRPr lang="en-US" altLang="zh-CN" dirty="0"/>
+          </a:p>
+        </p:txBody>
+      </p:sp>
+      <p:sp>
+        <p:nvSpPr>
+          <p:cNvPr id="13" name="文本框 12"/>
+          <p:cNvSpPr txBox="1"/>
+          <p:nvPr/>
+        </p:nvSpPr>
+        <p:spPr>
+          <a:xfrm>
+            <a:off x="695541" y="2402395"/>
+            <a:ext cx="3012363" cy="369332"/>
+          </a:xfrm>
+          <a:prstGeom prst="rect">
+            <a:avLst/>
+          </a:prstGeom>
+          <a:noFill/>
+        </p:spPr>
+        <p:txBody>
+          <a:bodyPr wrap="none" rtlCol="0">
+            <a:spAutoFit/>
+          </a:bodyPr>
+          <a:lstStyle/>
+          <a:p>
+            <a:pPr marL="285750" indent="-285750">
+              <a:buFont typeface="Wingdings" panose="05000000000000000000" pitchFamily="2" charset="2"/>
+              <a:buChar char="ü"/>
+            </a:pPr>
+            <a:r>
+              <a:rPr lang="zh-CN" altLang="en-US" dirty="0"/>
+              <a:t>以机器序列号为识别</a:t>
+            </a:r>
+            <a:r>
+              <a:rPr lang="zh-CN" altLang="en-US" dirty="0" smtClean="0"/>
+              <a:t>标识</a:t>
+            </a:r>
+            <a:endParaRPr lang="en-US" altLang="zh-CN" dirty="0"/>
+          </a:p>
+        </p:txBody>
+      </p:sp>
+      <p:sp>
+        <p:nvSpPr>
+          <p:cNvPr id="14" name="文本框 13"/>
+          <p:cNvSpPr txBox="1"/>
+          <p:nvPr/>
+        </p:nvSpPr>
+        <p:spPr>
+          <a:xfrm>
+            <a:off x="687169" y="4218642"/>
+            <a:ext cx="5194051" cy="369332"/>
+          </a:xfrm>
+          <a:prstGeom prst="rect">
+            <a:avLst/>
+          </a:prstGeom>
+          <a:noFill/>
+        </p:spPr>
+        <p:txBody>
+          <a:bodyPr wrap="none" rtlCol="0">
+            <a:spAutoFit/>
+          </a:bodyPr>
+          <a:lstStyle/>
+          <a:p>
+            <a:pPr marL="285750" indent="-285750">
+              <a:buFont typeface="Wingdings" panose="05000000000000000000" pitchFamily="2" charset="2"/>
+              <a:buChar char="ü"/>
+            </a:pPr>
+            <a:r>
+              <a:rPr lang="en-US" altLang="zh-CN" dirty="0"/>
+              <a:t>config_bond.sh</a:t>
+            </a:r>
+            <a:r>
+              <a:rPr lang="zh-CN" altLang="en-US" dirty="0"/>
+              <a:t>根据</a:t>
+            </a:r>
+            <a:r>
+              <a:rPr lang="en-US" altLang="zh-CN" dirty="0"/>
+              <a:t>network.info</a:t>
+            </a:r>
+            <a:r>
+              <a:rPr lang="zh-CN" altLang="en-US" dirty="0"/>
+              <a:t>对网络进行设置</a:t>
+            </a:r>
+          </a:p>
+        </p:txBody>
+      </p:sp>
+      <p:sp>
+        <p:nvSpPr>
+          <p:cNvPr id="15" name="文本框 14"/>
+          <p:cNvSpPr txBox="1"/>
+          <p:nvPr/>
+        </p:nvSpPr>
+        <p:spPr>
+          <a:xfrm>
+            <a:off x="683568" y="3795886"/>
+            <a:ext cx="4888133" cy="369332"/>
+          </a:xfrm>
+          <a:prstGeom prst="rect">
+            <a:avLst/>
+          </a:prstGeom>
+          <a:noFill/>
+        </p:spPr>
+        <p:txBody>
+          <a:bodyPr wrap="none" rtlCol="0">
+            <a:spAutoFit/>
+          </a:bodyPr>
+          <a:lstStyle/>
+          <a:p>
+            <a:pPr marL="285750" indent="-285750">
+              <a:buFont typeface="Wingdings" panose="05000000000000000000" pitchFamily="2" charset="2"/>
+              <a:buChar char="ü"/>
+            </a:pPr>
+            <a:r>
+              <a:rPr lang="en-US" altLang="zh-CN" dirty="0"/>
+              <a:t>init_config.sh</a:t>
+            </a:r>
+            <a:r>
+              <a:rPr lang="zh-CN" altLang="en-US" dirty="0"/>
+              <a:t>根据</a:t>
+            </a:r>
+            <a:r>
+              <a:rPr lang="en-US" altLang="zh-CN" dirty="0" err="1"/>
+              <a:t>sn_ip.file</a:t>
+            </a:r>
+            <a:r>
+              <a:rPr lang="zh-CN" altLang="en-US" dirty="0"/>
+              <a:t>对主机名进行</a:t>
+            </a:r>
+            <a:r>
+              <a:rPr lang="zh-CN" altLang="en-US" dirty="0" smtClean="0"/>
+              <a:t>设置</a:t>
+            </a:r>
+            <a:endParaRPr lang="en-US" altLang="zh-CN" dirty="0"/>
+          </a:p>
+        </p:txBody>
+      </p:sp>
+    </p:spTree>
+    <p:extLst>
+      <p:ext uri="{BB962C8B-B14F-4D97-AF65-F5344CB8AC3E}">
+        <p14:creationId xmlns:p14="http://schemas.microsoft.com/office/powerpoint/2010/main" val="166738949"/>
+      </p:ext>
+    </p:extLst>
+  </p:cSld>
+  <p:clrMapOvr>
+    <a:masterClrMapping/>
+  </p:clrMapOvr>
+  <p:timing>
+    <p:tnLst>
+      <p:par>
+        <p:cTn id="1" dur="indefinite" restart="never" nodeType="tmRoot"/>
+      </p:par>
+    </p:tnLst>
+  </p:timing>
+</p:sld>
+</file>
+
+<file path=ppt/slides/slide9.xml><?xml version="1.0" encoding="utf-8"?>
+<p:sld xmlns:a="http://schemas.openxmlformats.org/drawingml/2006/main" xmlns:r="http://schemas.openxmlformats.org/officeDocument/2006/relationships" xmlns:p="http://schemas.openxmlformats.org/presentationml/2006/main">
+  <p:cSld>
+    <p:spTree>
+      <p:nvGrpSpPr>
+        <p:cNvPr id="1" name=""/>
+        <p:cNvGrpSpPr/>
+        <p:nvPr/>
+      </p:nvGrpSpPr>
+      <p:grpSpPr>
+        <a:xfrm>
+          <a:off x="0" y="0"/>
+          <a:ext cx="0" cy="0"/>
+          <a:chOff x="0" y="0"/>
+          <a:chExt cx="0" cy="0"/>
+        </a:xfrm>
+      </p:grpSpPr>
+      <p:sp>
+        <p:nvSpPr>
+          <p:cNvPr id="6" name="标题 3"/>
+          <p:cNvSpPr>
+            <a:spLocks noGrp="1"/>
+          </p:cNvSpPr>
+          <p:nvPr>
+            <p:ph type="title"/>
+          </p:nvPr>
+        </p:nvSpPr>
+        <p:spPr>
+          <a:xfrm>
+            <a:off x="251520" y="195486"/>
+            <a:ext cx="7772400" cy="1021556"/>
+          </a:xfrm>
+        </p:spPr>
+        <p:txBody>
+          <a:bodyPr/>
+          <a:lstStyle/>
+          <a:p>
+            <a:r>
+              <a:rPr lang="en-US" altLang="zh-CN" dirty="0" err="1" smtClean="0"/>
+              <a:t>Openstack</a:t>
+            </a:r>
+            <a:r>
+              <a:rPr lang="zh-CN" altLang="en-US" dirty="0" smtClean="0"/>
+              <a:t>组件容器化部署</a:t>
+            </a:r>
+            <a:endParaRPr lang="zh-CN" altLang="en-US" dirty="0"/>
+          </a:p>
+        </p:txBody>
+      </p:sp>
+      <p:sp>
+        <p:nvSpPr>
+          <p:cNvPr id="3" name="文本框 2"/>
+          <p:cNvSpPr txBox="1"/>
+          <p:nvPr/>
+        </p:nvSpPr>
+        <p:spPr>
+          <a:xfrm>
+            <a:off x="395536" y="1419622"/>
             <a:ext cx="3598293" cy="461665"/>
           </a:xfrm>
           <a:prstGeom prst="rect">
@@ -9641,7 +11417,7 @@
           <p:nvPr/>
         </p:nvPicPr>
         <p:blipFill>
-          <a:blip r:embed="rId2"/>
+          <a:blip r:embed="rId3"/>
           <a:stretch>
             <a:fillRect/>
           </a:stretch>
@@ -9665,7 +11441,7 @@
           <p:nvPr/>
         </p:nvPicPr>
         <p:blipFill>
-          <a:blip r:embed="rId3"/>
+          <a:blip r:embed="rId4"/>
           <a:stretch>
             <a:fillRect/>
           </a:stretch>
@@ -9700,162 +11476,6 @@
 </p:sld>
 </file>
 
-<file path=ppt/slides/slide9.xml><?xml version="1.0" encoding="utf-8"?>
-<p:sld xmlns:a="http://schemas.openxmlformats.org/drawingml/2006/main" xmlns:r="http://schemas.openxmlformats.org/officeDocument/2006/relationships" xmlns:p="http://schemas.openxmlformats.org/presentationml/2006/main">
-  <p:cSld>
-    <p:spTree>
-      <p:nvGrpSpPr>
-        <p:cNvPr id="1" name=""/>
-        <p:cNvGrpSpPr/>
-        <p:nvPr/>
-      </p:nvGrpSpPr>
-      <p:grpSpPr>
-        <a:xfrm>
-          <a:off x="0" y="0"/>
-          <a:ext cx="0" cy="0"/>
-          <a:chOff x="0" y="0"/>
-          <a:chExt cx="0" cy="0"/>
-        </a:xfrm>
-      </p:grpSpPr>
-      <p:sp>
-        <p:nvSpPr>
-          <p:cNvPr id="6" name="标题 3"/>
-          <p:cNvSpPr>
-            <a:spLocks noGrp="1"/>
-          </p:cNvSpPr>
-          <p:nvPr>
-            <p:ph type="title"/>
-          </p:nvPr>
-        </p:nvSpPr>
-        <p:spPr>
-          <a:xfrm>
-            <a:off x="251520" y="195486"/>
-            <a:ext cx="7772400" cy="1021556"/>
-          </a:xfrm>
-        </p:spPr>
-        <p:txBody>
-          <a:bodyPr/>
-          <a:lstStyle/>
-          <a:p>
-            <a:r>
-              <a:rPr lang="en-US" altLang="zh-CN" dirty="0" err="1" smtClean="0"/>
-              <a:t>Openstack</a:t>
-            </a:r>
-            <a:r>
-              <a:rPr lang="zh-CN" altLang="en-US" dirty="0" smtClean="0"/>
-              <a:t>组件容器化部署</a:t>
-            </a:r>
-            <a:endParaRPr lang="zh-CN" altLang="en-US" dirty="0"/>
-          </a:p>
-        </p:txBody>
-      </p:sp>
-      <p:sp>
-        <p:nvSpPr>
-          <p:cNvPr id="3" name="文本框 2"/>
-          <p:cNvSpPr txBox="1"/>
-          <p:nvPr/>
-        </p:nvSpPr>
-        <p:spPr>
-          <a:xfrm>
-            <a:off x="395536" y="1419622"/>
-            <a:ext cx="2319866" cy="461665"/>
-          </a:xfrm>
-          <a:prstGeom prst="rect">
-            <a:avLst/>
-          </a:prstGeom>
-          <a:noFill/>
-        </p:spPr>
-        <p:txBody>
-          <a:bodyPr wrap="none" rtlCol="0">
-            <a:spAutoFit/>
-          </a:bodyPr>
-          <a:lstStyle/>
-          <a:p>
-            <a:pPr marL="285750" indent="-285750">
-              <a:buFont typeface="Arial" panose="020B0604020202020204" pitchFamily="34" charset="0"/>
-              <a:buChar char="•"/>
-            </a:pPr>
-            <a:r>
-              <a:rPr lang="zh-CN" altLang="en-US" sz="2400" dirty="0"/>
-              <a:t>系统安全加固</a:t>
-            </a:r>
-          </a:p>
-        </p:txBody>
-      </p:sp>
-      <p:sp>
-        <p:nvSpPr>
-          <p:cNvPr id="4" name="文本框 3"/>
-          <p:cNvSpPr txBox="1"/>
-          <p:nvPr/>
-        </p:nvSpPr>
-        <p:spPr>
-          <a:xfrm>
-            <a:off x="755576" y="2274426"/>
-            <a:ext cx="1872208" cy="1477328"/>
-          </a:xfrm>
-          <a:prstGeom prst="rect">
-            <a:avLst/>
-          </a:prstGeom>
-          <a:noFill/>
-        </p:spPr>
-        <p:txBody>
-          <a:bodyPr wrap="square" rtlCol="0">
-            <a:spAutoFit/>
-          </a:bodyPr>
-          <a:lstStyle/>
-          <a:p>
-            <a:r>
-              <a:rPr lang="zh-CN" altLang="en-US" dirty="0" smtClean="0"/>
-              <a:t>我们不仅在镜像层面进行了安全加固，在操作系统层面也进行了加固。</a:t>
-            </a:r>
-            <a:endParaRPr lang="zh-CN" altLang="en-US" dirty="0"/>
-          </a:p>
-        </p:txBody>
-      </p:sp>
-      <p:pic>
-        <p:nvPicPr>
-          <p:cNvPr id="5" name="图片 4"/>
-          <p:cNvPicPr>
-            <a:picLocks noChangeAspect="1"/>
-          </p:cNvPicPr>
-          <p:nvPr/>
-        </p:nvPicPr>
-        <p:blipFill>
-          <a:blip r:embed="rId2"/>
-          <a:stretch>
-            <a:fillRect/>
-          </a:stretch>
-        </p:blipFill>
-        <p:spPr>
-          <a:xfrm>
-            <a:off x="3131840" y="1563638"/>
-            <a:ext cx="5496011" cy="2483912"/>
-          </a:xfrm>
-          <a:prstGeom prst="rect">
-            <a:avLst/>
-          </a:prstGeom>
-        </p:spPr>
-      </p:pic>
-    </p:spTree>
-    <p:extLst>
-      <p:ext uri="{BB962C8B-B14F-4D97-AF65-F5344CB8AC3E}">
-        <p14:creationId xmlns:p14="http://schemas.microsoft.com/office/powerpoint/2010/main" val="2292971486"/>
-      </p:ext>
-    </p:extLst>
-  </p:cSld>
-  <p:clrMapOvr>
-    <a:masterClrMapping/>
-  </p:clrMapOvr>
-  <p:timing>
-    <p:tnLst>
-      <p:par>
-        <p:cTn id="1" dur="indefinite" restart="never" nodeType="tmRoot"/>
-      </p:par>
-    </p:tnLst>
-  </p:timing>
-</p:sld>
-</file>
-
 <file path=ppt/theme/theme1.xml><?xml version="1.0" encoding="utf-8"?>
 <a:theme xmlns:a="http://schemas.openxmlformats.org/drawingml/2006/main" name="Office 主题">
   <a:themeElements>
@@ -9864,7 +11484,7 @@
         <a:sysClr val="windowText" lastClr="000000"/>
       </a:dk1>
       <a:lt1>
-        <a:sysClr val="window" lastClr="FFFFFF"/>
+        <a:sysClr val="window" lastClr="CEEACA"/>
       </a:lt1>
       <a:dk2>
         <a:srgbClr val="1F497D"/>
@@ -10147,7 +11767,7 @@
         <a:sysClr val="windowText" lastClr="000000"/>
       </a:dk1>
       <a:lt1>
-        <a:sysClr val="window" lastClr="FFFFFF"/>
+        <a:sysClr val="window" lastClr="CEEACA"/>
       </a:lt1>
       <a:dk2>
         <a:srgbClr val="44546A"/>

--- a/OpenStack容器化持续集成与交付实践方案.pptx
+++ b/OpenStack容器化持续集成与交付实践方案.pptx
@@ -5,7 +5,7 @@
     <p:sldMasterId id="2147483648" r:id="rId1"/>
   </p:sldMasterIdLst>
   <p:notesMasterIdLst>
-    <p:notesMasterId r:id="rId20"/>
+    <p:notesMasterId r:id="rId28"/>
   </p:notesMasterIdLst>
   <p:sldIdLst>
     <p:sldId id="256" r:id="rId2"/>
@@ -19,13 +19,21 @@
     <p:sldId id="280" r:id="rId10"/>
     <p:sldId id="281" r:id="rId11"/>
     <p:sldId id="283" r:id="rId12"/>
-    <p:sldId id="266" r:id="rId13"/>
-    <p:sldId id="270" r:id="rId14"/>
-    <p:sldId id="263" r:id="rId15"/>
-    <p:sldId id="272" r:id="rId16"/>
-    <p:sldId id="273" r:id="rId17"/>
-    <p:sldId id="271" r:id="rId18"/>
-    <p:sldId id="259" r:id="rId19"/>
+    <p:sldId id="284" r:id="rId13"/>
+    <p:sldId id="266" r:id="rId14"/>
+    <p:sldId id="270" r:id="rId15"/>
+    <p:sldId id="263" r:id="rId16"/>
+    <p:sldId id="272" r:id="rId17"/>
+    <p:sldId id="273" r:id="rId18"/>
+    <p:sldId id="271" r:id="rId19"/>
+    <p:sldId id="285" r:id="rId20"/>
+    <p:sldId id="286" r:id="rId21"/>
+    <p:sldId id="287" r:id="rId22"/>
+    <p:sldId id="288" r:id="rId23"/>
+    <p:sldId id="289" r:id="rId24"/>
+    <p:sldId id="290" r:id="rId25"/>
+    <p:sldId id="291" r:id="rId26"/>
+    <p:sldId id="259" r:id="rId27"/>
   </p:sldIdLst>
   <p:sldSz cx="9144000" cy="5143500" type="screen16x9"/>
   <p:notesSz cx="6858000" cy="9144000"/>
@@ -225,7 +233,7 @@
           <a:p>
             <a:fld id="{73B0515F-9AD3-4D2F-A2F2-4424ABF2C5B6}" type="datetimeFigureOut">
               <a:rPr lang="zh-CN" altLang="en-US" smtClean="0"/>
-              <a:t>2018/6/7</a:t>
+              <a:t>2018/6/8</a:t>
             </a:fld>
             <a:endParaRPr lang="zh-CN" altLang="en-US"/>
           </a:p>
@@ -869,15 +877,7 @@
             </a:r>
             <a:r>
               <a:rPr lang="zh-CN" altLang="en-US" dirty="0" smtClean="0"/>
-              <a:t>产品化过程中，以企业级、大批量、成熟可靠、简单易用的部署工具为目标</a:t>
-            </a:r>
-            <a:r>
-              <a:rPr lang="zh-CN" altLang="en-US" dirty="0" smtClean="0"/>
-              <a:t>，重点关注稳定性</a:t>
-            </a:r>
-            <a:r>
-              <a:rPr lang="zh-CN" altLang="en-US" dirty="0" smtClean="0"/>
-              <a:t>和高效性。与此同时，社区中有关</a:t>
+              <a:t>产品化过程中，以企业级、大批量、成熟可靠、简单易用的部署工具为目标，重点关注稳定性和高效性。与此同时，社区中有关</a:t>
             </a:r>
             <a:r>
               <a:rPr lang="en-US" altLang="zh-CN" dirty="0" smtClean="0"/>
@@ -991,122 +991,268 @@
           <a:lstStyle/>
           <a:p>
             <a:r>
-              <a:rPr lang="en-US" altLang="zh-CN" dirty="0" smtClean="0"/>
-              <a:t>2 min</a:t>
-            </a:r>
-          </a:p>
-          <a:p>
-            <a:pPr marL="228600" indent="-228600">
-              <a:buAutoNum type="arabicPeriod"/>
-            </a:pPr>
-            <a:r>
-              <a:rPr lang="zh-CN" altLang="en-US" dirty="0" smtClean="0"/>
-              <a:t>先大概介绍</a:t>
+              <a:rPr lang="zh-CN" altLang="en-US" dirty="0" smtClean="0"/>
+              <a:t>感谢来自浪潮的李红卫工程师给我们带来的</a:t>
+            </a:r>
+            <a:r>
+              <a:rPr lang="en-US" altLang="zh-CN" dirty="0" smtClean="0"/>
+              <a:t>OpenStack</a:t>
+            </a:r>
+            <a:r>
+              <a:rPr lang="zh-CN" altLang="en-US" dirty="0" smtClean="0"/>
+              <a:t>容器化部署产品化之路。下面我来介绍一下北京中铁信在</a:t>
+            </a:r>
+            <a:r>
+              <a:rPr lang="en-US" altLang="zh-CN" dirty="0" smtClean="0"/>
+              <a:t>PaaS</a:t>
+            </a:r>
+            <a:r>
+              <a:rPr lang="zh-CN" altLang="en-US" dirty="0" smtClean="0"/>
+              <a:t>平台</a:t>
             </a:r>
             <a:r>
               <a:rPr lang="en-US" altLang="zh-CN" dirty="0" err="1" smtClean="0"/>
-              <a:t>kubernetes</a:t>
+              <a:t>openshift</a:t>
+            </a:r>
+            <a:r>
+              <a:rPr lang="zh-CN" altLang="en-US" dirty="0" smtClean="0"/>
+              <a:t>上部署</a:t>
+            </a:r>
+            <a:r>
+              <a:rPr lang="en-US" altLang="zh-CN" dirty="0" smtClean="0"/>
+              <a:t>OpenStack</a:t>
+            </a:r>
+            <a:r>
+              <a:rPr lang="zh-CN" altLang="en-US" dirty="0" smtClean="0"/>
+              <a:t>的探索方案。</a:t>
             </a:r>
             <a:endParaRPr lang="en-US" altLang="zh-CN" dirty="0" smtClean="0"/>
           </a:p>
           <a:p>
-            <a:pPr marL="228600" indent="-228600">
-              <a:buAutoNum type="arabicPeriod"/>
-            </a:pPr>
-            <a:r>
-              <a:rPr lang="en-US" altLang="zh-CN" dirty="0" smtClean="0"/>
-              <a:t>Kubernetes</a:t>
-            </a:r>
-            <a:r>
-              <a:rPr lang="zh-CN" altLang="en-US" dirty="0" smtClean="0"/>
-              <a:t>与</a:t>
-            </a:r>
-            <a:r>
-              <a:rPr lang="en-US" altLang="zh-CN" dirty="0" smtClean="0"/>
-              <a:t>OpenStack</a:t>
-            </a:r>
-            <a:r>
-              <a:rPr lang="zh-CN" altLang="en-US" dirty="0" smtClean="0"/>
-              <a:t>结合</a:t>
+            <a:r>
+              <a:rPr lang="zh-CN" altLang="en-US" dirty="0" smtClean="0"/>
+              <a:t>首先介绍一下传统的</a:t>
+            </a:r>
+            <a:r>
+              <a:rPr lang="en-US" altLang="zh-CN" dirty="0" smtClean="0"/>
+              <a:t>CI/CD</a:t>
+            </a:r>
+            <a:r>
+              <a:rPr lang="zh-CN" altLang="en-US" dirty="0" smtClean="0"/>
+              <a:t>流程，这张图就是我们公司原有的</a:t>
+            </a:r>
+            <a:r>
+              <a:rPr lang="en-US" altLang="zh-CN" dirty="0" smtClean="0"/>
+              <a:t>CI/CD</a:t>
+            </a:r>
+            <a:r>
+              <a:rPr lang="zh-CN" altLang="en-US" dirty="0" smtClean="0"/>
+              <a:t>流程，基于</a:t>
+            </a:r>
+            <a:r>
+              <a:rPr lang="en-US" altLang="zh-CN" dirty="0" err="1" smtClean="0"/>
+              <a:t>jenkins+shell</a:t>
+            </a:r>
+            <a:r>
+              <a:rPr lang="zh-CN" altLang="en-US" dirty="0" smtClean="0"/>
+              <a:t>脚本实现。过程如下：</a:t>
             </a:r>
             <a:endParaRPr lang="en-US" altLang="zh-CN" dirty="0" smtClean="0"/>
           </a:p>
           <a:p>
             <a:r>
-              <a:rPr lang="zh-CN" altLang="en-US" dirty="0" smtClean="0"/>
-              <a:t>作为应用程序运行：天然的使用</a:t>
+              <a:rPr lang="en-US" altLang="zh-CN" dirty="0" smtClean="0"/>
+              <a:t>1.Git server</a:t>
+            </a:r>
+            <a:r>
+              <a:rPr lang="zh-CN" altLang="en-US" dirty="0" smtClean="0"/>
+              <a:t>中有代码更新操作时，触发</a:t>
             </a:r>
             <a:r>
               <a:rPr lang="en-US" altLang="zh-CN" dirty="0" err="1" smtClean="0"/>
-              <a:t>kubernetes</a:t>
-            </a:r>
-            <a:r>
-              <a:rPr lang="zh-CN" altLang="en-US" dirty="0" smtClean="0"/>
-              <a:t>提供的各种功能</a:t>
-            </a:r>
-            <a:endParaRPr lang="en-US" altLang="zh-CN" dirty="0" smtClean="0"/>
-          </a:p>
-          <a:p>
-            <a:r>
-              <a:rPr lang="en-US" altLang="zh-CN" dirty="0" err="1" smtClean="0"/>
-              <a:t>Openstack</a:t>
-            </a:r>
-            <a:r>
-              <a:rPr lang="en-US" altLang="zh-CN" dirty="0" smtClean="0"/>
-              <a:t> </a:t>
-            </a:r>
-            <a:r>
-              <a:rPr lang="zh-CN" altLang="en-US" dirty="0" smtClean="0"/>
-              <a:t>利用</a:t>
-            </a:r>
-            <a:r>
-              <a:rPr lang="en-US" altLang="zh-CN" dirty="0" smtClean="0"/>
-              <a:t>PAAS</a:t>
-            </a:r>
-            <a:r>
-              <a:rPr lang="zh-CN" altLang="en-US" dirty="0" smtClean="0"/>
-              <a:t>平台的容器管理功能，健康检查、弹性伸缩、部署策略、节点调度、利用</a:t>
-            </a:r>
-            <a:r>
-              <a:rPr lang="en-US" altLang="zh-CN" dirty="0" smtClean="0"/>
-              <a:t>pipeline</a:t>
-            </a:r>
-            <a:r>
-              <a:rPr lang="zh-CN" altLang="en-US" dirty="0" smtClean="0"/>
-              <a:t>实现</a:t>
-            </a:r>
-            <a:r>
-              <a:rPr lang="en-US" altLang="zh-CN" dirty="0" smtClean="0"/>
-              <a:t>CI/CD</a:t>
-            </a:r>
-            <a:r>
-              <a:rPr lang="zh-CN" altLang="en-US" dirty="0" smtClean="0"/>
-              <a:t>，提高开发运维效率</a:t>
-            </a:r>
-            <a:endParaRPr lang="en-US" altLang="zh-CN" dirty="0" smtClean="0"/>
-          </a:p>
-          <a:p>
-            <a:r>
-              <a:rPr lang="en-US" altLang="zh-CN" dirty="0" smtClean="0"/>
-              <a:t>Kubernetes </a:t>
-            </a:r>
-            <a:r>
-              <a:rPr lang="zh-CN" altLang="en-US" dirty="0" smtClean="0"/>
-              <a:t>利用 </a:t>
+              <a:t>webhook</a:t>
+            </a:r>
+            <a:r>
+              <a:rPr lang="zh-CN" altLang="en-US" dirty="0" smtClean="0"/>
+              <a:t>，告知</a:t>
+            </a:r>
+            <a:r>
+              <a:rPr lang="en-US" altLang="zh-CN" dirty="0" smtClean="0"/>
+              <a:t>Jenkins</a:t>
+            </a:r>
+          </a:p>
+          <a:p>
+            <a:r>
+              <a:rPr lang="en-US" altLang="zh-CN" dirty="0" smtClean="0"/>
+              <a:t>2.Jenkins</a:t>
+            </a:r>
+            <a:r>
+              <a:rPr lang="zh-CN" altLang="en-US" dirty="0" smtClean="0"/>
+              <a:t>制定策略校验有更新的</a:t>
             </a:r>
             <a:r>
               <a:rPr lang="en-US" altLang="zh-CN" dirty="0" err="1" smtClean="0"/>
               <a:t>openstack</a:t>
             </a:r>
             <a:r>
-              <a:rPr lang="en-US" altLang="zh-CN" baseline="0" dirty="0" smtClean="0"/>
-              <a:t> </a:t>
-            </a:r>
-            <a:r>
-              <a:rPr lang="zh-CN" altLang="en-US" baseline="0" dirty="0" smtClean="0"/>
-              <a:t>裸机管理功能实现对裸机设备的纳管</a:t>
+              <a:rPr lang="zh-CN" altLang="en-US" dirty="0" smtClean="0"/>
+              <a:t>组件，并记录在服务更新目录中</a:t>
             </a:r>
             <a:endParaRPr lang="en-US" altLang="zh-CN" dirty="0" smtClean="0"/>
+          </a:p>
+          <a:p>
+            <a:r>
+              <a:rPr lang="en-US" altLang="zh-CN" dirty="0" smtClean="0"/>
+              <a:t>3.</a:t>
+            </a:r>
+            <a:r>
+              <a:rPr lang="zh-CN" altLang="en-US" dirty="0" smtClean="0"/>
+              <a:t>外部主机上设置定时任务定时检查服务更新目录中的组件更新。</a:t>
+            </a:r>
+            <a:endParaRPr lang="en-US" altLang="zh-CN" dirty="0" smtClean="0"/>
+          </a:p>
+          <a:p>
+            <a:r>
+              <a:rPr lang="en-US" altLang="zh-CN" dirty="0" smtClean="0"/>
+              <a:t>4.</a:t>
+            </a:r>
+            <a:r>
+              <a:rPr lang="zh-CN" altLang="en-US" dirty="0" smtClean="0"/>
+              <a:t>当有新的更新时执行</a:t>
+            </a:r>
+            <a:r>
+              <a:rPr lang="en-US" altLang="zh-CN" dirty="0" err="1" smtClean="0"/>
+              <a:t>kolla</a:t>
+            </a:r>
+            <a:r>
+              <a:rPr lang="zh-CN" altLang="en-US" dirty="0" smtClean="0"/>
+              <a:t>命令进行代码的打包、构建、上传操作</a:t>
+            </a:r>
+            <a:endParaRPr lang="en-US" altLang="zh-CN" dirty="0" smtClean="0"/>
+          </a:p>
+          <a:p>
+            <a:r>
+              <a:rPr lang="en-US" altLang="zh-CN" dirty="0" smtClean="0"/>
+              <a:t>5.</a:t>
+            </a:r>
+            <a:r>
+              <a:rPr lang="zh-CN" altLang="en-US" dirty="0" smtClean="0"/>
+              <a:t>镜像上传完成后执行</a:t>
+            </a:r>
+            <a:r>
+              <a:rPr lang="en-US" altLang="zh-CN" dirty="0" err="1" smtClean="0"/>
+              <a:t>kolla-ansible</a:t>
+            </a:r>
+            <a:r>
+              <a:rPr lang="zh-CN" altLang="en-US" dirty="0" smtClean="0"/>
+              <a:t>命令，进行</a:t>
+            </a:r>
+            <a:r>
+              <a:rPr lang="en-US" altLang="zh-CN" dirty="0" err="1" smtClean="0"/>
+              <a:t>openstack</a:t>
+            </a:r>
+            <a:r>
+              <a:rPr lang="zh-CN" altLang="en-US" dirty="0" smtClean="0"/>
+              <a:t>集群的部署</a:t>
+            </a:r>
+            <a:endParaRPr lang="en-US" altLang="zh-CN" dirty="0" smtClean="0"/>
+          </a:p>
+          <a:p>
+            <a:r>
+              <a:rPr lang="zh-CN" altLang="en-US" dirty="0" smtClean="0"/>
+              <a:t>问题：</a:t>
+            </a:r>
+            <a:endParaRPr lang="en-US" altLang="zh-CN" dirty="0" smtClean="0"/>
+          </a:p>
+          <a:p>
+            <a:r>
+              <a:rPr lang="en-US" altLang="zh-CN" dirty="0" smtClean="0"/>
+              <a:t>1.</a:t>
+            </a:r>
+            <a:r>
+              <a:rPr lang="zh-CN" altLang="en-US" dirty="0" smtClean="0"/>
+              <a:t>操作跨</a:t>
+            </a:r>
+            <a:r>
+              <a:rPr lang="en-US" altLang="zh-CN" dirty="0" smtClean="0"/>
+              <a:t>Jenkins</a:t>
+            </a:r>
+            <a:r>
+              <a:rPr lang="zh-CN" altLang="en-US" dirty="0" smtClean="0"/>
+              <a:t>，不能统一管理。</a:t>
+            </a:r>
+            <a:endParaRPr lang="en-US" altLang="zh-CN" dirty="0" smtClean="0"/>
+          </a:p>
+          <a:p>
+            <a:r>
+              <a:rPr lang="en-US" altLang="zh-CN" dirty="0" smtClean="0"/>
+              <a:t>2.</a:t>
+            </a:r>
+            <a:r>
+              <a:rPr lang="zh-CN" altLang="en-US" dirty="0" smtClean="0"/>
+              <a:t>完全基于</a:t>
+            </a:r>
+            <a:r>
+              <a:rPr lang="en-US" altLang="zh-CN" dirty="0" smtClean="0"/>
+              <a:t>shell</a:t>
+            </a:r>
+            <a:r>
+              <a:rPr lang="zh-CN" altLang="en-US" dirty="0" smtClean="0"/>
+              <a:t>脚本，从头开始，没有规范没有参考</a:t>
+            </a:r>
+            <a:endParaRPr lang="en-US" altLang="zh-CN" dirty="0" smtClean="0"/>
+          </a:p>
+          <a:p>
+            <a:r>
+              <a:rPr lang="en-US" altLang="zh-CN" dirty="0" smtClean="0"/>
+              <a:t>3.</a:t>
+            </a:r>
+            <a:r>
+              <a:rPr lang="zh-CN" altLang="en-US" dirty="0" smtClean="0"/>
+              <a:t>构建依赖定时任务，不具真正意义上</a:t>
+            </a:r>
+            <a:r>
+              <a:rPr lang="en-US" altLang="zh-CN" dirty="0" smtClean="0"/>
+              <a:t>CI/CD</a:t>
+            </a:r>
+            <a:r>
+              <a:rPr lang="zh-CN" altLang="en-US" dirty="0" smtClean="0"/>
+              <a:t>流程。</a:t>
+            </a:r>
+            <a:endParaRPr lang="en-US" altLang="zh-CN" dirty="0" smtClean="0"/>
+          </a:p>
+          <a:p>
+            <a:r>
+              <a:rPr lang="en-US" altLang="zh-CN" dirty="0" smtClean="0"/>
+              <a:t>4.</a:t>
+            </a:r>
+            <a:r>
+              <a:rPr lang="zh-CN" altLang="en-US" dirty="0" smtClean="0"/>
+              <a:t>没有版本控制，无法进行版本的升级和回滚。</a:t>
+            </a:r>
+            <a:endParaRPr lang="en-US" altLang="zh-CN" dirty="0" smtClean="0"/>
+          </a:p>
+          <a:p>
+            <a:r>
+              <a:rPr lang="en-US" altLang="zh-CN" dirty="0" smtClean="0"/>
+              <a:t>5.</a:t>
+            </a:r>
+            <a:r>
+              <a:rPr lang="zh-CN" altLang="en-US" dirty="0" smtClean="0"/>
+              <a:t>部署后的</a:t>
+            </a:r>
+            <a:r>
+              <a:rPr lang="en-US" altLang="zh-CN" dirty="0" smtClean="0"/>
+              <a:t>OpenStack</a:t>
+            </a:r>
+            <a:r>
+              <a:rPr lang="zh-CN" altLang="en-US" dirty="0" smtClean="0"/>
+              <a:t>组件缺少监控支持。</a:t>
+            </a:r>
+            <a:endParaRPr lang="en-US" altLang="zh-CN" dirty="0" smtClean="0"/>
+          </a:p>
+          <a:p>
+            <a:endParaRPr lang="zh-CN" altLang="en-US" dirty="0"/>
           </a:p>
         </p:txBody>
       </p:sp>
@@ -1136,7 +1282,7 @@
     </p:spTree>
     <p:extLst>
       <p:ext uri="{BB962C8B-B14F-4D97-AF65-F5344CB8AC3E}">
-        <p14:creationId xmlns:p14="http://schemas.microsoft.com/office/powerpoint/2010/main" val="3280576656"/>
+        <p14:creationId xmlns:p14="http://schemas.microsoft.com/office/powerpoint/2010/main" val="82970127"/>
       </p:ext>
     </p:extLst>
   </p:cSld>
@@ -1190,274 +1336,113 @@
           <a:bodyPr/>
           <a:lstStyle/>
           <a:p>
-            <a:pPr marL="0" marR="0" lvl="0" indent="0" algn="l" defTabSz="914400" rtl="0" eaLnBrk="1" fontAlgn="auto" latinLnBrk="0" hangingPunct="1">
-              <a:lnSpc>
-                <a:spcPct val="100000"/>
-              </a:lnSpc>
-              <a:spcBef>
-                <a:spcPts val="0"/>
-              </a:spcBef>
-              <a:spcAft>
-                <a:spcPts val="0"/>
-              </a:spcAft>
-              <a:buClrTx/>
-              <a:buSzTx/>
-              <a:buFontTx/>
-              <a:buNone/>
-              <a:tabLst/>
-              <a:defRPr/>
+            <a:r>
+              <a:rPr lang="en-US" altLang="zh-CN" dirty="0" smtClean="0"/>
+              <a:t>2 min</a:t>
+            </a:r>
+          </a:p>
+          <a:p>
+            <a:pPr marL="228600" indent="-228600">
+              <a:buAutoNum type="arabicPeriod"/>
             </a:pPr>
             <a:r>
-              <a:rPr lang="en-US" altLang="zh-CN" dirty="0" smtClean="0"/>
-              <a:t>3 min </a:t>
+              <a:rPr lang="zh-CN" altLang="en-US" dirty="0" smtClean="0"/>
+              <a:t>先大概介绍</a:t>
             </a:r>
             <a:r>
               <a:rPr lang="en-US" altLang="zh-CN" dirty="0" err="1" smtClean="0"/>
-              <a:t>kolla-kubernetes</a:t>
-            </a:r>
-            <a:r>
-              <a:rPr lang="zh-CN" altLang="en-US" dirty="0" smtClean="0"/>
-              <a:t>结构分析</a:t>
+              <a:t>kubernetes</a:t>
             </a:r>
             <a:endParaRPr lang="en-US" altLang="zh-CN" dirty="0" smtClean="0"/>
           </a:p>
           <a:p>
+            <a:pPr marL="228600" indent="-228600">
+              <a:buAutoNum type="arabicPeriod"/>
+            </a:pPr>
+            <a:r>
+              <a:rPr lang="en-US" altLang="zh-CN" dirty="0" smtClean="0"/>
+              <a:t>Kubernetes</a:t>
+            </a:r>
+            <a:r>
+              <a:rPr lang="zh-CN" altLang="en-US" dirty="0" smtClean="0"/>
+              <a:t>与</a:t>
+            </a:r>
+            <a:r>
+              <a:rPr lang="en-US" altLang="zh-CN" dirty="0" smtClean="0"/>
+              <a:t>OpenStack</a:t>
+            </a:r>
+            <a:r>
+              <a:rPr lang="zh-CN" altLang="en-US" dirty="0" smtClean="0"/>
+              <a:t>结合</a:t>
+            </a:r>
             <a:endParaRPr lang="en-US" altLang="zh-CN" dirty="0" smtClean="0"/>
           </a:p>
           <a:p>
             <a:r>
+              <a:rPr lang="zh-CN" altLang="en-US" dirty="0" smtClean="0"/>
+              <a:t>作为应用程序运行：天然的使用</a:t>
+            </a:r>
+            <a:r>
               <a:rPr lang="en-US" altLang="zh-CN" dirty="0" err="1" smtClean="0"/>
-              <a:t>Kolla-kubernetes</a:t>
-            </a:r>
-            <a:r>
-              <a:rPr lang="zh-CN" altLang="en-US" dirty="0" smtClean="0"/>
-              <a:t>使用新的软件管理和配置管理机制</a:t>
-            </a:r>
-            <a:r>
-              <a:rPr lang="en-US" altLang="zh-CN" dirty="0" smtClean="0"/>
-              <a:t>HELM </a:t>
-            </a:r>
-          </a:p>
-          <a:p>
-            <a:r>
-              <a:rPr lang="zh-CN" altLang="en-US" dirty="0" smtClean="0"/>
-              <a:t>可同时定义多种</a:t>
-            </a:r>
-            <a:r>
-              <a:rPr lang="en-US" altLang="zh-CN" dirty="0" smtClean="0"/>
-              <a:t>K8S</a:t>
-            </a:r>
-            <a:r>
-              <a:rPr lang="zh-CN" altLang="en-US" dirty="0" smtClean="0"/>
-              <a:t>资源</a:t>
-            </a:r>
-            <a:r>
-              <a:rPr lang="en-US" altLang="zh-CN" dirty="0" smtClean="0"/>
-              <a:t>job/</a:t>
-            </a:r>
+              <a:t>kubernetes</a:t>
+            </a:r>
+            <a:r>
+              <a:rPr lang="zh-CN" altLang="en-US" dirty="0" smtClean="0"/>
+              <a:t>提供的各种功能</a:t>
+            </a:r>
+            <a:endParaRPr lang="en-US" altLang="zh-CN" dirty="0" smtClean="0"/>
+          </a:p>
+          <a:p>
             <a:r>
               <a:rPr lang="en-US" altLang="zh-CN" dirty="0" err="1" smtClean="0"/>
-              <a:t>statefulset</a:t>
-            </a:r>
-            <a:r>
-              <a:rPr lang="en-US" altLang="zh-CN" dirty="0" smtClean="0"/>
-              <a:t>/</a:t>
+              <a:t>Openstack</a:t>
+            </a:r>
+            <a:r>
+              <a:rPr lang="en-US" altLang="zh-CN" dirty="0" smtClean="0"/>
+              <a:t> </a:t>
+            </a:r>
+            <a:r>
+              <a:rPr lang="zh-CN" altLang="en-US" dirty="0" smtClean="0"/>
+              <a:t>利用</a:t>
+            </a:r>
+            <a:r>
+              <a:rPr lang="en-US" altLang="zh-CN" dirty="0" smtClean="0"/>
+              <a:t>PAAS</a:t>
+            </a:r>
+            <a:r>
+              <a:rPr lang="zh-CN" altLang="en-US" dirty="0" smtClean="0"/>
+              <a:t>平台的容器管理功能，健康检查、弹性伸缩、部署策略、节点调度、利用</a:t>
+            </a:r>
+            <a:r>
+              <a:rPr lang="en-US" altLang="zh-CN" dirty="0" smtClean="0"/>
+              <a:t>pipeline</a:t>
+            </a:r>
+            <a:r>
+              <a:rPr lang="zh-CN" altLang="en-US" dirty="0" smtClean="0"/>
+              <a:t>实现</a:t>
+            </a:r>
+            <a:r>
+              <a:rPr lang="en-US" altLang="zh-CN" dirty="0" smtClean="0"/>
+              <a:t>CI/CD</a:t>
+            </a:r>
+            <a:r>
+              <a:rPr lang="zh-CN" altLang="en-US" dirty="0" smtClean="0"/>
+              <a:t>，提高开发运维效率</a:t>
+            </a:r>
+            <a:endParaRPr lang="en-US" altLang="zh-CN" dirty="0" smtClean="0"/>
+          </a:p>
+          <a:p>
+            <a:r>
+              <a:rPr lang="en-US" altLang="zh-CN" dirty="0" smtClean="0"/>
+              <a:t>Kubernetes </a:t>
+            </a:r>
+            <a:r>
+              <a:rPr lang="zh-CN" altLang="en-US" dirty="0" smtClean="0"/>
+              <a:t>利用 </a:t>
             </a:r>
             <a:r>
               <a:rPr lang="en-US" altLang="zh-CN" dirty="0" err="1" smtClean="0"/>
-              <a:t>init</a:t>
-            </a:r>
-            <a:r>
-              <a:rPr lang="en-US" altLang="zh-CN" dirty="0" smtClean="0"/>
-              <a:t>-container</a:t>
-            </a:r>
-            <a:r>
-              <a:rPr lang="zh-CN" altLang="en-US" dirty="0" smtClean="0"/>
-              <a:t>，通过这些资源管理</a:t>
-            </a:r>
-            <a:r>
-              <a:rPr lang="en-US" altLang="zh-CN" dirty="0" smtClean="0"/>
-              <a:t>pod</a:t>
-            </a:r>
-            <a:r>
-              <a:rPr lang="zh-CN" altLang="en-US" dirty="0" smtClean="0"/>
-              <a:t>的生命周期</a:t>
-            </a:r>
-            <a:endParaRPr lang="en-US" altLang="zh-CN" dirty="0" smtClean="0"/>
-          </a:p>
-          <a:p>
-            <a:r>
-              <a:rPr lang="zh-CN" altLang="en-US" dirty="0" smtClean="0"/>
-              <a:t>定义的资源文件支持参数化，可使用</a:t>
-            </a:r>
-            <a:r>
-              <a:rPr lang="en-US" altLang="zh-CN" dirty="0" smtClean="0"/>
-              <a:t>jinjia2</a:t>
-            </a:r>
-            <a:r>
-              <a:rPr lang="zh-CN" altLang="en-US" dirty="0" smtClean="0"/>
-              <a:t>渲染文件格式；</a:t>
-            </a:r>
-            <a:r>
-              <a:rPr lang="en-US" altLang="zh-CN" dirty="0" smtClean="0"/>
-              <a:t>chart</a:t>
-            </a:r>
-            <a:r>
-              <a:rPr lang="zh-CN" altLang="en-US" dirty="0" smtClean="0"/>
-              <a:t>之间可以互相引用复用；</a:t>
-            </a:r>
-            <a:endParaRPr lang="en-US" altLang="zh-CN" dirty="0" smtClean="0"/>
-          </a:p>
-          <a:p>
-            <a:r>
-              <a:rPr lang="en-US" altLang="zh-CN" dirty="0" smtClean="0"/>
-              <a:t>helm</a:t>
-            </a:r>
-            <a:r>
-              <a:rPr lang="zh-CN" altLang="en-US" dirty="0" smtClean="0"/>
-              <a:t>支持应用版本管理，如</a:t>
-            </a:r>
-            <a:r>
-              <a:rPr lang="en-US" altLang="zh-CN" dirty="0" err="1" smtClean="0"/>
-              <a:t>docker</a:t>
-            </a:r>
-            <a:r>
-              <a:rPr lang="en-US" altLang="zh-CN" dirty="0" smtClean="0"/>
-              <a:t> history</a:t>
-            </a:r>
-          </a:p>
-          <a:p>
-            <a:pPr marL="0" marR="0" lvl="0" indent="0" algn="l" defTabSz="914400" rtl="0" eaLnBrk="1" fontAlgn="auto" latinLnBrk="0" hangingPunct="1">
-              <a:lnSpc>
-                <a:spcPct val="100000"/>
-              </a:lnSpc>
-              <a:spcBef>
-                <a:spcPts val="0"/>
-              </a:spcBef>
-              <a:spcAft>
-                <a:spcPts val="0"/>
-              </a:spcAft>
-              <a:buClrTx/>
-              <a:buSzTx/>
-              <a:buFontTx/>
-              <a:buNone/>
-              <a:tabLst/>
-              <a:defRPr/>
-            </a:pPr>
-            <a:endParaRPr lang="en-US" altLang="zh-CN" dirty="0" smtClean="0"/>
-          </a:p>
-          <a:p>
-            <a:pPr marL="0" marR="0" lvl="0" indent="0" algn="l" defTabSz="914400" rtl="0" eaLnBrk="1" fontAlgn="auto" latinLnBrk="0" hangingPunct="1">
-              <a:lnSpc>
-                <a:spcPct val="100000"/>
-              </a:lnSpc>
-              <a:spcBef>
-                <a:spcPts val="0"/>
-              </a:spcBef>
-              <a:spcAft>
-                <a:spcPts val="0"/>
-              </a:spcAft>
-              <a:buClrTx/>
-              <a:buSzTx/>
-              <a:buFontTx/>
-              <a:buNone/>
-              <a:tabLst/>
-              <a:defRPr/>
-            </a:pPr>
-            <a:r>
-              <a:rPr lang="zh-CN" altLang="en-US" dirty="0" smtClean="0"/>
-              <a:t>微服务化原则：流程可视化</a:t>
-            </a:r>
-            <a:r>
-              <a:rPr lang="en-US" altLang="zh-CN" dirty="0" smtClean="0"/>
-              <a:t>(</a:t>
-            </a:r>
-            <a:r>
-              <a:rPr lang="zh-CN" altLang="en-US" dirty="0" smtClean="0"/>
-              <a:t>关键步骤可见</a:t>
-            </a:r>
-            <a:r>
-              <a:rPr lang="en-US" altLang="zh-CN" dirty="0" smtClean="0"/>
-              <a:t>)</a:t>
-            </a:r>
-            <a:r>
-              <a:rPr lang="zh-CN" altLang="en-US" dirty="0" smtClean="0"/>
-              <a:t>、低耦合、可复用、明确依赖关系</a:t>
-            </a:r>
-            <a:r>
-              <a:rPr lang="en-US" altLang="zh-CN" dirty="0" smtClean="0"/>
-              <a:t>(neutron server &gt; </a:t>
-            </a:r>
-            <a:r>
-              <a:rPr lang="en-US" altLang="zh-CN" dirty="0" err="1" smtClean="0"/>
-              <a:t>mariadb</a:t>
-            </a:r>
-            <a:r>
-              <a:rPr lang="zh-CN" altLang="en-US" dirty="0" smtClean="0"/>
-              <a:t>、</a:t>
-            </a:r>
-            <a:r>
-              <a:rPr lang="en-US" altLang="zh-CN" dirty="0" smtClean="0"/>
-              <a:t>keystone</a:t>
-            </a:r>
-            <a:r>
-              <a:rPr lang="zh-CN" altLang="en-US" dirty="0" smtClean="0"/>
-              <a:t>、</a:t>
-            </a:r>
-            <a:r>
-              <a:rPr lang="en-US" altLang="zh-CN" dirty="0" smtClean="0"/>
-              <a:t>users</a:t>
-            </a:r>
-            <a:r>
-              <a:rPr lang="zh-CN" altLang="en-US" dirty="0" smtClean="0"/>
-              <a:t>、</a:t>
-            </a:r>
-            <a:r>
-              <a:rPr lang="en-US" altLang="zh-CN" dirty="0" smtClean="0"/>
-              <a:t>endpoints</a:t>
-            </a:r>
-            <a:r>
-              <a:rPr lang="zh-CN" altLang="en-US" dirty="0" smtClean="0"/>
-              <a:t>、</a:t>
-            </a:r>
-            <a:r>
-              <a:rPr lang="en-US" altLang="zh-CN" dirty="0" smtClean="0"/>
-              <a:t>)</a:t>
-            </a:r>
-          </a:p>
-          <a:p>
-            <a:pPr marL="0" marR="0" lvl="0" indent="0" algn="l" defTabSz="914400" rtl="0" eaLnBrk="1" fontAlgn="auto" latinLnBrk="0" hangingPunct="1">
-              <a:lnSpc>
-                <a:spcPct val="100000"/>
-              </a:lnSpc>
-              <a:spcBef>
-                <a:spcPts val="0"/>
-              </a:spcBef>
-              <a:spcAft>
-                <a:spcPts val="0"/>
-              </a:spcAft>
-              <a:buClrTx/>
-              <a:buSzTx/>
-              <a:buFontTx/>
-              <a:buNone/>
-              <a:tabLst/>
-              <a:defRPr/>
-            </a:pPr>
-            <a:r>
-              <a:rPr lang="en-US" altLang="zh-CN" dirty="0" err="1" smtClean="0"/>
-              <a:t>Kolla</a:t>
-            </a:r>
-            <a:r>
-              <a:rPr lang="en-US" altLang="zh-CN" dirty="0" smtClean="0"/>
-              <a:t>-common </a:t>
-            </a:r>
-            <a:r>
-              <a:rPr lang="zh-CN" altLang="en-US" dirty="0" smtClean="0"/>
-              <a:t>和 </a:t>
-            </a:r>
-            <a:r>
-              <a:rPr lang="en-US" altLang="zh-CN" dirty="0" err="1" smtClean="0"/>
-              <a:t>microservice</a:t>
+              <a:t>openstack</a:t>
             </a:r>
             <a:r>
               <a:rPr lang="en-US" altLang="zh-CN" baseline="0" dirty="0" smtClean="0"/>
@@ -1465,192 +1450,7 @@
             </a:r>
             <a:r>
               <a:rPr lang="zh-CN" altLang="en-US" baseline="0" dirty="0" smtClean="0"/>
-              <a:t>基础层：</a:t>
-            </a:r>
-            <a:endParaRPr lang="en-US" altLang="zh-CN" dirty="0" smtClean="0"/>
-          </a:p>
-          <a:p>
-            <a:pPr marL="0" marR="0" lvl="0" indent="0" algn="l" defTabSz="914400" rtl="0" eaLnBrk="1" fontAlgn="auto" latinLnBrk="0" hangingPunct="1">
-              <a:lnSpc>
-                <a:spcPct val="100000"/>
-              </a:lnSpc>
-              <a:spcBef>
-                <a:spcPts val="0"/>
-              </a:spcBef>
-              <a:spcAft>
-                <a:spcPts val="0"/>
-              </a:spcAft>
-              <a:buClrTx/>
-              <a:buSzTx/>
-              <a:buFontTx/>
-              <a:buNone/>
-              <a:tabLst/>
-              <a:defRPr/>
-            </a:pPr>
-            <a:r>
-              <a:rPr lang="en-US" altLang="zh-CN" dirty="0" err="1" smtClean="0"/>
-              <a:t>Kolla</a:t>
-            </a:r>
-            <a:r>
-              <a:rPr lang="en-US" altLang="zh-CN" dirty="0" smtClean="0"/>
-              <a:t>-common:</a:t>
-            </a:r>
-            <a:r>
-              <a:rPr lang="zh-CN" altLang="en-US" dirty="0" smtClean="0"/>
-              <a:t>各个服务公用的操作，</a:t>
-            </a:r>
-            <a:r>
-              <a:rPr lang="en-US" altLang="zh-CN" dirty="0" smtClean="0"/>
-              <a:t>create</a:t>
-            </a:r>
-            <a:r>
-              <a:rPr lang="en-US" altLang="zh-CN" baseline="0" dirty="0" smtClean="0"/>
-              <a:t> database</a:t>
-            </a:r>
-            <a:r>
-              <a:rPr lang="zh-CN" altLang="en-US" baseline="0" dirty="0" smtClean="0"/>
-              <a:t>、</a:t>
-            </a:r>
-            <a:r>
-              <a:rPr lang="en-US" altLang="zh-CN" baseline="0" dirty="0" smtClean="0"/>
-              <a:t>create </a:t>
-            </a:r>
-            <a:r>
-              <a:rPr lang="en-US" altLang="zh-CN" baseline="0" dirty="0" err="1" smtClean="0"/>
-              <a:t>pv</a:t>
-            </a:r>
-            <a:r>
-              <a:rPr lang="en-US" altLang="zh-CN" baseline="0" dirty="0" smtClean="0"/>
-              <a:t>\</a:t>
-            </a:r>
-            <a:r>
-              <a:rPr lang="en-US" altLang="zh-CN" baseline="0" dirty="0" err="1" smtClean="0"/>
-              <a:t>pvc</a:t>
-            </a:r>
-            <a:r>
-              <a:rPr lang="zh-CN" altLang="en-US" baseline="0" dirty="0" smtClean="0"/>
-              <a:t>、</a:t>
-            </a:r>
-            <a:r>
-              <a:rPr lang="en-US" altLang="zh-CN" baseline="0" dirty="0" smtClean="0"/>
-              <a:t>create keystone endpoint/user</a:t>
-            </a:r>
-            <a:r>
-              <a:rPr lang="zh-CN" altLang="en-US" baseline="0" dirty="0" smtClean="0"/>
-              <a:t>等</a:t>
-            </a:r>
-            <a:endParaRPr lang="en-US" altLang="zh-CN" dirty="0" smtClean="0"/>
-          </a:p>
-          <a:p>
-            <a:r>
-              <a:rPr lang="en-US" altLang="zh-CN" dirty="0" err="1" smtClean="0"/>
-              <a:t>Microservice</a:t>
-            </a:r>
-            <a:r>
-              <a:rPr lang="en-US" altLang="zh-CN" dirty="0" smtClean="0"/>
-              <a:t>:</a:t>
-            </a:r>
-            <a:r>
-              <a:rPr lang="zh-CN" altLang="en-US" dirty="0" smtClean="0"/>
-              <a:t>定义</a:t>
-            </a:r>
-            <a:r>
-              <a:rPr lang="en-US" altLang="zh-CN" dirty="0" smtClean="0"/>
-              <a:t>k8s</a:t>
-            </a:r>
-            <a:r>
-              <a:rPr lang="zh-CN" altLang="en-US" dirty="0" smtClean="0"/>
-              <a:t>资源文件，也即最终调用的一些资源定义文件 </a:t>
-            </a:r>
-            <a:r>
-              <a:rPr lang="en-US" altLang="zh-CN" dirty="0" smtClean="0"/>
-              <a:t>job/svc/</a:t>
-            </a:r>
-            <a:r>
-              <a:rPr lang="en-US" altLang="zh-CN" dirty="0" err="1" smtClean="0"/>
-              <a:t>pv</a:t>
-            </a:r>
-            <a:r>
-              <a:rPr lang="en-US" altLang="zh-CN" dirty="0" smtClean="0"/>
-              <a:t>/</a:t>
-            </a:r>
-            <a:r>
-              <a:rPr lang="en-US" altLang="zh-CN" dirty="0" err="1" smtClean="0"/>
-              <a:t>pvc</a:t>
-            </a:r>
-            <a:r>
-              <a:rPr lang="en-US" altLang="zh-CN" dirty="0" smtClean="0"/>
-              <a:t>/</a:t>
-            </a:r>
-            <a:r>
-              <a:rPr lang="en-US" altLang="zh-CN" dirty="0" err="1" smtClean="0"/>
-              <a:t>statefulset</a:t>
-            </a:r>
-            <a:r>
-              <a:rPr lang="zh-CN" altLang="en-US" dirty="0" smtClean="0"/>
-              <a:t>等，文件中的配置参数经过</a:t>
-            </a:r>
-            <a:r>
-              <a:rPr lang="en-US" altLang="zh-CN" dirty="0" smtClean="0"/>
-              <a:t>jinja2</a:t>
-            </a:r>
-            <a:r>
-              <a:rPr lang="zh-CN" altLang="en-US" dirty="0" smtClean="0"/>
-              <a:t>渲染</a:t>
-            </a:r>
-            <a:endParaRPr lang="en-US" altLang="zh-CN" dirty="0" smtClean="0"/>
-          </a:p>
-          <a:p>
-            <a:r>
-              <a:rPr lang="en-US" altLang="zh-CN" dirty="0" smtClean="0"/>
-              <a:t>Service</a:t>
-            </a:r>
-            <a:r>
-              <a:rPr lang="zh-CN" altLang="en-US" dirty="0" smtClean="0"/>
-              <a:t>：业务层</a:t>
-            </a:r>
-            <a:endParaRPr lang="en-US" altLang="zh-CN" dirty="0" smtClean="0"/>
-          </a:p>
-          <a:p>
-            <a:pPr marL="0" marR="0" lvl="0" indent="0" algn="l" defTabSz="914400" rtl="0" eaLnBrk="1" fontAlgn="auto" latinLnBrk="0" hangingPunct="1">
-              <a:lnSpc>
-                <a:spcPct val="100000"/>
-              </a:lnSpc>
-              <a:spcBef>
-                <a:spcPts val="0"/>
-              </a:spcBef>
-              <a:spcAft>
-                <a:spcPts val="0"/>
-              </a:spcAft>
-              <a:buClrTx/>
-              <a:buSzTx/>
-              <a:buFontTx/>
-              <a:buNone/>
-              <a:tabLst/>
-              <a:defRPr/>
-            </a:pPr>
-            <a:r>
-              <a:rPr lang="zh-CN" altLang="en-US" dirty="0" smtClean="0"/>
-              <a:t>每个服务定义一个或多个</a:t>
-            </a:r>
-            <a:r>
-              <a:rPr lang="en-US" altLang="zh-CN" dirty="0" smtClean="0"/>
-              <a:t>chart</a:t>
-            </a:r>
-            <a:r>
-              <a:rPr lang="zh-CN" altLang="en-US" dirty="0" smtClean="0"/>
-              <a:t>文件包，其中定义了依赖包和配置文件</a:t>
-            </a:r>
-            <a:endParaRPr lang="en-US" altLang="zh-CN" dirty="0" smtClean="0"/>
-          </a:p>
-          <a:p>
-            <a:r>
-              <a:rPr lang="en-US" altLang="zh-CN" dirty="0" smtClean="0"/>
-              <a:t>Test:</a:t>
-            </a:r>
-            <a:r>
-              <a:rPr lang="zh-CN" altLang="en-US" dirty="0" smtClean="0"/>
-              <a:t>单元测试用例</a:t>
+              <a:t>裸机管理功能实现对裸机设备的纳管</a:t>
             </a:r>
             <a:endParaRPr lang="en-US" altLang="zh-CN" dirty="0" smtClean="0"/>
           </a:p>
@@ -1682,7 +1482,7 @@
     </p:spTree>
     <p:extLst>
       <p:ext uri="{BB962C8B-B14F-4D97-AF65-F5344CB8AC3E}">
-        <p14:creationId xmlns:p14="http://schemas.microsoft.com/office/powerpoint/2010/main" val="1020278377"/>
+        <p14:creationId xmlns:p14="http://schemas.microsoft.com/office/powerpoint/2010/main" val="3280576656"/>
       </p:ext>
     </p:extLst>
   </p:cSld>
@@ -1736,89 +1536,467 @@
           <a:bodyPr/>
           <a:lstStyle/>
           <a:p>
-            <a:r>
-              <a:rPr lang="en-US" altLang="zh-CN" dirty="0" smtClean="0"/>
-              <a:t>1 min</a:t>
-            </a:r>
-          </a:p>
-          <a:p>
-            <a:r>
-              <a:rPr lang="zh-CN" altLang="en-US" dirty="0" smtClean="0"/>
-              <a:t>公司业务需求选择</a:t>
+            <a:pPr marL="0" marR="0" lvl="0" indent="0" algn="l" defTabSz="914400" rtl="0" eaLnBrk="1" fontAlgn="auto" latinLnBrk="0" hangingPunct="1">
+              <a:lnSpc>
+                <a:spcPct val="100000"/>
+              </a:lnSpc>
+              <a:spcBef>
+                <a:spcPts val="0"/>
+              </a:spcBef>
+              <a:spcAft>
+                <a:spcPts val="0"/>
+              </a:spcAft>
+              <a:buClrTx/>
+              <a:buSzTx/>
+              <a:buFontTx/>
+              <a:buNone/>
+              <a:tabLst/>
+              <a:defRPr/>
+            </a:pPr>
+            <a:r>
+              <a:rPr lang="en-US" altLang="zh-CN" dirty="0" smtClean="0"/>
+              <a:t>3 min </a:t>
             </a:r>
             <a:r>
               <a:rPr lang="en-US" altLang="zh-CN" dirty="0" err="1" smtClean="0"/>
-              <a:t>openshift</a:t>
-            </a:r>
-            <a:r>
-              <a:rPr lang="zh-CN" altLang="en-US" dirty="0" smtClean="0"/>
-              <a:t>：</a:t>
-            </a:r>
+              <a:t>kolla-kubernetes</a:t>
+            </a:r>
+            <a:r>
+              <a:rPr lang="zh-CN" altLang="en-US" dirty="0" smtClean="0"/>
+              <a:t>结构分析</a:t>
+            </a:r>
+            <a:endParaRPr lang="en-US" altLang="zh-CN" dirty="0" smtClean="0"/>
+          </a:p>
+          <a:p>
+            <a:endParaRPr lang="en-US" altLang="zh-CN" dirty="0" smtClean="0"/>
+          </a:p>
+          <a:p>
             <a:r>
               <a:rPr lang="en-US" altLang="zh-CN" dirty="0" err="1" smtClean="0"/>
-              <a:t>Openshift</a:t>
-            </a:r>
-            <a:r>
-              <a:rPr lang="en-US" altLang="zh-CN" dirty="0" smtClean="0"/>
+              <a:t>Kolla-kubernetes</a:t>
+            </a:r>
+            <a:r>
+              <a:rPr lang="zh-CN" altLang="en-US" dirty="0" smtClean="0"/>
+              <a:t>使用新的软件管理和配置管理机制</a:t>
+            </a:r>
+            <a:r>
+              <a:rPr lang="en-US" altLang="zh-CN" dirty="0" smtClean="0"/>
+              <a:t>HELM </a:t>
+            </a:r>
+          </a:p>
+          <a:p>
+            <a:r>
+              <a:rPr lang="zh-CN" altLang="en-US" dirty="0" smtClean="0"/>
+              <a:t>可同时定义多种</a:t>
+            </a:r>
+            <a:r>
+              <a:rPr lang="en-US" altLang="zh-CN" dirty="0" smtClean="0"/>
+              <a:t>K8S</a:t>
+            </a:r>
+            <a:r>
+              <a:rPr lang="zh-CN" altLang="en-US" dirty="0" smtClean="0"/>
+              <a:t>资源</a:t>
+            </a:r>
+            <a:r>
+              <a:rPr lang="en-US" altLang="zh-CN" dirty="0" smtClean="0"/>
+              <a:t>job/</a:t>
+            </a:r>
+            <a:r>
+              <a:rPr lang="en-US" altLang="zh-CN" dirty="0" err="1" smtClean="0"/>
+              <a:t>statefulset</a:t>
+            </a:r>
+            <a:r>
+              <a:rPr lang="en-US" altLang="zh-CN" dirty="0" smtClean="0"/>
+              <a:t>/</a:t>
+            </a:r>
+            <a:r>
+              <a:rPr lang="en-US" altLang="zh-CN" dirty="0" err="1" smtClean="0"/>
+              <a:t>init</a:t>
+            </a:r>
+            <a:r>
+              <a:rPr lang="en-US" altLang="zh-CN" dirty="0" smtClean="0"/>
+              <a:t>-container</a:t>
+            </a:r>
+            <a:r>
+              <a:rPr lang="zh-CN" altLang="en-US" dirty="0" smtClean="0"/>
+              <a:t>，通过这些资源管理</a:t>
+            </a:r>
+            <a:r>
+              <a:rPr lang="en-US" altLang="zh-CN" dirty="0" smtClean="0"/>
+              <a:t>pod</a:t>
+            </a:r>
+            <a:r>
+              <a:rPr lang="zh-CN" altLang="en-US" dirty="0" smtClean="0"/>
+              <a:t>的生命周期</a:t>
+            </a:r>
+            <a:endParaRPr lang="en-US" altLang="zh-CN" dirty="0" smtClean="0"/>
+          </a:p>
+          <a:p>
+            <a:r>
+              <a:rPr lang="zh-CN" altLang="en-US" dirty="0" smtClean="0"/>
+              <a:t>定义的资源文件支持参数化，可使用</a:t>
+            </a:r>
+            <a:r>
+              <a:rPr lang="en-US" altLang="zh-CN" dirty="0" smtClean="0"/>
+              <a:t>jinjia2</a:t>
+            </a:r>
+            <a:r>
+              <a:rPr lang="zh-CN" altLang="en-US" dirty="0" smtClean="0"/>
+              <a:t>渲染文件格式；</a:t>
+            </a:r>
+            <a:r>
+              <a:rPr lang="en-US" altLang="zh-CN" dirty="0" smtClean="0"/>
+              <a:t>chart</a:t>
+            </a:r>
+            <a:r>
+              <a:rPr lang="zh-CN" altLang="en-US" dirty="0" smtClean="0"/>
+              <a:t>之间可以互相引用复用；</a:t>
+            </a:r>
+            <a:endParaRPr lang="en-US" altLang="zh-CN" dirty="0" smtClean="0"/>
+          </a:p>
+          <a:p>
+            <a:r>
+              <a:rPr lang="en-US" altLang="zh-CN" dirty="0" smtClean="0"/>
+              <a:t>helm</a:t>
+            </a:r>
+            <a:r>
+              <a:rPr lang="zh-CN" altLang="en-US" dirty="0" smtClean="0"/>
+              <a:t>支持应用版本管理，如</a:t>
+            </a:r>
+            <a:r>
+              <a:rPr lang="en-US" altLang="zh-CN" dirty="0" err="1" smtClean="0"/>
+              <a:t>docker</a:t>
+            </a:r>
+            <a:r>
+              <a:rPr lang="en-US" altLang="zh-CN" dirty="0" smtClean="0"/>
+              <a:t> history</a:t>
+            </a:r>
+          </a:p>
+          <a:p>
+            <a:pPr marL="0" marR="0" lvl="0" indent="0" algn="l" defTabSz="914400" rtl="0" eaLnBrk="1" fontAlgn="auto" latinLnBrk="0" hangingPunct="1">
+              <a:lnSpc>
+                <a:spcPct val="100000"/>
+              </a:lnSpc>
+              <a:spcBef>
+                <a:spcPts val="0"/>
+              </a:spcBef>
+              <a:spcAft>
+                <a:spcPts val="0"/>
+              </a:spcAft>
+              <a:buClrTx/>
+              <a:buSzTx/>
+              <a:buFontTx/>
+              <a:buNone/>
+              <a:tabLst/>
+              <a:defRPr/>
+            </a:pPr>
+            <a:endParaRPr lang="en-US" altLang="zh-CN" dirty="0" smtClean="0"/>
+          </a:p>
+          <a:p>
+            <a:pPr marL="0" marR="0" lvl="0" indent="0" algn="l" defTabSz="914400" rtl="0" eaLnBrk="1" fontAlgn="auto" latinLnBrk="0" hangingPunct="1">
+              <a:lnSpc>
+                <a:spcPct val="100000"/>
+              </a:lnSpc>
+              <a:spcBef>
+                <a:spcPts val="0"/>
+              </a:spcBef>
+              <a:spcAft>
+                <a:spcPts val="0"/>
+              </a:spcAft>
+              <a:buClrTx/>
+              <a:buSzTx/>
+              <a:buFontTx/>
+              <a:buNone/>
+              <a:tabLst/>
+              <a:defRPr/>
+            </a:pPr>
+            <a:r>
+              <a:rPr lang="zh-CN" altLang="en-US" dirty="0" smtClean="0"/>
+              <a:t>微服务化原则：流程可视化</a:t>
+            </a:r>
+            <a:r>
+              <a:rPr lang="en-US" altLang="zh-CN" dirty="0" smtClean="0"/>
+              <a:t>(</a:t>
+            </a:r>
+            <a:r>
+              <a:rPr lang="zh-CN" altLang="en-US" dirty="0" smtClean="0"/>
+              <a:t>关键步骤可见</a:t>
+            </a:r>
+            <a:r>
+              <a:rPr lang="en-US" altLang="zh-CN" dirty="0" smtClean="0"/>
+              <a:t>)</a:t>
+            </a:r>
+            <a:r>
+              <a:rPr lang="zh-CN" altLang="en-US" dirty="0" smtClean="0"/>
+              <a:t>、低耦合、可复用、明确依赖关系</a:t>
+            </a:r>
+            <a:r>
+              <a:rPr lang="en-US" altLang="zh-CN" dirty="0" smtClean="0"/>
+              <a:t>(neutron server &gt; </a:t>
+            </a:r>
+            <a:r>
+              <a:rPr lang="en-US" altLang="zh-CN" dirty="0" err="1" smtClean="0"/>
+              <a:t>mariadb</a:t>
+            </a:r>
+            <a:r>
+              <a:rPr lang="zh-CN" altLang="en-US" dirty="0" smtClean="0"/>
+              <a:t>、</a:t>
+            </a:r>
+            <a:r>
+              <a:rPr lang="en-US" altLang="zh-CN" dirty="0" smtClean="0"/>
+              <a:t>keystone</a:t>
+            </a:r>
+            <a:r>
+              <a:rPr lang="zh-CN" altLang="en-US" dirty="0" smtClean="0"/>
+              <a:t>、</a:t>
+            </a:r>
+            <a:r>
+              <a:rPr lang="en-US" altLang="zh-CN" dirty="0" smtClean="0"/>
+              <a:t>users</a:t>
+            </a:r>
+            <a:r>
+              <a:rPr lang="zh-CN" altLang="en-US" dirty="0" smtClean="0"/>
+              <a:t>、</a:t>
+            </a:r>
+            <a:r>
+              <a:rPr lang="en-US" altLang="zh-CN" dirty="0" smtClean="0"/>
+              <a:t>endpoints</a:t>
+            </a:r>
+            <a:r>
+              <a:rPr lang="zh-CN" altLang="en-US" dirty="0" smtClean="0"/>
+              <a:t>、</a:t>
+            </a:r>
+            <a:r>
+              <a:rPr lang="en-US" altLang="zh-CN" dirty="0" smtClean="0"/>
+              <a:t>)</a:t>
+            </a:r>
+          </a:p>
+          <a:p>
+            <a:pPr marL="0" marR="0" lvl="0" indent="0" algn="l" defTabSz="914400" rtl="0" eaLnBrk="1" fontAlgn="auto" latinLnBrk="0" hangingPunct="1">
+              <a:lnSpc>
+                <a:spcPct val="100000"/>
+              </a:lnSpc>
+              <a:spcBef>
+                <a:spcPts val="0"/>
+              </a:spcBef>
+              <a:spcAft>
+                <a:spcPts val="0"/>
+              </a:spcAft>
+              <a:buClrTx/>
+              <a:buSzTx/>
+              <a:buFontTx/>
+              <a:buNone/>
+              <a:tabLst/>
+              <a:defRPr/>
+            </a:pPr>
+            <a:r>
+              <a:rPr lang="en-US" altLang="zh-CN" dirty="0" err="1" smtClean="0"/>
+              <a:t>Kolla</a:t>
+            </a:r>
+            <a:r>
+              <a:rPr lang="en-US" altLang="zh-CN" dirty="0" smtClean="0"/>
+              <a:t>-common </a:t>
+            </a:r>
+            <a:r>
+              <a:rPr lang="zh-CN" altLang="en-US" dirty="0" smtClean="0"/>
+              <a:t>和 </a:t>
+            </a:r>
+            <a:r>
+              <a:rPr lang="en-US" altLang="zh-CN" dirty="0" err="1" smtClean="0"/>
+              <a:t>microservice</a:t>
+            </a:r>
+            <a:r>
+              <a:rPr lang="en-US" altLang="zh-CN" baseline="0" dirty="0" smtClean="0"/>
               <a:t> </a:t>
             </a:r>
             <a:r>
-              <a:rPr lang="zh-CN" altLang="en-US" dirty="0" smtClean="0"/>
-              <a:t>介绍</a:t>
+              <a:rPr lang="zh-CN" altLang="en-US" baseline="0" dirty="0" smtClean="0"/>
+              <a:t>基础层：</a:t>
             </a:r>
             <a:endParaRPr lang="en-US" altLang="zh-CN" dirty="0" smtClean="0"/>
           </a:p>
           <a:p>
-            <a:r>
-              <a:rPr lang="zh-CN" altLang="en-US" dirty="0" smtClean="0"/>
-              <a:t>起步较早</a:t>
-            </a:r>
-            <a:r>
-              <a:rPr lang="en-US" altLang="zh-CN" dirty="0" smtClean="0"/>
-              <a:t>2013</a:t>
-            </a:r>
-            <a:r>
-              <a:rPr lang="zh-CN" altLang="en-US" dirty="0" smtClean="0"/>
-              <a:t>年开始</a:t>
-            </a:r>
+            <a:pPr marL="0" marR="0" lvl="0" indent="0" algn="l" defTabSz="914400" rtl="0" eaLnBrk="1" fontAlgn="auto" latinLnBrk="0" hangingPunct="1">
+              <a:lnSpc>
+                <a:spcPct val="100000"/>
+              </a:lnSpc>
+              <a:spcBef>
+                <a:spcPts val="0"/>
+              </a:spcBef>
+              <a:spcAft>
+                <a:spcPts val="0"/>
+              </a:spcAft>
+              <a:buClrTx/>
+              <a:buSzTx/>
+              <a:buFontTx/>
+              <a:buNone/>
+              <a:tabLst/>
+              <a:defRPr/>
+            </a:pPr>
             <a:r>
               <a:rPr lang="en-US" altLang="zh-CN" dirty="0" err="1" smtClean="0"/>
-              <a:t>Redhat</a:t>
-            </a:r>
-            <a:r>
-              <a:rPr lang="zh-CN" altLang="en-US" dirty="0" smtClean="0"/>
-              <a:t>基于</a:t>
-            </a:r>
+              <a:t>Kolla</a:t>
+            </a:r>
+            <a:r>
+              <a:rPr lang="en-US" altLang="zh-CN" dirty="0" smtClean="0"/>
+              <a:t>-common:</a:t>
+            </a:r>
+            <a:r>
+              <a:rPr lang="zh-CN" altLang="en-US" dirty="0" smtClean="0"/>
+              <a:t>各个服务公用的操作，</a:t>
+            </a:r>
+            <a:r>
+              <a:rPr lang="en-US" altLang="zh-CN" dirty="0" smtClean="0"/>
+              <a:t>create</a:t>
+            </a:r>
+            <a:r>
+              <a:rPr lang="en-US" altLang="zh-CN" baseline="0" dirty="0" smtClean="0"/>
+              <a:t> database</a:t>
+            </a:r>
+            <a:r>
+              <a:rPr lang="zh-CN" altLang="en-US" baseline="0" dirty="0" smtClean="0"/>
+              <a:t>、</a:t>
+            </a:r>
+            <a:r>
+              <a:rPr lang="en-US" altLang="zh-CN" baseline="0" dirty="0" smtClean="0"/>
+              <a:t>create </a:t>
+            </a:r>
+            <a:r>
+              <a:rPr lang="en-US" altLang="zh-CN" baseline="0" dirty="0" err="1" smtClean="0"/>
+              <a:t>pv</a:t>
+            </a:r>
+            <a:r>
+              <a:rPr lang="en-US" altLang="zh-CN" baseline="0" dirty="0" smtClean="0"/>
+              <a:t>\</a:t>
+            </a:r>
+            <a:r>
+              <a:rPr lang="en-US" altLang="zh-CN" baseline="0" dirty="0" err="1" smtClean="0"/>
+              <a:t>pvc</a:t>
+            </a:r>
+            <a:r>
+              <a:rPr lang="zh-CN" altLang="en-US" baseline="0" dirty="0" smtClean="0"/>
+              <a:t>、</a:t>
+            </a:r>
+            <a:r>
+              <a:rPr lang="en-US" altLang="zh-CN" baseline="0" dirty="0" smtClean="0"/>
+              <a:t>create keystone endpoint/user</a:t>
+            </a:r>
+            <a:r>
+              <a:rPr lang="zh-CN" altLang="en-US" baseline="0" dirty="0" smtClean="0"/>
+              <a:t>等</a:t>
+            </a:r>
+            <a:endParaRPr lang="en-US" altLang="zh-CN" dirty="0" smtClean="0"/>
+          </a:p>
+          <a:p>
             <a:r>
               <a:rPr lang="en-US" altLang="zh-CN" dirty="0" err="1" smtClean="0"/>
-              <a:t>kubernetes</a:t>
-            </a:r>
-            <a:r>
-              <a:rPr lang="zh-CN" altLang="en-US" dirty="0" smtClean="0"/>
-              <a:t>开发，功能已比较完善且稳定程度较高，包含公有云版本和社区版本</a:t>
+              <a:t>Microservice</a:t>
+            </a:r>
+            <a:r>
+              <a:rPr lang="en-US" altLang="zh-CN" dirty="0" smtClean="0"/>
+              <a:t>:</a:t>
+            </a:r>
+            <a:r>
+              <a:rPr lang="zh-CN" altLang="en-US" dirty="0" smtClean="0"/>
+              <a:t>定义</a:t>
+            </a:r>
+            <a:r>
+              <a:rPr lang="en-US" altLang="zh-CN" dirty="0" smtClean="0"/>
+              <a:t>k8s</a:t>
+            </a:r>
+            <a:r>
+              <a:rPr lang="zh-CN" altLang="en-US" dirty="0" smtClean="0"/>
+              <a:t>资源文件，也即最终调用的一些资源定义文件 </a:t>
+            </a:r>
+            <a:r>
+              <a:rPr lang="en-US" altLang="zh-CN" dirty="0" smtClean="0"/>
+              <a:t>job/svc/</a:t>
+            </a:r>
+            <a:r>
+              <a:rPr lang="en-US" altLang="zh-CN" dirty="0" err="1" smtClean="0"/>
+              <a:t>pv</a:t>
+            </a:r>
+            <a:r>
+              <a:rPr lang="en-US" altLang="zh-CN" dirty="0" smtClean="0"/>
+              <a:t>/</a:t>
+            </a:r>
+            <a:r>
+              <a:rPr lang="en-US" altLang="zh-CN" dirty="0" err="1" smtClean="0"/>
+              <a:t>pvc</a:t>
+            </a:r>
+            <a:r>
+              <a:rPr lang="en-US" altLang="zh-CN" dirty="0" smtClean="0"/>
+              <a:t>/</a:t>
+            </a:r>
+            <a:r>
+              <a:rPr lang="en-US" altLang="zh-CN" dirty="0" err="1" smtClean="0"/>
+              <a:t>statefulset</a:t>
+            </a:r>
+            <a:r>
+              <a:rPr lang="zh-CN" altLang="en-US" dirty="0" smtClean="0"/>
+              <a:t>等，文件中的配置参数经过</a:t>
+            </a:r>
+            <a:r>
+              <a:rPr lang="en-US" altLang="zh-CN" dirty="0" smtClean="0"/>
+              <a:t>jinja2</a:t>
+            </a:r>
+            <a:r>
+              <a:rPr lang="zh-CN" altLang="en-US" dirty="0" smtClean="0"/>
+              <a:t>渲染</a:t>
             </a:r>
             <a:endParaRPr lang="en-US" altLang="zh-CN" dirty="0" smtClean="0"/>
           </a:p>
           <a:p>
             <a:r>
-              <a:rPr lang="zh-CN" altLang="en-US" dirty="0" smtClean="0"/>
-              <a:t>封装了</a:t>
-            </a:r>
-            <a:r>
-              <a:rPr lang="en-US" altLang="zh-CN" dirty="0" err="1" smtClean="0"/>
-              <a:t>kubernetes</a:t>
-            </a:r>
-            <a:r>
-              <a:rPr lang="zh-CN" altLang="en-US" dirty="0" smtClean="0"/>
-              <a:t>客户端，提供自己的客户端程序</a:t>
-            </a:r>
-            <a:r>
-              <a:rPr lang="en-US" altLang="zh-CN" dirty="0" err="1" smtClean="0"/>
-              <a:t>oc</a:t>
-            </a:r>
-            <a:r>
-              <a:rPr lang="zh-CN" altLang="en-US" dirty="0" smtClean="0"/>
-              <a:t>与集群交互</a:t>
+              <a:rPr lang="en-US" altLang="zh-CN" dirty="0" smtClean="0"/>
+              <a:t>Service</a:t>
+            </a:r>
+            <a:r>
+              <a:rPr lang="zh-CN" altLang="en-US" dirty="0" smtClean="0"/>
+              <a:t>：业务层</a:t>
+            </a:r>
+            <a:endParaRPr lang="en-US" altLang="zh-CN" dirty="0" smtClean="0"/>
+          </a:p>
+          <a:p>
+            <a:pPr marL="0" marR="0" lvl="0" indent="0" algn="l" defTabSz="914400" rtl="0" eaLnBrk="1" fontAlgn="auto" latinLnBrk="0" hangingPunct="1">
+              <a:lnSpc>
+                <a:spcPct val="100000"/>
+              </a:lnSpc>
+              <a:spcBef>
+                <a:spcPts val="0"/>
+              </a:spcBef>
+              <a:spcAft>
+                <a:spcPts val="0"/>
+              </a:spcAft>
+              <a:buClrTx/>
+              <a:buSzTx/>
+              <a:buFontTx/>
+              <a:buNone/>
+              <a:tabLst/>
+              <a:defRPr/>
+            </a:pPr>
+            <a:r>
+              <a:rPr lang="zh-CN" altLang="en-US" dirty="0" smtClean="0"/>
+              <a:t>每个服务定义一个或多个</a:t>
+            </a:r>
+            <a:r>
+              <a:rPr lang="en-US" altLang="zh-CN" dirty="0" smtClean="0"/>
+              <a:t>chart</a:t>
+            </a:r>
+            <a:r>
+              <a:rPr lang="zh-CN" altLang="en-US" dirty="0" smtClean="0"/>
+              <a:t>文件包，其中定义了依赖包和配置文件</a:t>
+            </a:r>
+            <a:endParaRPr lang="en-US" altLang="zh-CN" dirty="0" smtClean="0"/>
+          </a:p>
+          <a:p>
+            <a:r>
+              <a:rPr lang="en-US" altLang="zh-CN" dirty="0" smtClean="0"/>
+              <a:t>Test:</a:t>
+            </a:r>
+            <a:r>
+              <a:rPr lang="zh-CN" altLang="en-US" dirty="0" smtClean="0"/>
+              <a:t>单元测试用例</a:t>
             </a:r>
             <a:endParaRPr lang="en-US" altLang="zh-CN" dirty="0" smtClean="0"/>
           </a:p>
@@ -1850,7 +2028,7 @@
     </p:spTree>
     <p:extLst>
       <p:ext uri="{BB962C8B-B14F-4D97-AF65-F5344CB8AC3E}">
-        <p14:creationId xmlns:p14="http://schemas.microsoft.com/office/powerpoint/2010/main" val="2686608799"/>
+        <p14:creationId xmlns:p14="http://schemas.microsoft.com/office/powerpoint/2010/main" val="1020278377"/>
       </p:ext>
     </p:extLst>
   </p:cSld>
@@ -1906,679 +2084,89 @@
           <a:p>
             <a:r>
               <a:rPr lang="en-US" altLang="zh-CN" dirty="0" smtClean="0"/>
-              <a:t>1.5 min</a:t>
-            </a:r>
-          </a:p>
-          <a:p>
-            <a:r>
-              <a:rPr lang="zh-CN" altLang="en-US" dirty="0" smtClean="0"/>
-              <a:t>自定义配置文件：指定</a:t>
+              <a:t>1 min</a:t>
+            </a:r>
+          </a:p>
+          <a:p>
+            <a:r>
+              <a:rPr lang="zh-CN" altLang="en-US" dirty="0" smtClean="0"/>
+              <a:t>公司业务需求选择</a:t>
             </a:r>
             <a:r>
               <a:rPr lang="en-US" altLang="zh-CN" dirty="0" err="1" smtClean="0"/>
-              <a:t>openstack</a:t>
-            </a:r>
-            <a:r>
-              <a:rPr lang="zh-CN" altLang="en-US" dirty="0" smtClean="0"/>
-              <a:t>使用的网络、私有镜像仓库、虚拟化类型等。</a:t>
+              <a:t>openshift</a:t>
+            </a:r>
+            <a:r>
+              <a:rPr lang="zh-CN" altLang="en-US" dirty="0" smtClean="0"/>
+              <a:t>：</a:t>
+            </a:r>
+            <a:r>
+              <a:rPr lang="en-US" altLang="zh-CN" dirty="0" err="1" smtClean="0"/>
+              <a:t>Openshift</a:t>
+            </a:r>
+            <a:r>
+              <a:rPr lang="en-US" altLang="zh-CN" dirty="0" smtClean="0"/>
+              <a:t> </a:t>
+            </a:r>
+            <a:r>
+              <a:rPr lang="zh-CN" altLang="en-US" dirty="0" smtClean="0"/>
+              <a:t>介绍</a:t>
             </a:r>
             <a:endParaRPr lang="en-US" altLang="zh-CN" dirty="0" smtClean="0"/>
           </a:p>
           <a:p>
             <a:r>
               <a:rPr lang="zh-CN" altLang="en-US" dirty="0" smtClean="0"/>
-              <a:t>使用</a:t>
-            </a:r>
-            <a:r>
-              <a:rPr lang="en-US" altLang="zh-CN" dirty="0" smtClean="0"/>
-              <a:t>Helm</a:t>
-            </a:r>
-            <a:r>
-              <a:rPr lang="zh-CN" altLang="en-US" dirty="0" smtClean="0"/>
-              <a:t>部署：</a:t>
+              <a:t>起步较早</a:t>
+            </a:r>
+            <a:r>
+              <a:rPr lang="en-US" altLang="zh-CN" dirty="0" smtClean="0"/>
+              <a:t>2013</a:t>
+            </a:r>
+            <a:r>
+              <a:rPr lang="zh-CN" altLang="en-US" dirty="0" smtClean="0"/>
+              <a:t>年开始</a:t>
             </a:r>
             <a:r>
               <a:rPr lang="en-US" altLang="zh-CN" dirty="0" err="1" smtClean="0"/>
-              <a:t>mariadb</a:t>
-            </a:r>
-            <a:r>
-              <a:rPr lang="zh-CN" altLang="en-US" dirty="0" smtClean="0"/>
-              <a:t>、</a:t>
-            </a:r>
-            <a:r>
-              <a:rPr lang="en-US" altLang="zh-CN" baseline="0" dirty="0" err="1" smtClean="0"/>
-              <a:t>memache</a:t>
-            </a:r>
-            <a:r>
-              <a:rPr lang="zh-CN" altLang="en-US" baseline="0" dirty="0" smtClean="0"/>
-              <a:t>、</a:t>
-            </a:r>
-            <a:r>
-              <a:rPr lang="en-US" altLang="zh-CN" baseline="0" dirty="0" err="1" smtClean="0"/>
-              <a:t>rabbitmq</a:t>
-            </a:r>
-            <a:r>
-              <a:rPr lang="zh-CN" altLang="en-US" baseline="0" dirty="0" smtClean="0"/>
-              <a:t>依赖组件启动成功后，部署</a:t>
-            </a:r>
-            <a:r>
-              <a:rPr lang="en-US" altLang="zh-CN" baseline="0" dirty="0" err="1" smtClean="0"/>
-              <a:t>openstack</a:t>
-            </a:r>
-            <a:r>
-              <a:rPr lang="zh-CN" altLang="en-US" baseline="0" dirty="0" smtClean="0"/>
-              <a:t>服务</a:t>
-            </a:r>
-            <a:endParaRPr lang="en-US" altLang="zh-CN" baseline="0" dirty="0" smtClean="0"/>
-          </a:p>
-          <a:p>
-            <a:endParaRPr lang="en-US" altLang="zh-CN" sz="1200" kern="1200" dirty="0" smtClean="0">
-              <a:solidFill>
-                <a:schemeClr val="tx1"/>
-              </a:solidFill>
-              <a:effectLst/>
-              <a:latin typeface="+mn-lt"/>
-              <a:ea typeface="+mn-ea"/>
-              <a:cs typeface="+mn-cs"/>
-            </a:endParaRPr>
-          </a:p>
-          <a:p>
-            <a:r>
-              <a:rPr lang="en-US" altLang="zh-CN" sz="1200" kern="1200" dirty="0" smtClean="0">
-                <a:solidFill>
-                  <a:schemeClr val="tx1"/>
-                </a:solidFill>
-                <a:effectLst/>
-                <a:latin typeface="+mn-lt"/>
-                <a:ea typeface="+mn-ea"/>
-                <a:cs typeface="+mn-cs"/>
-              </a:rPr>
-              <a:t>helm</a:t>
-            </a:r>
-            <a:r>
-              <a:rPr lang="en-US" altLang="zh-CN" dirty="0" smtClean="0"/>
-              <a:t> </a:t>
-            </a:r>
-            <a:r>
-              <a:rPr lang="en-US" altLang="zh-CN" sz="1200" kern="1200" dirty="0" smtClean="0">
-                <a:solidFill>
-                  <a:schemeClr val="tx1"/>
-                </a:solidFill>
-                <a:effectLst/>
-                <a:latin typeface="+mn-lt"/>
-                <a:ea typeface="+mn-ea"/>
-                <a:cs typeface="+mn-cs"/>
-              </a:rPr>
-              <a:t>install</a:t>
-            </a:r>
-            <a:r>
-              <a:rPr lang="en-US" altLang="zh-CN" dirty="0" smtClean="0"/>
-              <a:t> </a:t>
-            </a:r>
-            <a:r>
-              <a:rPr lang="en-US" altLang="zh-CN" sz="1200" kern="1200" dirty="0" smtClean="0">
-                <a:solidFill>
-                  <a:schemeClr val="tx1"/>
-                </a:solidFill>
-                <a:effectLst/>
-                <a:latin typeface="+mn-lt"/>
-                <a:ea typeface="+mn-ea"/>
-                <a:cs typeface="+mn-cs"/>
-              </a:rPr>
-              <a:t>--debug</a:t>
-            </a:r>
-            <a:r>
-              <a:rPr lang="en-US" altLang="zh-CN" dirty="0" smtClean="0"/>
-              <a:t> </a:t>
-            </a:r>
-            <a:r>
-              <a:rPr lang="en-US" altLang="zh-CN" sz="1200" kern="1200" dirty="0" err="1" smtClean="0">
-                <a:solidFill>
-                  <a:schemeClr val="tx1"/>
-                </a:solidFill>
-                <a:effectLst/>
-                <a:latin typeface="+mn-lt"/>
-                <a:ea typeface="+mn-ea"/>
-                <a:cs typeface="+mn-cs"/>
-              </a:rPr>
-              <a:t>kolla-kubernetes</a:t>
-            </a:r>
-            <a:r>
-              <a:rPr lang="en-US" altLang="zh-CN" sz="1200" kern="1200" dirty="0" smtClean="0">
-                <a:solidFill>
-                  <a:schemeClr val="tx1"/>
-                </a:solidFill>
-                <a:effectLst/>
-                <a:latin typeface="+mn-lt"/>
-                <a:ea typeface="+mn-ea"/>
-                <a:cs typeface="+mn-cs"/>
-              </a:rPr>
-              <a:t>/helm/service/</a:t>
-            </a:r>
-            <a:r>
-              <a:rPr lang="en-US" altLang="zh-CN" sz="1200" kern="1200" dirty="0" err="1" smtClean="0">
-                <a:solidFill>
-                  <a:schemeClr val="tx1"/>
-                </a:solidFill>
-                <a:effectLst/>
-                <a:latin typeface="+mn-lt"/>
-                <a:ea typeface="+mn-ea"/>
-                <a:cs typeface="+mn-cs"/>
-              </a:rPr>
-              <a:t>mariadb</a:t>
-            </a:r>
-            <a:r>
-              <a:rPr lang="en-US" altLang="zh-CN" dirty="0" smtClean="0"/>
-              <a:t> </a:t>
-            </a:r>
-            <a:r>
-              <a:rPr lang="en-US" altLang="zh-CN" sz="1200" kern="1200" dirty="0" smtClean="0">
-                <a:solidFill>
-                  <a:schemeClr val="tx1"/>
-                </a:solidFill>
-                <a:effectLst/>
-                <a:latin typeface="+mn-lt"/>
-                <a:ea typeface="+mn-ea"/>
-                <a:cs typeface="+mn-cs"/>
-              </a:rPr>
-              <a:t>--namespace</a:t>
-            </a:r>
-            <a:r>
-              <a:rPr lang="en-US" altLang="zh-CN" dirty="0" smtClean="0"/>
-              <a:t> </a:t>
-            </a:r>
-            <a:r>
-              <a:rPr lang="en-US" altLang="zh-CN" sz="1200" kern="1200" dirty="0" err="1" smtClean="0">
-                <a:solidFill>
-                  <a:schemeClr val="tx1"/>
-                </a:solidFill>
-                <a:effectLst/>
-                <a:latin typeface="+mn-lt"/>
-                <a:ea typeface="+mn-ea"/>
-                <a:cs typeface="+mn-cs"/>
-              </a:rPr>
-              <a:t>kolla</a:t>
-            </a:r>
-            <a:r>
-              <a:rPr lang="en-US" altLang="zh-CN" dirty="0" smtClean="0"/>
-              <a:t> </a:t>
-            </a:r>
-            <a:r>
-              <a:rPr lang="en-US" altLang="zh-CN" sz="1200" kern="1200" dirty="0" smtClean="0">
-                <a:solidFill>
-                  <a:schemeClr val="tx1"/>
-                </a:solidFill>
-                <a:effectLst/>
-                <a:latin typeface="+mn-lt"/>
-                <a:ea typeface="+mn-ea"/>
-                <a:cs typeface="+mn-cs"/>
-              </a:rPr>
-              <a:t>--name</a:t>
-            </a:r>
-            <a:r>
-              <a:rPr lang="en-US" altLang="zh-CN" dirty="0" smtClean="0"/>
-              <a:t> </a:t>
-            </a:r>
-            <a:r>
-              <a:rPr lang="en-US" altLang="zh-CN" sz="1200" kern="1200" dirty="0" err="1" smtClean="0">
-                <a:solidFill>
-                  <a:schemeClr val="tx1"/>
-                </a:solidFill>
-                <a:effectLst/>
-                <a:latin typeface="+mn-lt"/>
-                <a:ea typeface="+mn-ea"/>
-                <a:cs typeface="+mn-cs"/>
-              </a:rPr>
-              <a:t>mariadb</a:t>
-            </a:r>
-            <a:r>
-              <a:rPr lang="en-US" altLang="zh-CN" dirty="0" smtClean="0"/>
-              <a:t> </a:t>
-            </a:r>
-            <a:r>
-              <a:rPr lang="en-US" altLang="zh-CN" sz="1200" kern="1200" dirty="0" smtClean="0">
-                <a:solidFill>
-                  <a:schemeClr val="tx1"/>
-                </a:solidFill>
-                <a:effectLst/>
-                <a:latin typeface="+mn-lt"/>
-                <a:ea typeface="+mn-ea"/>
-                <a:cs typeface="+mn-cs"/>
-              </a:rPr>
-              <a:t>--values</a:t>
-            </a:r>
-            <a:r>
-              <a:rPr lang="en-US" altLang="zh-CN" dirty="0" smtClean="0"/>
-              <a:t> </a:t>
-            </a:r>
-            <a:r>
-              <a:rPr lang="en-US" altLang="zh-CN" sz="1200" kern="1200" dirty="0" smtClean="0">
-                <a:solidFill>
-                  <a:schemeClr val="tx1"/>
-                </a:solidFill>
-                <a:effectLst/>
-                <a:latin typeface="+mn-lt"/>
-                <a:ea typeface="+mn-ea"/>
-                <a:cs typeface="+mn-cs"/>
-              </a:rPr>
-              <a:t>./</a:t>
-            </a:r>
-            <a:r>
-              <a:rPr lang="en-US" altLang="zh-CN" sz="1200" kern="1200" dirty="0" err="1" smtClean="0">
-                <a:solidFill>
-                  <a:schemeClr val="tx1"/>
-                </a:solidFill>
-                <a:effectLst/>
-                <a:latin typeface="+mn-lt"/>
-                <a:ea typeface="+mn-ea"/>
-                <a:cs typeface="+mn-cs"/>
-              </a:rPr>
-              <a:t>cloud.yaml</a:t>
-            </a:r>
-            <a:endParaRPr lang="en-US" altLang="zh-CN" sz="1200" kern="1200" dirty="0" smtClean="0">
-              <a:solidFill>
-                <a:schemeClr val="tx1"/>
-              </a:solidFill>
-              <a:effectLst/>
-              <a:latin typeface="+mn-lt"/>
-              <a:ea typeface="+mn-ea"/>
-              <a:cs typeface="+mn-cs"/>
-            </a:endParaRPr>
-          </a:p>
-          <a:p>
-            <a:r>
-              <a:rPr lang="en-US" altLang="zh-CN" sz="1200" kern="1200" dirty="0" smtClean="0">
-                <a:solidFill>
-                  <a:schemeClr val="tx1"/>
-                </a:solidFill>
-                <a:effectLst/>
-                <a:latin typeface="+mn-lt"/>
-                <a:ea typeface="+mn-ea"/>
-                <a:cs typeface="+mn-cs"/>
-              </a:rPr>
-              <a:t>helm</a:t>
-            </a:r>
-            <a:r>
-              <a:rPr lang="en-US" altLang="zh-CN" dirty="0" smtClean="0"/>
-              <a:t> </a:t>
-            </a:r>
-            <a:r>
-              <a:rPr lang="en-US" altLang="zh-CN" sz="1200" kern="1200" dirty="0" smtClean="0">
-                <a:solidFill>
-                  <a:schemeClr val="tx1"/>
-                </a:solidFill>
-                <a:effectLst/>
-                <a:latin typeface="+mn-lt"/>
-                <a:ea typeface="+mn-ea"/>
-                <a:cs typeface="+mn-cs"/>
-              </a:rPr>
-              <a:t>install</a:t>
-            </a:r>
-            <a:r>
-              <a:rPr lang="en-US" altLang="zh-CN" dirty="0" smtClean="0"/>
-              <a:t> </a:t>
-            </a:r>
-            <a:r>
-              <a:rPr lang="en-US" altLang="zh-CN" sz="1200" kern="1200" dirty="0" smtClean="0">
-                <a:solidFill>
-                  <a:schemeClr val="tx1"/>
-                </a:solidFill>
-                <a:effectLst/>
-                <a:latin typeface="+mn-lt"/>
-                <a:ea typeface="+mn-ea"/>
-                <a:cs typeface="+mn-cs"/>
-              </a:rPr>
-              <a:t>--debug</a:t>
-            </a:r>
-            <a:r>
-              <a:rPr lang="en-US" altLang="zh-CN" dirty="0" smtClean="0"/>
-              <a:t> </a:t>
-            </a:r>
-            <a:r>
-              <a:rPr lang="en-US" altLang="zh-CN" sz="1200" kern="1200" dirty="0" err="1" smtClean="0">
-                <a:solidFill>
-                  <a:schemeClr val="tx1"/>
-                </a:solidFill>
-                <a:effectLst/>
-                <a:latin typeface="+mn-lt"/>
-                <a:ea typeface="+mn-ea"/>
-                <a:cs typeface="+mn-cs"/>
-              </a:rPr>
-              <a:t>kolla-kubernetes</a:t>
-            </a:r>
-            <a:r>
-              <a:rPr lang="en-US" altLang="zh-CN" sz="1200" kern="1200" dirty="0" smtClean="0">
-                <a:solidFill>
-                  <a:schemeClr val="tx1"/>
-                </a:solidFill>
-                <a:effectLst/>
-                <a:latin typeface="+mn-lt"/>
-                <a:ea typeface="+mn-ea"/>
-                <a:cs typeface="+mn-cs"/>
-              </a:rPr>
-              <a:t>/helm/service/</a:t>
-            </a:r>
-            <a:r>
-              <a:rPr lang="en-US" altLang="zh-CN" sz="1200" kern="1200" dirty="0" err="1" smtClean="0">
-                <a:solidFill>
-                  <a:schemeClr val="tx1"/>
-                </a:solidFill>
-                <a:effectLst/>
-                <a:latin typeface="+mn-lt"/>
-                <a:ea typeface="+mn-ea"/>
-                <a:cs typeface="+mn-cs"/>
-              </a:rPr>
-              <a:t>rabbitmq</a:t>
-            </a:r>
-            <a:r>
-              <a:rPr lang="en-US" altLang="zh-CN" dirty="0" smtClean="0"/>
-              <a:t> </a:t>
-            </a:r>
-            <a:r>
-              <a:rPr lang="en-US" altLang="zh-CN" sz="1200" kern="1200" dirty="0" smtClean="0">
-                <a:solidFill>
-                  <a:schemeClr val="tx1"/>
-                </a:solidFill>
-                <a:effectLst/>
-                <a:latin typeface="+mn-lt"/>
-                <a:ea typeface="+mn-ea"/>
-                <a:cs typeface="+mn-cs"/>
-              </a:rPr>
-              <a:t>--namespace</a:t>
-            </a:r>
-            <a:r>
-              <a:rPr lang="en-US" altLang="zh-CN" dirty="0" smtClean="0"/>
-              <a:t> </a:t>
-            </a:r>
-            <a:r>
-              <a:rPr lang="en-US" altLang="zh-CN" sz="1200" kern="1200" dirty="0" err="1" smtClean="0">
-                <a:solidFill>
-                  <a:schemeClr val="tx1"/>
-                </a:solidFill>
-                <a:effectLst/>
-                <a:latin typeface="+mn-lt"/>
-                <a:ea typeface="+mn-ea"/>
-                <a:cs typeface="+mn-cs"/>
-              </a:rPr>
-              <a:t>kolla</a:t>
-            </a:r>
-            <a:r>
-              <a:rPr lang="en-US" altLang="zh-CN" dirty="0" smtClean="0"/>
-              <a:t> </a:t>
-            </a:r>
-            <a:r>
-              <a:rPr lang="en-US" altLang="zh-CN" sz="1200" kern="1200" dirty="0" smtClean="0">
-                <a:solidFill>
-                  <a:schemeClr val="tx1"/>
-                </a:solidFill>
-                <a:effectLst/>
-                <a:latin typeface="+mn-lt"/>
-                <a:ea typeface="+mn-ea"/>
-                <a:cs typeface="+mn-cs"/>
-              </a:rPr>
-              <a:t>--name</a:t>
-            </a:r>
-            <a:r>
-              <a:rPr lang="en-US" altLang="zh-CN" dirty="0" smtClean="0"/>
-              <a:t> </a:t>
-            </a:r>
-            <a:r>
-              <a:rPr lang="en-US" altLang="zh-CN" sz="1200" kern="1200" dirty="0" err="1" smtClean="0">
-                <a:solidFill>
-                  <a:schemeClr val="tx1"/>
-                </a:solidFill>
-                <a:effectLst/>
-                <a:latin typeface="+mn-lt"/>
-                <a:ea typeface="+mn-ea"/>
-                <a:cs typeface="+mn-cs"/>
-              </a:rPr>
-              <a:t>rabbitmq</a:t>
-            </a:r>
-            <a:r>
-              <a:rPr lang="en-US" altLang="zh-CN" dirty="0" smtClean="0"/>
-              <a:t> </a:t>
-            </a:r>
-            <a:r>
-              <a:rPr lang="en-US" altLang="zh-CN" sz="1200" kern="1200" dirty="0" smtClean="0">
-                <a:solidFill>
-                  <a:schemeClr val="tx1"/>
-                </a:solidFill>
-                <a:effectLst/>
-                <a:latin typeface="+mn-lt"/>
-                <a:ea typeface="+mn-ea"/>
-                <a:cs typeface="+mn-cs"/>
-              </a:rPr>
-              <a:t>--values</a:t>
-            </a:r>
-            <a:r>
-              <a:rPr lang="en-US" altLang="zh-CN" dirty="0" smtClean="0"/>
-              <a:t> </a:t>
-            </a:r>
-            <a:r>
-              <a:rPr lang="en-US" altLang="zh-CN" sz="1200" kern="1200" dirty="0" smtClean="0">
-                <a:solidFill>
-                  <a:schemeClr val="tx1"/>
-                </a:solidFill>
-                <a:effectLst/>
-                <a:latin typeface="+mn-lt"/>
-                <a:ea typeface="+mn-ea"/>
-                <a:cs typeface="+mn-cs"/>
-              </a:rPr>
-              <a:t>./</a:t>
-            </a:r>
-            <a:r>
-              <a:rPr lang="en-US" altLang="zh-CN" sz="1200" kern="1200" dirty="0" err="1" smtClean="0">
-                <a:solidFill>
-                  <a:schemeClr val="tx1"/>
-                </a:solidFill>
-                <a:effectLst/>
-                <a:latin typeface="+mn-lt"/>
-                <a:ea typeface="+mn-ea"/>
-                <a:cs typeface="+mn-cs"/>
-              </a:rPr>
-              <a:t>cloud.yaml</a:t>
-            </a:r>
-            <a:r>
-              <a:rPr lang="en-US" altLang="zh-CN" dirty="0" smtClean="0"/>
-              <a:t> </a:t>
-            </a:r>
-            <a:r>
-              <a:rPr lang="en-US" altLang="zh-CN" sz="1200" kern="1200" dirty="0" smtClean="0">
-                <a:solidFill>
-                  <a:schemeClr val="tx1"/>
-                </a:solidFill>
-                <a:effectLst/>
-                <a:latin typeface="+mn-lt"/>
-                <a:ea typeface="+mn-ea"/>
-                <a:cs typeface="+mn-cs"/>
-              </a:rPr>
-              <a:t>helm</a:t>
-            </a:r>
-            <a:r>
-              <a:rPr lang="en-US" altLang="zh-CN" dirty="0" smtClean="0"/>
-              <a:t> </a:t>
-            </a:r>
-            <a:r>
-              <a:rPr lang="en-US" altLang="zh-CN" sz="1200" kern="1200" dirty="0" smtClean="0">
-                <a:solidFill>
-                  <a:schemeClr val="tx1"/>
-                </a:solidFill>
-                <a:effectLst/>
-                <a:latin typeface="+mn-lt"/>
-                <a:ea typeface="+mn-ea"/>
-                <a:cs typeface="+mn-cs"/>
-              </a:rPr>
-              <a:t>install</a:t>
-            </a:r>
-            <a:r>
-              <a:rPr lang="en-US" altLang="zh-CN" dirty="0" smtClean="0"/>
-              <a:t> </a:t>
-            </a:r>
-            <a:r>
-              <a:rPr lang="en-US" altLang="zh-CN" sz="1200" kern="1200" dirty="0" smtClean="0">
-                <a:solidFill>
-                  <a:schemeClr val="tx1"/>
-                </a:solidFill>
-                <a:effectLst/>
-                <a:latin typeface="+mn-lt"/>
-                <a:ea typeface="+mn-ea"/>
-                <a:cs typeface="+mn-cs"/>
-              </a:rPr>
-              <a:t>--debug</a:t>
-            </a:r>
-            <a:r>
-              <a:rPr lang="en-US" altLang="zh-CN" dirty="0" smtClean="0"/>
-              <a:t> </a:t>
-            </a:r>
-            <a:r>
-              <a:rPr lang="en-US" altLang="zh-CN" sz="1200" kern="1200" dirty="0" err="1" smtClean="0">
-                <a:solidFill>
-                  <a:schemeClr val="tx1"/>
-                </a:solidFill>
-                <a:effectLst/>
-                <a:latin typeface="+mn-lt"/>
-                <a:ea typeface="+mn-ea"/>
-                <a:cs typeface="+mn-cs"/>
-              </a:rPr>
-              <a:t>kolla-kubernetes</a:t>
-            </a:r>
-            <a:r>
-              <a:rPr lang="en-US" altLang="zh-CN" sz="1200" kern="1200" dirty="0" smtClean="0">
-                <a:solidFill>
-                  <a:schemeClr val="tx1"/>
-                </a:solidFill>
-                <a:effectLst/>
-                <a:latin typeface="+mn-lt"/>
-                <a:ea typeface="+mn-ea"/>
-                <a:cs typeface="+mn-cs"/>
-              </a:rPr>
-              <a:t>/helm/service/</a:t>
-            </a:r>
-            <a:r>
-              <a:rPr lang="en-US" altLang="zh-CN" sz="1200" kern="1200" dirty="0" err="1" smtClean="0">
-                <a:solidFill>
-                  <a:schemeClr val="tx1"/>
-                </a:solidFill>
-                <a:effectLst/>
-                <a:latin typeface="+mn-lt"/>
-                <a:ea typeface="+mn-ea"/>
-                <a:cs typeface="+mn-cs"/>
-              </a:rPr>
-              <a:t>memcached</a:t>
-            </a:r>
-            <a:r>
-              <a:rPr lang="en-US" altLang="zh-CN" dirty="0" smtClean="0"/>
-              <a:t> </a:t>
-            </a:r>
-            <a:r>
-              <a:rPr lang="en-US" altLang="zh-CN" sz="1200" kern="1200" dirty="0" smtClean="0">
-                <a:solidFill>
-                  <a:schemeClr val="tx1"/>
-                </a:solidFill>
-                <a:effectLst/>
-                <a:latin typeface="+mn-lt"/>
-                <a:ea typeface="+mn-ea"/>
-                <a:cs typeface="+mn-cs"/>
-              </a:rPr>
-              <a:t>--namespace</a:t>
-            </a:r>
-            <a:r>
-              <a:rPr lang="en-US" altLang="zh-CN" dirty="0" smtClean="0"/>
-              <a:t> </a:t>
-            </a:r>
-            <a:r>
-              <a:rPr lang="en-US" altLang="zh-CN" sz="1200" kern="1200" dirty="0" err="1" smtClean="0">
-                <a:solidFill>
-                  <a:schemeClr val="tx1"/>
-                </a:solidFill>
-                <a:effectLst/>
-                <a:latin typeface="+mn-lt"/>
-                <a:ea typeface="+mn-ea"/>
-                <a:cs typeface="+mn-cs"/>
-              </a:rPr>
-              <a:t>kolla</a:t>
-            </a:r>
-            <a:r>
-              <a:rPr lang="en-US" altLang="zh-CN" dirty="0" smtClean="0"/>
-              <a:t> </a:t>
-            </a:r>
-            <a:r>
-              <a:rPr lang="en-US" altLang="zh-CN" sz="1200" kern="1200" dirty="0" smtClean="0">
-                <a:solidFill>
-                  <a:schemeClr val="tx1"/>
-                </a:solidFill>
-                <a:effectLst/>
-                <a:latin typeface="+mn-lt"/>
-                <a:ea typeface="+mn-ea"/>
-                <a:cs typeface="+mn-cs"/>
-              </a:rPr>
-              <a:t>--name</a:t>
-            </a:r>
-            <a:r>
-              <a:rPr lang="en-US" altLang="zh-CN" dirty="0" smtClean="0"/>
-              <a:t> </a:t>
-            </a:r>
-            <a:r>
-              <a:rPr lang="en-US" altLang="zh-CN" sz="1200" kern="1200" dirty="0" err="1" smtClean="0">
-                <a:solidFill>
-                  <a:schemeClr val="tx1"/>
-                </a:solidFill>
-                <a:effectLst/>
-                <a:latin typeface="+mn-lt"/>
-                <a:ea typeface="+mn-ea"/>
-                <a:cs typeface="+mn-cs"/>
-              </a:rPr>
-              <a:t>memcached</a:t>
-            </a:r>
-            <a:r>
-              <a:rPr lang="en-US" altLang="zh-CN" dirty="0" smtClean="0"/>
-              <a:t> </a:t>
-            </a:r>
-            <a:r>
-              <a:rPr lang="en-US" altLang="zh-CN" sz="1200" kern="1200" dirty="0" smtClean="0">
-                <a:solidFill>
-                  <a:schemeClr val="tx1"/>
-                </a:solidFill>
-                <a:effectLst/>
-                <a:latin typeface="+mn-lt"/>
-                <a:ea typeface="+mn-ea"/>
-                <a:cs typeface="+mn-cs"/>
-              </a:rPr>
-              <a:t>--values</a:t>
-            </a:r>
-            <a:r>
-              <a:rPr lang="en-US" altLang="zh-CN" dirty="0" smtClean="0"/>
-              <a:t> </a:t>
-            </a:r>
-            <a:r>
-              <a:rPr lang="en-US" altLang="zh-CN" sz="1200" kern="1200" dirty="0" smtClean="0">
-                <a:solidFill>
-                  <a:schemeClr val="tx1"/>
-                </a:solidFill>
-                <a:effectLst/>
-                <a:latin typeface="+mn-lt"/>
-                <a:ea typeface="+mn-ea"/>
-                <a:cs typeface="+mn-cs"/>
-              </a:rPr>
-              <a:t>./</a:t>
-            </a:r>
-            <a:r>
-              <a:rPr lang="en-US" altLang="zh-CN" sz="1200" kern="1200" dirty="0" err="1" smtClean="0">
-                <a:solidFill>
-                  <a:schemeClr val="tx1"/>
-                </a:solidFill>
-                <a:effectLst/>
-                <a:latin typeface="+mn-lt"/>
-                <a:ea typeface="+mn-ea"/>
-                <a:cs typeface="+mn-cs"/>
-              </a:rPr>
-              <a:t>cloud.yaml</a:t>
-            </a:r>
-            <a:r>
-              <a:rPr lang="en-US" altLang="zh-CN" dirty="0" smtClean="0"/>
-              <a:t> </a:t>
-            </a:r>
-            <a:endParaRPr lang="en-US" altLang="zh-CN" baseline="0" dirty="0" smtClean="0"/>
+              <a:t>Redhat</a:t>
+            </a:r>
+            <a:r>
+              <a:rPr lang="zh-CN" altLang="en-US" dirty="0" smtClean="0"/>
+              <a:t>基于</a:t>
+            </a:r>
+            <a:r>
+              <a:rPr lang="en-US" altLang="zh-CN" dirty="0" err="1" smtClean="0"/>
+              <a:t>kubernetes</a:t>
+            </a:r>
+            <a:r>
+              <a:rPr lang="zh-CN" altLang="en-US" dirty="0" smtClean="0"/>
+              <a:t>开发，功能已比较完善且稳定程度较高，包含公有云版本和社区版本</a:t>
+            </a:r>
+            <a:endParaRPr lang="en-US" altLang="zh-CN" dirty="0" smtClean="0"/>
+          </a:p>
+          <a:p>
+            <a:r>
+              <a:rPr lang="zh-CN" altLang="en-US" dirty="0" smtClean="0"/>
+              <a:t>封装了</a:t>
+            </a:r>
+            <a:r>
+              <a:rPr lang="en-US" altLang="zh-CN" dirty="0" err="1" smtClean="0"/>
+              <a:t>kubernetes</a:t>
+            </a:r>
+            <a:r>
+              <a:rPr lang="zh-CN" altLang="en-US" dirty="0" smtClean="0"/>
+              <a:t>客户端，提供自己的客户端程序</a:t>
+            </a:r>
+            <a:r>
+              <a:rPr lang="en-US" altLang="zh-CN" dirty="0" err="1" smtClean="0"/>
+              <a:t>oc</a:t>
+            </a:r>
+            <a:r>
+              <a:rPr lang="zh-CN" altLang="en-US" dirty="0" smtClean="0"/>
+              <a:t>与集群交互</a:t>
+            </a:r>
+            <a:endParaRPr lang="en-US" altLang="zh-CN" dirty="0" smtClean="0"/>
           </a:p>
         </p:txBody>
       </p:sp>
@@ -2608,7 +2196,7 @@
     </p:spTree>
     <p:extLst>
       <p:ext uri="{BB962C8B-B14F-4D97-AF65-F5344CB8AC3E}">
-        <p14:creationId xmlns:p14="http://schemas.microsoft.com/office/powerpoint/2010/main" val="3982175546"/>
+        <p14:creationId xmlns:p14="http://schemas.microsoft.com/office/powerpoint/2010/main" val="2686608799"/>
       </p:ext>
     </p:extLst>
   </p:cSld>
@@ -2664,9 +2252,679 @@
           <a:p>
             <a:r>
               <a:rPr lang="en-US" altLang="zh-CN" dirty="0" smtClean="0"/>
-              <a:t>0.5 min</a:t>
-            </a:r>
-            <a:endParaRPr lang="zh-CN" altLang="en-US" dirty="0"/>
+              <a:t>1.5 min</a:t>
+            </a:r>
+          </a:p>
+          <a:p>
+            <a:r>
+              <a:rPr lang="zh-CN" altLang="en-US" dirty="0" smtClean="0"/>
+              <a:t>自定义配置文件：指定</a:t>
+            </a:r>
+            <a:r>
+              <a:rPr lang="en-US" altLang="zh-CN" dirty="0" err="1" smtClean="0"/>
+              <a:t>openstack</a:t>
+            </a:r>
+            <a:r>
+              <a:rPr lang="zh-CN" altLang="en-US" dirty="0" smtClean="0"/>
+              <a:t>使用的网络、私有镜像仓库、虚拟化类型等。</a:t>
+            </a:r>
+            <a:endParaRPr lang="en-US" altLang="zh-CN" dirty="0" smtClean="0"/>
+          </a:p>
+          <a:p>
+            <a:r>
+              <a:rPr lang="zh-CN" altLang="en-US" dirty="0" smtClean="0"/>
+              <a:t>使用</a:t>
+            </a:r>
+            <a:r>
+              <a:rPr lang="en-US" altLang="zh-CN" dirty="0" smtClean="0"/>
+              <a:t>Helm</a:t>
+            </a:r>
+            <a:r>
+              <a:rPr lang="zh-CN" altLang="en-US" dirty="0" smtClean="0"/>
+              <a:t>部署：</a:t>
+            </a:r>
+            <a:r>
+              <a:rPr lang="en-US" altLang="zh-CN" dirty="0" err="1" smtClean="0"/>
+              <a:t>mariadb</a:t>
+            </a:r>
+            <a:r>
+              <a:rPr lang="zh-CN" altLang="en-US" dirty="0" smtClean="0"/>
+              <a:t>、</a:t>
+            </a:r>
+            <a:r>
+              <a:rPr lang="en-US" altLang="zh-CN" baseline="0" dirty="0" err="1" smtClean="0"/>
+              <a:t>memache</a:t>
+            </a:r>
+            <a:r>
+              <a:rPr lang="zh-CN" altLang="en-US" baseline="0" dirty="0" smtClean="0"/>
+              <a:t>、</a:t>
+            </a:r>
+            <a:r>
+              <a:rPr lang="en-US" altLang="zh-CN" baseline="0" dirty="0" err="1" smtClean="0"/>
+              <a:t>rabbitmq</a:t>
+            </a:r>
+            <a:r>
+              <a:rPr lang="zh-CN" altLang="en-US" baseline="0" dirty="0" smtClean="0"/>
+              <a:t>依赖组件启动成功后，部署</a:t>
+            </a:r>
+            <a:r>
+              <a:rPr lang="en-US" altLang="zh-CN" baseline="0" dirty="0" err="1" smtClean="0"/>
+              <a:t>openstack</a:t>
+            </a:r>
+            <a:r>
+              <a:rPr lang="zh-CN" altLang="en-US" baseline="0" dirty="0" smtClean="0"/>
+              <a:t>服务</a:t>
+            </a:r>
+            <a:endParaRPr lang="en-US" altLang="zh-CN" baseline="0" dirty="0" smtClean="0"/>
+          </a:p>
+          <a:p>
+            <a:endParaRPr lang="en-US" altLang="zh-CN" sz="1200" kern="1200" dirty="0" smtClean="0">
+              <a:solidFill>
+                <a:schemeClr val="tx1"/>
+              </a:solidFill>
+              <a:effectLst/>
+              <a:latin typeface="+mn-lt"/>
+              <a:ea typeface="+mn-ea"/>
+              <a:cs typeface="+mn-cs"/>
+            </a:endParaRPr>
+          </a:p>
+          <a:p>
+            <a:r>
+              <a:rPr lang="en-US" altLang="zh-CN" sz="1200" kern="1200" dirty="0" smtClean="0">
+                <a:solidFill>
+                  <a:schemeClr val="tx1"/>
+                </a:solidFill>
+                <a:effectLst/>
+                <a:latin typeface="+mn-lt"/>
+                <a:ea typeface="+mn-ea"/>
+                <a:cs typeface="+mn-cs"/>
+              </a:rPr>
+              <a:t>helm</a:t>
+            </a:r>
+            <a:r>
+              <a:rPr lang="en-US" altLang="zh-CN" dirty="0" smtClean="0"/>
+              <a:t> </a:t>
+            </a:r>
+            <a:r>
+              <a:rPr lang="en-US" altLang="zh-CN" sz="1200" kern="1200" dirty="0" smtClean="0">
+                <a:solidFill>
+                  <a:schemeClr val="tx1"/>
+                </a:solidFill>
+                <a:effectLst/>
+                <a:latin typeface="+mn-lt"/>
+                <a:ea typeface="+mn-ea"/>
+                <a:cs typeface="+mn-cs"/>
+              </a:rPr>
+              <a:t>install</a:t>
+            </a:r>
+            <a:r>
+              <a:rPr lang="en-US" altLang="zh-CN" dirty="0" smtClean="0"/>
+              <a:t> </a:t>
+            </a:r>
+            <a:r>
+              <a:rPr lang="en-US" altLang="zh-CN" sz="1200" kern="1200" dirty="0" smtClean="0">
+                <a:solidFill>
+                  <a:schemeClr val="tx1"/>
+                </a:solidFill>
+                <a:effectLst/>
+                <a:latin typeface="+mn-lt"/>
+                <a:ea typeface="+mn-ea"/>
+                <a:cs typeface="+mn-cs"/>
+              </a:rPr>
+              <a:t>--debug</a:t>
+            </a:r>
+            <a:r>
+              <a:rPr lang="en-US" altLang="zh-CN" dirty="0" smtClean="0"/>
+              <a:t> </a:t>
+            </a:r>
+            <a:r>
+              <a:rPr lang="en-US" altLang="zh-CN" sz="1200" kern="1200" dirty="0" err="1" smtClean="0">
+                <a:solidFill>
+                  <a:schemeClr val="tx1"/>
+                </a:solidFill>
+                <a:effectLst/>
+                <a:latin typeface="+mn-lt"/>
+                <a:ea typeface="+mn-ea"/>
+                <a:cs typeface="+mn-cs"/>
+              </a:rPr>
+              <a:t>kolla-kubernetes</a:t>
+            </a:r>
+            <a:r>
+              <a:rPr lang="en-US" altLang="zh-CN" sz="1200" kern="1200" dirty="0" smtClean="0">
+                <a:solidFill>
+                  <a:schemeClr val="tx1"/>
+                </a:solidFill>
+                <a:effectLst/>
+                <a:latin typeface="+mn-lt"/>
+                <a:ea typeface="+mn-ea"/>
+                <a:cs typeface="+mn-cs"/>
+              </a:rPr>
+              <a:t>/helm/service/</a:t>
+            </a:r>
+            <a:r>
+              <a:rPr lang="en-US" altLang="zh-CN" sz="1200" kern="1200" dirty="0" err="1" smtClean="0">
+                <a:solidFill>
+                  <a:schemeClr val="tx1"/>
+                </a:solidFill>
+                <a:effectLst/>
+                <a:latin typeface="+mn-lt"/>
+                <a:ea typeface="+mn-ea"/>
+                <a:cs typeface="+mn-cs"/>
+              </a:rPr>
+              <a:t>mariadb</a:t>
+            </a:r>
+            <a:r>
+              <a:rPr lang="en-US" altLang="zh-CN" dirty="0" smtClean="0"/>
+              <a:t> </a:t>
+            </a:r>
+            <a:r>
+              <a:rPr lang="en-US" altLang="zh-CN" sz="1200" kern="1200" dirty="0" smtClean="0">
+                <a:solidFill>
+                  <a:schemeClr val="tx1"/>
+                </a:solidFill>
+                <a:effectLst/>
+                <a:latin typeface="+mn-lt"/>
+                <a:ea typeface="+mn-ea"/>
+                <a:cs typeface="+mn-cs"/>
+              </a:rPr>
+              <a:t>--namespace</a:t>
+            </a:r>
+            <a:r>
+              <a:rPr lang="en-US" altLang="zh-CN" dirty="0" smtClean="0"/>
+              <a:t> </a:t>
+            </a:r>
+            <a:r>
+              <a:rPr lang="en-US" altLang="zh-CN" sz="1200" kern="1200" dirty="0" err="1" smtClean="0">
+                <a:solidFill>
+                  <a:schemeClr val="tx1"/>
+                </a:solidFill>
+                <a:effectLst/>
+                <a:latin typeface="+mn-lt"/>
+                <a:ea typeface="+mn-ea"/>
+                <a:cs typeface="+mn-cs"/>
+              </a:rPr>
+              <a:t>kolla</a:t>
+            </a:r>
+            <a:r>
+              <a:rPr lang="en-US" altLang="zh-CN" dirty="0" smtClean="0"/>
+              <a:t> </a:t>
+            </a:r>
+            <a:r>
+              <a:rPr lang="en-US" altLang="zh-CN" sz="1200" kern="1200" dirty="0" smtClean="0">
+                <a:solidFill>
+                  <a:schemeClr val="tx1"/>
+                </a:solidFill>
+                <a:effectLst/>
+                <a:latin typeface="+mn-lt"/>
+                <a:ea typeface="+mn-ea"/>
+                <a:cs typeface="+mn-cs"/>
+              </a:rPr>
+              <a:t>--name</a:t>
+            </a:r>
+            <a:r>
+              <a:rPr lang="en-US" altLang="zh-CN" dirty="0" smtClean="0"/>
+              <a:t> </a:t>
+            </a:r>
+            <a:r>
+              <a:rPr lang="en-US" altLang="zh-CN" sz="1200" kern="1200" dirty="0" err="1" smtClean="0">
+                <a:solidFill>
+                  <a:schemeClr val="tx1"/>
+                </a:solidFill>
+                <a:effectLst/>
+                <a:latin typeface="+mn-lt"/>
+                <a:ea typeface="+mn-ea"/>
+                <a:cs typeface="+mn-cs"/>
+              </a:rPr>
+              <a:t>mariadb</a:t>
+            </a:r>
+            <a:r>
+              <a:rPr lang="en-US" altLang="zh-CN" dirty="0" smtClean="0"/>
+              <a:t> </a:t>
+            </a:r>
+            <a:r>
+              <a:rPr lang="en-US" altLang="zh-CN" sz="1200" kern="1200" dirty="0" smtClean="0">
+                <a:solidFill>
+                  <a:schemeClr val="tx1"/>
+                </a:solidFill>
+                <a:effectLst/>
+                <a:latin typeface="+mn-lt"/>
+                <a:ea typeface="+mn-ea"/>
+                <a:cs typeface="+mn-cs"/>
+              </a:rPr>
+              <a:t>--values</a:t>
+            </a:r>
+            <a:r>
+              <a:rPr lang="en-US" altLang="zh-CN" dirty="0" smtClean="0"/>
+              <a:t> </a:t>
+            </a:r>
+            <a:r>
+              <a:rPr lang="en-US" altLang="zh-CN" sz="1200" kern="1200" dirty="0" smtClean="0">
+                <a:solidFill>
+                  <a:schemeClr val="tx1"/>
+                </a:solidFill>
+                <a:effectLst/>
+                <a:latin typeface="+mn-lt"/>
+                <a:ea typeface="+mn-ea"/>
+                <a:cs typeface="+mn-cs"/>
+              </a:rPr>
+              <a:t>./</a:t>
+            </a:r>
+            <a:r>
+              <a:rPr lang="en-US" altLang="zh-CN" sz="1200" kern="1200" dirty="0" err="1" smtClean="0">
+                <a:solidFill>
+                  <a:schemeClr val="tx1"/>
+                </a:solidFill>
+                <a:effectLst/>
+                <a:latin typeface="+mn-lt"/>
+                <a:ea typeface="+mn-ea"/>
+                <a:cs typeface="+mn-cs"/>
+              </a:rPr>
+              <a:t>cloud.yaml</a:t>
+            </a:r>
+            <a:endParaRPr lang="en-US" altLang="zh-CN" sz="1200" kern="1200" dirty="0" smtClean="0">
+              <a:solidFill>
+                <a:schemeClr val="tx1"/>
+              </a:solidFill>
+              <a:effectLst/>
+              <a:latin typeface="+mn-lt"/>
+              <a:ea typeface="+mn-ea"/>
+              <a:cs typeface="+mn-cs"/>
+            </a:endParaRPr>
+          </a:p>
+          <a:p>
+            <a:r>
+              <a:rPr lang="en-US" altLang="zh-CN" sz="1200" kern="1200" dirty="0" smtClean="0">
+                <a:solidFill>
+                  <a:schemeClr val="tx1"/>
+                </a:solidFill>
+                <a:effectLst/>
+                <a:latin typeface="+mn-lt"/>
+                <a:ea typeface="+mn-ea"/>
+                <a:cs typeface="+mn-cs"/>
+              </a:rPr>
+              <a:t>helm</a:t>
+            </a:r>
+            <a:r>
+              <a:rPr lang="en-US" altLang="zh-CN" dirty="0" smtClean="0"/>
+              <a:t> </a:t>
+            </a:r>
+            <a:r>
+              <a:rPr lang="en-US" altLang="zh-CN" sz="1200" kern="1200" dirty="0" smtClean="0">
+                <a:solidFill>
+                  <a:schemeClr val="tx1"/>
+                </a:solidFill>
+                <a:effectLst/>
+                <a:latin typeface="+mn-lt"/>
+                <a:ea typeface="+mn-ea"/>
+                <a:cs typeface="+mn-cs"/>
+              </a:rPr>
+              <a:t>install</a:t>
+            </a:r>
+            <a:r>
+              <a:rPr lang="en-US" altLang="zh-CN" dirty="0" smtClean="0"/>
+              <a:t> </a:t>
+            </a:r>
+            <a:r>
+              <a:rPr lang="en-US" altLang="zh-CN" sz="1200" kern="1200" dirty="0" smtClean="0">
+                <a:solidFill>
+                  <a:schemeClr val="tx1"/>
+                </a:solidFill>
+                <a:effectLst/>
+                <a:latin typeface="+mn-lt"/>
+                <a:ea typeface="+mn-ea"/>
+                <a:cs typeface="+mn-cs"/>
+              </a:rPr>
+              <a:t>--debug</a:t>
+            </a:r>
+            <a:r>
+              <a:rPr lang="en-US" altLang="zh-CN" dirty="0" smtClean="0"/>
+              <a:t> </a:t>
+            </a:r>
+            <a:r>
+              <a:rPr lang="en-US" altLang="zh-CN" sz="1200" kern="1200" dirty="0" err="1" smtClean="0">
+                <a:solidFill>
+                  <a:schemeClr val="tx1"/>
+                </a:solidFill>
+                <a:effectLst/>
+                <a:latin typeface="+mn-lt"/>
+                <a:ea typeface="+mn-ea"/>
+                <a:cs typeface="+mn-cs"/>
+              </a:rPr>
+              <a:t>kolla-kubernetes</a:t>
+            </a:r>
+            <a:r>
+              <a:rPr lang="en-US" altLang="zh-CN" sz="1200" kern="1200" dirty="0" smtClean="0">
+                <a:solidFill>
+                  <a:schemeClr val="tx1"/>
+                </a:solidFill>
+                <a:effectLst/>
+                <a:latin typeface="+mn-lt"/>
+                <a:ea typeface="+mn-ea"/>
+                <a:cs typeface="+mn-cs"/>
+              </a:rPr>
+              <a:t>/helm/service/</a:t>
+            </a:r>
+            <a:r>
+              <a:rPr lang="en-US" altLang="zh-CN" sz="1200" kern="1200" dirty="0" err="1" smtClean="0">
+                <a:solidFill>
+                  <a:schemeClr val="tx1"/>
+                </a:solidFill>
+                <a:effectLst/>
+                <a:latin typeface="+mn-lt"/>
+                <a:ea typeface="+mn-ea"/>
+                <a:cs typeface="+mn-cs"/>
+              </a:rPr>
+              <a:t>rabbitmq</a:t>
+            </a:r>
+            <a:r>
+              <a:rPr lang="en-US" altLang="zh-CN" dirty="0" smtClean="0"/>
+              <a:t> </a:t>
+            </a:r>
+            <a:r>
+              <a:rPr lang="en-US" altLang="zh-CN" sz="1200" kern="1200" dirty="0" smtClean="0">
+                <a:solidFill>
+                  <a:schemeClr val="tx1"/>
+                </a:solidFill>
+                <a:effectLst/>
+                <a:latin typeface="+mn-lt"/>
+                <a:ea typeface="+mn-ea"/>
+                <a:cs typeface="+mn-cs"/>
+              </a:rPr>
+              <a:t>--namespace</a:t>
+            </a:r>
+            <a:r>
+              <a:rPr lang="en-US" altLang="zh-CN" dirty="0" smtClean="0"/>
+              <a:t> </a:t>
+            </a:r>
+            <a:r>
+              <a:rPr lang="en-US" altLang="zh-CN" sz="1200" kern="1200" dirty="0" err="1" smtClean="0">
+                <a:solidFill>
+                  <a:schemeClr val="tx1"/>
+                </a:solidFill>
+                <a:effectLst/>
+                <a:latin typeface="+mn-lt"/>
+                <a:ea typeface="+mn-ea"/>
+                <a:cs typeface="+mn-cs"/>
+              </a:rPr>
+              <a:t>kolla</a:t>
+            </a:r>
+            <a:r>
+              <a:rPr lang="en-US" altLang="zh-CN" dirty="0" smtClean="0"/>
+              <a:t> </a:t>
+            </a:r>
+            <a:r>
+              <a:rPr lang="en-US" altLang="zh-CN" sz="1200" kern="1200" dirty="0" smtClean="0">
+                <a:solidFill>
+                  <a:schemeClr val="tx1"/>
+                </a:solidFill>
+                <a:effectLst/>
+                <a:latin typeface="+mn-lt"/>
+                <a:ea typeface="+mn-ea"/>
+                <a:cs typeface="+mn-cs"/>
+              </a:rPr>
+              <a:t>--name</a:t>
+            </a:r>
+            <a:r>
+              <a:rPr lang="en-US" altLang="zh-CN" dirty="0" smtClean="0"/>
+              <a:t> </a:t>
+            </a:r>
+            <a:r>
+              <a:rPr lang="en-US" altLang="zh-CN" sz="1200" kern="1200" dirty="0" err="1" smtClean="0">
+                <a:solidFill>
+                  <a:schemeClr val="tx1"/>
+                </a:solidFill>
+                <a:effectLst/>
+                <a:latin typeface="+mn-lt"/>
+                <a:ea typeface="+mn-ea"/>
+                <a:cs typeface="+mn-cs"/>
+              </a:rPr>
+              <a:t>rabbitmq</a:t>
+            </a:r>
+            <a:r>
+              <a:rPr lang="en-US" altLang="zh-CN" dirty="0" smtClean="0"/>
+              <a:t> </a:t>
+            </a:r>
+            <a:r>
+              <a:rPr lang="en-US" altLang="zh-CN" sz="1200" kern="1200" dirty="0" smtClean="0">
+                <a:solidFill>
+                  <a:schemeClr val="tx1"/>
+                </a:solidFill>
+                <a:effectLst/>
+                <a:latin typeface="+mn-lt"/>
+                <a:ea typeface="+mn-ea"/>
+                <a:cs typeface="+mn-cs"/>
+              </a:rPr>
+              <a:t>--values</a:t>
+            </a:r>
+            <a:r>
+              <a:rPr lang="en-US" altLang="zh-CN" dirty="0" smtClean="0"/>
+              <a:t> </a:t>
+            </a:r>
+            <a:r>
+              <a:rPr lang="en-US" altLang="zh-CN" sz="1200" kern="1200" dirty="0" smtClean="0">
+                <a:solidFill>
+                  <a:schemeClr val="tx1"/>
+                </a:solidFill>
+                <a:effectLst/>
+                <a:latin typeface="+mn-lt"/>
+                <a:ea typeface="+mn-ea"/>
+                <a:cs typeface="+mn-cs"/>
+              </a:rPr>
+              <a:t>./</a:t>
+            </a:r>
+            <a:r>
+              <a:rPr lang="en-US" altLang="zh-CN" sz="1200" kern="1200" dirty="0" err="1" smtClean="0">
+                <a:solidFill>
+                  <a:schemeClr val="tx1"/>
+                </a:solidFill>
+                <a:effectLst/>
+                <a:latin typeface="+mn-lt"/>
+                <a:ea typeface="+mn-ea"/>
+                <a:cs typeface="+mn-cs"/>
+              </a:rPr>
+              <a:t>cloud.yaml</a:t>
+            </a:r>
+            <a:r>
+              <a:rPr lang="en-US" altLang="zh-CN" dirty="0" smtClean="0"/>
+              <a:t> </a:t>
+            </a:r>
+            <a:r>
+              <a:rPr lang="en-US" altLang="zh-CN" sz="1200" kern="1200" dirty="0" smtClean="0">
+                <a:solidFill>
+                  <a:schemeClr val="tx1"/>
+                </a:solidFill>
+                <a:effectLst/>
+                <a:latin typeface="+mn-lt"/>
+                <a:ea typeface="+mn-ea"/>
+                <a:cs typeface="+mn-cs"/>
+              </a:rPr>
+              <a:t>helm</a:t>
+            </a:r>
+            <a:r>
+              <a:rPr lang="en-US" altLang="zh-CN" dirty="0" smtClean="0"/>
+              <a:t> </a:t>
+            </a:r>
+            <a:r>
+              <a:rPr lang="en-US" altLang="zh-CN" sz="1200" kern="1200" dirty="0" smtClean="0">
+                <a:solidFill>
+                  <a:schemeClr val="tx1"/>
+                </a:solidFill>
+                <a:effectLst/>
+                <a:latin typeface="+mn-lt"/>
+                <a:ea typeface="+mn-ea"/>
+                <a:cs typeface="+mn-cs"/>
+              </a:rPr>
+              <a:t>install</a:t>
+            </a:r>
+            <a:r>
+              <a:rPr lang="en-US" altLang="zh-CN" dirty="0" smtClean="0"/>
+              <a:t> </a:t>
+            </a:r>
+            <a:r>
+              <a:rPr lang="en-US" altLang="zh-CN" sz="1200" kern="1200" dirty="0" smtClean="0">
+                <a:solidFill>
+                  <a:schemeClr val="tx1"/>
+                </a:solidFill>
+                <a:effectLst/>
+                <a:latin typeface="+mn-lt"/>
+                <a:ea typeface="+mn-ea"/>
+                <a:cs typeface="+mn-cs"/>
+              </a:rPr>
+              <a:t>--debug</a:t>
+            </a:r>
+            <a:r>
+              <a:rPr lang="en-US" altLang="zh-CN" dirty="0" smtClean="0"/>
+              <a:t> </a:t>
+            </a:r>
+            <a:r>
+              <a:rPr lang="en-US" altLang="zh-CN" sz="1200" kern="1200" dirty="0" err="1" smtClean="0">
+                <a:solidFill>
+                  <a:schemeClr val="tx1"/>
+                </a:solidFill>
+                <a:effectLst/>
+                <a:latin typeface="+mn-lt"/>
+                <a:ea typeface="+mn-ea"/>
+                <a:cs typeface="+mn-cs"/>
+              </a:rPr>
+              <a:t>kolla-kubernetes</a:t>
+            </a:r>
+            <a:r>
+              <a:rPr lang="en-US" altLang="zh-CN" sz="1200" kern="1200" dirty="0" smtClean="0">
+                <a:solidFill>
+                  <a:schemeClr val="tx1"/>
+                </a:solidFill>
+                <a:effectLst/>
+                <a:latin typeface="+mn-lt"/>
+                <a:ea typeface="+mn-ea"/>
+                <a:cs typeface="+mn-cs"/>
+              </a:rPr>
+              <a:t>/helm/service/</a:t>
+            </a:r>
+            <a:r>
+              <a:rPr lang="en-US" altLang="zh-CN" sz="1200" kern="1200" dirty="0" err="1" smtClean="0">
+                <a:solidFill>
+                  <a:schemeClr val="tx1"/>
+                </a:solidFill>
+                <a:effectLst/>
+                <a:latin typeface="+mn-lt"/>
+                <a:ea typeface="+mn-ea"/>
+                <a:cs typeface="+mn-cs"/>
+              </a:rPr>
+              <a:t>memcached</a:t>
+            </a:r>
+            <a:r>
+              <a:rPr lang="en-US" altLang="zh-CN" dirty="0" smtClean="0"/>
+              <a:t> </a:t>
+            </a:r>
+            <a:r>
+              <a:rPr lang="en-US" altLang="zh-CN" sz="1200" kern="1200" dirty="0" smtClean="0">
+                <a:solidFill>
+                  <a:schemeClr val="tx1"/>
+                </a:solidFill>
+                <a:effectLst/>
+                <a:latin typeface="+mn-lt"/>
+                <a:ea typeface="+mn-ea"/>
+                <a:cs typeface="+mn-cs"/>
+              </a:rPr>
+              <a:t>--namespace</a:t>
+            </a:r>
+            <a:r>
+              <a:rPr lang="en-US" altLang="zh-CN" dirty="0" smtClean="0"/>
+              <a:t> </a:t>
+            </a:r>
+            <a:r>
+              <a:rPr lang="en-US" altLang="zh-CN" sz="1200" kern="1200" dirty="0" err="1" smtClean="0">
+                <a:solidFill>
+                  <a:schemeClr val="tx1"/>
+                </a:solidFill>
+                <a:effectLst/>
+                <a:latin typeface="+mn-lt"/>
+                <a:ea typeface="+mn-ea"/>
+                <a:cs typeface="+mn-cs"/>
+              </a:rPr>
+              <a:t>kolla</a:t>
+            </a:r>
+            <a:r>
+              <a:rPr lang="en-US" altLang="zh-CN" dirty="0" smtClean="0"/>
+              <a:t> </a:t>
+            </a:r>
+            <a:r>
+              <a:rPr lang="en-US" altLang="zh-CN" sz="1200" kern="1200" dirty="0" smtClean="0">
+                <a:solidFill>
+                  <a:schemeClr val="tx1"/>
+                </a:solidFill>
+                <a:effectLst/>
+                <a:latin typeface="+mn-lt"/>
+                <a:ea typeface="+mn-ea"/>
+                <a:cs typeface="+mn-cs"/>
+              </a:rPr>
+              <a:t>--name</a:t>
+            </a:r>
+            <a:r>
+              <a:rPr lang="en-US" altLang="zh-CN" dirty="0" smtClean="0"/>
+              <a:t> </a:t>
+            </a:r>
+            <a:r>
+              <a:rPr lang="en-US" altLang="zh-CN" sz="1200" kern="1200" dirty="0" err="1" smtClean="0">
+                <a:solidFill>
+                  <a:schemeClr val="tx1"/>
+                </a:solidFill>
+                <a:effectLst/>
+                <a:latin typeface="+mn-lt"/>
+                <a:ea typeface="+mn-ea"/>
+                <a:cs typeface="+mn-cs"/>
+              </a:rPr>
+              <a:t>memcached</a:t>
+            </a:r>
+            <a:r>
+              <a:rPr lang="en-US" altLang="zh-CN" dirty="0" smtClean="0"/>
+              <a:t> </a:t>
+            </a:r>
+            <a:r>
+              <a:rPr lang="en-US" altLang="zh-CN" sz="1200" kern="1200" dirty="0" smtClean="0">
+                <a:solidFill>
+                  <a:schemeClr val="tx1"/>
+                </a:solidFill>
+                <a:effectLst/>
+                <a:latin typeface="+mn-lt"/>
+                <a:ea typeface="+mn-ea"/>
+                <a:cs typeface="+mn-cs"/>
+              </a:rPr>
+              <a:t>--values</a:t>
+            </a:r>
+            <a:r>
+              <a:rPr lang="en-US" altLang="zh-CN" dirty="0" smtClean="0"/>
+              <a:t> </a:t>
+            </a:r>
+            <a:r>
+              <a:rPr lang="en-US" altLang="zh-CN" sz="1200" kern="1200" dirty="0" smtClean="0">
+                <a:solidFill>
+                  <a:schemeClr val="tx1"/>
+                </a:solidFill>
+                <a:effectLst/>
+                <a:latin typeface="+mn-lt"/>
+                <a:ea typeface="+mn-ea"/>
+                <a:cs typeface="+mn-cs"/>
+              </a:rPr>
+              <a:t>./</a:t>
+            </a:r>
+            <a:r>
+              <a:rPr lang="en-US" altLang="zh-CN" sz="1200" kern="1200" dirty="0" err="1" smtClean="0">
+                <a:solidFill>
+                  <a:schemeClr val="tx1"/>
+                </a:solidFill>
+                <a:effectLst/>
+                <a:latin typeface="+mn-lt"/>
+                <a:ea typeface="+mn-ea"/>
+                <a:cs typeface="+mn-cs"/>
+              </a:rPr>
+              <a:t>cloud.yaml</a:t>
+            </a:r>
+            <a:r>
+              <a:rPr lang="en-US" altLang="zh-CN" dirty="0" smtClean="0"/>
+              <a:t> </a:t>
+            </a:r>
+            <a:endParaRPr lang="en-US" altLang="zh-CN" baseline="0" dirty="0" smtClean="0"/>
           </a:p>
         </p:txBody>
       </p:sp>
@@ -2696,7 +2954,7 @@
     </p:spTree>
     <p:extLst>
       <p:ext uri="{BB962C8B-B14F-4D97-AF65-F5344CB8AC3E}">
-        <p14:creationId xmlns:p14="http://schemas.microsoft.com/office/powerpoint/2010/main" val="3380765413"/>
+        <p14:creationId xmlns:p14="http://schemas.microsoft.com/office/powerpoint/2010/main" val="3982175546"/>
       </p:ext>
     </p:extLst>
   </p:cSld>
@@ -2750,6 +3008,94 @@
           <a:bodyPr/>
           <a:lstStyle/>
           <a:p>
+            <a:r>
+              <a:rPr lang="en-US" altLang="zh-CN" dirty="0" smtClean="0"/>
+              <a:t>0.5 min</a:t>
+            </a:r>
+            <a:endParaRPr lang="zh-CN" altLang="en-US" dirty="0"/>
+          </a:p>
+        </p:txBody>
+      </p:sp>
+      <p:sp>
+        <p:nvSpPr>
+          <p:cNvPr id="4" name="灯片编号占位符 3"/>
+          <p:cNvSpPr>
+            <a:spLocks noGrp="1"/>
+          </p:cNvSpPr>
+          <p:nvPr>
+            <p:ph type="sldNum" sz="quarter" idx="10"/>
+          </p:nvPr>
+        </p:nvSpPr>
+        <p:spPr/>
+        <p:txBody>
+          <a:bodyPr/>
+          <a:lstStyle/>
+          <a:p>
+            <a:fld id="{A5880B28-9EFC-4886-B758-D4B847183D21}" type="slidenum">
+              <a:rPr lang="zh-CN" altLang="en-US" smtClean="0"/>
+              <a:t>17</a:t>
+            </a:fld>
+            <a:endParaRPr lang="zh-CN" altLang="en-US"/>
+          </a:p>
+        </p:txBody>
+      </p:sp>
+    </p:spTree>
+    <p:extLst>
+      <p:ext uri="{BB962C8B-B14F-4D97-AF65-F5344CB8AC3E}">
+        <p14:creationId xmlns:p14="http://schemas.microsoft.com/office/powerpoint/2010/main" val="3380765413"/>
+      </p:ext>
+    </p:extLst>
+  </p:cSld>
+  <p:clrMapOvr>
+    <a:masterClrMapping/>
+  </p:clrMapOvr>
+</p:notes>
+</file>
+
+<file path=ppt/notesSlides/notesSlide18.xml><?xml version="1.0" encoding="utf-8"?>
+<p:notes xmlns:a="http://schemas.openxmlformats.org/drawingml/2006/main" xmlns:r="http://schemas.openxmlformats.org/officeDocument/2006/relationships" xmlns:p="http://schemas.openxmlformats.org/presentationml/2006/main">
+  <p:cSld>
+    <p:spTree>
+      <p:nvGrpSpPr>
+        <p:cNvPr id="1" name=""/>
+        <p:cNvGrpSpPr/>
+        <p:nvPr/>
+      </p:nvGrpSpPr>
+      <p:grpSpPr>
+        <a:xfrm>
+          <a:off x="0" y="0"/>
+          <a:ext cx="0" cy="0"/>
+          <a:chOff x="0" y="0"/>
+          <a:chExt cx="0" cy="0"/>
+        </a:xfrm>
+      </p:grpSpPr>
+      <p:sp>
+        <p:nvSpPr>
+          <p:cNvPr id="2" name="幻灯片图像占位符 1"/>
+          <p:cNvSpPr>
+            <a:spLocks noGrp="1" noRot="1" noChangeAspect="1"/>
+          </p:cNvSpPr>
+          <p:nvPr>
+            <p:ph type="sldImg"/>
+          </p:nvPr>
+        </p:nvSpPr>
+        <p:spPr/>
+      </p:sp>
+      <p:sp>
+        <p:nvSpPr>
+          <p:cNvPr id="3" name="备注占位符 2"/>
+          <p:cNvSpPr>
+            <a:spLocks noGrp="1"/>
+          </p:cNvSpPr>
+          <p:nvPr>
+            <p:ph type="body" idx="1"/>
+          </p:nvPr>
+        </p:nvSpPr>
+        <p:spPr/>
+        <p:txBody>
+          <a:bodyPr/>
+          <a:lstStyle/>
+          <a:p>
             <a:pPr marL="0" marR="0" lvl="0" indent="0" algn="l" defTabSz="914400" rtl="0" eaLnBrk="1" fontAlgn="auto" latinLnBrk="0" hangingPunct="1">
               <a:lnSpc>
                 <a:spcPct val="100000"/>
@@ -3044,7 +3390,7 @@
           <a:p>
             <a:fld id="{A5880B28-9EFC-4886-B758-D4B847183D21}" type="slidenum">
               <a:rPr lang="zh-CN" altLang="en-US" smtClean="0"/>
-              <a:t>17</a:t>
+              <a:t>18</a:t>
             </a:fld>
             <a:endParaRPr lang="zh-CN" altLang="en-US"/>
           </a:p>
@@ -3054,6 +3400,290 @@
     <p:extLst>
       <p:ext uri="{BB962C8B-B14F-4D97-AF65-F5344CB8AC3E}">
         <p14:creationId xmlns:p14="http://schemas.microsoft.com/office/powerpoint/2010/main" val="2975398271"/>
+      </p:ext>
+    </p:extLst>
+  </p:cSld>
+  <p:clrMapOvr>
+    <a:masterClrMapping/>
+  </p:clrMapOvr>
+</p:notes>
+</file>
+
+<file path=ppt/notesSlides/notesSlide19.xml><?xml version="1.0" encoding="utf-8"?>
+<p:notes xmlns:a="http://schemas.openxmlformats.org/drawingml/2006/main" xmlns:r="http://schemas.openxmlformats.org/officeDocument/2006/relationships" xmlns:p="http://schemas.openxmlformats.org/presentationml/2006/main">
+  <p:cSld>
+    <p:spTree>
+      <p:nvGrpSpPr>
+        <p:cNvPr id="1" name=""/>
+        <p:cNvGrpSpPr/>
+        <p:nvPr/>
+      </p:nvGrpSpPr>
+      <p:grpSpPr>
+        <a:xfrm>
+          <a:off x="0" y="0"/>
+          <a:ext cx="0" cy="0"/>
+          <a:chOff x="0" y="0"/>
+          <a:chExt cx="0" cy="0"/>
+        </a:xfrm>
+      </p:grpSpPr>
+      <p:sp>
+        <p:nvSpPr>
+          <p:cNvPr id="2" name="幻灯片图像占位符 1"/>
+          <p:cNvSpPr>
+            <a:spLocks noGrp="1" noRot="1" noChangeAspect="1"/>
+          </p:cNvSpPr>
+          <p:nvPr>
+            <p:ph type="sldImg"/>
+          </p:nvPr>
+        </p:nvSpPr>
+        <p:spPr/>
+      </p:sp>
+      <p:sp>
+        <p:nvSpPr>
+          <p:cNvPr id="3" name="备注占位符 2"/>
+          <p:cNvSpPr>
+            <a:spLocks noGrp="1"/>
+          </p:cNvSpPr>
+          <p:nvPr>
+            <p:ph type="body" idx="1"/>
+          </p:nvPr>
+        </p:nvSpPr>
+        <p:spPr/>
+        <p:txBody>
+          <a:bodyPr/>
+          <a:lstStyle/>
+          <a:p>
+            <a:r>
+              <a:rPr lang="zh-CN" altLang="en-US" dirty="0" smtClean="0"/>
+              <a:t>这是我们公司目前采用的</a:t>
+            </a:r>
+            <a:r>
+              <a:rPr lang="en-US" altLang="zh-CN" dirty="0" smtClean="0"/>
+              <a:t>CI/CD</a:t>
+            </a:r>
+            <a:r>
+              <a:rPr lang="zh-CN" altLang="en-US" dirty="0" smtClean="0"/>
+              <a:t>流程：</a:t>
+            </a:r>
+            <a:endParaRPr lang="en-US" altLang="zh-CN" dirty="0" smtClean="0"/>
+          </a:p>
+          <a:p>
+            <a:r>
+              <a:rPr lang="en-US" altLang="zh-CN" dirty="0" smtClean="0"/>
+              <a:t>1.Gitlab</a:t>
+            </a:r>
+            <a:r>
+              <a:rPr lang="zh-CN" altLang="en-US" dirty="0" smtClean="0"/>
+              <a:t>代码有</a:t>
+            </a:r>
+            <a:r>
+              <a:rPr lang="en-US" altLang="zh-CN" dirty="0" smtClean="0"/>
+              <a:t>commit</a:t>
+            </a:r>
+            <a:r>
+              <a:rPr lang="zh-CN" altLang="en-US" dirty="0" smtClean="0"/>
+              <a:t>时，触发</a:t>
+            </a:r>
+            <a:r>
+              <a:rPr lang="en-US" altLang="zh-CN" dirty="0" err="1" smtClean="0"/>
+              <a:t>webhook</a:t>
+            </a:r>
+            <a:r>
+              <a:rPr lang="zh-CN" altLang="en-US" dirty="0" smtClean="0"/>
+              <a:t>，告知</a:t>
+            </a:r>
+            <a:r>
+              <a:rPr lang="en-US" altLang="zh-CN" dirty="0" smtClean="0"/>
+              <a:t>Jenkins</a:t>
+            </a:r>
+          </a:p>
+          <a:p>
+            <a:r>
+              <a:rPr lang="en-US" altLang="zh-CN" dirty="0" smtClean="0"/>
+              <a:t>2.Jenkins</a:t>
+            </a:r>
+            <a:r>
+              <a:rPr lang="zh-CN" altLang="en-US" dirty="0" smtClean="0"/>
+              <a:t>实现校验代码更新，并记录那些服务组件有更新</a:t>
+            </a:r>
+            <a:endParaRPr lang="en-US" altLang="zh-CN" dirty="0" smtClean="0"/>
+          </a:p>
+          <a:p>
+            <a:r>
+              <a:rPr lang="en-US" altLang="zh-CN" dirty="0" smtClean="0"/>
+              <a:t>3.Jenkins</a:t>
+            </a:r>
+            <a:r>
+              <a:rPr lang="zh-CN" altLang="en-US" dirty="0" smtClean="0"/>
+              <a:t>系统之外的主机设置定时任务获取服务更新目录</a:t>
+            </a:r>
+            <a:endParaRPr lang="en-US" altLang="zh-CN" dirty="0" smtClean="0"/>
+          </a:p>
+          <a:p>
+            <a:r>
+              <a:rPr lang="en-US" altLang="zh-CN" dirty="0" smtClean="0"/>
+              <a:t>4.</a:t>
+            </a:r>
+            <a:r>
+              <a:rPr lang="zh-CN" altLang="en-US" dirty="0" smtClean="0"/>
+              <a:t>对于有更新的服务组件进行</a:t>
+            </a:r>
+            <a:r>
+              <a:rPr lang="en-US" altLang="zh-CN" dirty="0" err="1" smtClean="0"/>
+              <a:t>push+redeploy</a:t>
+            </a:r>
+            <a:r>
+              <a:rPr lang="zh-CN" altLang="en-US" dirty="0" smtClean="0"/>
+              <a:t>操作。</a:t>
+            </a:r>
+            <a:endParaRPr lang="en-US" altLang="zh-CN" dirty="0" smtClean="0"/>
+          </a:p>
+          <a:p>
+            <a:r>
+              <a:rPr lang="zh-CN" altLang="en-US" dirty="0" smtClean="0"/>
+              <a:t>问题：</a:t>
+            </a:r>
+            <a:endParaRPr lang="en-US" altLang="zh-CN" dirty="0" smtClean="0"/>
+          </a:p>
+          <a:p>
+            <a:r>
+              <a:rPr lang="en-US" altLang="zh-CN" dirty="0" smtClean="0"/>
+              <a:t>1.</a:t>
+            </a:r>
+            <a:r>
+              <a:rPr lang="zh-CN" altLang="en-US" dirty="0" smtClean="0"/>
+              <a:t>整个流程由</a:t>
+            </a:r>
+            <a:r>
+              <a:rPr lang="en-US" altLang="zh-CN" dirty="0" smtClean="0"/>
+              <a:t>Jenkins+</a:t>
+            </a:r>
+            <a:r>
+              <a:rPr lang="zh-CN" altLang="en-US" dirty="0" smtClean="0"/>
+              <a:t>定时任务主机</a:t>
+            </a:r>
+            <a:r>
+              <a:rPr lang="en-US" altLang="zh-CN" dirty="0" smtClean="0"/>
+              <a:t>/</a:t>
+            </a:r>
+            <a:r>
+              <a:rPr lang="en-US" altLang="zh-CN" dirty="0" err="1" smtClean="0"/>
+              <a:t>ansible</a:t>
+            </a:r>
+            <a:r>
+              <a:rPr lang="zh-CN" altLang="en-US" dirty="0" smtClean="0"/>
+              <a:t>节点</a:t>
+            </a:r>
+            <a:r>
+              <a:rPr lang="en-US" altLang="zh-CN" dirty="0" smtClean="0"/>
+              <a:t>+</a:t>
+            </a:r>
+            <a:r>
+              <a:rPr lang="zh-CN" altLang="en-US" dirty="0" smtClean="0"/>
+              <a:t>部署后的</a:t>
+            </a:r>
+            <a:r>
+              <a:rPr lang="en-US" altLang="zh-CN" dirty="0" smtClean="0"/>
+              <a:t>OpenStack</a:t>
+            </a:r>
+            <a:r>
+              <a:rPr lang="zh-CN" altLang="en-US" dirty="0" smtClean="0"/>
+              <a:t>集群，跨平台不易管理</a:t>
+            </a:r>
+            <a:endParaRPr lang="en-US" altLang="zh-CN" dirty="0" smtClean="0"/>
+          </a:p>
+          <a:p>
+            <a:r>
+              <a:rPr lang="en-US" altLang="zh-CN" dirty="0" smtClean="0"/>
+              <a:t>2.</a:t>
+            </a:r>
+            <a:r>
+              <a:rPr lang="zh-CN" altLang="en-US" dirty="0" smtClean="0"/>
+              <a:t>整个流程中通过分布在不同节点上的</a:t>
+            </a:r>
+            <a:r>
+              <a:rPr lang="en-US" altLang="zh-CN" dirty="0" smtClean="0"/>
+              <a:t>shell</a:t>
+            </a:r>
+            <a:r>
+              <a:rPr lang="zh-CN" altLang="en-US" dirty="0" smtClean="0"/>
+              <a:t>脚本控制，没有统一规范。</a:t>
+            </a:r>
+            <a:endParaRPr lang="en-US" altLang="zh-CN" dirty="0" smtClean="0"/>
+          </a:p>
+          <a:p>
+            <a:r>
+              <a:rPr lang="en-US" altLang="zh-CN" dirty="0" smtClean="0"/>
+              <a:t>3.</a:t>
+            </a:r>
+            <a:r>
+              <a:rPr lang="zh-CN" altLang="en-US" dirty="0" smtClean="0"/>
+              <a:t>依赖定时任务，不是真正意义上的</a:t>
+            </a:r>
+            <a:r>
+              <a:rPr lang="en-US" altLang="zh-CN" dirty="0" smtClean="0"/>
+              <a:t>CI/CD</a:t>
+            </a:r>
+          </a:p>
+          <a:p>
+            <a:r>
+              <a:rPr lang="en-US" altLang="zh-CN" dirty="0" smtClean="0"/>
+              <a:t>4.</a:t>
+            </a:r>
+            <a:r>
+              <a:rPr lang="zh-CN" altLang="en-US" dirty="0" smtClean="0"/>
+              <a:t>没有版本管理，无法升级和回滚</a:t>
+            </a:r>
+            <a:endParaRPr lang="en-US" altLang="zh-CN" dirty="0" smtClean="0"/>
+          </a:p>
+          <a:p>
+            <a:r>
+              <a:rPr lang="en-US" altLang="zh-CN" dirty="0" smtClean="0"/>
+              <a:t>5.</a:t>
+            </a:r>
+            <a:r>
+              <a:rPr lang="zh-CN" altLang="en-US" dirty="0" smtClean="0"/>
+              <a:t>部署后的</a:t>
+            </a:r>
+            <a:r>
+              <a:rPr lang="en-US" altLang="zh-CN" dirty="0" smtClean="0"/>
+              <a:t>OpenStack</a:t>
+            </a:r>
+            <a:r>
+              <a:rPr lang="zh-CN" altLang="en-US" dirty="0" smtClean="0"/>
+              <a:t>集群没有监控支持</a:t>
+            </a:r>
+            <a:endParaRPr lang="zh-CN" altLang="en-US" dirty="0"/>
+          </a:p>
+        </p:txBody>
+      </p:sp>
+      <p:sp>
+        <p:nvSpPr>
+          <p:cNvPr id="4" name="灯片编号占位符 3"/>
+          <p:cNvSpPr>
+            <a:spLocks noGrp="1"/>
+          </p:cNvSpPr>
+          <p:nvPr>
+            <p:ph type="sldNum" sz="quarter" idx="10"/>
+          </p:nvPr>
+        </p:nvSpPr>
+        <p:spPr/>
+        <p:txBody>
+          <a:bodyPr/>
+          <a:lstStyle/>
+          <a:p>
+            <a:fld id="{A5880B28-9EFC-4886-B758-D4B847183D21}" type="slidenum">
+              <a:rPr lang="zh-CN" altLang="en-US" smtClean="0"/>
+              <a:t>19</a:t>
+            </a:fld>
+            <a:endParaRPr lang="zh-CN" altLang="en-US"/>
+          </a:p>
+        </p:txBody>
+      </p:sp>
+    </p:spTree>
+    <p:extLst>
+      <p:ext uri="{BB962C8B-B14F-4D97-AF65-F5344CB8AC3E}">
+        <p14:creationId xmlns:p14="http://schemas.microsoft.com/office/powerpoint/2010/main" val="269569032"/>
       </p:ext>
     </p:extLst>
   </p:cSld>
@@ -3182,6 +3812,2176 @@
     <p:extLst>
       <p:ext uri="{BB962C8B-B14F-4D97-AF65-F5344CB8AC3E}">
         <p14:creationId xmlns:p14="http://schemas.microsoft.com/office/powerpoint/2010/main" val="1152524297"/>
+      </p:ext>
+    </p:extLst>
+  </p:cSld>
+  <p:clrMapOvr>
+    <a:masterClrMapping/>
+  </p:clrMapOvr>
+</p:notes>
+</file>
+
+<file path=ppt/notesSlides/notesSlide20.xml><?xml version="1.0" encoding="utf-8"?>
+<p:notes xmlns:a="http://schemas.openxmlformats.org/drawingml/2006/main" xmlns:r="http://schemas.openxmlformats.org/officeDocument/2006/relationships" xmlns:p="http://schemas.openxmlformats.org/presentationml/2006/main">
+  <p:cSld>
+    <p:spTree>
+      <p:nvGrpSpPr>
+        <p:cNvPr id="1" name=""/>
+        <p:cNvGrpSpPr/>
+        <p:nvPr/>
+      </p:nvGrpSpPr>
+      <p:grpSpPr>
+        <a:xfrm>
+          <a:off x="0" y="0"/>
+          <a:ext cx="0" cy="0"/>
+          <a:chOff x="0" y="0"/>
+          <a:chExt cx="0" cy="0"/>
+        </a:xfrm>
+      </p:grpSpPr>
+      <p:sp>
+        <p:nvSpPr>
+          <p:cNvPr id="2" name="幻灯片图像占位符 1"/>
+          <p:cNvSpPr>
+            <a:spLocks noGrp="1" noRot="1" noChangeAspect="1"/>
+          </p:cNvSpPr>
+          <p:nvPr>
+            <p:ph type="sldImg"/>
+          </p:nvPr>
+        </p:nvSpPr>
+        <p:spPr/>
+      </p:sp>
+      <p:sp>
+        <p:nvSpPr>
+          <p:cNvPr id="3" name="备注占位符 2"/>
+          <p:cNvSpPr>
+            <a:spLocks noGrp="1"/>
+          </p:cNvSpPr>
+          <p:nvPr>
+            <p:ph type="body" idx="1"/>
+          </p:nvPr>
+        </p:nvSpPr>
+        <p:spPr/>
+        <p:txBody>
+          <a:bodyPr/>
+          <a:lstStyle/>
+          <a:p>
+            <a:r>
+              <a:rPr lang="en-US" altLang="zh-CN" dirty="0" smtClean="0"/>
+              <a:t>2 min</a:t>
+            </a:r>
+          </a:p>
+          <a:p>
+            <a:pPr marL="228600" indent="-228600">
+              <a:buAutoNum type="arabicPeriod"/>
+            </a:pPr>
+            <a:r>
+              <a:rPr lang="zh-CN" altLang="en-US" dirty="0" smtClean="0"/>
+              <a:t>先大概介绍</a:t>
+            </a:r>
+            <a:r>
+              <a:rPr lang="en-US" altLang="zh-CN" dirty="0" err="1" smtClean="0"/>
+              <a:t>kubernetes</a:t>
+            </a:r>
+            <a:endParaRPr lang="en-US" altLang="zh-CN" dirty="0" smtClean="0"/>
+          </a:p>
+          <a:p>
+            <a:pPr marL="228600" indent="-228600">
+              <a:buAutoNum type="arabicPeriod"/>
+            </a:pPr>
+            <a:r>
+              <a:rPr lang="en-US" altLang="zh-CN" dirty="0" smtClean="0"/>
+              <a:t>Kubernetes</a:t>
+            </a:r>
+            <a:r>
+              <a:rPr lang="zh-CN" altLang="en-US" dirty="0" smtClean="0"/>
+              <a:t>与</a:t>
+            </a:r>
+            <a:r>
+              <a:rPr lang="en-US" altLang="zh-CN" dirty="0" smtClean="0"/>
+              <a:t>OpenStack</a:t>
+            </a:r>
+            <a:r>
+              <a:rPr lang="zh-CN" altLang="en-US" dirty="0" smtClean="0"/>
+              <a:t>结合</a:t>
+            </a:r>
+            <a:endParaRPr lang="en-US" altLang="zh-CN" dirty="0" smtClean="0"/>
+          </a:p>
+          <a:p>
+            <a:r>
+              <a:rPr lang="zh-CN" altLang="en-US" dirty="0" smtClean="0"/>
+              <a:t>作为应用程序运行：天然的使用</a:t>
+            </a:r>
+            <a:r>
+              <a:rPr lang="en-US" altLang="zh-CN" dirty="0" err="1" smtClean="0"/>
+              <a:t>kubernetes</a:t>
+            </a:r>
+            <a:r>
+              <a:rPr lang="zh-CN" altLang="en-US" dirty="0" smtClean="0"/>
+              <a:t>提供的各种功能</a:t>
+            </a:r>
+            <a:endParaRPr lang="en-US" altLang="zh-CN" dirty="0" smtClean="0"/>
+          </a:p>
+          <a:p>
+            <a:r>
+              <a:rPr lang="en-US" altLang="zh-CN" dirty="0" err="1" smtClean="0"/>
+              <a:t>Openstack</a:t>
+            </a:r>
+            <a:r>
+              <a:rPr lang="en-US" altLang="zh-CN" dirty="0" smtClean="0"/>
+              <a:t> </a:t>
+            </a:r>
+            <a:r>
+              <a:rPr lang="zh-CN" altLang="en-US" dirty="0" smtClean="0"/>
+              <a:t>利用</a:t>
+            </a:r>
+            <a:r>
+              <a:rPr lang="en-US" altLang="zh-CN" dirty="0" smtClean="0"/>
+              <a:t>PAAS</a:t>
+            </a:r>
+            <a:r>
+              <a:rPr lang="zh-CN" altLang="en-US" dirty="0" smtClean="0"/>
+              <a:t>平台的容器管理功能，健康检查、弹性伸缩、部署策略、节点调度、利用</a:t>
+            </a:r>
+            <a:r>
+              <a:rPr lang="en-US" altLang="zh-CN" dirty="0" smtClean="0"/>
+              <a:t>pipeline</a:t>
+            </a:r>
+            <a:r>
+              <a:rPr lang="zh-CN" altLang="en-US" dirty="0" smtClean="0"/>
+              <a:t>实现</a:t>
+            </a:r>
+            <a:r>
+              <a:rPr lang="en-US" altLang="zh-CN" dirty="0" smtClean="0"/>
+              <a:t>CI/CD</a:t>
+            </a:r>
+            <a:r>
+              <a:rPr lang="zh-CN" altLang="en-US" dirty="0" smtClean="0"/>
+              <a:t>，提高开发运维效率</a:t>
+            </a:r>
+            <a:endParaRPr lang="en-US" altLang="zh-CN" dirty="0" smtClean="0"/>
+          </a:p>
+          <a:p>
+            <a:r>
+              <a:rPr lang="en-US" altLang="zh-CN" dirty="0" smtClean="0"/>
+              <a:t>Kubernetes </a:t>
+            </a:r>
+            <a:r>
+              <a:rPr lang="zh-CN" altLang="en-US" dirty="0" smtClean="0"/>
+              <a:t>利用 </a:t>
+            </a:r>
+            <a:r>
+              <a:rPr lang="en-US" altLang="zh-CN" dirty="0" err="1" smtClean="0"/>
+              <a:t>openstack</a:t>
+            </a:r>
+            <a:r>
+              <a:rPr lang="en-US" altLang="zh-CN" baseline="0" dirty="0" smtClean="0"/>
+              <a:t> </a:t>
+            </a:r>
+            <a:r>
+              <a:rPr lang="zh-CN" altLang="en-US" baseline="0" dirty="0" smtClean="0"/>
+              <a:t>裸机管理功能实现对裸机设备的纳管</a:t>
+            </a:r>
+            <a:endParaRPr lang="en-US" altLang="zh-CN" dirty="0" smtClean="0"/>
+          </a:p>
+        </p:txBody>
+      </p:sp>
+      <p:sp>
+        <p:nvSpPr>
+          <p:cNvPr id="4" name="灯片编号占位符 3"/>
+          <p:cNvSpPr>
+            <a:spLocks noGrp="1"/>
+          </p:cNvSpPr>
+          <p:nvPr>
+            <p:ph type="sldNum" sz="quarter" idx="10"/>
+          </p:nvPr>
+        </p:nvSpPr>
+        <p:spPr/>
+        <p:txBody>
+          <a:bodyPr/>
+          <a:lstStyle/>
+          <a:p>
+            <a:fld id="{A5880B28-9EFC-4886-B758-D4B847183D21}" type="slidenum">
+              <a:rPr lang="zh-CN" altLang="en-US" smtClean="0"/>
+              <a:t>20</a:t>
+            </a:fld>
+            <a:endParaRPr lang="zh-CN" altLang="en-US"/>
+          </a:p>
+        </p:txBody>
+      </p:sp>
+    </p:spTree>
+    <p:extLst>
+      <p:ext uri="{BB962C8B-B14F-4D97-AF65-F5344CB8AC3E}">
+        <p14:creationId xmlns:p14="http://schemas.microsoft.com/office/powerpoint/2010/main" val="2153012017"/>
+      </p:ext>
+    </p:extLst>
+  </p:cSld>
+  <p:clrMapOvr>
+    <a:masterClrMapping/>
+  </p:clrMapOvr>
+</p:notes>
+</file>
+
+<file path=ppt/notesSlides/notesSlide21.xml><?xml version="1.0" encoding="utf-8"?>
+<p:notes xmlns:a="http://schemas.openxmlformats.org/drawingml/2006/main" xmlns:r="http://schemas.openxmlformats.org/officeDocument/2006/relationships" xmlns:p="http://schemas.openxmlformats.org/presentationml/2006/main">
+  <p:cSld>
+    <p:spTree>
+      <p:nvGrpSpPr>
+        <p:cNvPr id="1" name=""/>
+        <p:cNvGrpSpPr/>
+        <p:nvPr/>
+      </p:nvGrpSpPr>
+      <p:grpSpPr>
+        <a:xfrm>
+          <a:off x="0" y="0"/>
+          <a:ext cx="0" cy="0"/>
+          <a:chOff x="0" y="0"/>
+          <a:chExt cx="0" cy="0"/>
+        </a:xfrm>
+      </p:grpSpPr>
+      <p:sp>
+        <p:nvSpPr>
+          <p:cNvPr id="2" name="幻灯片图像占位符 1"/>
+          <p:cNvSpPr>
+            <a:spLocks noGrp="1" noRot="1" noChangeAspect="1"/>
+          </p:cNvSpPr>
+          <p:nvPr>
+            <p:ph type="sldImg"/>
+          </p:nvPr>
+        </p:nvSpPr>
+        <p:spPr/>
+      </p:sp>
+      <p:sp>
+        <p:nvSpPr>
+          <p:cNvPr id="3" name="备注占位符 2"/>
+          <p:cNvSpPr>
+            <a:spLocks noGrp="1"/>
+          </p:cNvSpPr>
+          <p:nvPr>
+            <p:ph type="body" idx="1"/>
+          </p:nvPr>
+        </p:nvSpPr>
+        <p:spPr/>
+        <p:txBody>
+          <a:bodyPr/>
+          <a:lstStyle/>
+          <a:p>
+            <a:pPr marL="0" marR="0" lvl="0" indent="0" algn="l" defTabSz="914400" rtl="0" eaLnBrk="1" fontAlgn="auto" latinLnBrk="0" hangingPunct="1">
+              <a:lnSpc>
+                <a:spcPct val="100000"/>
+              </a:lnSpc>
+              <a:spcBef>
+                <a:spcPts val="0"/>
+              </a:spcBef>
+              <a:spcAft>
+                <a:spcPts val="0"/>
+              </a:spcAft>
+              <a:buClrTx/>
+              <a:buSzTx/>
+              <a:buFontTx/>
+              <a:buNone/>
+              <a:tabLst/>
+              <a:defRPr/>
+            </a:pPr>
+            <a:r>
+              <a:rPr lang="en-US" altLang="zh-CN" dirty="0" smtClean="0"/>
+              <a:t>3 min </a:t>
+            </a:r>
+            <a:r>
+              <a:rPr lang="en-US" altLang="zh-CN" dirty="0" err="1" smtClean="0"/>
+              <a:t>kolla-kubernetes</a:t>
+            </a:r>
+            <a:r>
+              <a:rPr lang="zh-CN" altLang="en-US" dirty="0" smtClean="0"/>
+              <a:t>结构分析</a:t>
+            </a:r>
+            <a:endParaRPr lang="en-US" altLang="zh-CN" dirty="0" smtClean="0"/>
+          </a:p>
+          <a:p>
+            <a:endParaRPr lang="en-US" altLang="zh-CN" dirty="0" smtClean="0"/>
+          </a:p>
+          <a:p>
+            <a:r>
+              <a:rPr lang="en-US" altLang="zh-CN" dirty="0" err="1" smtClean="0"/>
+              <a:t>Kolla-kubernetes</a:t>
+            </a:r>
+            <a:r>
+              <a:rPr lang="zh-CN" altLang="en-US" dirty="0" smtClean="0"/>
+              <a:t>使用新的软件管理和配置管理机制</a:t>
+            </a:r>
+            <a:r>
+              <a:rPr lang="en-US" altLang="zh-CN" dirty="0" smtClean="0"/>
+              <a:t>HELM </a:t>
+            </a:r>
+          </a:p>
+          <a:p>
+            <a:r>
+              <a:rPr lang="zh-CN" altLang="en-US" dirty="0" smtClean="0"/>
+              <a:t>可同时定义多种</a:t>
+            </a:r>
+            <a:r>
+              <a:rPr lang="en-US" altLang="zh-CN" dirty="0" smtClean="0"/>
+              <a:t>K8S</a:t>
+            </a:r>
+            <a:r>
+              <a:rPr lang="zh-CN" altLang="en-US" dirty="0" smtClean="0"/>
+              <a:t>资源</a:t>
+            </a:r>
+            <a:r>
+              <a:rPr lang="en-US" altLang="zh-CN" dirty="0" smtClean="0"/>
+              <a:t>job/</a:t>
+            </a:r>
+            <a:r>
+              <a:rPr lang="en-US" altLang="zh-CN" dirty="0" err="1" smtClean="0"/>
+              <a:t>statefulset</a:t>
+            </a:r>
+            <a:r>
+              <a:rPr lang="en-US" altLang="zh-CN" dirty="0" smtClean="0"/>
+              <a:t>/</a:t>
+            </a:r>
+            <a:r>
+              <a:rPr lang="en-US" altLang="zh-CN" dirty="0" err="1" smtClean="0"/>
+              <a:t>init</a:t>
+            </a:r>
+            <a:r>
+              <a:rPr lang="en-US" altLang="zh-CN" dirty="0" smtClean="0"/>
+              <a:t>-container</a:t>
+            </a:r>
+            <a:r>
+              <a:rPr lang="zh-CN" altLang="en-US" dirty="0" smtClean="0"/>
+              <a:t>，通过这些资源管理</a:t>
+            </a:r>
+            <a:r>
+              <a:rPr lang="en-US" altLang="zh-CN" dirty="0" smtClean="0"/>
+              <a:t>pod</a:t>
+            </a:r>
+            <a:r>
+              <a:rPr lang="zh-CN" altLang="en-US" dirty="0" smtClean="0"/>
+              <a:t>的生命周期</a:t>
+            </a:r>
+            <a:endParaRPr lang="en-US" altLang="zh-CN" dirty="0" smtClean="0"/>
+          </a:p>
+          <a:p>
+            <a:r>
+              <a:rPr lang="zh-CN" altLang="en-US" dirty="0" smtClean="0"/>
+              <a:t>定义的资源文件支持参数化，可使用</a:t>
+            </a:r>
+            <a:r>
+              <a:rPr lang="en-US" altLang="zh-CN" dirty="0" smtClean="0"/>
+              <a:t>jinjia2</a:t>
+            </a:r>
+            <a:r>
+              <a:rPr lang="zh-CN" altLang="en-US" dirty="0" smtClean="0"/>
+              <a:t>渲染文件格式；</a:t>
+            </a:r>
+            <a:r>
+              <a:rPr lang="en-US" altLang="zh-CN" dirty="0" smtClean="0"/>
+              <a:t>chart</a:t>
+            </a:r>
+            <a:r>
+              <a:rPr lang="zh-CN" altLang="en-US" dirty="0" smtClean="0"/>
+              <a:t>之间可以互相引用复用；</a:t>
+            </a:r>
+            <a:endParaRPr lang="en-US" altLang="zh-CN" dirty="0" smtClean="0"/>
+          </a:p>
+          <a:p>
+            <a:r>
+              <a:rPr lang="en-US" altLang="zh-CN" dirty="0" smtClean="0"/>
+              <a:t>helm</a:t>
+            </a:r>
+            <a:r>
+              <a:rPr lang="zh-CN" altLang="en-US" dirty="0" smtClean="0"/>
+              <a:t>支持应用版本管理，如</a:t>
+            </a:r>
+            <a:r>
+              <a:rPr lang="en-US" altLang="zh-CN" dirty="0" err="1" smtClean="0"/>
+              <a:t>docker</a:t>
+            </a:r>
+            <a:r>
+              <a:rPr lang="en-US" altLang="zh-CN" dirty="0" smtClean="0"/>
+              <a:t> history</a:t>
+            </a:r>
+          </a:p>
+          <a:p>
+            <a:pPr marL="0" marR="0" lvl="0" indent="0" algn="l" defTabSz="914400" rtl="0" eaLnBrk="1" fontAlgn="auto" latinLnBrk="0" hangingPunct="1">
+              <a:lnSpc>
+                <a:spcPct val="100000"/>
+              </a:lnSpc>
+              <a:spcBef>
+                <a:spcPts val="0"/>
+              </a:spcBef>
+              <a:spcAft>
+                <a:spcPts val="0"/>
+              </a:spcAft>
+              <a:buClrTx/>
+              <a:buSzTx/>
+              <a:buFontTx/>
+              <a:buNone/>
+              <a:tabLst/>
+              <a:defRPr/>
+            </a:pPr>
+            <a:endParaRPr lang="en-US" altLang="zh-CN" dirty="0" smtClean="0"/>
+          </a:p>
+          <a:p>
+            <a:pPr marL="0" marR="0" lvl="0" indent="0" algn="l" defTabSz="914400" rtl="0" eaLnBrk="1" fontAlgn="auto" latinLnBrk="0" hangingPunct="1">
+              <a:lnSpc>
+                <a:spcPct val="100000"/>
+              </a:lnSpc>
+              <a:spcBef>
+                <a:spcPts val="0"/>
+              </a:spcBef>
+              <a:spcAft>
+                <a:spcPts val="0"/>
+              </a:spcAft>
+              <a:buClrTx/>
+              <a:buSzTx/>
+              <a:buFontTx/>
+              <a:buNone/>
+              <a:tabLst/>
+              <a:defRPr/>
+            </a:pPr>
+            <a:r>
+              <a:rPr lang="zh-CN" altLang="en-US" dirty="0" smtClean="0"/>
+              <a:t>微服务化原则：流程可视化</a:t>
+            </a:r>
+            <a:r>
+              <a:rPr lang="en-US" altLang="zh-CN" dirty="0" smtClean="0"/>
+              <a:t>(</a:t>
+            </a:r>
+            <a:r>
+              <a:rPr lang="zh-CN" altLang="en-US" dirty="0" smtClean="0"/>
+              <a:t>关键步骤可见</a:t>
+            </a:r>
+            <a:r>
+              <a:rPr lang="en-US" altLang="zh-CN" dirty="0" smtClean="0"/>
+              <a:t>)</a:t>
+            </a:r>
+            <a:r>
+              <a:rPr lang="zh-CN" altLang="en-US" dirty="0" smtClean="0"/>
+              <a:t>、低耦合、可复用、明确依赖关系</a:t>
+            </a:r>
+            <a:r>
+              <a:rPr lang="en-US" altLang="zh-CN" dirty="0" smtClean="0"/>
+              <a:t>(neutron server &gt; </a:t>
+            </a:r>
+            <a:r>
+              <a:rPr lang="en-US" altLang="zh-CN" dirty="0" err="1" smtClean="0"/>
+              <a:t>mariadb</a:t>
+            </a:r>
+            <a:r>
+              <a:rPr lang="zh-CN" altLang="en-US" dirty="0" smtClean="0"/>
+              <a:t>、</a:t>
+            </a:r>
+            <a:r>
+              <a:rPr lang="en-US" altLang="zh-CN" dirty="0" smtClean="0"/>
+              <a:t>keystone</a:t>
+            </a:r>
+            <a:r>
+              <a:rPr lang="zh-CN" altLang="en-US" dirty="0" smtClean="0"/>
+              <a:t>、</a:t>
+            </a:r>
+            <a:r>
+              <a:rPr lang="en-US" altLang="zh-CN" dirty="0" smtClean="0"/>
+              <a:t>users</a:t>
+            </a:r>
+            <a:r>
+              <a:rPr lang="zh-CN" altLang="en-US" dirty="0" smtClean="0"/>
+              <a:t>、</a:t>
+            </a:r>
+            <a:r>
+              <a:rPr lang="en-US" altLang="zh-CN" dirty="0" smtClean="0"/>
+              <a:t>endpoints</a:t>
+            </a:r>
+            <a:r>
+              <a:rPr lang="zh-CN" altLang="en-US" dirty="0" smtClean="0"/>
+              <a:t>、</a:t>
+            </a:r>
+            <a:r>
+              <a:rPr lang="en-US" altLang="zh-CN" dirty="0" smtClean="0"/>
+              <a:t>)</a:t>
+            </a:r>
+          </a:p>
+          <a:p>
+            <a:pPr marL="0" marR="0" lvl="0" indent="0" algn="l" defTabSz="914400" rtl="0" eaLnBrk="1" fontAlgn="auto" latinLnBrk="0" hangingPunct="1">
+              <a:lnSpc>
+                <a:spcPct val="100000"/>
+              </a:lnSpc>
+              <a:spcBef>
+                <a:spcPts val="0"/>
+              </a:spcBef>
+              <a:spcAft>
+                <a:spcPts val="0"/>
+              </a:spcAft>
+              <a:buClrTx/>
+              <a:buSzTx/>
+              <a:buFontTx/>
+              <a:buNone/>
+              <a:tabLst/>
+              <a:defRPr/>
+            </a:pPr>
+            <a:r>
+              <a:rPr lang="en-US" altLang="zh-CN" dirty="0" err="1" smtClean="0"/>
+              <a:t>Kolla</a:t>
+            </a:r>
+            <a:r>
+              <a:rPr lang="en-US" altLang="zh-CN" dirty="0" smtClean="0"/>
+              <a:t>-common </a:t>
+            </a:r>
+            <a:r>
+              <a:rPr lang="zh-CN" altLang="en-US" dirty="0" smtClean="0"/>
+              <a:t>和 </a:t>
+            </a:r>
+            <a:r>
+              <a:rPr lang="en-US" altLang="zh-CN" dirty="0" err="1" smtClean="0"/>
+              <a:t>microservice</a:t>
+            </a:r>
+            <a:r>
+              <a:rPr lang="en-US" altLang="zh-CN" baseline="0" dirty="0" smtClean="0"/>
+              <a:t> </a:t>
+            </a:r>
+            <a:r>
+              <a:rPr lang="zh-CN" altLang="en-US" baseline="0" dirty="0" smtClean="0"/>
+              <a:t>基础层：</a:t>
+            </a:r>
+            <a:endParaRPr lang="en-US" altLang="zh-CN" dirty="0" smtClean="0"/>
+          </a:p>
+          <a:p>
+            <a:pPr marL="0" marR="0" lvl="0" indent="0" algn="l" defTabSz="914400" rtl="0" eaLnBrk="1" fontAlgn="auto" latinLnBrk="0" hangingPunct="1">
+              <a:lnSpc>
+                <a:spcPct val="100000"/>
+              </a:lnSpc>
+              <a:spcBef>
+                <a:spcPts val="0"/>
+              </a:spcBef>
+              <a:spcAft>
+                <a:spcPts val="0"/>
+              </a:spcAft>
+              <a:buClrTx/>
+              <a:buSzTx/>
+              <a:buFontTx/>
+              <a:buNone/>
+              <a:tabLst/>
+              <a:defRPr/>
+            </a:pPr>
+            <a:r>
+              <a:rPr lang="en-US" altLang="zh-CN" dirty="0" err="1" smtClean="0"/>
+              <a:t>Kolla</a:t>
+            </a:r>
+            <a:r>
+              <a:rPr lang="en-US" altLang="zh-CN" dirty="0" smtClean="0"/>
+              <a:t>-common:</a:t>
+            </a:r>
+            <a:r>
+              <a:rPr lang="zh-CN" altLang="en-US" dirty="0" smtClean="0"/>
+              <a:t>各个服务公用的操作，</a:t>
+            </a:r>
+            <a:r>
+              <a:rPr lang="en-US" altLang="zh-CN" dirty="0" smtClean="0"/>
+              <a:t>create</a:t>
+            </a:r>
+            <a:r>
+              <a:rPr lang="en-US" altLang="zh-CN" baseline="0" dirty="0" smtClean="0"/>
+              <a:t> database</a:t>
+            </a:r>
+            <a:r>
+              <a:rPr lang="zh-CN" altLang="en-US" baseline="0" dirty="0" smtClean="0"/>
+              <a:t>、</a:t>
+            </a:r>
+            <a:r>
+              <a:rPr lang="en-US" altLang="zh-CN" baseline="0" dirty="0" smtClean="0"/>
+              <a:t>create </a:t>
+            </a:r>
+            <a:r>
+              <a:rPr lang="en-US" altLang="zh-CN" baseline="0" dirty="0" err="1" smtClean="0"/>
+              <a:t>pv</a:t>
+            </a:r>
+            <a:r>
+              <a:rPr lang="en-US" altLang="zh-CN" baseline="0" dirty="0" smtClean="0"/>
+              <a:t>\</a:t>
+            </a:r>
+            <a:r>
+              <a:rPr lang="en-US" altLang="zh-CN" baseline="0" dirty="0" err="1" smtClean="0"/>
+              <a:t>pvc</a:t>
+            </a:r>
+            <a:r>
+              <a:rPr lang="zh-CN" altLang="en-US" baseline="0" dirty="0" smtClean="0"/>
+              <a:t>、</a:t>
+            </a:r>
+            <a:r>
+              <a:rPr lang="en-US" altLang="zh-CN" baseline="0" dirty="0" smtClean="0"/>
+              <a:t>create keystone endpoint/user</a:t>
+            </a:r>
+            <a:r>
+              <a:rPr lang="zh-CN" altLang="en-US" baseline="0" dirty="0" smtClean="0"/>
+              <a:t>等</a:t>
+            </a:r>
+            <a:endParaRPr lang="en-US" altLang="zh-CN" dirty="0" smtClean="0"/>
+          </a:p>
+          <a:p>
+            <a:r>
+              <a:rPr lang="en-US" altLang="zh-CN" dirty="0" err="1" smtClean="0"/>
+              <a:t>Microservice</a:t>
+            </a:r>
+            <a:r>
+              <a:rPr lang="en-US" altLang="zh-CN" dirty="0" smtClean="0"/>
+              <a:t>:</a:t>
+            </a:r>
+            <a:r>
+              <a:rPr lang="zh-CN" altLang="en-US" dirty="0" smtClean="0"/>
+              <a:t>定义</a:t>
+            </a:r>
+            <a:r>
+              <a:rPr lang="en-US" altLang="zh-CN" dirty="0" smtClean="0"/>
+              <a:t>k8s</a:t>
+            </a:r>
+            <a:r>
+              <a:rPr lang="zh-CN" altLang="en-US" dirty="0" smtClean="0"/>
+              <a:t>资源文件，也即最终调用的一些资源定义文件 </a:t>
+            </a:r>
+            <a:r>
+              <a:rPr lang="en-US" altLang="zh-CN" dirty="0" smtClean="0"/>
+              <a:t>job/svc/</a:t>
+            </a:r>
+            <a:r>
+              <a:rPr lang="en-US" altLang="zh-CN" dirty="0" err="1" smtClean="0"/>
+              <a:t>pv</a:t>
+            </a:r>
+            <a:r>
+              <a:rPr lang="en-US" altLang="zh-CN" dirty="0" smtClean="0"/>
+              <a:t>/</a:t>
+            </a:r>
+            <a:r>
+              <a:rPr lang="en-US" altLang="zh-CN" dirty="0" err="1" smtClean="0"/>
+              <a:t>pvc</a:t>
+            </a:r>
+            <a:r>
+              <a:rPr lang="en-US" altLang="zh-CN" dirty="0" smtClean="0"/>
+              <a:t>/</a:t>
+            </a:r>
+            <a:r>
+              <a:rPr lang="en-US" altLang="zh-CN" dirty="0" err="1" smtClean="0"/>
+              <a:t>statefulset</a:t>
+            </a:r>
+            <a:r>
+              <a:rPr lang="zh-CN" altLang="en-US" dirty="0" smtClean="0"/>
+              <a:t>等，文件中的配置参数经过</a:t>
+            </a:r>
+            <a:r>
+              <a:rPr lang="en-US" altLang="zh-CN" dirty="0" smtClean="0"/>
+              <a:t>jinja2</a:t>
+            </a:r>
+            <a:r>
+              <a:rPr lang="zh-CN" altLang="en-US" dirty="0" smtClean="0"/>
+              <a:t>渲染</a:t>
+            </a:r>
+            <a:endParaRPr lang="en-US" altLang="zh-CN" dirty="0" smtClean="0"/>
+          </a:p>
+          <a:p>
+            <a:r>
+              <a:rPr lang="en-US" altLang="zh-CN" dirty="0" smtClean="0"/>
+              <a:t>Service</a:t>
+            </a:r>
+            <a:r>
+              <a:rPr lang="zh-CN" altLang="en-US" dirty="0" smtClean="0"/>
+              <a:t>：业务层</a:t>
+            </a:r>
+            <a:endParaRPr lang="en-US" altLang="zh-CN" dirty="0" smtClean="0"/>
+          </a:p>
+          <a:p>
+            <a:pPr marL="0" marR="0" lvl="0" indent="0" algn="l" defTabSz="914400" rtl="0" eaLnBrk="1" fontAlgn="auto" latinLnBrk="0" hangingPunct="1">
+              <a:lnSpc>
+                <a:spcPct val="100000"/>
+              </a:lnSpc>
+              <a:spcBef>
+                <a:spcPts val="0"/>
+              </a:spcBef>
+              <a:spcAft>
+                <a:spcPts val="0"/>
+              </a:spcAft>
+              <a:buClrTx/>
+              <a:buSzTx/>
+              <a:buFontTx/>
+              <a:buNone/>
+              <a:tabLst/>
+              <a:defRPr/>
+            </a:pPr>
+            <a:r>
+              <a:rPr lang="zh-CN" altLang="en-US" dirty="0" smtClean="0"/>
+              <a:t>每个服务定义一个或多个</a:t>
+            </a:r>
+            <a:r>
+              <a:rPr lang="en-US" altLang="zh-CN" dirty="0" smtClean="0"/>
+              <a:t>chart</a:t>
+            </a:r>
+            <a:r>
+              <a:rPr lang="zh-CN" altLang="en-US" dirty="0" smtClean="0"/>
+              <a:t>文件包，其中定义了依赖包和配置文件</a:t>
+            </a:r>
+            <a:endParaRPr lang="en-US" altLang="zh-CN" dirty="0" smtClean="0"/>
+          </a:p>
+          <a:p>
+            <a:r>
+              <a:rPr lang="en-US" altLang="zh-CN" dirty="0" smtClean="0"/>
+              <a:t>Test:</a:t>
+            </a:r>
+            <a:r>
+              <a:rPr lang="zh-CN" altLang="en-US" dirty="0" smtClean="0"/>
+              <a:t>单元测试用例</a:t>
+            </a:r>
+            <a:endParaRPr lang="en-US" altLang="zh-CN" dirty="0" smtClean="0"/>
+          </a:p>
+        </p:txBody>
+      </p:sp>
+      <p:sp>
+        <p:nvSpPr>
+          <p:cNvPr id="4" name="灯片编号占位符 3"/>
+          <p:cNvSpPr>
+            <a:spLocks noGrp="1"/>
+          </p:cNvSpPr>
+          <p:nvPr>
+            <p:ph type="sldNum" sz="quarter" idx="10"/>
+          </p:nvPr>
+        </p:nvSpPr>
+        <p:spPr/>
+        <p:txBody>
+          <a:bodyPr/>
+          <a:lstStyle/>
+          <a:p>
+            <a:fld id="{A5880B28-9EFC-4886-B758-D4B847183D21}" type="slidenum">
+              <a:rPr lang="zh-CN" altLang="en-US" smtClean="0"/>
+              <a:t>21</a:t>
+            </a:fld>
+            <a:endParaRPr lang="zh-CN" altLang="en-US"/>
+          </a:p>
+        </p:txBody>
+      </p:sp>
+    </p:spTree>
+    <p:extLst>
+      <p:ext uri="{BB962C8B-B14F-4D97-AF65-F5344CB8AC3E}">
+        <p14:creationId xmlns:p14="http://schemas.microsoft.com/office/powerpoint/2010/main" val="4056392952"/>
+      </p:ext>
+    </p:extLst>
+  </p:cSld>
+  <p:clrMapOvr>
+    <a:masterClrMapping/>
+  </p:clrMapOvr>
+</p:notes>
+</file>
+
+<file path=ppt/notesSlides/notesSlide22.xml><?xml version="1.0" encoding="utf-8"?>
+<p:notes xmlns:a="http://schemas.openxmlformats.org/drawingml/2006/main" xmlns:r="http://schemas.openxmlformats.org/officeDocument/2006/relationships" xmlns:p="http://schemas.openxmlformats.org/presentationml/2006/main">
+  <p:cSld>
+    <p:spTree>
+      <p:nvGrpSpPr>
+        <p:cNvPr id="1" name=""/>
+        <p:cNvGrpSpPr/>
+        <p:nvPr/>
+      </p:nvGrpSpPr>
+      <p:grpSpPr>
+        <a:xfrm>
+          <a:off x="0" y="0"/>
+          <a:ext cx="0" cy="0"/>
+          <a:chOff x="0" y="0"/>
+          <a:chExt cx="0" cy="0"/>
+        </a:xfrm>
+      </p:grpSpPr>
+      <p:sp>
+        <p:nvSpPr>
+          <p:cNvPr id="2" name="幻灯片图像占位符 1"/>
+          <p:cNvSpPr>
+            <a:spLocks noGrp="1" noRot="1" noChangeAspect="1"/>
+          </p:cNvSpPr>
+          <p:nvPr>
+            <p:ph type="sldImg"/>
+          </p:nvPr>
+        </p:nvSpPr>
+        <p:spPr/>
+      </p:sp>
+      <p:sp>
+        <p:nvSpPr>
+          <p:cNvPr id="3" name="备注占位符 2"/>
+          <p:cNvSpPr>
+            <a:spLocks noGrp="1"/>
+          </p:cNvSpPr>
+          <p:nvPr>
+            <p:ph type="body" idx="1"/>
+          </p:nvPr>
+        </p:nvSpPr>
+        <p:spPr/>
+        <p:txBody>
+          <a:bodyPr/>
+          <a:lstStyle/>
+          <a:p>
+            <a:r>
+              <a:rPr lang="en-US" altLang="zh-CN" dirty="0" smtClean="0"/>
+              <a:t>1 min</a:t>
+            </a:r>
+          </a:p>
+          <a:p>
+            <a:r>
+              <a:rPr lang="zh-CN" altLang="en-US" dirty="0" smtClean="0"/>
+              <a:t>公司业务需求选择</a:t>
+            </a:r>
+            <a:r>
+              <a:rPr lang="en-US" altLang="zh-CN" dirty="0" err="1" smtClean="0"/>
+              <a:t>openshift</a:t>
+            </a:r>
+            <a:r>
+              <a:rPr lang="zh-CN" altLang="en-US" dirty="0" smtClean="0"/>
+              <a:t>：</a:t>
+            </a:r>
+            <a:r>
+              <a:rPr lang="en-US" altLang="zh-CN" dirty="0" err="1" smtClean="0"/>
+              <a:t>Openshift</a:t>
+            </a:r>
+            <a:r>
+              <a:rPr lang="en-US" altLang="zh-CN" dirty="0" smtClean="0"/>
+              <a:t> </a:t>
+            </a:r>
+            <a:r>
+              <a:rPr lang="zh-CN" altLang="en-US" dirty="0" smtClean="0"/>
+              <a:t>介绍</a:t>
+            </a:r>
+            <a:endParaRPr lang="en-US" altLang="zh-CN" dirty="0" smtClean="0"/>
+          </a:p>
+          <a:p>
+            <a:r>
+              <a:rPr lang="zh-CN" altLang="en-US" dirty="0" smtClean="0"/>
+              <a:t>起步较早</a:t>
+            </a:r>
+            <a:r>
+              <a:rPr lang="en-US" altLang="zh-CN" dirty="0" smtClean="0"/>
+              <a:t>2013</a:t>
+            </a:r>
+            <a:r>
+              <a:rPr lang="zh-CN" altLang="en-US" dirty="0" smtClean="0"/>
+              <a:t>年开始</a:t>
+            </a:r>
+            <a:r>
+              <a:rPr lang="en-US" altLang="zh-CN" dirty="0" err="1" smtClean="0"/>
+              <a:t>Redhat</a:t>
+            </a:r>
+            <a:r>
+              <a:rPr lang="zh-CN" altLang="en-US" dirty="0" smtClean="0"/>
+              <a:t>基于</a:t>
+            </a:r>
+            <a:r>
+              <a:rPr lang="en-US" altLang="zh-CN" dirty="0" err="1" smtClean="0"/>
+              <a:t>kubernetes</a:t>
+            </a:r>
+            <a:r>
+              <a:rPr lang="zh-CN" altLang="en-US" dirty="0" smtClean="0"/>
+              <a:t>开发，功能已比较完善且稳定程度较高，包含公有云版本和社区版本</a:t>
+            </a:r>
+            <a:endParaRPr lang="en-US" altLang="zh-CN" dirty="0" smtClean="0"/>
+          </a:p>
+          <a:p>
+            <a:r>
+              <a:rPr lang="zh-CN" altLang="en-US" dirty="0" smtClean="0"/>
+              <a:t>封装了</a:t>
+            </a:r>
+            <a:r>
+              <a:rPr lang="en-US" altLang="zh-CN" dirty="0" err="1" smtClean="0"/>
+              <a:t>kubernetes</a:t>
+            </a:r>
+            <a:r>
+              <a:rPr lang="zh-CN" altLang="en-US" dirty="0" smtClean="0"/>
+              <a:t>客户端，提供自己的客户端程序</a:t>
+            </a:r>
+            <a:r>
+              <a:rPr lang="en-US" altLang="zh-CN" dirty="0" err="1" smtClean="0"/>
+              <a:t>oc</a:t>
+            </a:r>
+            <a:r>
+              <a:rPr lang="zh-CN" altLang="en-US" dirty="0" smtClean="0"/>
+              <a:t>与集群交互</a:t>
+            </a:r>
+            <a:endParaRPr lang="en-US" altLang="zh-CN" dirty="0" smtClean="0"/>
+          </a:p>
+        </p:txBody>
+      </p:sp>
+      <p:sp>
+        <p:nvSpPr>
+          <p:cNvPr id="4" name="灯片编号占位符 3"/>
+          <p:cNvSpPr>
+            <a:spLocks noGrp="1"/>
+          </p:cNvSpPr>
+          <p:nvPr>
+            <p:ph type="sldNum" sz="quarter" idx="10"/>
+          </p:nvPr>
+        </p:nvSpPr>
+        <p:spPr/>
+        <p:txBody>
+          <a:bodyPr/>
+          <a:lstStyle/>
+          <a:p>
+            <a:fld id="{A5880B28-9EFC-4886-B758-D4B847183D21}" type="slidenum">
+              <a:rPr lang="zh-CN" altLang="en-US" smtClean="0"/>
+              <a:t>22</a:t>
+            </a:fld>
+            <a:endParaRPr lang="zh-CN" altLang="en-US"/>
+          </a:p>
+        </p:txBody>
+      </p:sp>
+    </p:spTree>
+    <p:extLst>
+      <p:ext uri="{BB962C8B-B14F-4D97-AF65-F5344CB8AC3E}">
+        <p14:creationId xmlns:p14="http://schemas.microsoft.com/office/powerpoint/2010/main" val="4038821822"/>
+      </p:ext>
+    </p:extLst>
+  </p:cSld>
+  <p:clrMapOvr>
+    <a:masterClrMapping/>
+  </p:clrMapOvr>
+</p:notes>
+</file>
+
+<file path=ppt/notesSlides/notesSlide23.xml><?xml version="1.0" encoding="utf-8"?>
+<p:notes xmlns:a="http://schemas.openxmlformats.org/drawingml/2006/main" xmlns:r="http://schemas.openxmlformats.org/officeDocument/2006/relationships" xmlns:p="http://schemas.openxmlformats.org/presentationml/2006/main">
+  <p:cSld>
+    <p:spTree>
+      <p:nvGrpSpPr>
+        <p:cNvPr id="1" name=""/>
+        <p:cNvGrpSpPr/>
+        <p:nvPr/>
+      </p:nvGrpSpPr>
+      <p:grpSpPr>
+        <a:xfrm>
+          <a:off x="0" y="0"/>
+          <a:ext cx="0" cy="0"/>
+          <a:chOff x="0" y="0"/>
+          <a:chExt cx="0" cy="0"/>
+        </a:xfrm>
+      </p:grpSpPr>
+      <p:sp>
+        <p:nvSpPr>
+          <p:cNvPr id="2" name="幻灯片图像占位符 1"/>
+          <p:cNvSpPr>
+            <a:spLocks noGrp="1" noRot="1" noChangeAspect="1"/>
+          </p:cNvSpPr>
+          <p:nvPr>
+            <p:ph type="sldImg"/>
+          </p:nvPr>
+        </p:nvSpPr>
+        <p:spPr/>
+      </p:sp>
+      <p:sp>
+        <p:nvSpPr>
+          <p:cNvPr id="3" name="备注占位符 2"/>
+          <p:cNvSpPr>
+            <a:spLocks noGrp="1"/>
+          </p:cNvSpPr>
+          <p:nvPr>
+            <p:ph type="body" idx="1"/>
+          </p:nvPr>
+        </p:nvSpPr>
+        <p:spPr/>
+        <p:txBody>
+          <a:bodyPr/>
+          <a:lstStyle/>
+          <a:p>
+            <a:r>
+              <a:rPr lang="en-US" altLang="zh-CN" dirty="0" smtClean="0"/>
+              <a:t>1.5 min</a:t>
+            </a:r>
+          </a:p>
+          <a:p>
+            <a:r>
+              <a:rPr lang="zh-CN" altLang="en-US" dirty="0" smtClean="0"/>
+              <a:t>自定义配置文件：指定</a:t>
+            </a:r>
+            <a:r>
+              <a:rPr lang="en-US" altLang="zh-CN" dirty="0" err="1" smtClean="0"/>
+              <a:t>openstack</a:t>
+            </a:r>
+            <a:r>
+              <a:rPr lang="zh-CN" altLang="en-US" dirty="0" smtClean="0"/>
+              <a:t>使用的网络、私有镜像仓库、虚拟化类型等。</a:t>
+            </a:r>
+            <a:endParaRPr lang="en-US" altLang="zh-CN" dirty="0" smtClean="0"/>
+          </a:p>
+          <a:p>
+            <a:r>
+              <a:rPr lang="zh-CN" altLang="en-US" dirty="0" smtClean="0"/>
+              <a:t>使用</a:t>
+            </a:r>
+            <a:r>
+              <a:rPr lang="en-US" altLang="zh-CN" dirty="0" smtClean="0"/>
+              <a:t>Helm</a:t>
+            </a:r>
+            <a:r>
+              <a:rPr lang="zh-CN" altLang="en-US" dirty="0" smtClean="0"/>
+              <a:t>部署：</a:t>
+            </a:r>
+            <a:r>
+              <a:rPr lang="en-US" altLang="zh-CN" dirty="0" err="1" smtClean="0"/>
+              <a:t>mariadb</a:t>
+            </a:r>
+            <a:r>
+              <a:rPr lang="zh-CN" altLang="en-US" dirty="0" smtClean="0"/>
+              <a:t>、</a:t>
+            </a:r>
+            <a:r>
+              <a:rPr lang="en-US" altLang="zh-CN" baseline="0" dirty="0" err="1" smtClean="0"/>
+              <a:t>memache</a:t>
+            </a:r>
+            <a:r>
+              <a:rPr lang="zh-CN" altLang="en-US" baseline="0" dirty="0" smtClean="0"/>
+              <a:t>、</a:t>
+            </a:r>
+            <a:r>
+              <a:rPr lang="en-US" altLang="zh-CN" baseline="0" dirty="0" err="1" smtClean="0"/>
+              <a:t>rabbitmq</a:t>
+            </a:r>
+            <a:r>
+              <a:rPr lang="zh-CN" altLang="en-US" baseline="0" dirty="0" smtClean="0"/>
+              <a:t>依赖组件启动成功后，部署</a:t>
+            </a:r>
+            <a:r>
+              <a:rPr lang="en-US" altLang="zh-CN" baseline="0" dirty="0" err="1" smtClean="0"/>
+              <a:t>openstack</a:t>
+            </a:r>
+            <a:r>
+              <a:rPr lang="zh-CN" altLang="en-US" baseline="0" dirty="0" smtClean="0"/>
+              <a:t>服务</a:t>
+            </a:r>
+            <a:endParaRPr lang="en-US" altLang="zh-CN" baseline="0" dirty="0" smtClean="0"/>
+          </a:p>
+          <a:p>
+            <a:endParaRPr lang="en-US" altLang="zh-CN" sz="1200" kern="1200" dirty="0" smtClean="0">
+              <a:solidFill>
+                <a:schemeClr val="tx1"/>
+              </a:solidFill>
+              <a:effectLst/>
+              <a:latin typeface="+mn-lt"/>
+              <a:ea typeface="+mn-ea"/>
+              <a:cs typeface="+mn-cs"/>
+            </a:endParaRPr>
+          </a:p>
+          <a:p>
+            <a:r>
+              <a:rPr lang="en-US" altLang="zh-CN" sz="1200" kern="1200" dirty="0" smtClean="0">
+                <a:solidFill>
+                  <a:schemeClr val="tx1"/>
+                </a:solidFill>
+                <a:effectLst/>
+                <a:latin typeface="+mn-lt"/>
+                <a:ea typeface="+mn-ea"/>
+                <a:cs typeface="+mn-cs"/>
+              </a:rPr>
+              <a:t>helm</a:t>
+            </a:r>
+            <a:r>
+              <a:rPr lang="en-US" altLang="zh-CN" dirty="0" smtClean="0"/>
+              <a:t> </a:t>
+            </a:r>
+            <a:r>
+              <a:rPr lang="en-US" altLang="zh-CN" sz="1200" kern="1200" dirty="0" smtClean="0">
+                <a:solidFill>
+                  <a:schemeClr val="tx1"/>
+                </a:solidFill>
+                <a:effectLst/>
+                <a:latin typeface="+mn-lt"/>
+                <a:ea typeface="+mn-ea"/>
+                <a:cs typeface="+mn-cs"/>
+              </a:rPr>
+              <a:t>install</a:t>
+            </a:r>
+            <a:r>
+              <a:rPr lang="en-US" altLang="zh-CN" dirty="0" smtClean="0"/>
+              <a:t> </a:t>
+            </a:r>
+            <a:r>
+              <a:rPr lang="en-US" altLang="zh-CN" sz="1200" kern="1200" dirty="0" smtClean="0">
+                <a:solidFill>
+                  <a:schemeClr val="tx1"/>
+                </a:solidFill>
+                <a:effectLst/>
+                <a:latin typeface="+mn-lt"/>
+                <a:ea typeface="+mn-ea"/>
+                <a:cs typeface="+mn-cs"/>
+              </a:rPr>
+              <a:t>--debug</a:t>
+            </a:r>
+            <a:r>
+              <a:rPr lang="en-US" altLang="zh-CN" dirty="0" smtClean="0"/>
+              <a:t> </a:t>
+            </a:r>
+            <a:r>
+              <a:rPr lang="en-US" altLang="zh-CN" sz="1200" kern="1200" dirty="0" err="1" smtClean="0">
+                <a:solidFill>
+                  <a:schemeClr val="tx1"/>
+                </a:solidFill>
+                <a:effectLst/>
+                <a:latin typeface="+mn-lt"/>
+                <a:ea typeface="+mn-ea"/>
+                <a:cs typeface="+mn-cs"/>
+              </a:rPr>
+              <a:t>kolla-kubernetes</a:t>
+            </a:r>
+            <a:r>
+              <a:rPr lang="en-US" altLang="zh-CN" sz="1200" kern="1200" dirty="0" smtClean="0">
+                <a:solidFill>
+                  <a:schemeClr val="tx1"/>
+                </a:solidFill>
+                <a:effectLst/>
+                <a:latin typeface="+mn-lt"/>
+                <a:ea typeface="+mn-ea"/>
+                <a:cs typeface="+mn-cs"/>
+              </a:rPr>
+              <a:t>/helm/service/</a:t>
+            </a:r>
+            <a:r>
+              <a:rPr lang="en-US" altLang="zh-CN" sz="1200" kern="1200" dirty="0" err="1" smtClean="0">
+                <a:solidFill>
+                  <a:schemeClr val="tx1"/>
+                </a:solidFill>
+                <a:effectLst/>
+                <a:latin typeface="+mn-lt"/>
+                <a:ea typeface="+mn-ea"/>
+                <a:cs typeface="+mn-cs"/>
+              </a:rPr>
+              <a:t>mariadb</a:t>
+            </a:r>
+            <a:r>
+              <a:rPr lang="en-US" altLang="zh-CN" dirty="0" smtClean="0"/>
+              <a:t> </a:t>
+            </a:r>
+            <a:r>
+              <a:rPr lang="en-US" altLang="zh-CN" sz="1200" kern="1200" dirty="0" smtClean="0">
+                <a:solidFill>
+                  <a:schemeClr val="tx1"/>
+                </a:solidFill>
+                <a:effectLst/>
+                <a:latin typeface="+mn-lt"/>
+                <a:ea typeface="+mn-ea"/>
+                <a:cs typeface="+mn-cs"/>
+              </a:rPr>
+              <a:t>--namespace</a:t>
+            </a:r>
+            <a:r>
+              <a:rPr lang="en-US" altLang="zh-CN" dirty="0" smtClean="0"/>
+              <a:t> </a:t>
+            </a:r>
+            <a:r>
+              <a:rPr lang="en-US" altLang="zh-CN" sz="1200" kern="1200" dirty="0" err="1" smtClean="0">
+                <a:solidFill>
+                  <a:schemeClr val="tx1"/>
+                </a:solidFill>
+                <a:effectLst/>
+                <a:latin typeface="+mn-lt"/>
+                <a:ea typeface="+mn-ea"/>
+                <a:cs typeface="+mn-cs"/>
+              </a:rPr>
+              <a:t>kolla</a:t>
+            </a:r>
+            <a:r>
+              <a:rPr lang="en-US" altLang="zh-CN" dirty="0" smtClean="0"/>
+              <a:t> </a:t>
+            </a:r>
+            <a:r>
+              <a:rPr lang="en-US" altLang="zh-CN" sz="1200" kern="1200" dirty="0" smtClean="0">
+                <a:solidFill>
+                  <a:schemeClr val="tx1"/>
+                </a:solidFill>
+                <a:effectLst/>
+                <a:latin typeface="+mn-lt"/>
+                <a:ea typeface="+mn-ea"/>
+                <a:cs typeface="+mn-cs"/>
+              </a:rPr>
+              <a:t>--name</a:t>
+            </a:r>
+            <a:r>
+              <a:rPr lang="en-US" altLang="zh-CN" dirty="0" smtClean="0"/>
+              <a:t> </a:t>
+            </a:r>
+            <a:r>
+              <a:rPr lang="en-US" altLang="zh-CN" sz="1200" kern="1200" dirty="0" err="1" smtClean="0">
+                <a:solidFill>
+                  <a:schemeClr val="tx1"/>
+                </a:solidFill>
+                <a:effectLst/>
+                <a:latin typeface="+mn-lt"/>
+                <a:ea typeface="+mn-ea"/>
+                <a:cs typeface="+mn-cs"/>
+              </a:rPr>
+              <a:t>mariadb</a:t>
+            </a:r>
+            <a:r>
+              <a:rPr lang="en-US" altLang="zh-CN" dirty="0" smtClean="0"/>
+              <a:t> </a:t>
+            </a:r>
+            <a:r>
+              <a:rPr lang="en-US" altLang="zh-CN" sz="1200" kern="1200" dirty="0" smtClean="0">
+                <a:solidFill>
+                  <a:schemeClr val="tx1"/>
+                </a:solidFill>
+                <a:effectLst/>
+                <a:latin typeface="+mn-lt"/>
+                <a:ea typeface="+mn-ea"/>
+                <a:cs typeface="+mn-cs"/>
+              </a:rPr>
+              <a:t>--values</a:t>
+            </a:r>
+            <a:r>
+              <a:rPr lang="en-US" altLang="zh-CN" dirty="0" smtClean="0"/>
+              <a:t> </a:t>
+            </a:r>
+            <a:r>
+              <a:rPr lang="en-US" altLang="zh-CN" sz="1200" kern="1200" dirty="0" smtClean="0">
+                <a:solidFill>
+                  <a:schemeClr val="tx1"/>
+                </a:solidFill>
+                <a:effectLst/>
+                <a:latin typeface="+mn-lt"/>
+                <a:ea typeface="+mn-ea"/>
+                <a:cs typeface="+mn-cs"/>
+              </a:rPr>
+              <a:t>./</a:t>
+            </a:r>
+            <a:r>
+              <a:rPr lang="en-US" altLang="zh-CN" sz="1200" kern="1200" dirty="0" err="1" smtClean="0">
+                <a:solidFill>
+                  <a:schemeClr val="tx1"/>
+                </a:solidFill>
+                <a:effectLst/>
+                <a:latin typeface="+mn-lt"/>
+                <a:ea typeface="+mn-ea"/>
+                <a:cs typeface="+mn-cs"/>
+              </a:rPr>
+              <a:t>cloud.yaml</a:t>
+            </a:r>
+            <a:endParaRPr lang="en-US" altLang="zh-CN" sz="1200" kern="1200" dirty="0" smtClean="0">
+              <a:solidFill>
+                <a:schemeClr val="tx1"/>
+              </a:solidFill>
+              <a:effectLst/>
+              <a:latin typeface="+mn-lt"/>
+              <a:ea typeface="+mn-ea"/>
+              <a:cs typeface="+mn-cs"/>
+            </a:endParaRPr>
+          </a:p>
+          <a:p>
+            <a:r>
+              <a:rPr lang="en-US" altLang="zh-CN" sz="1200" kern="1200" dirty="0" smtClean="0">
+                <a:solidFill>
+                  <a:schemeClr val="tx1"/>
+                </a:solidFill>
+                <a:effectLst/>
+                <a:latin typeface="+mn-lt"/>
+                <a:ea typeface="+mn-ea"/>
+                <a:cs typeface="+mn-cs"/>
+              </a:rPr>
+              <a:t>helm</a:t>
+            </a:r>
+            <a:r>
+              <a:rPr lang="en-US" altLang="zh-CN" dirty="0" smtClean="0"/>
+              <a:t> </a:t>
+            </a:r>
+            <a:r>
+              <a:rPr lang="en-US" altLang="zh-CN" sz="1200" kern="1200" dirty="0" smtClean="0">
+                <a:solidFill>
+                  <a:schemeClr val="tx1"/>
+                </a:solidFill>
+                <a:effectLst/>
+                <a:latin typeface="+mn-lt"/>
+                <a:ea typeface="+mn-ea"/>
+                <a:cs typeface="+mn-cs"/>
+              </a:rPr>
+              <a:t>install</a:t>
+            </a:r>
+            <a:r>
+              <a:rPr lang="en-US" altLang="zh-CN" dirty="0" smtClean="0"/>
+              <a:t> </a:t>
+            </a:r>
+            <a:r>
+              <a:rPr lang="en-US" altLang="zh-CN" sz="1200" kern="1200" dirty="0" smtClean="0">
+                <a:solidFill>
+                  <a:schemeClr val="tx1"/>
+                </a:solidFill>
+                <a:effectLst/>
+                <a:latin typeface="+mn-lt"/>
+                <a:ea typeface="+mn-ea"/>
+                <a:cs typeface="+mn-cs"/>
+              </a:rPr>
+              <a:t>--debug</a:t>
+            </a:r>
+            <a:r>
+              <a:rPr lang="en-US" altLang="zh-CN" dirty="0" smtClean="0"/>
+              <a:t> </a:t>
+            </a:r>
+            <a:r>
+              <a:rPr lang="en-US" altLang="zh-CN" sz="1200" kern="1200" dirty="0" err="1" smtClean="0">
+                <a:solidFill>
+                  <a:schemeClr val="tx1"/>
+                </a:solidFill>
+                <a:effectLst/>
+                <a:latin typeface="+mn-lt"/>
+                <a:ea typeface="+mn-ea"/>
+                <a:cs typeface="+mn-cs"/>
+              </a:rPr>
+              <a:t>kolla-kubernetes</a:t>
+            </a:r>
+            <a:r>
+              <a:rPr lang="en-US" altLang="zh-CN" sz="1200" kern="1200" dirty="0" smtClean="0">
+                <a:solidFill>
+                  <a:schemeClr val="tx1"/>
+                </a:solidFill>
+                <a:effectLst/>
+                <a:latin typeface="+mn-lt"/>
+                <a:ea typeface="+mn-ea"/>
+                <a:cs typeface="+mn-cs"/>
+              </a:rPr>
+              <a:t>/helm/service/</a:t>
+            </a:r>
+            <a:r>
+              <a:rPr lang="en-US" altLang="zh-CN" sz="1200" kern="1200" dirty="0" err="1" smtClean="0">
+                <a:solidFill>
+                  <a:schemeClr val="tx1"/>
+                </a:solidFill>
+                <a:effectLst/>
+                <a:latin typeface="+mn-lt"/>
+                <a:ea typeface="+mn-ea"/>
+                <a:cs typeface="+mn-cs"/>
+              </a:rPr>
+              <a:t>rabbitmq</a:t>
+            </a:r>
+            <a:r>
+              <a:rPr lang="en-US" altLang="zh-CN" dirty="0" smtClean="0"/>
+              <a:t> </a:t>
+            </a:r>
+            <a:r>
+              <a:rPr lang="en-US" altLang="zh-CN" sz="1200" kern="1200" dirty="0" smtClean="0">
+                <a:solidFill>
+                  <a:schemeClr val="tx1"/>
+                </a:solidFill>
+                <a:effectLst/>
+                <a:latin typeface="+mn-lt"/>
+                <a:ea typeface="+mn-ea"/>
+                <a:cs typeface="+mn-cs"/>
+              </a:rPr>
+              <a:t>--namespace</a:t>
+            </a:r>
+            <a:r>
+              <a:rPr lang="en-US" altLang="zh-CN" dirty="0" smtClean="0"/>
+              <a:t> </a:t>
+            </a:r>
+            <a:r>
+              <a:rPr lang="en-US" altLang="zh-CN" sz="1200" kern="1200" dirty="0" err="1" smtClean="0">
+                <a:solidFill>
+                  <a:schemeClr val="tx1"/>
+                </a:solidFill>
+                <a:effectLst/>
+                <a:latin typeface="+mn-lt"/>
+                <a:ea typeface="+mn-ea"/>
+                <a:cs typeface="+mn-cs"/>
+              </a:rPr>
+              <a:t>kolla</a:t>
+            </a:r>
+            <a:r>
+              <a:rPr lang="en-US" altLang="zh-CN" dirty="0" smtClean="0"/>
+              <a:t> </a:t>
+            </a:r>
+            <a:r>
+              <a:rPr lang="en-US" altLang="zh-CN" sz="1200" kern="1200" dirty="0" smtClean="0">
+                <a:solidFill>
+                  <a:schemeClr val="tx1"/>
+                </a:solidFill>
+                <a:effectLst/>
+                <a:latin typeface="+mn-lt"/>
+                <a:ea typeface="+mn-ea"/>
+                <a:cs typeface="+mn-cs"/>
+              </a:rPr>
+              <a:t>--name</a:t>
+            </a:r>
+            <a:r>
+              <a:rPr lang="en-US" altLang="zh-CN" dirty="0" smtClean="0"/>
+              <a:t> </a:t>
+            </a:r>
+            <a:r>
+              <a:rPr lang="en-US" altLang="zh-CN" sz="1200" kern="1200" dirty="0" err="1" smtClean="0">
+                <a:solidFill>
+                  <a:schemeClr val="tx1"/>
+                </a:solidFill>
+                <a:effectLst/>
+                <a:latin typeface="+mn-lt"/>
+                <a:ea typeface="+mn-ea"/>
+                <a:cs typeface="+mn-cs"/>
+              </a:rPr>
+              <a:t>rabbitmq</a:t>
+            </a:r>
+            <a:r>
+              <a:rPr lang="en-US" altLang="zh-CN" dirty="0" smtClean="0"/>
+              <a:t> </a:t>
+            </a:r>
+            <a:r>
+              <a:rPr lang="en-US" altLang="zh-CN" sz="1200" kern="1200" dirty="0" smtClean="0">
+                <a:solidFill>
+                  <a:schemeClr val="tx1"/>
+                </a:solidFill>
+                <a:effectLst/>
+                <a:latin typeface="+mn-lt"/>
+                <a:ea typeface="+mn-ea"/>
+                <a:cs typeface="+mn-cs"/>
+              </a:rPr>
+              <a:t>--values</a:t>
+            </a:r>
+            <a:r>
+              <a:rPr lang="en-US" altLang="zh-CN" dirty="0" smtClean="0"/>
+              <a:t> </a:t>
+            </a:r>
+            <a:r>
+              <a:rPr lang="en-US" altLang="zh-CN" sz="1200" kern="1200" dirty="0" smtClean="0">
+                <a:solidFill>
+                  <a:schemeClr val="tx1"/>
+                </a:solidFill>
+                <a:effectLst/>
+                <a:latin typeface="+mn-lt"/>
+                <a:ea typeface="+mn-ea"/>
+                <a:cs typeface="+mn-cs"/>
+              </a:rPr>
+              <a:t>./</a:t>
+            </a:r>
+            <a:r>
+              <a:rPr lang="en-US" altLang="zh-CN" sz="1200" kern="1200" dirty="0" err="1" smtClean="0">
+                <a:solidFill>
+                  <a:schemeClr val="tx1"/>
+                </a:solidFill>
+                <a:effectLst/>
+                <a:latin typeface="+mn-lt"/>
+                <a:ea typeface="+mn-ea"/>
+                <a:cs typeface="+mn-cs"/>
+              </a:rPr>
+              <a:t>cloud.yaml</a:t>
+            </a:r>
+            <a:r>
+              <a:rPr lang="en-US" altLang="zh-CN" dirty="0" smtClean="0"/>
+              <a:t> </a:t>
+            </a:r>
+            <a:r>
+              <a:rPr lang="en-US" altLang="zh-CN" sz="1200" kern="1200" dirty="0" smtClean="0">
+                <a:solidFill>
+                  <a:schemeClr val="tx1"/>
+                </a:solidFill>
+                <a:effectLst/>
+                <a:latin typeface="+mn-lt"/>
+                <a:ea typeface="+mn-ea"/>
+                <a:cs typeface="+mn-cs"/>
+              </a:rPr>
+              <a:t>helm</a:t>
+            </a:r>
+            <a:r>
+              <a:rPr lang="en-US" altLang="zh-CN" dirty="0" smtClean="0"/>
+              <a:t> </a:t>
+            </a:r>
+            <a:r>
+              <a:rPr lang="en-US" altLang="zh-CN" sz="1200" kern="1200" dirty="0" smtClean="0">
+                <a:solidFill>
+                  <a:schemeClr val="tx1"/>
+                </a:solidFill>
+                <a:effectLst/>
+                <a:latin typeface="+mn-lt"/>
+                <a:ea typeface="+mn-ea"/>
+                <a:cs typeface="+mn-cs"/>
+              </a:rPr>
+              <a:t>install</a:t>
+            </a:r>
+            <a:r>
+              <a:rPr lang="en-US" altLang="zh-CN" dirty="0" smtClean="0"/>
+              <a:t> </a:t>
+            </a:r>
+            <a:r>
+              <a:rPr lang="en-US" altLang="zh-CN" sz="1200" kern="1200" dirty="0" smtClean="0">
+                <a:solidFill>
+                  <a:schemeClr val="tx1"/>
+                </a:solidFill>
+                <a:effectLst/>
+                <a:latin typeface="+mn-lt"/>
+                <a:ea typeface="+mn-ea"/>
+                <a:cs typeface="+mn-cs"/>
+              </a:rPr>
+              <a:t>--debug</a:t>
+            </a:r>
+            <a:r>
+              <a:rPr lang="en-US" altLang="zh-CN" dirty="0" smtClean="0"/>
+              <a:t> </a:t>
+            </a:r>
+            <a:r>
+              <a:rPr lang="en-US" altLang="zh-CN" sz="1200" kern="1200" dirty="0" err="1" smtClean="0">
+                <a:solidFill>
+                  <a:schemeClr val="tx1"/>
+                </a:solidFill>
+                <a:effectLst/>
+                <a:latin typeface="+mn-lt"/>
+                <a:ea typeface="+mn-ea"/>
+                <a:cs typeface="+mn-cs"/>
+              </a:rPr>
+              <a:t>kolla-kubernetes</a:t>
+            </a:r>
+            <a:r>
+              <a:rPr lang="en-US" altLang="zh-CN" sz="1200" kern="1200" dirty="0" smtClean="0">
+                <a:solidFill>
+                  <a:schemeClr val="tx1"/>
+                </a:solidFill>
+                <a:effectLst/>
+                <a:latin typeface="+mn-lt"/>
+                <a:ea typeface="+mn-ea"/>
+                <a:cs typeface="+mn-cs"/>
+              </a:rPr>
+              <a:t>/helm/service/</a:t>
+            </a:r>
+            <a:r>
+              <a:rPr lang="en-US" altLang="zh-CN" sz="1200" kern="1200" dirty="0" err="1" smtClean="0">
+                <a:solidFill>
+                  <a:schemeClr val="tx1"/>
+                </a:solidFill>
+                <a:effectLst/>
+                <a:latin typeface="+mn-lt"/>
+                <a:ea typeface="+mn-ea"/>
+                <a:cs typeface="+mn-cs"/>
+              </a:rPr>
+              <a:t>memcached</a:t>
+            </a:r>
+            <a:r>
+              <a:rPr lang="en-US" altLang="zh-CN" dirty="0" smtClean="0"/>
+              <a:t> </a:t>
+            </a:r>
+            <a:r>
+              <a:rPr lang="en-US" altLang="zh-CN" sz="1200" kern="1200" dirty="0" smtClean="0">
+                <a:solidFill>
+                  <a:schemeClr val="tx1"/>
+                </a:solidFill>
+                <a:effectLst/>
+                <a:latin typeface="+mn-lt"/>
+                <a:ea typeface="+mn-ea"/>
+                <a:cs typeface="+mn-cs"/>
+              </a:rPr>
+              <a:t>--namespace</a:t>
+            </a:r>
+            <a:r>
+              <a:rPr lang="en-US" altLang="zh-CN" dirty="0" smtClean="0"/>
+              <a:t> </a:t>
+            </a:r>
+            <a:r>
+              <a:rPr lang="en-US" altLang="zh-CN" sz="1200" kern="1200" dirty="0" err="1" smtClean="0">
+                <a:solidFill>
+                  <a:schemeClr val="tx1"/>
+                </a:solidFill>
+                <a:effectLst/>
+                <a:latin typeface="+mn-lt"/>
+                <a:ea typeface="+mn-ea"/>
+                <a:cs typeface="+mn-cs"/>
+              </a:rPr>
+              <a:t>kolla</a:t>
+            </a:r>
+            <a:r>
+              <a:rPr lang="en-US" altLang="zh-CN" dirty="0" smtClean="0"/>
+              <a:t> </a:t>
+            </a:r>
+            <a:r>
+              <a:rPr lang="en-US" altLang="zh-CN" sz="1200" kern="1200" dirty="0" smtClean="0">
+                <a:solidFill>
+                  <a:schemeClr val="tx1"/>
+                </a:solidFill>
+                <a:effectLst/>
+                <a:latin typeface="+mn-lt"/>
+                <a:ea typeface="+mn-ea"/>
+                <a:cs typeface="+mn-cs"/>
+              </a:rPr>
+              <a:t>--name</a:t>
+            </a:r>
+            <a:r>
+              <a:rPr lang="en-US" altLang="zh-CN" dirty="0" smtClean="0"/>
+              <a:t> </a:t>
+            </a:r>
+            <a:r>
+              <a:rPr lang="en-US" altLang="zh-CN" sz="1200" kern="1200" dirty="0" err="1" smtClean="0">
+                <a:solidFill>
+                  <a:schemeClr val="tx1"/>
+                </a:solidFill>
+                <a:effectLst/>
+                <a:latin typeface="+mn-lt"/>
+                <a:ea typeface="+mn-ea"/>
+                <a:cs typeface="+mn-cs"/>
+              </a:rPr>
+              <a:t>memcached</a:t>
+            </a:r>
+            <a:r>
+              <a:rPr lang="en-US" altLang="zh-CN" dirty="0" smtClean="0"/>
+              <a:t> </a:t>
+            </a:r>
+            <a:r>
+              <a:rPr lang="en-US" altLang="zh-CN" sz="1200" kern="1200" dirty="0" smtClean="0">
+                <a:solidFill>
+                  <a:schemeClr val="tx1"/>
+                </a:solidFill>
+                <a:effectLst/>
+                <a:latin typeface="+mn-lt"/>
+                <a:ea typeface="+mn-ea"/>
+                <a:cs typeface="+mn-cs"/>
+              </a:rPr>
+              <a:t>--values</a:t>
+            </a:r>
+            <a:r>
+              <a:rPr lang="en-US" altLang="zh-CN" dirty="0" smtClean="0"/>
+              <a:t> </a:t>
+            </a:r>
+            <a:r>
+              <a:rPr lang="en-US" altLang="zh-CN" sz="1200" kern="1200" dirty="0" smtClean="0">
+                <a:solidFill>
+                  <a:schemeClr val="tx1"/>
+                </a:solidFill>
+                <a:effectLst/>
+                <a:latin typeface="+mn-lt"/>
+                <a:ea typeface="+mn-ea"/>
+                <a:cs typeface="+mn-cs"/>
+              </a:rPr>
+              <a:t>./</a:t>
+            </a:r>
+            <a:r>
+              <a:rPr lang="en-US" altLang="zh-CN" sz="1200" kern="1200" dirty="0" err="1" smtClean="0">
+                <a:solidFill>
+                  <a:schemeClr val="tx1"/>
+                </a:solidFill>
+                <a:effectLst/>
+                <a:latin typeface="+mn-lt"/>
+                <a:ea typeface="+mn-ea"/>
+                <a:cs typeface="+mn-cs"/>
+              </a:rPr>
+              <a:t>cloud.yaml</a:t>
+            </a:r>
+            <a:r>
+              <a:rPr lang="en-US" altLang="zh-CN" dirty="0" smtClean="0"/>
+              <a:t> </a:t>
+            </a:r>
+            <a:endParaRPr lang="en-US" altLang="zh-CN" baseline="0" dirty="0" smtClean="0"/>
+          </a:p>
+        </p:txBody>
+      </p:sp>
+      <p:sp>
+        <p:nvSpPr>
+          <p:cNvPr id="4" name="灯片编号占位符 3"/>
+          <p:cNvSpPr>
+            <a:spLocks noGrp="1"/>
+          </p:cNvSpPr>
+          <p:nvPr>
+            <p:ph type="sldNum" sz="quarter" idx="10"/>
+          </p:nvPr>
+        </p:nvSpPr>
+        <p:spPr/>
+        <p:txBody>
+          <a:bodyPr/>
+          <a:lstStyle/>
+          <a:p>
+            <a:fld id="{A5880B28-9EFC-4886-B758-D4B847183D21}" type="slidenum">
+              <a:rPr lang="zh-CN" altLang="en-US" smtClean="0"/>
+              <a:t>23</a:t>
+            </a:fld>
+            <a:endParaRPr lang="zh-CN" altLang="en-US"/>
+          </a:p>
+        </p:txBody>
+      </p:sp>
+    </p:spTree>
+    <p:extLst>
+      <p:ext uri="{BB962C8B-B14F-4D97-AF65-F5344CB8AC3E}">
+        <p14:creationId xmlns:p14="http://schemas.microsoft.com/office/powerpoint/2010/main" val="2476524343"/>
+      </p:ext>
+    </p:extLst>
+  </p:cSld>
+  <p:clrMapOvr>
+    <a:masterClrMapping/>
+  </p:clrMapOvr>
+</p:notes>
+</file>
+
+<file path=ppt/notesSlides/notesSlide24.xml><?xml version="1.0" encoding="utf-8"?>
+<p:notes xmlns:a="http://schemas.openxmlformats.org/drawingml/2006/main" xmlns:r="http://schemas.openxmlformats.org/officeDocument/2006/relationships" xmlns:p="http://schemas.openxmlformats.org/presentationml/2006/main">
+  <p:cSld>
+    <p:spTree>
+      <p:nvGrpSpPr>
+        <p:cNvPr id="1" name=""/>
+        <p:cNvGrpSpPr/>
+        <p:nvPr/>
+      </p:nvGrpSpPr>
+      <p:grpSpPr>
+        <a:xfrm>
+          <a:off x="0" y="0"/>
+          <a:ext cx="0" cy="0"/>
+          <a:chOff x="0" y="0"/>
+          <a:chExt cx="0" cy="0"/>
+        </a:xfrm>
+      </p:grpSpPr>
+      <p:sp>
+        <p:nvSpPr>
+          <p:cNvPr id="2" name="幻灯片图像占位符 1"/>
+          <p:cNvSpPr>
+            <a:spLocks noGrp="1" noRot="1" noChangeAspect="1"/>
+          </p:cNvSpPr>
+          <p:nvPr>
+            <p:ph type="sldImg"/>
+          </p:nvPr>
+        </p:nvSpPr>
+        <p:spPr/>
+      </p:sp>
+      <p:sp>
+        <p:nvSpPr>
+          <p:cNvPr id="3" name="备注占位符 2"/>
+          <p:cNvSpPr>
+            <a:spLocks noGrp="1"/>
+          </p:cNvSpPr>
+          <p:nvPr>
+            <p:ph type="body" idx="1"/>
+          </p:nvPr>
+        </p:nvSpPr>
+        <p:spPr/>
+        <p:txBody>
+          <a:bodyPr/>
+          <a:lstStyle/>
+          <a:p>
+            <a:r>
+              <a:rPr lang="en-US" altLang="zh-CN" dirty="0" smtClean="0"/>
+              <a:t>0.5 min</a:t>
+            </a:r>
+          </a:p>
+          <a:p>
+            <a:r>
+              <a:rPr lang="zh-CN" altLang="en-US" dirty="0" smtClean="0"/>
+              <a:t>由于是使用</a:t>
+            </a:r>
+            <a:r>
+              <a:rPr lang="en-US" altLang="zh-CN" dirty="0" err="1" smtClean="0"/>
+              <a:t>kolla-kubernetes</a:t>
+            </a:r>
+            <a:r>
+              <a:rPr lang="zh-CN" altLang="en-US" dirty="0" smtClean="0"/>
+              <a:t>项目进行容器化部署到</a:t>
+            </a:r>
+            <a:r>
+              <a:rPr lang="en-US" altLang="zh-CN" dirty="0" err="1" smtClean="0"/>
+              <a:t>openshift</a:t>
+            </a:r>
+            <a:r>
+              <a:rPr lang="zh-CN" altLang="en-US" dirty="0" smtClean="0"/>
+              <a:t>上，所有还需要修改下配置以满足</a:t>
+            </a:r>
+            <a:r>
+              <a:rPr lang="en-US" altLang="zh-CN" dirty="0" err="1" smtClean="0"/>
+              <a:t>openshift</a:t>
+            </a:r>
+            <a:r>
+              <a:rPr lang="zh-CN" altLang="en-US" dirty="0" smtClean="0"/>
+              <a:t>的系统要求，如用户权限方面</a:t>
+            </a:r>
+            <a:endParaRPr lang="en-US" altLang="zh-CN" dirty="0" smtClean="0"/>
+          </a:p>
+          <a:p>
+            <a:r>
+              <a:rPr lang="zh-CN" altLang="en-US" dirty="0" smtClean="0"/>
+              <a:t>项目本身存在的一些问题，需要在安装部署时按需调整，如</a:t>
+            </a:r>
+            <a:r>
+              <a:rPr lang="en-US" altLang="zh-CN" dirty="0" err="1" smtClean="0"/>
+              <a:t>mariadb</a:t>
+            </a:r>
+            <a:r>
+              <a:rPr lang="zh-CN" altLang="en-US" dirty="0" smtClean="0"/>
+              <a:t>配置文件</a:t>
+            </a:r>
+            <a:endParaRPr lang="zh-CN" altLang="en-US" dirty="0"/>
+          </a:p>
+        </p:txBody>
+      </p:sp>
+      <p:sp>
+        <p:nvSpPr>
+          <p:cNvPr id="4" name="灯片编号占位符 3"/>
+          <p:cNvSpPr>
+            <a:spLocks noGrp="1"/>
+          </p:cNvSpPr>
+          <p:nvPr>
+            <p:ph type="sldNum" sz="quarter" idx="10"/>
+          </p:nvPr>
+        </p:nvSpPr>
+        <p:spPr/>
+        <p:txBody>
+          <a:bodyPr/>
+          <a:lstStyle/>
+          <a:p>
+            <a:fld id="{A5880B28-9EFC-4886-B758-D4B847183D21}" type="slidenum">
+              <a:rPr lang="zh-CN" altLang="en-US" smtClean="0"/>
+              <a:t>24</a:t>
+            </a:fld>
+            <a:endParaRPr lang="zh-CN" altLang="en-US"/>
+          </a:p>
+        </p:txBody>
+      </p:sp>
+    </p:spTree>
+    <p:extLst>
+      <p:ext uri="{BB962C8B-B14F-4D97-AF65-F5344CB8AC3E}">
+        <p14:creationId xmlns:p14="http://schemas.microsoft.com/office/powerpoint/2010/main" val="631202213"/>
+      </p:ext>
+    </p:extLst>
+  </p:cSld>
+  <p:clrMapOvr>
+    <a:masterClrMapping/>
+  </p:clrMapOvr>
+</p:notes>
+</file>
+
+<file path=ppt/notesSlides/notesSlide25.xml><?xml version="1.0" encoding="utf-8"?>
+<p:notes xmlns:a="http://schemas.openxmlformats.org/drawingml/2006/main" xmlns:r="http://schemas.openxmlformats.org/officeDocument/2006/relationships" xmlns:p="http://schemas.openxmlformats.org/presentationml/2006/main">
+  <p:cSld>
+    <p:spTree>
+      <p:nvGrpSpPr>
+        <p:cNvPr id="1" name=""/>
+        <p:cNvGrpSpPr/>
+        <p:nvPr/>
+      </p:nvGrpSpPr>
+      <p:grpSpPr>
+        <a:xfrm>
+          <a:off x="0" y="0"/>
+          <a:ext cx="0" cy="0"/>
+          <a:chOff x="0" y="0"/>
+          <a:chExt cx="0" cy="0"/>
+        </a:xfrm>
+      </p:grpSpPr>
+      <p:sp>
+        <p:nvSpPr>
+          <p:cNvPr id="2" name="幻灯片图像占位符 1"/>
+          <p:cNvSpPr>
+            <a:spLocks noGrp="1" noRot="1" noChangeAspect="1"/>
+          </p:cNvSpPr>
+          <p:nvPr>
+            <p:ph type="sldImg"/>
+          </p:nvPr>
+        </p:nvSpPr>
+        <p:spPr/>
+      </p:sp>
+      <p:sp>
+        <p:nvSpPr>
+          <p:cNvPr id="3" name="备注占位符 2"/>
+          <p:cNvSpPr>
+            <a:spLocks noGrp="1"/>
+          </p:cNvSpPr>
+          <p:nvPr>
+            <p:ph type="body" idx="1"/>
+          </p:nvPr>
+        </p:nvSpPr>
+        <p:spPr/>
+        <p:txBody>
+          <a:bodyPr/>
+          <a:lstStyle/>
+          <a:p>
+            <a:pPr marL="0" marR="0" lvl="0" indent="0" algn="l" defTabSz="914400" rtl="0" eaLnBrk="1" fontAlgn="auto" latinLnBrk="0" hangingPunct="1">
+              <a:lnSpc>
+                <a:spcPct val="100000"/>
+              </a:lnSpc>
+              <a:spcBef>
+                <a:spcPts val="0"/>
+              </a:spcBef>
+              <a:spcAft>
+                <a:spcPts val="0"/>
+              </a:spcAft>
+              <a:buClrTx/>
+              <a:buSzTx/>
+              <a:buFontTx/>
+              <a:buNone/>
+              <a:tabLst/>
+              <a:defRPr/>
+            </a:pPr>
+            <a:r>
+              <a:rPr lang="en-US" altLang="zh-CN" dirty="0" smtClean="0"/>
+              <a:t>2 min</a:t>
+            </a:r>
+          </a:p>
+          <a:p>
+            <a:pPr marL="0" marR="0" lvl="0" indent="0" algn="l" defTabSz="914400" rtl="0" eaLnBrk="1" fontAlgn="auto" latinLnBrk="0" hangingPunct="1">
+              <a:lnSpc>
+                <a:spcPct val="100000"/>
+              </a:lnSpc>
+              <a:spcBef>
+                <a:spcPts val="0"/>
+              </a:spcBef>
+              <a:spcAft>
+                <a:spcPts val="0"/>
+              </a:spcAft>
+              <a:buClrTx/>
+              <a:buSzTx/>
+              <a:buFontTx/>
+              <a:buNone/>
+              <a:tabLst/>
+              <a:defRPr/>
+            </a:pPr>
+            <a:r>
+              <a:rPr lang="zh-CN" altLang="en-US" dirty="0" smtClean="0"/>
+              <a:t>第一种：</a:t>
+            </a:r>
+            <a:endParaRPr lang="en-US" altLang="zh-CN" dirty="0" smtClean="0"/>
+          </a:p>
+          <a:p>
+            <a:pPr marL="0" marR="0" lvl="0" indent="0" algn="l" defTabSz="914400" rtl="0" eaLnBrk="1" fontAlgn="auto" latinLnBrk="0" hangingPunct="1">
+              <a:lnSpc>
+                <a:spcPct val="100000"/>
+              </a:lnSpc>
+              <a:spcBef>
+                <a:spcPts val="0"/>
+              </a:spcBef>
+              <a:spcAft>
+                <a:spcPts val="0"/>
+              </a:spcAft>
+              <a:buClrTx/>
+              <a:buSzTx/>
+              <a:buFontTx/>
+              <a:buNone/>
+              <a:tabLst/>
+              <a:defRPr/>
+            </a:pPr>
+            <a:r>
+              <a:rPr lang="zh-CN" altLang="en-US" dirty="0" smtClean="0"/>
+              <a:t>传统</a:t>
+            </a:r>
+            <a:r>
+              <a:rPr lang="en-US" altLang="zh-CN" dirty="0" smtClean="0"/>
+              <a:t>CI/CD</a:t>
+            </a:r>
+            <a:r>
+              <a:rPr lang="zh-CN" altLang="en-US" dirty="0" smtClean="0"/>
+              <a:t>方式，使用</a:t>
+            </a:r>
+            <a:r>
+              <a:rPr lang="en-US" altLang="zh-CN" dirty="0" smtClean="0"/>
+              <a:t>Jenkins+</a:t>
+            </a:r>
+            <a:r>
+              <a:rPr lang="zh-CN" altLang="en-US" dirty="0" smtClean="0"/>
+              <a:t>定时任务完成，使用容器或</a:t>
+            </a:r>
+            <a:r>
+              <a:rPr lang="en-US" altLang="zh-CN" dirty="0" smtClean="0"/>
+              <a:t>shell</a:t>
+            </a:r>
+            <a:r>
+              <a:rPr lang="zh-CN" altLang="en-US" smtClean="0"/>
+              <a:t>完成，可满足业务的自定义需求。</a:t>
+            </a:r>
+            <a:r>
+              <a:rPr lang="zh-CN" altLang="en-US" smtClean="0"/>
+              <a:t>缺点</a:t>
+            </a:r>
+            <a:r>
+              <a:rPr lang="zh-CN" altLang="en-US" smtClean="0"/>
+              <a:t>：不易维护、排错困难</a:t>
+            </a:r>
+            <a:endParaRPr lang="en-US" altLang="zh-CN" dirty="0" smtClean="0"/>
+          </a:p>
+          <a:p>
+            <a:pPr marL="0" marR="0" lvl="0" indent="0" algn="l" defTabSz="914400" rtl="0" eaLnBrk="1" fontAlgn="auto" latinLnBrk="0" hangingPunct="1">
+              <a:lnSpc>
+                <a:spcPct val="100000"/>
+              </a:lnSpc>
+              <a:spcBef>
+                <a:spcPts val="0"/>
+              </a:spcBef>
+              <a:spcAft>
+                <a:spcPts val="0"/>
+              </a:spcAft>
+              <a:buClrTx/>
+              <a:buSzTx/>
+              <a:buFontTx/>
+              <a:buNone/>
+              <a:tabLst/>
+              <a:defRPr/>
+            </a:pPr>
+            <a:r>
+              <a:rPr lang="zh-CN" altLang="en-US" dirty="0" smtClean="0"/>
+              <a:t>第二、三种：基于</a:t>
+            </a:r>
+            <a:r>
+              <a:rPr lang="en-US" altLang="zh-CN" dirty="0" err="1" smtClean="0"/>
+              <a:t>openshift</a:t>
+            </a:r>
+            <a:r>
+              <a:rPr lang="en-US" altLang="zh-CN" dirty="0" smtClean="0"/>
+              <a:t>/</a:t>
+            </a:r>
+            <a:r>
+              <a:rPr lang="en-US" altLang="zh-CN" dirty="0" err="1" smtClean="0"/>
+              <a:t>kubernetes</a:t>
+            </a:r>
+            <a:r>
+              <a:rPr lang="zh-CN" altLang="en-US" dirty="0" smtClean="0"/>
+              <a:t>等</a:t>
+            </a:r>
+            <a:r>
+              <a:rPr lang="en-US" altLang="zh-CN" dirty="0" smtClean="0"/>
+              <a:t>PAAS</a:t>
+            </a:r>
+            <a:r>
+              <a:rPr lang="zh-CN" altLang="en-US" dirty="0" smtClean="0"/>
+              <a:t>平台</a:t>
+            </a:r>
+            <a:endParaRPr lang="en-US" altLang="zh-CN" dirty="0" smtClean="0"/>
+          </a:p>
+          <a:p>
+            <a:pPr marL="0" marR="0" lvl="0" indent="0" algn="l" defTabSz="914400" rtl="0" eaLnBrk="1" fontAlgn="auto" latinLnBrk="0" hangingPunct="1">
+              <a:lnSpc>
+                <a:spcPct val="100000"/>
+              </a:lnSpc>
+              <a:spcBef>
+                <a:spcPts val="0"/>
+              </a:spcBef>
+              <a:spcAft>
+                <a:spcPts val="0"/>
+              </a:spcAft>
+              <a:buClrTx/>
+              <a:buSzTx/>
+              <a:buFontTx/>
+              <a:buNone/>
+              <a:tabLst/>
+              <a:defRPr/>
+            </a:pPr>
+            <a:r>
+              <a:rPr lang="en-US" altLang="zh-CN" dirty="0" smtClean="0"/>
+              <a:t>1.</a:t>
+            </a:r>
+            <a:r>
+              <a:rPr lang="zh-CN" altLang="en-US" dirty="0" smtClean="0"/>
+              <a:t>构建过程由</a:t>
+            </a:r>
+            <a:r>
+              <a:rPr lang="en-US" altLang="zh-CN" dirty="0" err="1" smtClean="0"/>
+              <a:t>kolla</a:t>
+            </a:r>
+            <a:r>
+              <a:rPr lang="zh-CN" altLang="en-US" dirty="0" smtClean="0"/>
+              <a:t>代码完成，使用</a:t>
+            </a:r>
+            <a:r>
+              <a:rPr lang="en-US" altLang="zh-CN" dirty="0" err="1" smtClean="0"/>
+              <a:t>jenkins</a:t>
+            </a:r>
+            <a:r>
+              <a:rPr lang="zh-CN" altLang="en-US" dirty="0" smtClean="0"/>
+              <a:t>或</a:t>
+            </a:r>
+            <a:r>
+              <a:rPr lang="en-US" altLang="zh-CN" dirty="0" smtClean="0"/>
+              <a:t>STI</a:t>
+            </a:r>
+            <a:r>
+              <a:rPr lang="zh-CN" altLang="en-US" dirty="0" smtClean="0"/>
+              <a:t>方式</a:t>
+            </a:r>
+            <a:r>
+              <a:rPr lang="en-US" altLang="zh-CN" dirty="0" smtClean="0"/>
+              <a:t>(</a:t>
+            </a:r>
+            <a:r>
+              <a:rPr lang="zh-CN" altLang="en-US" dirty="0" smtClean="0"/>
+              <a:t>需要自定义</a:t>
+            </a:r>
+            <a:r>
+              <a:rPr lang="en-US" altLang="zh-CN" dirty="0" smtClean="0"/>
+              <a:t>builder</a:t>
+            </a:r>
+            <a:r>
+              <a:rPr lang="zh-CN" altLang="en-US" dirty="0" smtClean="0"/>
+              <a:t>镜像</a:t>
+            </a:r>
+            <a:r>
+              <a:rPr lang="en-US" altLang="zh-CN" dirty="0" smtClean="0"/>
+              <a:t>)</a:t>
+            </a:r>
+          </a:p>
+          <a:p>
+            <a:pPr marL="0" marR="0" lvl="0" indent="0" algn="l" defTabSz="914400" rtl="0" eaLnBrk="1" fontAlgn="auto" latinLnBrk="0" hangingPunct="1">
+              <a:lnSpc>
+                <a:spcPct val="100000"/>
+              </a:lnSpc>
+              <a:spcBef>
+                <a:spcPts val="0"/>
+              </a:spcBef>
+              <a:spcAft>
+                <a:spcPts val="0"/>
+              </a:spcAft>
+              <a:buClrTx/>
+              <a:buSzTx/>
+              <a:buFontTx/>
+              <a:buNone/>
+              <a:tabLst/>
+              <a:defRPr/>
+            </a:pPr>
+            <a:r>
+              <a:rPr lang="en-US" altLang="zh-CN" dirty="0" smtClean="0"/>
+              <a:t>2.</a:t>
+            </a:r>
+            <a:r>
+              <a:rPr lang="zh-CN" altLang="en-US" dirty="0" smtClean="0"/>
+              <a:t>构建生成新镜像并</a:t>
+            </a:r>
+            <a:r>
+              <a:rPr lang="en-US" altLang="zh-CN" dirty="0" smtClean="0"/>
+              <a:t>Push</a:t>
+            </a:r>
+            <a:r>
+              <a:rPr lang="zh-CN" altLang="en-US" dirty="0" smtClean="0"/>
+              <a:t>到私有镜像仓库</a:t>
+            </a:r>
+          </a:p>
+          <a:p>
+            <a:pPr marL="0" marR="0" lvl="0" indent="0" algn="l" defTabSz="914400" rtl="0" eaLnBrk="1" fontAlgn="auto" latinLnBrk="0" hangingPunct="1">
+              <a:lnSpc>
+                <a:spcPct val="100000"/>
+              </a:lnSpc>
+              <a:spcBef>
+                <a:spcPts val="0"/>
+              </a:spcBef>
+              <a:spcAft>
+                <a:spcPts val="0"/>
+              </a:spcAft>
+              <a:buClrTx/>
+              <a:buSzTx/>
+              <a:buFontTx/>
+              <a:buNone/>
+              <a:tabLst/>
+              <a:defRPr/>
+            </a:pPr>
+            <a:r>
+              <a:rPr lang="en-US" altLang="zh-CN" dirty="0" smtClean="0"/>
+              <a:t>3.</a:t>
+            </a:r>
+            <a:r>
+              <a:rPr lang="zh-CN" altLang="en-US" dirty="0" smtClean="0"/>
+              <a:t>自动化部署到开发、测试环境</a:t>
+            </a:r>
+          </a:p>
+        </p:txBody>
+      </p:sp>
+      <p:sp>
+        <p:nvSpPr>
+          <p:cNvPr id="4" name="灯片编号占位符 3"/>
+          <p:cNvSpPr>
+            <a:spLocks noGrp="1"/>
+          </p:cNvSpPr>
+          <p:nvPr>
+            <p:ph type="sldNum" sz="quarter" idx="10"/>
+          </p:nvPr>
+        </p:nvSpPr>
+        <p:spPr/>
+        <p:txBody>
+          <a:bodyPr/>
+          <a:lstStyle/>
+          <a:p>
+            <a:fld id="{A5880B28-9EFC-4886-B758-D4B847183D21}" type="slidenum">
+              <a:rPr lang="zh-CN" altLang="en-US" smtClean="0"/>
+              <a:t>25</a:t>
+            </a:fld>
+            <a:endParaRPr lang="zh-CN" altLang="en-US"/>
+          </a:p>
+        </p:txBody>
+      </p:sp>
+    </p:spTree>
+    <p:extLst>
+      <p:ext uri="{BB962C8B-B14F-4D97-AF65-F5344CB8AC3E}">
+        <p14:creationId xmlns:p14="http://schemas.microsoft.com/office/powerpoint/2010/main" val="257368055"/>
       </p:ext>
     </p:extLst>
   </p:cSld>
@@ -3478,11 +6278,7 @@
             </a:r>
             <a:r>
               <a:rPr lang="zh-CN" altLang="en-US" dirty="0" smtClean="0"/>
-              <a:t>组件的容器化部署。我们</a:t>
-            </a:r>
-            <a:r>
-              <a:rPr lang="zh-CN" altLang="en-US" dirty="0" smtClean="0"/>
-              <a:t>在</a:t>
+              <a:t>组件的容器化部署。我们在</a:t>
             </a:r>
             <a:r>
               <a:rPr lang="en-US" altLang="zh-CN" dirty="0" smtClean="0"/>
@@ -3620,11 +6416,7 @@
           <a:p>
             <a:r>
               <a:rPr lang="zh-CN" altLang="en-US" dirty="0" smtClean="0"/>
-              <a:t>首先</a:t>
-            </a:r>
-            <a:r>
-              <a:rPr lang="zh-CN" altLang="en-US" dirty="0" smtClean="0"/>
-              <a:t>来看内存操作系统。内存操作系统是我们部署过程中很重要的一部分，因为我们有可能需要在硬盘安装操作系统之前对硬件做一些批量的设置，这个时候内存操作系统就可以发挥很重要的作用。我们在我们的个性化私库里面融合了一个经过我们改造优化的</a:t>
+              <a:t>首先来看内存操作系统。内存操作系统是我们部署过程中很重要的一部分，因为我们有可能需要在硬盘安装操作系统之前对硬件做一些批量的设置，这个时候内存操作系统就可以发挥很重要的作用。我们在我们的个性化私库里面融合了一个经过我们改造优化的</a:t>
             </a:r>
             <a:r>
               <a:rPr lang="en-US" altLang="zh-CN" dirty="0" smtClean="0"/>
@@ -4499,7 +7291,7 @@
           <a:p>
             <a:fld id="{530820CF-B880-4189-942D-D702A7CBA730}" type="datetimeFigureOut">
               <a:rPr lang="zh-CN" altLang="en-US" smtClean="0"/>
-              <a:t>2018/6/7</a:t>
+              <a:t>2018/6/8</a:t>
             </a:fld>
             <a:endParaRPr lang="zh-CN" altLang="en-US"/>
           </a:p>
@@ -4701,7 +7493,7 @@
           <a:p>
             <a:fld id="{530820CF-B880-4189-942D-D702A7CBA730}" type="datetimeFigureOut">
               <a:rPr lang="zh-CN" altLang="en-US" smtClean="0"/>
-              <a:t>2018/6/7</a:t>
+              <a:t>2018/6/8</a:t>
             </a:fld>
             <a:endParaRPr lang="zh-CN" altLang="en-US"/>
           </a:p>
@@ -4876,7 +7668,7 @@
           <a:p>
             <a:fld id="{530820CF-B880-4189-942D-D702A7CBA730}" type="datetimeFigureOut">
               <a:rPr lang="zh-CN" altLang="en-US" smtClean="0"/>
-              <a:t>2018/6/7</a:t>
+              <a:t>2018/6/8</a:t>
             </a:fld>
             <a:endParaRPr lang="zh-CN" altLang="en-US"/>
           </a:p>
@@ -5041,7 +7833,7 @@
           <a:p>
             <a:fld id="{530820CF-B880-4189-942D-D702A7CBA730}" type="datetimeFigureOut">
               <a:rPr lang="zh-CN" altLang="en-US" smtClean="0"/>
-              <a:t>2018/6/7</a:t>
+              <a:t>2018/6/8</a:t>
             </a:fld>
             <a:endParaRPr lang="zh-CN" altLang="en-US"/>
           </a:p>
@@ -5319,7 +8111,7 @@
           <a:p>
             <a:fld id="{530820CF-B880-4189-942D-D702A7CBA730}" type="datetimeFigureOut">
               <a:rPr lang="zh-CN" altLang="en-US" smtClean="0"/>
-              <a:t>2018/6/7</a:t>
+              <a:t>2018/6/8</a:t>
             </a:fld>
             <a:endParaRPr lang="zh-CN" altLang="en-US"/>
           </a:p>
@@ -5639,7 +8431,7 @@
           <a:p>
             <a:fld id="{530820CF-B880-4189-942D-D702A7CBA730}" type="datetimeFigureOut">
               <a:rPr lang="zh-CN" altLang="en-US" smtClean="0"/>
-              <a:t>2018/6/7</a:t>
+              <a:t>2018/6/8</a:t>
             </a:fld>
             <a:endParaRPr lang="zh-CN" altLang="en-US"/>
           </a:p>
@@ -6056,7 +8848,7 @@
           <a:p>
             <a:fld id="{530820CF-B880-4189-942D-D702A7CBA730}" type="datetimeFigureOut">
               <a:rPr lang="zh-CN" altLang="en-US" smtClean="0"/>
-              <a:t>2018/6/7</a:t>
+              <a:t>2018/6/8</a:t>
             </a:fld>
             <a:endParaRPr lang="zh-CN" altLang="en-US"/>
           </a:p>
@@ -6169,7 +8961,7 @@
           <a:p>
             <a:fld id="{530820CF-B880-4189-942D-D702A7CBA730}" type="datetimeFigureOut">
               <a:rPr lang="zh-CN" altLang="en-US" smtClean="0"/>
-              <a:t>2018/6/7</a:t>
+              <a:t>2018/6/8</a:t>
             </a:fld>
             <a:endParaRPr lang="zh-CN" altLang="en-US"/>
           </a:p>
@@ -6259,7 +9051,7 @@
           <a:p>
             <a:fld id="{530820CF-B880-4189-942D-D702A7CBA730}" type="datetimeFigureOut">
               <a:rPr lang="zh-CN" altLang="en-US" smtClean="0"/>
-              <a:t>2018/6/7</a:t>
+              <a:t>2018/6/8</a:t>
             </a:fld>
             <a:endParaRPr lang="zh-CN" altLang="en-US"/>
           </a:p>
@@ -6531,7 +9323,7 @@
           <a:p>
             <a:fld id="{530820CF-B880-4189-942D-D702A7CBA730}" type="datetimeFigureOut">
               <a:rPr lang="zh-CN" altLang="en-US" smtClean="0"/>
-              <a:t>2018/6/7</a:t>
+              <a:t>2018/6/8</a:t>
             </a:fld>
             <a:endParaRPr lang="zh-CN" altLang="en-US"/>
           </a:p>
@@ -6779,7 +9571,7 @@
           <a:p>
             <a:fld id="{530820CF-B880-4189-942D-D702A7CBA730}" type="datetimeFigureOut">
               <a:rPr lang="zh-CN" altLang="en-US" smtClean="0"/>
-              <a:t>2018/6/7</a:t>
+              <a:t>2018/6/8</a:t>
             </a:fld>
             <a:endParaRPr lang="zh-CN" altLang="en-US"/>
           </a:p>
@@ -6987,7 +9779,7 @@
           <a:p>
             <a:fld id="{530820CF-B880-4189-942D-D702A7CBA730}" type="datetimeFigureOut">
               <a:rPr lang="zh-CN" altLang="en-US" smtClean="0"/>
-              <a:t>2018/6/7</a:t>
+              <a:t>2018/6/8</a:t>
             </a:fld>
             <a:endParaRPr lang="zh-CN" altLang="en-US"/>
           </a:p>
@@ -7750,6 +10542,204 @@
       </p:grpSpPr>
       <p:sp>
         <p:nvSpPr>
+          <p:cNvPr id="6" name="文本框 5"/>
+          <p:cNvSpPr txBox="1"/>
+          <p:nvPr/>
+        </p:nvSpPr>
+        <p:spPr>
+          <a:xfrm>
+            <a:off x="4908530" y="2427734"/>
+            <a:ext cx="3695917" cy="1477328"/>
+          </a:xfrm>
+          <a:prstGeom prst="rect">
+            <a:avLst/>
+          </a:prstGeom>
+          <a:noFill/>
+        </p:spPr>
+        <p:txBody>
+          <a:bodyPr wrap="square" rtlCol="0">
+            <a:spAutoFit/>
+          </a:bodyPr>
+          <a:lstStyle/>
+          <a:p>
+            <a:pPr marL="285750" indent="-285750">
+              <a:buFont typeface="Arial" panose="020B0604020202020204" pitchFamily="34" charset="0"/>
+              <a:buChar char="•"/>
+            </a:pPr>
+            <a:r>
+              <a:rPr lang="zh-CN" altLang="en-US" dirty="0" smtClean="0"/>
+              <a:t>组织松散、跨平台</a:t>
+            </a:r>
+            <a:endParaRPr lang="en-US" altLang="zh-CN" dirty="0" smtClean="0"/>
+          </a:p>
+          <a:p>
+            <a:pPr marL="285750" indent="-285750">
+              <a:buFont typeface="Arial" panose="020B0604020202020204" pitchFamily="34" charset="0"/>
+              <a:buChar char="•"/>
+            </a:pPr>
+            <a:r>
+              <a:rPr lang="zh-CN" altLang="en-US" dirty="0" smtClean="0"/>
+              <a:t>没有统一的规范</a:t>
+            </a:r>
+            <a:endParaRPr lang="en-US" altLang="zh-CN" dirty="0" smtClean="0"/>
+          </a:p>
+          <a:p>
+            <a:pPr marL="285750" indent="-285750">
+              <a:buFont typeface="Arial" panose="020B0604020202020204" pitchFamily="34" charset="0"/>
+              <a:buChar char="•"/>
+            </a:pPr>
+            <a:r>
+              <a:rPr lang="zh-CN" altLang="en-US" dirty="0" smtClean="0"/>
+              <a:t>构建部署触发依赖定时任务</a:t>
+            </a:r>
+            <a:endParaRPr lang="en-US" altLang="zh-CN" dirty="0" smtClean="0"/>
+          </a:p>
+          <a:p>
+            <a:pPr marL="285750" indent="-285750">
+              <a:buFont typeface="Arial" panose="020B0604020202020204" pitchFamily="34" charset="0"/>
+              <a:buChar char="•"/>
+            </a:pPr>
+            <a:r>
+              <a:rPr lang="zh-CN" altLang="en-US" dirty="0" smtClean="0"/>
+              <a:t>升级困难</a:t>
+            </a:r>
+            <a:endParaRPr lang="en-US" altLang="zh-CN" dirty="0" smtClean="0"/>
+          </a:p>
+          <a:p>
+            <a:pPr marL="285750" indent="-285750">
+              <a:buFont typeface="Arial" panose="020B0604020202020204" pitchFamily="34" charset="0"/>
+              <a:buChar char="•"/>
+            </a:pPr>
+            <a:r>
+              <a:rPr lang="zh-CN" altLang="en-US" dirty="0" smtClean="0"/>
+              <a:t>缺少监控和运维</a:t>
+            </a:r>
+            <a:endParaRPr lang="zh-CN" altLang="en-US" dirty="0"/>
+          </a:p>
+        </p:txBody>
+      </p:sp>
+      <p:sp>
+        <p:nvSpPr>
+          <p:cNvPr id="7" name="文本框 6"/>
+          <p:cNvSpPr txBox="1"/>
+          <p:nvPr/>
+        </p:nvSpPr>
+        <p:spPr>
+          <a:xfrm>
+            <a:off x="8358" y="627534"/>
+            <a:ext cx="2757486" cy="707886"/>
+          </a:xfrm>
+          <a:prstGeom prst="rect">
+            <a:avLst/>
+          </a:prstGeom>
+          <a:noFill/>
+        </p:spPr>
+        <p:txBody>
+          <a:bodyPr wrap="none" rtlCol="0">
+            <a:spAutoFit/>
+          </a:bodyPr>
+          <a:lstStyle/>
+          <a:p>
+            <a:r>
+              <a:rPr lang="zh-CN" altLang="en-US" sz="4000" b="1" dirty="0">
+                <a:latin typeface="+mj-ea"/>
+                <a:ea typeface="+mj-ea"/>
+              </a:rPr>
+              <a:t>传统方案：</a:t>
+            </a:r>
+            <a:endParaRPr lang="en-US" altLang="zh-CN" sz="4000" b="1" dirty="0">
+              <a:latin typeface="+mj-ea"/>
+              <a:ea typeface="+mj-ea"/>
+            </a:endParaRPr>
+          </a:p>
+        </p:txBody>
+      </p:sp>
+      <p:pic>
+        <p:nvPicPr>
+          <p:cNvPr id="8" name="图片 7"/>
+          <p:cNvPicPr>
+            <a:picLocks noChangeAspect="1"/>
+          </p:cNvPicPr>
+          <p:nvPr/>
+        </p:nvPicPr>
+        <p:blipFill>
+          <a:blip r:embed="rId3"/>
+          <a:stretch>
+            <a:fillRect/>
+          </a:stretch>
+        </p:blipFill>
+        <p:spPr>
+          <a:xfrm>
+            <a:off x="0" y="1635646"/>
+            <a:ext cx="4908531" cy="3210645"/>
+          </a:xfrm>
+          <a:prstGeom prst="rect">
+            <a:avLst/>
+          </a:prstGeom>
+        </p:spPr>
+      </p:pic>
+      <p:sp>
+        <p:nvSpPr>
+          <p:cNvPr id="2" name="文本框 1"/>
+          <p:cNvSpPr txBox="1"/>
+          <p:nvPr/>
+        </p:nvSpPr>
+        <p:spPr>
+          <a:xfrm>
+            <a:off x="5004048" y="1980878"/>
+            <a:ext cx="1107996" cy="461665"/>
+          </a:xfrm>
+          <a:prstGeom prst="rect">
+            <a:avLst/>
+          </a:prstGeom>
+          <a:noFill/>
+        </p:spPr>
+        <p:txBody>
+          <a:bodyPr wrap="none" rtlCol="0">
+            <a:spAutoFit/>
+          </a:bodyPr>
+          <a:lstStyle/>
+          <a:p>
+            <a:r>
+              <a:rPr lang="zh-CN" altLang="en-US" sz="2400" dirty="0" smtClean="0"/>
+              <a:t>问题：</a:t>
+            </a:r>
+            <a:endParaRPr lang="zh-CN" altLang="en-US" sz="2400" dirty="0"/>
+          </a:p>
+        </p:txBody>
+      </p:sp>
+    </p:spTree>
+    <p:extLst>
+      <p:ext uri="{BB962C8B-B14F-4D97-AF65-F5344CB8AC3E}">
+        <p14:creationId xmlns:p14="http://schemas.microsoft.com/office/powerpoint/2010/main" val="3462246235"/>
+      </p:ext>
+    </p:extLst>
+  </p:cSld>
+  <p:clrMapOvr>
+    <a:masterClrMapping/>
+  </p:clrMapOvr>
+</p:sld>
+</file>
+
+<file path=ppt/slides/slide13.xml><?xml version="1.0" encoding="utf-8"?>
+<p:sld xmlns:a="http://schemas.openxmlformats.org/drawingml/2006/main" xmlns:r="http://schemas.openxmlformats.org/officeDocument/2006/relationships" xmlns:p="http://schemas.openxmlformats.org/presentationml/2006/main">
+  <p:cSld>
+    <p:spTree>
+      <p:nvGrpSpPr>
+        <p:cNvPr id="1" name=""/>
+        <p:cNvGrpSpPr/>
+        <p:nvPr/>
+      </p:nvGrpSpPr>
+      <p:grpSpPr>
+        <a:xfrm>
+          <a:off x="0" y="0"/>
+          <a:ext cx="0" cy="0"/>
+          <a:chOff x="0" y="0"/>
+          <a:chExt cx="0" cy="0"/>
+        </a:xfrm>
+      </p:grpSpPr>
+      <p:sp>
+        <p:nvSpPr>
           <p:cNvPr id="4" name="文本框 3"/>
           <p:cNvSpPr txBox="1"/>
           <p:nvPr/>
@@ -8012,7 +11002,7 @@
 </p:sld>
 </file>
 
-<file path=ppt/slides/slide13.xml><?xml version="1.0" encoding="utf-8"?>
+<file path=ppt/slides/slide14.xml><?xml version="1.0" encoding="utf-8"?>
 <p:sld xmlns:a="http://schemas.openxmlformats.org/drawingml/2006/main" xmlns:r="http://schemas.openxmlformats.org/officeDocument/2006/relationships" xmlns:p="http://schemas.openxmlformats.org/presentationml/2006/main">
   <p:cSld>
     <p:spTree>
@@ -8363,7 +11353,7 @@
 </p:sld>
 </file>
 
-<file path=ppt/slides/slide14.xml><?xml version="1.0" encoding="utf-8"?>
+<file path=ppt/slides/slide15.xml><?xml version="1.0" encoding="utf-8"?>
 <p:sld xmlns:a="http://schemas.openxmlformats.org/drawingml/2006/main" xmlns:r="http://schemas.openxmlformats.org/officeDocument/2006/relationships" xmlns:p="http://schemas.openxmlformats.org/presentationml/2006/main">
   <p:cSld>
     <p:spTree>
@@ -8780,408 +11770,6 @@
 </p:sld>
 </file>
 
-<file path=ppt/slides/slide15.xml><?xml version="1.0" encoding="utf-8"?>
-<p:sld xmlns:a="http://schemas.openxmlformats.org/drawingml/2006/main" xmlns:r="http://schemas.openxmlformats.org/officeDocument/2006/relationships" xmlns:p="http://schemas.openxmlformats.org/presentationml/2006/main">
-  <p:cSld>
-    <p:spTree>
-      <p:nvGrpSpPr>
-        <p:cNvPr id="1" name=""/>
-        <p:cNvGrpSpPr/>
-        <p:nvPr/>
-      </p:nvGrpSpPr>
-      <p:grpSpPr>
-        <a:xfrm>
-          <a:off x="0" y="0"/>
-          <a:ext cx="0" cy="0"/>
-          <a:chOff x="0" y="0"/>
-          <a:chExt cx="0" cy="0"/>
-        </a:xfrm>
-      </p:grpSpPr>
-      <p:sp>
-        <p:nvSpPr>
-          <p:cNvPr id="4" name="文本框 3"/>
-          <p:cNvSpPr txBox="1"/>
-          <p:nvPr/>
-        </p:nvSpPr>
-        <p:spPr>
-          <a:xfrm>
-            <a:off x="1043608" y="1353627"/>
-            <a:ext cx="3047181" cy="461665"/>
-          </a:xfrm>
-          <a:prstGeom prst="rect">
-            <a:avLst/>
-          </a:prstGeom>
-          <a:noFill/>
-        </p:spPr>
-        <p:txBody>
-          <a:bodyPr wrap="none" rtlCol="0">
-            <a:spAutoFit/>
-          </a:bodyPr>
-          <a:lstStyle/>
-          <a:p>
-            <a:pPr marL="342900" indent="-342900">
-              <a:buFont typeface="Arial" panose="020B0604020202020204" pitchFamily="34" charset="0"/>
-              <a:buChar char="•"/>
-            </a:pPr>
-            <a:r>
-              <a:rPr lang="zh-CN" altLang="en-US" sz="2400" dirty="0" smtClean="0"/>
-              <a:t>修改默认</a:t>
-            </a:r>
-            <a:r>
-              <a:rPr lang="en-US" altLang="zh-CN" sz="2400" dirty="0" smtClean="0"/>
-              <a:t>RBAC</a:t>
-            </a:r>
-            <a:r>
-              <a:rPr lang="zh-CN" altLang="en-US" sz="2400" dirty="0" smtClean="0"/>
-              <a:t>设置</a:t>
-            </a:r>
-            <a:endParaRPr lang="zh-CN" altLang="en-US" sz="2400" dirty="0"/>
-          </a:p>
-        </p:txBody>
-      </p:sp>
-      <p:sp>
-        <p:nvSpPr>
-          <p:cNvPr id="5" name="文本框 4"/>
-          <p:cNvSpPr txBox="1"/>
-          <p:nvPr/>
-        </p:nvSpPr>
-        <p:spPr>
-          <a:xfrm>
-            <a:off x="1043608" y="1881994"/>
-            <a:ext cx="2424062" cy="461665"/>
-          </a:xfrm>
-          <a:prstGeom prst="rect">
-            <a:avLst/>
-          </a:prstGeom>
-          <a:noFill/>
-        </p:spPr>
-        <p:txBody>
-          <a:bodyPr wrap="none" rtlCol="0">
-            <a:spAutoFit/>
-          </a:bodyPr>
-          <a:lstStyle/>
-          <a:p>
-            <a:pPr marL="342900" indent="-342900">
-              <a:buFont typeface="Arial" panose="020B0604020202020204" pitchFamily="34" charset="0"/>
-              <a:buChar char="•"/>
-            </a:pPr>
-            <a:r>
-              <a:rPr lang="zh-CN" altLang="en-US" sz="2400" dirty="0" smtClean="0"/>
-              <a:t>安装部署</a:t>
-            </a:r>
-            <a:r>
-              <a:rPr lang="en-US" altLang="zh-CN" sz="2400" dirty="0" smtClean="0"/>
-              <a:t>Helm</a:t>
-            </a:r>
-            <a:endParaRPr lang="zh-CN" altLang="en-US" sz="2400" dirty="0"/>
-          </a:p>
-        </p:txBody>
-      </p:sp>
-      <p:sp>
-        <p:nvSpPr>
-          <p:cNvPr id="6" name="文本框 5"/>
-          <p:cNvSpPr txBox="1"/>
-          <p:nvPr/>
-        </p:nvSpPr>
-        <p:spPr>
-          <a:xfrm>
-            <a:off x="1043608" y="2410361"/>
-            <a:ext cx="7935955" cy="461665"/>
-          </a:xfrm>
-          <a:prstGeom prst="rect">
-            <a:avLst/>
-          </a:prstGeom>
-          <a:noFill/>
-        </p:spPr>
-        <p:txBody>
-          <a:bodyPr wrap="none" rtlCol="0">
-            <a:spAutoFit/>
-          </a:bodyPr>
-          <a:lstStyle/>
-          <a:p>
-            <a:pPr marL="342900" indent="-342900">
-              <a:buFont typeface="Arial" panose="020B0604020202020204" pitchFamily="34" charset="0"/>
-              <a:buChar char="•"/>
-            </a:pPr>
-            <a:r>
-              <a:rPr lang="zh-CN" altLang="en-US" sz="2400" dirty="0" smtClean="0"/>
-              <a:t>下载安装</a:t>
-            </a:r>
-            <a:r>
-              <a:rPr lang="en-US" altLang="zh-CN" sz="2400" dirty="0" err="1" smtClean="0"/>
-              <a:t>kolla-ansible</a:t>
-            </a:r>
-            <a:r>
-              <a:rPr lang="en-US" altLang="zh-CN" sz="2400" dirty="0" smtClean="0"/>
-              <a:t> </a:t>
-            </a:r>
-            <a:r>
-              <a:rPr lang="en-US" altLang="zh-CN" sz="2400" dirty="0" err="1" smtClean="0"/>
-              <a:t>kolla-kubernetes</a:t>
-            </a:r>
-            <a:r>
-              <a:rPr lang="zh-CN" altLang="en-US" sz="2400" dirty="0" smtClean="0"/>
-              <a:t>，自定义配置文件</a:t>
-            </a:r>
-            <a:endParaRPr lang="zh-CN" altLang="en-US" sz="2400" dirty="0"/>
-          </a:p>
-        </p:txBody>
-      </p:sp>
-      <p:sp>
-        <p:nvSpPr>
-          <p:cNvPr id="7" name="文本框 6"/>
-          <p:cNvSpPr txBox="1"/>
-          <p:nvPr/>
-        </p:nvSpPr>
-        <p:spPr>
-          <a:xfrm>
-            <a:off x="1043608" y="3993292"/>
-            <a:ext cx="3696012" cy="461665"/>
-          </a:xfrm>
-          <a:prstGeom prst="rect">
-            <a:avLst/>
-          </a:prstGeom>
-          <a:noFill/>
-        </p:spPr>
-        <p:txBody>
-          <a:bodyPr wrap="none" rtlCol="0">
-            <a:spAutoFit/>
-          </a:bodyPr>
-          <a:lstStyle/>
-          <a:p>
-            <a:pPr marL="342900" indent="-342900">
-              <a:buFont typeface="Arial" panose="020B0604020202020204" pitchFamily="34" charset="0"/>
-              <a:buChar char="•"/>
-            </a:pPr>
-            <a:r>
-              <a:rPr lang="zh-CN" altLang="en-US" sz="2400" dirty="0" smtClean="0"/>
-              <a:t>使用</a:t>
-            </a:r>
-            <a:r>
-              <a:rPr lang="en-US" altLang="zh-CN" sz="2400" dirty="0" smtClean="0"/>
-              <a:t>Helm</a:t>
-            </a:r>
-            <a:r>
-              <a:rPr lang="zh-CN" altLang="en-US" sz="2400" dirty="0" smtClean="0"/>
-              <a:t>部署</a:t>
-            </a:r>
-            <a:r>
-              <a:rPr lang="en-US" altLang="zh-CN" sz="2400" dirty="0" err="1" smtClean="0"/>
-              <a:t>openstack</a:t>
-            </a:r>
-            <a:endParaRPr lang="zh-CN" altLang="en-US" sz="2400" dirty="0"/>
-          </a:p>
-        </p:txBody>
-      </p:sp>
-      <p:sp>
-        <p:nvSpPr>
-          <p:cNvPr id="8" name="文本框 7"/>
-          <p:cNvSpPr txBox="1"/>
-          <p:nvPr/>
-        </p:nvSpPr>
-        <p:spPr>
-          <a:xfrm>
-            <a:off x="1043608" y="2938728"/>
-            <a:ext cx="6552948" cy="461665"/>
-          </a:xfrm>
-          <a:prstGeom prst="rect">
-            <a:avLst/>
-          </a:prstGeom>
-          <a:noFill/>
-        </p:spPr>
-        <p:txBody>
-          <a:bodyPr wrap="none" rtlCol="0">
-            <a:spAutoFit/>
-          </a:bodyPr>
-          <a:lstStyle/>
-          <a:p>
-            <a:pPr marL="342900" indent="-342900">
-              <a:buFont typeface="Arial" panose="020B0604020202020204" pitchFamily="34" charset="0"/>
-              <a:buChar char="•"/>
-            </a:pPr>
-            <a:r>
-              <a:rPr lang="zh-CN" altLang="en-US" sz="2400" dirty="0" smtClean="0"/>
-              <a:t>生成</a:t>
-            </a:r>
-            <a:r>
-              <a:rPr lang="en-US" altLang="zh-CN" sz="2400" dirty="0" smtClean="0"/>
-              <a:t>secret</a:t>
-            </a:r>
-            <a:r>
-              <a:rPr lang="zh-CN" altLang="en-US" sz="2400" dirty="0" smtClean="0"/>
-              <a:t>和</a:t>
-            </a:r>
-            <a:r>
-              <a:rPr lang="en-US" altLang="zh-CN" sz="2400" dirty="0" err="1" smtClean="0"/>
-              <a:t>config</a:t>
-            </a:r>
-            <a:r>
-              <a:rPr lang="en-US" altLang="zh-CN" sz="2400" dirty="0" smtClean="0"/>
-              <a:t> map</a:t>
-            </a:r>
-            <a:r>
-              <a:rPr lang="zh-CN" altLang="en-US" sz="2400" dirty="0" smtClean="0"/>
-              <a:t>并注册到</a:t>
-            </a:r>
-            <a:r>
-              <a:rPr lang="en-US" altLang="zh-CN" sz="2400" dirty="0" err="1" smtClean="0"/>
-              <a:t>openshift</a:t>
-            </a:r>
-            <a:r>
-              <a:rPr lang="en-US" altLang="zh-CN" sz="2400" dirty="0" smtClean="0"/>
-              <a:t>/k8s</a:t>
-            </a:r>
-            <a:endParaRPr lang="zh-CN" altLang="en-US" sz="2400" dirty="0"/>
-          </a:p>
-        </p:txBody>
-      </p:sp>
-      <p:sp>
-        <p:nvSpPr>
-          <p:cNvPr id="9" name="文本框 8"/>
-          <p:cNvSpPr txBox="1"/>
-          <p:nvPr/>
-        </p:nvSpPr>
-        <p:spPr>
-          <a:xfrm>
-            <a:off x="1043608" y="3467095"/>
-            <a:ext cx="7636193" cy="461665"/>
-          </a:xfrm>
-          <a:prstGeom prst="rect">
-            <a:avLst/>
-          </a:prstGeom>
-          <a:noFill/>
-        </p:spPr>
-        <p:txBody>
-          <a:bodyPr wrap="none" rtlCol="0">
-            <a:spAutoFit/>
-          </a:bodyPr>
-          <a:lstStyle/>
-          <a:p>
-            <a:pPr marL="342900" indent="-342900">
-              <a:buFont typeface="Arial" panose="020B0604020202020204" pitchFamily="34" charset="0"/>
-              <a:buChar char="•"/>
-            </a:pPr>
-            <a:r>
-              <a:rPr lang="zh-CN" altLang="en-US" sz="2400" dirty="0" smtClean="0"/>
-              <a:t>编译</a:t>
-            </a:r>
-            <a:r>
-              <a:rPr lang="en-US" altLang="zh-CN" sz="2400" dirty="0" smtClean="0"/>
-              <a:t>Helm</a:t>
-            </a:r>
-            <a:r>
-              <a:rPr lang="zh-CN" altLang="en-US" sz="2400" dirty="0" smtClean="0"/>
-              <a:t>使用的微服务、元数据、</a:t>
-            </a:r>
-            <a:r>
-              <a:rPr lang="en-US" altLang="zh-CN" sz="2400" dirty="0" err="1" smtClean="0"/>
-              <a:t>openstack</a:t>
-            </a:r>
-            <a:r>
-              <a:rPr lang="zh-CN" altLang="en-US" sz="2400" dirty="0" smtClean="0"/>
-              <a:t>服务</a:t>
-            </a:r>
-            <a:r>
-              <a:rPr lang="en-US" altLang="zh-CN" sz="2400" dirty="0" smtClean="0"/>
-              <a:t>(</a:t>
-            </a:r>
-            <a:r>
-              <a:rPr lang="en-US" altLang="zh-CN" sz="2400" dirty="0" err="1" smtClean="0"/>
-              <a:t>tgz</a:t>
-            </a:r>
-            <a:r>
-              <a:rPr lang="en-US" altLang="zh-CN" sz="2400" dirty="0" smtClean="0"/>
-              <a:t>)</a:t>
-            </a:r>
-            <a:endParaRPr lang="zh-CN" altLang="en-US" sz="2400" dirty="0"/>
-          </a:p>
-        </p:txBody>
-      </p:sp>
-      <p:sp>
-        <p:nvSpPr>
-          <p:cNvPr id="10" name="文本框 9"/>
-          <p:cNvSpPr txBox="1"/>
-          <p:nvPr/>
-        </p:nvSpPr>
-        <p:spPr>
-          <a:xfrm>
-            <a:off x="1043608" y="4519489"/>
-            <a:ext cx="3957302" cy="461665"/>
-          </a:xfrm>
-          <a:prstGeom prst="rect">
-            <a:avLst/>
-          </a:prstGeom>
-          <a:noFill/>
-        </p:spPr>
-        <p:txBody>
-          <a:bodyPr wrap="none" rtlCol="0">
-            <a:spAutoFit/>
-          </a:bodyPr>
-          <a:lstStyle/>
-          <a:p>
-            <a:pPr marL="342900" indent="-342900">
-              <a:buFont typeface="Arial" panose="020B0604020202020204" pitchFamily="34" charset="0"/>
-              <a:buChar char="•"/>
-            </a:pPr>
-            <a:r>
-              <a:rPr lang="zh-CN" altLang="en-US" sz="2400" dirty="0" smtClean="0"/>
-              <a:t>安装部署</a:t>
-            </a:r>
-            <a:r>
-              <a:rPr lang="en-US" altLang="zh-CN" sz="2400" dirty="0" err="1" smtClean="0"/>
-              <a:t>openstack</a:t>
-            </a:r>
-            <a:r>
-              <a:rPr lang="zh-CN" altLang="en-US" sz="2400" dirty="0" smtClean="0"/>
-              <a:t>客户端</a:t>
-            </a:r>
-            <a:endParaRPr lang="zh-CN" altLang="en-US" sz="2400" dirty="0"/>
-          </a:p>
-        </p:txBody>
-      </p:sp>
-      <p:sp>
-        <p:nvSpPr>
-          <p:cNvPr id="11" name="文本框 10"/>
-          <p:cNvSpPr txBox="1"/>
-          <p:nvPr/>
-        </p:nvSpPr>
-        <p:spPr>
-          <a:xfrm>
-            <a:off x="719005" y="876556"/>
-            <a:ext cx="1723549" cy="461665"/>
-          </a:xfrm>
-          <a:prstGeom prst="rect">
-            <a:avLst/>
-          </a:prstGeom>
-          <a:noFill/>
-        </p:spPr>
-        <p:txBody>
-          <a:bodyPr wrap="none" rtlCol="0">
-            <a:spAutoFit/>
-          </a:bodyPr>
-          <a:lstStyle/>
-          <a:p>
-            <a:r>
-              <a:rPr lang="zh-CN" altLang="en-US" sz="2400" dirty="0" smtClean="0"/>
-              <a:t>部署过程：</a:t>
-            </a:r>
-            <a:endParaRPr lang="zh-CN" altLang="en-US" sz="2400" dirty="0"/>
-          </a:p>
-        </p:txBody>
-      </p:sp>
-    </p:spTree>
-    <p:extLst>
-      <p:ext uri="{BB962C8B-B14F-4D97-AF65-F5344CB8AC3E}">
-        <p14:creationId xmlns:p14="http://schemas.microsoft.com/office/powerpoint/2010/main" val="2723877658"/>
-      </p:ext>
-    </p:extLst>
-  </p:cSld>
-  <p:clrMapOvr>
-    <a:masterClrMapping/>
-  </p:clrMapOvr>
-</p:sld>
-</file>
-
 <file path=ppt/slides/slide16.xml><?xml version="1.0" encoding="utf-8"?>
 <p:sld xmlns:a="http://schemas.openxmlformats.org/drawingml/2006/main" xmlns:r="http://schemas.openxmlformats.org/officeDocument/2006/relationships" xmlns:p="http://schemas.openxmlformats.org/presentationml/2006/main">
   <p:cSld>
@@ -9207,6 +11795,408 @@
         </p:nvSpPr>
         <p:spPr>
           <a:xfrm>
+            <a:off x="1043608" y="1353627"/>
+            <a:ext cx="3047181" cy="461665"/>
+          </a:xfrm>
+          <a:prstGeom prst="rect">
+            <a:avLst/>
+          </a:prstGeom>
+          <a:noFill/>
+        </p:spPr>
+        <p:txBody>
+          <a:bodyPr wrap="none" rtlCol="0">
+            <a:spAutoFit/>
+          </a:bodyPr>
+          <a:lstStyle/>
+          <a:p>
+            <a:pPr marL="342900" indent="-342900">
+              <a:buFont typeface="Arial" panose="020B0604020202020204" pitchFamily="34" charset="0"/>
+              <a:buChar char="•"/>
+            </a:pPr>
+            <a:r>
+              <a:rPr lang="zh-CN" altLang="en-US" sz="2400" dirty="0" smtClean="0"/>
+              <a:t>修改默认</a:t>
+            </a:r>
+            <a:r>
+              <a:rPr lang="en-US" altLang="zh-CN" sz="2400" dirty="0" smtClean="0"/>
+              <a:t>RBAC</a:t>
+            </a:r>
+            <a:r>
+              <a:rPr lang="zh-CN" altLang="en-US" sz="2400" dirty="0" smtClean="0"/>
+              <a:t>设置</a:t>
+            </a:r>
+            <a:endParaRPr lang="zh-CN" altLang="en-US" sz="2400" dirty="0"/>
+          </a:p>
+        </p:txBody>
+      </p:sp>
+      <p:sp>
+        <p:nvSpPr>
+          <p:cNvPr id="5" name="文本框 4"/>
+          <p:cNvSpPr txBox="1"/>
+          <p:nvPr/>
+        </p:nvSpPr>
+        <p:spPr>
+          <a:xfrm>
+            <a:off x="1043608" y="1881994"/>
+            <a:ext cx="2424062" cy="461665"/>
+          </a:xfrm>
+          <a:prstGeom prst="rect">
+            <a:avLst/>
+          </a:prstGeom>
+          <a:noFill/>
+        </p:spPr>
+        <p:txBody>
+          <a:bodyPr wrap="none" rtlCol="0">
+            <a:spAutoFit/>
+          </a:bodyPr>
+          <a:lstStyle/>
+          <a:p>
+            <a:pPr marL="342900" indent="-342900">
+              <a:buFont typeface="Arial" panose="020B0604020202020204" pitchFamily="34" charset="0"/>
+              <a:buChar char="•"/>
+            </a:pPr>
+            <a:r>
+              <a:rPr lang="zh-CN" altLang="en-US" sz="2400" dirty="0" smtClean="0"/>
+              <a:t>安装部署</a:t>
+            </a:r>
+            <a:r>
+              <a:rPr lang="en-US" altLang="zh-CN" sz="2400" dirty="0" smtClean="0"/>
+              <a:t>Helm</a:t>
+            </a:r>
+            <a:endParaRPr lang="zh-CN" altLang="en-US" sz="2400" dirty="0"/>
+          </a:p>
+        </p:txBody>
+      </p:sp>
+      <p:sp>
+        <p:nvSpPr>
+          <p:cNvPr id="6" name="文本框 5"/>
+          <p:cNvSpPr txBox="1"/>
+          <p:nvPr/>
+        </p:nvSpPr>
+        <p:spPr>
+          <a:xfrm>
+            <a:off x="1043608" y="2410361"/>
+            <a:ext cx="7935955" cy="461665"/>
+          </a:xfrm>
+          <a:prstGeom prst="rect">
+            <a:avLst/>
+          </a:prstGeom>
+          <a:noFill/>
+        </p:spPr>
+        <p:txBody>
+          <a:bodyPr wrap="none" rtlCol="0">
+            <a:spAutoFit/>
+          </a:bodyPr>
+          <a:lstStyle/>
+          <a:p>
+            <a:pPr marL="342900" indent="-342900">
+              <a:buFont typeface="Arial" panose="020B0604020202020204" pitchFamily="34" charset="0"/>
+              <a:buChar char="•"/>
+            </a:pPr>
+            <a:r>
+              <a:rPr lang="zh-CN" altLang="en-US" sz="2400" dirty="0" smtClean="0"/>
+              <a:t>下载安装</a:t>
+            </a:r>
+            <a:r>
+              <a:rPr lang="en-US" altLang="zh-CN" sz="2400" dirty="0" err="1" smtClean="0"/>
+              <a:t>kolla-ansible</a:t>
+            </a:r>
+            <a:r>
+              <a:rPr lang="en-US" altLang="zh-CN" sz="2400" dirty="0" smtClean="0"/>
+              <a:t> </a:t>
+            </a:r>
+            <a:r>
+              <a:rPr lang="en-US" altLang="zh-CN" sz="2400" dirty="0" err="1" smtClean="0"/>
+              <a:t>kolla-kubernetes</a:t>
+            </a:r>
+            <a:r>
+              <a:rPr lang="zh-CN" altLang="en-US" sz="2400" dirty="0" smtClean="0"/>
+              <a:t>，自定义配置文件</a:t>
+            </a:r>
+            <a:endParaRPr lang="zh-CN" altLang="en-US" sz="2400" dirty="0"/>
+          </a:p>
+        </p:txBody>
+      </p:sp>
+      <p:sp>
+        <p:nvSpPr>
+          <p:cNvPr id="7" name="文本框 6"/>
+          <p:cNvSpPr txBox="1"/>
+          <p:nvPr/>
+        </p:nvSpPr>
+        <p:spPr>
+          <a:xfrm>
+            <a:off x="1043608" y="3993292"/>
+            <a:ext cx="3696012" cy="461665"/>
+          </a:xfrm>
+          <a:prstGeom prst="rect">
+            <a:avLst/>
+          </a:prstGeom>
+          <a:noFill/>
+        </p:spPr>
+        <p:txBody>
+          <a:bodyPr wrap="none" rtlCol="0">
+            <a:spAutoFit/>
+          </a:bodyPr>
+          <a:lstStyle/>
+          <a:p>
+            <a:pPr marL="342900" indent="-342900">
+              <a:buFont typeface="Arial" panose="020B0604020202020204" pitchFamily="34" charset="0"/>
+              <a:buChar char="•"/>
+            </a:pPr>
+            <a:r>
+              <a:rPr lang="zh-CN" altLang="en-US" sz="2400" dirty="0" smtClean="0"/>
+              <a:t>使用</a:t>
+            </a:r>
+            <a:r>
+              <a:rPr lang="en-US" altLang="zh-CN" sz="2400" dirty="0" smtClean="0"/>
+              <a:t>Helm</a:t>
+            </a:r>
+            <a:r>
+              <a:rPr lang="zh-CN" altLang="en-US" sz="2400" dirty="0" smtClean="0"/>
+              <a:t>部署</a:t>
+            </a:r>
+            <a:r>
+              <a:rPr lang="en-US" altLang="zh-CN" sz="2400" dirty="0" err="1" smtClean="0"/>
+              <a:t>openstack</a:t>
+            </a:r>
+            <a:endParaRPr lang="zh-CN" altLang="en-US" sz="2400" dirty="0"/>
+          </a:p>
+        </p:txBody>
+      </p:sp>
+      <p:sp>
+        <p:nvSpPr>
+          <p:cNvPr id="8" name="文本框 7"/>
+          <p:cNvSpPr txBox="1"/>
+          <p:nvPr/>
+        </p:nvSpPr>
+        <p:spPr>
+          <a:xfrm>
+            <a:off x="1043608" y="2938728"/>
+            <a:ext cx="6552948" cy="461665"/>
+          </a:xfrm>
+          <a:prstGeom prst="rect">
+            <a:avLst/>
+          </a:prstGeom>
+          <a:noFill/>
+        </p:spPr>
+        <p:txBody>
+          <a:bodyPr wrap="none" rtlCol="0">
+            <a:spAutoFit/>
+          </a:bodyPr>
+          <a:lstStyle/>
+          <a:p>
+            <a:pPr marL="342900" indent="-342900">
+              <a:buFont typeface="Arial" panose="020B0604020202020204" pitchFamily="34" charset="0"/>
+              <a:buChar char="•"/>
+            </a:pPr>
+            <a:r>
+              <a:rPr lang="zh-CN" altLang="en-US" sz="2400" dirty="0" smtClean="0"/>
+              <a:t>生成</a:t>
+            </a:r>
+            <a:r>
+              <a:rPr lang="en-US" altLang="zh-CN" sz="2400" dirty="0" smtClean="0"/>
+              <a:t>secret</a:t>
+            </a:r>
+            <a:r>
+              <a:rPr lang="zh-CN" altLang="en-US" sz="2400" dirty="0" smtClean="0"/>
+              <a:t>和</a:t>
+            </a:r>
+            <a:r>
+              <a:rPr lang="en-US" altLang="zh-CN" sz="2400" dirty="0" err="1" smtClean="0"/>
+              <a:t>config</a:t>
+            </a:r>
+            <a:r>
+              <a:rPr lang="en-US" altLang="zh-CN" sz="2400" dirty="0" smtClean="0"/>
+              <a:t> map</a:t>
+            </a:r>
+            <a:r>
+              <a:rPr lang="zh-CN" altLang="en-US" sz="2400" dirty="0" smtClean="0"/>
+              <a:t>并注册到</a:t>
+            </a:r>
+            <a:r>
+              <a:rPr lang="en-US" altLang="zh-CN" sz="2400" dirty="0" err="1" smtClean="0"/>
+              <a:t>openshift</a:t>
+            </a:r>
+            <a:r>
+              <a:rPr lang="en-US" altLang="zh-CN" sz="2400" dirty="0" smtClean="0"/>
+              <a:t>/k8s</a:t>
+            </a:r>
+            <a:endParaRPr lang="zh-CN" altLang="en-US" sz="2400" dirty="0"/>
+          </a:p>
+        </p:txBody>
+      </p:sp>
+      <p:sp>
+        <p:nvSpPr>
+          <p:cNvPr id="9" name="文本框 8"/>
+          <p:cNvSpPr txBox="1"/>
+          <p:nvPr/>
+        </p:nvSpPr>
+        <p:spPr>
+          <a:xfrm>
+            <a:off x="1043608" y="3467095"/>
+            <a:ext cx="7636193" cy="461665"/>
+          </a:xfrm>
+          <a:prstGeom prst="rect">
+            <a:avLst/>
+          </a:prstGeom>
+          <a:noFill/>
+        </p:spPr>
+        <p:txBody>
+          <a:bodyPr wrap="none" rtlCol="0">
+            <a:spAutoFit/>
+          </a:bodyPr>
+          <a:lstStyle/>
+          <a:p>
+            <a:pPr marL="342900" indent="-342900">
+              <a:buFont typeface="Arial" panose="020B0604020202020204" pitchFamily="34" charset="0"/>
+              <a:buChar char="•"/>
+            </a:pPr>
+            <a:r>
+              <a:rPr lang="zh-CN" altLang="en-US" sz="2400" dirty="0" smtClean="0"/>
+              <a:t>编译</a:t>
+            </a:r>
+            <a:r>
+              <a:rPr lang="en-US" altLang="zh-CN" sz="2400" dirty="0" smtClean="0"/>
+              <a:t>Helm</a:t>
+            </a:r>
+            <a:r>
+              <a:rPr lang="zh-CN" altLang="en-US" sz="2400" dirty="0" smtClean="0"/>
+              <a:t>使用的微服务、元数据、</a:t>
+            </a:r>
+            <a:r>
+              <a:rPr lang="en-US" altLang="zh-CN" sz="2400" dirty="0" err="1" smtClean="0"/>
+              <a:t>openstack</a:t>
+            </a:r>
+            <a:r>
+              <a:rPr lang="zh-CN" altLang="en-US" sz="2400" dirty="0" smtClean="0"/>
+              <a:t>服务</a:t>
+            </a:r>
+            <a:r>
+              <a:rPr lang="en-US" altLang="zh-CN" sz="2400" dirty="0" smtClean="0"/>
+              <a:t>(</a:t>
+            </a:r>
+            <a:r>
+              <a:rPr lang="en-US" altLang="zh-CN" sz="2400" dirty="0" err="1" smtClean="0"/>
+              <a:t>tgz</a:t>
+            </a:r>
+            <a:r>
+              <a:rPr lang="en-US" altLang="zh-CN" sz="2400" dirty="0" smtClean="0"/>
+              <a:t>)</a:t>
+            </a:r>
+            <a:endParaRPr lang="zh-CN" altLang="en-US" sz="2400" dirty="0"/>
+          </a:p>
+        </p:txBody>
+      </p:sp>
+      <p:sp>
+        <p:nvSpPr>
+          <p:cNvPr id="10" name="文本框 9"/>
+          <p:cNvSpPr txBox="1"/>
+          <p:nvPr/>
+        </p:nvSpPr>
+        <p:spPr>
+          <a:xfrm>
+            <a:off x="1043608" y="4519489"/>
+            <a:ext cx="3957302" cy="461665"/>
+          </a:xfrm>
+          <a:prstGeom prst="rect">
+            <a:avLst/>
+          </a:prstGeom>
+          <a:noFill/>
+        </p:spPr>
+        <p:txBody>
+          <a:bodyPr wrap="none" rtlCol="0">
+            <a:spAutoFit/>
+          </a:bodyPr>
+          <a:lstStyle/>
+          <a:p>
+            <a:pPr marL="342900" indent="-342900">
+              <a:buFont typeface="Arial" panose="020B0604020202020204" pitchFamily="34" charset="0"/>
+              <a:buChar char="•"/>
+            </a:pPr>
+            <a:r>
+              <a:rPr lang="zh-CN" altLang="en-US" sz="2400" dirty="0" smtClean="0"/>
+              <a:t>安装部署</a:t>
+            </a:r>
+            <a:r>
+              <a:rPr lang="en-US" altLang="zh-CN" sz="2400" dirty="0" err="1" smtClean="0"/>
+              <a:t>openstack</a:t>
+            </a:r>
+            <a:r>
+              <a:rPr lang="zh-CN" altLang="en-US" sz="2400" dirty="0" smtClean="0"/>
+              <a:t>客户端</a:t>
+            </a:r>
+            <a:endParaRPr lang="zh-CN" altLang="en-US" sz="2400" dirty="0"/>
+          </a:p>
+        </p:txBody>
+      </p:sp>
+      <p:sp>
+        <p:nvSpPr>
+          <p:cNvPr id="11" name="文本框 10"/>
+          <p:cNvSpPr txBox="1"/>
+          <p:nvPr/>
+        </p:nvSpPr>
+        <p:spPr>
+          <a:xfrm>
+            <a:off x="719005" y="876556"/>
+            <a:ext cx="1723549" cy="461665"/>
+          </a:xfrm>
+          <a:prstGeom prst="rect">
+            <a:avLst/>
+          </a:prstGeom>
+          <a:noFill/>
+        </p:spPr>
+        <p:txBody>
+          <a:bodyPr wrap="none" rtlCol="0">
+            <a:spAutoFit/>
+          </a:bodyPr>
+          <a:lstStyle/>
+          <a:p>
+            <a:r>
+              <a:rPr lang="zh-CN" altLang="en-US" sz="2400" dirty="0" smtClean="0"/>
+              <a:t>部署过程：</a:t>
+            </a:r>
+            <a:endParaRPr lang="zh-CN" altLang="en-US" sz="2400" dirty="0"/>
+          </a:p>
+        </p:txBody>
+      </p:sp>
+    </p:spTree>
+    <p:extLst>
+      <p:ext uri="{BB962C8B-B14F-4D97-AF65-F5344CB8AC3E}">
+        <p14:creationId xmlns:p14="http://schemas.microsoft.com/office/powerpoint/2010/main" val="2723877658"/>
+      </p:ext>
+    </p:extLst>
+  </p:cSld>
+  <p:clrMapOvr>
+    <a:masterClrMapping/>
+  </p:clrMapOvr>
+</p:sld>
+</file>
+
+<file path=ppt/slides/slide17.xml><?xml version="1.0" encoding="utf-8"?>
+<p:sld xmlns:a="http://schemas.openxmlformats.org/drawingml/2006/main" xmlns:r="http://schemas.openxmlformats.org/officeDocument/2006/relationships" xmlns:p="http://schemas.openxmlformats.org/presentationml/2006/main">
+  <p:cSld>
+    <p:spTree>
+      <p:nvGrpSpPr>
+        <p:cNvPr id="1" name=""/>
+        <p:cNvGrpSpPr/>
+        <p:nvPr/>
+      </p:nvGrpSpPr>
+      <p:grpSpPr>
+        <a:xfrm>
+          <a:off x="0" y="0"/>
+          <a:ext cx="0" cy="0"/>
+          <a:chOff x="0" y="0"/>
+          <a:chExt cx="0" cy="0"/>
+        </a:xfrm>
+      </p:grpSpPr>
+      <p:sp>
+        <p:nvSpPr>
+          <p:cNvPr id="4" name="文本框 3"/>
+          <p:cNvSpPr txBox="1"/>
+          <p:nvPr/>
+        </p:nvSpPr>
+        <p:spPr>
+          <a:xfrm>
             <a:off x="395536" y="774367"/>
             <a:ext cx="2427268" cy="461665"/>
           </a:xfrm>
@@ -9535,7 +12525,7 @@
 </p:sld>
 </file>
 
-<file path=ppt/slides/slide17.xml><?xml version="1.0" encoding="utf-8"?>
+<file path=ppt/slides/slide18.xml><?xml version="1.0" encoding="utf-8"?>
 <p:sld xmlns:a="http://schemas.openxmlformats.org/drawingml/2006/main" xmlns:r="http://schemas.openxmlformats.org/officeDocument/2006/relationships" xmlns:p="http://schemas.openxmlformats.org/presentationml/2006/main">
   <p:cSld>
     <p:spTree>
@@ -9642,7 +12632,7 @@
 </p:sld>
 </file>
 
-<file path=ppt/slides/slide18.xml><?xml version="1.0" encoding="utf-8"?>
+<file path=ppt/slides/slide19.xml><?xml version="1.0" encoding="utf-8"?>
 <p:sld xmlns:a="http://schemas.openxmlformats.org/drawingml/2006/main" xmlns:r="http://schemas.openxmlformats.org/officeDocument/2006/relationships" xmlns:p="http://schemas.openxmlformats.org/presentationml/2006/main">
   <p:cSld>
     <p:spTree>
@@ -9661,47 +12651,182 @@
       </p:grpSpPr>
       <p:sp>
         <p:nvSpPr>
-          <p:cNvPr id="4" name="标题 3"/>
-          <p:cNvSpPr>
-            <a:spLocks noGrp="1"/>
-          </p:cNvSpPr>
-          <p:nvPr>
-            <p:ph type="ctrTitle"/>
-          </p:nvPr>
-        </p:nvSpPr>
-        <p:spPr/>
-        <p:txBody>
-          <a:bodyPr>
-            <a:normAutofit/>
+          <p:cNvPr id="7" name="文本框 6"/>
+          <p:cNvSpPr txBox="1"/>
+          <p:nvPr/>
+        </p:nvSpPr>
+        <p:spPr>
+          <a:xfrm>
+            <a:off x="8358" y="627534"/>
+            <a:ext cx="2757486" cy="707886"/>
+          </a:xfrm>
+          <a:prstGeom prst="rect">
+            <a:avLst/>
+          </a:prstGeom>
+          <a:noFill/>
+        </p:spPr>
+        <p:txBody>
+          <a:bodyPr wrap="none" rtlCol="0">
+            <a:spAutoFit/>
           </a:bodyPr>
           <a:lstStyle/>
           <a:p>
-            <a:pPr algn="l"/>
-            <a:r>
-              <a:rPr lang="en-US" altLang="zh-CN" sz="5400" b="1" dirty="0" smtClean="0"/>
-              <a:t>Thank You</a:t>
-            </a:r>
-            <a:endParaRPr lang="zh-CN" altLang="en-US" sz="5400" b="1" dirty="0"/>
+            <a:r>
+              <a:rPr lang="zh-CN" altLang="en-US" sz="4000" b="1" dirty="0">
+                <a:latin typeface="+mj-ea"/>
+                <a:ea typeface="+mj-ea"/>
+              </a:rPr>
+              <a:t>传统方案：</a:t>
+            </a:r>
+            <a:endParaRPr lang="en-US" altLang="zh-CN" sz="4000" b="1" dirty="0">
+              <a:latin typeface="+mj-ea"/>
+              <a:ea typeface="+mj-ea"/>
+            </a:endParaRPr>
+          </a:p>
+        </p:txBody>
+      </p:sp>
+      <p:pic>
+        <p:nvPicPr>
+          <p:cNvPr id="8" name="图片 7"/>
+          <p:cNvPicPr>
+            <a:picLocks noChangeAspect="1"/>
+          </p:cNvPicPr>
+          <p:nvPr/>
+        </p:nvPicPr>
+        <p:blipFill>
+          <a:blip r:embed="rId3"/>
+          <a:stretch>
+            <a:fillRect/>
+          </a:stretch>
+        </p:blipFill>
+        <p:spPr>
+          <a:xfrm>
+            <a:off x="-18686" y="1481186"/>
+            <a:ext cx="5569059" cy="3642693"/>
+          </a:xfrm>
+          <a:prstGeom prst="rect">
+            <a:avLst/>
+          </a:prstGeom>
+        </p:spPr>
+      </p:pic>
+      <p:sp>
+        <p:nvSpPr>
+          <p:cNvPr id="6" name="文本框 5"/>
+          <p:cNvSpPr txBox="1"/>
+          <p:nvPr/>
+        </p:nvSpPr>
+        <p:spPr>
+          <a:xfrm>
+            <a:off x="5076056" y="2355726"/>
+            <a:ext cx="3695917" cy="1631216"/>
+          </a:xfrm>
+          <a:prstGeom prst="rect">
+            <a:avLst/>
+          </a:prstGeom>
+          <a:noFill/>
+        </p:spPr>
+        <p:txBody>
+          <a:bodyPr wrap="square" rtlCol="0">
+            <a:spAutoFit/>
+          </a:bodyPr>
+          <a:lstStyle/>
+          <a:p>
+            <a:pPr marL="285750" indent="-285750">
+              <a:buFont typeface="Arial" panose="020B0604020202020204" pitchFamily="34" charset="0"/>
+              <a:buChar char="•"/>
+            </a:pPr>
+            <a:r>
+              <a:rPr lang="zh-CN" altLang="en-US" sz="2000" dirty="0" smtClean="0"/>
+              <a:t>组织松散、跨平台</a:t>
+            </a:r>
+            <a:endParaRPr lang="en-US" altLang="zh-CN" sz="2000" dirty="0" smtClean="0"/>
+          </a:p>
+          <a:p>
+            <a:pPr marL="285750" indent="-285750">
+              <a:buFont typeface="Arial" panose="020B0604020202020204" pitchFamily="34" charset="0"/>
+              <a:buChar char="•"/>
+            </a:pPr>
+            <a:r>
+              <a:rPr lang="zh-CN" altLang="en-US" sz="2000" dirty="0" smtClean="0"/>
+              <a:t>没有统一的规范</a:t>
+            </a:r>
+            <a:endParaRPr lang="en-US" altLang="zh-CN" sz="2000" dirty="0" smtClean="0"/>
+          </a:p>
+          <a:p>
+            <a:pPr marL="285750" indent="-285750">
+              <a:buFont typeface="Arial" panose="020B0604020202020204" pitchFamily="34" charset="0"/>
+              <a:buChar char="•"/>
+            </a:pPr>
+            <a:r>
+              <a:rPr lang="zh-CN" altLang="en-US" sz="2000" dirty="0" smtClean="0"/>
+              <a:t>构建部署触发依赖定时任务</a:t>
+            </a:r>
+            <a:endParaRPr lang="en-US" altLang="zh-CN" sz="2000" dirty="0" smtClean="0"/>
+          </a:p>
+          <a:p>
+            <a:pPr marL="285750" indent="-285750">
+              <a:buFont typeface="Arial" panose="020B0604020202020204" pitchFamily="34" charset="0"/>
+              <a:buChar char="•"/>
+            </a:pPr>
+            <a:r>
+              <a:rPr lang="zh-CN" altLang="en-US" sz="2000" dirty="0" smtClean="0"/>
+              <a:t>升级困难</a:t>
+            </a:r>
+            <a:endParaRPr lang="en-US" altLang="zh-CN" sz="2000" dirty="0" smtClean="0"/>
+          </a:p>
+          <a:p>
+            <a:pPr marL="285750" indent="-285750">
+              <a:buFont typeface="Arial" panose="020B0604020202020204" pitchFamily="34" charset="0"/>
+              <a:buChar char="•"/>
+            </a:pPr>
+            <a:r>
+              <a:rPr lang="zh-CN" altLang="en-US" sz="2000" dirty="0" smtClean="0"/>
+              <a:t>缺少监控和运维</a:t>
+            </a:r>
+            <a:endParaRPr lang="zh-CN" altLang="en-US" sz="2000" dirty="0"/>
+          </a:p>
+        </p:txBody>
+      </p:sp>
+      <p:sp>
+        <p:nvSpPr>
+          <p:cNvPr id="2" name="文本框 1"/>
+          <p:cNvSpPr txBox="1"/>
+          <p:nvPr/>
+        </p:nvSpPr>
+        <p:spPr>
+          <a:xfrm>
+            <a:off x="5171574" y="1908870"/>
+            <a:ext cx="1107996" cy="461665"/>
+          </a:xfrm>
+          <a:prstGeom prst="rect">
+            <a:avLst/>
+          </a:prstGeom>
+          <a:noFill/>
+        </p:spPr>
+        <p:txBody>
+          <a:bodyPr wrap="none" rtlCol="0">
+            <a:spAutoFit/>
+          </a:bodyPr>
+          <a:lstStyle/>
+          <a:p>
+            <a:r>
+              <a:rPr lang="zh-CN" altLang="en-US" sz="2400" dirty="0" smtClean="0"/>
+              <a:t>问题：</a:t>
+            </a:r>
+            <a:endParaRPr lang="zh-CN" altLang="en-US" sz="2400" dirty="0"/>
           </a:p>
         </p:txBody>
       </p:sp>
     </p:spTree>
     <p:extLst>
       <p:ext uri="{BB962C8B-B14F-4D97-AF65-F5344CB8AC3E}">
-        <p14:creationId xmlns:p14="http://schemas.microsoft.com/office/powerpoint/2010/main" val="118747174"/>
+        <p14:creationId xmlns:p14="http://schemas.microsoft.com/office/powerpoint/2010/main" val="907472857"/>
       </p:ext>
     </p:extLst>
   </p:cSld>
   <p:clrMapOvr>
     <a:masterClrMapping/>
   </p:clrMapOvr>
-  <p:timing>
-    <p:tnLst>
-      <p:par>
-        <p:cTn id="1" dur="indefinite" restart="never" nodeType="tmRoot"/>
-      </p:par>
-    </p:tnLst>
-  </p:timing>
 </p:sld>
 </file>
 
@@ -9834,6 +12959,2227 @@
     <p:extLst>
       <p:ext uri="{BB962C8B-B14F-4D97-AF65-F5344CB8AC3E}">
         <p14:creationId xmlns:p14="http://schemas.microsoft.com/office/powerpoint/2010/main" val="1716703462"/>
+      </p:ext>
+    </p:extLst>
+  </p:cSld>
+  <p:clrMapOvr>
+    <a:masterClrMapping/>
+  </p:clrMapOvr>
+  <p:timing>
+    <p:tnLst>
+      <p:par>
+        <p:cTn id="1" dur="indefinite" restart="never" nodeType="tmRoot"/>
+      </p:par>
+    </p:tnLst>
+  </p:timing>
+</p:sld>
+</file>
+
+<file path=ppt/slides/slide20.xml><?xml version="1.0" encoding="utf-8"?>
+<p:sld xmlns:a="http://schemas.openxmlformats.org/drawingml/2006/main" xmlns:r="http://schemas.openxmlformats.org/officeDocument/2006/relationships" xmlns:p="http://schemas.openxmlformats.org/presentationml/2006/main">
+  <p:cSld>
+    <p:spTree>
+      <p:nvGrpSpPr>
+        <p:cNvPr id="1" name=""/>
+        <p:cNvGrpSpPr/>
+        <p:nvPr/>
+      </p:nvGrpSpPr>
+      <p:grpSpPr>
+        <a:xfrm>
+          <a:off x="0" y="0"/>
+          <a:ext cx="0" cy="0"/>
+          <a:chOff x="0" y="0"/>
+          <a:chExt cx="0" cy="0"/>
+        </a:xfrm>
+      </p:grpSpPr>
+      <p:sp>
+        <p:nvSpPr>
+          <p:cNvPr id="4" name="文本框 3"/>
+          <p:cNvSpPr txBox="1"/>
+          <p:nvPr/>
+        </p:nvSpPr>
+        <p:spPr>
+          <a:xfrm>
+            <a:off x="19132" y="9029"/>
+            <a:ext cx="5688632" cy="720080"/>
+          </a:xfrm>
+          <a:prstGeom prst="rect">
+            <a:avLst/>
+          </a:prstGeom>
+          <a:noFill/>
+        </p:spPr>
+        <p:txBody>
+          <a:bodyPr wrap="square" rtlCol="0">
+            <a:spAutoFit/>
+          </a:bodyPr>
+          <a:lstStyle>
+            <a:defPPr>
+              <a:defRPr lang="zh-CN"/>
+            </a:defPPr>
+            <a:lvl1pPr>
+              <a:defRPr sz="4000" b="1">
+                <a:latin typeface="+mj-ea"/>
+                <a:ea typeface="+mj-ea"/>
+              </a:defRPr>
+            </a:lvl1pPr>
+          </a:lstStyle>
+          <a:p>
+            <a:r>
+              <a:rPr lang="en-US" altLang="zh-CN" dirty="0" err="1"/>
+              <a:t>Kolla-kubernetes</a:t>
+            </a:r>
+            <a:endParaRPr lang="en-US" altLang="zh-CN" dirty="0"/>
+          </a:p>
+        </p:txBody>
+      </p:sp>
+      <p:sp>
+        <p:nvSpPr>
+          <p:cNvPr id="5" name="文本框 4"/>
+          <p:cNvSpPr txBox="1"/>
+          <p:nvPr/>
+        </p:nvSpPr>
+        <p:spPr>
+          <a:xfrm>
+            <a:off x="250234" y="985251"/>
+            <a:ext cx="2142386" cy="461665"/>
+          </a:xfrm>
+          <a:prstGeom prst="rect">
+            <a:avLst/>
+          </a:prstGeom>
+          <a:noFill/>
+        </p:spPr>
+        <p:txBody>
+          <a:bodyPr wrap="square" rtlCol="0">
+            <a:spAutoFit/>
+          </a:bodyPr>
+          <a:lstStyle/>
+          <a:p>
+            <a:r>
+              <a:rPr lang="en-US" altLang="zh-CN" sz="2400" dirty="0" smtClean="0"/>
+              <a:t>Kubernetes:</a:t>
+            </a:r>
+            <a:endParaRPr lang="zh-CN" altLang="en-US" sz="2400" dirty="0"/>
+          </a:p>
+        </p:txBody>
+      </p:sp>
+      <p:sp>
+        <p:nvSpPr>
+          <p:cNvPr id="6" name="文本框 5"/>
+          <p:cNvSpPr txBox="1"/>
+          <p:nvPr/>
+        </p:nvSpPr>
+        <p:spPr>
+          <a:xfrm>
+            <a:off x="395537" y="1466634"/>
+            <a:ext cx="8280920" cy="1015663"/>
+          </a:xfrm>
+          <a:prstGeom prst="rect">
+            <a:avLst/>
+          </a:prstGeom>
+          <a:noFill/>
+        </p:spPr>
+        <p:txBody>
+          <a:bodyPr wrap="square" rtlCol="0">
+            <a:spAutoFit/>
+          </a:bodyPr>
+          <a:lstStyle/>
+          <a:p>
+            <a:r>
+              <a:rPr lang="zh-CN" altLang="en-US" sz="2000" dirty="0" smtClean="0"/>
+              <a:t>容器云管理平台，提供多种自动化部署策略，支持多种负责条件的节点调度，满足生产环境的负责应用场景，支持弹性伸缩功能，可根据业务需求调整后端数量，同时可以借助第三方系统实现应用的持续集成。</a:t>
+            </a:r>
+            <a:endParaRPr lang="zh-CN" altLang="en-US" sz="2000" dirty="0"/>
+          </a:p>
+        </p:txBody>
+      </p:sp>
+      <p:sp>
+        <p:nvSpPr>
+          <p:cNvPr id="11" name="文本框 10"/>
+          <p:cNvSpPr txBox="1"/>
+          <p:nvPr/>
+        </p:nvSpPr>
+        <p:spPr>
+          <a:xfrm>
+            <a:off x="250234" y="2667908"/>
+            <a:ext cx="2374304" cy="461665"/>
+          </a:xfrm>
+          <a:prstGeom prst="rect">
+            <a:avLst/>
+          </a:prstGeom>
+          <a:noFill/>
+        </p:spPr>
+        <p:txBody>
+          <a:bodyPr wrap="none" rtlCol="0">
+            <a:spAutoFit/>
+          </a:bodyPr>
+          <a:lstStyle/>
+          <a:p>
+            <a:r>
+              <a:rPr lang="en-US" altLang="zh-CN" sz="2400" dirty="0" err="1" smtClean="0"/>
+              <a:t>Kolla-kubernetes</a:t>
+            </a:r>
+            <a:r>
+              <a:rPr lang="en-US" altLang="zh-CN" sz="2400" dirty="0" smtClean="0"/>
+              <a:t>:</a:t>
+            </a:r>
+            <a:endParaRPr lang="zh-CN" altLang="en-US" sz="2400" dirty="0"/>
+          </a:p>
+        </p:txBody>
+      </p:sp>
+      <p:sp>
+        <p:nvSpPr>
+          <p:cNvPr id="12" name="文本框 11"/>
+          <p:cNvSpPr txBox="1"/>
+          <p:nvPr/>
+        </p:nvSpPr>
+        <p:spPr>
+          <a:xfrm>
+            <a:off x="395538" y="3219823"/>
+            <a:ext cx="8280920" cy="1368151"/>
+          </a:xfrm>
+          <a:prstGeom prst="rect">
+            <a:avLst/>
+          </a:prstGeom>
+          <a:noFill/>
+        </p:spPr>
+        <p:txBody>
+          <a:bodyPr wrap="square" rtlCol="0">
+            <a:spAutoFit/>
+          </a:bodyPr>
+          <a:lstStyle/>
+          <a:p>
+            <a:r>
+              <a:rPr lang="zh-CN" altLang="en-US" sz="2000" dirty="0" smtClean="0"/>
+              <a:t>将容器化</a:t>
+            </a:r>
+            <a:r>
+              <a:rPr lang="en-US" altLang="zh-CN" sz="2000" dirty="0" err="1" smtClean="0"/>
+              <a:t>openstack</a:t>
+            </a:r>
+            <a:r>
+              <a:rPr lang="zh-CN" altLang="en-US" sz="2000" dirty="0" smtClean="0"/>
+              <a:t>与</a:t>
+            </a:r>
+            <a:r>
+              <a:rPr lang="en-US" altLang="zh-CN" sz="2000" dirty="0" err="1" smtClean="0"/>
+              <a:t>kubernetes</a:t>
+            </a:r>
+            <a:r>
+              <a:rPr lang="zh-CN" altLang="en-US" sz="2000" dirty="0" smtClean="0"/>
+              <a:t>结合，</a:t>
+            </a:r>
+            <a:r>
+              <a:rPr lang="en-US" altLang="zh-CN" sz="2000" dirty="0" smtClean="0"/>
+              <a:t>OpenStack</a:t>
+            </a:r>
+            <a:r>
+              <a:rPr lang="zh-CN" altLang="en-US" sz="2000" dirty="0" smtClean="0"/>
+              <a:t>看作是运行在</a:t>
+            </a:r>
+            <a:r>
+              <a:rPr lang="en-US" altLang="zh-CN" sz="2000" dirty="0" err="1" smtClean="0"/>
+              <a:t>kubernetes</a:t>
+            </a:r>
+            <a:r>
+              <a:rPr lang="zh-CN" altLang="en-US" sz="2000" dirty="0" smtClean="0"/>
+              <a:t>集群上一个应用程序，和其他应用一样使用</a:t>
+            </a:r>
+            <a:r>
+              <a:rPr lang="en-US" altLang="zh-CN" sz="2000" dirty="0" smtClean="0"/>
+              <a:t>k8s</a:t>
+            </a:r>
+            <a:r>
+              <a:rPr lang="zh-CN" altLang="en-US" sz="2000" dirty="0" smtClean="0"/>
+              <a:t>提供的服务；</a:t>
+            </a:r>
+            <a:r>
+              <a:rPr lang="en-US" altLang="zh-CN" sz="2000" dirty="0" smtClean="0"/>
+              <a:t>k8s</a:t>
+            </a:r>
+            <a:r>
+              <a:rPr lang="zh-CN" altLang="en-US" sz="2000" dirty="0" smtClean="0"/>
+              <a:t>的集群特性可以为</a:t>
+            </a:r>
+            <a:r>
+              <a:rPr lang="en-US" altLang="zh-CN" sz="2000" dirty="0" smtClean="0"/>
+              <a:t>OpenStack</a:t>
+            </a:r>
+            <a:r>
+              <a:rPr lang="zh-CN" altLang="en-US" sz="2000" dirty="0" smtClean="0"/>
+              <a:t>提供运维支持；同时</a:t>
+            </a:r>
+            <a:r>
+              <a:rPr lang="en-US" altLang="zh-CN" sz="2000" dirty="0" smtClean="0"/>
+              <a:t>OpenStack</a:t>
+            </a:r>
+            <a:r>
+              <a:rPr lang="zh-CN" altLang="en-US" sz="2000" dirty="0" smtClean="0"/>
+              <a:t>的</a:t>
+            </a:r>
+            <a:r>
+              <a:rPr lang="en-US" altLang="zh-CN" sz="2000" dirty="0"/>
+              <a:t>I</a:t>
+            </a:r>
+            <a:r>
+              <a:rPr lang="en-US" altLang="zh-CN" sz="2000" dirty="0" smtClean="0"/>
+              <a:t>ronic </a:t>
+            </a:r>
+            <a:r>
+              <a:rPr lang="zh-CN" altLang="en-US" sz="2000" dirty="0" smtClean="0"/>
+              <a:t>还可以通过一定方式为</a:t>
+            </a:r>
+            <a:r>
+              <a:rPr lang="en-US" altLang="zh-CN" sz="2000" dirty="0" smtClean="0"/>
+              <a:t>k8s</a:t>
+            </a:r>
+            <a:r>
+              <a:rPr lang="zh-CN" altLang="en-US" sz="2000" dirty="0" smtClean="0"/>
+              <a:t>集群提供裸机管理服务。</a:t>
+            </a:r>
+            <a:endParaRPr lang="zh-CN" altLang="en-US" sz="2000" dirty="0"/>
+          </a:p>
+        </p:txBody>
+      </p:sp>
+    </p:spTree>
+    <p:extLst>
+      <p:ext uri="{BB962C8B-B14F-4D97-AF65-F5344CB8AC3E}">
+        <p14:creationId xmlns:p14="http://schemas.microsoft.com/office/powerpoint/2010/main" val="2747704636"/>
+      </p:ext>
+    </p:extLst>
+  </p:cSld>
+  <p:clrMapOvr>
+    <a:masterClrMapping/>
+  </p:clrMapOvr>
+  <p:timing>
+    <p:tnLst>
+      <p:par>
+        <p:cTn id="1" dur="indefinite" restart="never" nodeType="tmRoot"/>
+      </p:par>
+    </p:tnLst>
+  </p:timing>
+</p:sld>
+</file>
+
+<file path=ppt/slides/slide21.xml><?xml version="1.0" encoding="utf-8"?>
+<p:sld xmlns:a="http://schemas.openxmlformats.org/drawingml/2006/main" xmlns:r="http://schemas.openxmlformats.org/officeDocument/2006/relationships" xmlns:p="http://schemas.openxmlformats.org/presentationml/2006/main">
+  <p:cSld>
+    <p:spTree>
+      <p:nvGrpSpPr>
+        <p:cNvPr id="1" name=""/>
+        <p:cNvGrpSpPr/>
+        <p:nvPr/>
+      </p:nvGrpSpPr>
+      <p:grpSpPr>
+        <a:xfrm>
+          <a:off x="0" y="0"/>
+          <a:ext cx="0" cy="0"/>
+          <a:chOff x="0" y="0"/>
+          <a:chExt cx="0" cy="0"/>
+        </a:xfrm>
+      </p:grpSpPr>
+      <p:pic>
+        <p:nvPicPr>
+          <p:cNvPr id="25" name="图片 24"/>
+          <p:cNvPicPr>
+            <a:picLocks noChangeAspect="1"/>
+          </p:cNvPicPr>
+          <p:nvPr/>
+        </p:nvPicPr>
+        <p:blipFill>
+          <a:blip r:embed="rId3"/>
+          <a:stretch>
+            <a:fillRect/>
+          </a:stretch>
+        </p:blipFill>
+        <p:spPr>
+          <a:xfrm>
+            <a:off x="4860032" y="831364"/>
+            <a:ext cx="4176464" cy="3854671"/>
+          </a:xfrm>
+          <a:prstGeom prst="rect">
+            <a:avLst/>
+          </a:prstGeom>
+        </p:spPr>
+      </p:pic>
+      <p:sp>
+        <p:nvSpPr>
+          <p:cNvPr id="26" name="文本框 25"/>
+          <p:cNvSpPr txBox="1"/>
+          <p:nvPr/>
+        </p:nvSpPr>
+        <p:spPr>
+          <a:xfrm>
+            <a:off x="179512" y="1673604"/>
+            <a:ext cx="4038413" cy="461665"/>
+          </a:xfrm>
+          <a:prstGeom prst="rect">
+            <a:avLst/>
+          </a:prstGeom>
+          <a:noFill/>
+        </p:spPr>
+        <p:txBody>
+          <a:bodyPr wrap="none" rtlCol="0">
+            <a:spAutoFit/>
+          </a:bodyPr>
+          <a:lstStyle/>
+          <a:p>
+            <a:r>
+              <a:rPr lang="en-US" altLang="zh-CN" sz="2400" dirty="0" err="1" smtClean="0"/>
+              <a:t>All_values.yaml</a:t>
+            </a:r>
+            <a:r>
+              <a:rPr lang="en-US" altLang="zh-CN" sz="2400" dirty="0" smtClean="0"/>
+              <a:t>:</a:t>
+            </a:r>
+            <a:r>
+              <a:rPr lang="zh-CN" altLang="en-US" sz="2400" dirty="0" smtClean="0"/>
+              <a:t>所有配置参数</a:t>
+            </a:r>
+            <a:endParaRPr lang="zh-CN" altLang="en-US" sz="2400" dirty="0"/>
+          </a:p>
+        </p:txBody>
+      </p:sp>
+      <p:sp>
+        <p:nvSpPr>
+          <p:cNvPr id="27" name="文本框 26"/>
+          <p:cNvSpPr txBox="1"/>
+          <p:nvPr/>
+        </p:nvSpPr>
+        <p:spPr>
+          <a:xfrm>
+            <a:off x="179512" y="2211710"/>
+            <a:ext cx="4531882" cy="461665"/>
+          </a:xfrm>
+          <a:prstGeom prst="rect">
+            <a:avLst/>
+          </a:prstGeom>
+          <a:noFill/>
+        </p:spPr>
+        <p:txBody>
+          <a:bodyPr wrap="none" rtlCol="0">
+            <a:spAutoFit/>
+          </a:bodyPr>
+          <a:lstStyle/>
+          <a:p>
+            <a:r>
+              <a:rPr lang="en-US" altLang="zh-CN" sz="2400" dirty="0" err="1" smtClean="0"/>
+              <a:t>Kolla</a:t>
+            </a:r>
+            <a:r>
+              <a:rPr lang="en-US" altLang="zh-CN" sz="2400" dirty="0" smtClean="0"/>
+              <a:t>-common:</a:t>
+            </a:r>
+            <a:r>
+              <a:rPr lang="zh-CN" altLang="en-US" sz="2400" dirty="0" smtClean="0"/>
+              <a:t>提取公共模块复用</a:t>
+            </a:r>
+            <a:endParaRPr lang="zh-CN" altLang="en-US" sz="2400" dirty="0"/>
+          </a:p>
+        </p:txBody>
+      </p:sp>
+      <p:sp>
+        <p:nvSpPr>
+          <p:cNvPr id="28" name="文本框 27"/>
+          <p:cNvSpPr txBox="1"/>
+          <p:nvPr/>
+        </p:nvSpPr>
+        <p:spPr>
+          <a:xfrm>
+            <a:off x="179512" y="2749816"/>
+            <a:ext cx="4026615" cy="461665"/>
+          </a:xfrm>
+          <a:prstGeom prst="rect">
+            <a:avLst/>
+          </a:prstGeom>
+          <a:noFill/>
+        </p:spPr>
+        <p:txBody>
+          <a:bodyPr wrap="none" rtlCol="0">
+            <a:spAutoFit/>
+          </a:bodyPr>
+          <a:lstStyle/>
+          <a:p>
+            <a:r>
+              <a:rPr lang="en-US" altLang="zh-CN" sz="2400" dirty="0" err="1" smtClean="0"/>
+              <a:t>Microservice</a:t>
+            </a:r>
+            <a:r>
+              <a:rPr lang="en-US" altLang="zh-CN" sz="2400" dirty="0" smtClean="0"/>
+              <a:t>:</a:t>
+            </a:r>
+            <a:r>
+              <a:rPr lang="zh-CN" altLang="en-US" sz="2400" dirty="0"/>
+              <a:t>被</a:t>
+            </a:r>
+            <a:r>
+              <a:rPr lang="zh-CN" altLang="en-US" sz="2400" dirty="0" smtClean="0"/>
+              <a:t>拆分的微服务</a:t>
+            </a:r>
+            <a:endParaRPr lang="zh-CN" altLang="en-US" sz="2400" dirty="0"/>
+          </a:p>
+        </p:txBody>
+      </p:sp>
+      <p:pic>
+        <p:nvPicPr>
+          <p:cNvPr id="29" name="图片 28"/>
+          <p:cNvPicPr>
+            <a:picLocks noChangeAspect="1"/>
+          </p:cNvPicPr>
+          <p:nvPr/>
+        </p:nvPicPr>
+        <p:blipFill>
+          <a:blip r:embed="rId4"/>
+          <a:stretch>
+            <a:fillRect/>
+          </a:stretch>
+        </p:blipFill>
+        <p:spPr>
+          <a:xfrm>
+            <a:off x="6209722" y="831364"/>
+            <a:ext cx="2813194" cy="3883243"/>
+          </a:xfrm>
+          <a:prstGeom prst="rect">
+            <a:avLst/>
+          </a:prstGeom>
+        </p:spPr>
+      </p:pic>
+      <p:sp>
+        <p:nvSpPr>
+          <p:cNvPr id="30" name="文本框 29"/>
+          <p:cNvSpPr txBox="1"/>
+          <p:nvPr/>
+        </p:nvSpPr>
+        <p:spPr>
+          <a:xfrm>
+            <a:off x="179512" y="3287922"/>
+            <a:ext cx="3935373" cy="461665"/>
+          </a:xfrm>
+          <a:prstGeom prst="rect">
+            <a:avLst/>
+          </a:prstGeom>
+          <a:noFill/>
+        </p:spPr>
+        <p:txBody>
+          <a:bodyPr wrap="none" rtlCol="0">
+            <a:spAutoFit/>
+          </a:bodyPr>
+          <a:lstStyle/>
+          <a:p>
+            <a:r>
+              <a:rPr lang="en-US" altLang="zh-CN" sz="2400" dirty="0" smtClean="0"/>
+              <a:t>Service:</a:t>
+            </a:r>
+            <a:r>
+              <a:rPr lang="zh-CN" altLang="en-US" sz="2400" dirty="0" smtClean="0"/>
+              <a:t>所有支持的所有服务</a:t>
+            </a:r>
+            <a:endParaRPr lang="en-US" altLang="zh-CN" sz="2400" dirty="0" smtClean="0"/>
+          </a:p>
+        </p:txBody>
+      </p:sp>
+    </p:spTree>
+    <p:extLst>
+      <p:ext uri="{BB962C8B-B14F-4D97-AF65-F5344CB8AC3E}">
+        <p14:creationId xmlns:p14="http://schemas.microsoft.com/office/powerpoint/2010/main" val="118373396"/>
+      </p:ext>
+    </p:extLst>
+  </p:cSld>
+  <p:clrMapOvr>
+    <a:masterClrMapping/>
+  </p:clrMapOvr>
+  <p:timing>
+    <p:tnLst>
+      <p:par>
+        <p:cTn id="1" dur="indefinite" restart="never" nodeType="tmRoot">
+          <p:childTnLst>
+            <p:seq concurrent="1" nextAc="seek">
+              <p:cTn id="2" dur="indefinite" nodeType="mainSeq">
+                <p:childTnLst>
+                  <p:par>
+                    <p:cTn id="3" fill="hold">
+                      <p:stCondLst>
+                        <p:cond delay="indefinite"/>
+                      </p:stCondLst>
+                      <p:childTnLst>
+                        <p:par>
+                          <p:cTn id="4" fill="hold">
+                            <p:stCondLst>
+                              <p:cond delay="0"/>
+                            </p:stCondLst>
+                            <p:childTnLst>
+                              <p:par>
+                                <p:cTn id="5" presetID="2" presetClass="entr" presetSubtype="4" fill="hold" nodeType="clickEffect">
+                                  <p:stCondLst>
+                                    <p:cond delay="0"/>
+                                  </p:stCondLst>
+                                  <p:childTnLst>
+                                    <p:set>
+                                      <p:cBhvr>
+                                        <p:cTn id="6" dur="1" fill="hold">
+                                          <p:stCondLst>
+                                            <p:cond delay="0"/>
+                                          </p:stCondLst>
+                                        </p:cTn>
+                                        <p:tgtEl>
+                                          <p:spTgt spid="29"/>
+                                        </p:tgtEl>
+                                        <p:attrNameLst>
+                                          <p:attrName>style.visibility</p:attrName>
+                                        </p:attrNameLst>
+                                      </p:cBhvr>
+                                      <p:to>
+                                        <p:strVal val="visible"/>
+                                      </p:to>
+                                    </p:set>
+                                    <p:anim calcmode="lin" valueType="num">
+                                      <p:cBhvr additive="base">
+                                        <p:cTn id="7" dur="500" fill="hold"/>
+                                        <p:tgtEl>
+                                          <p:spTgt spid="29"/>
+                                        </p:tgtEl>
+                                        <p:attrNameLst>
+                                          <p:attrName>ppt_x</p:attrName>
+                                        </p:attrNameLst>
+                                      </p:cBhvr>
+                                      <p:tavLst>
+                                        <p:tav tm="0">
+                                          <p:val>
+                                            <p:strVal val="#ppt_x"/>
+                                          </p:val>
+                                        </p:tav>
+                                        <p:tav tm="100000">
+                                          <p:val>
+                                            <p:strVal val="#ppt_x"/>
+                                          </p:val>
+                                        </p:tav>
+                                      </p:tavLst>
+                                    </p:anim>
+                                    <p:anim calcmode="lin" valueType="num">
+                                      <p:cBhvr additive="base">
+                                        <p:cTn id="8" dur="500" fill="hold"/>
+                                        <p:tgtEl>
+                                          <p:spTgt spid="29"/>
+                                        </p:tgtEl>
+                                        <p:attrNameLst>
+                                          <p:attrName>ppt_y</p:attrName>
+                                        </p:attrNameLst>
+                                      </p:cBhvr>
+                                      <p:tavLst>
+                                        <p:tav tm="0">
+                                          <p:val>
+                                            <p:strVal val="1+#ppt_h/2"/>
+                                          </p:val>
+                                        </p:tav>
+                                        <p:tav tm="100000">
+                                          <p:val>
+                                            <p:strVal val="#ppt_y"/>
+                                          </p:val>
+                                        </p:tav>
+                                      </p:tavLst>
+                                    </p:anim>
+                                  </p:childTnLst>
+                                </p:cTn>
+                              </p:par>
+                            </p:childTnLst>
+                          </p:cTn>
+                        </p:par>
+                      </p:childTnLst>
+                    </p:cTn>
+                  </p:par>
+                </p:childTnLst>
+              </p:cTn>
+              <p:prevCondLst>
+                <p:cond evt="onPrev" delay="0">
+                  <p:tgtEl>
+                    <p:sldTgt/>
+                  </p:tgtEl>
+                </p:cond>
+              </p:prevCondLst>
+              <p:nextCondLst>
+                <p:cond evt="onNext" delay="0">
+                  <p:tgtEl>
+                    <p:sldTgt/>
+                  </p:tgtEl>
+                </p:cond>
+              </p:nextCondLst>
+            </p:seq>
+          </p:childTnLst>
+        </p:cTn>
+      </p:par>
+    </p:tnLst>
+  </p:timing>
+</p:sld>
+</file>
+
+<file path=ppt/slides/slide22.xml><?xml version="1.0" encoding="utf-8"?>
+<p:sld xmlns:a="http://schemas.openxmlformats.org/drawingml/2006/main" xmlns:r="http://schemas.openxmlformats.org/officeDocument/2006/relationships" xmlns:p="http://schemas.openxmlformats.org/presentationml/2006/main">
+  <p:cSld>
+    <p:spTree>
+      <p:nvGrpSpPr>
+        <p:cNvPr id="1" name=""/>
+        <p:cNvGrpSpPr/>
+        <p:nvPr/>
+      </p:nvGrpSpPr>
+      <p:grpSpPr>
+        <a:xfrm>
+          <a:off x="0" y="0"/>
+          <a:ext cx="0" cy="0"/>
+          <a:chOff x="0" y="0"/>
+          <a:chExt cx="0" cy="0"/>
+        </a:xfrm>
+      </p:grpSpPr>
+      <p:sp>
+        <p:nvSpPr>
+          <p:cNvPr id="4" name="文本框 3"/>
+          <p:cNvSpPr txBox="1"/>
+          <p:nvPr/>
+        </p:nvSpPr>
+        <p:spPr>
+          <a:xfrm>
+            <a:off x="754931" y="1000307"/>
+            <a:ext cx="3300904" cy="461665"/>
+          </a:xfrm>
+          <a:prstGeom prst="rect">
+            <a:avLst/>
+          </a:prstGeom>
+          <a:noFill/>
+        </p:spPr>
+        <p:txBody>
+          <a:bodyPr wrap="none" rtlCol="0">
+            <a:spAutoFit/>
+          </a:bodyPr>
+          <a:lstStyle/>
+          <a:p>
+            <a:pPr marL="342900" indent="-342900">
+              <a:buFont typeface="Arial" panose="020B0604020202020204" pitchFamily="34" charset="0"/>
+              <a:buChar char="•"/>
+            </a:pPr>
+            <a:r>
+              <a:rPr lang="zh-CN" altLang="en-US" sz="2400" dirty="0" smtClean="0"/>
+              <a:t>灵活、高度可定制化</a:t>
+            </a:r>
+            <a:endParaRPr lang="zh-CN" altLang="en-US" sz="2400" dirty="0"/>
+          </a:p>
+        </p:txBody>
+      </p:sp>
+      <p:sp>
+        <p:nvSpPr>
+          <p:cNvPr id="8" name="文本框 7"/>
+          <p:cNvSpPr txBox="1"/>
+          <p:nvPr/>
+        </p:nvSpPr>
+        <p:spPr>
+          <a:xfrm>
+            <a:off x="754931" y="3046603"/>
+            <a:ext cx="3300904" cy="461665"/>
+          </a:xfrm>
+          <a:prstGeom prst="rect">
+            <a:avLst/>
+          </a:prstGeom>
+          <a:noFill/>
+        </p:spPr>
+        <p:txBody>
+          <a:bodyPr wrap="none" rtlCol="0">
+            <a:spAutoFit/>
+          </a:bodyPr>
+          <a:lstStyle/>
+          <a:p>
+            <a:pPr marL="342900" indent="-342900">
+              <a:buFont typeface="Arial" panose="020B0604020202020204" pitchFamily="34" charset="0"/>
+              <a:buChar char="•"/>
+            </a:pPr>
+            <a:r>
+              <a:rPr lang="zh-CN" altLang="en-US" sz="2400" dirty="0" smtClean="0"/>
+              <a:t>内置镜像仓库、监控</a:t>
+            </a:r>
+            <a:endParaRPr lang="zh-CN" altLang="en-US" sz="2400" dirty="0"/>
+          </a:p>
+        </p:txBody>
+      </p:sp>
+      <p:sp>
+        <p:nvSpPr>
+          <p:cNvPr id="9" name="文本框 8"/>
+          <p:cNvSpPr txBox="1"/>
+          <p:nvPr/>
+        </p:nvSpPr>
+        <p:spPr>
+          <a:xfrm>
+            <a:off x="754931" y="1580208"/>
+            <a:ext cx="3379451" cy="461665"/>
+          </a:xfrm>
+          <a:prstGeom prst="rect">
+            <a:avLst/>
+          </a:prstGeom>
+          <a:noFill/>
+        </p:spPr>
+        <p:txBody>
+          <a:bodyPr wrap="none" rtlCol="0">
+            <a:spAutoFit/>
+          </a:bodyPr>
+          <a:lstStyle/>
+          <a:p>
+            <a:pPr marL="342900" indent="-342900">
+              <a:buFont typeface="Arial" panose="020B0604020202020204" pitchFamily="34" charset="0"/>
+              <a:buChar char="•"/>
+            </a:pPr>
+            <a:r>
+              <a:rPr lang="en-US" altLang="zh-CN" sz="2400" dirty="0" smtClean="0"/>
+              <a:t>Pipeline</a:t>
+            </a:r>
+            <a:r>
+              <a:rPr lang="zh-CN" altLang="en-US" sz="2400" dirty="0" smtClean="0"/>
+              <a:t>自动化程度高</a:t>
+            </a:r>
+            <a:endParaRPr lang="zh-CN" altLang="en-US" sz="2400" dirty="0"/>
+          </a:p>
+        </p:txBody>
+      </p:sp>
+      <p:sp>
+        <p:nvSpPr>
+          <p:cNvPr id="10" name="文本框 9"/>
+          <p:cNvSpPr txBox="1"/>
+          <p:nvPr/>
+        </p:nvSpPr>
+        <p:spPr>
+          <a:xfrm>
+            <a:off x="976222" y="2041873"/>
+            <a:ext cx="7992888" cy="646331"/>
+          </a:xfrm>
+          <a:prstGeom prst="rect">
+            <a:avLst/>
+          </a:prstGeom>
+          <a:noFill/>
+        </p:spPr>
+        <p:txBody>
+          <a:bodyPr wrap="square" rtlCol="0">
+            <a:spAutoFit/>
+          </a:bodyPr>
+          <a:lstStyle/>
+          <a:p>
+            <a:pPr marL="285750" indent="-285750">
+              <a:buFont typeface="Arial" panose="020B0604020202020204" pitchFamily="34" charset="0"/>
+              <a:buChar char="•"/>
+            </a:pPr>
+            <a:r>
+              <a:rPr lang="zh-CN" altLang="en-US" dirty="0"/>
+              <a:t>使用</a:t>
+            </a:r>
+            <a:r>
+              <a:rPr lang="zh-CN" altLang="en-US" dirty="0" smtClean="0"/>
+              <a:t>定制的 </a:t>
+            </a:r>
+            <a:r>
+              <a:rPr lang="en-US" altLang="zh-CN" dirty="0" smtClean="0"/>
+              <a:t>Jenkins </a:t>
+            </a:r>
+            <a:r>
+              <a:rPr lang="zh-CN" altLang="en-US" dirty="0" smtClean="0"/>
+              <a:t>镜像，其中包含</a:t>
+            </a:r>
+            <a:r>
+              <a:rPr lang="en-US" altLang="zh-CN" dirty="0"/>
+              <a:t> </a:t>
+            </a:r>
+            <a:r>
+              <a:rPr lang="en-US" altLang="zh-CN" dirty="0" smtClean="0"/>
+              <a:t>Jenkins </a:t>
+            </a:r>
+            <a:r>
+              <a:rPr lang="zh-CN" altLang="en-US" dirty="0" smtClean="0"/>
+              <a:t>插件，目的是将 </a:t>
+            </a:r>
+            <a:r>
+              <a:rPr lang="en-US" altLang="zh-CN" dirty="0" smtClean="0"/>
+              <a:t>Jenkins </a:t>
+            </a:r>
+            <a:r>
+              <a:rPr lang="zh-CN" altLang="en-US" dirty="0" smtClean="0"/>
+              <a:t>中的构建和编排操作可以被 </a:t>
+            </a:r>
+            <a:r>
+              <a:rPr lang="en-US" altLang="zh-CN" dirty="0" err="1" smtClean="0"/>
+              <a:t>openshift</a:t>
+            </a:r>
+            <a:r>
+              <a:rPr lang="en-US" altLang="zh-CN" dirty="0" smtClean="0"/>
+              <a:t> </a:t>
+            </a:r>
+            <a:r>
+              <a:rPr lang="zh-CN" altLang="en-US" dirty="0" smtClean="0"/>
+              <a:t>纳管</a:t>
+            </a:r>
+            <a:endParaRPr lang="zh-CN" altLang="en-US" dirty="0"/>
+          </a:p>
+        </p:txBody>
+      </p:sp>
+      <p:sp>
+        <p:nvSpPr>
+          <p:cNvPr id="3" name="矩形 2"/>
+          <p:cNvSpPr/>
+          <p:nvPr/>
+        </p:nvSpPr>
+        <p:spPr>
+          <a:xfrm>
+            <a:off x="976222" y="3644424"/>
+            <a:ext cx="7992888" cy="646331"/>
+          </a:xfrm>
+          <a:prstGeom prst="rect">
+            <a:avLst/>
+          </a:prstGeom>
+        </p:spPr>
+        <p:txBody>
+          <a:bodyPr wrap="square">
+            <a:spAutoFit/>
+          </a:bodyPr>
+          <a:lstStyle/>
+          <a:p>
+            <a:pPr marL="285750" indent="-285750">
+              <a:buFont typeface="Arial" panose="020B0604020202020204" pitchFamily="34" charset="0"/>
+              <a:buChar char="•"/>
+            </a:pPr>
+            <a:r>
+              <a:rPr lang="zh-CN" altLang="en-US" dirty="0"/>
+              <a:t>支持</a:t>
+            </a:r>
+            <a:r>
+              <a:rPr lang="en-US" altLang="zh-CN" dirty="0" smtClean="0"/>
+              <a:t>HTTPS</a:t>
+            </a:r>
+            <a:r>
+              <a:rPr lang="zh-CN" altLang="en-US" dirty="0"/>
+              <a:t>类型</a:t>
+            </a:r>
+            <a:r>
+              <a:rPr lang="zh-CN" altLang="en-US" dirty="0" smtClean="0"/>
+              <a:t>的私有</a:t>
+            </a:r>
+            <a:r>
+              <a:rPr lang="zh-CN" altLang="en-US" dirty="0"/>
+              <a:t>镜像仓库，可以自定义</a:t>
+            </a:r>
+            <a:r>
+              <a:rPr lang="zh-CN" altLang="en-US" dirty="0" smtClean="0"/>
+              <a:t>安全证书</a:t>
+            </a:r>
+            <a:r>
+              <a:rPr lang="zh-CN" altLang="en-US" dirty="0"/>
+              <a:t>，如同</a:t>
+            </a:r>
+            <a:r>
+              <a:rPr lang="zh-CN" altLang="en-US" dirty="0" smtClean="0"/>
+              <a:t>访问</a:t>
+            </a:r>
+            <a:r>
+              <a:rPr lang="en-US" altLang="zh-CN" dirty="0" err="1" smtClean="0"/>
+              <a:t>DockerHub</a:t>
+            </a:r>
+            <a:r>
+              <a:rPr lang="zh-CN" altLang="en-US" dirty="0" smtClean="0"/>
+              <a:t>一样</a:t>
+            </a:r>
+            <a:r>
+              <a:rPr lang="en-US" altLang="zh-CN" dirty="0" smtClean="0"/>
+              <a:t>Pull</a:t>
+            </a:r>
+            <a:r>
+              <a:rPr lang="zh-CN" altLang="en-US" dirty="0"/>
+              <a:t>、</a:t>
+            </a:r>
+            <a:r>
+              <a:rPr lang="en-US" altLang="zh-CN" dirty="0"/>
+              <a:t>push</a:t>
+            </a:r>
+            <a:r>
+              <a:rPr lang="zh-CN" altLang="en-US" dirty="0" smtClean="0"/>
+              <a:t>操作</a:t>
+            </a:r>
+            <a:endParaRPr lang="zh-CN" altLang="en-US" dirty="0"/>
+          </a:p>
+        </p:txBody>
+      </p:sp>
+      <p:sp>
+        <p:nvSpPr>
+          <p:cNvPr id="11" name="文本框 10"/>
+          <p:cNvSpPr txBox="1"/>
+          <p:nvPr/>
+        </p:nvSpPr>
+        <p:spPr>
+          <a:xfrm>
+            <a:off x="0" y="-28011"/>
+            <a:ext cx="4314001" cy="707886"/>
+          </a:xfrm>
+          <a:prstGeom prst="rect">
+            <a:avLst/>
+          </a:prstGeom>
+          <a:noFill/>
+        </p:spPr>
+        <p:txBody>
+          <a:bodyPr wrap="none" rtlCol="0">
+            <a:spAutoFit/>
+          </a:bodyPr>
+          <a:lstStyle/>
+          <a:p>
+            <a:r>
+              <a:rPr lang="en-US" altLang="zh-CN" sz="4000" b="1" dirty="0" err="1" smtClean="0">
+                <a:latin typeface="+mj-ea"/>
+                <a:ea typeface="+mj-ea"/>
+              </a:rPr>
+              <a:t>Openshift+kolla</a:t>
+            </a:r>
+            <a:r>
+              <a:rPr lang="en-US" altLang="zh-CN" sz="4000" b="1" dirty="0" smtClean="0">
+                <a:latin typeface="+mj-ea"/>
+                <a:ea typeface="+mj-ea"/>
+              </a:rPr>
+              <a:t> </a:t>
+            </a:r>
+          </a:p>
+        </p:txBody>
+      </p:sp>
+      <p:sp>
+        <p:nvSpPr>
+          <p:cNvPr id="12" name="文本框 11"/>
+          <p:cNvSpPr txBox="1"/>
+          <p:nvPr/>
+        </p:nvSpPr>
+        <p:spPr>
+          <a:xfrm>
+            <a:off x="976222" y="2682738"/>
+            <a:ext cx="6652783" cy="369332"/>
+          </a:xfrm>
+          <a:prstGeom prst="rect">
+            <a:avLst/>
+          </a:prstGeom>
+          <a:noFill/>
+        </p:spPr>
+        <p:txBody>
+          <a:bodyPr wrap="none" rtlCol="0">
+            <a:spAutoFit/>
+          </a:bodyPr>
+          <a:lstStyle/>
+          <a:p>
+            <a:pPr marL="285750" indent="-285750">
+              <a:buFont typeface="Arial" panose="020B0604020202020204" pitchFamily="34" charset="0"/>
+              <a:buChar char="•"/>
+            </a:pPr>
+            <a:r>
+              <a:rPr lang="zh-CN" altLang="en-US" dirty="0" smtClean="0"/>
+              <a:t>私有的</a:t>
+            </a:r>
+            <a:r>
+              <a:rPr lang="en-US" altLang="zh-CN" dirty="0" smtClean="0"/>
+              <a:t>STI</a:t>
+            </a:r>
+            <a:r>
+              <a:rPr lang="zh-CN" altLang="en-US" dirty="0" smtClean="0"/>
+              <a:t>构建流程</a:t>
+            </a:r>
+            <a:r>
+              <a:rPr lang="en-US" altLang="zh-CN" dirty="0" smtClean="0"/>
+              <a:t>,</a:t>
+            </a:r>
+            <a:r>
+              <a:rPr lang="zh-CN" altLang="en-US" dirty="0" smtClean="0"/>
+              <a:t>使用</a:t>
+            </a:r>
+            <a:r>
+              <a:rPr lang="en-US" altLang="zh-CN" dirty="0" smtClean="0"/>
+              <a:t>S2I builder</a:t>
+            </a:r>
+            <a:r>
+              <a:rPr lang="zh-CN" altLang="en-US" dirty="0" smtClean="0"/>
+              <a:t>镜像构建，保证构建一致性</a:t>
+            </a:r>
+            <a:endParaRPr lang="zh-CN" altLang="en-US" dirty="0"/>
+          </a:p>
+        </p:txBody>
+      </p:sp>
+    </p:spTree>
+    <p:extLst>
+      <p:ext uri="{BB962C8B-B14F-4D97-AF65-F5344CB8AC3E}">
+        <p14:creationId xmlns:p14="http://schemas.microsoft.com/office/powerpoint/2010/main" val="1457458663"/>
+      </p:ext>
+    </p:extLst>
+  </p:cSld>
+  <p:clrMapOvr>
+    <a:masterClrMapping/>
+  </p:clrMapOvr>
+  <p:timing>
+    <p:tnLst>
+      <p:par>
+        <p:cTn id="1" dur="indefinite" restart="never" nodeType="tmRoot"/>
+      </p:par>
+    </p:tnLst>
+  </p:timing>
+</p:sld>
+</file>
+
+<file path=ppt/slides/slide23.xml><?xml version="1.0" encoding="utf-8"?>
+<p:sld xmlns:a="http://schemas.openxmlformats.org/drawingml/2006/main" xmlns:r="http://schemas.openxmlformats.org/officeDocument/2006/relationships" xmlns:p="http://schemas.openxmlformats.org/presentationml/2006/main">
+  <p:cSld>
+    <p:spTree>
+      <p:nvGrpSpPr>
+        <p:cNvPr id="1" name=""/>
+        <p:cNvGrpSpPr/>
+        <p:nvPr/>
+      </p:nvGrpSpPr>
+      <p:grpSpPr>
+        <a:xfrm>
+          <a:off x="0" y="0"/>
+          <a:ext cx="0" cy="0"/>
+          <a:chOff x="0" y="0"/>
+          <a:chExt cx="0" cy="0"/>
+        </a:xfrm>
+      </p:grpSpPr>
+      <p:sp>
+        <p:nvSpPr>
+          <p:cNvPr id="4" name="文本框 3"/>
+          <p:cNvSpPr txBox="1"/>
+          <p:nvPr/>
+        </p:nvSpPr>
+        <p:spPr>
+          <a:xfrm>
+            <a:off x="1043608" y="1353627"/>
+            <a:ext cx="3047181" cy="461665"/>
+          </a:xfrm>
+          <a:prstGeom prst="rect">
+            <a:avLst/>
+          </a:prstGeom>
+          <a:noFill/>
+        </p:spPr>
+        <p:txBody>
+          <a:bodyPr wrap="none" rtlCol="0">
+            <a:spAutoFit/>
+          </a:bodyPr>
+          <a:lstStyle/>
+          <a:p>
+            <a:pPr marL="342900" indent="-342900">
+              <a:buFont typeface="Arial" panose="020B0604020202020204" pitchFamily="34" charset="0"/>
+              <a:buChar char="•"/>
+            </a:pPr>
+            <a:r>
+              <a:rPr lang="zh-CN" altLang="en-US" sz="2400" dirty="0" smtClean="0"/>
+              <a:t>修改默认</a:t>
+            </a:r>
+            <a:r>
+              <a:rPr lang="en-US" altLang="zh-CN" sz="2400" dirty="0" smtClean="0"/>
+              <a:t>RBAC</a:t>
+            </a:r>
+            <a:r>
+              <a:rPr lang="zh-CN" altLang="en-US" sz="2400" dirty="0" smtClean="0"/>
+              <a:t>设置</a:t>
+            </a:r>
+            <a:endParaRPr lang="zh-CN" altLang="en-US" sz="2400" dirty="0"/>
+          </a:p>
+        </p:txBody>
+      </p:sp>
+      <p:sp>
+        <p:nvSpPr>
+          <p:cNvPr id="5" name="文本框 4"/>
+          <p:cNvSpPr txBox="1"/>
+          <p:nvPr/>
+        </p:nvSpPr>
+        <p:spPr>
+          <a:xfrm>
+            <a:off x="1043608" y="1881994"/>
+            <a:ext cx="2424062" cy="461665"/>
+          </a:xfrm>
+          <a:prstGeom prst="rect">
+            <a:avLst/>
+          </a:prstGeom>
+          <a:noFill/>
+        </p:spPr>
+        <p:txBody>
+          <a:bodyPr wrap="none" rtlCol="0">
+            <a:spAutoFit/>
+          </a:bodyPr>
+          <a:lstStyle/>
+          <a:p>
+            <a:pPr marL="342900" indent="-342900">
+              <a:buFont typeface="Arial" panose="020B0604020202020204" pitchFamily="34" charset="0"/>
+              <a:buChar char="•"/>
+            </a:pPr>
+            <a:r>
+              <a:rPr lang="zh-CN" altLang="en-US" sz="2400" dirty="0" smtClean="0"/>
+              <a:t>安装部署</a:t>
+            </a:r>
+            <a:r>
+              <a:rPr lang="en-US" altLang="zh-CN" sz="2400" dirty="0" smtClean="0"/>
+              <a:t>Helm</a:t>
+            </a:r>
+            <a:endParaRPr lang="zh-CN" altLang="en-US" sz="2400" dirty="0"/>
+          </a:p>
+        </p:txBody>
+      </p:sp>
+      <p:sp>
+        <p:nvSpPr>
+          <p:cNvPr id="6" name="文本框 5"/>
+          <p:cNvSpPr txBox="1"/>
+          <p:nvPr/>
+        </p:nvSpPr>
+        <p:spPr>
+          <a:xfrm>
+            <a:off x="1043608" y="2410361"/>
+            <a:ext cx="7935955" cy="461665"/>
+          </a:xfrm>
+          <a:prstGeom prst="rect">
+            <a:avLst/>
+          </a:prstGeom>
+          <a:noFill/>
+        </p:spPr>
+        <p:txBody>
+          <a:bodyPr wrap="none" rtlCol="0">
+            <a:spAutoFit/>
+          </a:bodyPr>
+          <a:lstStyle/>
+          <a:p>
+            <a:pPr marL="342900" indent="-342900">
+              <a:buFont typeface="Arial" panose="020B0604020202020204" pitchFamily="34" charset="0"/>
+              <a:buChar char="•"/>
+            </a:pPr>
+            <a:r>
+              <a:rPr lang="zh-CN" altLang="en-US" sz="2400" dirty="0" smtClean="0"/>
+              <a:t>下载安装</a:t>
+            </a:r>
+            <a:r>
+              <a:rPr lang="en-US" altLang="zh-CN" sz="2400" dirty="0" err="1" smtClean="0"/>
+              <a:t>kolla-ansible</a:t>
+            </a:r>
+            <a:r>
+              <a:rPr lang="en-US" altLang="zh-CN" sz="2400" dirty="0" smtClean="0"/>
+              <a:t> </a:t>
+            </a:r>
+            <a:r>
+              <a:rPr lang="en-US" altLang="zh-CN" sz="2400" dirty="0" err="1" smtClean="0"/>
+              <a:t>kolla-kubernetes</a:t>
+            </a:r>
+            <a:r>
+              <a:rPr lang="zh-CN" altLang="en-US" sz="2400" dirty="0" smtClean="0"/>
+              <a:t>，自定义配置文件</a:t>
+            </a:r>
+            <a:endParaRPr lang="zh-CN" altLang="en-US" sz="2400" dirty="0"/>
+          </a:p>
+        </p:txBody>
+      </p:sp>
+      <p:sp>
+        <p:nvSpPr>
+          <p:cNvPr id="7" name="文本框 6"/>
+          <p:cNvSpPr txBox="1"/>
+          <p:nvPr/>
+        </p:nvSpPr>
+        <p:spPr>
+          <a:xfrm>
+            <a:off x="1043608" y="3993292"/>
+            <a:ext cx="3696012" cy="461665"/>
+          </a:xfrm>
+          <a:prstGeom prst="rect">
+            <a:avLst/>
+          </a:prstGeom>
+          <a:noFill/>
+        </p:spPr>
+        <p:txBody>
+          <a:bodyPr wrap="none" rtlCol="0">
+            <a:spAutoFit/>
+          </a:bodyPr>
+          <a:lstStyle/>
+          <a:p>
+            <a:pPr marL="342900" indent="-342900">
+              <a:buFont typeface="Arial" panose="020B0604020202020204" pitchFamily="34" charset="0"/>
+              <a:buChar char="•"/>
+            </a:pPr>
+            <a:r>
+              <a:rPr lang="zh-CN" altLang="en-US" sz="2400" dirty="0" smtClean="0"/>
+              <a:t>使用</a:t>
+            </a:r>
+            <a:r>
+              <a:rPr lang="en-US" altLang="zh-CN" sz="2400" dirty="0" smtClean="0"/>
+              <a:t>Helm</a:t>
+            </a:r>
+            <a:r>
+              <a:rPr lang="zh-CN" altLang="en-US" sz="2400" dirty="0" smtClean="0"/>
+              <a:t>部署</a:t>
+            </a:r>
+            <a:r>
+              <a:rPr lang="en-US" altLang="zh-CN" sz="2400" dirty="0" err="1" smtClean="0"/>
+              <a:t>openstack</a:t>
+            </a:r>
+            <a:endParaRPr lang="zh-CN" altLang="en-US" sz="2400" dirty="0"/>
+          </a:p>
+        </p:txBody>
+      </p:sp>
+      <p:sp>
+        <p:nvSpPr>
+          <p:cNvPr id="8" name="文本框 7"/>
+          <p:cNvSpPr txBox="1"/>
+          <p:nvPr/>
+        </p:nvSpPr>
+        <p:spPr>
+          <a:xfrm>
+            <a:off x="1043608" y="2938728"/>
+            <a:ext cx="6552948" cy="461665"/>
+          </a:xfrm>
+          <a:prstGeom prst="rect">
+            <a:avLst/>
+          </a:prstGeom>
+          <a:noFill/>
+        </p:spPr>
+        <p:txBody>
+          <a:bodyPr wrap="none" rtlCol="0">
+            <a:spAutoFit/>
+          </a:bodyPr>
+          <a:lstStyle/>
+          <a:p>
+            <a:pPr marL="342900" indent="-342900">
+              <a:buFont typeface="Arial" panose="020B0604020202020204" pitchFamily="34" charset="0"/>
+              <a:buChar char="•"/>
+            </a:pPr>
+            <a:r>
+              <a:rPr lang="zh-CN" altLang="en-US" sz="2400" dirty="0" smtClean="0"/>
+              <a:t>生成</a:t>
+            </a:r>
+            <a:r>
+              <a:rPr lang="en-US" altLang="zh-CN" sz="2400" dirty="0" smtClean="0"/>
+              <a:t>secret</a:t>
+            </a:r>
+            <a:r>
+              <a:rPr lang="zh-CN" altLang="en-US" sz="2400" dirty="0" smtClean="0"/>
+              <a:t>和</a:t>
+            </a:r>
+            <a:r>
+              <a:rPr lang="en-US" altLang="zh-CN" sz="2400" dirty="0" err="1" smtClean="0"/>
+              <a:t>config</a:t>
+            </a:r>
+            <a:r>
+              <a:rPr lang="en-US" altLang="zh-CN" sz="2400" dirty="0" smtClean="0"/>
+              <a:t> map</a:t>
+            </a:r>
+            <a:r>
+              <a:rPr lang="zh-CN" altLang="en-US" sz="2400" dirty="0" smtClean="0"/>
+              <a:t>并注册到</a:t>
+            </a:r>
+            <a:r>
+              <a:rPr lang="en-US" altLang="zh-CN" sz="2400" dirty="0" err="1" smtClean="0"/>
+              <a:t>openshift</a:t>
+            </a:r>
+            <a:r>
+              <a:rPr lang="en-US" altLang="zh-CN" sz="2400" dirty="0" smtClean="0"/>
+              <a:t>/k8s</a:t>
+            </a:r>
+            <a:endParaRPr lang="zh-CN" altLang="en-US" sz="2400" dirty="0"/>
+          </a:p>
+        </p:txBody>
+      </p:sp>
+      <p:sp>
+        <p:nvSpPr>
+          <p:cNvPr id="9" name="文本框 8"/>
+          <p:cNvSpPr txBox="1"/>
+          <p:nvPr/>
+        </p:nvSpPr>
+        <p:spPr>
+          <a:xfrm>
+            <a:off x="1043608" y="3467095"/>
+            <a:ext cx="7636193" cy="461665"/>
+          </a:xfrm>
+          <a:prstGeom prst="rect">
+            <a:avLst/>
+          </a:prstGeom>
+          <a:noFill/>
+        </p:spPr>
+        <p:txBody>
+          <a:bodyPr wrap="none" rtlCol="0">
+            <a:spAutoFit/>
+          </a:bodyPr>
+          <a:lstStyle/>
+          <a:p>
+            <a:pPr marL="342900" indent="-342900">
+              <a:buFont typeface="Arial" panose="020B0604020202020204" pitchFamily="34" charset="0"/>
+              <a:buChar char="•"/>
+            </a:pPr>
+            <a:r>
+              <a:rPr lang="zh-CN" altLang="en-US" sz="2400" dirty="0" smtClean="0"/>
+              <a:t>编译</a:t>
+            </a:r>
+            <a:r>
+              <a:rPr lang="en-US" altLang="zh-CN" sz="2400" dirty="0" smtClean="0"/>
+              <a:t>Helm</a:t>
+            </a:r>
+            <a:r>
+              <a:rPr lang="zh-CN" altLang="en-US" sz="2400" dirty="0" smtClean="0"/>
+              <a:t>使用的微服务、元数据、</a:t>
+            </a:r>
+            <a:r>
+              <a:rPr lang="en-US" altLang="zh-CN" sz="2400" dirty="0" err="1" smtClean="0"/>
+              <a:t>openstack</a:t>
+            </a:r>
+            <a:r>
+              <a:rPr lang="zh-CN" altLang="en-US" sz="2400" dirty="0" smtClean="0"/>
+              <a:t>服务</a:t>
+            </a:r>
+            <a:r>
+              <a:rPr lang="en-US" altLang="zh-CN" sz="2400" dirty="0" smtClean="0"/>
+              <a:t>(</a:t>
+            </a:r>
+            <a:r>
+              <a:rPr lang="en-US" altLang="zh-CN" sz="2400" dirty="0" err="1" smtClean="0"/>
+              <a:t>tgz</a:t>
+            </a:r>
+            <a:r>
+              <a:rPr lang="en-US" altLang="zh-CN" sz="2400" dirty="0" smtClean="0"/>
+              <a:t>)</a:t>
+            </a:r>
+            <a:endParaRPr lang="zh-CN" altLang="en-US" sz="2400" dirty="0"/>
+          </a:p>
+        </p:txBody>
+      </p:sp>
+      <p:sp>
+        <p:nvSpPr>
+          <p:cNvPr id="10" name="文本框 9"/>
+          <p:cNvSpPr txBox="1"/>
+          <p:nvPr/>
+        </p:nvSpPr>
+        <p:spPr>
+          <a:xfrm>
+            <a:off x="1043608" y="4519489"/>
+            <a:ext cx="3957302" cy="461665"/>
+          </a:xfrm>
+          <a:prstGeom prst="rect">
+            <a:avLst/>
+          </a:prstGeom>
+          <a:noFill/>
+        </p:spPr>
+        <p:txBody>
+          <a:bodyPr wrap="none" rtlCol="0">
+            <a:spAutoFit/>
+          </a:bodyPr>
+          <a:lstStyle/>
+          <a:p>
+            <a:pPr marL="342900" indent="-342900">
+              <a:buFont typeface="Arial" panose="020B0604020202020204" pitchFamily="34" charset="0"/>
+              <a:buChar char="•"/>
+            </a:pPr>
+            <a:r>
+              <a:rPr lang="zh-CN" altLang="en-US" sz="2400" dirty="0" smtClean="0"/>
+              <a:t>安装部署</a:t>
+            </a:r>
+            <a:r>
+              <a:rPr lang="en-US" altLang="zh-CN" sz="2400" dirty="0" err="1" smtClean="0"/>
+              <a:t>openstack</a:t>
+            </a:r>
+            <a:r>
+              <a:rPr lang="zh-CN" altLang="en-US" sz="2400" dirty="0" smtClean="0"/>
+              <a:t>客户端</a:t>
+            </a:r>
+            <a:endParaRPr lang="zh-CN" altLang="en-US" sz="2400" dirty="0"/>
+          </a:p>
+        </p:txBody>
+      </p:sp>
+      <p:sp>
+        <p:nvSpPr>
+          <p:cNvPr id="11" name="文本框 10"/>
+          <p:cNvSpPr txBox="1"/>
+          <p:nvPr/>
+        </p:nvSpPr>
+        <p:spPr>
+          <a:xfrm>
+            <a:off x="719005" y="876556"/>
+            <a:ext cx="1723549" cy="461665"/>
+          </a:xfrm>
+          <a:prstGeom prst="rect">
+            <a:avLst/>
+          </a:prstGeom>
+          <a:noFill/>
+        </p:spPr>
+        <p:txBody>
+          <a:bodyPr wrap="none" rtlCol="0">
+            <a:spAutoFit/>
+          </a:bodyPr>
+          <a:lstStyle/>
+          <a:p>
+            <a:r>
+              <a:rPr lang="zh-CN" altLang="en-US" sz="2400" dirty="0" smtClean="0"/>
+              <a:t>部署过程：</a:t>
+            </a:r>
+            <a:endParaRPr lang="zh-CN" altLang="en-US" sz="2400" dirty="0"/>
+          </a:p>
+        </p:txBody>
+      </p:sp>
+    </p:spTree>
+    <p:extLst>
+      <p:ext uri="{BB962C8B-B14F-4D97-AF65-F5344CB8AC3E}">
+        <p14:creationId xmlns:p14="http://schemas.microsoft.com/office/powerpoint/2010/main" val="3303826301"/>
+      </p:ext>
+    </p:extLst>
+  </p:cSld>
+  <p:clrMapOvr>
+    <a:masterClrMapping/>
+  </p:clrMapOvr>
+</p:sld>
+</file>
+
+<file path=ppt/slides/slide24.xml><?xml version="1.0" encoding="utf-8"?>
+<p:sld xmlns:a="http://schemas.openxmlformats.org/drawingml/2006/main" xmlns:r="http://schemas.openxmlformats.org/officeDocument/2006/relationships" xmlns:p="http://schemas.openxmlformats.org/presentationml/2006/main">
+  <p:cSld>
+    <p:spTree>
+      <p:nvGrpSpPr>
+        <p:cNvPr id="1" name=""/>
+        <p:cNvGrpSpPr/>
+        <p:nvPr/>
+      </p:nvGrpSpPr>
+      <p:grpSpPr>
+        <a:xfrm>
+          <a:off x="0" y="0"/>
+          <a:ext cx="0" cy="0"/>
+          <a:chOff x="0" y="0"/>
+          <a:chExt cx="0" cy="0"/>
+        </a:xfrm>
+      </p:grpSpPr>
+      <p:sp>
+        <p:nvSpPr>
+          <p:cNvPr id="4" name="文本框 3"/>
+          <p:cNvSpPr txBox="1"/>
+          <p:nvPr/>
+        </p:nvSpPr>
+        <p:spPr>
+          <a:xfrm>
+            <a:off x="395536" y="774367"/>
+            <a:ext cx="2427268" cy="461665"/>
+          </a:xfrm>
+          <a:prstGeom prst="rect">
+            <a:avLst/>
+          </a:prstGeom>
+          <a:noFill/>
+        </p:spPr>
+        <p:txBody>
+          <a:bodyPr wrap="none" rtlCol="0">
+            <a:spAutoFit/>
+          </a:bodyPr>
+          <a:lstStyle/>
+          <a:p>
+            <a:r>
+              <a:rPr lang="zh-CN" altLang="en-US" sz="2400" dirty="0" smtClean="0"/>
+              <a:t>部署注意事项：</a:t>
+            </a:r>
+            <a:endParaRPr lang="zh-CN" altLang="en-US" sz="2400" dirty="0"/>
+          </a:p>
+        </p:txBody>
+      </p:sp>
+      <p:sp>
+        <p:nvSpPr>
+          <p:cNvPr id="5" name="矩形 4"/>
+          <p:cNvSpPr/>
+          <p:nvPr/>
+        </p:nvSpPr>
+        <p:spPr>
+          <a:xfrm>
+            <a:off x="986226" y="3822783"/>
+            <a:ext cx="5886400" cy="461665"/>
+          </a:xfrm>
+          <a:prstGeom prst="rect">
+            <a:avLst/>
+          </a:prstGeom>
+        </p:spPr>
+        <p:txBody>
+          <a:bodyPr wrap="square">
+            <a:spAutoFit/>
+          </a:bodyPr>
+          <a:lstStyle/>
+          <a:p>
+            <a:pPr marL="342900" indent="-342900">
+              <a:buFont typeface="Arial" panose="020B0604020202020204" pitchFamily="34" charset="0"/>
+              <a:buChar char="•"/>
+            </a:pPr>
+            <a:r>
+              <a:rPr lang="en-US" altLang="zh-CN" sz="2400" dirty="0" smtClean="0"/>
+              <a:t>Neutron </a:t>
+            </a:r>
+            <a:r>
+              <a:rPr lang="en-US" altLang="zh-CN" sz="2400" dirty="0"/>
+              <a:t>server </a:t>
+            </a:r>
+            <a:r>
+              <a:rPr lang="zh-CN" altLang="en-US" sz="2400" dirty="0"/>
+              <a:t>启动失败，缺少配置文件。</a:t>
+            </a:r>
+            <a:endParaRPr lang="en-US" altLang="zh-CN" sz="2400" dirty="0"/>
+          </a:p>
+        </p:txBody>
+      </p:sp>
+      <p:sp>
+        <p:nvSpPr>
+          <p:cNvPr id="6" name="矩形 5"/>
+          <p:cNvSpPr/>
+          <p:nvPr/>
+        </p:nvSpPr>
+        <p:spPr>
+          <a:xfrm>
+            <a:off x="986226" y="2137129"/>
+            <a:ext cx="7930008" cy="830997"/>
+          </a:xfrm>
+          <a:prstGeom prst="rect">
+            <a:avLst/>
+          </a:prstGeom>
+        </p:spPr>
+        <p:txBody>
+          <a:bodyPr wrap="square">
+            <a:spAutoFit/>
+          </a:bodyPr>
+          <a:lstStyle/>
+          <a:p>
+            <a:pPr marL="342900" indent="-342900">
+              <a:buFont typeface="Arial" panose="020B0604020202020204" pitchFamily="34" charset="0"/>
+              <a:buChar char="•"/>
+            </a:pPr>
+            <a:r>
+              <a:rPr lang="zh-CN" altLang="en-US" sz="2400" dirty="0"/>
+              <a:t>权限问题，</a:t>
+            </a:r>
+            <a:r>
+              <a:rPr lang="en-US" altLang="zh-CN" sz="2400" dirty="0" err="1"/>
+              <a:t>kolla</a:t>
+            </a:r>
+            <a:r>
+              <a:rPr lang="zh-CN" altLang="en-US" sz="2400" dirty="0"/>
+              <a:t>很多容器需要在</a:t>
+            </a:r>
+            <a:r>
+              <a:rPr lang="en-US" altLang="zh-CN" sz="2400" dirty="0"/>
+              <a:t>root</a:t>
+            </a:r>
+            <a:r>
+              <a:rPr lang="zh-CN" altLang="en-US" sz="2400" dirty="0"/>
+              <a:t>权限下</a:t>
+            </a:r>
+            <a:r>
+              <a:rPr lang="zh-CN" altLang="en-US" sz="2400" dirty="0" smtClean="0"/>
+              <a:t>执行</a:t>
+            </a:r>
+            <a:r>
+              <a:rPr lang="en-US" altLang="zh-CN" sz="2400" dirty="0" smtClean="0"/>
+              <a:t>,</a:t>
+            </a:r>
+            <a:r>
+              <a:rPr lang="en-US" altLang="zh-CN" sz="2400" dirty="0" err="1" smtClean="0"/>
+              <a:t>kubernetes</a:t>
+            </a:r>
+            <a:r>
+              <a:rPr lang="zh-CN" altLang="en-US" sz="2400" dirty="0"/>
+              <a:t>默认是非</a:t>
+            </a:r>
+            <a:r>
+              <a:rPr lang="en-US" altLang="zh-CN" sz="2400" dirty="0"/>
+              <a:t>root</a:t>
+            </a:r>
+            <a:r>
+              <a:rPr lang="zh-CN" altLang="en-US" sz="2400" dirty="0"/>
+              <a:t>用户启动容器。</a:t>
+            </a:r>
+            <a:endParaRPr lang="en-US" altLang="zh-CN" sz="2400" dirty="0"/>
+          </a:p>
+        </p:txBody>
+      </p:sp>
+      <p:sp>
+        <p:nvSpPr>
+          <p:cNvPr id="7" name="矩形 6"/>
+          <p:cNvSpPr/>
+          <p:nvPr/>
+        </p:nvSpPr>
+        <p:spPr>
+          <a:xfrm>
+            <a:off x="986226" y="2979956"/>
+            <a:ext cx="7930008" cy="830997"/>
+          </a:xfrm>
+          <a:prstGeom prst="rect">
+            <a:avLst/>
+          </a:prstGeom>
+        </p:spPr>
+        <p:txBody>
+          <a:bodyPr wrap="square">
+            <a:spAutoFit/>
+          </a:bodyPr>
+          <a:lstStyle/>
+          <a:p>
+            <a:pPr marL="342900" indent="-342900">
+              <a:buFont typeface="Arial" panose="020B0604020202020204" pitchFamily="34" charset="0"/>
+              <a:buChar char="•"/>
+            </a:pPr>
+            <a:r>
+              <a:rPr lang="zh-CN" altLang="en-US" sz="2400" dirty="0"/>
+              <a:t>一些配置文件配置错误，导致容器不能启动成功，需要修改对应配置项。</a:t>
+            </a:r>
+            <a:endParaRPr lang="en-US" altLang="zh-CN" sz="2400" dirty="0"/>
+          </a:p>
+        </p:txBody>
+      </p:sp>
+      <p:sp>
+        <p:nvSpPr>
+          <p:cNvPr id="8" name="文本框 7"/>
+          <p:cNvSpPr txBox="1"/>
+          <p:nvPr/>
+        </p:nvSpPr>
+        <p:spPr>
+          <a:xfrm>
+            <a:off x="986226" y="4299942"/>
+            <a:ext cx="4666342" cy="461665"/>
+          </a:xfrm>
+          <a:prstGeom prst="rect">
+            <a:avLst/>
+          </a:prstGeom>
+          <a:noFill/>
+        </p:spPr>
+        <p:txBody>
+          <a:bodyPr wrap="none" rtlCol="0">
+            <a:spAutoFit/>
+          </a:bodyPr>
+          <a:lstStyle/>
+          <a:p>
+            <a:pPr marL="342900" indent="-342900">
+              <a:buFont typeface="Arial" panose="020B0604020202020204" pitchFamily="34" charset="0"/>
+              <a:buChar char="•"/>
+            </a:pPr>
+            <a:r>
+              <a:rPr lang="en-US" altLang="zh-CN" sz="2400" dirty="0" smtClean="0"/>
+              <a:t>Neutron</a:t>
+            </a:r>
+            <a:r>
+              <a:rPr lang="zh-CN" altLang="en-US" sz="2400" dirty="0" smtClean="0"/>
+              <a:t>网络类型</a:t>
+            </a:r>
+            <a:r>
+              <a:rPr lang="zh-CN" altLang="en-US" sz="2400" dirty="0"/>
+              <a:t>只</a:t>
+            </a:r>
+            <a:r>
+              <a:rPr lang="zh-CN" altLang="en-US" sz="2400" dirty="0" smtClean="0"/>
+              <a:t>支持</a:t>
+            </a:r>
+            <a:r>
+              <a:rPr lang="en-US" altLang="zh-CN" sz="2400" dirty="0" err="1" smtClean="0"/>
+              <a:t>vswitch</a:t>
+            </a:r>
+            <a:endParaRPr lang="zh-CN" altLang="en-US" sz="2400" dirty="0"/>
+          </a:p>
+        </p:txBody>
+      </p:sp>
+      <p:sp>
+        <p:nvSpPr>
+          <p:cNvPr id="9" name="文本框 8"/>
+          <p:cNvSpPr txBox="1"/>
+          <p:nvPr/>
+        </p:nvSpPr>
+        <p:spPr>
+          <a:xfrm>
+            <a:off x="986226" y="1663634"/>
+            <a:ext cx="6857455" cy="461665"/>
+          </a:xfrm>
+          <a:prstGeom prst="rect">
+            <a:avLst/>
+          </a:prstGeom>
+          <a:noFill/>
+        </p:spPr>
+        <p:txBody>
+          <a:bodyPr wrap="none" rtlCol="0">
+            <a:spAutoFit/>
+          </a:bodyPr>
+          <a:lstStyle/>
+          <a:p>
+            <a:pPr marL="342900" indent="-342900">
+              <a:buFont typeface="Arial" panose="020B0604020202020204" pitchFamily="34" charset="0"/>
+              <a:buChar char="•"/>
+            </a:pPr>
+            <a:r>
+              <a:rPr lang="en-US" altLang="zh-CN" sz="2400" dirty="0" smtClean="0"/>
+              <a:t>Kubernetes &gt;= 1.6.4 </a:t>
+            </a:r>
+            <a:r>
+              <a:rPr lang="en-US" altLang="zh-CN" sz="2400" dirty="0" err="1" smtClean="0"/>
+              <a:t>docker</a:t>
+            </a:r>
+            <a:r>
+              <a:rPr lang="en-US" altLang="zh-CN" sz="2400" dirty="0" smtClean="0"/>
+              <a:t> &gt;=1.12.6 helm &gt;= 2.4.1</a:t>
+            </a:r>
+            <a:endParaRPr lang="zh-CN" altLang="en-US" sz="2400" dirty="0"/>
+          </a:p>
+        </p:txBody>
+      </p:sp>
+      <p:sp>
+        <p:nvSpPr>
+          <p:cNvPr id="10" name="文本框 9"/>
+          <p:cNvSpPr txBox="1"/>
+          <p:nvPr/>
+        </p:nvSpPr>
+        <p:spPr>
+          <a:xfrm>
+            <a:off x="986226" y="1270095"/>
+            <a:ext cx="6352765" cy="461665"/>
+          </a:xfrm>
+          <a:prstGeom prst="rect">
+            <a:avLst/>
+          </a:prstGeom>
+          <a:noFill/>
+        </p:spPr>
+        <p:txBody>
+          <a:bodyPr wrap="none" rtlCol="0">
+            <a:spAutoFit/>
+          </a:bodyPr>
+          <a:lstStyle/>
+          <a:p>
+            <a:pPr marL="342900" indent="-342900">
+              <a:buFont typeface="Arial" panose="020B0604020202020204" pitchFamily="34" charset="0"/>
+              <a:buChar char="•"/>
+            </a:pPr>
+            <a:r>
+              <a:rPr lang="zh-CN" altLang="en-US" sz="2400" dirty="0" smtClean="0"/>
+              <a:t>在</a:t>
+            </a:r>
+            <a:r>
+              <a:rPr lang="en-US" altLang="zh-CN" sz="2400" dirty="0" smtClean="0"/>
+              <a:t>k8s</a:t>
+            </a:r>
+            <a:r>
+              <a:rPr lang="zh-CN" altLang="en-US" sz="2400" dirty="0" smtClean="0"/>
+              <a:t>中设置标签，指定</a:t>
+            </a:r>
+            <a:r>
+              <a:rPr lang="en-US" altLang="zh-CN" sz="2400" dirty="0" smtClean="0"/>
+              <a:t>controller</a:t>
+            </a:r>
+            <a:r>
+              <a:rPr lang="zh-CN" altLang="en-US" sz="2400" dirty="0" smtClean="0"/>
+              <a:t>和</a:t>
+            </a:r>
+            <a:r>
+              <a:rPr lang="en-US" altLang="zh-CN" sz="2400" dirty="0" smtClean="0"/>
+              <a:t>compute</a:t>
+            </a:r>
+            <a:endParaRPr lang="zh-CN" altLang="en-US" sz="2400" dirty="0"/>
+          </a:p>
+        </p:txBody>
+      </p:sp>
+    </p:spTree>
+    <p:extLst>
+      <p:ext uri="{BB962C8B-B14F-4D97-AF65-F5344CB8AC3E}">
+        <p14:creationId xmlns:p14="http://schemas.microsoft.com/office/powerpoint/2010/main" val="312667220"/>
+      </p:ext>
+    </p:extLst>
+  </p:cSld>
+  <p:clrMapOvr>
+    <a:masterClrMapping/>
+  </p:clrMapOvr>
+</p:sld>
+</file>
+
+<file path=ppt/slides/slide25.xml><?xml version="1.0" encoding="utf-8"?>
+<p:sld xmlns:a="http://schemas.openxmlformats.org/drawingml/2006/main" xmlns:r="http://schemas.openxmlformats.org/officeDocument/2006/relationships" xmlns:p="http://schemas.openxmlformats.org/presentationml/2006/main">
+  <p:cSld>
+    <p:spTree>
+      <p:nvGrpSpPr>
+        <p:cNvPr id="1" name=""/>
+        <p:cNvGrpSpPr/>
+        <p:nvPr/>
+      </p:nvGrpSpPr>
+      <p:grpSpPr>
+        <a:xfrm>
+          <a:off x="0" y="0"/>
+          <a:ext cx="0" cy="0"/>
+          <a:chOff x="0" y="0"/>
+          <a:chExt cx="0" cy="0"/>
+        </a:xfrm>
+      </p:grpSpPr>
+      <p:sp>
+        <p:nvSpPr>
+          <p:cNvPr id="4" name="文本框 3"/>
+          <p:cNvSpPr txBox="1"/>
+          <p:nvPr/>
+        </p:nvSpPr>
+        <p:spPr>
+          <a:xfrm>
+            <a:off x="-28824" y="561623"/>
+            <a:ext cx="1728358" cy="707886"/>
+          </a:xfrm>
+          <a:prstGeom prst="rect">
+            <a:avLst/>
+          </a:prstGeom>
+          <a:noFill/>
+        </p:spPr>
+        <p:txBody>
+          <a:bodyPr wrap="none" rtlCol="0">
+            <a:spAutoFit/>
+          </a:bodyPr>
+          <a:lstStyle/>
+          <a:p>
+            <a:r>
+              <a:rPr lang="zh-CN" altLang="en-US" sz="4000" b="1" dirty="0" smtClean="0">
+                <a:latin typeface="+mj-ea"/>
+                <a:ea typeface="+mj-ea"/>
+              </a:rPr>
+              <a:t>流程图</a:t>
+            </a:r>
+            <a:endParaRPr lang="en-US" altLang="zh-CN" sz="4000" b="1" dirty="0" smtClean="0">
+              <a:latin typeface="+mj-ea"/>
+              <a:ea typeface="+mj-ea"/>
+            </a:endParaRPr>
+          </a:p>
+        </p:txBody>
+      </p:sp>
+      <p:pic>
+        <p:nvPicPr>
+          <p:cNvPr id="3" name="图片 2"/>
+          <p:cNvPicPr>
+            <a:picLocks noChangeAspect="1"/>
+          </p:cNvPicPr>
+          <p:nvPr/>
+        </p:nvPicPr>
+        <p:blipFill>
+          <a:blip r:embed="rId3"/>
+          <a:stretch>
+            <a:fillRect/>
+          </a:stretch>
+        </p:blipFill>
+        <p:spPr>
+          <a:xfrm>
+            <a:off x="14928" y="1164568"/>
+            <a:ext cx="5716990" cy="3291830"/>
+          </a:xfrm>
+          <a:prstGeom prst="rect">
+            <a:avLst/>
+          </a:prstGeom>
+        </p:spPr>
+      </p:pic>
+      <p:sp>
+        <p:nvSpPr>
+          <p:cNvPr id="5" name="文本框 4"/>
+          <p:cNvSpPr txBox="1"/>
+          <p:nvPr/>
+        </p:nvSpPr>
+        <p:spPr>
+          <a:xfrm>
+            <a:off x="5743923" y="1492376"/>
+            <a:ext cx="3600666" cy="1569660"/>
+          </a:xfrm>
+          <a:prstGeom prst="rect">
+            <a:avLst/>
+          </a:prstGeom>
+          <a:noFill/>
+        </p:spPr>
+        <p:txBody>
+          <a:bodyPr wrap="none" rtlCol="0">
+            <a:spAutoFit/>
+          </a:bodyPr>
+          <a:lstStyle/>
+          <a:p>
+            <a:pPr marL="285750" indent="-285750">
+              <a:buFont typeface="Arial" panose="020B0604020202020204" pitchFamily="34" charset="0"/>
+              <a:buChar char="•"/>
+            </a:pPr>
+            <a:r>
+              <a:rPr lang="zh-CN" altLang="en-US" sz="1600" dirty="0" smtClean="0"/>
+              <a:t>所有操作</a:t>
+            </a:r>
+            <a:r>
+              <a:rPr lang="en-US" altLang="zh-CN" sz="1600" dirty="0" smtClean="0"/>
+              <a:t>/</a:t>
+            </a:r>
+            <a:r>
+              <a:rPr lang="zh-CN" altLang="en-US" sz="1600" dirty="0" smtClean="0"/>
+              <a:t>资源统一由</a:t>
+            </a:r>
+            <a:r>
+              <a:rPr lang="en-US" altLang="zh-CN" sz="1600" dirty="0" err="1" smtClean="0"/>
+              <a:t>openshift</a:t>
+            </a:r>
+            <a:r>
+              <a:rPr lang="zh-CN" altLang="en-US" sz="1600" dirty="0" smtClean="0"/>
+              <a:t>管理</a:t>
+            </a:r>
+            <a:endParaRPr lang="en-US" altLang="zh-CN" sz="1600" dirty="0" smtClean="0"/>
+          </a:p>
+          <a:p>
+            <a:pPr marL="742950" lvl="1" indent="-285750">
+              <a:buFont typeface="Wingdings" panose="05000000000000000000" pitchFamily="2" charset="2"/>
+              <a:buChar char="Ø"/>
+            </a:pPr>
+            <a:r>
+              <a:rPr lang="zh-CN" altLang="en-US" sz="1600" dirty="0" smtClean="0"/>
+              <a:t>配置文件</a:t>
+            </a:r>
+            <a:r>
+              <a:rPr lang="en-US" altLang="zh-CN" sz="1600" dirty="0"/>
+              <a:t> </a:t>
+            </a:r>
+            <a:r>
+              <a:rPr lang="en-US" altLang="zh-CN" sz="1600" dirty="0" smtClean="0"/>
+              <a:t>– </a:t>
+            </a:r>
+            <a:r>
+              <a:rPr lang="en-US" altLang="zh-CN" sz="1600" dirty="0" err="1" smtClean="0"/>
+              <a:t>configmap</a:t>
+            </a:r>
+            <a:endParaRPr lang="en-US" altLang="zh-CN" sz="1600" dirty="0" smtClean="0"/>
+          </a:p>
+          <a:p>
+            <a:pPr marL="742950" lvl="1" indent="-285750">
+              <a:buFont typeface="Wingdings" panose="05000000000000000000" pitchFamily="2" charset="2"/>
+              <a:buChar char="Ø"/>
+            </a:pPr>
+            <a:r>
+              <a:rPr lang="zh-CN" altLang="en-US" sz="1600" dirty="0" smtClean="0"/>
+              <a:t>用户密码 </a:t>
+            </a:r>
+            <a:r>
+              <a:rPr lang="en-US" altLang="zh-CN" sz="1600" dirty="0" smtClean="0"/>
+              <a:t>- secret</a:t>
+            </a:r>
+          </a:p>
+          <a:p>
+            <a:pPr marL="285750" indent="-285750">
+              <a:buFont typeface="Arial" panose="020B0604020202020204" pitchFamily="34" charset="0"/>
+              <a:buChar char="•"/>
+            </a:pPr>
+            <a:r>
+              <a:rPr lang="en-US" altLang="zh-CN" sz="1600" dirty="0" smtClean="0"/>
+              <a:t>PaaS</a:t>
+            </a:r>
+            <a:r>
+              <a:rPr lang="zh-CN" altLang="en-US" sz="1600" dirty="0" smtClean="0"/>
+              <a:t>平台提供运维支持</a:t>
+            </a:r>
+            <a:endParaRPr lang="en-US" altLang="zh-CN" sz="1600" dirty="0" smtClean="0"/>
+          </a:p>
+          <a:p>
+            <a:pPr marL="285750" indent="-285750">
+              <a:buFont typeface="Arial" panose="020B0604020202020204" pitchFamily="34" charset="0"/>
+              <a:buChar char="•"/>
+            </a:pPr>
+            <a:r>
+              <a:rPr lang="zh-CN" altLang="en-US" sz="1600" dirty="0" smtClean="0"/>
+              <a:t>自带监控系统可监控</a:t>
+            </a:r>
+            <a:r>
+              <a:rPr lang="en-US" altLang="zh-CN" sz="1600" dirty="0" err="1" smtClean="0"/>
+              <a:t>openstack</a:t>
+            </a:r>
+            <a:r>
+              <a:rPr lang="zh-CN" altLang="en-US" sz="1600" dirty="0" smtClean="0"/>
+              <a:t>服务</a:t>
+            </a:r>
+            <a:endParaRPr lang="en-US" altLang="zh-CN" sz="1600" dirty="0" smtClean="0"/>
+          </a:p>
+          <a:p>
+            <a:pPr marL="285750" indent="-285750">
+              <a:buFont typeface="Arial" panose="020B0604020202020204" pitchFamily="34" charset="0"/>
+              <a:buChar char="•"/>
+            </a:pPr>
+            <a:r>
+              <a:rPr lang="en-US" altLang="zh-CN" sz="1600" dirty="0" smtClean="0"/>
+              <a:t>Helm</a:t>
+            </a:r>
+            <a:r>
+              <a:rPr lang="zh-CN" altLang="en-US" sz="1600" dirty="0" smtClean="0"/>
+              <a:t>版本管理，升级和回滚方便</a:t>
+            </a:r>
+            <a:endParaRPr lang="zh-CN" altLang="en-US" sz="1600" dirty="0"/>
+          </a:p>
+        </p:txBody>
+      </p:sp>
+      <p:sp>
+        <p:nvSpPr>
+          <p:cNvPr id="6" name="矩形 5"/>
+          <p:cNvSpPr/>
+          <p:nvPr/>
+        </p:nvSpPr>
+        <p:spPr>
+          <a:xfrm>
+            <a:off x="5796555" y="1153822"/>
+            <a:ext cx="800219" cy="338554"/>
+          </a:xfrm>
+          <a:prstGeom prst="rect">
+            <a:avLst/>
+          </a:prstGeom>
+        </p:spPr>
+        <p:txBody>
+          <a:bodyPr wrap="none">
+            <a:spAutoFit/>
+          </a:bodyPr>
+          <a:lstStyle/>
+          <a:p>
+            <a:r>
+              <a:rPr lang="zh-CN" altLang="en-US" sz="1600" dirty="0"/>
+              <a:t>优点：</a:t>
+            </a:r>
+            <a:endParaRPr lang="en-US" altLang="zh-CN" sz="1600" dirty="0"/>
+          </a:p>
+        </p:txBody>
+      </p:sp>
+      <p:sp>
+        <p:nvSpPr>
+          <p:cNvPr id="8" name="文本框 7"/>
+          <p:cNvSpPr txBox="1"/>
+          <p:nvPr/>
+        </p:nvSpPr>
+        <p:spPr>
+          <a:xfrm>
+            <a:off x="5796555" y="3102352"/>
+            <a:ext cx="800219" cy="338554"/>
+          </a:xfrm>
+          <a:prstGeom prst="rect">
+            <a:avLst/>
+          </a:prstGeom>
+          <a:noFill/>
+        </p:spPr>
+        <p:txBody>
+          <a:bodyPr wrap="none" rtlCol="0">
+            <a:spAutoFit/>
+          </a:bodyPr>
+          <a:lstStyle/>
+          <a:p>
+            <a:r>
+              <a:rPr lang="zh-CN" altLang="en-US" sz="1600" dirty="0" smtClean="0"/>
+              <a:t>缺点：</a:t>
+            </a:r>
+            <a:endParaRPr lang="zh-CN" altLang="en-US" sz="1600" dirty="0"/>
+          </a:p>
+        </p:txBody>
+      </p:sp>
+      <p:sp>
+        <p:nvSpPr>
+          <p:cNvPr id="9" name="文本框 8"/>
+          <p:cNvSpPr txBox="1"/>
+          <p:nvPr/>
+        </p:nvSpPr>
+        <p:spPr>
+          <a:xfrm>
+            <a:off x="5796555" y="3481222"/>
+            <a:ext cx="3095925" cy="1077218"/>
+          </a:xfrm>
+          <a:prstGeom prst="rect">
+            <a:avLst/>
+          </a:prstGeom>
+          <a:noFill/>
+        </p:spPr>
+        <p:txBody>
+          <a:bodyPr wrap="square" rtlCol="0">
+            <a:spAutoFit/>
+          </a:bodyPr>
+          <a:lstStyle/>
+          <a:p>
+            <a:pPr marL="285750" indent="-285750">
+              <a:buFont typeface="Arial" panose="020B0604020202020204" pitchFamily="34" charset="0"/>
+              <a:buChar char="•"/>
+            </a:pPr>
+            <a:r>
+              <a:rPr lang="zh-CN" altLang="en-US" sz="1600" dirty="0" smtClean="0"/>
+              <a:t>需要成熟的</a:t>
+            </a:r>
+            <a:r>
+              <a:rPr lang="en-US" altLang="zh-CN" sz="1600" dirty="0" smtClean="0"/>
+              <a:t>PaaS</a:t>
+            </a:r>
+            <a:r>
+              <a:rPr lang="zh-CN" altLang="en-US" sz="1600" dirty="0" smtClean="0"/>
+              <a:t>平台支持，增加了额外的运维工作</a:t>
+            </a:r>
+            <a:endParaRPr lang="en-US" altLang="zh-CN" sz="1600" dirty="0"/>
+          </a:p>
+          <a:p>
+            <a:pPr marL="285750" indent="-285750">
+              <a:buFont typeface="Arial" panose="020B0604020202020204" pitchFamily="34" charset="0"/>
+              <a:buChar char="•"/>
+            </a:pPr>
+            <a:r>
+              <a:rPr lang="en-US" altLang="zh-CN" sz="1600" dirty="0" smtClean="0"/>
+              <a:t>Helm</a:t>
+            </a:r>
+            <a:r>
+              <a:rPr lang="zh-CN" altLang="en-US" sz="1600" dirty="0" smtClean="0"/>
+              <a:t>文件需要开发、维护</a:t>
+            </a:r>
+            <a:endParaRPr lang="en-US" altLang="zh-CN" sz="1600" dirty="0" smtClean="0"/>
+          </a:p>
+          <a:p>
+            <a:pPr marL="285750" indent="-285750">
+              <a:buFont typeface="Arial" panose="020B0604020202020204" pitchFamily="34" charset="0"/>
+              <a:buChar char="•"/>
+            </a:pPr>
+            <a:r>
+              <a:rPr lang="en-US" altLang="zh-CN" sz="1600" dirty="0" smtClean="0"/>
+              <a:t>STI</a:t>
+            </a:r>
+            <a:r>
+              <a:rPr lang="zh-CN" altLang="en-US" sz="1600" dirty="0" smtClean="0"/>
+              <a:t>构建镜像需要额外开发</a:t>
+            </a:r>
+            <a:endParaRPr lang="zh-CN" altLang="en-US" dirty="0"/>
+          </a:p>
+        </p:txBody>
+      </p:sp>
+    </p:spTree>
+    <p:extLst>
+      <p:ext uri="{BB962C8B-B14F-4D97-AF65-F5344CB8AC3E}">
+        <p14:creationId xmlns:p14="http://schemas.microsoft.com/office/powerpoint/2010/main" val="2366268110"/>
+      </p:ext>
+    </p:extLst>
+  </p:cSld>
+  <p:clrMapOvr>
+    <a:masterClrMapping/>
+  </p:clrMapOvr>
+  <p:timing>
+    <p:tnLst>
+      <p:par>
+        <p:cTn id="1" dur="indefinite" restart="never" nodeType="tmRoot"/>
+      </p:par>
+    </p:tnLst>
+  </p:timing>
+</p:sld>
+</file>
+
+<file path=ppt/slides/slide26.xml><?xml version="1.0" encoding="utf-8"?>
+<p:sld xmlns:a="http://schemas.openxmlformats.org/drawingml/2006/main" xmlns:r="http://schemas.openxmlformats.org/officeDocument/2006/relationships" xmlns:p="http://schemas.openxmlformats.org/presentationml/2006/main">
+  <p:cSld>
+    <p:spTree>
+      <p:nvGrpSpPr>
+        <p:cNvPr id="1" name=""/>
+        <p:cNvGrpSpPr/>
+        <p:nvPr/>
+      </p:nvGrpSpPr>
+      <p:grpSpPr>
+        <a:xfrm>
+          <a:off x="0" y="0"/>
+          <a:ext cx="0" cy="0"/>
+          <a:chOff x="0" y="0"/>
+          <a:chExt cx="0" cy="0"/>
+        </a:xfrm>
+      </p:grpSpPr>
+      <p:sp>
+        <p:nvSpPr>
+          <p:cNvPr id="4" name="标题 3"/>
+          <p:cNvSpPr>
+            <a:spLocks noGrp="1"/>
+          </p:cNvSpPr>
+          <p:nvPr>
+            <p:ph type="ctrTitle"/>
+          </p:nvPr>
+        </p:nvSpPr>
+        <p:spPr/>
+        <p:txBody>
+          <a:bodyPr>
+            <a:normAutofit/>
+          </a:bodyPr>
+          <a:lstStyle/>
+          <a:p>
+            <a:pPr algn="l"/>
+            <a:r>
+              <a:rPr lang="en-US" altLang="zh-CN" sz="5400" b="1" dirty="0" smtClean="0"/>
+              <a:t>Thank You</a:t>
+            </a:r>
+            <a:endParaRPr lang="zh-CN" altLang="en-US" sz="5400" b="1" dirty="0"/>
+          </a:p>
+        </p:txBody>
+      </p:sp>
+    </p:spTree>
+    <p:extLst>
+      <p:ext uri="{BB962C8B-B14F-4D97-AF65-F5344CB8AC3E}">
+        <p14:creationId xmlns:p14="http://schemas.microsoft.com/office/powerpoint/2010/main" val="118747174"/>
       </p:ext>
     </p:extLst>
   </p:cSld>
@@ -11484,7 +16830,7 @@
         <a:sysClr val="windowText" lastClr="000000"/>
       </a:dk1>
       <a:lt1>
-        <a:sysClr val="window" lastClr="CEEACA"/>
+        <a:sysClr val="window" lastClr="FFFFFF"/>
       </a:lt1>
       <a:dk2>
         <a:srgbClr val="1F497D"/>
@@ -11767,7 +17113,7 @@
         <a:sysClr val="windowText" lastClr="000000"/>
       </a:dk1>
       <a:lt1>
-        <a:sysClr val="window" lastClr="CEEACA"/>
+        <a:sysClr val="window" lastClr="FFFFFF"/>
       </a:lt1>
       <a:dk2>
         <a:srgbClr val="44546A"/>

--- a/OpenStack容器化持续集成与交付实践方案.pptx
+++ b/OpenStack容器化持续集成与交付实践方案.pptx
@@ -5,7 +5,7 @@
     <p:sldMasterId id="2147483648" r:id="rId1"/>
   </p:sldMasterIdLst>
   <p:notesMasterIdLst>
-    <p:notesMasterId r:id="rId28"/>
+    <p:notesMasterId r:id="rId21"/>
   </p:notesMasterIdLst>
   <p:sldIdLst>
     <p:sldId id="256" r:id="rId2"/>
@@ -20,20 +20,13 @@
     <p:sldId id="281" r:id="rId11"/>
     <p:sldId id="283" r:id="rId12"/>
     <p:sldId id="284" r:id="rId13"/>
-    <p:sldId id="266" r:id="rId14"/>
-    <p:sldId id="270" r:id="rId15"/>
-    <p:sldId id="263" r:id="rId16"/>
-    <p:sldId id="272" r:id="rId17"/>
-    <p:sldId id="273" r:id="rId18"/>
-    <p:sldId id="271" r:id="rId19"/>
-    <p:sldId id="285" r:id="rId20"/>
-    <p:sldId id="286" r:id="rId21"/>
-    <p:sldId id="287" r:id="rId22"/>
-    <p:sldId id="288" r:id="rId23"/>
-    <p:sldId id="289" r:id="rId24"/>
-    <p:sldId id="290" r:id="rId25"/>
-    <p:sldId id="291" r:id="rId26"/>
-    <p:sldId id="259" r:id="rId27"/>
+    <p:sldId id="286" r:id="rId14"/>
+    <p:sldId id="287" r:id="rId15"/>
+    <p:sldId id="288" r:id="rId16"/>
+    <p:sldId id="289" r:id="rId17"/>
+    <p:sldId id="290" r:id="rId18"/>
+    <p:sldId id="291" r:id="rId19"/>
+    <p:sldId id="259" r:id="rId20"/>
   </p:sldIdLst>
   <p:sldSz cx="9144000" cy="5143500" type="screen16x9"/>
   <p:notesSz cx="6858000" cy="9144000"/>
@@ -1482,7 +1475,7 @@
     </p:spTree>
     <p:extLst>
       <p:ext uri="{BB962C8B-B14F-4D97-AF65-F5344CB8AC3E}">
-        <p14:creationId xmlns:p14="http://schemas.microsoft.com/office/powerpoint/2010/main" val="3280576656"/>
+        <p14:creationId xmlns:p14="http://schemas.microsoft.com/office/powerpoint/2010/main" val="2153012017"/>
       </p:ext>
     </p:extLst>
   </p:cSld>
@@ -2028,7 +2021,7 @@
     </p:spTree>
     <p:extLst>
       <p:ext uri="{BB962C8B-B14F-4D97-AF65-F5344CB8AC3E}">
-        <p14:creationId xmlns:p14="http://schemas.microsoft.com/office/powerpoint/2010/main" val="1020278377"/>
+        <p14:creationId xmlns:p14="http://schemas.microsoft.com/office/powerpoint/2010/main" val="4056392952"/>
       </p:ext>
     </p:extLst>
   </p:cSld>
@@ -2196,7 +2189,7 @@
     </p:spTree>
     <p:extLst>
       <p:ext uri="{BB962C8B-B14F-4D97-AF65-F5344CB8AC3E}">
-        <p14:creationId xmlns:p14="http://schemas.microsoft.com/office/powerpoint/2010/main" val="2686608799"/>
+        <p14:creationId xmlns:p14="http://schemas.microsoft.com/office/powerpoint/2010/main" val="4038821822"/>
       </p:ext>
     </p:extLst>
   </p:cSld>
@@ -2954,7 +2947,7 @@
     </p:spTree>
     <p:extLst>
       <p:ext uri="{BB962C8B-B14F-4D97-AF65-F5344CB8AC3E}">
-        <p14:creationId xmlns:p14="http://schemas.microsoft.com/office/powerpoint/2010/main" val="3982175546"/>
+        <p14:creationId xmlns:p14="http://schemas.microsoft.com/office/powerpoint/2010/main" val="2476524343"/>
       </p:ext>
     </p:extLst>
   </p:cSld>
@@ -3012,6 +3005,51 @@
               <a:rPr lang="en-US" altLang="zh-CN" dirty="0" smtClean="0"/>
               <a:t>0.5 min</a:t>
             </a:r>
+          </a:p>
+          <a:p>
+            <a:r>
+              <a:rPr lang="zh-CN" altLang="en-US" dirty="0" smtClean="0"/>
+              <a:t>由于是使用</a:t>
+            </a:r>
+            <a:r>
+              <a:rPr lang="en-US" altLang="zh-CN" dirty="0" err="1" smtClean="0"/>
+              <a:t>kolla-kubernetes</a:t>
+            </a:r>
+            <a:r>
+              <a:rPr lang="zh-CN" altLang="en-US" dirty="0" smtClean="0"/>
+              <a:t>项目进行容器化部署到</a:t>
+            </a:r>
+            <a:r>
+              <a:rPr lang="en-US" altLang="zh-CN" dirty="0" err="1" smtClean="0"/>
+              <a:t>openshift</a:t>
+            </a:r>
+            <a:r>
+              <a:rPr lang="zh-CN" altLang="en-US" dirty="0" smtClean="0"/>
+              <a:t>上，所有还需要修改下配置以满足</a:t>
+            </a:r>
+            <a:r>
+              <a:rPr lang="en-US" altLang="zh-CN" dirty="0" err="1" smtClean="0"/>
+              <a:t>openshift</a:t>
+            </a:r>
+            <a:r>
+              <a:rPr lang="zh-CN" altLang="en-US" dirty="0" smtClean="0"/>
+              <a:t>的系统要求，如用户权限方面</a:t>
+            </a:r>
+            <a:endParaRPr lang="en-US" altLang="zh-CN" dirty="0" smtClean="0"/>
+          </a:p>
+          <a:p>
+            <a:r>
+              <a:rPr lang="zh-CN" altLang="en-US" dirty="0" smtClean="0"/>
+              <a:t>项目本身存在的一些问题，需要在安装部署时按需调整，如</a:t>
+            </a:r>
+            <a:r>
+              <a:rPr lang="en-US" altLang="zh-CN" dirty="0" err="1" smtClean="0"/>
+              <a:t>mariadb</a:t>
+            </a:r>
+            <a:r>
+              <a:rPr lang="zh-CN" altLang="en-US" dirty="0" smtClean="0"/>
+              <a:t>配置文件</a:t>
+            </a:r>
             <a:endParaRPr lang="zh-CN" altLang="en-US" dirty="0"/>
           </a:p>
         </p:txBody>
@@ -3042,7 +3080,7 @@
     </p:spTree>
     <p:extLst>
       <p:ext uri="{BB962C8B-B14F-4D97-AF65-F5344CB8AC3E}">
-        <p14:creationId xmlns:p14="http://schemas.microsoft.com/office/powerpoint/2010/main" val="3380765413"/>
+        <p14:creationId xmlns:p14="http://schemas.microsoft.com/office/powerpoint/2010/main" val="631202213"/>
       </p:ext>
     </p:extLst>
   </p:cSld>
@@ -3170,23 +3208,23 @@
             </a:r>
             <a:r>
               <a:rPr lang="zh-CN" altLang="en-US" dirty="0" smtClean="0"/>
-              <a:t>方式，完全使用</a:t>
-            </a:r>
-            <a:r>
-              <a:rPr lang="en-US" altLang="zh-CN" dirty="0" smtClean="0"/>
-              <a:t>Jenkins</a:t>
-            </a:r>
-            <a:r>
-              <a:rPr lang="zh-CN" altLang="en-US" dirty="0" smtClean="0"/>
-              <a:t>完成，使用容器或</a:t>
+              <a:t>方式，使用</a:t>
+            </a:r>
+            <a:r>
+              <a:rPr lang="en-US" altLang="zh-CN" dirty="0" smtClean="0"/>
+              <a:t>Jenkins+</a:t>
+            </a:r>
+            <a:r>
+              <a:rPr lang="zh-CN" altLang="en-US" dirty="0" smtClean="0"/>
+              <a:t>定时任务完成，使用容器或</a:t>
             </a:r>
             <a:r>
               <a:rPr lang="en-US" altLang="zh-CN" dirty="0" smtClean="0"/>
               <a:t>shell</a:t>
             </a:r>
             <a:r>
-              <a:rPr lang="zh-CN" altLang="en-US" dirty="0" smtClean="0"/>
-              <a:t>完成。缺点：繁重不易修改</a:t>
+              <a:rPr lang="zh-CN" altLang="en-US" smtClean="0"/>
+              <a:t>完成，可满足业务的自定义需求。缺点：不易维护、排错困难</a:t>
             </a:r>
             <a:endParaRPr lang="en-US" altLang="zh-CN" dirty="0" smtClean="0"/>
           </a:p>
@@ -3399,291 +3437,7 @@
     </p:spTree>
     <p:extLst>
       <p:ext uri="{BB962C8B-B14F-4D97-AF65-F5344CB8AC3E}">
-        <p14:creationId xmlns:p14="http://schemas.microsoft.com/office/powerpoint/2010/main" val="2975398271"/>
-      </p:ext>
-    </p:extLst>
-  </p:cSld>
-  <p:clrMapOvr>
-    <a:masterClrMapping/>
-  </p:clrMapOvr>
-</p:notes>
-</file>
-
-<file path=ppt/notesSlides/notesSlide19.xml><?xml version="1.0" encoding="utf-8"?>
-<p:notes xmlns:a="http://schemas.openxmlformats.org/drawingml/2006/main" xmlns:r="http://schemas.openxmlformats.org/officeDocument/2006/relationships" xmlns:p="http://schemas.openxmlformats.org/presentationml/2006/main">
-  <p:cSld>
-    <p:spTree>
-      <p:nvGrpSpPr>
-        <p:cNvPr id="1" name=""/>
-        <p:cNvGrpSpPr/>
-        <p:nvPr/>
-      </p:nvGrpSpPr>
-      <p:grpSpPr>
-        <a:xfrm>
-          <a:off x="0" y="0"/>
-          <a:ext cx="0" cy="0"/>
-          <a:chOff x="0" y="0"/>
-          <a:chExt cx="0" cy="0"/>
-        </a:xfrm>
-      </p:grpSpPr>
-      <p:sp>
-        <p:nvSpPr>
-          <p:cNvPr id="2" name="幻灯片图像占位符 1"/>
-          <p:cNvSpPr>
-            <a:spLocks noGrp="1" noRot="1" noChangeAspect="1"/>
-          </p:cNvSpPr>
-          <p:nvPr>
-            <p:ph type="sldImg"/>
-          </p:nvPr>
-        </p:nvSpPr>
-        <p:spPr/>
-      </p:sp>
-      <p:sp>
-        <p:nvSpPr>
-          <p:cNvPr id="3" name="备注占位符 2"/>
-          <p:cNvSpPr>
-            <a:spLocks noGrp="1"/>
-          </p:cNvSpPr>
-          <p:nvPr>
-            <p:ph type="body" idx="1"/>
-          </p:nvPr>
-        </p:nvSpPr>
-        <p:spPr/>
-        <p:txBody>
-          <a:bodyPr/>
-          <a:lstStyle/>
-          <a:p>
-            <a:r>
-              <a:rPr lang="zh-CN" altLang="en-US" dirty="0" smtClean="0"/>
-              <a:t>这是我们公司目前采用的</a:t>
-            </a:r>
-            <a:r>
-              <a:rPr lang="en-US" altLang="zh-CN" dirty="0" smtClean="0"/>
-              <a:t>CI/CD</a:t>
-            </a:r>
-            <a:r>
-              <a:rPr lang="zh-CN" altLang="en-US" dirty="0" smtClean="0"/>
-              <a:t>流程：</a:t>
-            </a:r>
-            <a:endParaRPr lang="en-US" altLang="zh-CN" dirty="0" smtClean="0"/>
-          </a:p>
-          <a:p>
-            <a:r>
-              <a:rPr lang="en-US" altLang="zh-CN" dirty="0" smtClean="0"/>
-              <a:t>1.Gitlab</a:t>
-            </a:r>
-            <a:r>
-              <a:rPr lang="zh-CN" altLang="en-US" dirty="0" smtClean="0"/>
-              <a:t>代码有</a:t>
-            </a:r>
-            <a:r>
-              <a:rPr lang="en-US" altLang="zh-CN" dirty="0" smtClean="0"/>
-              <a:t>commit</a:t>
-            </a:r>
-            <a:r>
-              <a:rPr lang="zh-CN" altLang="en-US" dirty="0" smtClean="0"/>
-              <a:t>时，触发</a:t>
-            </a:r>
-            <a:r>
-              <a:rPr lang="en-US" altLang="zh-CN" dirty="0" err="1" smtClean="0"/>
-              <a:t>webhook</a:t>
-            </a:r>
-            <a:r>
-              <a:rPr lang="zh-CN" altLang="en-US" dirty="0" smtClean="0"/>
-              <a:t>，告知</a:t>
-            </a:r>
-            <a:r>
-              <a:rPr lang="en-US" altLang="zh-CN" dirty="0" smtClean="0"/>
-              <a:t>Jenkins</a:t>
-            </a:r>
-          </a:p>
-          <a:p>
-            <a:r>
-              <a:rPr lang="en-US" altLang="zh-CN" dirty="0" smtClean="0"/>
-              <a:t>2.Jenkins</a:t>
-            </a:r>
-            <a:r>
-              <a:rPr lang="zh-CN" altLang="en-US" dirty="0" smtClean="0"/>
-              <a:t>实现校验代码更新，并记录那些服务组件有更新</a:t>
-            </a:r>
-            <a:endParaRPr lang="en-US" altLang="zh-CN" dirty="0" smtClean="0"/>
-          </a:p>
-          <a:p>
-            <a:r>
-              <a:rPr lang="en-US" altLang="zh-CN" dirty="0" smtClean="0"/>
-              <a:t>3.Jenkins</a:t>
-            </a:r>
-            <a:r>
-              <a:rPr lang="zh-CN" altLang="en-US" dirty="0" smtClean="0"/>
-              <a:t>系统之外的主机设置定时任务获取服务更新目录</a:t>
-            </a:r>
-            <a:endParaRPr lang="en-US" altLang="zh-CN" dirty="0" smtClean="0"/>
-          </a:p>
-          <a:p>
-            <a:r>
-              <a:rPr lang="en-US" altLang="zh-CN" dirty="0" smtClean="0"/>
-              <a:t>4.</a:t>
-            </a:r>
-            <a:r>
-              <a:rPr lang="zh-CN" altLang="en-US" dirty="0" smtClean="0"/>
-              <a:t>对于有更新的服务组件进行</a:t>
-            </a:r>
-            <a:r>
-              <a:rPr lang="en-US" altLang="zh-CN" dirty="0" err="1" smtClean="0"/>
-              <a:t>push+redeploy</a:t>
-            </a:r>
-            <a:r>
-              <a:rPr lang="zh-CN" altLang="en-US" dirty="0" smtClean="0"/>
-              <a:t>操作。</a:t>
-            </a:r>
-            <a:endParaRPr lang="en-US" altLang="zh-CN" dirty="0" smtClean="0"/>
-          </a:p>
-          <a:p>
-            <a:r>
-              <a:rPr lang="zh-CN" altLang="en-US" dirty="0" smtClean="0"/>
-              <a:t>问题：</a:t>
-            </a:r>
-            <a:endParaRPr lang="en-US" altLang="zh-CN" dirty="0" smtClean="0"/>
-          </a:p>
-          <a:p>
-            <a:r>
-              <a:rPr lang="en-US" altLang="zh-CN" dirty="0" smtClean="0"/>
-              <a:t>1.</a:t>
-            </a:r>
-            <a:r>
-              <a:rPr lang="zh-CN" altLang="en-US" dirty="0" smtClean="0"/>
-              <a:t>整个流程由</a:t>
-            </a:r>
-            <a:r>
-              <a:rPr lang="en-US" altLang="zh-CN" dirty="0" smtClean="0"/>
-              <a:t>Jenkins+</a:t>
-            </a:r>
-            <a:r>
-              <a:rPr lang="zh-CN" altLang="en-US" dirty="0" smtClean="0"/>
-              <a:t>定时任务主机</a:t>
-            </a:r>
-            <a:r>
-              <a:rPr lang="en-US" altLang="zh-CN" dirty="0" smtClean="0"/>
-              <a:t>/</a:t>
-            </a:r>
-            <a:r>
-              <a:rPr lang="en-US" altLang="zh-CN" dirty="0" err="1" smtClean="0"/>
-              <a:t>ansible</a:t>
-            </a:r>
-            <a:r>
-              <a:rPr lang="zh-CN" altLang="en-US" dirty="0" smtClean="0"/>
-              <a:t>节点</a:t>
-            </a:r>
-            <a:r>
-              <a:rPr lang="en-US" altLang="zh-CN" dirty="0" smtClean="0"/>
-              <a:t>+</a:t>
-            </a:r>
-            <a:r>
-              <a:rPr lang="zh-CN" altLang="en-US" dirty="0" smtClean="0"/>
-              <a:t>部署后的</a:t>
-            </a:r>
-            <a:r>
-              <a:rPr lang="en-US" altLang="zh-CN" dirty="0" smtClean="0"/>
-              <a:t>OpenStack</a:t>
-            </a:r>
-            <a:r>
-              <a:rPr lang="zh-CN" altLang="en-US" dirty="0" smtClean="0"/>
-              <a:t>集群，跨平台不易管理</a:t>
-            </a:r>
-            <a:endParaRPr lang="en-US" altLang="zh-CN" dirty="0" smtClean="0"/>
-          </a:p>
-          <a:p>
-            <a:r>
-              <a:rPr lang="en-US" altLang="zh-CN" dirty="0" smtClean="0"/>
-              <a:t>2.</a:t>
-            </a:r>
-            <a:r>
-              <a:rPr lang="zh-CN" altLang="en-US" dirty="0" smtClean="0"/>
-              <a:t>整个流程中通过分布在不同节点上的</a:t>
-            </a:r>
-            <a:r>
-              <a:rPr lang="en-US" altLang="zh-CN" dirty="0" smtClean="0"/>
-              <a:t>shell</a:t>
-            </a:r>
-            <a:r>
-              <a:rPr lang="zh-CN" altLang="en-US" dirty="0" smtClean="0"/>
-              <a:t>脚本控制，没有统一规范。</a:t>
-            </a:r>
-            <a:endParaRPr lang="en-US" altLang="zh-CN" dirty="0" smtClean="0"/>
-          </a:p>
-          <a:p>
-            <a:r>
-              <a:rPr lang="en-US" altLang="zh-CN" dirty="0" smtClean="0"/>
-              <a:t>3.</a:t>
-            </a:r>
-            <a:r>
-              <a:rPr lang="zh-CN" altLang="en-US" dirty="0" smtClean="0"/>
-              <a:t>依赖定时任务，不是真正意义上的</a:t>
-            </a:r>
-            <a:r>
-              <a:rPr lang="en-US" altLang="zh-CN" dirty="0" smtClean="0"/>
-              <a:t>CI/CD</a:t>
-            </a:r>
-          </a:p>
-          <a:p>
-            <a:r>
-              <a:rPr lang="en-US" altLang="zh-CN" dirty="0" smtClean="0"/>
-              <a:t>4.</a:t>
-            </a:r>
-            <a:r>
-              <a:rPr lang="zh-CN" altLang="en-US" dirty="0" smtClean="0"/>
-              <a:t>没有版本管理，无法升级和回滚</a:t>
-            </a:r>
-            <a:endParaRPr lang="en-US" altLang="zh-CN" dirty="0" smtClean="0"/>
-          </a:p>
-          <a:p>
-            <a:r>
-              <a:rPr lang="en-US" altLang="zh-CN" dirty="0" smtClean="0"/>
-              <a:t>5.</a:t>
-            </a:r>
-            <a:r>
-              <a:rPr lang="zh-CN" altLang="en-US" dirty="0" smtClean="0"/>
-              <a:t>部署后的</a:t>
-            </a:r>
-            <a:r>
-              <a:rPr lang="en-US" altLang="zh-CN" dirty="0" smtClean="0"/>
-              <a:t>OpenStack</a:t>
-            </a:r>
-            <a:r>
-              <a:rPr lang="zh-CN" altLang="en-US" dirty="0" smtClean="0"/>
-              <a:t>集群没有监控支持</a:t>
-            </a:r>
-            <a:endParaRPr lang="zh-CN" altLang="en-US" dirty="0"/>
-          </a:p>
-        </p:txBody>
-      </p:sp>
-      <p:sp>
-        <p:nvSpPr>
-          <p:cNvPr id="4" name="灯片编号占位符 3"/>
-          <p:cNvSpPr>
-            <a:spLocks noGrp="1"/>
-          </p:cNvSpPr>
-          <p:nvPr>
-            <p:ph type="sldNum" sz="quarter" idx="10"/>
-          </p:nvPr>
-        </p:nvSpPr>
-        <p:spPr/>
-        <p:txBody>
-          <a:bodyPr/>
-          <a:lstStyle/>
-          <a:p>
-            <a:fld id="{A5880B28-9EFC-4886-B758-D4B847183D21}" type="slidenum">
-              <a:rPr lang="zh-CN" altLang="en-US" smtClean="0"/>
-              <a:t>19</a:t>
-            </a:fld>
-            <a:endParaRPr lang="zh-CN" altLang="en-US"/>
-          </a:p>
-        </p:txBody>
-      </p:sp>
-    </p:spTree>
-    <p:extLst>
-      <p:ext uri="{BB962C8B-B14F-4D97-AF65-F5344CB8AC3E}">
-        <p14:creationId xmlns:p14="http://schemas.microsoft.com/office/powerpoint/2010/main" val="269569032"/>
+        <p14:creationId xmlns:p14="http://schemas.microsoft.com/office/powerpoint/2010/main" val="257368055"/>
       </p:ext>
     </p:extLst>
   </p:cSld>
@@ -3812,2176 +3566,6 @@
     <p:extLst>
       <p:ext uri="{BB962C8B-B14F-4D97-AF65-F5344CB8AC3E}">
         <p14:creationId xmlns:p14="http://schemas.microsoft.com/office/powerpoint/2010/main" val="1152524297"/>
-      </p:ext>
-    </p:extLst>
-  </p:cSld>
-  <p:clrMapOvr>
-    <a:masterClrMapping/>
-  </p:clrMapOvr>
-</p:notes>
-</file>
-
-<file path=ppt/notesSlides/notesSlide20.xml><?xml version="1.0" encoding="utf-8"?>
-<p:notes xmlns:a="http://schemas.openxmlformats.org/drawingml/2006/main" xmlns:r="http://schemas.openxmlformats.org/officeDocument/2006/relationships" xmlns:p="http://schemas.openxmlformats.org/presentationml/2006/main">
-  <p:cSld>
-    <p:spTree>
-      <p:nvGrpSpPr>
-        <p:cNvPr id="1" name=""/>
-        <p:cNvGrpSpPr/>
-        <p:nvPr/>
-      </p:nvGrpSpPr>
-      <p:grpSpPr>
-        <a:xfrm>
-          <a:off x="0" y="0"/>
-          <a:ext cx="0" cy="0"/>
-          <a:chOff x="0" y="0"/>
-          <a:chExt cx="0" cy="0"/>
-        </a:xfrm>
-      </p:grpSpPr>
-      <p:sp>
-        <p:nvSpPr>
-          <p:cNvPr id="2" name="幻灯片图像占位符 1"/>
-          <p:cNvSpPr>
-            <a:spLocks noGrp="1" noRot="1" noChangeAspect="1"/>
-          </p:cNvSpPr>
-          <p:nvPr>
-            <p:ph type="sldImg"/>
-          </p:nvPr>
-        </p:nvSpPr>
-        <p:spPr/>
-      </p:sp>
-      <p:sp>
-        <p:nvSpPr>
-          <p:cNvPr id="3" name="备注占位符 2"/>
-          <p:cNvSpPr>
-            <a:spLocks noGrp="1"/>
-          </p:cNvSpPr>
-          <p:nvPr>
-            <p:ph type="body" idx="1"/>
-          </p:nvPr>
-        </p:nvSpPr>
-        <p:spPr/>
-        <p:txBody>
-          <a:bodyPr/>
-          <a:lstStyle/>
-          <a:p>
-            <a:r>
-              <a:rPr lang="en-US" altLang="zh-CN" dirty="0" smtClean="0"/>
-              <a:t>2 min</a:t>
-            </a:r>
-          </a:p>
-          <a:p>
-            <a:pPr marL="228600" indent="-228600">
-              <a:buAutoNum type="arabicPeriod"/>
-            </a:pPr>
-            <a:r>
-              <a:rPr lang="zh-CN" altLang="en-US" dirty="0" smtClean="0"/>
-              <a:t>先大概介绍</a:t>
-            </a:r>
-            <a:r>
-              <a:rPr lang="en-US" altLang="zh-CN" dirty="0" err="1" smtClean="0"/>
-              <a:t>kubernetes</a:t>
-            </a:r>
-            <a:endParaRPr lang="en-US" altLang="zh-CN" dirty="0" smtClean="0"/>
-          </a:p>
-          <a:p>
-            <a:pPr marL="228600" indent="-228600">
-              <a:buAutoNum type="arabicPeriod"/>
-            </a:pPr>
-            <a:r>
-              <a:rPr lang="en-US" altLang="zh-CN" dirty="0" smtClean="0"/>
-              <a:t>Kubernetes</a:t>
-            </a:r>
-            <a:r>
-              <a:rPr lang="zh-CN" altLang="en-US" dirty="0" smtClean="0"/>
-              <a:t>与</a:t>
-            </a:r>
-            <a:r>
-              <a:rPr lang="en-US" altLang="zh-CN" dirty="0" smtClean="0"/>
-              <a:t>OpenStack</a:t>
-            </a:r>
-            <a:r>
-              <a:rPr lang="zh-CN" altLang="en-US" dirty="0" smtClean="0"/>
-              <a:t>结合</a:t>
-            </a:r>
-            <a:endParaRPr lang="en-US" altLang="zh-CN" dirty="0" smtClean="0"/>
-          </a:p>
-          <a:p>
-            <a:r>
-              <a:rPr lang="zh-CN" altLang="en-US" dirty="0" smtClean="0"/>
-              <a:t>作为应用程序运行：天然的使用</a:t>
-            </a:r>
-            <a:r>
-              <a:rPr lang="en-US" altLang="zh-CN" dirty="0" err="1" smtClean="0"/>
-              <a:t>kubernetes</a:t>
-            </a:r>
-            <a:r>
-              <a:rPr lang="zh-CN" altLang="en-US" dirty="0" smtClean="0"/>
-              <a:t>提供的各种功能</a:t>
-            </a:r>
-            <a:endParaRPr lang="en-US" altLang="zh-CN" dirty="0" smtClean="0"/>
-          </a:p>
-          <a:p>
-            <a:r>
-              <a:rPr lang="en-US" altLang="zh-CN" dirty="0" err="1" smtClean="0"/>
-              <a:t>Openstack</a:t>
-            </a:r>
-            <a:r>
-              <a:rPr lang="en-US" altLang="zh-CN" dirty="0" smtClean="0"/>
-              <a:t> </a:t>
-            </a:r>
-            <a:r>
-              <a:rPr lang="zh-CN" altLang="en-US" dirty="0" smtClean="0"/>
-              <a:t>利用</a:t>
-            </a:r>
-            <a:r>
-              <a:rPr lang="en-US" altLang="zh-CN" dirty="0" smtClean="0"/>
-              <a:t>PAAS</a:t>
-            </a:r>
-            <a:r>
-              <a:rPr lang="zh-CN" altLang="en-US" dirty="0" smtClean="0"/>
-              <a:t>平台的容器管理功能，健康检查、弹性伸缩、部署策略、节点调度、利用</a:t>
-            </a:r>
-            <a:r>
-              <a:rPr lang="en-US" altLang="zh-CN" dirty="0" smtClean="0"/>
-              <a:t>pipeline</a:t>
-            </a:r>
-            <a:r>
-              <a:rPr lang="zh-CN" altLang="en-US" dirty="0" smtClean="0"/>
-              <a:t>实现</a:t>
-            </a:r>
-            <a:r>
-              <a:rPr lang="en-US" altLang="zh-CN" dirty="0" smtClean="0"/>
-              <a:t>CI/CD</a:t>
-            </a:r>
-            <a:r>
-              <a:rPr lang="zh-CN" altLang="en-US" dirty="0" smtClean="0"/>
-              <a:t>，提高开发运维效率</a:t>
-            </a:r>
-            <a:endParaRPr lang="en-US" altLang="zh-CN" dirty="0" smtClean="0"/>
-          </a:p>
-          <a:p>
-            <a:r>
-              <a:rPr lang="en-US" altLang="zh-CN" dirty="0" smtClean="0"/>
-              <a:t>Kubernetes </a:t>
-            </a:r>
-            <a:r>
-              <a:rPr lang="zh-CN" altLang="en-US" dirty="0" smtClean="0"/>
-              <a:t>利用 </a:t>
-            </a:r>
-            <a:r>
-              <a:rPr lang="en-US" altLang="zh-CN" dirty="0" err="1" smtClean="0"/>
-              <a:t>openstack</a:t>
-            </a:r>
-            <a:r>
-              <a:rPr lang="en-US" altLang="zh-CN" baseline="0" dirty="0" smtClean="0"/>
-              <a:t> </a:t>
-            </a:r>
-            <a:r>
-              <a:rPr lang="zh-CN" altLang="en-US" baseline="0" dirty="0" smtClean="0"/>
-              <a:t>裸机管理功能实现对裸机设备的纳管</a:t>
-            </a:r>
-            <a:endParaRPr lang="en-US" altLang="zh-CN" dirty="0" smtClean="0"/>
-          </a:p>
-        </p:txBody>
-      </p:sp>
-      <p:sp>
-        <p:nvSpPr>
-          <p:cNvPr id="4" name="灯片编号占位符 3"/>
-          <p:cNvSpPr>
-            <a:spLocks noGrp="1"/>
-          </p:cNvSpPr>
-          <p:nvPr>
-            <p:ph type="sldNum" sz="quarter" idx="10"/>
-          </p:nvPr>
-        </p:nvSpPr>
-        <p:spPr/>
-        <p:txBody>
-          <a:bodyPr/>
-          <a:lstStyle/>
-          <a:p>
-            <a:fld id="{A5880B28-9EFC-4886-B758-D4B847183D21}" type="slidenum">
-              <a:rPr lang="zh-CN" altLang="en-US" smtClean="0"/>
-              <a:t>20</a:t>
-            </a:fld>
-            <a:endParaRPr lang="zh-CN" altLang="en-US"/>
-          </a:p>
-        </p:txBody>
-      </p:sp>
-    </p:spTree>
-    <p:extLst>
-      <p:ext uri="{BB962C8B-B14F-4D97-AF65-F5344CB8AC3E}">
-        <p14:creationId xmlns:p14="http://schemas.microsoft.com/office/powerpoint/2010/main" val="2153012017"/>
-      </p:ext>
-    </p:extLst>
-  </p:cSld>
-  <p:clrMapOvr>
-    <a:masterClrMapping/>
-  </p:clrMapOvr>
-</p:notes>
-</file>
-
-<file path=ppt/notesSlides/notesSlide21.xml><?xml version="1.0" encoding="utf-8"?>
-<p:notes xmlns:a="http://schemas.openxmlformats.org/drawingml/2006/main" xmlns:r="http://schemas.openxmlformats.org/officeDocument/2006/relationships" xmlns:p="http://schemas.openxmlformats.org/presentationml/2006/main">
-  <p:cSld>
-    <p:spTree>
-      <p:nvGrpSpPr>
-        <p:cNvPr id="1" name=""/>
-        <p:cNvGrpSpPr/>
-        <p:nvPr/>
-      </p:nvGrpSpPr>
-      <p:grpSpPr>
-        <a:xfrm>
-          <a:off x="0" y="0"/>
-          <a:ext cx="0" cy="0"/>
-          <a:chOff x="0" y="0"/>
-          <a:chExt cx="0" cy="0"/>
-        </a:xfrm>
-      </p:grpSpPr>
-      <p:sp>
-        <p:nvSpPr>
-          <p:cNvPr id="2" name="幻灯片图像占位符 1"/>
-          <p:cNvSpPr>
-            <a:spLocks noGrp="1" noRot="1" noChangeAspect="1"/>
-          </p:cNvSpPr>
-          <p:nvPr>
-            <p:ph type="sldImg"/>
-          </p:nvPr>
-        </p:nvSpPr>
-        <p:spPr/>
-      </p:sp>
-      <p:sp>
-        <p:nvSpPr>
-          <p:cNvPr id="3" name="备注占位符 2"/>
-          <p:cNvSpPr>
-            <a:spLocks noGrp="1"/>
-          </p:cNvSpPr>
-          <p:nvPr>
-            <p:ph type="body" idx="1"/>
-          </p:nvPr>
-        </p:nvSpPr>
-        <p:spPr/>
-        <p:txBody>
-          <a:bodyPr/>
-          <a:lstStyle/>
-          <a:p>
-            <a:pPr marL="0" marR="0" lvl="0" indent="0" algn="l" defTabSz="914400" rtl="0" eaLnBrk="1" fontAlgn="auto" latinLnBrk="0" hangingPunct="1">
-              <a:lnSpc>
-                <a:spcPct val="100000"/>
-              </a:lnSpc>
-              <a:spcBef>
-                <a:spcPts val="0"/>
-              </a:spcBef>
-              <a:spcAft>
-                <a:spcPts val="0"/>
-              </a:spcAft>
-              <a:buClrTx/>
-              <a:buSzTx/>
-              <a:buFontTx/>
-              <a:buNone/>
-              <a:tabLst/>
-              <a:defRPr/>
-            </a:pPr>
-            <a:r>
-              <a:rPr lang="en-US" altLang="zh-CN" dirty="0" smtClean="0"/>
-              <a:t>3 min </a:t>
-            </a:r>
-            <a:r>
-              <a:rPr lang="en-US" altLang="zh-CN" dirty="0" err="1" smtClean="0"/>
-              <a:t>kolla-kubernetes</a:t>
-            </a:r>
-            <a:r>
-              <a:rPr lang="zh-CN" altLang="en-US" dirty="0" smtClean="0"/>
-              <a:t>结构分析</a:t>
-            </a:r>
-            <a:endParaRPr lang="en-US" altLang="zh-CN" dirty="0" smtClean="0"/>
-          </a:p>
-          <a:p>
-            <a:endParaRPr lang="en-US" altLang="zh-CN" dirty="0" smtClean="0"/>
-          </a:p>
-          <a:p>
-            <a:r>
-              <a:rPr lang="en-US" altLang="zh-CN" dirty="0" err="1" smtClean="0"/>
-              <a:t>Kolla-kubernetes</a:t>
-            </a:r>
-            <a:r>
-              <a:rPr lang="zh-CN" altLang="en-US" dirty="0" smtClean="0"/>
-              <a:t>使用新的软件管理和配置管理机制</a:t>
-            </a:r>
-            <a:r>
-              <a:rPr lang="en-US" altLang="zh-CN" dirty="0" smtClean="0"/>
-              <a:t>HELM </a:t>
-            </a:r>
-          </a:p>
-          <a:p>
-            <a:r>
-              <a:rPr lang="zh-CN" altLang="en-US" dirty="0" smtClean="0"/>
-              <a:t>可同时定义多种</a:t>
-            </a:r>
-            <a:r>
-              <a:rPr lang="en-US" altLang="zh-CN" dirty="0" smtClean="0"/>
-              <a:t>K8S</a:t>
-            </a:r>
-            <a:r>
-              <a:rPr lang="zh-CN" altLang="en-US" dirty="0" smtClean="0"/>
-              <a:t>资源</a:t>
-            </a:r>
-            <a:r>
-              <a:rPr lang="en-US" altLang="zh-CN" dirty="0" smtClean="0"/>
-              <a:t>job/</a:t>
-            </a:r>
-            <a:r>
-              <a:rPr lang="en-US" altLang="zh-CN" dirty="0" err="1" smtClean="0"/>
-              <a:t>statefulset</a:t>
-            </a:r>
-            <a:r>
-              <a:rPr lang="en-US" altLang="zh-CN" dirty="0" smtClean="0"/>
-              <a:t>/</a:t>
-            </a:r>
-            <a:r>
-              <a:rPr lang="en-US" altLang="zh-CN" dirty="0" err="1" smtClean="0"/>
-              <a:t>init</a:t>
-            </a:r>
-            <a:r>
-              <a:rPr lang="en-US" altLang="zh-CN" dirty="0" smtClean="0"/>
-              <a:t>-container</a:t>
-            </a:r>
-            <a:r>
-              <a:rPr lang="zh-CN" altLang="en-US" dirty="0" smtClean="0"/>
-              <a:t>，通过这些资源管理</a:t>
-            </a:r>
-            <a:r>
-              <a:rPr lang="en-US" altLang="zh-CN" dirty="0" smtClean="0"/>
-              <a:t>pod</a:t>
-            </a:r>
-            <a:r>
-              <a:rPr lang="zh-CN" altLang="en-US" dirty="0" smtClean="0"/>
-              <a:t>的生命周期</a:t>
-            </a:r>
-            <a:endParaRPr lang="en-US" altLang="zh-CN" dirty="0" smtClean="0"/>
-          </a:p>
-          <a:p>
-            <a:r>
-              <a:rPr lang="zh-CN" altLang="en-US" dirty="0" smtClean="0"/>
-              <a:t>定义的资源文件支持参数化，可使用</a:t>
-            </a:r>
-            <a:r>
-              <a:rPr lang="en-US" altLang="zh-CN" dirty="0" smtClean="0"/>
-              <a:t>jinjia2</a:t>
-            </a:r>
-            <a:r>
-              <a:rPr lang="zh-CN" altLang="en-US" dirty="0" smtClean="0"/>
-              <a:t>渲染文件格式；</a:t>
-            </a:r>
-            <a:r>
-              <a:rPr lang="en-US" altLang="zh-CN" dirty="0" smtClean="0"/>
-              <a:t>chart</a:t>
-            </a:r>
-            <a:r>
-              <a:rPr lang="zh-CN" altLang="en-US" dirty="0" smtClean="0"/>
-              <a:t>之间可以互相引用复用；</a:t>
-            </a:r>
-            <a:endParaRPr lang="en-US" altLang="zh-CN" dirty="0" smtClean="0"/>
-          </a:p>
-          <a:p>
-            <a:r>
-              <a:rPr lang="en-US" altLang="zh-CN" dirty="0" smtClean="0"/>
-              <a:t>helm</a:t>
-            </a:r>
-            <a:r>
-              <a:rPr lang="zh-CN" altLang="en-US" dirty="0" smtClean="0"/>
-              <a:t>支持应用版本管理，如</a:t>
-            </a:r>
-            <a:r>
-              <a:rPr lang="en-US" altLang="zh-CN" dirty="0" err="1" smtClean="0"/>
-              <a:t>docker</a:t>
-            </a:r>
-            <a:r>
-              <a:rPr lang="en-US" altLang="zh-CN" dirty="0" smtClean="0"/>
-              <a:t> history</a:t>
-            </a:r>
-          </a:p>
-          <a:p>
-            <a:pPr marL="0" marR="0" lvl="0" indent="0" algn="l" defTabSz="914400" rtl="0" eaLnBrk="1" fontAlgn="auto" latinLnBrk="0" hangingPunct="1">
-              <a:lnSpc>
-                <a:spcPct val="100000"/>
-              </a:lnSpc>
-              <a:spcBef>
-                <a:spcPts val="0"/>
-              </a:spcBef>
-              <a:spcAft>
-                <a:spcPts val="0"/>
-              </a:spcAft>
-              <a:buClrTx/>
-              <a:buSzTx/>
-              <a:buFontTx/>
-              <a:buNone/>
-              <a:tabLst/>
-              <a:defRPr/>
-            </a:pPr>
-            <a:endParaRPr lang="en-US" altLang="zh-CN" dirty="0" smtClean="0"/>
-          </a:p>
-          <a:p>
-            <a:pPr marL="0" marR="0" lvl="0" indent="0" algn="l" defTabSz="914400" rtl="0" eaLnBrk="1" fontAlgn="auto" latinLnBrk="0" hangingPunct="1">
-              <a:lnSpc>
-                <a:spcPct val="100000"/>
-              </a:lnSpc>
-              <a:spcBef>
-                <a:spcPts val="0"/>
-              </a:spcBef>
-              <a:spcAft>
-                <a:spcPts val="0"/>
-              </a:spcAft>
-              <a:buClrTx/>
-              <a:buSzTx/>
-              <a:buFontTx/>
-              <a:buNone/>
-              <a:tabLst/>
-              <a:defRPr/>
-            </a:pPr>
-            <a:r>
-              <a:rPr lang="zh-CN" altLang="en-US" dirty="0" smtClean="0"/>
-              <a:t>微服务化原则：流程可视化</a:t>
-            </a:r>
-            <a:r>
-              <a:rPr lang="en-US" altLang="zh-CN" dirty="0" smtClean="0"/>
-              <a:t>(</a:t>
-            </a:r>
-            <a:r>
-              <a:rPr lang="zh-CN" altLang="en-US" dirty="0" smtClean="0"/>
-              <a:t>关键步骤可见</a:t>
-            </a:r>
-            <a:r>
-              <a:rPr lang="en-US" altLang="zh-CN" dirty="0" smtClean="0"/>
-              <a:t>)</a:t>
-            </a:r>
-            <a:r>
-              <a:rPr lang="zh-CN" altLang="en-US" dirty="0" smtClean="0"/>
-              <a:t>、低耦合、可复用、明确依赖关系</a:t>
-            </a:r>
-            <a:r>
-              <a:rPr lang="en-US" altLang="zh-CN" dirty="0" smtClean="0"/>
-              <a:t>(neutron server &gt; </a:t>
-            </a:r>
-            <a:r>
-              <a:rPr lang="en-US" altLang="zh-CN" dirty="0" err="1" smtClean="0"/>
-              <a:t>mariadb</a:t>
-            </a:r>
-            <a:r>
-              <a:rPr lang="zh-CN" altLang="en-US" dirty="0" smtClean="0"/>
-              <a:t>、</a:t>
-            </a:r>
-            <a:r>
-              <a:rPr lang="en-US" altLang="zh-CN" dirty="0" smtClean="0"/>
-              <a:t>keystone</a:t>
-            </a:r>
-            <a:r>
-              <a:rPr lang="zh-CN" altLang="en-US" dirty="0" smtClean="0"/>
-              <a:t>、</a:t>
-            </a:r>
-            <a:r>
-              <a:rPr lang="en-US" altLang="zh-CN" dirty="0" smtClean="0"/>
-              <a:t>users</a:t>
-            </a:r>
-            <a:r>
-              <a:rPr lang="zh-CN" altLang="en-US" dirty="0" smtClean="0"/>
-              <a:t>、</a:t>
-            </a:r>
-            <a:r>
-              <a:rPr lang="en-US" altLang="zh-CN" dirty="0" smtClean="0"/>
-              <a:t>endpoints</a:t>
-            </a:r>
-            <a:r>
-              <a:rPr lang="zh-CN" altLang="en-US" dirty="0" smtClean="0"/>
-              <a:t>、</a:t>
-            </a:r>
-            <a:r>
-              <a:rPr lang="en-US" altLang="zh-CN" dirty="0" smtClean="0"/>
-              <a:t>)</a:t>
-            </a:r>
-          </a:p>
-          <a:p>
-            <a:pPr marL="0" marR="0" lvl="0" indent="0" algn="l" defTabSz="914400" rtl="0" eaLnBrk="1" fontAlgn="auto" latinLnBrk="0" hangingPunct="1">
-              <a:lnSpc>
-                <a:spcPct val="100000"/>
-              </a:lnSpc>
-              <a:spcBef>
-                <a:spcPts val="0"/>
-              </a:spcBef>
-              <a:spcAft>
-                <a:spcPts val="0"/>
-              </a:spcAft>
-              <a:buClrTx/>
-              <a:buSzTx/>
-              <a:buFontTx/>
-              <a:buNone/>
-              <a:tabLst/>
-              <a:defRPr/>
-            </a:pPr>
-            <a:r>
-              <a:rPr lang="en-US" altLang="zh-CN" dirty="0" err="1" smtClean="0"/>
-              <a:t>Kolla</a:t>
-            </a:r>
-            <a:r>
-              <a:rPr lang="en-US" altLang="zh-CN" dirty="0" smtClean="0"/>
-              <a:t>-common </a:t>
-            </a:r>
-            <a:r>
-              <a:rPr lang="zh-CN" altLang="en-US" dirty="0" smtClean="0"/>
-              <a:t>和 </a:t>
-            </a:r>
-            <a:r>
-              <a:rPr lang="en-US" altLang="zh-CN" dirty="0" err="1" smtClean="0"/>
-              <a:t>microservice</a:t>
-            </a:r>
-            <a:r>
-              <a:rPr lang="en-US" altLang="zh-CN" baseline="0" dirty="0" smtClean="0"/>
-              <a:t> </a:t>
-            </a:r>
-            <a:r>
-              <a:rPr lang="zh-CN" altLang="en-US" baseline="0" dirty="0" smtClean="0"/>
-              <a:t>基础层：</a:t>
-            </a:r>
-            <a:endParaRPr lang="en-US" altLang="zh-CN" dirty="0" smtClean="0"/>
-          </a:p>
-          <a:p>
-            <a:pPr marL="0" marR="0" lvl="0" indent="0" algn="l" defTabSz="914400" rtl="0" eaLnBrk="1" fontAlgn="auto" latinLnBrk="0" hangingPunct="1">
-              <a:lnSpc>
-                <a:spcPct val="100000"/>
-              </a:lnSpc>
-              <a:spcBef>
-                <a:spcPts val="0"/>
-              </a:spcBef>
-              <a:spcAft>
-                <a:spcPts val="0"/>
-              </a:spcAft>
-              <a:buClrTx/>
-              <a:buSzTx/>
-              <a:buFontTx/>
-              <a:buNone/>
-              <a:tabLst/>
-              <a:defRPr/>
-            </a:pPr>
-            <a:r>
-              <a:rPr lang="en-US" altLang="zh-CN" dirty="0" err="1" smtClean="0"/>
-              <a:t>Kolla</a:t>
-            </a:r>
-            <a:r>
-              <a:rPr lang="en-US" altLang="zh-CN" dirty="0" smtClean="0"/>
-              <a:t>-common:</a:t>
-            </a:r>
-            <a:r>
-              <a:rPr lang="zh-CN" altLang="en-US" dirty="0" smtClean="0"/>
-              <a:t>各个服务公用的操作，</a:t>
-            </a:r>
-            <a:r>
-              <a:rPr lang="en-US" altLang="zh-CN" dirty="0" smtClean="0"/>
-              <a:t>create</a:t>
-            </a:r>
-            <a:r>
-              <a:rPr lang="en-US" altLang="zh-CN" baseline="0" dirty="0" smtClean="0"/>
-              <a:t> database</a:t>
-            </a:r>
-            <a:r>
-              <a:rPr lang="zh-CN" altLang="en-US" baseline="0" dirty="0" smtClean="0"/>
-              <a:t>、</a:t>
-            </a:r>
-            <a:r>
-              <a:rPr lang="en-US" altLang="zh-CN" baseline="0" dirty="0" smtClean="0"/>
-              <a:t>create </a:t>
-            </a:r>
-            <a:r>
-              <a:rPr lang="en-US" altLang="zh-CN" baseline="0" dirty="0" err="1" smtClean="0"/>
-              <a:t>pv</a:t>
-            </a:r>
-            <a:r>
-              <a:rPr lang="en-US" altLang="zh-CN" baseline="0" dirty="0" smtClean="0"/>
-              <a:t>\</a:t>
-            </a:r>
-            <a:r>
-              <a:rPr lang="en-US" altLang="zh-CN" baseline="0" dirty="0" err="1" smtClean="0"/>
-              <a:t>pvc</a:t>
-            </a:r>
-            <a:r>
-              <a:rPr lang="zh-CN" altLang="en-US" baseline="0" dirty="0" smtClean="0"/>
-              <a:t>、</a:t>
-            </a:r>
-            <a:r>
-              <a:rPr lang="en-US" altLang="zh-CN" baseline="0" dirty="0" smtClean="0"/>
-              <a:t>create keystone endpoint/user</a:t>
-            </a:r>
-            <a:r>
-              <a:rPr lang="zh-CN" altLang="en-US" baseline="0" dirty="0" smtClean="0"/>
-              <a:t>等</a:t>
-            </a:r>
-            <a:endParaRPr lang="en-US" altLang="zh-CN" dirty="0" smtClean="0"/>
-          </a:p>
-          <a:p>
-            <a:r>
-              <a:rPr lang="en-US" altLang="zh-CN" dirty="0" err="1" smtClean="0"/>
-              <a:t>Microservice</a:t>
-            </a:r>
-            <a:r>
-              <a:rPr lang="en-US" altLang="zh-CN" dirty="0" smtClean="0"/>
-              <a:t>:</a:t>
-            </a:r>
-            <a:r>
-              <a:rPr lang="zh-CN" altLang="en-US" dirty="0" smtClean="0"/>
-              <a:t>定义</a:t>
-            </a:r>
-            <a:r>
-              <a:rPr lang="en-US" altLang="zh-CN" dirty="0" smtClean="0"/>
-              <a:t>k8s</a:t>
-            </a:r>
-            <a:r>
-              <a:rPr lang="zh-CN" altLang="en-US" dirty="0" smtClean="0"/>
-              <a:t>资源文件，也即最终调用的一些资源定义文件 </a:t>
-            </a:r>
-            <a:r>
-              <a:rPr lang="en-US" altLang="zh-CN" dirty="0" smtClean="0"/>
-              <a:t>job/svc/</a:t>
-            </a:r>
-            <a:r>
-              <a:rPr lang="en-US" altLang="zh-CN" dirty="0" err="1" smtClean="0"/>
-              <a:t>pv</a:t>
-            </a:r>
-            <a:r>
-              <a:rPr lang="en-US" altLang="zh-CN" dirty="0" smtClean="0"/>
-              <a:t>/</a:t>
-            </a:r>
-            <a:r>
-              <a:rPr lang="en-US" altLang="zh-CN" dirty="0" err="1" smtClean="0"/>
-              <a:t>pvc</a:t>
-            </a:r>
-            <a:r>
-              <a:rPr lang="en-US" altLang="zh-CN" dirty="0" smtClean="0"/>
-              <a:t>/</a:t>
-            </a:r>
-            <a:r>
-              <a:rPr lang="en-US" altLang="zh-CN" dirty="0" err="1" smtClean="0"/>
-              <a:t>statefulset</a:t>
-            </a:r>
-            <a:r>
-              <a:rPr lang="zh-CN" altLang="en-US" dirty="0" smtClean="0"/>
-              <a:t>等，文件中的配置参数经过</a:t>
-            </a:r>
-            <a:r>
-              <a:rPr lang="en-US" altLang="zh-CN" dirty="0" smtClean="0"/>
-              <a:t>jinja2</a:t>
-            </a:r>
-            <a:r>
-              <a:rPr lang="zh-CN" altLang="en-US" dirty="0" smtClean="0"/>
-              <a:t>渲染</a:t>
-            </a:r>
-            <a:endParaRPr lang="en-US" altLang="zh-CN" dirty="0" smtClean="0"/>
-          </a:p>
-          <a:p>
-            <a:r>
-              <a:rPr lang="en-US" altLang="zh-CN" dirty="0" smtClean="0"/>
-              <a:t>Service</a:t>
-            </a:r>
-            <a:r>
-              <a:rPr lang="zh-CN" altLang="en-US" dirty="0" smtClean="0"/>
-              <a:t>：业务层</a:t>
-            </a:r>
-            <a:endParaRPr lang="en-US" altLang="zh-CN" dirty="0" smtClean="0"/>
-          </a:p>
-          <a:p>
-            <a:pPr marL="0" marR="0" lvl="0" indent="0" algn="l" defTabSz="914400" rtl="0" eaLnBrk="1" fontAlgn="auto" latinLnBrk="0" hangingPunct="1">
-              <a:lnSpc>
-                <a:spcPct val="100000"/>
-              </a:lnSpc>
-              <a:spcBef>
-                <a:spcPts val="0"/>
-              </a:spcBef>
-              <a:spcAft>
-                <a:spcPts val="0"/>
-              </a:spcAft>
-              <a:buClrTx/>
-              <a:buSzTx/>
-              <a:buFontTx/>
-              <a:buNone/>
-              <a:tabLst/>
-              <a:defRPr/>
-            </a:pPr>
-            <a:r>
-              <a:rPr lang="zh-CN" altLang="en-US" dirty="0" smtClean="0"/>
-              <a:t>每个服务定义一个或多个</a:t>
-            </a:r>
-            <a:r>
-              <a:rPr lang="en-US" altLang="zh-CN" dirty="0" smtClean="0"/>
-              <a:t>chart</a:t>
-            </a:r>
-            <a:r>
-              <a:rPr lang="zh-CN" altLang="en-US" dirty="0" smtClean="0"/>
-              <a:t>文件包，其中定义了依赖包和配置文件</a:t>
-            </a:r>
-            <a:endParaRPr lang="en-US" altLang="zh-CN" dirty="0" smtClean="0"/>
-          </a:p>
-          <a:p>
-            <a:r>
-              <a:rPr lang="en-US" altLang="zh-CN" dirty="0" smtClean="0"/>
-              <a:t>Test:</a:t>
-            </a:r>
-            <a:r>
-              <a:rPr lang="zh-CN" altLang="en-US" dirty="0" smtClean="0"/>
-              <a:t>单元测试用例</a:t>
-            </a:r>
-            <a:endParaRPr lang="en-US" altLang="zh-CN" dirty="0" smtClean="0"/>
-          </a:p>
-        </p:txBody>
-      </p:sp>
-      <p:sp>
-        <p:nvSpPr>
-          <p:cNvPr id="4" name="灯片编号占位符 3"/>
-          <p:cNvSpPr>
-            <a:spLocks noGrp="1"/>
-          </p:cNvSpPr>
-          <p:nvPr>
-            <p:ph type="sldNum" sz="quarter" idx="10"/>
-          </p:nvPr>
-        </p:nvSpPr>
-        <p:spPr/>
-        <p:txBody>
-          <a:bodyPr/>
-          <a:lstStyle/>
-          <a:p>
-            <a:fld id="{A5880B28-9EFC-4886-B758-D4B847183D21}" type="slidenum">
-              <a:rPr lang="zh-CN" altLang="en-US" smtClean="0"/>
-              <a:t>21</a:t>
-            </a:fld>
-            <a:endParaRPr lang="zh-CN" altLang="en-US"/>
-          </a:p>
-        </p:txBody>
-      </p:sp>
-    </p:spTree>
-    <p:extLst>
-      <p:ext uri="{BB962C8B-B14F-4D97-AF65-F5344CB8AC3E}">
-        <p14:creationId xmlns:p14="http://schemas.microsoft.com/office/powerpoint/2010/main" val="4056392952"/>
-      </p:ext>
-    </p:extLst>
-  </p:cSld>
-  <p:clrMapOvr>
-    <a:masterClrMapping/>
-  </p:clrMapOvr>
-</p:notes>
-</file>
-
-<file path=ppt/notesSlides/notesSlide22.xml><?xml version="1.0" encoding="utf-8"?>
-<p:notes xmlns:a="http://schemas.openxmlformats.org/drawingml/2006/main" xmlns:r="http://schemas.openxmlformats.org/officeDocument/2006/relationships" xmlns:p="http://schemas.openxmlformats.org/presentationml/2006/main">
-  <p:cSld>
-    <p:spTree>
-      <p:nvGrpSpPr>
-        <p:cNvPr id="1" name=""/>
-        <p:cNvGrpSpPr/>
-        <p:nvPr/>
-      </p:nvGrpSpPr>
-      <p:grpSpPr>
-        <a:xfrm>
-          <a:off x="0" y="0"/>
-          <a:ext cx="0" cy="0"/>
-          <a:chOff x="0" y="0"/>
-          <a:chExt cx="0" cy="0"/>
-        </a:xfrm>
-      </p:grpSpPr>
-      <p:sp>
-        <p:nvSpPr>
-          <p:cNvPr id="2" name="幻灯片图像占位符 1"/>
-          <p:cNvSpPr>
-            <a:spLocks noGrp="1" noRot="1" noChangeAspect="1"/>
-          </p:cNvSpPr>
-          <p:nvPr>
-            <p:ph type="sldImg"/>
-          </p:nvPr>
-        </p:nvSpPr>
-        <p:spPr/>
-      </p:sp>
-      <p:sp>
-        <p:nvSpPr>
-          <p:cNvPr id="3" name="备注占位符 2"/>
-          <p:cNvSpPr>
-            <a:spLocks noGrp="1"/>
-          </p:cNvSpPr>
-          <p:nvPr>
-            <p:ph type="body" idx="1"/>
-          </p:nvPr>
-        </p:nvSpPr>
-        <p:spPr/>
-        <p:txBody>
-          <a:bodyPr/>
-          <a:lstStyle/>
-          <a:p>
-            <a:r>
-              <a:rPr lang="en-US" altLang="zh-CN" dirty="0" smtClean="0"/>
-              <a:t>1 min</a:t>
-            </a:r>
-          </a:p>
-          <a:p>
-            <a:r>
-              <a:rPr lang="zh-CN" altLang="en-US" dirty="0" smtClean="0"/>
-              <a:t>公司业务需求选择</a:t>
-            </a:r>
-            <a:r>
-              <a:rPr lang="en-US" altLang="zh-CN" dirty="0" err="1" smtClean="0"/>
-              <a:t>openshift</a:t>
-            </a:r>
-            <a:r>
-              <a:rPr lang="zh-CN" altLang="en-US" dirty="0" smtClean="0"/>
-              <a:t>：</a:t>
-            </a:r>
-            <a:r>
-              <a:rPr lang="en-US" altLang="zh-CN" dirty="0" err="1" smtClean="0"/>
-              <a:t>Openshift</a:t>
-            </a:r>
-            <a:r>
-              <a:rPr lang="en-US" altLang="zh-CN" dirty="0" smtClean="0"/>
-              <a:t> </a:t>
-            </a:r>
-            <a:r>
-              <a:rPr lang="zh-CN" altLang="en-US" dirty="0" smtClean="0"/>
-              <a:t>介绍</a:t>
-            </a:r>
-            <a:endParaRPr lang="en-US" altLang="zh-CN" dirty="0" smtClean="0"/>
-          </a:p>
-          <a:p>
-            <a:r>
-              <a:rPr lang="zh-CN" altLang="en-US" dirty="0" smtClean="0"/>
-              <a:t>起步较早</a:t>
-            </a:r>
-            <a:r>
-              <a:rPr lang="en-US" altLang="zh-CN" dirty="0" smtClean="0"/>
-              <a:t>2013</a:t>
-            </a:r>
-            <a:r>
-              <a:rPr lang="zh-CN" altLang="en-US" dirty="0" smtClean="0"/>
-              <a:t>年开始</a:t>
-            </a:r>
-            <a:r>
-              <a:rPr lang="en-US" altLang="zh-CN" dirty="0" err="1" smtClean="0"/>
-              <a:t>Redhat</a:t>
-            </a:r>
-            <a:r>
-              <a:rPr lang="zh-CN" altLang="en-US" dirty="0" smtClean="0"/>
-              <a:t>基于</a:t>
-            </a:r>
-            <a:r>
-              <a:rPr lang="en-US" altLang="zh-CN" dirty="0" err="1" smtClean="0"/>
-              <a:t>kubernetes</a:t>
-            </a:r>
-            <a:r>
-              <a:rPr lang="zh-CN" altLang="en-US" dirty="0" smtClean="0"/>
-              <a:t>开发，功能已比较完善且稳定程度较高，包含公有云版本和社区版本</a:t>
-            </a:r>
-            <a:endParaRPr lang="en-US" altLang="zh-CN" dirty="0" smtClean="0"/>
-          </a:p>
-          <a:p>
-            <a:r>
-              <a:rPr lang="zh-CN" altLang="en-US" dirty="0" smtClean="0"/>
-              <a:t>封装了</a:t>
-            </a:r>
-            <a:r>
-              <a:rPr lang="en-US" altLang="zh-CN" dirty="0" err="1" smtClean="0"/>
-              <a:t>kubernetes</a:t>
-            </a:r>
-            <a:r>
-              <a:rPr lang="zh-CN" altLang="en-US" dirty="0" smtClean="0"/>
-              <a:t>客户端，提供自己的客户端程序</a:t>
-            </a:r>
-            <a:r>
-              <a:rPr lang="en-US" altLang="zh-CN" dirty="0" err="1" smtClean="0"/>
-              <a:t>oc</a:t>
-            </a:r>
-            <a:r>
-              <a:rPr lang="zh-CN" altLang="en-US" dirty="0" smtClean="0"/>
-              <a:t>与集群交互</a:t>
-            </a:r>
-            <a:endParaRPr lang="en-US" altLang="zh-CN" dirty="0" smtClean="0"/>
-          </a:p>
-        </p:txBody>
-      </p:sp>
-      <p:sp>
-        <p:nvSpPr>
-          <p:cNvPr id="4" name="灯片编号占位符 3"/>
-          <p:cNvSpPr>
-            <a:spLocks noGrp="1"/>
-          </p:cNvSpPr>
-          <p:nvPr>
-            <p:ph type="sldNum" sz="quarter" idx="10"/>
-          </p:nvPr>
-        </p:nvSpPr>
-        <p:spPr/>
-        <p:txBody>
-          <a:bodyPr/>
-          <a:lstStyle/>
-          <a:p>
-            <a:fld id="{A5880B28-9EFC-4886-B758-D4B847183D21}" type="slidenum">
-              <a:rPr lang="zh-CN" altLang="en-US" smtClean="0"/>
-              <a:t>22</a:t>
-            </a:fld>
-            <a:endParaRPr lang="zh-CN" altLang="en-US"/>
-          </a:p>
-        </p:txBody>
-      </p:sp>
-    </p:spTree>
-    <p:extLst>
-      <p:ext uri="{BB962C8B-B14F-4D97-AF65-F5344CB8AC3E}">
-        <p14:creationId xmlns:p14="http://schemas.microsoft.com/office/powerpoint/2010/main" val="4038821822"/>
-      </p:ext>
-    </p:extLst>
-  </p:cSld>
-  <p:clrMapOvr>
-    <a:masterClrMapping/>
-  </p:clrMapOvr>
-</p:notes>
-</file>
-
-<file path=ppt/notesSlides/notesSlide23.xml><?xml version="1.0" encoding="utf-8"?>
-<p:notes xmlns:a="http://schemas.openxmlformats.org/drawingml/2006/main" xmlns:r="http://schemas.openxmlformats.org/officeDocument/2006/relationships" xmlns:p="http://schemas.openxmlformats.org/presentationml/2006/main">
-  <p:cSld>
-    <p:spTree>
-      <p:nvGrpSpPr>
-        <p:cNvPr id="1" name=""/>
-        <p:cNvGrpSpPr/>
-        <p:nvPr/>
-      </p:nvGrpSpPr>
-      <p:grpSpPr>
-        <a:xfrm>
-          <a:off x="0" y="0"/>
-          <a:ext cx="0" cy="0"/>
-          <a:chOff x="0" y="0"/>
-          <a:chExt cx="0" cy="0"/>
-        </a:xfrm>
-      </p:grpSpPr>
-      <p:sp>
-        <p:nvSpPr>
-          <p:cNvPr id="2" name="幻灯片图像占位符 1"/>
-          <p:cNvSpPr>
-            <a:spLocks noGrp="1" noRot="1" noChangeAspect="1"/>
-          </p:cNvSpPr>
-          <p:nvPr>
-            <p:ph type="sldImg"/>
-          </p:nvPr>
-        </p:nvSpPr>
-        <p:spPr/>
-      </p:sp>
-      <p:sp>
-        <p:nvSpPr>
-          <p:cNvPr id="3" name="备注占位符 2"/>
-          <p:cNvSpPr>
-            <a:spLocks noGrp="1"/>
-          </p:cNvSpPr>
-          <p:nvPr>
-            <p:ph type="body" idx="1"/>
-          </p:nvPr>
-        </p:nvSpPr>
-        <p:spPr/>
-        <p:txBody>
-          <a:bodyPr/>
-          <a:lstStyle/>
-          <a:p>
-            <a:r>
-              <a:rPr lang="en-US" altLang="zh-CN" dirty="0" smtClean="0"/>
-              <a:t>1.5 min</a:t>
-            </a:r>
-          </a:p>
-          <a:p>
-            <a:r>
-              <a:rPr lang="zh-CN" altLang="en-US" dirty="0" smtClean="0"/>
-              <a:t>自定义配置文件：指定</a:t>
-            </a:r>
-            <a:r>
-              <a:rPr lang="en-US" altLang="zh-CN" dirty="0" err="1" smtClean="0"/>
-              <a:t>openstack</a:t>
-            </a:r>
-            <a:r>
-              <a:rPr lang="zh-CN" altLang="en-US" dirty="0" smtClean="0"/>
-              <a:t>使用的网络、私有镜像仓库、虚拟化类型等。</a:t>
-            </a:r>
-            <a:endParaRPr lang="en-US" altLang="zh-CN" dirty="0" smtClean="0"/>
-          </a:p>
-          <a:p>
-            <a:r>
-              <a:rPr lang="zh-CN" altLang="en-US" dirty="0" smtClean="0"/>
-              <a:t>使用</a:t>
-            </a:r>
-            <a:r>
-              <a:rPr lang="en-US" altLang="zh-CN" dirty="0" smtClean="0"/>
-              <a:t>Helm</a:t>
-            </a:r>
-            <a:r>
-              <a:rPr lang="zh-CN" altLang="en-US" dirty="0" smtClean="0"/>
-              <a:t>部署：</a:t>
-            </a:r>
-            <a:r>
-              <a:rPr lang="en-US" altLang="zh-CN" dirty="0" err="1" smtClean="0"/>
-              <a:t>mariadb</a:t>
-            </a:r>
-            <a:r>
-              <a:rPr lang="zh-CN" altLang="en-US" dirty="0" smtClean="0"/>
-              <a:t>、</a:t>
-            </a:r>
-            <a:r>
-              <a:rPr lang="en-US" altLang="zh-CN" baseline="0" dirty="0" err="1" smtClean="0"/>
-              <a:t>memache</a:t>
-            </a:r>
-            <a:r>
-              <a:rPr lang="zh-CN" altLang="en-US" baseline="0" dirty="0" smtClean="0"/>
-              <a:t>、</a:t>
-            </a:r>
-            <a:r>
-              <a:rPr lang="en-US" altLang="zh-CN" baseline="0" dirty="0" err="1" smtClean="0"/>
-              <a:t>rabbitmq</a:t>
-            </a:r>
-            <a:r>
-              <a:rPr lang="zh-CN" altLang="en-US" baseline="0" dirty="0" smtClean="0"/>
-              <a:t>依赖组件启动成功后，部署</a:t>
-            </a:r>
-            <a:r>
-              <a:rPr lang="en-US" altLang="zh-CN" baseline="0" dirty="0" err="1" smtClean="0"/>
-              <a:t>openstack</a:t>
-            </a:r>
-            <a:r>
-              <a:rPr lang="zh-CN" altLang="en-US" baseline="0" dirty="0" smtClean="0"/>
-              <a:t>服务</a:t>
-            </a:r>
-            <a:endParaRPr lang="en-US" altLang="zh-CN" baseline="0" dirty="0" smtClean="0"/>
-          </a:p>
-          <a:p>
-            <a:endParaRPr lang="en-US" altLang="zh-CN" sz="1200" kern="1200" dirty="0" smtClean="0">
-              <a:solidFill>
-                <a:schemeClr val="tx1"/>
-              </a:solidFill>
-              <a:effectLst/>
-              <a:latin typeface="+mn-lt"/>
-              <a:ea typeface="+mn-ea"/>
-              <a:cs typeface="+mn-cs"/>
-            </a:endParaRPr>
-          </a:p>
-          <a:p>
-            <a:r>
-              <a:rPr lang="en-US" altLang="zh-CN" sz="1200" kern="1200" dirty="0" smtClean="0">
-                <a:solidFill>
-                  <a:schemeClr val="tx1"/>
-                </a:solidFill>
-                <a:effectLst/>
-                <a:latin typeface="+mn-lt"/>
-                <a:ea typeface="+mn-ea"/>
-                <a:cs typeface="+mn-cs"/>
-              </a:rPr>
-              <a:t>helm</a:t>
-            </a:r>
-            <a:r>
-              <a:rPr lang="en-US" altLang="zh-CN" dirty="0" smtClean="0"/>
-              <a:t> </a:t>
-            </a:r>
-            <a:r>
-              <a:rPr lang="en-US" altLang="zh-CN" sz="1200" kern="1200" dirty="0" smtClean="0">
-                <a:solidFill>
-                  <a:schemeClr val="tx1"/>
-                </a:solidFill>
-                <a:effectLst/>
-                <a:latin typeface="+mn-lt"/>
-                <a:ea typeface="+mn-ea"/>
-                <a:cs typeface="+mn-cs"/>
-              </a:rPr>
-              <a:t>install</a:t>
-            </a:r>
-            <a:r>
-              <a:rPr lang="en-US" altLang="zh-CN" dirty="0" smtClean="0"/>
-              <a:t> </a:t>
-            </a:r>
-            <a:r>
-              <a:rPr lang="en-US" altLang="zh-CN" sz="1200" kern="1200" dirty="0" smtClean="0">
-                <a:solidFill>
-                  <a:schemeClr val="tx1"/>
-                </a:solidFill>
-                <a:effectLst/>
-                <a:latin typeface="+mn-lt"/>
-                <a:ea typeface="+mn-ea"/>
-                <a:cs typeface="+mn-cs"/>
-              </a:rPr>
-              <a:t>--debug</a:t>
-            </a:r>
-            <a:r>
-              <a:rPr lang="en-US" altLang="zh-CN" dirty="0" smtClean="0"/>
-              <a:t> </a:t>
-            </a:r>
-            <a:r>
-              <a:rPr lang="en-US" altLang="zh-CN" sz="1200" kern="1200" dirty="0" err="1" smtClean="0">
-                <a:solidFill>
-                  <a:schemeClr val="tx1"/>
-                </a:solidFill>
-                <a:effectLst/>
-                <a:latin typeface="+mn-lt"/>
-                <a:ea typeface="+mn-ea"/>
-                <a:cs typeface="+mn-cs"/>
-              </a:rPr>
-              <a:t>kolla-kubernetes</a:t>
-            </a:r>
-            <a:r>
-              <a:rPr lang="en-US" altLang="zh-CN" sz="1200" kern="1200" dirty="0" smtClean="0">
-                <a:solidFill>
-                  <a:schemeClr val="tx1"/>
-                </a:solidFill>
-                <a:effectLst/>
-                <a:latin typeface="+mn-lt"/>
-                <a:ea typeface="+mn-ea"/>
-                <a:cs typeface="+mn-cs"/>
-              </a:rPr>
-              <a:t>/helm/service/</a:t>
-            </a:r>
-            <a:r>
-              <a:rPr lang="en-US" altLang="zh-CN" sz="1200" kern="1200" dirty="0" err="1" smtClean="0">
-                <a:solidFill>
-                  <a:schemeClr val="tx1"/>
-                </a:solidFill>
-                <a:effectLst/>
-                <a:latin typeface="+mn-lt"/>
-                <a:ea typeface="+mn-ea"/>
-                <a:cs typeface="+mn-cs"/>
-              </a:rPr>
-              <a:t>mariadb</a:t>
-            </a:r>
-            <a:r>
-              <a:rPr lang="en-US" altLang="zh-CN" dirty="0" smtClean="0"/>
-              <a:t> </a:t>
-            </a:r>
-            <a:r>
-              <a:rPr lang="en-US" altLang="zh-CN" sz="1200" kern="1200" dirty="0" smtClean="0">
-                <a:solidFill>
-                  <a:schemeClr val="tx1"/>
-                </a:solidFill>
-                <a:effectLst/>
-                <a:latin typeface="+mn-lt"/>
-                <a:ea typeface="+mn-ea"/>
-                <a:cs typeface="+mn-cs"/>
-              </a:rPr>
-              <a:t>--namespace</a:t>
-            </a:r>
-            <a:r>
-              <a:rPr lang="en-US" altLang="zh-CN" dirty="0" smtClean="0"/>
-              <a:t> </a:t>
-            </a:r>
-            <a:r>
-              <a:rPr lang="en-US" altLang="zh-CN" sz="1200" kern="1200" dirty="0" err="1" smtClean="0">
-                <a:solidFill>
-                  <a:schemeClr val="tx1"/>
-                </a:solidFill>
-                <a:effectLst/>
-                <a:latin typeface="+mn-lt"/>
-                <a:ea typeface="+mn-ea"/>
-                <a:cs typeface="+mn-cs"/>
-              </a:rPr>
-              <a:t>kolla</a:t>
-            </a:r>
-            <a:r>
-              <a:rPr lang="en-US" altLang="zh-CN" dirty="0" smtClean="0"/>
-              <a:t> </a:t>
-            </a:r>
-            <a:r>
-              <a:rPr lang="en-US" altLang="zh-CN" sz="1200" kern="1200" dirty="0" smtClean="0">
-                <a:solidFill>
-                  <a:schemeClr val="tx1"/>
-                </a:solidFill>
-                <a:effectLst/>
-                <a:latin typeface="+mn-lt"/>
-                <a:ea typeface="+mn-ea"/>
-                <a:cs typeface="+mn-cs"/>
-              </a:rPr>
-              <a:t>--name</a:t>
-            </a:r>
-            <a:r>
-              <a:rPr lang="en-US" altLang="zh-CN" dirty="0" smtClean="0"/>
-              <a:t> </a:t>
-            </a:r>
-            <a:r>
-              <a:rPr lang="en-US" altLang="zh-CN" sz="1200" kern="1200" dirty="0" err="1" smtClean="0">
-                <a:solidFill>
-                  <a:schemeClr val="tx1"/>
-                </a:solidFill>
-                <a:effectLst/>
-                <a:latin typeface="+mn-lt"/>
-                <a:ea typeface="+mn-ea"/>
-                <a:cs typeface="+mn-cs"/>
-              </a:rPr>
-              <a:t>mariadb</a:t>
-            </a:r>
-            <a:r>
-              <a:rPr lang="en-US" altLang="zh-CN" dirty="0" smtClean="0"/>
-              <a:t> </a:t>
-            </a:r>
-            <a:r>
-              <a:rPr lang="en-US" altLang="zh-CN" sz="1200" kern="1200" dirty="0" smtClean="0">
-                <a:solidFill>
-                  <a:schemeClr val="tx1"/>
-                </a:solidFill>
-                <a:effectLst/>
-                <a:latin typeface="+mn-lt"/>
-                <a:ea typeface="+mn-ea"/>
-                <a:cs typeface="+mn-cs"/>
-              </a:rPr>
-              <a:t>--values</a:t>
-            </a:r>
-            <a:r>
-              <a:rPr lang="en-US" altLang="zh-CN" dirty="0" smtClean="0"/>
-              <a:t> </a:t>
-            </a:r>
-            <a:r>
-              <a:rPr lang="en-US" altLang="zh-CN" sz="1200" kern="1200" dirty="0" smtClean="0">
-                <a:solidFill>
-                  <a:schemeClr val="tx1"/>
-                </a:solidFill>
-                <a:effectLst/>
-                <a:latin typeface="+mn-lt"/>
-                <a:ea typeface="+mn-ea"/>
-                <a:cs typeface="+mn-cs"/>
-              </a:rPr>
-              <a:t>./</a:t>
-            </a:r>
-            <a:r>
-              <a:rPr lang="en-US" altLang="zh-CN" sz="1200" kern="1200" dirty="0" err="1" smtClean="0">
-                <a:solidFill>
-                  <a:schemeClr val="tx1"/>
-                </a:solidFill>
-                <a:effectLst/>
-                <a:latin typeface="+mn-lt"/>
-                <a:ea typeface="+mn-ea"/>
-                <a:cs typeface="+mn-cs"/>
-              </a:rPr>
-              <a:t>cloud.yaml</a:t>
-            </a:r>
-            <a:endParaRPr lang="en-US" altLang="zh-CN" sz="1200" kern="1200" dirty="0" smtClean="0">
-              <a:solidFill>
-                <a:schemeClr val="tx1"/>
-              </a:solidFill>
-              <a:effectLst/>
-              <a:latin typeface="+mn-lt"/>
-              <a:ea typeface="+mn-ea"/>
-              <a:cs typeface="+mn-cs"/>
-            </a:endParaRPr>
-          </a:p>
-          <a:p>
-            <a:r>
-              <a:rPr lang="en-US" altLang="zh-CN" sz="1200" kern="1200" dirty="0" smtClean="0">
-                <a:solidFill>
-                  <a:schemeClr val="tx1"/>
-                </a:solidFill>
-                <a:effectLst/>
-                <a:latin typeface="+mn-lt"/>
-                <a:ea typeface="+mn-ea"/>
-                <a:cs typeface="+mn-cs"/>
-              </a:rPr>
-              <a:t>helm</a:t>
-            </a:r>
-            <a:r>
-              <a:rPr lang="en-US" altLang="zh-CN" dirty="0" smtClean="0"/>
-              <a:t> </a:t>
-            </a:r>
-            <a:r>
-              <a:rPr lang="en-US" altLang="zh-CN" sz="1200" kern="1200" dirty="0" smtClean="0">
-                <a:solidFill>
-                  <a:schemeClr val="tx1"/>
-                </a:solidFill>
-                <a:effectLst/>
-                <a:latin typeface="+mn-lt"/>
-                <a:ea typeface="+mn-ea"/>
-                <a:cs typeface="+mn-cs"/>
-              </a:rPr>
-              <a:t>install</a:t>
-            </a:r>
-            <a:r>
-              <a:rPr lang="en-US" altLang="zh-CN" dirty="0" smtClean="0"/>
-              <a:t> </a:t>
-            </a:r>
-            <a:r>
-              <a:rPr lang="en-US" altLang="zh-CN" sz="1200" kern="1200" dirty="0" smtClean="0">
-                <a:solidFill>
-                  <a:schemeClr val="tx1"/>
-                </a:solidFill>
-                <a:effectLst/>
-                <a:latin typeface="+mn-lt"/>
-                <a:ea typeface="+mn-ea"/>
-                <a:cs typeface="+mn-cs"/>
-              </a:rPr>
-              <a:t>--debug</a:t>
-            </a:r>
-            <a:r>
-              <a:rPr lang="en-US" altLang="zh-CN" dirty="0" smtClean="0"/>
-              <a:t> </a:t>
-            </a:r>
-            <a:r>
-              <a:rPr lang="en-US" altLang="zh-CN" sz="1200" kern="1200" dirty="0" err="1" smtClean="0">
-                <a:solidFill>
-                  <a:schemeClr val="tx1"/>
-                </a:solidFill>
-                <a:effectLst/>
-                <a:latin typeface="+mn-lt"/>
-                <a:ea typeface="+mn-ea"/>
-                <a:cs typeface="+mn-cs"/>
-              </a:rPr>
-              <a:t>kolla-kubernetes</a:t>
-            </a:r>
-            <a:r>
-              <a:rPr lang="en-US" altLang="zh-CN" sz="1200" kern="1200" dirty="0" smtClean="0">
-                <a:solidFill>
-                  <a:schemeClr val="tx1"/>
-                </a:solidFill>
-                <a:effectLst/>
-                <a:latin typeface="+mn-lt"/>
-                <a:ea typeface="+mn-ea"/>
-                <a:cs typeface="+mn-cs"/>
-              </a:rPr>
-              <a:t>/helm/service/</a:t>
-            </a:r>
-            <a:r>
-              <a:rPr lang="en-US" altLang="zh-CN" sz="1200" kern="1200" dirty="0" err="1" smtClean="0">
-                <a:solidFill>
-                  <a:schemeClr val="tx1"/>
-                </a:solidFill>
-                <a:effectLst/>
-                <a:latin typeface="+mn-lt"/>
-                <a:ea typeface="+mn-ea"/>
-                <a:cs typeface="+mn-cs"/>
-              </a:rPr>
-              <a:t>rabbitmq</a:t>
-            </a:r>
-            <a:r>
-              <a:rPr lang="en-US" altLang="zh-CN" dirty="0" smtClean="0"/>
-              <a:t> </a:t>
-            </a:r>
-            <a:r>
-              <a:rPr lang="en-US" altLang="zh-CN" sz="1200" kern="1200" dirty="0" smtClean="0">
-                <a:solidFill>
-                  <a:schemeClr val="tx1"/>
-                </a:solidFill>
-                <a:effectLst/>
-                <a:latin typeface="+mn-lt"/>
-                <a:ea typeface="+mn-ea"/>
-                <a:cs typeface="+mn-cs"/>
-              </a:rPr>
-              <a:t>--namespace</a:t>
-            </a:r>
-            <a:r>
-              <a:rPr lang="en-US" altLang="zh-CN" dirty="0" smtClean="0"/>
-              <a:t> </a:t>
-            </a:r>
-            <a:r>
-              <a:rPr lang="en-US" altLang="zh-CN" sz="1200" kern="1200" dirty="0" err="1" smtClean="0">
-                <a:solidFill>
-                  <a:schemeClr val="tx1"/>
-                </a:solidFill>
-                <a:effectLst/>
-                <a:latin typeface="+mn-lt"/>
-                <a:ea typeface="+mn-ea"/>
-                <a:cs typeface="+mn-cs"/>
-              </a:rPr>
-              <a:t>kolla</a:t>
-            </a:r>
-            <a:r>
-              <a:rPr lang="en-US" altLang="zh-CN" dirty="0" smtClean="0"/>
-              <a:t> </a:t>
-            </a:r>
-            <a:r>
-              <a:rPr lang="en-US" altLang="zh-CN" sz="1200" kern="1200" dirty="0" smtClean="0">
-                <a:solidFill>
-                  <a:schemeClr val="tx1"/>
-                </a:solidFill>
-                <a:effectLst/>
-                <a:latin typeface="+mn-lt"/>
-                <a:ea typeface="+mn-ea"/>
-                <a:cs typeface="+mn-cs"/>
-              </a:rPr>
-              <a:t>--name</a:t>
-            </a:r>
-            <a:r>
-              <a:rPr lang="en-US" altLang="zh-CN" dirty="0" smtClean="0"/>
-              <a:t> </a:t>
-            </a:r>
-            <a:r>
-              <a:rPr lang="en-US" altLang="zh-CN" sz="1200" kern="1200" dirty="0" err="1" smtClean="0">
-                <a:solidFill>
-                  <a:schemeClr val="tx1"/>
-                </a:solidFill>
-                <a:effectLst/>
-                <a:latin typeface="+mn-lt"/>
-                <a:ea typeface="+mn-ea"/>
-                <a:cs typeface="+mn-cs"/>
-              </a:rPr>
-              <a:t>rabbitmq</a:t>
-            </a:r>
-            <a:r>
-              <a:rPr lang="en-US" altLang="zh-CN" dirty="0" smtClean="0"/>
-              <a:t> </a:t>
-            </a:r>
-            <a:r>
-              <a:rPr lang="en-US" altLang="zh-CN" sz="1200" kern="1200" dirty="0" smtClean="0">
-                <a:solidFill>
-                  <a:schemeClr val="tx1"/>
-                </a:solidFill>
-                <a:effectLst/>
-                <a:latin typeface="+mn-lt"/>
-                <a:ea typeface="+mn-ea"/>
-                <a:cs typeface="+mn-cs"/>
-              </a:rPr>
-              <a:t>--values</a:t>
-            </a:r>
-            <a:r>
-              <a:rPr lang="en-US" altLang="zh-CN" dirty="0" smtClean="0"/>
-              <a:t> </a:t>
-            </a:r>
-            <a:r>
-              <a:rPr lang="en-US" altLang="zh-CN" sz="1200" kern="1200" dirty="0" smtClean="0">
-                <a:solidFill>
-                  <a:schemeClr val="tx1"/>
-                </a:solidFill>
-                <a:effectLst/>
-                <a:latin typeface="+mn-lt"/>
-                <a:ea typeface="+mn-ea"/>
-                <a:cs typeface="+mn-cs"/>
-              </a:rPr>
-              <a:t>./</a:t>
-            </a:r>
-            <a:r>
-              <a:rPr lang="en-US" altLang="zh-CN" sz="1200" kern="1200" dirty="0" err="1" smtClean="0">
-                <a:solidFill>
-                  <a:schemeClr val="tx1"/>
-                </a:solidFill>
-                <a:effectLst/>
-                <a:latin typeface="+mn-lt"/>
-                <a:ea typeface="+mn-ea"/>
-                <a:cs typeface="+mn-cs"/>
-              </a:rPr>
-              <a:t>cloud.yaml</a:t>
-            </a:r>
-            <a:r>
-              <a:rPr lang="en-US" altLang="zh-CN" dirty="0" smtClean="0"/>
-              <a:t> </a:t>
-            </a:r>
-            <a:r>
-              <a:rPr lang="en-US" altLang="zh-CN" sz="1200" kern="1200" dirty="0" smtClean="0">
-                <a:solidFill>
-                  <a:schemeClr val="tx1"/>
-                </a:solidFill>
-                <a:effectLst/>
-                <a:latin typeface="+mn-lt"/>
-                <a:ea typeface="+mn-ea"/>
-                <a:cs typeface="+mn-cs"/>
-              </a:rPr>
-              <a:t>helm</a:t>
-            </a:r>
-            <a:r>
-              <a:rPr lang="en-US" altLang="zh-CN" dirty="0" smtClean="0"/>
-              <a:t> </a:t>
-            </a:r>
-            <a:r>
-              <a:rPr lang="en-US" altLang="zh-CN" sz="1200" kern="1200" dirty="0" smtClean="0">
-                <a:solidFill>
-                  <a:schemeClr val="tx1"/>
-                </a:solidFill>
-                <a:effectLst/>
-                <a:latin typeface="+mn-lt"/>
-                <a:ea typeface="+mn-ea"/>
-                <a:cs typeface="+mn-cs"/>
-              </a:rPr>
-              <a:t>install</a:t>
-            </a:r>
-            <a:r>
-              <a:rPr lang="en-US" altLang="zh-CN" dirty="0" smtClean="0"/>
-              <a:t> </a:t>
-            </a:r>
-            <a:r>
-              <a:rPr lang="en-US" altLang="zh-CN" sz="1200" kern="1200" dirty="0" smtClean="0">
-                <a:solidFill>
-                  <a:schemeClr val="tx1"/>
-                </a:solidFill>
-                <a:effectLst/>
-                <a:latin typeface="+mn-lt"/>
-                <a:ea typeface="+mn-ea"/>
-                <a:cs typeface="+mn-cs"/>
-              </a:rPr>
-              <a:t>--debug</a:t>
-            </a:r>
-            <a:r>
-              <a:rPr lang="en-US" altLang="zh-CN" dirty="0" smtClean="0"/>
-              <a:t> </a:t>
-            </a:r>
-            <a:r>
-              <a:rPr lang="en-US" altLang="zh-CN" sz="1200" kern="1200" dirty="0" err="1" smtClean="0">
-                <a:solidFill>
-                  <a:schemeClr val="tx1"/>
-                </a:solidFill>
-                <a:effectLst/>
-                <a:latin typeface="+mn-lt"/>
-                <a:ea typeface="+mn-ea"/>
-                <a:cs typeface="+mn-cs"/>
-              </a:rPr>
-              <a:t>kolla-kubernetes</a:t>
-            </a:r>
-            <a:r>
-              <a:rPr lang="en-US" altLang="zh-CN" sz="1200" kern="1200" dirty="0" smtClean="0">
-                <a:solidFill>
-                  <a:schemeClr val="tx1"/>
-                </a:solidFill>
-                <a:effectLst/>
-                <a:latin typeface="+mn-lt"/>
-                <a:ea typeface="+mn-ea"/>
-                <a:cs typeface="+mn-cs"/>
-              </a:rPr>
-              <a:t>/helm/service/</a:t>
-            </a:r>
-            <a:r>
-              <a:rPr lang="en-US" altLang="zh-CN" sz="1200" kern="1200" dirty="0" err="1" smtClean="0">
-                <a:solidFill>
-                  <a:schemeClr val="tx1"/>
-                </a:solidFill>
-                <a:effectLst/>
-                <a:latin typeface="+mn-lt"/>
-                <a:ea typeface="+mn-ea"/>
-                <a:cs typeface="+mn-cs"/>
-              </a:rPr>
-              <a:t>memcached</a:t>
-            </a:r>
-            <a:r>
-              <a:rPr lang="en-US" altLang="zh-CN" dirty="0" smtClean="0"/>
-              <a:t> </a:t>
-            </a:r>
-            <a:r>
-              <a:rPr lang="en-US" altLang="zh-CN" sz="1200" kern="1200" dirty="0" smtClean="0">
-                <a:solidFill>
-                  <a:schemeClr val="tx1"/>
-                </a:solidFill>
-                <a:effectLst/>
-                <a:latin typeface="+mn-lt"/>
-                <a:ea typeface="+mn-ea"/>
-                <a:cs typeface="+mn-cs"/>
-              </a:rPr>
-              <a:t>--namespace</a:t>
-            </a:r>
-            <a:r>
-              <a:rPr lang="en-US" altLang="zh-CN" dirty="0" smtClean="0"/>
-              <a:t> </a:t>
-            </a:r>
-            <a:r>
-              <a:rPr lang="en-US" altLang="zh-CN" sz="1200" kern="1200" dirty="0" err="1" smtClean="0">
-                <a:solidFill>
-                  <a:schemeClr val="tx1"/>
-                </a:solidFill>
-                <a:effectLst/>
-                <a:latin typeface="+mn-lt"/>
-                <a:ea typeface="+mn-ea"/>
-                <a:cs typeface="+mn-cs"/>
-              </a:rPr>
-              <a:t>kolla</a:t>
-            </a:r>
-            <a:r>
-              <a:rPr lang="en-US" altLang="zh-CN" dirty="0" smtClean="0"/>
-              <a:t> </a:t>
-            </a:r>
-            <a:r>
-              <a:rPr lang="en-US" altLang="zh-CN" sz="1200" kern="1200" dirty="0" smtClean="0">
-                <a:solidFill>
-                  <a:schemeClr val="tx1"/>
-                </a:solidFill>
-                <a:effectLst/>
-                <a:latin typeface="+mn-lt"/>
-                <a:ea typeface="+mn-ea"/>
-                <a:cs typeface="+mn-cs"/>
-              </a:rPr>
-              <a:t>--name</a:t>
-            </a:r>
-            <a:r>
-              <a:rPr lang="en-US" altLang="zh-CN" dirty="0" smtClean="0"/>
-              <a:t> </a:t>
-            </a:r>
-            <a:r>
-              <a:rPr lang="en-US" altLang="zh-CN" sz="1200" kern="1200" dirty="0" err="1" smtClean="0">
-                <a:solidFill>
-                  <a:schemeClr val="tx1"/>
-                </a:solidFill>
-                <a:effectLst/>
-                <a:latin typeface="+mn-lt"/>
-                <a:ea typeface="+mn-ea"/>
-                <a:cs typeface="+mn-cs"/>
-              </a:rPr>
-              <a:t>memcached</a:t>
-            </a:r>
-            <a:r>
-              <a:rPr lang="en-US" altLang="zh-CN" dirty="0" smtClean="0"/>
-              <a:t> </a:t>
-            </a:r>
-            <a:r>
-              <a:rPr lang="en-US" altLang="zh-CN" sz="1200" kern="1200" dirty="0" smtClean="0">
-                <a:solidFill>
-                  <a:schemeClr val="tx1"/>
-                </a:solidFill>
-                <a:effectLst/>
-                <a:latin typeface="+mn-lt"/>
-                <a:ea typeface="+mn-ea"/>
-                <a:cs typeface="+mn-cs"/>
-              </a:rPr>
-              <a:t>--values</a:t>
-            </a:r>
-            <a:r>
-              <a:rPr lang="en-US" altLang="zh-CN" dirty="0" smtClean="0"/>
-              <a:t> </a:t>
-            </a:r>
-            <a:r>
-              <a:rPr lang="en-US" altLang="zh-CN" sz="1200" kern="1200" dirty="0" smtClean="0">
-                <a:solidFill>
-                  <a:schemeClr val="tx1"/>
-                </a:solidFill>
-                <a:effectLst/>
-                <a:latin typeface="+mn-lt"/>
-                <a:ea typeface="+mn-ea"/>
-                <a:cs typeface="+mn-cs"/>
-              </a:rPr>
-              <a:t>./</a:t>
-            </a:r>
-            <a:r>
-              <a:rPr lang="en-US" altLang="zh-CN" sz="1200" kern="1200" dirty="0" err="1" smtClean="0">
-                <a:solidFill>
-                  <a:schemeClr val="tx1"/>
-                </a:solidFill>
-                <a:effectLst/>
-                <a:latin typeface="+mn-lt"/>
-                <a:ea typeface="+mn-ea"/>
-                <a:cs typeface="+mn-cs"/>
-              </a:rPr>
-              <a:t>cloud.yaml</a:t>
-            </a:r>
-            <a:r>
-              <a:rPr lang="en-US" altLang="zh-CN" dirty="0" smtClean="0"/>
-              <a:t> </a:t>
-            </a:r>
-            <a:endParaRPr lang="en-US" altLang="zh-CN" baseline="0" dirty="0" smtClean="0"/>
-          </a:p>
-        </p:txBody>
-      </p:sp>
-      <p:sp>
-        <p:nvSpPr>
-          <p:cNvPr id="4" name="灯片编号占位符 3"/>
-          <p:cNvSpPr>
-            <a:spLocks noGrp="1"/>
-          </p:cNvSpPr>
-          <p:nvPr>
-            <p:ph type="sldNum" sz="quarter" idx="10"/>
-          </p:nvPr>
-        </p:nvSpPr>
-        <p:spPr/>
-        <p:txBody>
-          <a:bodyPr/>
-          <a:lstStyle/>
-          <a:p>
-            <a:fld id="{A5880B28-9EFC-4886-B758-D4B847183D21}" type="slidenum">
-              <a:rPr lang="zh-CN" altLang="en-US" smtClean="0"/>
-              <a:t>23</a:t>
-            </a:fld>
-            <a:endParaRPr lang="zh-CN" altLang="en-US"/>
-          </a:p>
-        </p:txBody>
-      </p:sp>
-    </p:spTree>
-    <p:extLst>
-      <p:ext uri="{BB962C8B-B14F-4D97-AF65-F5344CB8AC3E}">
-        <p14:creationId xmlns:p14="http://schemas.microsoft.com/office/powerpoint/2010/main" val="2476524343"/>
-      </p:ext>
-    </p:extLst>
-  </p:cSld>
-  <p:clrMapOvr>
-    <a:masterClrMapping/>
-  </p:clrMapOvr>
-</p:notes>
-</file>
-
-<file path=ppt/notesSlides/notesSlide24.xml><?xml version="1.0" encoding="utf-8"?>
-<p:notes xmlns:a="http://schemas.openxmlformats.org/drawingml/2006/main" xmlns:r="http://schemas.openxmlformats.org/officeDocument/2006/relationships" xmlns:p="http://schemas.openxmlformats.org/presentationml/2006/main">
-  <p:cSld>
-    <p:spTree>
-      <p:nvGrpSpPr>
-        <p:cNvPr id="1" name=""/>
-        <p:cNvGrpSpPr/>
-        <p:nvPr/>
-      </p:nvGrpSpPr>
-      <p:grpSpPr>
-        <a:xfrm>
-          <a:off x="0" y="0"/>
-          <a:ext cx="0" cy="0"/>
-          <a:chOff x="0" y="0"/>
-          <a:chExt cx="0" cy="0"/>
-        </a:xfrm>
-      </p:grpSpPr>
-      <p:sp>
-        <p:nvSpPr>
-          <p:cNvPr id="2" name="幻灯片图像占位符 1"/>
-          <p:cNvSpPr>
-            <a:spLocks noGrp="1" noRot="1" noChangeAspect="1"/>
-          </p:cNvSpPr>
-          <p:nvPr>
-            <p:ph type="sldImg"/>
-          </p:nvPr>
-        </p:nvSpPr>
-        <p:spPr/>
-      </p:sp>
-      <p:sp>
-        <p:nvSpPr>
-          <p:cNvPr id="3" name="备注占位符 2"/>
-          <p:cNvSpPr>
-            <a:spLocks noGrp="1"/>
-          </p:cNvSpPr>
-          <p:nvPr>
-            <p:ph type="body" idx="1"/>
-          </p:nvPr>
-        </p:nvSpPr>
-        <p:spPr/>
-        <p:txBody>
-          <a:bodyPr/>
-          <a:lstStyle/>
-          <a:p>
-            <a:r>
-              <a:rPr lang="en-US" altLang="zh-CN" dirty="0" smtClean="0"/>
-              <a:t>0.5 min</a:t>
-            </a:r>
-          </a:p>
-          <a:p>
-            <a:r>
-              <a:rPr lang="zh-CN" altLang="en-US" dirty="0" smtClean="0"/>
-              <a:t>由于是使用</a:t>
-            </a:r>
-            <a:r>
-              <a:rPr lang="en-US" altLang="zh-CN" dirty="0" err="1" smtClean="0"/>
-              <a:t>kolla-kubernetes</a:t>
-            </a:r>
-            <a:r>
-              <a:rPr lang="zh-CN" altLang="en-US" dirty="0" smtClean="0"/>
-              <a:t>项目进行容器化部署到</a:t>
-            </a:r>
-            <a:r>
-              <a:rPr lang="en-US" altLang="zh-CN" dirty="0" err="1" smtClean="0"/>
-              <a:t>openshift</a:t>
-            </a:r>
-            <a:r>
-              <a:rPr lang="zh-CN" altLang="en-US" dirty="0" smtClean="0"/>
-              <a:t>上，所有还需要修改下配置以满足</a:t>
-            </a:r>
-            <a:r>
-              <a:rPr lang="en-US" altLang="zh-CN" dirty="0" err="1" smtClean="0"/>
-              <a:t>openshift</a:t>
-            </a:r>
-            <a:r>
-              <a:rPr lang="zh-CN" altLang="en-US" dirty="0" smtClean="0"/>
-              <a:t>的系统要求，如用户权限方面</a:t>
-            </a:r>
-            <a:endParaRPr lang="en-US" altLang="zh-CN" dirty="0" smtClean="0"/>
-          </a:p>
-          <a:p>
-            <a:r>
-              <a:rPr lang="zh-CN" altLang="en-US" dirty="0" smtClean="0"/>
-              <a:t>项目本身存在的一些问题，需要在安装部署时按需调整，如</a:t>
-            </a:r>
-            <a:r>
-              <a:rPr lang="en-US" altLang="zh-CN" dirty="0" err="1" smtClean="0"/>
-              <a:t>mariadb</a:t>
-            </a:r>
-            <a:r>
-              <a:rPr lang="zh-CN" altLang="en-US" dirty="0" smtClean="0"/>
-              <a:t>配置文件</a:t>
-            </a:r>
-            <a:endParaRPr lang="zh-CN" altLang="en-US" dirty="0"/>
-          </a:p>
-        </p:txBody>
-      </p:sp>
-      <p:sp>
-        <p:nvSpPr>
-          <p:cNvPr id="4" name="灯片编号占位符 3"/>
-          <p:cNvSpPr>
-            <a:spLocks noGrp="1"/>
-          </p:cNvSpPr>
-          <p:nvPr>
-            <p:ph type="sldNum" sz="quarter" idx="10"/>
-          </p:nvPr>
-        </p:nvSpPr>
-        <p:spPr/>
-        <p:txBody>
-          <a:bodyPr/>
-          <a:lstStyle/>
-          <a:p>
-            <a:fld id="{A5880B28-9EFC-4886-B758-D4B847183D21}" type="slidenum">
-              <a:rPr lang="zh-CN" altLang="en-US" smtClean="0"/>
-              <a:t>24</a:t>
-            </a:fld>
-            <a:endParaRPr lang="zh-CN" altLang="en-US"/>
-          </a:p>
-        </p:txBody>
-      </p:sp>
-    </p:spTree>
-    <p:extLst>
-      <p:ext uri="{BB962C8B-B14F-4D97-AF65-F5344CB8AC3E}">
-        <p14:creationId xmlns:p14="http://schemas.microsoft.com/office/powerpoint/2010/main" val="631202213"/>
-      </p:ext>
-    </p:extLst>
-  </p:cSld>
-  <p:clrMapOvr>
-    <a:masterClrMapping/>
-  </p:clrMapOvr>
-</p:notes>
-</file>
-
-<file path=ppt/notesSlides/notesSlide25.xml><?xml version="1.0" encoding="utf-8"?>
-<p:notes xmlns:a="http://schemas.openxmlformats.org/drawingml/2006/main" xmlns:r="http://schemas.openxmlformats.org/officeDocument/2006/relationships" xmlns:p="http://schemas.openxmlformats.org/presentationml/2006/main">
-  <p:cSld>
-    <p:spTree>
-      <p:nvGrpSpPr>
-        <p:cNvPr id="1" name=""/>
-        <p:cNvGrpSpPr/>
-        <p:nvPr/>
-      </p:nvGrpSpPr>
-      <p:grpSpPr>
-        <a:xfrm>
-          <a:off x="0" y="0"/>
-          <a:ext cx="0" cy="0"/>
-          <a:chOff x="0" y="0"/>
-          <a:chExt cx="0" cy="0"/>
-        </a:xfrm>
-      </p:grpSpPr>
-      <p:sp>
-        <p:nvSpPr>
-          <p:cNvPr id="2" name="幻灯片图像占位符 1"/>
-          <p:cNvSpPr>
-            <a:spLocks noGrp="1" noRot="1" noChangeAspect="1"/>
-          </p:cNvSpPr>
-          <p:nvPr>
-            <p:ph type="sldImg"/>
-          </p:nvPr>
-        </p:nvSpPr>
-        <p:spPr/>
-      </p:sp>
-      <p:sp>
-        <p:nvSpPr>
-          <p:cNvPr id="3" name="备注占位符 2"/>
-          <p:cNvSpPr>
-            <a:spLocks noGrp="1"/>
-          </p:cNvSpPr>
-          <p:nvPr>
-            <p:ph type="body" idx="1"/>
-          </p:nvPr>
-        </p:nvSpPr>
-        <p:spPr/>
-        <p:txBody>
-          <a:bodyPr/>
-          <a:lstStyle/>
-          <a:p>
-            <a:pPr marL="0" marR="0" lvl="0" indent="0" algn="l" defTabSz="914400" rtl="0" eaLnBrk="1" fontAlgn="auto" latinLnBrk="0" hangingPunct="1">
-              <a:lnSpc>
-                <a:spcPct val="100000"/>
-              </a:lnSpc>
-              <a:spcBef>
-                <a:spcPts val="0"/>
-              </a:spcBef>
-              <a:spcAft>
-                <a:spcPts val="0"/>
-              </a:spcAft>
-              <a:buClrTx/>
-              <a:buSzTx/>
-              <a:buFontTx/>
-              <a:buNone/>
-              <a:tabLst/>
-              <a:defRPr/>
-            </a:pPr>
-            <a:r>
-              <a:rPr lang="en-US" altLang="zh-CN" dirty="0" smtClean="0"/>
-              <a:t>2 min</a:t>
-            </a:r>
-          </a:p>
-          <a:p>
-            <a:pPr marL="0" marR="0" lvl="0" indent="0" algn="l" defTabSz="914400" rtl="0" eaLnBrk="1" fontAlgn="auto" latinLnBrk="0" hangingPunct="1">
-              <a:lnSpc>
-                <a:spcPct val="100000"/>
-              </a:lnSpc>
-              <a:spcBef>
-                <a:spcPts val="0"/>
-              </a:spcBef>
-              <a:spcAft>
-                <a:spcPts val="0"/>
-              </a:spcAft>
-              <a:buClrTx/>
-              <a:buSzTx/>
-              <a:buFontTx/>
-              <a:buNone/>
-              <a:tabLst/>
-              <a:defRPr/>
-            </a:pPr>
-            <a:r>
-              <a:rPr lang="zh-CN" altLang="en-US" dirty="0" smtClean="0"/>
-              <a:t>第一种：</a:t>
-            </a:r>
-            <a:endParaRPr lang="en-US" altLang="zh-CN" dirty="0" smtClean="0"/>
-          </a:p>
-          <a:p>
-            <a:pPr marL="0" marR="0" lvl="0" indent="0" algn="l" defTabSz="914400" rtl="0" eaLnBrk="1" fontAlgn="auto" latinLnBrk="0" hangingPunct="1">
-              <a:lnSpc>
-                <a:spcPct val="100000"/>
-              </a:lnSpc>
-              <a:spcBef>
-                <a:spcPts val="0"/>
-              </a:spcBef>
-              <a:spcAft>
-                <a:spcPts val="0"/>
-              </a:spcAft>
-              <a:buClrTx/>
-              <a:buSzTx/>
-              <a:buFontTx/>
-              <a:buNone/>
-              <a:tabLst/>
-              <a:defRPr/>
-            </a:pPr>
-            <a:r>
-              <a:rPr lang="zh-CN" altLang="en-US" dirty="0" smtClean="0"/>
-              <a:t>传统</a:t>
-            </a:r>
-            <a:r>
-              <a:rPr lang="en-US" altLang="zh-CN" dirty="0" smtClean="0"/>
-              <a:t>CI/CD</a:t>
-            </a:r>
-            <a:r>
-              <a:rPr lang="zh-CN" altLang="en-US" dirty="0" smtClean="0"/>
-              <a:t>方式，使用</a:t>
-            </a:r>
-            <a:r>
-              <a:rPr lang="en-US" altLang="zh-CN" dirty="0" smtClean="0"/>
-              <a:t>Jenkins+</a:t>
-            </a:r>
-            <a:r>
-              <a:rPr lang="zh-CN" altLang="en-US" dirty="0" smtClean="0"/>
-              <a:t>定时任务完成，使用容器或</a:t>
-            </a:r>
-            <a:r>
-              <a:rPr lang="en-US" altLang="zh-CN" dirty="0" smtClean="0"/>
-              <a:t>shell</a:t>
-            </a:r>
-            <a:r>
-              <a:rPr lang="zh-CN" altLang="en-US" smtClean="0"/>
-              <a:t>完成，可满足业务的自定义需求。</a:t>
-            </a:r>
-            <a:r>
-              <a:rPr lang="zh-CN" altLang="en-US" smtClean="0"/>
-              <a:t>缺点</a:t>
-            </a:r>
-            <a:r>
-              <a:rPr lang="zh-CN" altLang="en-US" smtClean="0"/>
-              <a:t>：不易维护、排错困难</a:t>
-            </a:r>
-            <a:endParaRPr lang="en-US" altLang="zh-CN" dirty="0" smtClean="0"/>
-          </a:p>
-          <a:p>
-            <a:pPr marL="0" marR="0" lvl="0" indent="0" algn="l" defTabSz="914400" rtl="0" eaLnBrk="1" fontAlgn="auto" latinLnBrk="0" hangingPunct="1">
-              <a:lnSpc>
-                <a:spcPct val="100000"/>
-              </a:lnSpc>
-              <a:spcBef>
-                <a:spcPts val="0"/>
-              </a:spcBef>
-              <a:spcAft>
-                <a:spcPts val="0"/>
-              </a:spcAft>
-              <a:buClrTx/>
-              <a:buSzTx/>
-              <a:buFontTx/>
-              <a:buNone/>
-              <a:tabLst/>
-              <a:defRPr/>
-            </a:pPr>
-            <a:r>
-              <a:rPr lang="zh-CN" altLang="en-US" dirty="0" smtClean="0"/>
-              <a:t>第二、三种：基于</a:t>
-            </a:r>
-            <a:r>
-              <a:rPr lang="en-US" altLang="zh-CN" dirty="0" err="1" smtClean="0"/>
-              <a:t>openshift</a:t>
-            </a:r>
-            <a:r>
-              <a:rPr lang="en-US" altLang="zh-CN" dirty="0" smtClean="0"/>
-              <a:t>/</a:t>
-            </a:r>
-            <a:r>
-              <a:rPr lang="en-US" altLang="zh-CN" dirty="0" err="1" smtClean="0"/>
-              <a:t>kubernetes</a:t>
-            </a:r>
-            <a:r>
-              <a:rPr lang="zh-CN" altLang="en-US" dirty="0" smtClean="0"/>
-              <a:t>等</a:t>
-            </a:r>
-            <a:r>
-              <a:rPr lang="en-US" altLang="zh-CN" dirty="0" smtClean="0"/>
-              <a:t>PAAS</a:t>
-            </a:r>
-            <a:r>
-              <a:rPr lang="zh-CN" altLang="en-US" dirty="0" smtClean="0"/>
-              <a:t>平台</a:t>
-            </a:r>
-            <a:endParaRPr lang="en-US" altLang="zh-CN" dirty="0" smtClean="0"/>
-          </a:p>
-          <a:p>
-            <a:pPr marL="0" marR="0" lvl="0" indent="0" algn="l" defTabSz="914400" rtl="0" eaLnBrk="1" fontAlgn="auto" latinLnBrk="0" hangingPunct="1">
-              <a:lnSpc>
-                <a:spcPct val="100000"/>
-              </a:lnSpc>
-              <a:spcBef>
-                <a:spcPts val="0"/>
-              </a:spcBef>
-              <a:spcAft>
-                <a:spcPts val="0"/>
-              </a:spcAft>
-              <a:buClrTx/>
-              <a:buSzTx/>
-              <a:buFontTx/>
-              <a:buNone/>
-              <a:tabLst/>
-              <a:defRPr/>
-            </a:pPr>
-            <a:r>
-              <a:rPr lang="en-US" altLang="zh-CN" dirty="0" smtClean="0"/>
-              <a:t>1.</a:t>
-            </a:r>
-            <a:r>
-              <a:rPr lang="zh-CN" altLang="en-US" dirty="0" smtClean="0"/>
-              <a:t>构建过程由</a:t>
-            </a:r>
-            <a:r>
-              <a:rPr lang="en-US" altLang="zh-CN" dirty="0" err="1" smtClean="0"/>
-              <a:t>kolla</a:t>
-            </a:r>
-            <a:r>
-              <a:rPr lang="zh-CN" altLang="en-US" dirty="0" smtClean="0"/>
-              <a:t>代码完成，使用</a:t>
-            </a:r>
-            <a:r>
-              <a:rPr lang="en-US" altLang="zh-CN" dirty="0" err="1" smtClean="0"/>
-              <a:t>jenkins</a:t>
-            </a:r>
-            <a:r>
-              <a:rPr lang="zh-CN" altLang="en-US" dirty="0" smtClean="0"/>
-              <a:t>或</a:t>
-            </a:r>
-            <a:r>
-              <a:rPr lang="en-US" altLang="zh-CN" dirty="0" smtClean="0"/>
-              <a:t>STI</a:t>
-            </a:r>
-            <a:r>
-              <a:rPr lang="zh-CN" altLang="en-US" dirty="0" smtClean="0"/>
-              <a:t>方式</a:t>
-            </a:r>
-            <a:r>
-              <a:rPr lang="en-US" altLang="zh-CN" dirty="0" smtClean="0"/>
-              <a:t>(</a:t>
-            </a:r>
-            <a:r>
-              <a:rPr lang="zh-CN" altLang="en-US" dirty="0" smtClean="0"/>
-              <a:t>需要自定义</a:t>
-            </a:r>
-            <a:r>
-              <a:rPr lang="en-US" altLang="zh-CN" dirty="0" smtClean="0"/>
-              <a:t>builder</a:t>
-            </a:r>
-            <a:r>
-              <a:rPr lang="zh-CN" altLang="en-US" dirty="0" smtClean="0"/>
-              <a:t>镜像</a:t>
-            </a:r>
-            <a:r>
-              <a:rPr lang="en-US" altLang="zh-CN" dirty="0" smtClean="0"/>
-              <a:t>)</a:t>
-            </a:r>
-          </a:p>
-          <a:p>
-            <a:pPr marL="0" marR="0" lvl="0" indent="0" algn="l" defTabSz="914400" rtl="0" eaLnBrk="1" fontAlgn="auto" latinLnBrk="0" hangingPunct="1">
-              <a:lnSpc>
-                <a:spcPct val="100000"/>
-              </a:lnSpc>
-              <a:spcBef>
-                <a:spcPts val="0"/>
-              </a:spcBef>
-              <a:spcAft>
-                <a:spcPts val="0"/>
-              </a:spcAft>
-              <a:buClrTx/>
-              <a:buSzTx/>
-              <a:buFontTx/>
-              <a:buNone/>
-              <a:tabLst/>
-              <a:defRPr/>
-            </a:pPr>
-            <a:r>
-              <a:rPr lang="en-US" altLang="zh-CN" dirty="0" smtClean="0"/>
-              <a:t>2.</a:t>
-            </a:r>
-            <a:r>
-              <a:rPr lang="zh-CN" altLang="en-US" dirty="0" smtClean="0"/>
-              <a:t>构建生成新镜像并</a:t>
-            </a:r>
-            <a:r>
-              <a:rPr lang="en-US" altLang="zh-CN" dirty="0" smtClean="0"/>
-              <a:t>Push</a:t>
-            </a:r>
-            <a:r>
-              <a:rPr lang="zh-CN" altLang="en-US" dirty="0" smtClean="0"/>
-              <a:t>到私有镜像仓库</a:t>
-            </a:r>
-          </a:p>
-          <a:p>
-            <a:pPr marL="0" marR="0" lvl="0" indent="0" algn="l" defTabSz="914400" rtl="0" eaLnBrk="1" fontAlgn="auto" latinLnBrk="0" hangingPunct="1">
-              <a:lnSpc>
-                <a:spcPct val="100000"/>
-              </a:lnSpc>
-              <a:spcBef>
-                <a:spcPts val="0"/>
-              </a:spcBef>
-              <a:spcAft>
-                <a:spcPts val="0"/>
-              </a:spcAft>
-              <a:buClrTx/>
-              <a:buSzTx/>
-              <a:buFontTx/>
-              <a:buNone/>
-              <a:tabLst/>
-              <a:defRPr/>
-            </a:pPr>
-            <a:r>
-              <a:rPr lang="en-US" altLang="zh-CN" dirty="0" smtClean="0"/>
-              <a:t>3.</a:t>
-            </a:r>
-            <a:r>
-              <a:rPr lang="zh-CN" altLang="en-US" dirty="0" smtClean="0"/>
-              <a:t>自动化部署到开发、测试环境</a:t>
-            </a:r>
-          </a:p>
-        </p:txBody>
-      </p:sp>
-      <p:sp>
-        <p:nvSpPr>
-          <p:cNvPr id="4" name="灯片编号占位符 3"/>
-          <p:cNvSpPr>
-            <a:spLocks noGrp="1"/>
-          </p:cNvSpPr>
-          <p:nvPr>
-            <p:ph type="sldNum" sz="quarter" idx="10"/>
-          </p:nvPr>
-        </p:nvSpPr>
-        <p:spPr/>
-        <p:txBody>
-          <a:bodyPr/>
-          <a:lstStyle/>
-          <a:p>
-            <a:fld id="{A5880B28-9EFC-4886-B758-D4B847183D21}" type="slidenum">
-              <a:rPr lang="zh-CN" altLang="en-US" smtClean="0"/>
-              <a:t>25</a:t>
-            </a:fld>
-            <a:endParaRPr lang="zh-CN" altLang="en-US"/>
-          </a:p>
-        </p:txBody>
-      </p:sp>
-    </p:spTree>
-    <p:extLst>
-      <p:ext uri="{BB962C8B-B14F-4D97-AF65-F5344CB8AC3E}">
-        <p14:creationId xmlns:p14="http://schemas.microsoft.com/office/powerpoint/2010/main" val="257368055"/>
       </p:ext>
     </p:extLst>
   </p:cSld>
@@ -10758,19 +8342,23 @@
           <a:bodyPr wrap="square" rtlCol="0">
             <a:spAutoFit/>
           </a:bodyPr>
-          <a:lstStyle/>
-          <a:p>
-            <a:r>
-              <a:rPr lang="en-US" altLang="zh-CN" sz="4000" b="1" dirty="0" err="1" smtClean="0">
+          <a:lstStyle>
+            <a:defPPr>
+              <a:defRPr lang="zh-CN"/>
+            </a:defPPr>
+            <a:lvl1pPr>
+              <a:defRPr sz="4000" b="1">
                 <a:latin typeface="+mj-ea"/>
                 <a:ea typeface="+mj-ea"/>
-              </a:rPr>
+              </a:defRPr>
+            </a:lvl1pPr>
+          </a:lstStyle>
+          <a:p>
+            <a:r>
+              <a:rPr lang="en-US" altLang="zh-CN" dirty="0" err="1"/>
               <a:t>Kolla-kubernetes</a:t>
             </a:r>
-            <a:endParaRPr lang="en-US" altLang="zh-CN" sz="4000" b="1" dirty="0" smtClean="0">
-              <a:latin typeface="+mj-ea"/>
-              <a:ea typeface="+mj-ea"/>
-            </a:endParaRPr>
+            <a:endParaRPr lang="en-US" altLang="zh-CN" dirty="0"/>
           </a:p>
         </p:txBody>
       </p:sp>
@@ -10985,7 +8573,7 @@
     </p:spTree>
     <p:extLst>
       <p:ext uri="{BB962C8B-B14F-4D97-AF65-F5344CB8AC3E}">
-        <p14:creationId xmlns:p14="http://schemas.microsoft.com/office/powerpoint/2010/main" val="1844179849"/>
+        <p14:creationId xmlns:p14="http://schemas.microsoft.com/office/powerpoint/2010/main" val="2747704636"/>
       </p:ext>
     </p:extLst>
   </p:cSld>
@@ -11222,7 +8810,7 @@
     </p:spTree>
     <p:extLst>
       <p:ext uri="{BB962C8B-B14F-4D97-AF65-F5344CB8AC3E}">
-        <p14:creationId xmlns:p14="http://schemas.microsoft.com/office/powerpoint/2010/main" val="1638114897"/>
+        <p14:creationId xmlns:p14="http://schemas.microsoft.com/office/powerpoint/2010/main" val="118373396"/>
       </p:ext>
     </p:extLst>
   </p:cSld>
@@ -11666,21 +9254,7 @@
                 <a:latin typeface="+mj-ea"/>
                 <a:ea typeface="+mj-ea"/>
               </a:rPr>
-              <a:t>Openshift</a:t>
-            </a:r>
-            <a:r>
-              <a:rPr lang="en-US" altLang="zh-CN" sz="4000" b="1" dirty="0" smtClean="0">
-                <a:latin typeface="+mj-ea"/>
-                <a:ea typeface="+mj-ea"/>
-              </a:rPr>
-              <a:t> </a:t>
-            </a:r>
-            <a:r>
-              <a:rPr lang="en-US" altLang="zh-CN" sz="4000" b="1" dirty="0" err="1" smtClean="0">
-                <a:latin typeface="+mj-ea"/>
-                <a:ea typeface="+mj-ea"/>
-              </a:rPr>
-              <a:t>kolla</a:t>
+              <a:t>Openshift+kolla</a:t>
             </a:r>
             <a:r>
               <a:rPr lang="en-US" altLang="zh-CN" sz="4000" b="1" dirty="0" smtClean="0">
@@ -11753,7 +9327,7 @@
     </p:spTree>
     <p:extLst>
       <p:ext uri="{BB962C8B-B14F-4D97-AF65-F5344CB8AC3E}">
-        <p14:creationId xmlns:p14="http://schemas.microsoft.com/office/powerpoint/2010/main" val="3247016250"/>
+        <p14:creationId xmlns:p14="http://schemas.microsoft.com/office/powerpoint/2010/main" val="1457458663"/>
       </p:ext>
     </p:extLst>
   </p:cSld>
@@ -12162,7 +9736,7 @@
     </p:spTree>
     <p:extLst>
       <p:ext uri="{BB962C8B-B14F-4D97-AF65-F5344CB8AC3E}">
-        <p14:creationId xmlns:p14="http://schemas.microsoft.com/office/powerpoint/2010/main" val="2723877658"/>
+        <p14:creationId xmlns:p14="http://schemas.microsoft.com/office/powerpoint/2010/main" val="3303826301"/>
       </p:ext>
     </p:extLst>
   </p:cSld>
@@ -12515,7 +10089,7 @@
     </p:spTree>
     <p:extLst>
       <p:ext uri="{BB962C8B-B14F-4D97-AF65-F5344CB8AC3E}">
-        <p14:creationId xmlns:p14="http://schemas.microsoft.com/office/powerpoint/2010/main" val="1336307781"/>
+        <p14:creationId xmlns:p14="http://schemas.microsoft.com/office/powerpoint/2010/main" val="312667220"/>
       </p:ext>
     </p:extLst>
   </p:cSld>
@@ -12542,9 +10116,45 @@
           <a:chExt cx="0" cy="0"/>
         </a:xfrm>
       </p:grpSpPr>
+      <p:sp>
+        <p:nvSpPr>
+          <p:cNvPr id="4" name="文本框 3"/>
+          <p:cNvSpPr txBox="1"/>
+          <p:nvPr/>
+        </p:nvSpPr>
+        <p:spPr>
+          <a:xfrm>
+            <a:off x="-28824" y="561623"/>
+            <a:ext cx="1728358" cy="707886"/>
+          </a:xfrm>
+          <a:prstGeom prst="rect">
+            <a:avLst/>
+          </a:prstGeom>
+          <a:noFill/>
+        </p:spPr>
+        <p:txBody>
+          <a:bodyPr wrap="none" rtlCol="0">
+            <a:spAutoFit/>
+          </a:bodyPr>
+          <a:lstStyle/>
+          <a:p>
+            <a:r>
+              <a:rPr lang="zh-CN" altLang="en-US" sz="4000" b="1" dirty="0" smtClean="0">
+                <a:latin typeface="+mj-ea"/>
+                <a:ea typeface="+mj-ea"/>
+              </a:rPr>
+              <a:t>流程图</a:t>
+            </a:r>
+            <a:endParaRPr lang="en-US" altLang="zh-CN" sz="4000" b="1" dirty="0" smtClean="0">
+              <a:latin typeface="+mj-ea"/>
+              <a:ea typeface="+mj-ea"/>
+            </a:endParaRPr>
+          </a:p>
+        </p:txBody>
+      </p:sp>
       <p:pic>
         <p:nvPicPr>
-          <p:cNvPr id="2" name="图片 1"/>
+          <p:cNvPr id="3" name="图片 2"/>
           <p:cNvPicPr>
             <a:picLocks noChangeAspect="1"/>
           </p:cNvPicPr>
@@ -12558,8 +10168,8 @@
         </p:blipFill>
         <p:spPr>
           <a:xfrm>
-            <a:off x="971600" y="915566"/>
-            <a:ext cx="7390476" cy="4047619"/>
+            <a:off x="14928" y="1164568"/>
+            <a:ext cx="5716990" cy="3291830"/>
           </a:xfrm>
           <a:prstGeom prst="rect">
             <a:avLst/>
@@ -12568,14 +10178,14 @@
       </p:pic>
       <p:sp>
         <p:nvSpPr>
-          <p:cNvPr id="4" name="文本框 3"/>
+          <p:cNvPr id="5" name="文本框 4"/>
           <p:cNvSpPr txBox="1"/>
           <p:nvPr/>
         </p:nvSpPr>
         <p:spPr>
           <a:xfrm>
-            <a:off x="-28824" y="561623"/>
-            <a:ext cx="3536546" cy="707886"/>
+            <a:off x="5743923" y="1492376"/>
+            <a:ext cx="3600666" cy="1569660"/>
           </a:xfrm>
           <a:prstGeom prst="rect">
             <a:avLst/>
@@ -12588,34 +10198,255 @@
           </a:bodyPr>
           <a:lstStyle/>
           <a:p>
-            <a:r>
-              <a:rPr lang="en-US" altLang="zh-CN" sz="4000" b="1" dirty="0" smtClean="0">
-                <a:latin typeface="+mj-ea"/>
-                <a:ea typeface="+mj-ea"/>
-              </a:rPr>
-              <a:t>Pipeline</a:t>
-            </a:r>
-            <a:r>
-              <a:rPr lang="zh-CN" altLang="en-US" sz="4000" b="1" dirty="0" smtClean="0">
-                <a:latin typeface="+mj-ea"/>
-                <a:ea typeface="+mj-ea"/>
-              </a:rPr>
-              <a:t>流程</a:t>
-            </a:r>
-            <a:r>
-              <a:rPr lang="en-US" altLang="zh-CN" sz="4000" b="1" dirty="0" smtClean="0">
-                <a:latin typeface="+mj-ea"/>
-                <a:ea typeface="+mj-ea"/>
-              </a:rPr>
+            <a:pPr marL="285750" indent="-285750">
+              <a:buFont typeface="Arial" panose="020B0604020202020204" pitchFamily="34" charset="0"/>
+              <a:buChar char="•"/>
+            </a:pPr>
+            <a:r>
+              <a:rPr lang="zh-CN" altLang="en-US" sz="1600" dirty="0" smtClean="0"/>
+              <a:t>所有操作</a:t>
+            </a:r>
+            <a:r>
+              <a:rPr lang="en-US" altLang="zh-CN" sz="1600" dirty="0" smtClean="0"/>
+              <a:t>/</a:t>
+            </a:r>
+            <a:r>
+              <a:rPr lang="zh-CN" altLang="en-US" sz="1600" dirty="0" smtClean="0"/>
+              <a:t>资源统一由</a:t>
+            </a:r>
+            <a:r>
+              <a:rPr lang="en-US" altLang="zh-CN" sz="1600" dirty="0" err="1" smtClean="0"/>
+              <a:t>openshift</a:t>
+            </a:r>
+            <a:r>
+              <a:rPr lang="zh-CN" altLang="en-US" sz="1600" dirty="0" smtClean="0"/>
+              <a:t>管理</a:t>
+            </a:r>
+            <a:endParaRPr lang="en-US" altLang="zh-CN" sz="1600" dirty="0" smtClean="0"/>
+          </a:p>
+          <a:p>
+            <a:pPr marL="742950" lvl="1" indent="-285750">
+              <a:buFont typeface="Wingdings" panose="05000000000000000000" pitchFamily="2" charset="2"/>
+              <a:buChar char="Ø"/>
+            </a:pPr>
+            <a:r>
+              <a:rPr lang="zh-CN" altLang="en-US" sz="1600" dirty="0" smtClean="0"/>
+              <a:t>配置文件</a:t>
+            </a:r>
+            <a:r>
+              <a:rPr lang="en-US" altLang="zh-CN" sz="1600" dirty="0"/>
               <a:t> </a:t>
             </a:r>
+            <a:r>
+              <a:rPr lang="en-US" altLang="zh-CN" sz="1600" dirty="0" smtClean="0"/>
+              <a:t>– </a:t>
+            </a:r>
+            <a:r>
+              <a:rPr lang="en-US" altLang="zh-CN" sz="1600" dirty="0" err="1" smtClean="0"/>
+              <a:t>configmap</a:t>
+            </a:r>
+            <a:endParaRPr lang="en-US" altLang="zh-CN" sz="1600" dirty="0" smtClean="0"/>
+          </a:p>
+          <a:p>
+            <a:pPr marL="742950" lvl="1" indent="-285750">
+              <a:buFont typeface="Wingdings" panose="05000000000000000000" pitchFamily="2" charset="2"/>
+              <a:buChar char="Ø"/>
+            </a:pPr>
+            <a:r>
+              <a:rPr lang="zh-CN" altLang="en-US" sz="1600" dirty="0" smtClean="0"/>
+              <a:t>用户密码 </a:t>
+            </a:r>
+            <a:r>
+              <a:rPr lang="en-US" altLang="zh-CN" sz="1600" dirty="0" smtClean="0"/>
+              <a:t>- secret</a:t>
+            </a:r>
+          </a:p>
+          <a:p>
+            <a:pPr marL="285750" indent="-285750">
+              <a:buFont typeface="Arial" panose="020B0604020202020204" pitchFamily="34" charset="0"/>
+              <a:buChar char="•"/>
+            </a:pPr>
+            <a:r>
+              <a:rPr lang="en-US" altLang="zh-CN" sz="1600" dirty="0" smtClean="0"/>
+              <a:t>PaaS</a:t>
+            </a:r>
+            <a:r>
+              <a:rPr lang="zh-CN" altLang="en-US" sz="1600" dirty="0" smtClean="0"/>
+              <a:t>平台提供运维支持</a:t>
+            </a:r>
+            <a:endParaRPr lang="en-US" altLang="zh-CN" sz="1600" dirty="0" smtClean="0"/>
+          </a:p>
+          <a:p>
+            <a:pPr marL="285750" indent="-285750">
+              <a:buFont typeface="Arial" panose="020B0604020202020204" pitchFamily="34" charset="0"/>
+              <a:buChar char="•"/>
+            </a:pPr>
+            <a:r>
+              <a:rPr lang="zh-CN" altLang="en-US" sz="1600" dirty="0" smtClean="0"/>
+              <a:t>自带监控系统可监控</a:t>
+            </a:r>
+            <a:r>
+              <a:rPr lang="en-US" altLang="zh-CN" sz="1600" dirty="0" err="1" smtClean="0"/>
+              <a:t>openstack</a:t>
+            </a:r>
+            <a:r>
+              <a:rPr lang="zh-CN" altLang="en-US" sz="1600" dirty="0" smtClean="0"/>
+              <a:t>服务</a:t>
+            </a:r>
+            <a:endParaRPr lang="en-US" altLang="zh-CN" sz="1600" dirty="0" smtClean="0"/>
+          </a:p>
+          <a:p>
+            <a:pPr marL="285750" indent="-285750">
+              <a:buFont typeface="Arial" panose="020B0604020202020204" pitchFamily="34" charset="0"/>
+              <a:buChar char="•"/>
+            </a:pPr>
+            <a:r>
+              <a:rPr lang="en-US" altLang="zh-CN" sz="1600" dirty="0" smtClean="0"/>
+              <a:t>Helm</a:t>
+            </a:r>
+            <a:r>
+              <a:rPr lang="zh-CN" altLang="en-US" sz="1600" dirty="0" smtClean="0"/>
+              <a:t>版本管理，升级和回滚方便</a:t>
+            </a:r>
+            <a:endParaRPr lang="zh-CN" altLang="en-US" sz="1600" dirty="0"/>
+          </a:p>
+        </p:txBody>
+      </p:sp>
+      <p:sp>
+        <p:nvSpPr>
+          <p:cNvPr id="6" name="矩形 5"/>
+          <p:cNvSpPr/>
+          <p:nvPr/>
+        </p:nvSpPr>
+        <p:spPr>
+          <a:xfrm>
+            <a:off x="5796555" y="1153822"/>
+            <a:ext cx="800219" cy="338554"/>
+          </a:xfrm>
+          <a:prstGeom prst="rect">
+            <a:avLst/>
+          </a:prstGeom>
+        </p:spPr>
+        <p:txBody>
+          <a:bodyPr wrap="none">
+            <a:spAutoFit/>
+          </a:bodyPr>
+          <a:lstStyle/>
+          <a:p>
+            <a:r>
+              <a:rPr lang="zh-CN" altLang="en-US" sz="1600" dirty="0"/>
+              <a:t>优点：</a:t>
+            </a:r>
+            <a:endParaRPr lang="en-US" altLang="zh-CN" sz="1600" dirty="0"/>
+          </a:p>
+        </p:txBody>
+      </p:sp>
+      <p:sp>
+        <p:nvSpPr>
+          <p:cNvPr id="8" name="文本框 7"/>
+          <p:cNvSpPr txBox="1"/>
+          <p:nvPr/>
+        </p:nvSpPr>
+        <p:spPr>
+          <a:xfrm>
+            <a:off x="5796555" y="3102352"/>
+            <a:ext cx="800219" cy="338554"/>
+          </a:xfrm>
+          <a:prstGeom prst="rect">
+            <a:avLst/>
+          </a:prstGeom>
+          <a:noFill/>
+        </p:spPr>
+        <p:txBody>
+          <a:bodyPr wrap="none" rtlCol="0">
+            <a:spAutoFit/>
+          </a:bodyPr>
+          <a:lstStyle/>
+          <a:p>
+            <a:r>
+              <a:rPr lang="zh-CN" altLang="en-US" sz="1600" dirty="0" smtClean="0"/>
+              <a:t>缺点：</a:t>
+            </a:r>
+            <a:endParaRPr lang="zh-CN" altLang="en-US" sz="1600" dirty="0"/>
+          </a:p>
+        </p:txBody>
+      </p:sp>
+      <p:sp>
+        <p:nvSpPr>
+          <p:cNvPr id="9" name="文本框 8"/>
+          <p:cNvSpPr txBox="1"/>
+          <p:nvPr/>
+        </p:nvSpPr>
+        <p:spPr>
+          <a:xfrm>
+            <a:off x="5796555" y="3481222"/>
+            <a:ext cx="3095925" cy="1077218"/>
+          </a:xfrm>
+          <a:prstGeom prst="rect">
+            <a:avLst/>
+          </a:prstGeom>
+          <a:noFill/>
+        </p:spPr>
+        <p:txBody>
+          <a:bodyPr wrap="square" rtlCol="0">
+            <a:spAutoFit/>
+          </a:bodyPr>
+          <a:lstStyle/>
+          <a:p>
+            <a:pPr marL="285750" indent="-285750">
+              <a:buFont typeface="Arial" panose="020B0604020202020204" pitchFamily="34" charset="0"/>
+              <a:buChar char="•"/>
+            </a:pPr>
+            <a:r>
+              <a:rPr lang="zh-CN" altLang="en-US" sz="1600" dirty="0" smtClean="0"/>
+              <a:t>需要成熟的</a:t>
+            </a:r>
+            <a:r>
+              <a:rPr lang="en-US" altLang="zh-CN" sz="1600" dirty="0" smtClean="0"/>
+              <a:t>PaaS</a:t>
+            </a:r>
+            <a:r>
+              <a:rPr lang="zh-CN" altLang="en-US" sz="1600" dirty="0" smtClean="0"/>
+              <a:t>平台支持，增加了额外的运维工作</a:t>
+            </a:r>
+            <a:endParaRPr lang="en-US" altLang="zh-CN" sz="1600" dirty="0"/>
+          </a:p>
+          <a:p>
+            <a:pPr marL="285750" indent="-285750">
+              <a:buFont typeface="Arial" panose="020B0604020202020204" pitchFamily="34" charset="0"/>
+              <a:buChar char="•"/>
+            </a:pPr>
+            <a:r>
+              <a:rPr lang="en-US" altLang="zh-CN" sz="1600" dirty="0" smtClean="0"/>
+              <a:t>Helm</a:t>
+            </a:r>
+            <a:r>
+              <a:rPr lang="zh-CN" altLang="en-US" sz="1600" dirty="0" smtClean="0"/>
+              <a:t>文件需要开发、维护</a:t>
+            </a:r>
+            <a:endParaRPr lang="en-US" altLang="zh-CN" sz="1600" dirty="0" smtClean="0"/>
+          </a:p>
+          <a:p>
+            <a:pPr marL="285750" indent="-285750">
+              <a:buFont typeface="Arial" panose="020B0604020202020204" pitchFamily="34" charset="0"/>
+              <a:buChar char="•"/>
+            </a:pPr>
+            <a:r>
+              <a:rPr lang="en-US" altLang="zh-CN" sz="1600" dirty="0" smtClean="0"/>
+              <a:t>STI</a:t>
+            </a:r>
+            <a:r>
+              <a:rPr lang="zh-CN" altLang="en-US" sz="1600" dirty="0" smtClean="0"/>
+              <a:t>构建镜像需要额外开发</a:t>
+            </a:r>
+            <a:endParaRPr lang="zh-CN" altLang="en-US" dirty="0"/>
           </a:p>
         </p:txBody>
       </p:sp>
     </p:spTree>
     <p:extLst>
       <p:ext uri="{BB962C8B-B14F-4D97-AF65-F5344CB8AC3E}">
-        <p14:creationId xmlns:p14="http://schemas.microsoft.com/office/powerpoint/2010/main" val="872480170"/>
+        <p14:creationId xmlns:p14="http://schemas.microsoft.com/office/powerpoint/2010/main" val="2366268110"/>
       </p:ext>
     </p:extLst>
   </p:cSld>
@@ -12651,182 +10482,47 @@
       </p:grpSpPr>
       <p:sp>
         <p:nvSpPr>
-          <p:cNvPr id="7" name="文本框 6"/>
-          <p:cNvSpPr txBox="1"/>
-          <p:nvPr/>
-        </p:nvSpPr>
-        <p:spPr>
-          <a:xfrm>
-            <a:off x="8358" y="627534"/>
-            <a:ext cx="2757486" cy="707886"/>
-          </a:xfrm>
-          <a:prstGeom prst="rect">
-            <a:avLst/>
-          </a:prstGeom>
-          <a:noFill/>
-        </p:spPr>
-        <p:txBody>
-          <a:bodyPr wrap="none" rtlCol="0">
-            <a:spAutoFit/>
+          <p:cNvPr id="4" name="标题 3"/>
+          <p:cNvSpPr>
+            <a:spLocks noGrp="1"/>
+          </p:cNvSpPr>
+          <p:nvPr>
+            <p:ph type="ctrTitle"/>
+          </p:nvPr>
+        </p:nvSpPr>
+        <p:spPr/>
+        <p:txBody>
+          <a:bodyPr>
+            <a:normAutofit/>
           </a:bodyPr>
           <a:lstStyle/>
           <a:p>
-            <a:r>
-              <a:rPr lang="zh-CN" altLang="en-US" sz="4000" b="1" dirty="0">
-                <a:latin typeface="+mj-ea"/>
-                <a:ea typeface="+mj-ea"/>
-              </a:rPr>
-              <a:t>传统方案：</a:t>
-            </a:r>
-            <a:endParaRPr lang="en-US" altLang="zh-CN" sz="4000" b="1" dirty="0">
-              <a:latin typeface="+mj-ea"/>
-              <a:ea typeface="+mj-ea"/>
-            </a:endParaRPr>
-          </a:p>
-        </p:txBody>
-      </p:sp>
-      <p:pic>
-        <p:nvPicPr>
-          <p:cNvPr id="8" name="图片 7"/>
-          <p:cNvPicPr>
-            <a:picLocks noChangeAspect="1"/>
-          </p:cNvPicPr>
-          <p:nvPr/>
-        </p:nvPicPr>
-        <p:blipFill>
-          <a:blip r:embed="rId3"/>
-          <a:stretch>
-            <a:fillRect/>
-          </a:stretch>
-        </p:blipFill>
-        <p:spPr>
-          <a:xfrm>
-            <a:off x="-18686" y="1481186"/>
-            <a:ext cx="5569059" cy="3642693"/>
-          </a:xfrm>
-          <a:prstGeom prst="rect">
-            <a:avLst/>
-          </a:prstGeom>
-        </p:spPr>
-      </p:pic>
-      <p:sp>
-        <p:nvSpPr>
-          <p:cNvPr id="6" name="文本框 5"/>
-          <p:cNvSpPr txBox="1"/>
-          <p:nvPr/>
-        </p:nvSpPr>
-        <p:spPr>
-          <a:xfrm>
-            <a:off x="5076056" y="2355726"/>
-            <a:ext cx="3695917" cy="1631216"/>
-          </a:xfrm>
-          <a:prstGeom prst="rect">
-            <a:avLst/>
-          </a:prstGeom>
-          <a:noFill/>
-        </p:spPr>
-        <p:txBody>
-          <a:bodyPr wrap="square" rtlCol="0">
-            <a:spAutoFit/>
-          </a:bodyPr>
-          <a:lstStyle/>
-          <a:p>
-            <a:pPr marL="285750" indent="-285750">
-              <a:buFont typeface="Arial" panose="020B0604020202020204" pitchFamily="34" charset="0"/>
-              <a:buChar char="•"/>
-            </a:pPr>
-            <a:r>
-              <a:rPr lang="zh-CN" altLang="en-US" sz="2000" dirty="0" smtClean="0"/>
-              <a:t>组织松散、跨平台</a:t>
-            </a:r>
-            <a:endParaRPr lang="en-US" altLang="zh-CN" sz="2000" dirty="0" smtClean="0"/>
-          </a:p>
-          <a:p>
-            <a:pPr marL="285750" indent="-285750">
-              <a:buFont typeface="Arial" panose="020B0604020202020204" pitchFamily="34" charset="0"/>
-              <a:buChar char="•"/>
-            </a:pPr>
-            <a:r>
-              <a:rPr lang="zh-CN" altLang="en-US" sz="2000" dirty="0" smtClean="0"/>
-              <a:t>没有统一的规范</a:t>
-            </a:r>
-            <a:endParaRPr lang="en-US" altLang="zh-CN" sz="2000" dirty="0" smtClean="0"/>
-          </a:p>
-          <a:p>
-            <a:pPr marL="285750" indent="-285750">
-              <a:buFont typeface="Arial" panose="020B0604020202020204" pitchFamily="34" charset="0"/>
-              <a:buChar char="•"/>
-            </a:pPr>
-            <a:r>
-              <a:rPr lang="zh-CN" altLang="en-US" sz="2000" dirty="0" smtClean="0"/>
-              <a:t>构建部署触发依赖定时任务</a:t>
-            </a:r>
-            <a:endParaRPr lang="en-US" altLang="zh-CN" sz="2000" dirty="0" smtClean="0"/>
-          </a:p>
-          <a:p>
-            <a:pPr marL="285750" indent="-285750">
-              <a:buFont typeface="Arial" panose="020B0604020202020204" pitchFamily="34" charset="0"/>
-              <a:buChar char="•"/>
-            </a:pPr>
-            <a:r>
-              <a:rPr lang="zh-CN" altLang="en-US" sz="2000" dirty="0" smtClean="0"/>
-              <a:t>升级困难</a:t>
-            </a:r>
-            <a:endParaRPr lang="en-US" altLang="zh-CN" sz="2000" dirty="0" smtClean="0"/>
-          </a:p>
-          <a:p>
-            <a:pPr marL="285750" indent="-285750">
-              <a:buFont typeface="Arial" panose="020B0604020202020204" pitchFamily="34" charset="0"/>
-              <a:buChar char="•"/>
-            </a:pPr>
-            <a:r>
-              <a:rPr lang="zh-CN" altLang="en-US" sz="2000" dirty="0" smtClean="0"/>
-              <a:t>缺少监控和运维</a:t>
-            </a:r>
-            <a:endParaRPr lang="zh-CN" altLang="en-US" sz="2000" dirty="0"/>
-          </a:p>
-        </p:txBody>
-      </p:sp>
-      <p:sp>
-        <p:nvSpPr>
-          <p:cNvPr id="2" name="文本框 1"/>
-          <p:cNvSpPr txBox="1"/>
-          <p:nvPr/>
-        </p:nvSpPr>
-        <p:spPr>
-          <a:xfrm>
-            <a:off x="5171574" y="1908870"/>
-            <a:ext cx="1107996" cy="461665"/>
-          </a:xfrm>
-          <a:prstGeom prst="rect">
-            <a:avLst/>
-          </a:prstGeom>
-          <a:noFill/>
-        </p:spPr>
-        <p:txBody>
-          <a:bodyPr wrap="none" rtlCol="0">
-            <a:spAutoFit/>
-          </a:bodyPr>
-          <a:lstStyle/>
-          <a:p>
-            <a:r>
-              <a:rPr lang="zh-CN" altLang="en-US" sz="2400" dirty="0" smtClean="0"/>
-              <a:t>问题：</a:t>
-            </a:r>
-            <a:endParaRPr lang="zh-CN" altLang="en-US" sz="2400" dirty="0"/>
+            <a:pPr algn="l"/>
+            <a:r>
+              <a:rPr lang="en-US" altLang="zh-CN" sz="5400" b="1" dirty="0" smtClean="0"/>
+              <a:t>Thank You</a:t>
+            </a:r>
+            <a:endParaRPr lang="zh-CN" altLang="en-US" sz="5400" b="1" dirty="0"/>
           </a:p>
         </p:txBody>
       </p:sp>
     </p:spTree>
     <p:extLst>
       <p:ext uri="{BB962C8B-B14F-4D97-AF65-F5344CB8AC3E}">
-        <p14:creationId xmlns:p14="http://schemas.microsoft.com/office/powerpoint/2010/main" val="907472857"/>
+        <p14:creationId xmlns:p14="http://schemas.microsoft.com/office/powerpoint/2010/main" val="118747174"/>
       </p:ext>
     </p:extLst>
   </p:cSld>
   <p:clrMapOvr>
     <a:masterClrMapping/>
   </p:clrMapOvr>
+  <p:timing>
+    <p:tnLst>
+      <p:par>
+        <p:cTn id="1" dur="indefinite" restart="never" nodeType="tmRoot"/>
+      </p:par>
+    </p:tnLst>
+  </p:timing>
 </p:sld>
 </file>
 
@@ -12959,2227 +10655,6 @@
     <p:extLst>
       <p:ext uri="{BB962C8B-B14F-4D97-AF65-F5344CB8AC3E}">
         <p14:creationId xmlns:p14="http://schemas.microsoft.com/office/powerpoint/2010/main" val="1716703462"/>
-      </p:ext>
-    </p:extLst>
-  </p:cSld>
-  <p:clrMapOvr>
-    <a:masterClrMapping/>
-  </p:clrMapOvr>
-  <p:timing>
-    <p:tnLst>
-      <p:par>
-        <p:cTn id="1" dur="indefinite" restart="never" nodeType="tmRoot"/>
-      </p:par>
-    </p:tnLst>
-  </p:timing>
-</p:sld>
-</file>
-
-<file path=ppt/slides/slide20.xml><?xml version="1.0" encoding="utf-8"?>
-<p:sld xmlns:a="http://schemas.openxmlformats.org/drawingml/2006/main" xmlns:r="http://schemas.openxmlformats.org/officeDocument/2006/relationships" xmlns:p="http://schemas.openxmlformats.org/presentationml/2006/main">
-  <p:cSld>
-    <p:spTree>
-      <p:nvGrpSpPr>
-        <p:cNvPr id="1" name=""/>
-        <p:cNvGrpSpPr/>
-        <p:nvPr/>
-      </p:nvGrpSpPr>
-      <p:grpSpPr>
-        <a:xfrm>
-          <a:off x="0" y="0"/>
-          <a:ext cx="0" cy="0"/>
-          <a:chOff x="0" y="0"/>
-          <a:chExt cx="0" cy="0"/>
-        </a:xfrm>
-      </p:grpSpPr>
-      <p:sp>
-        <p:nvSpPr>
-          <p:cNvPr id="4" name="文本框 3"/>
-          <p:cNvSpPr txBox="1"/>
-          <p:nvPr/>
-        </p:nvSpPr>
-        <p:spPr>
-          <a:xfrm>
-            <a:off x="19132" y="9029"/>
-            <a:ext cx="5688632" cy="720080"/>
-          </a:xfrm>
-          <a:prstGeom prst="rect">
-            <a:avLst/>
-          </a:prstGeom>
-          <a:noFill/>
-        </p:spPr>
-        <p:txBody>
-          <a:bodyPr wrap="square" rtlCol="0">
-            <a:spAutoFit/>
-          </a:bodyPr>
-          <a:lstStyle>
-            <a:defPPr>
-              <a:defRPr lang="zh-CN"/>
-            </a:defPPr>
-            <a:lvl1pPr>
-              <a:defRPr sz="4000" b="1">
-                <a:latin typeface="+mj-ea"/>
-                <a:ea typeface="+mj-ea"/>
-              </a:defRPr>
-            </a:lvl1pPr>
-          </a:lstStyle>
-          <a:p>
-            <a:r>
-              <a:rPr lang="en-US" altLang="zh-CN" dirty="0" err="1"/>
-              <a:t>Kolla-kubernetes</a:t>
-            </a:r>
-            <a:endParaRPr lang="en-US" altLang="zh-CN" dirty="0"/>
-          </a:p>
-        </p:txBody>
-      </p:sp>
-      <p:sp>
-        <p:nvSpPr>
-          <p:cNvPr id="5" name="文本框 4"/>
-          <p:cNvSpPr txBox="1"/>
-          <p:nvPr/>
-        </p:nvSpPr>
-        <p:spPr>
-          <a:xfrm>
-            <a:off x="250234" y="985251"/>
-            <a:ext cx="2142386" cy="461665"/>
-          </a:xfrm>
-          <a:prstGeom prst="rect">
-            <a:avLst/>
-          </a:prstGeom>
-          <a:noFill/>
-        </p:spPr>
-        <p:txBody>
-          <a:bodyPr wrap="square" rtlCol="0">
-            <a:spAutoFit/>
-          </a:bodyPr>
-          <a:lstStyle/>
-          <a:p>
-            <a:r>
-              <a:rPr lang="en-US" altLang="zh-CN" sz="2400" dirty="0" smtClean="0"/>
-              <a:t>Kubernetes:</a:t>
-            </a:r>
-            <a:endParaRPr lang="zh-CN" altLang="en-US" sz="2400" dirty="0"/>
-          </a:p>
-        </p:txBody>
-      </p:sp>
-      <p:sp>
-        <p:nvSpPr>
-          <p:cNvPr id="6" name="文本框 5"/>
-          <p:cNvSpPr txBox="1"/>
-          <p:nvPr/>
-        </p:nvSpPr>
-        <p:spPr>
-          <a:xfrm>
-            <a:off x="395537" y="1466634"/>
-            <a:ext cx="8280920" cy="1015663"/>
-          </a:xfrm>
-          <a:prstGeom prst="rect">
-            <a:avLst/>
-          </a:prstGeom>
-          <a:noFill/>
-        </p:spPr>
-        <p:txBody>
-          <a:bodyPr wrap="square" rtlCol="0">
-            <a:spAutoFit/>
-          </a:bodyPr>
-          <a:lstStyle/>
-          <a:p>
-            <a:r>
-              <a:rPr lang="zh-CN" altLang="en-US" sz="2000" dirty="0" smtClean="0"/>
-              <a:t>容器云管理平台，提供多种自动化部署策略，支持多种负责条件的节点调度，满足生产环境的负责应用场景，支持弹性伸缩功能，可根据业务需求调整后端数量，同时可以借助第三方系统实现应用的持续集成。</a:t>
-            </a:r>
-            <a:endParaRPr lang="zh-CN" altLang="en-US" sz="2000" dirty="0"/>
-          </a:p>
-        </p:txBody>
-      </p:sp>
-      <p:sp>
-        <p:nvSpPr>
-          <p:cNvPr id="11" name="文本框 10"/>
-          <p:cNvSpPr txBox="1"/>
-          <p:nvPr/>
-        </p:nvSpPr>
-        <p:spPr>
-          <a:xfrm>
-            <a:off x="250234" y="2667908"/>
-            <a:ext cx="2374304" cy="461665"/>
-          </a:xfrm>
-          <a:prstGeom prst="rect">
-            <a:avLst/>
-          </a:prstGeom>
-          <a:noFill/>
-        </p:spPr>
-        <p:txBody>
-          <a:bodyPr wrap="none" rtlCol="0">
-            <a:spAutoFit/>
-          </a:bodyPr>
-          <a:lstStyle/>
-          <a:p>
-            <a:r>
-              <a:rPr lang="en-US" altLang="zh-CN" sz="2400" dirty="0" err="1" smtClean="0"/>
-              <a:t>Kolla-kubernetes</a:t>
-            </a:r>
-            <a:r>
-              <a:rPr lang="en-US" altLang="zh-CN" sz="2400" dirty="0" smtClean="0"/>
-              <a:t>:</a:t>
-            </a:r>
-            <a:endParaRPr lang="zh-CN" altLang="en-US" sz="2400" dirty="0"/>
-          </a:p>
-        </p:txBody>
-      </p:sp>
-      <p:sp>
-        <p:nvSpPr>
-          <p:cNvPr id="12" name="文本框 11"/>
-          <p:cNvSpPr txBox="1"/>
-          <p:nvPr/>
-        </p:nvSpPr>
-        <p:spPr>
-          <a:xfrm>
-            <a:off x="395538" y="3219823"/>
-            <a:ext cx="8280920" cy="1368151"/>
-          </a:xfrm>
-          <a:prstGeom prst="rect">
-            <a:avLst/>
-          </a:prstGeom>
-          <a:noFill/>
-        </p:spPr>
-        <p:txBody>
-          <a:bodyPr wrap="square" rtlCol="0">
-            <a:spAutoFit/>
-          </a:bodyPr>
-          <a:lstStyle/>
-          <a:p>
-            <a:r>
-              <a:rPr lang="zh-CN" altLang="en-US" sz="2000" dirty="0" smtClean="0"/>
-              <a:t>将容器化</a:t>
-            </a:r>
-            <a:r>
-              <a:rPr lang="en-US" altLang="zh-CN" sz="2000" dirty="0" err="1" smtClean="0"/>
-              <a:t>openstack</a:t>
-            </a:r>
-            <a:r>
-              <a:rPr lang="zh-CN" altLang="en-US" sz="2000" dirty="0" smtClean="0"/>
-              <a:t>与</a:t>
-            </a:r>
-            <a:r>
-              <a:rPr lang="en-US" altLang="zh-CN" sz="2000" dirty="0" err="1" smtClean="0"/>
-              <a:t>kubernetes</a:t>
-            </a:r>
-            <a:r>
-              <a:rPr lang="zh-CN" altLang="en-US" sz="2000" dirty="0" smtClean="0"/>
-              <a:t>结合，</a:t>
-            </a:r>
-            <a:r>
-              <a:rPr lang="en-US" altLang="zh-CN" sz="2000" dirty="0" smtClean="0"/>
-              <a:t>OpenStack</a:t>
-            </a:r>
-            <a:r>
-              <a:rPr lang="zh-CN" altLang="en-US" sz="2000" dirty="0" smtClean="0"/>
-              <a:t>看作是运行在</a:t>
-            </a:r>
-            <a:r>
-              <a:rPr lang="en-US" altLang="zh-CN" sz="2000" dirty="0" err="1" smtClean="0"/>
-              <a:t>kubernetes</a:t>
-            </a:r>
-            <a:r>
-              <a:rPr lang="zh-CN" altLang="en-US" sz="2000" dirty="0" smtClean="0"/>
-              <a:t>集群上一个应用程序，和其他应用一样使用</a:t>
-            </a:r>
-            <a:r>
-              <a:rPr lang="en-US" altLang="zh-CN" sz="2000" dirty="0" smtClean="0"/>
-              <a:t>k8s</a:t>
-            </a:r>
-            <a:r>
-              <a:rPr lang="zh-CN" altLang="en-US" sz="2000" dirty="0" smtClean="0"/>
-              <a:t>提供的服务；</a:t>
-            </a:r>
-            <a:r>
-              <a:rPr lang="en-US" altLang="zh-CN" sz="2000" dirty="0" smtClean="0"/>
-              <a:t>k8s</a:t>
-            </a:r>
-            <a:r>
-              <a:rPr lang="zh-CN" altLang="en-US" sz="2000" dirty="0" smtClean="0"/>
-              <a:t>的集群特性可以为</a:t>
-            </a:r>
-            <a:r>
-              <a:rPr lang="en-US" altLang="zh-CN" sz="2000" dirty="0" smtClean="0"/>
-              <a:t>OpenStack</a:t>
-            </a:r>
-            <a:r>
-              <a:rPr lang="zh-CN" altLang="en-US" sz="2000" dirty="0" smtClean="0"/>
-              <a:t>提供运维支持；同时</a:t>
-            </a:r>
-            <a:r>
-              <a:rPr lang="en-US" altLang="zh-CN" sz="2000" dirty="0" smtClean="0"/>
-              <a:t>OpenStack</a:t>
-            </a:r>
-            <a:r>
-              <a:rPr lang="zh-CN" altLang="en-US" sz="2000" dirty="0" smtClean="0"/>
-              <a:t>的</a:t>
-            </a:r>
-            <a:r>
-              <a:rPr lang="en-US" altLang="zh-CN" sz="2000" dirty="0"/>
-              <a:t>I</a:t>
-            </a:r>
-            <a:r>
-              <a:rPr lang="en-US" altLang="zh-CN" sz="2000" dirty="0" smtClean="0"/>
-              <a:t>ronic </a:t>
-            </a:r>
-            <a:r>
-              <a:rPr lang="zh-CN" altLang="en-US" sz="2000" dirty="0" smtClean="0"/>
-              <a:t>还可以通过一定方式为</a:t>
-            </a:r>
-            <a:r>
-              <a:rPr lang="en-US" altLang="zh-CN" sz="2000" dirty="0" smtClean="0"/>
-              <a:t>k8s</a:t>
-            </a:r>
-            <a:r>
-              <a:rPr lang="zh-CN" altLang="en-US" sz="2000" dirty="0" smtClean="0"/>
-              <a:t>集群提供裸机管理服务。</a:t>
-            </a:r>
-            <a:endParaRPr lang="zh-CN" altLang="en-US" sz="2000" dirty="0"/>
-          </a:p>
-        </p:txBody>
-      </p:sp>
-    </p:spTree>
-    <p:extLst>
-      <p:ext uri="{BB962C8B-B14F-4D97-AF65-F5344CB8AC3E}">
-        <p14:creationId xmlns:p14="http://schemas.microsoft.com/office/powerpoint/2010/main" val="2747704636"/>
-      </p:ext>
-    </p:extLst>
-  </p:cSld>
-  <p:clrMapOvr>
-    <a:masterClrMapping/>
-  </p:clrMapOvr>
-  <p:timing>
-    <p:tnLst>
-      <p:par>
-        <p:cTn id="1" dur="indefinite" restart="never" nodeType="tmRoot"/>
-      </p:par>
-    </p:tnLst>
-  </p:timing>
-</p:sld>
-</file>
-
-<file path=ppt/slides/slide21.xml><?xml version="1.0" encoding="utf-8"?>
-<p:sld xmlns:a="http://schemas.openxmlformats.org/drawingml/2006/main" xmlns:r="http://schemas.openxmlformats.org/officeDocument/2006/relationships" xmlns:p="http://schemas.openxmlformats.org/presentationml/2006/main">
-  <p:cSld>
-    <p:spTree>
-      <p:nvGrpSpPr>
-        <p:cNvPr id="1" name=""/>
-        <p:cNvGrpSpPr/>
-        <p:nvPr/>
-      </p:nvGrpSpPr>
-      <p:grpSpPr>
-        <a:xfrm>
-          <a:off x="0" y="0"/>
-          <a:ext cx="0" cy="0"/>
-          <a:chOff x="0" y="0"/>
-          <a:chExt cx="0" cy="0"/>
-        </a:xfrm>
-      </p:grpSpPr>
-      <p:pic>
-        <p:nvPicPr>
-          <p:cNvPr id="25" name="图片 24"/>
-          <p:cNvPicPr>
-            <a:picLocks noChangeAspect="1"/>
-          </p:cNvPicPr>
-          <p:nvPr/>
-        </p:nvPicPr>
-        <p:blipFill>
-          <a:blip r:embed="rId3"/>
-          <a:stretch>
-            <a:fillRect/>
-          </a:stretch>
-        </p:blipFill>
-        <p:spPr>
-          <a:xfrm>
-            <a:off x="4860032" y="831364"/>
-            <a:ext cx="4176464" cy="3854671"/>
-          </a:xfrm>
-          <a:prstGeom prst="rect">
-            <a:avLst/>
-          </a:prstGeom>
-        </p:spPr>
-      </p:pic>
-      <p:sp>
-        <p:nvSpPr>
-          <p:cNvPr id="26" name="文本框 25"/>
-          <p:cNvSpPr txBox="1"/>
-          <p:nvPr/>
-        </p:nvSpPr>
-        <p:spPr>
-          <a:xfrm>
-            <a:off x="179512" y="1673604"/>
-            <a:ext cx="4038413" cy="461665"/>
-          </a:xfrm>
-          <a:prstGeom prst="rect">
-            <a:avLst/>
-          </a:prstGeom>
-          <a:noFill/>
-        </p:spPr>
-        <p:txBody>
-          <a:bodyPr wrap="none" rtlCol="0">
-            <a:spAutoFit/>
-          </a:bodyPr>
-          <a:lstStyle/>
-          <a:p>
-            <a:r>
-              <a:rPr lang="en-US" altLang="zh-CN" sz="2400" dirty="0" err="1" smtClean="0"/>
-              <a:t>All_values.yaml</a:t>
-            </a:r>
-            <a:r>
-              <a:rPr lang="en-US" altLang="zh-CN" sz="2400" dirty="0" smtClean="0"/>
-              <a:t>:</a:t>
-            </a:r>
-            <a:r>
-              <a:rPr lang="zh-CN" altLang="en-US" sz="2400" dirty="0" smtClean="0"/>
-              <a:t>所有配置参数</a:t>
-            </a:r>
-            <a:endParaRPr lang="zh-CN" altLang="en-US" sz="2400" dirty="0"/>
-          </a:p>
-        </p:txBody>
-      </p:sp>
-      <p:sp>
-        <p:nvSpPr>
-          <p:cNvPr id="27" name="文本框 26"/>
-          <p:cNvSpPr txBox="1"/>
-          <p:nvPr/>
-        </p:nvSpPr>
-        <p:spPr>
-          <a:xfrm>
-            <a:off x="179512" y="2211710"/>
-            <a:ext cx="4531882" cy="461665"/>
-          </a:xfrm>
-          <a:prstGeom prst="rect">
-            <a:avLst/>
-          </a:prstGeom>
-          <a:noFill/>
-        </p:spPr>
-        <p:txBody>
-          <a:bodyPr wrap="none" rtlCol="0">
-            <a:spAutoFit/>
-          </a:bodyPr>
-          <a:lstStyle/>
-          <a:p>
-            <a:r>
-              <a:rPr lang="en-US" altLang="zh-CN" sz="2400" dirty="0" err="1" smtClean="0"/>
-              <a:t>Kolla</a:t>
-            </a:r>
-            <a:r>
-              <a:rPr lang="en-US" altLang="zh-CN" sz="2400" dirty="0" smtClean="0"/>
-              <a:t>-common:</a:t>
-            </a:r>
-            <a:r>
-              <a:rPr lang="zh-CN" altLang="en-US" sz="2400" dirty="0" smtClean="0"/>
-              <a:t>提取公共模块复用</a:t>
-            </a:r>
-            <a:endParaRPr lang="zh-CN" altLang="en-US" sz="2400" dirty="0"/>
-          </a:p>
-        </p:txBody>
-      </p:sp>
-      <p:sp>
-        <p:nvSpPr>
-          <p:cNvPr id="28" name="文本框 27"/>
-          <p:cNvSpPr txBox="1"/>
-          <p:nvPr/>
-        </p:nvSpPr>
-        <p:spPr>
-          <a:xfrm>
-            <a:off x="179512" y="2749816"/>
-            <a:ext cx="4026615" cy="461665"/>
-          </a:xfrm>
-          <a:prstGeom prst="rect">
-            <a:avLst/>
-          </a:prstGeom>
-          <a:noFill/>
-        </p:spPr>
-        <p:txBody>
-          <a:bodyPr wrap="none" rtlCol="0">
-            <a:spAutoFit/>
-          </a:bodyPr>
-          <a:lstStyle/>
-          <a:p>
-            <a:r>
-              <a:rPr lang="en-US" altLang="zh-CN" sz="2400" dirty="0" err="1" smtClean="0"/>
-              <a:t>Microservice</a:t>
-            </a:r>
-            <a:r>
-              <a:rPr lang="en-US" altLang="zh-CN" sz="2400" dirty="0" smtClean="0"/>
-              <a:t>:</a:t>
-            </a:r>
-            <a:r>
-              <a:rPr lang="zh-CN" altLang="en-US" sz="2400" dirty="0"/>
-              <a:t>被</a:t>
-            </a:r>
-            <a:r>
-              <a:rPr lang="zh-CN" altLang="en-US" sz="2400" dirty="0" smtClean="0"/>
-              <a:t>拆分的微服务</a:t>
-            </a:r>
-            <a:endParaRPr lang="zh-CN" altLang="en-US" sz="2400" dirty="0"/>
-          </a:p>
-        </p:txBody>
-      </p:sp>
-      <p:pic>
-        <p:nvPicPr>
-          <p:cNvPr id="29" name="图片 28"/>
-          <p:cNvPicPr>
-            <a:picLocks noChangeAspect="1"/>
-          </p:cNvPicPr>
-          <p:nvPr/>
-        </p:nvPicPr>
-        <p:blipFill>
-          <a:blip r:embed="rId4"/>
-          <a:stretch>
-            <a:fillRect/>
-          </a:stretch>
-        </p:blipFill>
-        <p:spPr>
-          <a:xfrm>
-            <a:off x="6209722" y="831364"/>
-            <a:ext cx="2813194" cy="3883243"/>
-          </a:xfrm>
-          <a:prstGeom prst="rect">
-            <a:avLst/>
-          </a:prstGeom>
-        </p:spPr>
-      </p:pic>
-      <p:sp>
-        <p:nvSpPr>
-          <p:cNvPr id="30" name="文本框 29"/>
-          <p:cNvSpPr txBox="1"/>
-          <p:nvPr/>
-        </p:nvSpPr>
-        <p:spPr>
-          <a:xfrm>
-            <a:off x="179512" y="3287922"/>
-            <a:ext cx="3935373" cy="461665"/>
-          </a:xfrm>
-          <a:prstGeom prst="rect">
-            <a:avLst/>
-          </a:prstGeom>
-          <a:noFill/>
-        </p:spPr>
-        <p:txBody>
-          <a:bodyPr wrap="none" rtlCol="0">
-            <a:spAutoFit/>
-          </a:bodyPr>
-          <a:lstStyle/>
-          <a:p>
-            <a:r>
-              <a:rPr lang="en-US" altLang="zh-CN" sz="2400" dirty="0" smtClean="0"/>
-              <a:t>Service:</a:t>
-            </a:r>
-            <a:r>
-              <a:rPr lang="zh-CN" altLang="en-US" sz="2400" dirty="0" smtClean="0"/>
-              <a:t>所有支持的所有服务</a:t>
-            </a:r>
-            <a:endParaRPr lang="en-US" altLang="zh-CN" sz="2400" dirty="0" smtClean="0"/>
-          </a:p>
-        </p:txBody>
-      </p:sp>
-    </p:spTree>
-    <p:extLst>
-      <p:ext uri="{BB962C8B-B14F-4D97-AF65-F5344CB8AC3E}">
-        <p14:creationId xmlns:p14="http://schemas.microsoft.com/office/powerpoint/2010/main" val="118373396"/>
-      </p:ext>
-    </p:extLst>
-  </p:cSld>
-  <p:clrMapOvr>
-    <a:masterClrMapping/>
-  </p:clrMapOvr>
-  <p:timing>
-    <p:tnLst>
-      <p:par>
-        <p:cTn id="1" dur="indefinite" restart="never" nodeType="tmRoot">
-          <p:childTnLst>
-            <p:seq concurrent="1" nextAc="seek">
-              <p:cTn id="2" dur="indefinite" nodeType="mainSeq">
-                <p:childTnLst>
-                  <p:par>
-                    <p:cTn id="3" fill="hold">
-                      <p:stCondLst>
-                        <p:cond delay="indefinite"/>
-                      </p:stCondLst>
-                      <p:childTnLst>
-                        <p:par>
-                          <p:cTn id="4" fill="hold">
-                            <p:stCondLst>
-                              <p:cond delay="0"/>
-                            </p:stCondLst>
-                            <p:childTnLst>
-                              <p:par>
-                                <p:cTn id="5" presetID="2" presetClass="entr" presetSubtype="4" fill="hold" nodeType="clickEffect">
-                                  <p:stCondLst>
-                                    <p:cond delay="0"/>
-                                  </p:stCondLst>
-                                  <p:childTnLst>
-                                    <p:set>
-                                      <p:cBhvr>
-                                        <p:cTn id="6" dur="1" fill="hold">
-                                          <p:stCondLst>
-                                            <p:cond delay="0"/>
-                                          </p:stCondLst>
-                                        </p:cTn>
-                                        <p:tgtEl>
-                                          <p:spTgt spid="29"/>
-                                        </p:tgtEl>
-                                        <p:attrNameLst>
-                                          <p:attrName>style.visibility</p:attrName>
-                                        </p:attrNameLst>
-                                      </p:cBhvr>
-                                      <p:to>
-                                        <p:strVal val="visible"/>
-                                      </p:to>
-                                    </p:set>
-                                    <p:anim calcmode="lin" valueType="num">
-                                      <p:cBhvr additive="base">
-                                        <p:cTn id="7" dur="500" fill="hold"/>
-                                        <p:tgtEl>
-                                          <p:spTgt spid="29"/>
-                                        </p:tgtEl>
-                                        <p:attrNameLst>
-                                          <p:attrName>ppt_x</p:attrName>
-                                        </p:attrNameLst>
-                                      </p:cBhvr>
-                                      <p:tavLst>
-                                        <p:tav tm="0">
-                                          <p:val>
-                                            <p:strVal val="#ppt_x"/>
-                                          </p:val>
-                                        </p:tav>
-                                        <p:tav tm="100000">
-                                          <p:val>
-                                            <p:strVal val="#ppt_x"/>
-                                          </p:val>
-                                        </p:tav>
-                                      </p:tavLst>
-                                    </p:anim>
-                                    <p:anim calcmode="lin" valueType="num">
-                                      <p:cBhvr additive="base">
-                                        <p:cTn id="8" dur="500" fill="hold"/>
-                                        <p:tgtEl>
-                                          <p:spTgt spid="29"/>
-                                        </p:tgtEl>
-                                        <p:attrNameLst>
-                                          <p:attrName>ppt_y</p:attrName>
-                                        </p:attrNameLst>
-                                      </p:cBhvr>
-                                      <p:tavLst>
-                                        <p:tav tm="0">
-                                          <p:val>
-                                            <p:strVal val="1+#ppt_h/2"/>
-                                          </p:val>
-                                        </p:tav>
-                                        <p:tav tm="100000">
-                                          <p:val>
-                                            <p:strVal val="#ppt_y"/>
-                                          </p:val>
-                                        </p:tav>
-                                      </p:tavLst>
-                                    </p:anim>
-                                  </p:childTnLst>
-                                </p:cTn>
-                              </p:par>
-                            </p:childTnLst>
-                          </p:cTn>
-                        </p:par>
-                      </p:childTnLst>
-                    </p:cTn>
-                  </p:par>
-                </p:childTnLst>
-              </p:cTn>
-              <p:prevCondLst>
-                <p:cond evt="onPrev" delay="0">
-                  <p:tgtEl>
-                    <p:sldTgt/>
-                  </p:tgtEl>
-                </p:cond>
-              </p:prevCondLst>
-              <p:nextCondLst>
-                <p:cond evt="onNext" delay="0">
-                  <p:tgtEl>
-                    <p:sldTgt/>
-                  </p:tgtEl>
-                </p:cond>
-              </p:nextCondLst>
-            </p:seq>
-          </p:childTnLst>
-        </p:cTn>
-      </p:par>
-    </p:tnLst>
-  </p:timing>
-</p:sld>
-</file>
-
-<file path=ppt/slides/slide22.xml><?xml version="1.0" encoding="utf-8"?>
-<p:sld xmlns:a="http://schemas.openxmlformats.org/drawingml/2006/main" xmlns:r="http://schemas.openxmlformats.org/officeDocument/2006/relationships" xmlns:p="http://schemas.openxmlformats.org/presentationml/2006/main">
-  <p:cSld>
-    <p:spTree>
-      <p:nvGrpSpPr>
-        <p:cNvPr id="1" name=""/>
-        <p:cNvGrpSpPr/>
-        <p:nvPr/>
-      </p:nvGrpSpPr>
-      <p:grpSpPr>
-        <a:xfrm>
-          <a:off x="0" y="0"/>
-          <a:ext cx="0" cy="0"/>
-          <a:chOff x="0" y="0"/>
-          <a:chExt cx="0" cy="0"/>
-        </a:xfrm>
-      </p:grpSpPr>
-      <p:sp>
-        <p:nvSpPr>
-          <p:cNvPr id="4" name="文本框 3"/>
-          <p:cNvSpPr txBox="1"/>
-          <p:nvPr/>
-        </p:nvSpPr>
-        <p:spPr>
-          <a:xfrm>
-            <a:off x="754931" y="1000307"/>
-            <a:ext cx="3300904" cy="461665"/>
-          </a:xfrm>
-          <a:prstGeom prst="rect">
-            <a:avLst/>
-          </a:prstGeom>
-          <a:noFill/>
-        </p:spPr>
-        <p:txBody>
-          <a:bodyPr wrap="none" rtlCol="0">
-            <a:spAutoFit/>
-          </a:bodyPr>
-          <a:lstStyle/>
-          <a:p>
-            <a:pPr marL="342900" indent="-342900">
-              <a:buFont typeface="Arial" panose="020B0604020202020204" pitchFamily="34" charset="0"/>
-              <a:buChar char="•"/>
-            </a:pPr>
-            <a:r>
-              <a:rPr lang="zh-CN" altLang="en-US" sz="2400" dirty="0" smtClean="0"/>
-              <a:t>灵活、高度可定制化</a:t>
-            </a:r>
-            <a:endParaRPr lang="zh-CN" altLang="en-US" sz="2400" dirty="0"/>
-          </a:p>
-        </p:txBody>
-      </p:sp>
-      <p:sp>
-        <p:nvSpPr>
-          <p:cNvPr id="8" name="文本框 7"/>
-          <p:cNvSpPr txBox="1"/>
-          <p:nvPr/>
-        </p:nvSpPr>
-        <p:spPr>
-          <a:xfrm>
-            <a:off x="754931" y="3046603"/>
-            <a:ext cx="3300904" cy="461665"/>
-          </a:xfrm>
-          <a:prstGeom prst="rect">
-            <a:avLst/>
-          </a:prstGeom>
-          <a:noFill/>
-        </p:spPr>
-        <p:txBody>
-          <a:bodyPr wrap="none" rtlCol="0">
-            <a:spAutoFit/>
-          </a:bodyPr>
-          <a:lstStyle/>
-          <a:p>
-            <a:pPr marL="342900" indent="-342900">
-              <a:buFont typeface="Arial" panose="020B0604020202020204" pitchFamily="34" charset="0"/>
-              <a:buChar char="•"/>
-            </a:pPr>
-            <a:r>
-              <a:rPr lang="zh-CN" altLang="en-US" sz="2400" dirty="0" smtClean="0"/>
-              <a:t>内置镜像仓库、监控</a:t>
-            </a:r>
-            <a:endParaRPr lang="zh-CN" altLang="en-US" sz="2400" dirty="0"/>
-          </a:p>
-        </p:txBody>
-      </p:sp>
-      <p:sp>
-        <p:nvSpPr>
-          <p:cNvPr id="9" name="文本框 8"/>
-          <p:cNvSpPr txBox="1"/>
-          <p:nvPr/>
-        </p:nvSpPr>
-        <p:spPr>
-          <a:xfrm>
-            <a:off x="754931" y="1580208"/>
-            <a:ext cx="3379451" cy="461665"/>
-          </a:xfrm>
-          <a:prstGeom prst="rect">
-            <a:avLst/>
-          </a:prstGeom>
-          <a:noFill/>
-        </p:spPr>
-        <p:txBody>
-          <a:bodyPr wrap="none" rtlCol="0">
-            <a:spAutoFit/>
-          </a:bodyPr>
-          <a:lstStyle/>
-          <a:p>
-            <a:pPr marL="342900" indent="-342900">
-              <a:buFont typeface="Arial" panose="020B0604020202020204" pitchFamily="34" charset="0"/>
-              <a:buChar char="•"/>
-            </a:pPr>
-            <a:r>
-              <a:rPr lang="en-US" altLang="zh-CN" sz="2400" dirty="0" smtClean="0"/>
-              <a:t>Pipeline</a:t>
-            </a:r>
-            <a:r>
-              <a:rPr lang="zh-CN" altLang="en-US" sz="2400" dirty="0" smtClean="0"/>
-              <a:t>自动化程度高</a:t>
-            </a:r>
-            <a:endParaRPr lang="zh-CN" altLang="en-US" sz="2400" dirty="0"/>
-          </a:p>
-        </p:txBody>
-      </p:sp>
-      <p:sp>
-        <p:nvSpPr>
-          <p:cNvPr id="10" name="文本框 9"/>
-          <p:cNvSpPr txBox="1"/>
-          <p:nvPr/>
-        </p:nvSpPr>
-        <p:spPr>
-          <a:xfrm>
-            <a:off x="976222" y="2041873"/>
-            <a:ext cx="7992888" cy="646331"/>
-          </a:xfrm>
-          <a:prstGeom prst="rect">
-            <a:avLst/>
-          </a:prstGeom>
-          <a:noFill/>
-        </p:spPr>
-        <p:txBody>
-          <a:bodyPr wrap="square" rtlCol="0">
-            <a:spAutoFit/>
-          </a:bodyPr>
-          <a:lstStyle/>
-          <a:p>
-            <a:pPr marL="285750" indent="-285750">
-              <a:buFont typeface="Arial" panose="020B0604020202020204" pitchFamily="34" charset="0"/>
-              <a:buChar char="•"/>
-            </a:pPr>
-            <a:r>
-              <a:rPr lang="zh-CN" altLang="en-US" dirty="0"/>
-              <a:t>使用</a:t>
-            </a:r>
-            <a:r>
-              <a:rPr lang="zh-CN" altLang="en-US" dirty="0" smtClean="0"/>
-              <a:t>定制的 </a:t>
-            </a:r>
-            <a:r>
-              <a:rPr lang="en-US" altLang="zh-CN" dirty="0" smtClean="0"/>
-              <a:t>Jenkins </a:t>
-            </a:r>
-            <a:r>
-              <a:rPr lang="zh-CN" altLang="en-US" dirty="0" smtClean="0"/>
-              <a:t>镜像，其中包含</a:t>
-            </a:r>
-            <a:r>
-              <a:rPr lang="en-US" altLang="zh-CN" dirty="0"/>
-              <a:t> </a:t>
-            </a:r>
-            <a:r>
-              <a:rPr lang="en-US" altLang="zh-CN" dirty="0" smtClean="0"/>
-              <a:t>Jenkins </a:t>
-            </a:r>
-            <a:r>
-              <a:rPr lang="zh-CN" altLang="en-US" dirty="0" smtClean="0"/>
-              <a:t>插件，目的是将 </a:t>
-            </a:r>
-            <a:r>
-              <a:rPr lang="en-US" altLang="zh-CN" dirty="0" smtClean="0"/>
-              <a:t>Jenkins </a:t>
-            </a:r>
-            <a:r>
-              <a:rPr lang="zh-CN" altLang="en-US" dirty="0" smtClean="0"/>
-              <a:t>中的构建和编排操作可以被 </a:t>
-            </a:r>
-            <a:r>
-              <a:rPr lang="en-US" altLang="zh-CN" dirty="0" err="1" smtClean="0"/>
-              <a:t>openshift</a:t>
-            </a:r>
-            <a:r>
-              <a:rPr lang="en-US" altLang="zh-CN" dirty="0" smtClean="0"/>
-              <a:t> </a:t>
-            </a:r>
-            <a:r>
-              <a:rPr lang="zh-CN" altLang="en-US" dirty="0" smtClean="0"/>
-              <a:t>纳管</a:t>
-            </a:r>
-            <a:endParaRPr lang="zh-CN" altLang="en-US" dirty="0"/>
-          </a:p>
-        </p:txBody>
-      </p:sp>
-      <p:sp>
-        <p:nvSpPr>
-          <p:cNvPr id="3" name="矩形 2"/>
-          <p:cNvSpPr/>
-          <p:nvPr/>
-        </p:nvSpPr>
-        <p:spPr>
-          <a:xfrm>
-            <a:off x="976222" y="3644424"/>
-            <a:ext cx="7992888" cy="646331"/>
-          </a:xfrm>
-          <a:prstGeom prst="rect">
-            <a:avLst/>
-          </a:prstGeom>
-        </p:spPr>
-        <p:txBody>
-          <a:bodyPr wrap="square">
-            <a:spAutoFit/>
-          </a:bodyPr>
-          <a:lstStyle/>
-          <a:p>
-            <a:pPr marL="285750" indent="-285750">
-              <a:buFont typeface="Arial" panose="020B0604020202020204" pitchFamily="34" charset="0"/>
-              <a:buChar char="•"/>
-            </a:pPr>
-            <a:r>
-              <a:rPr lang="zh-CN" altLang="en-US" dirty="0"/>
-              <a:t>支持</a:t>
-            </a:r>
-            <a:r>
-              <a:rPr lang="en-US" altLang="zh-CN" dirty="0" smtClean="0"/>
-              <a:t>HTTPS</a:t>
-            </a:r>
-            <a:r>
-              <a:rPr lang="zh-CN" altLang="en-US" dirty="0"/>
-              <a:t>类型</a:t>
-            </a:r>
-            <a:r>
-              <a:rPr lang="zh-CN" altLang="en-US" dirty="0" smtClean="0"/>
-              <a:t>的私有</a:t>
-            </a:r>
-            <a:r>
-              <a:rPr lang="zh-CN" altLang="en-US" dirty="0"/>
-              <a:t>镜像仓库，可以自定义</a:t>
-            </a:r>
-            <a:r>
-              <a:rPr lang="zh-CN" altLang="en-US" dirty="0" smtClean="0"/>
-              <a:t>安全证书</a:t>
-            </a:r>
-            <a:r>
-              <a:rPr lang="zh-CN" altLang="en-US" dirty="0"/>
-              <a:t>，如同</a:t>
-            </a:r>
-            <a:r>
-              <a:rPr lang="zh-CN" altLang="en-US" dirty="0" smtClean="0"/>
-              <a:t>访问</a:t>
-            </a:r>
-            <a:r>
-              <a:rPr lang="en-US" altLang="zh-CN" dirty="0" err="1" smtClean="0"/>
-              <a:t>DockerHub</a:t>
-            </a:r>
-            <a:r>
-              <a:rPr lang="zh-CN" altLang="en-US" dirty="0" smtClean="0"/>
-              <a:t>一样</a:t>
-            </a:r>
-            <a:r>
-              <a:rPr lang="en-US" altLang="zh-CN" dirty="0" smtClean="0"/>
-              <a:t>Pull</a:t>
-            </a:r>
-            <a:r>
-              <a:rPr lang="zh-CN" altLang="en-US" dirty="0"/>
-              <a:t>、</a:t>
-            </a:r>
-            <a:r>
-              <a:rPr lang="en-US" altLang="zh-CN" dirty="0"/>
-              <a:t>push</a:t>
-            </a:r>
-            <a:r>
-              <a:rPr lang="zh-CN" altLang="en-US" dirty="0" smtClean="0"/>
-              <a:t>操作</a:t>
-            </a:r>
-            <a:endParaRPr lang="zh-CN" altLang="en-US" dirty="0"/>
-          </a:p>
-        </p:txBody>
-      </p:sp>
-      <p:sp>
-        <p:nvSpPr>
-          <p:cNvPr id="11" name="文本框 10"/>
-          <p:cNvSpPr txBox="1"/>
-          <p:nvPr/>
-        </p:nvSpPr>
-        <p:spPr>
-          <a:xfrm>
-            <a:off x="0" y="-28011"/>
-            <a:ext cx="4314001" cy="707886"/>
-          </a:xfrm>
-          <a:prstGeom prst="rect">
-            <a:avLst/>
-          </a:prstGeom>
-          <a:noFill/>
-        </p:spPr>
-        <p:txBody>
-          <a:bodyPr wrap="none" rtlCol="0">
-            <a:spAutoFit/>
-          </a:bodyPr>
-          <a:lstStyle/>
-          <a:p>
-            <a:r>
-              <a:rPr lang="en-US" altLang="zh-CN" sz="4000" b="1" dirty="0" err="1" smtClean="0">
-                <a:latin typeface="+mj-ea"/>
-                <a:ea typeface="+mj-ea"/>
-              </a:rPr>
-              <a:t>Openshift+kolla</a:t>
-            </a:r>
-            <a:r>
-              <a:rPr lang="en-US" altLang="zh-CN" sz="4000" b="1" dirty="0" smtClean="0">
-                <a:latin typeface="+mj-ea"/>
-                <a:ea typeface="+mj-ea"/>
-              </a:rPr>
-              <a:t> </a:t>
-            </a:r>
-          </a:p>
-        </p:txBody>
-      </p:sp>
-      <p:sp>
-        <p:nvSpPr>
-          <p:cNvPr id="12" name="文本框 11"/>
-          <p:cNvSpPr txBox="1"/>
-          <p:nvPr/>
-        </p:nvSpPr>
-        <p:spPr>
-          <a:xfrm>
-            <a:off x="976222" y="2682738"/>
-            <a:ext cx="6652783" cy="369332"/>
-          </a:xfrm>
-          <a:prstGeom prst="rect">
-            <a:avLst/>
-          </a:prstGeom>
-          <a:noFill/>
-        </p:spPr>
-        <p:txBody>
-          <a:bodyPr wrap="none" rtlCol="0">
-            <a:spAutoFit/>
-          </a:bodyPr>
-          <a:lstStyle/>
-          <a:p>
-            <a:pPr marL="285750" indent="-285750">
-              <a:buFont typeface="Arial" panose="020B0604020202020204" pitchFamily="34" charset="0"/>
-              <a:buChar char="•"/>
-            </a:pPr>
-            <a:r>
-              <a:rPr lang="zh-CN" altLang="en-US" dirty="0" smtClean="0"/>
-              <a:t>私有的</a:t>
-            </a:r>
-            <a:r>
-              <a:rPr lang="en-US" altLang="zh-CN" dirty="0" smtClean="0"/>
-              <a:t>STI</a:t>
-            </a:r>
-            <a:r>
-              <a:rPr lang="zh-CN" altLang="en-US" dirty="0" smtClean="0"/>
-              <a:t>构建流程</a:t>
-            </a:r>
-            <a:r>
-              <a:rPr lang="en-US" altLang="zh-CN" dirty="0" smtClean="0"/>
-              <a:t>,</a:t>
-            </a:r>
-            <a:r>
-              <a:rPr lang="zh-CN" altLang="en-US" dirty="0" smtClean="0"/>
-              <a:t>使用</a:t>
-            </a:r>
-            <a:r>
-              <a:rPr lang="en-US" altLang="zh-CN" dirty="0" smtClean="0"/>
-              <a:t>S2I builder</a:t>
-            </a:r>
-            <a:r>
-              <a:rPr lang="zh-CN" altLang="en-US" dirty="0" smtClean="0"/>
-              <a:t>镜像构建，保证构建一致性</a:t>
-            </a:r>
-            <a:endParaRPr lang="zh-CN" altLang="en-US" dirty="0"/>
-          </a:p>
-        </p:txBody>
-      </p:sp>
-    </p:spTree>
-    <p:extLst>
-      <p:ext uri="{BB962C8B-B14F-4D97-AF65-F5344CB8AC3E}">
-        <p14:creationId xmlns:p14="http://schemas.microsoft.com/office/powerpoint/2010/main" val="1457458663"/>
-      </p:ext>
-    </p:extLst>
-  </p:cSld>
-  <p:clrMapOvr>
-    <a:masterClrMapping/>
-  </p:clrMapOvr>
-  <p:timing>
-    <p:tnLst>
-      <p:par>
-        <p:cTn id="1" dur="indefinite" restart="never" nodeType="tmRoot"/>
-      </p:par>
-    </p:tnLst>
-  </p:timing>
-</p:sld>
-</file>
-
-<file path=ppt/slides/slide23.xml><?xml version="1.0" encoding="utf-8"?>
-<p:sld xmlns:a="http://schemas.openxmlformats.org/drawingml/2006/main" xmlns:r="http://schemas.openxmlformats.org/officeDocument/2006/relationships" xmlns:p="http://schemas.openxmlformats.org/presentationml/2006/main">
-  <p:cSld>
-    <p:spTree>
-      <p:nvGrpSpPr>
-        <p:cNvPr id="1" name=""/>
-        <p:cNvGrpSpPr/>
-        <p:nvPr/>
-      </p:nvGrpSpPr>
-      <p:grpSpPr>
-        <a:xfrm>
-          <a:off x="0" y="0"/>
-          <a:ext cx="0" cy="0"/>
-          <a:chOff x="0" y="0"/>
-          <a:chExt cx="0" cy="0"/>
-        </a:xfrm>
-      </p:grpSpPr>
-      <p:sp>
-        <p:nvSpPr>
-          <p:cNvPr id="4" name="文本框 3"/>
-          <p:cNvSpPr txBox="1"/>
-          <p:nvPr/>
-        </p:nvSpPr>
-        <p:spPr>
-          <a:xfrm>
-            <a:off x="1043608" y="1353627"/>
-            <a:ext cx="3047181" cy="461665"/>
-          </a:xfrm>
-          <a:prstGeom prst="rect">
-            <a:avLst/>
-          </a:prstGeom>
-          <a:noFill/>
-        </p:spPr>
-        <p:txBody>
-          <a:bodyPr wrap="none" rtlCol="0">
-            <a:spAutoFit/>
-          </a:bodyPr>
-          <a:lstStyle/>
-          <a:p>
-            <a:pPr marL="342900" indent="-342900">
-              <a:buFont typeface="Arial" panose="020B0604020202020204" pitchFamily="34" charset="0"/>
-              <a:buChar char="•"/>
-            </a:pPr>
-            <a:r>
-              <a:rPr lang="zh-CN" altLang="en-US" sz="2400" dirty="0" smtClean="0"/>
-              <a:t>修改默认</a:t>
-            </a:r>
-            <a:r>
-              <a:rPr lang="en-US" altLang="zh-CN" sz="2400" dirty="0" smtClean="0"/>
-              <a:t>RBAC</a:t>
-            </a:r>
-            <a:r>
-              <a:rPr lang="zh-CN" altLang="en-US" sz="2400" dirty="0" smtClean="0"/>
-              <a:t>设置</a:t>
-            </a:r>
-            <a:endParaRPr lang="zh-CN" altLang="en-US" sz="2400" dirty="0"/>
-          </a:p>
-        </p:txBody>
-      </p:sp>
-      <p:sp>
-        <p:nvSpPr>
-          <p:cNvPr id="5" name="文本框 4"/>
-          <p:cNvSpPr txBox="1"/>
-          <p:nvPr/>
-        </p:nvSpPr>
-        <p:spPr>
-          <a:xfrm>
-            <a:off x="1043608" y="1881994"/>
-            <a:ext cx="2424062" cy="461665"/>
-          </a:xfrm>
-          <a:prstGeom prst="rect">
-            <a:avLst/>
-          </a:prstGeom>
-          <a:noFill/>
-        </p:spPr>
-        <p:txBody>
-          <a:bodyPr wrap="none" rtlCol="0">
-            <a:spAutoFit/>
-          </a:bodyPr>
-          <a:lstStyle/>
-          <a:p>
-            <a:pPr marL="342900" indent="-342900">
-              <a:buFont typeface="Arial" panose="020B0604020202020204" pitchFamily="34" charset="0"/>
-              <a:buChar char="•"/>
-            </a:pPr>
-            <a:r>
-              <a:rPr lang="zh-CN" altLang="en-US" sz="2400" dirty="0" smtClean="0"/>
-              <a:t>安装部署</a:t>
-            </a:r>
-            <a:r>
-              <a:rPr lang="en-US" altLang="zh-CN" sz="2400" dirty="0" smtClean="0"/>
-              <a:t>Helm</a:t>
-            </a:r>
-            <a:endParaRPr lang="zh-CN" altLang="en-US" sz="2400" dirty="0"/>
-          </a:p>
-        </p:txBody>
-      </p:sp>
-      <p:sp>
-        <p:nvSpPr>
-          <p:cNvPr id="6" name="文本框 5"/>
-          <p:cNvSpPr txBox="1"/>
-          <p:nvPr/>
-        </p:nvSpPr>
-        <p:spPr>
-          <a:xfrm>
-            <a:off x="1043608" y="2410361"/>
-            <a:ext cx="7935955" cy="461665"/>
-          </a:xfrm>
-          <a:prstGeom prst="rect">
-            <a:avLst/>
-          </a:prstGeom>
-          <a:noFill/>
-        </p:spPr>
-        <p:txBody>
-          <a:bodyPr wrap="none" rtlCol="0">
-            <a:spAutoFit/>
-          </a:bodyPr>
-          <a:lstStyle/>
-          <a:p>
-            <a:pPr marL="342900" indent="-342900">
-              <a:buFont typeface="Arial" panose="020B0604020202020204" pitchFamily="34" charset="0"/>
-              <a:buChar char="•"/>
-            </a:pPr>
-            <a:r>
-              <a:rPr lang="zh-CN" altLang="en-US" sz="2400" dirty="0" smtClean="0"/>
-              <a:t>下载安装</a:t>
-            </a:r>
-            <a:r>
-              <a:rPr lang="en-US" altLang="zh-CN" sz="2400" dirty="0" err="1" smtClean="0"/>
-              <a:t>kolla-ansible</a:t>
-            </a:r>
-            <a:r>
-              <a:rPr lang="en-US" altLang="zh-CN" sz="2400" dirty="0" smtClean="0"/>
-              <a:t> </a:t>
-            </a:r>
-            <a:r>
-              <a:rPr lang="en-US" altLang="zh-CN" sz="2400" dirty="0" err="1" smtClean="0"/>
-              <a:t>kolla-kubernetes</a:t>
-            </a:r>
-            <a:r>
-              <a:rPr lang="zh-CN" altLang="en-US" sz="2400" dirty="0" smtClean="0"/>
-              <a:t>，自定义配置文件</a:t>
-            </a:r>
-            <a:endParaRPr lang="zh-CN" altLang="en-US" sz="2400" dirty="0"/>
-          </a:p>
-        </p:txBody>
-      </p:sp>
-      <p:sp>
-        <p:nvSpPr>
-          <p:cNvPr id="7" name="文本框 6"/>
-          <p:cNvSpPr txBox="1"/>
-          <p:nvPr/>
-        </p:nvSpPr>
-        <p:spPr>
-          <a:xfrm>
-            <a:off x="1043608" y="3993292"/>
-            <a:ext cx="3696012" cy="461665"/>
-          </a:xfrm>
-          <a:prstGeom prst="rect">
-            <a:avLst/>
-          </a:prstGeom>
-          <a:noFill/>
-        </p:spPr>
-        <p:txBody>
-          <a:bodyPr wrap="none" rtlCol="0">
-            <a:spAutoFit/>
-          </a:bodyPr>
-          <a:lstStyle/>
-          <a:p>
-            <a:pPr marL="342900" indent="-342900">
-              <a:buFont typeface="Arial" panose="020B0604020202020204" pitchFamily="34" charset="0"/>
-              <a:buChar char="•"/>
-            </a:pPr>
-            <a:r>
-              <a:rPr lang="zh-CN" altLang="en-US" sz="2400" dirty="0" smtClean="0"/>
-              <a:t>使用</a:t>
-            </a:r>
-            <a:r>
-              <a:rPr lang="en-US" altLang="zh-CN" sz="2400" dirty="0" smtClean="0"/>
-              <a:t>Helm</a:t>
-            </a:r>
-            <a:r>
-              <a:rPr lang="zh-CN" altLang="en-US" sz="2400" dirty="0" smtClean="0"/>
-              <a:t>部署</a:t>
-            </a:r>
-            <a:r>
-              <a:rPr lang="en-US" altLang="zh-CN" sz="2400" dirty="0" err="1" smtClean="0"/>
-              <a:t>openstack</a:t>
-            </a:r>
-            <a:endParaRPr lang="zh-CN" altLang="en-US" sz="2400" dirty="0"/>
-          </a:p>
-        </p:txBody>
-      </p:sp>
-      <p:sp>
-        <p:nvSpPr>
-          <p:cNvPr id="8" name="文本框 7"/>
-          <p:cNvSpPr txBox="1"/>
-          <p:nvPr/>
-        </p:nvSpPr>
-        <p:spPr>
-          <a:xfrm>
-            <a:off x="1043608" y="2938728"/>
-            <a:ext cx="6552948" cy="461665"/>
-          </a:xfrm>
-          <a:prstGeom prst="rect">
-            <a:avLst/>
-          </a:prstGeom>
-          <a:noFill/>
-        </p:spPr>
-        <p:txBody>
-          <a:bodyPr wrap="none" rtlCol="0">
-            <a:spAutoFit/>
-          </a:bodyPr>
-          <a:lstStyle/>
-          <a:p>
-            <a:pPr marL="342900" indent="-342900">
-              <a:buFont typeface="Arial" panose="020B0604020202020204" pitchFamily="34" charset="0"/>
-              <a:buChar char="•"/>
-            </a:pPr>
-            <a:r>
-              <a:rPr lang="zh-CN" altLang="en-US" sz="2400" dirty="0" smtClean="0"/>
-              <a:t>生成</a:t>
-            </a:r>
-            <a:r>
-              <a:rPr lang="en-US" altLang="zh-CN" sz="2400" dirty="0" smtClean="0"/>
-              <a:t>secret</a:t>
-            </a:r>
-            <a:r>
-              <a:rPr lang="zh-CN" altLang="en-US" sz="2400" dirty="0" smtClean="0"/>
-              <a:t>和</a:t>
-            </a:r>
-            <a:r>
-              <a:rPr lang="en-US" altLang="zh-CN" sz="2400" dirty="0" err="1" smtClean="0"/>
-              <a:t>config</a:t>
-            </a:r>
-            <a:r>
-              <a:rPr lang="en-US" altLang="zh-CN" sz="2400" dirty="0" smtClean="0"/>
-              <a:t> map</a:t>
-            </a:r>
-            <a:r>
-              <a:rPr lang="zh-CN" altLang="en-US" sz="2400" dirty="0" smtClean="0"/>
-              <a:t>并注册到</a:t>
-            </a:r>
-            <a:r>
-              <a:rPr lang="en-US" altLang="zh-CN" sz="2400" dirty="0" err="1" smtClean="0"/>
-              <a:t>openshift</a:t>
-            </a:r>
-            <a:r>
-              <a:rPr lang="en-US" altLang="zh-CN" sz="2400" dirty="0" smtClean="0"/>
-              <a:t>/k8s</a:t>
-            </a:r>
-            <a:endParaRPr lang="zh-CN" altLang="en-US" sz="2400" dirty="0"/>
-          </a:p>
-        </p:txBody>
-      </p:sp>
-      <p:sp>
-        <p:nvSpPr>
-          <p:cNvPr id="9" name="文本框 8"/>
-          <p:cNvSpPr txBox="1"/>
-          <p:nvPr/>
-        </p:nvSpPr>
-        <p:spPr>
-          <a:xfrm>
-            <a:off x="1043608" y="3467095"/>
-            <a:ext cx="7636193" cy="461665"/>
-          </a:xfrm>
-          <a:prstGeom prst="rect">
-            <a:avLst/>
-          </a:prstGeom>
-          <a:noFill/>
-        </p:spPr>
-        <p:txBody>
-          <a:bodyPr wrap="none" rtlCol="0">
-            <a:spAutoFit/>
-          </a:bodyPr>
-          <a:lstStyle/>
-          <a:p>
-            <a:pPr marL="342900" indent="-342900">
-              <a:buFont typeface="Arial" panose="020B0604020202020204" pitchFamily="34" charset="0"/>
-              <a:buChar char="•"/>
-            </a:pPr>
-            <a:r>
-              <a:rPr lang="zh-CN" altLang="en-US" sz="2400" dirty="0" smtClean="0"/>
-              <a:t>编译</a:t>
-            </a:r>
-            <a:r>
-              <a:rPr lang="en-US" altLang="zh-CN" sz="2400" dirty="0" smtClean="0"/>
-              <a:t>Helm</a:t>
-            </a:r>
-            <a:r>
-              <a:rPr lang="zh-CN" altLang="en-US" sz="2400" dirty="0" smtClean="0"/>
-              <a:t>使用的微服务、元数据、</a:t>
-            </a:r>
-            <a:r>
-              <a:rPr lang="en-US" altLang="zh-CN" sz="2400" dirty="0" err="1" smtClean="0"/>
-              <a:t>openstack</a:t>
-            </a:r>
-            <a:r>
-              <a:rPr lang="zh-CN" altLang="en-US" sz="2400" dirty="0" smtClean="0"/>
-              <a:t>服务</a:t>
-            </a:r>
-            <a:r>
-              <a:rPr lang="en-US" altLang="zh-CN" sz="2400" dirty="0" smtClean="0"/>
-              <a:t>(</a:t>
-            </a:r>
-            <a:r>
-              <a:rPr lang="en-US" altLang="zh-CN" sz="2400" dirty="0" err="1" smtClean="0"/>
-              <a:t>tgz</a:t>
-            </a:r>
-            <a:r>
-              <a:rPr lang="en-US" altLang="zh-CN" sz="2400" dirty="0" smtClean="0"/>
-              <a:t>)</a:t>
-            </a:r>
-            <a:endParaRPr lang="zh-CN" altLang="en-US" sz="2400" dirty="0"/>
-          </a:p>
-        </p:txBody>
-      </p:sp>
-      <p:sp>
-        <p:nvSpPr>
-          <p:cNvPr id="10" name="文本框 9"/>
-          <p:cNvSpPr txBox="1"/>
-          <p:nvPr/>
-        </p:nvSpPr>
-        <p:spPr>
-          <a:xfrm>
-            <a:off x="1043608" y="4519489"/>
-            <a:ext cx="3957302" cy="461665"/>
-          </a:xfrm>
-          <a:prstGeom prst="rect">
-            <a:avLst/>
-          </a:prstGeom>
-          <a:noFill/>
-        </p:spPr>
-        <p:txBody>
-          <a:bodyPr wrap="none" rtlCol="0">
-            <a:spAutoFit/>
-          </a:bodyPr>
-          <a:lstStyle/>
-          <a:p>
-            <a:pPr marL="342900" indent="-342900">
-              <a:buFont typeface="Arial" panose="020B0604020202020204" pitchFamily="34" charset="0"/>
-              <a:buChar char="•"/>
-            </a:pPr>
-            <a:r>
-              <a:rPr lang="zh-CN" altLang="en-US" sz="2400" dirty="0" smtClean="0"/>
-              <a:t>安装部署</a:t>
-            </a:r>
-            <a:r>
-              <a:rPr lang="en-US" altLang="zh-CN" sz="2400" dirty="0" err="1" smtClean="0"/>
-              <a:t>openstack</a:t>
-            </a:r>
-            <a:r>
-              <a:rPr lang="zh-CN" altLang="en-US" sz="2400" dirty="0" smtClean="0"/>
-              <a:t>客户端</a:t>
-            </a:r>
-            <a:endParaRPr lang="zh-CN" altLang="en-US" sz="2400" dirty="0"/>
-          </a:p>
-        </p:txBody>
-      </p:sp>
-      <p:sp>
-        <p:nvSpPr>
-          <p:cNvPr id="11" name="文本框 10"/>
-          <p:cNvSpPr txBox="1"/>
-          <p:nvPr/>
-        </p:nvSpPr>
-        <p:spPr>
-          <a:xfrm>
-            <a:off x="719005" y="876556"/>
-            <a:ext cx="1723549" cy="461665"/>
-          </a:xfrm>
-          <a:prstGeom prst="rect">
-            <a:avLst/>
-          </a:prstGeom>
-          <a:noFill/>
-        </p:spPr>
-        <p:txBody>
-          <a:bodyPr wrap="none" rtlCol="0">
-            <a:spAutoFit/>
-          </a:bodyPr>
-          <a:lstStyle/>
-          <a:p>
-            <a:r>
-              <a:rPr lang="zh-CN" altLang="en-US" sz="2400" dirty="0" smtClean="0"/>
-              <a:t>部署过程：</a:t>
-            </a:r>
-            <a:endParaRPr lang="zh-CN" altLang="en-US" sz="2400" dirty="0"/>
-          </a:p>
-        </p:txBody>
-      </p:sp>
-    </p:spTree>
-    <p:extLst>
-      <p:ext uri="{BB962C8B-B14F-4D97-AF65-F5344CB8AC3E}">
-        <p14:creationId xmlns:p14="http://schemas.microsoft.com/office/powerpoint/2010/main" val="3303826301"/>
-      </p:ext>
-    </p:extLst>
-  </p:cSld>
-  <p:clrMapOvr>
-    <a:masterClrMapping/>
-  </p:clrMapOvr>
-</p:sld>
-</file>
-
-<file path=ppt/slides/slide24.xml><?xml version="1.0" encoding="utf-8"?>
-<p:sld xmlns:a="http://schemas.openxmlformats.org/drawingml/2006/main" xmlns:r="http://schemas.openxmlformats.org/officeDocument/2006/relationships" xmlns:p="http://schemas.openxmlformats.org/presentationml/2006/main">
-  <p:cSld>
-    <p:spTree>
-      <p:nvGrpSpPr>
-        <p:cNvPr id="1" name=""/>
-        <p:cNvGrpSpPr/>
-        <p:nvPr/>
-      </p:nvGrpSpPr>
-      <p:grpSpPr>
-        <a:xfrm>
-          <a:off x="0" y="0"/>
-          <a:ext cx="0" cy="0"/>
-          <a:chOff x="0" y="0"/>
-          <a:chExt cx="0" cy="0"/>
-        </a:xfrm>
-      </p:grpSpPr>
-      <p:sp>
-        <p:nvSpPr>
-          <p:cNvPr id="4" name="文本框 3"/>
-          <p:cNvSpPr txBox="1"/>
-          <p:nvPr/>
-        </p:nvSpPr>
-        <p:spPr>
-          <a:xfrm>
-            <a:off x="395536" y="774367"/>
-            <a:ext cx="2427268" cy="461665"/>
-          </a:xfrm>
-          <a:prstGeom prst="rect">
-            <a:avLst/>
-          </a:prstGeom>
-          <a:noFill/>
-        </p:spPr>
-        <p:txBody>
-          <a:bodyPr wrap="none" rtlCol="0">
-            <a:spAutoFit/>
-          </a:bodyPr>
-          <a:lstStyle/>
-          <a:p>
-            <a:r>
-              <a:rPr lang="zh-CN" altLang="en-US" sz="2400" dirty="0" smtClean="0"/>
-              <a:t>部署注意事项：</a:t>
-            </a:r>
-            <a:endParaRPr lang="zh-CN" altLang="en-US" sz="2400" dirty="0"/>
-          </a:p>
-        </p:txBody>
-      </p:sp>
-      <p:sp>
-        <p:nvSpPr>
-          <p:cNvPr id="5" name="矩形 4"/>
-          <p:cNvSpPr/>
-          <p:nvPr/>
-        </p:nvSpPr>
-        <p:spPr>
-          <a:xfrm>
-            <a:off x="986226" y="3822783"/>
-            <a:ext cx="5886400" cy="461665"/>
-          </a:xfrm>
-          <a:prstGeom prst="rect">
-            <a:avLst/>
-          </a:prstGeom>
-        </p:spPr>
-        <p:txBody>
-          <a:bodyPr wrap="square">
-            <a:spAutoFit/>
-          </a:bodyPr>
-          <a:lstStyle/>
-          <a:p>
-            <a:pPr marL="342900" indent="-342900">
-              <a:buFont typeface="Arial" panose="020B0604020202020204" pitchFamily="34" charset="0"/>
-              <a:buChar char="•"/>
-            </a:pPr>
-            <a:r>
-              <a:rPr lang="en-US" altLang="zh-CN" sz="2400" dirty="0" smtClean="0"/>
-              <a:t>Neutron </a:t>
-            </a:r>
-            <a:r>
-              <a:rPr lang="en-US" altLang="zh-CN" sz="2400" dirty="0"/>
-              <a:t>server </a:t>
-            </a:r>
-            <a:r>
-              <a:rPr lang="zh-CN" altLang="en-US" sz="2400" dirty="0"/>
-              <a:t>启动失败，缺少配置文件。</a:t>
-            </a:r>
-            <a:endParaRPr lang="en-US" altLang="zh-CN" sz="2400" dirty="0"/>
-          </a:p>
-        </p:txBody>
-      </p:sp>
-      <p:sp>
-        <p:nvSpPr>
-          <p:cNvPr id="6" name="矩形 5"/>
-          <p:cNvSpPr/>
-          <p:nvPr/>
-        </p:nvSpPr>
-        <p:spPr>
-          <a:xfrm>
-            <a:off x="986226" y="2137129"/>
-            <a:ext cx="7930008" cy="830997"/>
-          </a:xfrm>
-          <a:prstGeom prst="rect">
-            <a:avLst/>
-          </a:prstGeom>
-        </p:spPr>
-        <p:txBody>
-          <a:bodyPr wrap="square">
-            <a:spAutoFit/>
-          </a:bodyPr>
-          <a:lstStyle/>
-          <a:p>
-            <a:pPr marL="342900" indent="-342900">
-              <a:buFont typeface="Arial" panose="020B0604020202020204" pitchFamily="34" charset="0"/>
-              <a:buChar char="•"/>
-            </a:pPr>
-            <a:r>
-              <a:rPr lang="zh-CN" altLang="en-US" sz="2400" dirty="0"/>
-              <a:t>权限问题，</a:t>
-            </a:r>
-            <a:r>
-              <a:rPr lang="en-US" altLang="zh-CN" sz="2400" dirty="0" err="1"/>
-              <a:t>kolla</a:t>
-            </a:r>
-            <a:r>
-              <a:rPr lang="zh-CN" altLang="en-US" sz="2400" dirty="0"/>
-              <a:t>很多容器需要在</a:t>
-            </a:r>
-            <a:r>
-              <a:rPr lang="en-US" altLang="zh-CN" sz="2400" dirty="0"/>
-              <a:t>root</a:t>
-            </a:r>
-            <a:r>
-              <a:rPr lang="zh-CN" altLang="en-US" sz="2400" dirty="0"/>
-              <a:t>权限下</a:t>
-            </a:r>
-            <a:r>
-              <a:rPr lang="zh-CN" altLang="en-US" sz="2400" dirty="0" smtClean="0"/>
-              <a:t>执行</a:t>
-            </a:r>
-            <a:r>
-              <a:rPr lang="en-US" altLang="zh-CN" sz="2400" dirty="0" smtClean="0"/>
-              <a:t>,</a:t>
-            </a:r>
-            <a:r>
-              <a:rPr lang="en-US" altLang="zh-CN" sz="2400" dirty="0" err="1" smtClean="0"/>
-              <a:t>kubernetes</a:t>
-            </a:r>
-            <a:r>
-              <a:rPr lang="zh-CN" altLang="en-US" sz="2400" dirty="0"/>
-              <a:t>默认是非</a:t>
-            </a:r>
-            <a:r>
-              <a:rPr lang="en-US" altLang="zh-CN" sz="2400" dirty="0"/>
-              <a:t>root</a:t>
-            </a:r>
-            <a:r>
-              <a:rPr lang="zh-CN" altLang="en-US" sz="2400" dirty="0"/>
-              <a:t>用户启动容器。</a:t>
-            </a:r>
-            <a:endParaRPr lang="en-US" altLang="zh-CN" sz="2400" dirty="0"/>
-          </a:p>
-        </p:txBody>
-      </p:sp>
-      <p:sp>
-        <p:nvSpPr>
-          <p:cNvPr id="7" name="矩形 6"/>
-          <p:cNvSpPr/>
-          <p:nvPr/>
-        </p:nvSpPr>
-        <p:spPr>
-          <a:xfrm>
-            <a:off x="986226" y="2979956"/>
-            <a:ext cx="7930008" cy="830997"/>
-          </a:xfrm>
-          <a:prstGeom prst="rect">
-            <a:avLst/>
-          </a:prstGeom>
-        </p:spPr>
-        <p:txBody>
-          <a:bodyPr wrap="square">
-            <a:spAutoFit/>
-          </a:bodyPr>
-          <a:lstStyle/>
-          <a:p>
-            <a:pPr marL="342900" indent="-342900">
-              <a:buFont typeface="Arial" panose="020B0604020202020204" pitchFamily="34" charset="0"/>
-              <a:buChar char="•"/>
-            </a:pPr>
-            <a:r>
-              <a:rPr lang="zh-CN" altLang="en-US" sz="2400" dirty="0"/>
-              <a:t>一些配置文件配置错误，导致容器不能启动成功，需要修改对应配置项。</a:t>
-            </a:r>
-            <a:endParaRPr lang="en-US" altLang="zh-CN" sz="2400" dirty="0"/>
-          </a:p>
-        </p:txBody>
-      </p:sp>
-      <p:sp>
-        <p:nvSpPr>
-          <p:cNvPr id="8" name="文本框 7"/>
-          <p:cNvSpPr txBox="1"/>
-          <p:nvPr/>
-        </p:nvSpPr>
-        <p:spPr>
-          <a:xfrm>
-            <a:off x="986226" y="4299942"/>
-            <a:ext cx="4666342" cy="461665"/>
-          </a:xfrm>
-          <a:prstGeom prst="rect">
-            <a:avLst/>
-          </a:prstGeom>
-          <a:noFill/>
-        </p:spPr>
-        <p:txBody>
-          <a:bodyPr wrap="none" rtlCol="0">
-            <a:spAutoFit/>
-          </a:bodyPr>
-          <a:lstStyle/>
-          <a:p>
-            <a:pPr marL="342900" indent="-342900">
-              <a:buFont typeface="Arial" panose="020B0604020202020204" pitchFamily="34" charset="0"/>
-              <a:buChar char="•"/>
-            </a:pPr>
-            <a:r>
-              <a:rPr lang="en-US" altLang="zh-CN" sz="2400" dirty="0" smtClean="0"/>
-              <a:t>Neutron</a:t>
-            </a:r>
-            <a:r>
-              <a:rPr lang="zh-CN" altLang="en-US" sz="2400" dirty="0" smtClean="0"/>
-              <a:t>网络类型</a:t>
-            </a:r>
-            <a:r>
-              <a:rPr lang="zh-CN" altLang="en-US" sz="2400" dirty="0"/>
-              <a:t>只</a:t>
-            </a:r>
-            <a:r>
-              <a:rPr lang="zh-CN" altLang="en-US" sz="2400" dirty="0" smtClean="0"/>
-              <a:t>支持</a:t>
-            </a:r>
-            <a:r>
-              <a:rPr lang="en-US" altLang="zh-CN" sz="2400" dirty="0" err="1" smtClean="0"/>
-              <a:t>vswitch</a:t>
-            </a:r>
-            <a:endParaRPr lang="zh-CN" altLang="en-US" sz="2400" dirty="0"/>
-          </a:p>
-        </p:txBody>
-      </p:sp>
-      <p:sp>
-        <p:nvSpPr>
-          <p:cNvPr id="9" name="文本框 8"/>
-          <p:cNvSpPr txBox="1"/>
-          <p:nvPr/>
-        </p:nvSpPr>
-        <p:spPr>
-          <a:xfrm>
-            <a:off x="986226" y="1663634"/>
-            <a:ext cx="6857455" cy="461665"/>
-          </a:xfrm>
-          <a:prstGeom prst="rect">
-            <a:avLst/>
-          </a:prstGeom>
-          <a:noFill/>
-        </p:spPr>
-        <p:txBody>
-          <a:bodyPr wrap="none" rtlCol="0">
-            <a:spAutoFit/>
-          </a:bodyPr>
-          <a:lstStyle/>
-          <a:p>
-            <a:pPr marL="342900" indent="-342900">
-              <a:buFont typeface="Arial" panose="020B0604020202020204" pitchFamily="34" charset="0"/>
-              <a:buChar char="•"/>
-            </a:pPr>
-            <a:r>
-              <a:rPr lang="en-US" altLang="zh-CN" sz="2400" dirty="0" smtClean="0"/>
-              <a:t>Kubernetes &gt;= 1.6.4 </a:t>
-            </a:r>
-            <a:r>
-              <a:rPr lang="en-US" altLang="zh-CN" sz="2400" dirty="0" err="1" smtClean="0"/>
-              <a:t>docker</a:t>
-            </a:r>
-            <a:r>
-              <a:rPr lang="en-US" altLang="zh-CN" sz="2400" dirty="0" smtClean="0"/>
-              <a:t> &gt;=1.12.6 helm &gt;= 2.4.1</a:t>
-            </a:r>
-            <a:endParaRPr lang="zh-CN" altLang="en-US" sz="2400" dirty="0"/>
-          </a:p>
-        </p:txBody>
-      </p:sp>
-      <p:sp>
-        <p:nvSpPr>
-          <p:cNvPr id="10" name="文本框 9"/>
-          <p:cNvSpPr txBox="1"/>
-          <p:nvPr/>
-        </p:nvSpPr>
-        <p:spPr>
-          <a:xfrm>
-            <a:off x="986226" y="1270095"/>
-            <a:ext cx="6352765" cy="461665"/>
-          </a:xfrm>
-          <a:prstGeom prst="rect">
-            <a:avLst/>
-          </a:prstGeom>
-          <a:noFill/>
-        </p:spPr>
-        <p:txBody>
-          <a:bodyPr wrap="none" rtlCol="0">
-            <a:spAutoFit/>
-          </a:bodyPr>
-          <a:lstStyle/>
-          <a:p>
-            <a:pPr marL="342900" indent="-342900">
-              <a:buFont typeface="Arial" panose="020B0604020202020204" pitchFamily="34" charset="0"/>
-              <a:buChar char="•"/>
-            </a:pPr>
-            <a:r>
-              <a:rPr lang="zh-CN" altLang="en-US" sz="2400" dirty="0" smtClean="0"/>
-              <a:t>在</a:t>
-            </a:r>
-            <a:r>
-              <a:rPr lang="en-US" altLang="zh-CN" sz="2400" dirty="0" smtClean="0"/>
-              <a:t>k8s</a:t>
-            </a:r>
-            <a:r>
-              <a:rPr lang="zh-CN" altLang="en-US" sz="2400" dirty="0" smtClean="0"/>
-              <a:t>中设置标签，指定</a:t>
-            </a:r>
-            <a:r>
-              <a:rPr lang="en-US" altLang="zh-CN" sz="2400" dirty="0" smtClean="0"/>
-              <a:t>controller</a:t>
-            </a:r>
-            <a:r>
-              <a:rPr lang="zh-CN" altLang="en-US" sz="2400" dirty="0" smtClean="0"/>
-              <a:t>和</a:t>
-            </a:r>
-            <a:r>
-              <a:rPr lang="en-US" altLang="zh-CN" sz="2400" dirty="0" smtClean="0"/>
-              <a:t>compute</a:t>
-            </a:r>
-            <a:endParaRPr lang="zh-CN" altLang="en-US" sz="2400" dirty="0"/>
-          </a:p>
-        </p:txBody>
-      </p:sp>
-    </p:spTree>
-    <p:extLst>
-      <p:ext uri="{BB962C8B-B14F-4D97-AF65-F5344CB8AC3E}">
-        <p14:creationId xmlns:p14="http://schemas.microsoft.com/office/powerpoint/2010/main" val="312667220"/>
-      </p:ext>
-    </p:extLst>
-  </p:cSld>
-  <p:clrMapOvr>
-    <a:masterClrMapping/>
-  </p:clrMapOvr>
-</p:sld>
-</file>
-
-<file path=ppt/slides/slide25.xml><?xml version="1.0" encoding="utf-8"?>
-<p:sld xmlns:a="http://schemas.openxmlformats.org/drawingml/2006/main" xmlns:r="http://schemas.openxmlformats.org/officeDocument/2006/relationships" xmlns:p="http://schemas.openxmlformats.org/presentationml/2006/main">
-  <p:cSld>
-    <p:spTree>
-      <p:nvGrpSpPr>
-        <p:cNvPr id="1" name=""/>
-        <p:cNvGrpSpPr/>
-        <p:nvPr/>
-      </p:nvGrpSpPr>
-      <p:grpSpPr>
-        <a:xfrm>
-          <a:off x="0" y="0"/>
-          <a:ext cx="0" cy="0"/>
-          <a:chOff x="0" y="0"/>
-          <a:chExt cx="0" cy="0"/>
-        </a:xfrm>
-      </p:grpSpPr>
-      <p:sp>
-        <p:nvSpPr>
-          <p:cNvPr id="4" name="文本框 3"/>
-          <p:cNvSpPr txBox="1"/>
-          <p:nvPr/>
-        </p:nvSpPr>
-        <p:spPr>
-          <a:xfrm>
-            <a:off x="-28824" y="561623"/>
-            <a:ext cx="1728358" cy="707886"/>
-          </a:xfrm>
-          <a:prstGeom prst="rect">
-            <a:avLst/>
-          </a:prstGeom>
-          <a:noFill/>
-        </p:spPr>
-        <p:txBody>
-          <a:bodyPr wrap="none" rtlCol="0">
-            <a:spAutoFit/>
-          </a:bodyPr>
-          <a:lstStyle/>
-          <a:p>
-            <a:r>
-              <a:rPr lang="zh-CN" altLang="en-US" sz="4000" b="1" dirty="0" smtClean="0">
-                <a:latin typeface="+mj-ea"/>
-                <a:ea typeface="+mj-ea"/>
-              </a:rPr>
-              <a:t>流程图</a:t>
-            </a:r>
-            <a:endParaRPr lang="en-US" altLang="zh-CN" sz="4000" b="1" dirty="0" smtClean="0">
-              <a:latin typeface="+mj-ea"/>
-              <a:ea typeface="+mj-ea"/>
-            </a:endParaRPr>
-          </a:p>
-        </p:txBody>
-      </p:sp>
-      <p:pic>
-        <p:nvPicPr>
-          <p:cNvPr id="3" name="图片 2"/>
-          <p:cNvPicPr>
-            <a:picLocks noChangeAspect="1"/>
-          </p:cNvPicPr>
-          <p:nvPr/>
-        </p:nvPicPr>
-        <p:blipFill>
-          <a:blip r:embed="rId3"/>
-          <a:stretch>
-            <a:fillRect/>
-          </a:stretch>
-        </p:blipFill>
-        <p:spPr>
-          <a:xfrm>
-            <a:off x="14928" y="1164568"/>
-            <a:ext cx="5716990" cy="3291830"/>
-          </a:xfrm>
-          <a:prstGeom prst="rect">
-            <a:avLst/>
-          </a:prstGeom>
-        </p:spPr>
-      </p:pic>
-      <p:sp>
-        <p:nvSpPr>
-          <p:cNvPr id="5" name="文本框 4"/>
-          <p:cNvSpPr txBox="1"/>
-          <p:nvPr/>
-        </p:nvSpPr>
-        <p:spPr>
-          <a:xfrm>
-            <a:off x="5743923" y="1492376"/>
-            <a:ext cx="3600666" cy="1569660"/>
-          </a:xfrm>
-          <a:prstGeom prst="rect">
-            <a:avLst/>
-          </a:prstGeom>
-          <a:noFill/>
-        </p:spPr>
-        <p:txBody>
-          <a:bodyPr wrap="none" rtlCol="0">
-            <a:spAutoFit/>
-          </a:bodyPr>
-          <a:lstStyle/>
-          <a:p>
-            <a:pPr marL="285750" indent="-285750">
-              <a:buFont typeface="Arial" panose="020B0604020202020204" pitchFamily="34" charset="0"/>
-              <a:buChar char="•"/>
-            </a:pPr>
-            <a:r>
-              <a:rPr lang="zh-CN" altLang="en-US" sz="1600" dirty="0" smtClean="0"/>
-              <a:t>所有操作</a:t>
-            </a:r>
-            <a:r>
-              <a:rPr lang="en-US" altLang="zh-CN" sz="1600" dirty="0" smtClean="0"/>
-              <a:t>/</a:t>
-            </a:r>
-            <a:r>
-              <a:rPr lang="zh-CN" altLang="en-US" sz="1600" dirty="0" smtClean="0"/>
-              <a:t>资源统一由</a:t>
-            </a:r>
-            <a:r>
-              <a:rPr lang="en-US" altLang="zh-CN" sz="1600" dirty="0" err="1" smtClean="0"/>
-              <a:t>openshift</a:t>
-            </a:r>
-            <a:r>
-              <a:rPr lang="zh-CN" altLang="en-US" sz="1600" dirty="0" smtClean="0"/>
-              <a:t>管理</a:t>
-            </a:r>
-            <a:endParaRPr lang="en-US" altLang="zh-CN" sz="1600" dirty="0" smtClean="0"/>
-          </a:p>
-          <a:p>
-            <a:pPr marL="742950" lvl="1" indent="-285750">
-              <a:buFont typeface="Wingdings" panose="05000000000000000000" pitchFamily="2" charset="2"/>
-              <a:buChar char="Ø"/>
-            </a:pPr>
-            <a:r>
-              <a:rPr lang="zh-CN" altLang="en-US" sz="1600" dirty="0" smtClean="0"/>
-              <a:t>配置文件</a:t>
-            </a:r>
-            <a:r>
-              <a:rPr lang="en-US" altLang="zh-CN" sz="1600" dirty="0"/>
-              <a:t> </a:t>
-            </a:r>
-            <a:r>
-              <a:rPr lang="en-US" altLang="zh-CN" sz="1600" dirty="0" smtClean="0"/>
-              <a:t>– </a:t>
-            </a:r>
-            <a:r>
-              <a:rPr lang="en-US" altLang="zh-CN" sz="1600" dirty="0" err="1" smtClean="0"/>
-              <a:t>configmap</a:t>
-            </a:r>
-            <a:endParaRPr lang="en-US" altLang="zh-CN" sz="1600" dirty="0" smtClean="0"/>
-          </a:p>
-          <a:p>
-            <a:pPr marL="742950" lvl="1" indent="-285750">
-              <a:buFont typeface="Wingdings" panose="05000000000000000000" pitchFamily="2" charset="2"/>
-              <a:buChar char="Ø"/>
-            </a:pPr>
-            <a:r>
-              <a:rPr lang="zh-CN" altLang="en-US" sz="1600" dirty="0" smtClean="0"/>
-              <a:t>用户密码 </a:t>
-            </a:r>
-            <a:r>
-              <a:rPr lang="en-US" altLang="zh-CN" sz="1600" dirty="0" smtClean="0"/>
-              <a:t>- secret</a:t>
-            </a:r>
-          </a:p>
-          <a:p>
-            <a:pPr marL="285750" indent="-285750">
-              <a:buFont typeface="Arial" panose="020B0604020202020204" pitchFamily="34" charset="0"/>
-              <a:buChar char="•"/>
-            </a:pPr>
-            <a:r>
-              <a:rPr lang="en-US" altLang="zh-CN" sz="1600" dirty="0" smtClean="0"/>
-              <a:t>PaaS</a:t>
-            </a:r>
-            <a:r>
-              <a:rPr lang="zh-CN" altLang="en-US" sz="1600" dirty="0" smtClean="0"/>
-              <a:t>平台提供运维支持</a:t>
-            </a:r>
-            <a:endParaRPr lang="en-US" altLang="zh-CN" sz="1600" dirty="0" smtClean="0"/>
-          </a:p>
-          <a:p>
-            <a:pPr marL="285750" indent="-285750">
-              <a:buFont typeface="Arial" panose="020B0604020202020204" pitchFamily="34" charset="0"/>
-              <a:buChar char="•"/>
-            </a:pPr>
-            <a:r>
-              <a:rPr lang="zh-CN" altLang="en-US" sz="1600" dirty="0" smtClean="0"/>
-              <a:t>自带监控系统可监控</a:t>
-            </a:r>
-            <a:r>
-              <a:rPr lang="en-US" altLang="zh-CN" sz="1600" dirty="0" err="1" smtClean="0"/>
-              <a:t>openstack</a:t>
-            </a:r>
-            <a:r>
-              <a:rPr lang="zh-CN" altLang="en-US" sz="1600" dirty="0" smtClean="0"/>
-              <a:t>服务</a:t>
-            </a:r>
-            <a:endParaRPr lang="en-US" altLang="zh-CN" sz="1600" dirty="0" smtClean="0"/>
-          </a:p>
-          <a:p>
-            <a:pPr marL="285750" indent="-285750">
-              <a:buFont typeface="Arial" panose="020B0604020202020204" pitchFamily="34" charset="0"/>
-              <a:buChar char="•"/>
-            </a:pPr>
-            <a:r>
-              <a:rPr lang="en-US" altLang="zh-CN" sz="1600" dirty="0" smtClean="0"/>
-              <a:t>Helm</a:t>
-            </a:r>
-            <a:r>
-              <a:rPr lang="zh-CN" altLang="en-US" sz="1600" dirty="0" smtClean="0"/>
-              <a:t>版本管理，升级和回滚方便</a:t>
-            </a:r>
-            <a:endParaRPr lang="zh-CN" altLang="en-US" sz="1600" dirty="0"/>
-          </a:p>
-        </p:txBody>
-      </p:sp>
-      <p:sp>
-        <p:nvSpPr>
-          <p:cNvPr id="6" name="矩形 5"/>
-          <p:cNvSpPr/>
-          <p:nvPr/>
-        </p:nvSpPr>
-        <p:spPr>
-          <a:xfrm>
-            <a:off x="5796555" y="1153822"/>
-            <a:ext cx="800219" cy="338554"/>
-          </a:xfrm>
-          <a:prstGeom prst="rect">
-            <a:avLst/>
-          </a:prstGeom>
-        </p:spPr>
-        <p:txBody>
-          <a:bodyPr wrap="none">
-            <a:spAutoFit/>
-          </a:bodyPr>
-          <a:lstStyle/>
-          <a:p>
-            <a:r>
-              <a:rPr lang="zh-CN" altLang="en-US" sz="1600" dirty="0"/>
-              <a:t>优点：</a:t>
-            </a:r>
-            <a:endParaRPr lang="en-US" altLang="zh-CN" sz="1600" dirty="0"/>
-          </a:p>
-        </p:txBody>
-      </p:sp>
-      <p:sp>
-        <p:nvSpPr>
-          <p:cNvPr id="8" name="文本框 7"/>
-          <p:cNvSpPr txBox="1"/>
-          <p:nvPr/>
-        </p:nvSpPr>
-        <p:spPr>
-          <a:xfrm>
-            <a:off x="5796555" y="3102352"/>
-            <a:ext cx="800219" cy="338554"/>
-          </a:xfrm>
-          <a:prstGeom prst="rect">
-            <a:avLst/>
-          </a:prstGeom>
-          <a:noFill/>
-        </p:spPr>
-        <p:txBody>
-          <a:bodyPr wrap="none" rtlCol="0">
-            <a:spAutoFit/>
-          </a:bodyPr>
-          <a:lstStyle/>
-          <a:p>
-            <a:r>
-              <a:rPr lang="zh-CN" altLang="en-US" sz="1600" dirty="0" smtClean="0"/>
-              <a:t>缺点：</a:t>
-            </a:r>
-            <a:endParaRPr lang="zh-CN" altLang="en-US" sz="1600" dirty="0"/>
-          </a:p>
-        </p:txBody>
-      </p:sp>
-      <p:sp>
-        <p:nvSpPr>
-          <p:cNvPr id="9" name="文本框 8"/>
-          <p:cNvSpPr txBox="1"/>
-          <p:nvPr/>
-        </p:nvSpPr>
-        <p:spPr>
-          <a:xfrm>
-            <a:off x="5796555" y="3481222"/>
-            <a:ext cx="3095925" cy="1077218"/>
-          </a:xfrm>
-          <a:prstGeom prst="rect">
-            <a:avLst/>
-          </a:prstGeom>
-          <a:noFill/>
-        </p:spPr>
-        <p:txBody>
-          <a:bodyPr wrap="square" rtlCol="0">
-            <a:spAutoFit/>
-          </a:bodyPr>
-          <a:lstStyle/>
-          <a:p>
-            <a:pPr marL="285750" indent="-285750">
-              <a:buFont typeface="Arial" panose="020B0604020202020204" pitchFamily="34" charset="0"/>
-              <a:buChar char="•"/>
-            </a:pPr>
-            <a:r>
-              <a:rPr lang="zh-CN" altLang="en-US" sz="1600" dirty="0" smtClean="0"/>
-              <a:t>需要成熟的</a:t>
-            </a:r>
-            <a:r>
-              <a:rPr lang="en-US" altLang="zh-CN" sz="1600" dirty="0" smtClean="0"/>
-              <a:t>PaaS</a:t>
-            </a:r>
-            <a:r>
-              <a:rPr lang="zh-CN" altLang="en-US" sz="1600" dirty="0" smtClean="0"/>
-              <a:t>平台支持，增加了额外的运维工作</a:t>
-            </a:r>
-            <a:endParaRPr lang="en-US" altLang="zh-CN" sz="1600" dirty="0"/>
-          </a:p>
-          <a:p>
-            <a:pPr marL="285750" indent="-285750">
-              <a:buFont typeface="Arial" panose="020B0604020202020204" pitchFamily="34" charset="0"/>
-              <a:buChar char="•"/>
-            </a:pPr>
-            <a:r>
-              <a:rPr lang="en-US" altLang="zh-CN" sz="1600" dirty="0" smtClean="0"/>
-              <a:t>Helm</a:t>
-            </a:r>
-            <a:r>
-              <a:rPr lang="zh-CN" altLang="en-US" sz="1600" dirty="0" smtClean="0"/>
-              <a:t>文件需要开发、维护</a:t>
-            </a:r>
-            <a:endParaRPr lang="en-US" altLang="zh-CN" sz="1600" dirty="0" smtClean="0"/>
-          </a:p>
-          <a:p>
-            <a:pPr marL="285750" indent="-285750">
-              <a:buFont typeface="Arial" panose="020B0604020202020204" pitchFamily="34" charset="0"/>
-              <a:buChar char="•"/>
-            </a:pPr>
-            <a:r>
-              <a:rPr lang="en-US" altLang="zh-CN" sz="1600" dirty="0" smtClean="0"/>
-              <a:t>STI</a:t>
-            </a:r>
-            <a:r>
-              <a:rPr lang="zh-CN" altLang="en-US" sz="1600" dirty="0" smtClean="0"/>
-              <a:t>构建镜像需要额外开发</a:t>
-            </a:r>
-            <a:endParaRPr lang="zh-CN" altLang="en-US" dirty="0"/>
-          </a:p>
-        </p:txBody>
-      </p:sp>
-    </p:spTree>
-    <p:extLst>
-      <p:ext uri="{BB962C8B-B14F-4D97-AF65-F5344CB8AC3E}">
-        <p14:creationId xmlns:p14="http://schemas.microsoft.com/office/powerpoint/2010/main" val="2366268110"/>
-      </p:ext>
-    </p:extLst>
-  </p:cSld>
-  <p:clrMapOvr>
-    <a:masterClrMapping/>
-  </p:clrMapOvr>
-  <p:timing>
-    <p:tnLst>
-      <p:par>
-        <p:cTn id="1" dur="indefinite" restart="never" nodeType="tmRoot"/>
-      </p:par>
-    </p:tnLst>
-  </p:timing>
-</p:sld>
-</file>
-
-<file path=ppt/slides/slide26.xml><?xml version="1.0" encoding="utf-8"?>
-<p:sld xmlns:a="http://schemas.openxmlformats.org/drawingml/2006/main" xmlns:r="http://schemas.openxmlformats.org/officeDocument/2006/relationships" xmlns:p="http://schemas.openxmlformats.org/presentationml/2006/main">
-  <p:cSld>
-    <p:spTree>
-      <p:nvGrpSpPr>
-        <p:cNvPr id="1" name=""/>
-        <p:cNvGrpSpPr/>
-        <p:nvPr/>
-      </p:nvGrpSpPr>
-      <p:grpSpPr>
-        <a:xfrm>
-          <a:off x="0" y="0"/>
-          <a:ext cx="0" cy="0"/>
-          <a:chOff x="0" y="0"/>
-          <a:chExt cx="0" cy="0"/>
-        </a:xfrm>
-      </p:grpSpPr>
-      <p:sp>
-        <p:nvSpPr>
-          <p:cNvPr id="4" name="标题 3"/>
-          <p:cNvSpPr>
-            <a:spLocks noGrp="1"/>
-          </p:cNvSpPr>
-          <p:nvPr>
-            <p:ph type="ctrTitle"/>
-          </p:nvPr>
-        </p:nvSpPr>
-        <p:spPr/>
-        <p:txBody>
-          <a:bodyPr>
-            <a:normAutofit/>
-          </a:bodyPr>
-          <a:lstStyle/>
-          <a:p>
-            <a:pPr algn="l"/>
-            <a:r>
-              <a:rPr lang="en-US" altLang="zh-CN" sz="5400" b="1" dirty="0" smtClean="0"/>
-              <a:t>Thank You</a:t>
-            </a:r>
-            <a:endParaRPr lang="zh-CN" altLang="en-US" sz="5400" b="1" dirty="0"/>
-          </a:p>
-        </p:txBody>
-      </p:sp>
-    </p:spTree>
-    <p:extLst>
-      <p:ext uri="{BB962C8B-B14F-4D97-AF65-F5344CB8AC3E}">
-        <p14:creationId xmlns:p14="http://schemas.microsoft.com/office/powerpoint/2010/main" val="118747174"/>
       </p:ext>
     </p:extLst>
   </p:cSld>

--- a/OpenStack容器化持续集成与交付实践方案.pptx
+++ b/OpenStack容器化持续集成与交付实践方案.pptx
@@ -8416,7 +8416,39 @@
           <a:p>
             <a:r>
               <a:rPr lang="zh-CN" altLang="en-US" sz="2000" dirty="0" smtClean="0"/>
-              <a:t>容器云管理平台，提供多种自动化部署策略，支持多种负责条件的节点调度，满足生产环境的负责应用场景，支持弹性伸缩功能，可根据业务需求调整后端数量，同时可以借助第三方系统实现应用的持续集成。</a:t>
+              <a:t>容器云管理平台，提供多种自动化部署策略，支持</a:t>
+            </a:r>
+            <a:r>
+              <a:rPr lang="zh-CN" altLang="en-US" sz="2000" dirty="0" smtClean="0"/>
+              <a:t>多种</a:t>
+            </a:r>
+            <a:r>
+              <a:rPr lang="zh-CN" altLang="en-US" sz="2000" dirty="0"/>
+              <a:t>复杂</a:t>
+            </a:r>
+            <a:r>
+              <a:rPr lang="zh-CN" altLang="en-US" sz="2000" dirty="0" smtClean="0"/>
+              <a:t>条件</a:t>
+            </a:r>
+            <a:r>
+              <a:rPr lang="zh-CN" altLang="en-US" sz="2000" dirty="0" smtClean="0"/>
+              <a:t>的节点调度，满足生产环境</a:t>
+            </a:r>
+            <a:r>
+              <a:rPr lang="zh-CN" altLang="en-US" sz="2000" dirty="0" smtClean="0"/>
+              <a:t>的</a:t>
+            </a:r>
+            <a:r>
+              <a:rPr lang="zh-CN" altLang="en-US" sz="2000" dirty="0"/>
+              <a:t>复杂</a:t>
+            </a:r>
+            <a:r>
+              <a:rPr lang="zh-CN" altLang="en-US" sz="2000" dirty="0" smtClean="0"/>
+              <a:t>应用</a:t>
+            </a:r>
+            <a:r>
+              <a:rPr lang="zh-CN" altLang="en-US" sz="2000" dirty="0" smtClean="0"/>
+              <a:t>场景，支持弹性伸缩功能，可根据业务需求调整后端数量，同时可以借助第三方系统实现应用的持续集成。</a:t>
             </a:r>
             <a:endParaRPr lang="zh-CN" altLang="en-US" sz="2000" dirty="0"/>
           </a:p>
@@ -12305,7 +12337,7 @@
         <a:sysClr val="windowText" lastClr="000000"/>
       </a:dk1>
       <a:lt1>
-        <a:sysClr val="window" lastClr="FFFFFF"/>
+        <a:sysClr val="window" lastClr="CEEACA"/>
       </a:lt1>
       <a:dk2>
         <a:srgbClr val="1F497D"/>
@@ -12588,7 +12620,7 @@
         <a:sysClr val="windowText" lastClr="000000"/>
       </a:dk1>
       <a:lt1>
-        <a:sysClr val="window" lastClr="FFFFFF"/>
+        <a:sysClr val="window" lastClr="CEEACA"/>
       </a:lt1>
       <a:dk2>
         <a:srgbClr val="44546A"/>
